--- a/2017_PSROC_poster_Jet substructure.pptx
+++ b/2017_PSROC_poster_Jet substructure.pptx
@@ -6,6 +6,7 @@
   </p:sldMasterIdLst>
   <p:sldIdLst>
     <p:sldId id="256" r:id="rId2"/>
+    <p:sldId id="257" r:id="rId3"/>
   </p:sldIdLst>
   <p:sldSz cx="30248225" cy="42848213"/>
   <p:notesSz cx="6858000" cy="9144000"/>
@@ -304,7 +305,7 @@
           <a:p>
             <a:fld id="{6AE2C996-D988-194F-8F02-BEBA5B6C0990}" type="datetimeFigureOut">
               <a:rPr kumimoji="1" lang="zh-TW" altLang="en-US" smtClean="0"/>
-              <a:t>2017/12/16</a:t>
+              <a:t>2017/12/20</a:t>
             </a:fld>
             <a:endParaRPr kumimoji="1" lang="zh-TW" altLang="en-US"/>
           </a:p>
@@ -474,7 +475,7 @@
           <a:p>
             <a:fld id="{6AE2C996-D988-194F-8F02-BEBA5B6C0990}" type="datetimeFigureOut">
               <a:rPr kumimoji="1" lang="zh-TW" altLang="en-US" smtClean="0"/>
-              <a:t>2017/12/16</a:t>
+              <a:t>2017/12/20</a:t>
             </a:fld>
             <a:endParaRPr kumimoji="1" lang="zh-TW" altLang="en-US"/>
           </a:p>
@@ -654,7 +655,7 @@
           <a:p>
             <a:fld id="{6AE2C996-D988-194F-8F02-BEBA5B6C0990}" type="datetimeFigureOut">
               <a:rPr kumimoji="1" lang="zh-TW" altLang="en-US" smtClean="0"/>
-              <a:t>2017/12/16</a:t>
+              <a:t>2017/12/20</a:t>
             </a:fld>
             <a:endParaRPr kumimoji="1" lang="zh-TW" altLang="en-US"/>
           </a:p>
@@ -824,7 +825,7 @@
           <a:p>
             <a:fld id="{6AE2C996-D988-194F-8F02-BEBA5B6C0990}" type="datetimeFigureOut">
               <a:rPr kumimoji="1" lang="zh-TW" altLang="en-US" smtClean="0"/>
-              <a:t>2017/12/16</a:t>
+              <a:t>2017/12/20</a:t>
             </a:fld>
             <a:endParaRPr kumimoji="1" lang="zh-TW" altLang="en-US"/>
           </a:p>
@@ -1070,7 +1071,7 @@
           <a:p>
             <a:fld id="{6AE2C996-D988-194F-8F02-BEBA5B6C0990}" type="datetimeFigureOut">
               <a:rPr kumimoji="1" lang="zh-TW" altLang="en-US" smtClean="0"/>
-              <a:t>2017/12/16</a:t>
+              <a:t>2017/12/20</a:t>
             </a:fld>
             <a:endParaRPr kumimoji="1" lang="zh-TW" altLang="en-US"/>
           </a:p>
@@ -1358,7 +1359,7 @@
           <a:p>
             <a:fld id="{6AE2C996-D988-194F-8F02-BEBA5B6C0990}" type="datetimeFigureOut">
               <a:rPr kumimoji="1" lang="zh-TW" altLang="en-US" smtClean="0"/>
-              <a:t>2017/12/16</a:t>
+              <a:t>2017/12/20</a:t>
             </a:fld>
             <a:endParaRPr kumimoji="1" lang="zh-TW" altLang="en-US"/>
           </a:p>
@@ -1780,7 +1781,7 @@
           <a:p>
             <a:fld id="{6AE2C996-D988-194F-8F02-BEBA5B6C0990}" type="datetimeFigureOut">
               <a:rPr kumimoji="1" lang="zh-TW" altLang="en-US" smtClean="0"/>
-              <a:t>2017/12/16</a:t>
+              <a:t>2017/12/20</a:t>
             </a:fld>
             <a:endParaRPr kumimoji="1" lang="zh-TW" altLang="en-US"/>
           </a:p>
@@ -1898,7 +1899,7 @@
           <a:p>
             <a:fld id="{6AE2C996-D988-194F-8F02-BEBA5B6C0990}" type="datetimeFigureOut">
               <a:rPr kumimoji="1" lang="zh-TW" altLang="en-US" smtClean="0"/>
-              <a:t>2017/12/16</a:t>
+              <a:t>2017/12/20</a:t>
             </a:fld>
             <a:endParaRPr kumimoji="1" lang="zh-TW" altLang="en-US"/>
           </a:p>
@@ -1993,7 +1994,7 @@
           <a:p>
             <a:fld id="{6AE2C996-D988-194F-8F02-BEBA5B6C0990}" type="datetimeFigureOut">
               <a:rPr kumimoji="1" lang="zh-TW" altLang="en-US" smtClean="0"/>
-              <a:t>2017/12/16</a:t>
+              <a:t>2017/12/20</a:t>
             </a:fld>
             <a:endParaRPr kumimoji="1" lang="zh-TW" altLang="en-US"/>
           </a:p>
@@ -2270,7 +2271,7 @@
           <a:p>
             <a:fld id="{6AE2C996-D988-194F-8F02-BEBA5B6C0990}" type="datetimeFigureOut">
               <a:rPr kumimoji="1" lang="zh-TW" altLang="en-US" smtClean="0"/>
-              <a:t>2017/12/16</a:t>
+              <a:t>2017/12/20</a:t>
             </a:fld>
             <a:endParaRPr kumimoji="1" lang="zh-TW" altLang="en-US"/>
           </a:p>
@@ -2523,7 +2524,7 @@
           <a:p>
             <a:fld id="{6AE2C996-D988-194F-8F02-BEBA5B6C0990}" type="datetimeFigureOut">
               <a:rPr kumimoji="1" lang="zh-TW" altLang="en-US" smtClean="0"/>
-              <a:t>2017/12/16</a:t>
+              <a:t>2017/12/20</a:t>
             </a:fld>
             <a:endParaRPr kumimoji="1" lang="zh-TW" altLang="en-US"/>
           </a:p>
@@ -2736,7 +2737,7 @@
           <a:p>
             <a:fld id="{6AE2C996-D988-194F-8F02-BEBA5B6C0990}" type="datetimeFigureOut">
               <a:rPr kumimoji="1" lang="zh-TW" altLang="en-US" smtClean="0"/>
-              <a:t>2017/12/16</a:t>
+              <a:t>2017/12/20</a:t>
             </a:fld>
             <a:endParaRPr kumimoji="1" lang="zh-TW" altLang="en-US"/>
           </a:p>
@@ -3121,45 +3122,6 @@
       </p:grpSpPr>
       <p:sp>
         <p:nvSpPr>
-          <p:cNvPr id="129" name="圓角矩形 128"/>
-          <p:cNvSpPr/>
-          <p:nvPr/>
-        </p:nvSpPr>
-        <p:spPr>
-          <a:xfrm>
-            <a:off x="224995" y="27228596"/>
-            <a:ext cx="15088180" cy="15267310"/>
-          </a:xfrm>
-          <a:prstGeom prst="roundRect">
-            <a:avLst/>
-          </a:prstGeom>
-          <a:noFill/>
-        </p:spPr>
-        <p:style>
-          <a:lnRef idx="1">
-            <a:schemeClr val="accent1"/>
-          </a:lnRef>
-          <a:fillRef idx="3">
-            <a:schemeClr val="accent1"/>
-          </a:fillRef>
-          <a:effectRef idx="2">
-            <a:schemeClr val="accent1"/>
-          </a:effectRef>
-          <a:fontRef idx="minor">
-            <a:schemeClr val="lt1"/>
-          </a:fontRef>
-        </p:style>
-        <p:txBody>
-          <a:bodyPr rtlCol="0" anchor="ctr"/>
-          <a:lstStyle/>
-          <a:p>
-            <a:pPr algn="ctr"/>
-            <a:endParaRPr kumimoji="1" lang="zh-TW" altLang="en-US"/>
-          </a:p>
-        </p:txBody>
-      </p:sp>
-      <p:sp>
-        <p:nvSpPr>
           <p:cNvPr id="124" name="矩形 123"/>
           <p:cNvSpPr/>
           <p:nvPr/>
@@ -3207,6 +3169,75 @@
               <a:t>ˋ</a:t>
             </a:r>
             <a:endParaRPr kumimoji="1" lang="zh-TW" altLang="en-US" dirty="0"/>
+          </a:p>
+        </p:txBody>
+      </p:sp>
+      <p:pic>
+        <p:nvPicPr>
+          <p:cNvPr id="15" name="圖片 14"/>
+          <p:cNvPicPr>
+            <a:picLocks noChangeAspect="1"/>
+          </p:cNvPicPr>
+          <p:nvPr/>
+        </p:nvPicPr>
+        <p:blipFill>
+          <a:blip r:embed="rId3">
+            <a:extLst>
+              <a:ext uri="{28A0092B-C50C-407E-A947-70E740481C1C}">
+                <a14:useLocalDpi xmlns:a14="http://schemas.microsoft.com/office/drawing/2010/main" val="0"/>
+              </a:ext>
+            </a:extLst>
+          </a:blip>
+          <a:stretch>
+            <a:fillRect/>
+          </a:stretch>
+        </p:blipFill>
+        <p:spPr>
+          <a:xfrm>
+            <a:off x="25323632" y="9798369"/>
+            <a:ext cx="4553039" cy="3668954"/>
+          </a:xfrm>
+          <a:prstGeom prst="rect">
+            <a:avLst/>
+          </a:prstGeom>
+        </p:spPr>
+      </p:pic>
+      <p:sp>
+        <p:nvSpPr>
+          <p:cNvPr id="129" name="圓角矩形 128"/>
+          <p:cNvSpPr/>
+          <p:nvPr/>
+        </p:nvSpPr>
+        <p:spPr>
+          <a:xfrm>
+            <a:off x="224995" y="27228596"/>
+            <a:ext cx="15088180" cy="15267310"/>
+          </a:xfrm>
+          <a:prstGeom prst="roundRect">
+            <a:avLst/>
+          </a:prstGeom>
+          <a:noFill/>
+        </p:spPr>
+        <p:style>
+          <a:lnRef idx="1">
+            <a:schemeClr val="accent1"/>
+          </a:lnRef>
+          <a:fillRef idx="3">
+            <a:schemeClr val="accent1"/>
+          </a:fillRef>
+          <a:effectRef idx="2">
+            <a:schemeClr val="accent1"/>
+          </a:effectRef>
+          <a:fontRef idx="minor">
+            <a:schemeClr val="lt1"/>
+          </a:fontRef>
+        </p:style>
+        <p:txBody>
+          <a:bodyPr rtlCol="0" anchor="ctr"/>
+          <a:lstStyle/>
+          <a:p>
+            <a:pPr algn="ctr"/>
+            <a:endParaRPr kumimoji="1" lang="zh-TW" altLang="en-US"/>
           </a:p>
         </p:txBody>
       </p:sp>
@@ -3263,84 +3294,6 @@
           </a:p>
         </p:txBody>
       </p:sp>
-      <p:pic>
-        <p:nvPicPr>
-          <p:cNvPr id="119" name="圖片 118"/>
-          <p:cNvPicPr>
-            <a:picLocks noChangeAspect="1"/>
-          </p:cNvPicPr>
-          <p:nvPr/>
-        </p:nvPicPr>
-        <p:blipFill>
-          <a:blip r:embed="rId3">
-            <a:extLst>
-              <a:ext uri="{28A0092B-C50C-407E-A947-70E740481C1C}">
-                <a14:useLocalDpi xmlns:a14="http://schemas.microsoft.com/office/drawing/2010/main" val="0"/>
-              </a:ext>
-            </a:extLst>
-          </a:blip>
-          <a:stretch>
-            <a:fillRect/>
-          </a:stretch>
-        </p:blipFill>
-        <p:spPr>
-          <a:xfrm>
-            <a:off x="25459978" y="9936519"/>
-            <a:ext cx="4392198" cy="3469836"/>
-          </a:xfrm>
-          <a:prstGeom prst="rect">
-            <a:avLst/>
-          </a:prstGeom>
-        </p:spPr>
-      </p:pic>
-      <p:pic>
-        <p:nvPicPr>
-          <p:cNvPr id="101" name="圖片 100"/>
-          <p:cNvPicPr>
-            <a:picLocks noChangeAspect="1"/>
-          </p:cNvPicPr>
-          <p:nvPr/>
-        </p:nvPicPr>
-        <p:blipFill>
-          <a:blip r:embed="rId4"/>
-          <a:stretch>
-            <a:fillRect/>
-          </a:stretch>
-        </p:blipFill>
-        <p:spPr>
-          <a:xfrm>
-            <a:off x="22638559" y="27787073"/>
-            <a:ext cx="5664846" cy="5134217"/>
-          </a:xfrm>
-          <a:prstGeom prst="rect">
-            <a:avLst/>
-          </a:prstGeom>
-        </p:spPr>
-      </p:pic>
-      <p:pic>
-        <p:nvPicPr>
-          <p:cNvPr id="100" name="圖片 99"/>
-          <p:cNvPicPr>
-            <a:picLocks noChangeAspect="1"/>
-          </p:cNvPicPr>
-          <p:nvPr/>
-        </p:nvPicPr>
-        <p:blipFill>
-          <a:blip r:embed="rId5"/>
-          <a:stretch>
-            <a:fillRect/>
-          </a:stretch>
-        </p:blipFill>
-        <p:spPr>
-          <a:xfrm>
-            <a:off x="16478734" y="27787073"/>
-            <a:ext cx="5679623" cy="5182296"/>
-          </a:xfrm>
-          <a:prstGeom prst="rect">
-            <a:avLst/>
-          </a:prstGeom>
-        </p:spPr>
-      </p:pic>
       <mc:AlternateContent xmlns:mc="http://schemas.openxmlformats.org/markup-compatibility/2006" xmlns:a14="http://schemas.microsoft.com/office/drawing/2010/main">
         <mc:Choice Requires="a14">
           <p:sp>
@@ -4040,48 +3993,108 @@
           <a:lstStyle/>
           <a:p>
             <a:r>
-              <a:rPr lang="en-US" altLang="zh-TW" sz="3600" dirty="0"/>
+              <a:rPr lang="en-US" altLang="zh-TW" sz="3600" dirty="0">
+                <a:latin typeface="Arial" charset="0"/>
+                <a:ea typeface="Arial" charset="0"/>
+                <a:cs typeface="Arial" charset="0"/>
+              </a:rPr>
               <a:t>In this poster, we study the performance of hadron calorimeter in </a:t>
             </a:r>
             <a:r>
-              <a:rPr lang="en-US" altLang="zh-TW" sz="3600" dirty="0" err="1"/>
+              <a:rPr lang="en-US" altLang="zh-TW" sz="3600" dirty="0" err="1">
+                <a:latin typeface="Arial" charset="0"/>
+                <a:ea typeface="Arial" charset="0"/>
+                <a:cs typeface="Arial" charset="0"/>
+              </a:rPr>
               <a:t>SiFCC</a:t>
             </a:r>
             <a:r>
-              <a:rPr lang="en-US" altLang="zh-TW" sz="3600" dirty="0"/>
+              <a:rPr lang="en-US" altLang="zh-TW" sz="3600" dirty="0">
+                <a:latin typeface="Arial" charset="0"/>
+                <a:ea typeface="Arial" charset="0"/>
+                <a:cs typeface="Arial" charset="0"/>
+              </a:rPr>
               <a:t> for the future √s=100 </a:t>
             </a:r>
             <a:r>
-              <a:rPr lang="en-US" altLang="zh-TW" sz="3600" dirty="0" err="1"/>
+              <a:rPr lang="en-US" altLang="zh-TW" sz="3600" dirty="0" err="1">
+                <a:latin typeface="Arial" charset="0"/>
+                <a:ea typeface="Arial" charset="0"/>
+                <a:cs typeface="Arial" charset="0"/>
+              </a:rPr>
               <a:t>TeV</a:t>
             </a:r>
             <a:r>
-              <a:rPr lang="en-US" altLang="zh-TW" sz="3600" dirty="0"/>
+              <a:rPr lang="en-US" altLang="zh-TW" sz="3600" dirty="0">
+                <a:latin typeface="Arial" charset="0"/>
+                <a:ea typeface="Arial" charset="0"/>
+                <a:cs typeface="Arial" charset="0"/>
+              </a:rPr>
               <a:t> pp collider. The GEANT4 full simulation includes calorimeters with different cell sizes. We aim to efficiently separate signal Z’-&gt;</a:t>
             </a:r>
             <a:r>
-              <a:rPr lang="en-US" altLang="zh-TW" sz="3600" dirty="0" err="1"/>
+              <a:rPr lang="en-US" altLang="zh-TW" sz="3600" dirty="0" err="1">
+                <a:latin typeface="Arial" charset="0"/>
+                <a:ea typeface="Arial" charset="0"/>
+                <a:cs typeface="Arial" charset="0"/>
+              </a:rPr>
               <a:t>ww</a:t>
             </a:r>
             <a:r>
-              <a:rPr lang="en-US" altLang="zh-TW" sz="3600" dirty="0"/>
+              <a:rPr lang="en-US" altLang="zh-TW" sz="3600" dirty="0">
+                <a:latin typeface="Arial" charset="0"/>
+                <a:ea typeface="Arial" charset="0"/>
+                <a:cs typeface="Arial" charset="0"/>
+              </a:rPr>
               <a:t> or Z’-&gt;</a:t>
             </a:r>
             <a:r>
-              <a:rPr lang="en-US" altLang="zh-TW" sz="3600" dirty="0" err="1"/>
+              <a:rPr lang="en-US" altLang="zh-TW" sz="3600" dirty="0" err="1">
+                <a:latin typeface="Arial" charset="0"/>
+                <a:ea typeface="Arial" charset="0"/>
+                <a:cs typeface="Arial" charset="0"/>
+              </a:rPr>
               <a:t>tt</a:t>
             </a:r>
             <a:r>
-              <a:rPr lang="en-US" altLang="zh-TW" sz="3600" dirty="0"/>
+              <a:rPr lang="en-US" altLang="zh-TW" sz="3600" dirty="0">
+                <a:latin typeface="Arial" charset="0"/>
+                <a:ea typeface="Arial" charset="0"/>
+                <a:cs typeface="Arial" charset="0"/>
+              </a:rPr>
               <a:t> and background Z’-&gt;qq. Various jet substructure variables and Z’ masses from 5 to 40 </a:t>
             </a:r>
             <a:r>
-              <a:rPr lang="en-US" altLang="zh-TW" sz="3600" dirty="0" err="1"/>
+              <a:rPr lang="en-US" altLang="zh-TW" sz="3600" dirty="0" err="1">
+                <a:latin typeface="Arial" charset="0"/>
+                <a:ea typeface="Arial" charset="0"/>
+                <a:cs typeface="Arial" charset="0"/>
+              </a:rPr>
               <a:t>TeV</a:t>
             </a:r>
             <a:r>
-              <a:rPr lang="en-US" altLang="zh-TW" sz="3600" dirty="0"/>
-              <a:t> collision energy are also compared. </a:t>
+              <a:rPr lang="en-US" altLang="zh-TW" sz="3600" dirty="0">
+                <a:latin typeface="Arial" charset="0"/>
+                <a:ea typeface="Arial" charset="0"/>
+                <a:cs typeface="Arial" charset="0"/>
+              </a:rPr>
+              <a:t> </a:t>
+            </a:r>
+            <a:r>
+              <a:rPr lang="en-US" altLang="zh-TW" sz="3600" dirty="0" smtClean="0">
+                <a:latin typeface="Arial" charset="0"/>
+                <a:ea typeface="Arial" charset="0"/>
+                <a:cs typeface="Arial" charset="0"/>
+              </a:rPr>
+              <a:t>are </a:t>
+            </a:r>
+            <a:r>
+              <a:rPr lang="en-US" altLang="zh-TW" sz="3600" dirty="0">
+                <a:latin typeface="Arial" charset="0"/>
+                <a:ea typeface="Arial" charset="0"/>
+                <a:cs typeface="Arial" charset="0"/>
+              </a:rPr>
+              <a:t>also compared. </a:t>
             </a:r>
           </a:p>
         </p:txBody>
@@ -4168,7 +4181,7 @@
           <a:graphicData uri="http://schemas.openxmlformats.org/presentationml/2006/ole">
             <mc:AlternateContent xmlns:mc="http://schemas.openxmlformats.org/markup-compatibility/2006">
               <mc:Choice xmlns:v="urn:schemas-microsoft-com:vml" Requires="v">
-                <p:oleObj spid="_x0000_s1565" name="方程式" r:id="rId9" imgW="190500" imgH="152400" progId="Equation.3">
+                <p:oleObj spid="_x0000_s1589" name="方程式" r:id="rId9" imgW="190500" imgH="152400" progId="Equation.3">
                   <p:embed/>
                 </p:oleObj>
               </mc:Choice>
@@ -4211,8 +4224,8 @@
         </p:nvSpPr>
         <p:spPr>
           <a:xfrm>
-            <a:off x="16334268" y="37677977"/>
-            <a:ext cx="5616624" cy="861774"/>
+            <a:off x="15416052" y="37853024"/>
+            <a:ext cx="11517932" cy="861774"/>
           </a:xfrm>
           <a:prstGeom prst="rect">
             <a:avLst/>
@@ -4232,7 +4245,7 @@
                 <a:latin typeface="Arial" pitchFamily="34" charset="0"/>
                 <a:cs typeface="Arial" pitchFamily="34" charset="0"/>
               </a:rPr>
-              <a:t>Summary :</a:t>
+              <a:t>Summary for soft drop :</a:t>
             </a:r>
             <a:r>
               <a:rPr lang="en-US" altLang="zh-TW" sz="5000" b="1" dirty="0" smtClean="0">
@@ -4271,15 +4284,38 @@
           </a:bodyPr>
           <a:lstStyle/>
           <a:p>
-            <a:pPr>
+            <a:pPr marL="742950" indent="-742950">
               <a:spcBef>
                 <a:spcPct val="20000"/>
               </a:spcBef>
+              <a:buAutoNum type="arabicPeriod"/>
             </a:pPr>
             <a:r>
               <a:rPr lang="en-US" altLang="zh-TW" sz="4000" dirty="0" smtClean="0"/>
-              <a:t>The two optimization methods get consistent results of the best cuts, and the |d Eta| cut will be considered to be added into the final selection.</a:t>
+              <a:t>Fix central</a:t>
             </a:r>
+          </a:p>
+          <a:p>
+            <a:pPr marL="742950" indent="-742950">
+              <a:spcBef>
+                <a:spcPct val="20000"/>
+              </a:spcBef>
+              <a:buAutoNum type="arabicPeriod"/>
+            </a:pPr>
+            <a:endParaRPr lang="en-US" altLang="zh-TW" sz="4000" dirty="0"/>
+          </a:p>
+          <a:p>
+            <a:pPr marL="742950" indent="-742950">
+              <a:spcBef>
+                <a:spcPct val="20000"/>
+              </a:spcBef>
+              <a:buAutoNum type="arabicPeriod"/>
+            </a:pPr>
+            <a:r>
+              <a:rPr lang="en-US" altLang="zh-TW" sz="4000" smtClean="0"/>
+              <a:t>Fix width</a:t>
+            </a:r>
+            <a:endParaRPr lang="en-US" altLang="zh-TW" sz="4000" dirty="0" smtClean="0"/>
           </a:p>
         </p:txBody>
       </p:sp>
@@ -4318,1267 +4354,8 @@
           </a:p>
         </p:txBody>
       </p:sp>
-      <p:pic>
-        <p:nvPicPr>
-          <p:cNvPr id="69" name="圖片 68"/>
-          <p:cNvPicPr>
-            <a:picLocks noChangeAspect="1"/>
-          </p:cNvPicPr>
-          <p:nvPr/>
-        </p:nvPicPr>
-        <p:blipFill>
-          <a:blip r:embed="rId11"/>
-          <a:stretch>
-            <a:fillRect/>
-          </a:stretch>
-        </p:blipFill>
-        <p:spPr>
-          <a:xfrm>
-            <a:off x="16516616" y="21982457"/>
-            <a:ext cx="5641741" cy="5134829"/>
-          </a:xfrm>
-          <a:prstGeom prst="rect">
-            <a:avLst/>
-          </a:prstGeom>
-        </p:spPr>
-      </p:pic>
-      <p:pic>
-        <p:nvPicPr>
-          <p:cNvPr id="70" name="圖片 69"/>
-          <p:cNvPicPr>
-            <a:picLocks noChangeAspect="1"/>
-          </p:cNvPicPr>
-          <p:nvPr/>
-        </p:nvPicPr>
-        <p:blipFill>
-          <a:blip r:embed="rId12"/>
-          <a:stretch>
-            <a:fillRect/>
-          </a:stretch>
-        </p:blipFill>
-        <p:spPr>
-          <a:xfrm>
-            <a:off x="22770719" y="21982457"/>
-            <a:ext cx="5525529" cy="5055861"/>
-          </a:xfrm>
-          <a:prstGeom prst="rect">
-            <a:avLst/>
-          </a:prstGeom>
-        </p:spPr>
-      </p:pic>
-      <p:graphicFrame>
-        <p:nvGraphicFramePr>
-          <p:cNvPr id="77" name="表格 76"/>
-          <p:cNvGraphicFramePr>
-            <a:graphicFrameLocks noGrp="1"/>
-          </p:cNvGraphicFramePr>
-          <p:nvPr>
-            <p:extLst>
-              <p:ext uri="{D42A27DB-BD31-4B8C-83A1-F6EECF244321}">
-                <p14:modId xmlns:p14="http://schemas.microsoft.com/office/powerpoint/2010/main" val="1776595942"/>
-              </p:ext>
-            </p:extLst>
-          </p:nvPr>
-        </p:nvGraphicFramePr>
-        <p:xfrm>
-          <a:off x="16735075" y="33635527"/>
-          <a:ext cx="12252420" cy="3837436"/>
-        </p:xfrm>
-        <a:graphic>
-          <a:graphicData uri="http://schemas.openxmlformats.org/drawingml/2006/table">
-            <a:tbl>
-              <a:tblPr firstRow="1" bandRow="1">
-                <a:tableStyleId>{17292A2E-F333-43FB-9621-5CBBE7FDCDCB}</a:tableStyleId>
-              </a:tblPr>
-              <a:tblGrid>
-                <a:gridCol w="3063105"/>
-                <a:gridCol w="3063105"/>
-                <a:gridCol w="3063105"/>
-                <a:gridCol w="3063105"/>
-              </a:tblGrid>
-              <a:tr h="692870">
-                <a:tc>
-                  <a:txBody>
-                    <a:bodyPr/>
-                    <a:lstStyle/>
-                    <a:p>
-                      <a:endParaRPr lang="zh-TW" altLang="en-US" sz="3200" b="1" dirty="0"/>
-                    </a:p>
-                  </a:txBody>
-                  <a:tcPr/>
-                </a:tc>
-                <a:tc>
-                  <a:txBody>
-                    <a:bodyPr/>
-                    <a:lstStyle/>
-                    <a:p>
-                      <a:r>
-                        <a:rPr lang="en-US" altLang="zh-TW" sz="3200" b="1" dirty="0" smtClean="0"/>
-                        <a:t>M=1000</a:t>
-                      </a:r>
-                      <a:endParaRPr lang="zh-TW" altLang="en-US" sz="3200" b="1" dirty="0"/>
-                    </a:p>
-                  </a:txBody>
-                  <a:tcPr/>
-                </a:tc>
-                <a:tc>
-                  <a:txBody>
-                    <a:bodyPr/>
-                    <a:lstStyle/>
-                    <a:p>
-                      <a:r>
-                        <a:rPr lang="en-US" altLang="zh-TW" sz="3200" b="1" dirty="0" smtClean="0"/>
-                        <a:t>M=2000</a:t>
-                      </a:r>
-                      <a:endParaRPr lang="zh-TW" altLang="en-US" sz="3200" b="1" dirty="0"/>
-                    </a:p>
-                  </a:txBody>
-                  <a:tcPr/>
-                </a:tc>
-                <a:tc>
-                  <a:txBody>
-                    <a:bodyPr/>
-                    <a:lstStyle/>
-                    <a:p>
-                      <a:r>
-                        <a:rPr lang="en-US" altLang="zh-TW" sz="3200" b="1" dirty="0" smtClean="0"/>
-                        <a:t>M=3000</a:t>
-                      </a:r>
-                      <a:endParaRPr lang="zh-TW" altLang="en-US" sz="3200" b="1" dirty="0"/>
-                    </a:p>
-                  </a:txBody>
-                  <a:tcPr/>
-                </a:tc>
-              </a:tr>
-              <a:tr h="692870">
-                <a:tc>
-                  <a:txBody>
-                    <a:bodyPr/>
-                    <a:lstStyle/>
-                    <a:p>
-                      <a:r>
-                        <a:rPr lang="en-US" altLang="zh-TW" sz="3200" b="1" dirty="0" smtClean="0"/>
-                        <a:t>Leading</a:t>
-                      </a:r>
-                      <a:r>
-                        <a:rPr lang="en-US" altLang="zh-TW" sz="3200" b="1" baseline="0" dirty="0" smtClean="0"/>
-                        <a:t> </a:t>
-                      </a:r>
-                      <a:r>
-                        <a:rPr lang="en-US" altLang="zh-TW" sz="3200" b="1" baseline="0" dirty="0" err="1" smtClean="0"/>
-                        <a:t>pt</a:t>
-                      </a:r>
-                      <a:endParaRPr lang="zh-TW" altLang="en-US" sz="3200" b="1" dirty="0"/>
-                    </a:p>
-                  </a:txBody>
-                  <a:tcPr/>
-                </a:tc>
-                <a:tc>
-                  <a:txBody>
-                    <a:bodyPr/>
-                    <a:lstStyle/>
-                    <a:p>
-                      <a:r>
-                        <a:rPr lang="en-US" altLang="zh-TW" sz="3200" b="1" dirty="0" err="1" smtClean="0"/>
-                        <a:t>Pt</a:t>
-                      </a:r>
-                      <a:r>
-                        <a:rPr lang="en-US" altLang="zh-TW" sz="3200" b="1" dirty="0" smtClean="0"/>
-                        <a:t>&gt;195 </a:t>
-                      </a:r>
-                      <a:r>
-                        <a:rPr lang="en-US" altLang="zh-TW" sz="3200" b="1" dirty="0" err="1" smtClean="0"/>
-                        <a:t>GeV</a:t>
-                      </a:r>
-                      <a:endParaRPr lang="zh-TW" altLang="en-US" sz="3200" b="1" dirty="0"/>
-                    </a:p>
-                  </a:txBody>
-                  <a:tcPr/>
-                </a:tc>
-                <a:tc>
-                  <a:txBody>
-                    <a:bodyPr/>
-                    <a:lstStyle/>
-                    <a:p>
-                      <a:pPr marL="0" marR="0" indent="0" algn="l" defTabSz="457200" rtl="0" eaLnBrk="1" fontAlgn="auto" latinLnBrk="0" hangingPunct="1">
-                        <a:lnSpc>
-                          <a:spcPct val="100000"/>
-                        </a:lnSpc>
-                        <a:spcBef>
-                          <a:spcPts val="0"/>
-                        </a:spcBef>
-                        <a:spcAft>
-                          <a:spcPts val="0"/>
-                        </a:spcAft>
-                        <a:buClrTx/>
-                        <a:buSzTx/>
-                        <a:buFontTx/>
-                        <a:buNone/>
-                        <a:tabLst/>
-                        <a:defRPr/>
-                      </a:pPr>
-                      <a:r>
-                        <a:rPr lang="en-US" altLang="zh-TW" sz="3200" b="1" dirty="0" err="1" smtClean="0"/>
-                        <a:t>Pt</a:t>
-                      </a:r>
-                      <a:r>
-                        <a:rPr lang="en-US" altLang="zh-TW" sz="3200" b="1" dirty="0" smtClean="0"/>
-                        <a:t>&gt;415 </a:t>
-                      </a:r>
-                      <a:r>
-                        <a:rPr lang="en-US" altLang="zh-TW" sz="3200" b="1" dirty="0" err="1" smtClean="0"/>
-                        <a:t>GeV</a:t>
-                      </a:r>
-                      <a:endParaRPr lang="zh-TW" altLang="en-US" sz="3200" b="1" dirty="0" smtClean="0"/>
-                    </a:p>
-                  </a:txBody>
-                  <a:tcPr/>
-                </a:tc>
-                <a:tc>
-                  <a:txBody>
-                    <a:bodyPr/>
-                    <a:lstStyle/>
-                    <a:p>
-                      <a:pPr marL="0" marR="0" indent="0" algn="l" defTabSz="457200" rtl="0" eaLnBrk="1" fontAlgn="auto" latinLnBrk="0" hangingPunct="1">
-                        <a:lnSpc>
-                          <a:spcPct val="100000"/>
-                        </a:lnSpc>
-                        <a:spcBef>
-                          <a:spcPts val="0"/>
-                        </a:spcBef>
-                        <a:spcAft>
-                          <a:spcPts val="0"/>
-                        </a:spcAft>
-                        <a:buClrTx/>
-                        <a:buSzTx/>
-                        <a:buFontTx/>
-                        <a:buNone/>
-                        <a:tabLst/>
-                        <a:defRPr/>
-                      </a:pPr>
-                      <a:r>
-                        <a:rPr lang="en-US" altLang="zh-TW" sz="3200" b="1" dirty="0" err="1" smtClean="0"/>
-                        <a:t>Pt</a:t>
-                      </a:r>
-                      <a:r>
-                        <a:rPr lang="en-US" altLang="zh-TW" sz="3200" b="1" dirty="0" smtClean="0"/>
-                        <a:t>&gt;495 </a:t>
-                      </a:r>
-                      <a:r>
-                        <a:rPr lang="en-US" altLang="zh-TW" sz="3200" b="1" dirty="0" err="1" smtClean="0"/>
-                        <a:t>GeV</a:t>
-                      </a:r>
-                      <a:endParaRPr lang="zh-TW" altLang="en-US" sz="3200" b="1" dirty="0" smtClean="0"/>
-                    </a:p>
-                  </a:txBody>
-                  <a:tcPr/>
-                </a:tc>
-              </a:tr>
-              <a:tr h="1225848">
-                <a:tc>
-                  <a:txBody>
-                    <a:bodyPr/>
-                    <a:lstStyle/>
-                    <a:p>
-                      <a:pPr marL="0" marR="0" indent="0" algn="l" defTabSz="457200" rtl="0" eaLnBrk="1" fontAlgn="auto" latinLnBrk="0" hangingPunct="1">
-                        <a:lnSpc>
-                          <a:spcPct val="100000"/>
-                        </a:lnSpc>
-                        <a:spcBef>
-                          <a:spcPts val="0"/>
-                        </a:spcBef>
-                        <a:spcAft>
-                          <a:spcPts val="0"/>
-                        </a:spcAft>
-                        <a:buClrTx/>
-                        <a:buSzTx/>
-                        <a:buFontTx/>
-                        <a:buNone/>
-                        <a:tabLst/>
-                        <a:defRPr/>
-                      </a:pPr>
-                      <a:r>
-                        <a:rPr lang="en-US" altLang="zh-TW" sz="3200" b="1" dirty="0" smtClean="0"/>
-                        <a:t>Sub-Leading</a:t>
-                      </a:r>
-                      <a:r>
-                        <a:rPr lang="en-US" altLang="zh-TW" sz="3200" b="1" baseline="0" dirty="0" smtClean="0"/>
-                        <a:t> </a:t>
-                      </a:r>
-                      <a:r>
-                        <a:rPr lang="en-US" altLang="zh-TW" sz="3200" b="1" baseline="0" dirty="0" err="1" smtClean="0"/>
-                        <a:t>pt</a:t>
-                      </a:r>
-                      <a:endParaRPr lang="zh-TW" altLang="en-US" sz="3200" b="1" dirty="0" smtClean="0"/>
-                    </a:p>
-                  </a:txBody>
-                  <a:tcPr/>
-                </a:tc>
-                <a:tc>
-                  <a:txBody>
-                    <a:bodyPr/>
-                    <a:lstStyle/>
-                    <a:p>
-                      <a:pPr marL="0" marR="0" indent="0" algn="l" defTabSz="457200" rtl="0" eaLnBrk="1" fontAlgn="auto" latinLnBrk="0" hangingPunct="1">
-                        <a:lnSpc>
-                          <a:spcPct val="100000"/>
-                        </a:lnSpc>
-                        <a:spcBef>
-                          <a:spcPts val="0"/>
-                        </a:spcBef>
-                        <a:spcAft>
-                          <a:spcPts val="0"/>
-                        </a:spcAft>
-                        <a:buClrTx/>
-                        <a:buSzTx/>
-                        <a:buFontTx/>
-                        <a:buNone/>
-                        <a:tabLst/>
-                        <a:defRPr/>
-                      </a:pPr>
-                      <a:r>
-                        <a:rPr lang="en-US" altLang="zh-TW" sz="3200" b="1" dirty="0" err="1" smtClean="0"/>
-                        <a:t>Pt</a:t>
-                      </a:r>
-                      <a:r>
-                        <a:rPr lang="en-US" altLang="zh-TW" sz="3200" b="1" dirty="0" smtClean="0"/>
-                        <a:t>&gt;75 </a:t>
-                      </a:r>
-                      <a:r>
-                        <a:rPr lang="en-US" altLang="zh-TW" sz="3200" b="1" dirty="0" err="1" smtClean="0"/>
-                        <a:t>GeV</a:t>
-                      </a:r>
-                      <a:endParaRPr lang="zh-TW" altLang="en-US" sz="3200" b="1" dirty="0" smtClean="0"/>
-                    </a:p>
-                    <a:p>
-                      <a:endParaRPr lang="zh-TW" altLang="en-US" sz="3200" b="1" dirty="0"/>
-                    </a:p>
-                  </a:txBody>
-                  <a:tcPr/>
-                </a:tc>
-                <a:tc>
-                  <a:txBody>
-                    <a:bodyPr/>
-                    <a:lstStyle/>
-                    <a:p>
-                      <a:pPr marL="0" marR="0" indent="0" algn="l" defTabSz="457200" rtl="0" eaLnBrk="1" fontAlgn="auto" latinLnBrk="0" hangingPunct="1">
-                        <a:lnSpc>
-                          <a:spcPct val="100000"/>
-                        </a:lnSpc>
-                        <a:spcBef>
-                          <a:spcPts val="0"/>
-                        </a:spcBef>
-                        <a:spcAft>
-                          <a:spcPts val="0"/>
-                        </a:spcAft>
-                        <a:buClrTx/>
-                        <a:buSzTx/>
-                        <a:buFontTx/>
-                        <a:buNone/>
-                        <a:tabLst/>
-                        <a:defRPr/>
-                      </a:pPr>
-                      <a:r>
-                        <a:rPr lang="en-US" altLang="zh-TW" sz="3200" b="1" dirty="0" err="1" smtClean="0"/>
-                        <a:t>Pt</a:t>
-                      </a:r>
-                      <a:r>
-                        <a:rPr lang="en-US" altLang="zh-TW" sz="3200" b="1" dirty="0" smtClean="0"/>
-                        <a:t>&gt;175 </a:t>
-                      </a:r>
-                      <a:r>
-                        <a:rPr lang="en-US" altLang="zh-TW" sz="3200" b="1" dirty="0" err="1" smtClean="0"/>
-                        <a:t>GeV</a:t>
-                      </a:r>
-                      <a:endParaRPr lang="zh-TW" altLang="en-US" sz="3200" b="1" dirty="0" smtClean="0"/>
-                    </a:p>
-                    <a:p>
-                      <a:endParaRPr lang="zh-TW" altLang="en-US" sz="3200" b="1" dirty="0"/>
-                    </a:p>
-                  </a:txBody>
-                  <a:tcPr/>
-                </a:tc>
-                <a:tc>
-                  <a:txBody>
-                    <a:bodyPr/>
-                    <a:lstStyle/>
-                    <a:p>
-                      <a:pPr marL="0" marR="0" indent="0" algn="l" defTabSz="457200" rtl="0" eaLnBrk="1" fontAlgn="auto" latinLnBrk="0" hangingPunct="1">
-                        <a:lnSpc>
-                          <a:spcPct val="100000"/>
-                        </a:lnSpc>
-                        <a:spcBef>
-                          <a:spcPts val="0"/>
-                        </a:spcBef>
-                        <a:spcAft>
-                          <a:spcPts val="0"/>
-                        </a:spcAft>
-                        <a:buClrTx/>
-                        <a:buSzTx/>
-                        <a:buFontTx/>
-                        <a:buNone/>
-                        <a:tabLst/>
-                        <a:defRPr/>
-                      </a:pPr>
-                      <a:r>
-                        <a:rPr lang="en-US" altLang="zh-TW" sz="3200" b="1" dirty="0" err="1" smtClean="0"/>
-                        <a:t>Pt</a:t>
-                      </a:r>
-                      <a:r>
-                        <a:rPr lang="en-US" altLang="zh-TW" sz="3200" b="1" dirty="0" smtClean="0"/>
-                        <a:t>&gt;195 </a:t>
-                      </a:r>
-                      <a:r>
-                        <a:rPr lang="en-US" altLang="zh-TW" sz="3200" b="1" dirty="0" err="1" smtClean="0"/>
-                        <a:t>GeV</a:t>
-                      </a:r>
-                      <a:endParaRPr lang="zh-TW" altLang="en-US" sz="3200" b="1" dirty="0" smtClean="0"/>
-                    </a:p>
-                    <a:p>
-                      <a:endParaRPr lang="zh-TW" altLang="en-US" sz="3200" b="1" dirty="0"/>
-                    </a:p>
-                  </a:txBody>
-                  <a:tcPr/>
-                </a:tc>
-              </a:tr>
-              <a:tr h="1225848">
-                <a:tc>
-                  <a:txBody>
-                    <a:bodyPr/>
-                    <a:lstStyle/>
-                    <a:p>
-                      <a:pPr marL="0" marR="0" indent="0" algn="l" defTabSz="457200" rtl="0" eaLnBrk="1" fontAlgn="auto" latinLnBrk="0" hangingPunct="1">
-                        <a:lnSpc>
-                          <a:spcPct val="100000"/>
-                        </a:lnSpc>
-                        <a:spcBef>
-                          <a:spcPts val="0"/>
-                        </a:spcBef>
-                        <a:spcAft>
-                          <a:spcPts val="0"/>
-                        </a:spcAft>
-                        <a:buClrTx/>
-                        <a:buSzTx/>
-                        <a:buFontTx/>
-                        <a:buNone/>
-                        <a:tabLst/>
-                        <a:defRPr/>
-                      </a:pPr>
-                      <a:r>
-                        <a:rPr kumimoji="1" lang="en-US" altLang="zh-TW" sz="3200" b="1" dirty="0" smtClean="0"/>
-                        <a:t>|d Eta (Z,H)| </a:t>
-                      </a:r>
-                      <a:endParaRPr kumimoji="1" lang="zh-TW" altLang="en-US" sz="3200" b="1" dirty="0" smtClean="0"/>
-                    </a:p>
-                  </a:txBody>
-                  <a:tcPr/>
-                </a:tc>
-                <a:tc>
-                  <a:txBody>
-                    <a:bodyPr/>
-                    <a:lstStyle/>
-                    <a:p>
-                      <a:pPr marL="0" marR="0" indent="0" algn="l" defTabSz="457200" rtl="0" eaLnBrk="1" fontAlgn="auto" latinLnBrk="0" hangingPunct="1">
-                        <a:lnSpc>
-                          <a:spcPct val="100000"/>
-                        </a:lnSpc>
-                        <a:spcBef>
-                          <a:spcPts val="0"/>
-                        </a:spcBef>
-                        <a:spcAft>
-                          <a:spcPts val="0"/>
-                        </a:spcAft>
-                        <a:buClrTx/>
-                        <a:buSzTx/>
-                        <a:buFontTx/>
-                        <a:buNone/>
-                        <a:tabLst/>
-                        <a:defRPr/>
-                      </a:pPr>
-                      <a:r>
-                        <a:rPr kumimoji="1" lang="en-US" altLang="zh-TW" sz="3200" b="1" dirty="0" smtClean="0"/>
-                        <a:t>|d Eta (Z,H)| &lt;1.5</a:t>
-                      </a:r>
-                      <a:endParaRPr kumimoji="1" lang="zh-TW" altLang="en-US" sz="3200" b="1" dirty="0" smtClean="0">
-                        <a:solidFill>
-                          <a:schemeClr val="tx1"/>
-                        </a:solidFill>
-                      </a:endParaRPr>
-                    </a:p>
-                  </a:txBody>
-                  <a:tcPr/>
-                </a:tc>
-                <a:tc>
-                  <a:txBody>
-                    <a:bodyPr/>
-                    <a:lstStyle/>
-                    <a:p>
-                      <a:pPr marL="0" marR="0" indent="0" algn="l" defTabSz="457200" rtl="0" eaLnBrk="1" fontAlgn="auto" latinLnBrk="0" hangingPunct="1">
-                        <a:lnSpc>
-                          <a:spcPct val="100000"/>
-                        </a:lnSpc>
-                        <a:spcBef>
-                          <a:spcPts val="0"/>
-                        </a:spcBef>
-                        <a:spcAft>
-                          <a:spcPts val="0"/>
-                        </a:spcAft>
-                        <a:buClrTx/>
-                        <a:buSzTx/>
-                        <a:buFontTx/>
-                        <a:buNone/>
-                        <a:tabLst/>
-                        <a:defRPr/>
-                      </a:pPr>
-                      <a:r>
-                        <a:rPr kumimoji="1" lang="en-US" altLang="zh-TW" sz="3200" b="1" dirty="0" smtClean="0"/>
-                        <a:t>|d Eta (Z,H)| &lt;2.0</a:t>
-                      </a:r>
-                      <a:endParaRPr kumimoji="1" lang="zh-TW" altLang="en-US" sz="3200" b="1" dirty="0" smtClean="0">
-                        <a:solidFill>
-                          <a:schemeClr val="tx1"/>
-                        </a:solidFill>
-                      </a:endParaRPr>
-                    </a:p>
-                  </a:txBody>
-                  <a:tcPr/>
-                </a:tc>
-                <a:tc>
-                  <a:txBody>
-                    <a:bodyPr/>
-                    <a:lstStyle/>
-                    <a:p>
-                      <a:pPr marL="0" marR="0" indent="0" algn="l" defTabSz="457200" rtl="0" eaLnBrk="1" fontAlgn="auto" latinLnBrk="0" hangingPunct="1">
-                        <a:lnSpc>
-                          <a:spcPct val="100000"/>
-                        </a:lnSpc>
-                        <a:spcBef>
-                          <a:spcPts val="0"/>
-                        </a:spcBef>
-                        <a:spcAft>
-                          <a:spcPts val="0"/>
-                        </a:spcAft>
-                        <a:buClrTx/>
-                        <a:buSzTx/>
-                        <a:buFontTx/>
-                        <a:buNone/>
-                        <a:tabLst/>
-                        <a:defRPr/>
-                      </a:pPr>
-                      <a:r>
-                        <a:rPr kumimoji="1" lang="en-US" altLang="zh-TW" sz="3200" b="1" dirty="0" smtClean="0"/>
-                        <a:t>|d Eta (Z,H)| &lt;2.5</a:t>
-                      </a:r>
-                      <a:endParaRPr kumimoji="1" lang="zh-TW" altLang="en-US" sz="3200" b="1" dirty="0" smtClean="0">
-                        <a:solidFill>
-                          <a:schemeClr val="tx1"/>
-                        </a:solidFill>
-                      </a:endParaRPr>
-                    </a:p>
-                  </a:txBody>
-                  <a:tcPr/>
-                </a:tc>
-              </a:tr>
-            </a:tbl>
-          </a:graphicData>
-        </a:graphic>
-      </p:graphicFrame>
-      <p:pic>
-        <p:nvPicPr>
-          <p:cNvPr id="78" name="圖片 77"/>
-          <p:cNvPicPr>
-            <a:picLocks noChangeAspect="1"/>
-          </p:cNvPicPr>
-          <p:nvPr/>
-        </p:nvPicPr>
-        <p:blipFill>
-          <a:blip r:embed="rId13"/>
-          <a:stretch>
-            <a:fillRect/>
-          </a:stretch>
-        </p:blipFill>
-        <p:spPr>
-          <a:xfrm>
-            <a:off x="16390412" y="16891780"/>
-            <a:ext cx="4301567" cy="3922858"/>
-          </a:xfrm>
-          <a:prstGeom prst="rect">
-            <a:avLst/>
-          </a:prstGeom>
-        </p:spPr>
-      </p:pic>
-      <p:pic>
-        <p:nvPicPr>
-          <p:cNvPr id="79" name="圖片 78"/>
-          <p:cNvPicPr>
-            <a:picLocks noChangeAspect="1"/>
-          </p:cNvPicPr>
-          <p:nvPr/>
-        </p:nvPicPr>
-        <p:blipFill>
-          <a:blip r:embed="rId14"/>
-          <a:stretch>
-            <a:fillRect/>
-          </a:stretch>
-        </p:blipFill>
-        <p:spPr>
-          <a:xfrm>
-            <a:off x="20987762" y="16880084"/>
-            <a:ext cx="4250258" cy="3876064"/>
-          </a:xfrm>
-          <a:prstGeom prst="rect">
-            <a:avLst/>
-          </a:prstGeom>
-        </p:spPr>
-      </p:pic>
-      <p:pic>
-        <p:nvPicPr>
-          <p:cNvPr id="80" name="圖片 79"/>
-          <p:cNvPicPr>
-            <a:picLocks noChangeAspect="1"/>
-          </p:cNvPicPr>
-          <p:nvPr/>
-        </p:nvPicPr>
-        <p:blipFill>
-          <a:blip r:embed="rId15"/>
-          <a:stretch>
-            <a:fillRect/>
-          </a:stretch>
-        </p:blipFill>
-        <p:spPr>
-          <a:xfrm>
-            <a:off x="25470982" y="16880084"/>
-            <a:ext cx="4257315" cy="3876064"/>
-          </a:xfrm>
-          <a:prstGeom prst="rect">
-            <a:avLst/>
-          </a:prstGeom>
-        </p:spPr>
-      </p:pic>
-      <p:sp>
-        <p:nvSpPr>
-          <p:cNvPr id="81" name="內容版面配置區 2"/>
-          <p:cNvSpPr txBox="1">
-            <a:spLocks/>
-          </p:cNvSpPr>
-          <p:nvPr/>
-        </p:nvSpPr>
-        <p:spPr>
-          <a:xfrm>
-            <a:off x="17889209" y="18722422"/>
-            <a:ext cx="1727199" cy="775686"/>
-          </a:xfrm>
-          <a:prstGeom prst="rect">
-            <a:avLst/>
-          </a:prstGeom>
-        </p:spPr>
-        <p:txBody>
-          <a:bodyPr vert="horz" lIns="91440" tIns="45720" rIns="91440" bIns="45720" rtlCol="0">
-            <a:noAutofit/>
-          </a:bodyPr>
-          <a:lstStyle>
-            <a:lvl1pPr marL="342900" indent="-342900" algn="l" defTabSz="457200" rtl="0" eaLnBrk="1" latinLnBrk="0" hangingPunct="1">
-              <a:spcBef>
-                <a:spcPct val="20000"/>
-              </a:spcBef>
-              <a:buFont typeface="Arial"/>
-              <a:buChar char="•"/>
-              <a:defRPr sz="3200" kern="1200">
-                <a:solidFill>
-                  <a:schemeClr val="tx1"/>
-                </a:solidFill>
-                <a:latin typeface="+mn-lt"/>
-                <a:ea typeface="+mn-ea"/>
-                <a:cs typeface="+mn-cs"/>
-              </a:defRPr>
-            </a:lvl1pPr>
-            <a:lvl2pPr marL="742950" indent="-285750" algn="l" defTabSz="457200" rtl="0" eaLnBrk="1" latinLnBrk="0" hangingPunct="1">
-              <a:spcBef>
-                <a:spcPct val="20000"/>
-              </a:spcBef>
-              <a:buFont typeface="Arial"/>
-              <a:buChar char="–"/>
-              <a:defRPr sz="2800" kern="1200">
-                <a:solidFill>
-                  <a:schemeClr val="tx1"/>
-                </a:solidFill>
-                <a:latin typeface="+mn-lt"/>
-                <a:ea typeface="+mn-ea"/>
-                <a:cs typeface="+mn-cs"/>
-              </a:defRPr>
-            </a:lvl2pPr>
-            <a:lvl3pPr marL="1143000" indent="-228600" algn="l" defTabSz="457200" rtl="0" eaLnBrk="1" latinLnBrk="0" hangingPunct="1">
-              <a:spcBef>
-                <a:spcPct val="20000"/>
-              </a:spcBef>
-              <a:buFont typeface="Arial"/>
-              <a:buChar char="•"/>
-              <a:defRPr sz="2400" kern="1200">
-                <a:solidFill>
-                  <a:schemeClr val="tx1"/>
-                </a:solidFill>
-                <a:latin typeface="+mn-lt"/>
-                <a:ea typeface="+mn-ea"/>
-                <a:cs typeface="+mn-cs"/>
-              </a:defRPr>
-            </a:lvl3pPr>
-            <a:lvl4pPr marL="1600200" indent="-228600" algn="l" defTabSz="457200" rtl="0" eaLnBrk="1" latinLnBrk="0" hangingPunct="1">
-              <a:spcBef>
-                <a:spcPct val="20000"/>
-              </a:spcBef>
-              <a:buFont typeface="Arial"/>
-              <a:buChar char="–"/>
-              <a:defRPr sz="2000" kern="1200">
-                <a:solidFill>
-                  <a:schemeClr val="tx1"/>
-                </a:solidFill>
-                <a:latin typeface="+mn-lt"/>
-                <a:ea typeface="+mn-ea"/>
-                <a:cs typeface="+mn-cs"/>
-              </a:defRPr>
-            </a:lvl4pPr>
-            <a:lvl5pPr marL="2057400" indent="-228600" algn="l" defTabSz="457200" rtl="0" eaLnBrk="1" latinLnBrk="0" hangingPunct="1">
-              <a:spcBef>
-                <a:spcPct val="20000"/>
-              </a:spcBef>
-              <a:buFont typeface="Arial"/>
-              <a:buChar char="»"/>
-              <a:defRPr sz="2000" kern="1200">
-                <a:solidFill>
-                  <a:schemeClr val="tx1"/>
-                </a:solidFill>
-                <a:latin typeface="+mn-lt"/>
-                <a:ea typeface="+mn-ea"/>
-                <a:cs typeface="+mn-cs"/>
-              </a:defRPr>
-            </a:lvl5pPr>
-            <a:lvl6pPr marL="2514600" indent="-228600" algn="l" defTabSz="457200" rtl="0" eaLnBrk="1" latinLnBrk="0" hangingPunct="1">
-              <a:spcBef>
-                <a:spcPct val="20000"/>
-              </a:spcBef>
-              <a:buFont typeface="Arial"/>
-              <a:buChar char="•"/>
-              <a:defRPr sz="2000" kern="1200">
-                <a:solidFill>
-                  <a:schemeClr val="tx1"/>
-                </a:solidFill>
-                <a:latin typeface="+mn-lt"/>
-                <a:ea typeface="+mn-ea"/>
-                <a:cs typeface="+mn-cs"/>
-              </a:defRPr>
-            </a:lvl6pPr>
-            <a:lvl7pPr marL="2971800" indent="-228600" algn="l" defTabSz="457200" rtl="0" eaLnBrk="1" latinLnBrk="0" hangingPunct="1">
-              <a:spcBef>
-                <a:spcPct val="20000"/>
-              </a:spcBef>
-              <a:buFont typeface="Arial"/>
-              <a:buChar char="•"/>
-              <a:defRPr sz="2000" kern="1200">
-                <a:solidFill>
-                  <a:schemeClr val="tx1"/>
-                </a:solidFill>
-                <a:latin typeface="+mn-lt"/>
-                <a:ea typeface="+mn-ea"/>
-                <a:cs typeface="+mn-cs"/>
-              </a:defRPr>
-            </a:lvl7pPr>
-            <a:lvl8pPr marL="3429000" indent="-228600" algn="l" defTabSz="457200" rtl="0" eaLnBrk="1" latinLnBrk="0" hangingPunct="1">
-              <a:spcBef>
-                <a:spcPct val="20000"/>
-              </a:spcBef>
-              <a:buFont typeface="Arial"/>
-              <a:buChar char="•"/>
-              <a:defRPr sz="2000" kern="1200">
-                <a:solidFill>
-                  <a:schemeClr val="tx1"/>
-                </a:solidFill>
-                <a:latin typeface="+mn-lt"/>
-                <a:ea typeface="+mn-ea"/>
-                <a:cs typeface="+mn-cs"/>
-              </a:defRPr>
-            </a:lvl8pPr>
-            <a:lvl9pPr marL="3886200" indent="-228600" algn="l" defTabSz="457200" rtl="0" eaLnBrk="1" latinLnBrk="0" hangingPunct="1">
-              <a:spcBef>
-                <a:spcPct val="20000"/>
-              </a:spcBef>
-              <a:buFont typeface="Arial"/>
-              <a:buChar char="•"/>
-              <a:defRPr sz="2000" kern="1200">
-                <a:solidFill>
-                  <a:schemeClr val="tx1"/>
-                </a:solidFill>
-                <a:latin typeface="+mn-lt"/>
-                <a:ea typeface="+mn-ea"/>
-                <a:cs typeface="+mn-cs"/>
-              </a:defRPr>
-            </a:lvl9pPr>
-          </a:lstStyle>
-          <a:p>
-            <a:pPr marL="0" indent="0">
-              <a:buNone/>
-            </a:pPr>
-            <a:r>
-              <a:rPr kumimoji="1" lang="en-US" altLang="zh-TW" sz="2400" dirty="0" smtClean="0">
-                <a:solidFill>
-                  <a:srgbClr val="0000FF"/>
-                </a:solidFill>
-              </a:rPr>
-              <a:t>Leading </a:t>
-            </a:r>
-            <a:r>
-              <a:rPr kumimoji="1" lang="en-US" altLang="zh-TW" sz="2400" dirty="0" err="1" smtClean="0">
-                <a:solidFill>
-                  <a:srgbClr val="0000FF"/>
-                </a:solidFill>
-              </a:rPr>
-              <a:t>pt</a:t>
-            </a:r>
-            <a:r>
-              <a:rPr kumimoji="1" lang="en-US" altLang="zh-TW" sz="2400" dirty="0" smtClean="0">
-                <a:solidFill>
-                  <a:srgbClr val="0000FF"/>
-                </a:solidFill>
-              </a:rPr>
-              <a:t> &gt;115 </a:t>
-            </a:r>
-            <a:r>
-              <a:rPr kumimoji="1" lang="en-US" altLang="zh-TW" sz="2400" dirty="0" err="1" smtClean="0">
-                <a:solidFill>
-                  <a:srgbClr val="0000FF"/>
-                </a:solidFill>
-              </a:rPr>
-              <a:t>GeV</a:t>
-            </a:r>
-            <a:endParaRPr kumimoji="1" lang="zh-TW" altLang="en-US" sz="2400" dirty="0">
-              <a:solidFill>
-                <a:srgbClr val="FF0000"/>
-              </a:solidFill>
-            </a:endParaRPr>
-          </a:p>
-        </p:txBody>
-      </p:sp>
-      <p:sp>
-        <p:nvSpPr>
-          <p:cNvPr id="82" name="內容版面配置區 2"/>
-          <p:cNvSpPr txBox="1">
-            <a:spLocks/>
-          </p:cNvSpPr>
-          <p:nvPr/>
-        </p:nvSpPr>
-        <p:spPr>
-          <a:xfrm>
-            <a:off x="22158357" y="18731027"/>
-            <a:ext cx="1727199" cy="906020"/>
-          </a:xfrm>
-          <a:prstGeom prst="rect">
-            <a:avLst/>
-          </a:prstGeom>
-        </p:spPr>
-        <p:txBody>
-          <a:bodyPr vert="horz" lIns="91440" tIns="45720" rIns="91440" bIns="45720" rtlCol="0">
-            <a:noAutofit/>
-          </a:bodyPr>
-          <a:lstStyle>
-            <a:lvl1pPr marL="342900" indent="-342900" algn="l" defTabSz="457200" rtl="0" eaLnBrk="1" latinLnBrk="0" hangingPunct="1">
-              <a:spcBef>
-                <a:spcPct val="20000"/>
-              </a:spcBef>
-              <a:buFont typeface="Arial"/>
-              <a:buChar char="•"/>
-              <a:defRPr sz="3200" kern="1200">
-                <a:solidFill>
-                  <a:schemeClr val="tx1"/>
-                </a:solidFill>
-                <a:latin typeface="+mn-lt"/>
-                <a:ea typeface="+mn-ea"/>
-                <a:cs typeface="+mn-cs"/>
-              </a:defRPr>
-            </a:lvl1pPr>
-            <a:lvl2pPr marL="742950" indent="-285750" algn="l" defTabSz="457200" rtl="0" eaLnBrk="1" latinLnBrk="0" hangingPunct="1">
-              <a:spcBef>
-                <a:spcPct val="20000"/>
-              </a:spcBef>
-              <a:buFont typeface="Arial"/>
-              <a:buChar char="–"/>
-              <a:defRPr sz="2800" kern="1200">
-                <a:solidFill>
-                  <a:schemeClr val="tx1"/>
-                </a:solidFill>
-                <a:latin typeface="+mn-lt"/>
-                <a:ea typeface="+mn-ea"/>
-                <a:cs typeface="+mn-cs"/>
-              </a:defRPr>
-            </a:lvl2pPr>
-            <a:lvl3pPr marL="1143000" indent="-228600" algn="l" defTabSz="457200" rtl="0" eaLnBrk="1" latinLnBrk="0" hangingPunct="1">
-              <a:spcBef>
-                <a:spcPct val="20000"/>
-              </a:spcBef>
-              <a:buFont typeface="Arial"/>
-              <a:buChar char="•"/>
-              <a:defRPr sz="2400" kern="1200">
-                <a:solidFill>
-                  <a:schemeClr val="tx1"/>
-                </a:solidFill>
-                <a:latin typeface="+mn-lt"/>
-                <a:ea typeface="+mn-ea"/>
-                <a:cs typeface="+mn-cs"/>
-              </a:defRPr>
-            </a:lvl3pPr>
-            <a:lvl4pPr marL="1600200" indent="-228600" algn="l" defTabSz="457200" rtl="0" eaLnBrk="1" latinLnBrk="0" hangingPunct="1">
-              <a:spcBef>
-                <a:spcPct val="20000"/>
-              </a:spcBef>
-              <a:buFont typeface="Arial"/>
-              <a:buChar char="–"/>
-              <a:defRPr sz="2000" kern="1200">
-                <a:solidFill>
-                  <a:schemeClr val="tx1"/>
-                </a:solidFill>
-                <a:latin typeface="+mn-lt"/>
-                <a:ea typeface="+mn-ea"/>
-                <a:cs typeface="+mn-cs"/>
-              </a:defRPr>
-            </a:lvl4pPr>
-            <a:lvl5pPr marL="2057400" indent="-228600" algn="l" defTabSz="457200" rtl="0" eaLnBrk="1" latinLnBrk="0" hangingPunct="1">
-              <a:spcBef>
-                <a:spcPct val="20000"/>
-              </a:spcBef>
-              <a:buFont typeface="Arial"/>
-              <a:buChar char="»"/>
-              <a:defRPr sz="2000" kern="1200">
-                <a:solidFill>
-                  <a:schemeClr val="tx1"/>
-                </a:solidFill>
-                <a:latin typeface="+mn-lt"/>
-                <a:ea typeface="+mn-ea"/>
-                <a:cs typeface="+mn-cs"/>
-              </a:defRPr>
-            </a:lvl5pPr>
-            <a:lvl6pPr marL="2514600" indent="-228600" algn="l" defTabSz="457200" rtl="0" eaLnBrk="1" latinLnBrk="0" hangingPunct="1">
-              <a:spcBef>
-                <a:spcPct val="20000"/>
-              </a:spcBef>
-              <a:buFont typeface="Arial"/>
-              <a:buChar char="•"/>
-              <a:defRPr sz="2000" kern="1200">
-                <a:solidFill>
-                  <a:schemeClr val="tx1"/>
-                </a:solidFill>
-                <a:latin typeface="+mn-lt"/>
-                <a:ea typeface="+mn-ea"/>
-                <a:cs typeface="+mn-cs"/>
-              </a:defRPr>
-            </a:lvl6pPr>
-            <a:lvl7pPr marL="2971800" indent="-228600" algn="l" defTabSz="457200" rtl="0" eaLnBrk="1" latinLnBrk="0" hangingPunct="1">
-              <a:spcBef>
-                <a:spcPct val="20000"/>
-              </a:spcBef>
-              <a:buFont typeface="Arial"/>
-              <a:buChar char="•"/>
-              <a:defRPr sz="2000" kern="1200">
-                <a:solidFill>
-                  <a:schemeClr val="tx1"/>
-                </a:solidFill>
-                <a:latin typeface="+mn-lt"/>
-                <a:ea typeface="+mn-ea"/>
-                <a:cs typeface="+mn-cs"/>
-              </a:defRPr>
-            </a:lvl7pPr>
-            <a:lvl8pPr marL="3429000" indent="-228600" algn="l" defTabSz="457200" rtl="0" eaLnBrk="1" latinLnBrk="0" hangingPunct="1">
-              <a:spcBef>
-                <a:spcPct val="20000"/>
-              </a:spcBef>
-              <a:buFont typeface="Arial"/>
-              <a:buChar char="•"/>
-              <a:defRPr sz="2000" kern="1200">
-                <a:solidFill>
-                  <a:schemeClr val="tx1"/>
-                </a:solidFill>
-                <a:latin typeface="+mn-lt"/>
-                <a:ea typeface="+mn-ea"/>
-                <a:cs typeface="+mn-cs"/>
-              </a:defRPr>
-            </a:lvl8pPr>
-            <a:lvl9pPr marL="3886200" indent="-228600" algn="l" defTabSz="457200" rtl="0" eaLnBrk="1" latinLnBrk="0" hangingPunct="1">
-              <a:spcBef>
-                <a:spcPct val="20000"/>
-              </a:spcBef>
-              <a:buFont typeface="Arial"/>
-              <a:buChar char="•"/>
-              <a:defRPr sz="2000" kern="1200">
-                <a:solidFill>
-                  <a:schemeClr val="tx1"/>
-                </a:solidFill>
-                <a:latin typeface="+mn-lt"/>
-                <a:ea typeface="+mn-ea"/>
-                <a:cs typeface="+mn-cs"/>
-              </a:defRPr>
-            </a:lvl9pPr>
-          </a:lstStyle>
-          <a:p>
-            <a:pPr marL="0" indent="0">
-              <a:buNone/>
-            </a:pPr>
-            <a:r>
-              <a:rPr kumimoji="1" lang="en-US" altLang="zh-TW" sz="2400" dirty="0">
-                <a:solidFill>
-                  <a:srgbClr val="0000FF"/>
-                </a:solidFill>
-              </a:rPr>
-              <a:t>Leading </a:t>
-            </a:r>
-            <a:r>
-              <a:rPr kumimoji="1" lang="en-US" altLang="zh-TW" sz="2400" dirty="0" err="1">
-                <a:solidFill>
-                  <a:srgbClr val="0000FF"/>
-                </a:solidFill>
-              </a:rPr>
-              <a:t>pt</a:t>
-            </a:r>
-            <a:r>
-              <a:rPr kumimoji="1" lang="en-US" altLang="zh-TW" sz="2400" dirty="0">
-                <a:solidFill>
-                  <a:srgbClr val="0000FF"/>
-                </a:solidFill>
-              </a:rPr>
-              <a:t> </a:t>
-            </a:r>
-            <a:r>
-              <a:rPr kumimoji="1" lang="en-US" altLang="zh-TW" sz="2400" dirty="0" smtClean="0">
-                <a:solidFill>
-                  <a:srgbClr val="0000FF"/>
-                </a:solidFill>
-              </a:rPr>
-              <a:t> &gt;215 </a:t>
-            </a:r>
-            <a:r>
-              <a:rPr kumimoji="1" lang="en-US" altLang="zh-TW" sz="2400" dirty="0" err="1" smtClean="0">
-                <a:solidFill>
-                  <a:srgbClr val="0000FF"/>
-                </a:solidFill>
-              </a:rPr>
-              <a:t>GeV</a:t>
-            </a:r>
-            <a:endParaRPr kumimoji="1" lang="zh-TW" altLang="en-US" sz="2400" dirty="0">
-              <a:solidFill>
-                <a:srgbClr val="FF0000"/>
-              </a:solidFill>
-            </a:endParaRPr>
-          </a:p>
-        </p:txBody>
-      </p:sp>
-      <p:sp>
-        <p:nvSpPr>
-          <p:cNvPr id="83" name="內容版面配置區 2"/>
-          <p:cNvSpPr txBox="1">
-            <a:spLocks/>
-          </p:cNvSpPr>
-          <p:nvPr/>
-        </p:nvSpPr>
-        <p:spPr>
-          <a:xfrm>
-            <a:off x="26769998" y="18853209"/>
-            <a:ext cx="1659286" cy="783838"/>
-          </a:xfrm>
-          <a:prstGeom prst="rect">
-            <a:avLst/>
-          </a:prstGeom>
-        </p:spPr>
-        <p:txBody>
-          <a:bodyPr vert="horz" lIns="91440" tIns="45720" rIns="91440" bIns="45720" rtlCol="0">
-            <a:noAutofit/>
-          </a:bodyPr>
-          <a:lstStyle>
-            <a:lvl1pPr marL="342900" indent="-342900" algn="l" defTabSz="457200" rtl="0" eaLnBrk="1" latinLnBrk="0" hangingPunct="1">
-              <a:spcBef>
-                <a:spcPct val="20000"/>
-              </a:spcBef>
-              <a:buFont typeface="Arial"/>
-              <a:buChar char="•"/>
-              <a:defRPr sz="3200" kern="1200">
-                <a:solidFill>
-                  <a:schemeClr val="tx1"/>
-                </a:solidFill>
-                <a:latin typeface="+mn-lt"/>
-                <a:ea typeface="+mn-ea"/>
-                <a:cs typeface="+mn-cs"/>
-              </a:defRPr>
-            </a:lvl1pPr>
-            <a:lvl2pPr marL="742950" indent="-285750" algn="l" defTabSz="457200" rtl="0" eaLnBrk="1" latinLnBrk="0" hangingPunct="1">
-              <a:spcBef>
-                <a:spcPct val="20000"/>
-              </a:spcBef>
-              <a:buFont typeface="Arial"/>
-              <a:buChar char="–"/>
-              <a:defRPr sz="2800" kern="1200">
-                <a:solidFill>
-                  <a:schemeClr val="tx1"/>
-                </a:solidFill>
-                <a:latin typeface="+mn-lt"/>
-                <a:ea typeface="+mn-ea"/>
-                <a:cs typeface="+mn-cs"/>
-              </a:defRPr>
-            </a:lvl2pPr>
-            <a:lvl3pPr marL="1143000" indent="-228600" algn="l" defTabSz="457200" rtl="0" eaLnBrk="1" latinLnBrk="0" hangingPunct="1">
-              <a:spcBef>
-                <a:spcPct val="20000"/>
-              </a:spcBef>
-              <a:buFont typeface="Arial"/>
-              <a:buChar char="•"/>
-              <a:defRPr sz="2400" kern="1200">
-                <a:solidFill>
-                  <a:schemeClr val="tx1"/>
-                </a:solidFill>
-                <a:latin typeface="+mn-lt"/>
-                <a:ea typeface="+mn-ea"/>
-                <a:cs typeface="+mn-cs"/>
-              </a:defRPr>
-            </a:lvl3pPr>
-            <a:lvl4pPr marL="1600200" indent="-228600" algn="l" defTabSz="457200" rtl="0" eaLnBrk="1" latinLnBrk="0" hangingPunct="1">
-              <a:spcBef>
-                <a:spcPct val="20000"/>
-              </a:spcBef>
-              <a:buFont typeface="Arial"/>
-              <a:buChar char="–"/>
-              <a:defRPr sz="2000" kern="1200">
-                <a:solidFill>
-                  <a:schemeClr val="tx1"/>
-                </a:solidFill>
-                <a:latin typeface="+mn-lt"/>
-                <a:ea typeface="+mn-ea"/>
-                <a:cs typeface="+mn-cs"/>
-              </a:defRPr>
-            </a:lvl4pPr>
-            <a:lvl5pPr marL="2057400" indent="-228600" algn="l" defTabSz="457200" rtl="0" eaLnBrk="1" latinLnBrk="0" hangingPunct="1">
-              <a:spcBef>
-                <a:spcPct val="20000"/>
-              </a:spcBef>
-              <a:buFont typeface="Arial"/>
-              <a:buChar char="»"/>
-              <a:defRPr sz="2000" kern="1200">
-                <a:solidFill>
-                  <a:schemeClr val="tx1"/>
-                </a:solidFill>
-                <a:latin typeface="+mn-lt"/>
-                <a:ea typeface="+mn-ea"/>
-                <a:cs typeface="+mn-cs"/>
-              </a:defRPr>
-            </a:lvl5pPr>
-            <a:lvl6pPr marL="2514600" indent="-228600" algn="l" defTabSz="457200" rtl="0" eaLnBrk="1" latinLnBrk="0" hangingPunct="1">
-              <a:spcBef>
-                <a:spcPct val="20000"/>
-              </a:spcBef>
-              <a:buFont typeface="Arial"/>
-              <a:buChar char="•"/>
-              <a:defRPr sz="2000" kern="1200">
-                <a:solidFill>
-                  <a:schemeClr val="tx1"/>
-                </a:solidFill>
-                <a:latin typeface="+mn-lt"/>
-                <a:ea typeface="+mn-ea"/>
-                <a:cs typeface="+mn-cs"/>
-              </a:defRPr>
-            </a:lvl6pPr>
-            <a:lvl7pPr marL="2971800" indent="-228600" algn="l" defTabSz="457200" rtl="0" eaLnBrk="1" latinLnBrk="0" hangingPunct="1">
-              <a:spcBef>
-                <a:spcPct val="20000"/>
-              </a:spcBef>
-              <a:buFont typeface="Arial"/>
-              <a:buChar char="•"/>
-              <a:defRPr sz="2000" kern="1200">
-                <a:solidFill>
-                  <a:schemeClr val="tx1"/>
-                </a:solidFill>
-                <a:latin typeface="+mn-lt"/>
-                <a:ea typeface="+mn-ea"/>
-                <a:cs typeface="+mn-cs"/>
-              </a:defRPr>
-            </a:lvl7pPr>
-            <a:lvl8pPr marL="3429000" indent="-228600" algn="l" defTabSz="457200" rtl="0" eaLnBrk="1" latinLnBrk="0" hangingPunct="1">
-              <a:spcBef>
-                <a:spcPct val="20000"/>
-              </a:spcBef>
-              <a:buFont typeface="Arial"/>
-              <a:buChar char="•"/>
-              <a:defRPr sz="2000" kern="1200">
-                <a:solidFill>
-                  <a:schemeClr val="tx1"/>
-                </a:solidFill>
-                <a:latin typeface="+mn-lt"/>
-                <a:ea typeface="+mn-ea"/>
-                <a:cs typeface="+mn-cs"/>
-              </a:defRPr>
-            </a:lvl8pPr>
-            <a:lvl9pPr marL="3886200" indent="-228600" algn="l" defTabSz="457200" rtl="0" eaLnBrk="1" latinLnBrk="0" hangingPunct="1">
-              <a:spcBef>
-                <a:spcPct val="20000"/>
-              </a:spcBef>
-              <a:buFont typeface="Arial"/>
-              <a:buChar char="•"/>
-              <a:defRPr sz="2000" kern="1200">
-                <a:solidFill>
-                  <a:schemeClr val="tx1"/>
-                </a:solidFill>
-                <a:latin typeface="+mn-lt"/>
-                <a:ea typeface="+mn-ea"/>
-                <a:cs typeface="+mn-cs"/>
-              </a:defRPr>
-            </a:lvl9pPr>
-          </a:lstStyle>
-          <a:p>
-            <a:pPr marL="0" indent="0">
-              <a:buNone/>
-            </a:pPr>
-            <a:r>
-              <a:rPr kumimoji="1" lang="en-US" altLang="zh-TW" sz="2400" dirty="0">
-                <a:solidFill>
-                  <a:srgbClr val="0000FF"/>
-                </a:solidFill>
-              </a:rPr>
-              <a:t>Leading </a:t>
-            </a:r>
-            <a:r>
-              <a:rPr kumimoji="1" lang="en-US" altLang="zh-TW" sz="2400" dirty="0" err="1">
-                <a:solidFill>
-                  <a:srgbClr val="0000FF"/>
-                </a:solidFill>
-              </a:rPr>
-              <a:t>pt</a:t>
-            </a:r>
-            <a:r>
-              <a:rPr kumimoji="1" lang="en-US" altLang="zh-TW" sz="2400" dirty="0">
-                <a:solidFill>
-                  <a:srgbClr val="0000FF"/>
-                </a:solidFill>
-              </a:rPr>
-              <a:t>  </a:t>
-            </a:r>
-            <a:r>
-              <a:rPr kumimoji="1" lang="en-US" altLang="zh-TW" sz="2400" dirty="0" smtClean="0">
-                <a:solidFill>
-                  <a:srgbClr val="0000FF"/>
-                </a:solidFill>
-              </a:rPr>
-              <a:t>&gt;315 </a:t>
-            </a:r>
-            <a:r>
-              <a:rPr kumimoji="1" lang="en-US" altLang="zh-TW" sz="2400" dirty="0" err="1" smtClean="0">
-                <a:solidFill>
-                  <a:srgbClr val="0000FF"/>
-                </a:solidFill>
-              </a:rPr>
-              <a:t>GeV</a:t>
-            </a:r>
-            <a:endParaRPr kumimoji="1" lang="zh-TW" altLang="en-US" sz="2400" dirty="0">
-              <a:solidFill>
-                <a:srgbClr val="FF0000"/>
-              </a:solidFill>
-            </a:endParaRPr>
-          </a:p>
-        </p:txBody>
-      </p:sp>
-      <mc:AlternateContent xmlns:mc="http://schemas.openxmlformats.org/markup-compatibility/2006" xmlns:a14="http://schemas.microsoft.com/office/drawing/2010/main">
-        <mc:Choice Requires="a14">
+      <mc:AlternateContent xmlns:mc="http://schemas.openxmlformats.org/markup-compatibility/2006">
+        <mc:Choice xmlns:a14="http://schemas.microsoft.com/office/drawing/2010/main" Requires="a14">
           <p:sp>
             <p:nvSpPr>
               <p:cNvPr id="84" name="矩形 83"/>
@@ -5619,7 +4396,67 @@
                     <a:latin typeface="Arial" pitchFamily="34" charset="0"/>
                     <a:cs typeface="Arial" pitchFamily="34" charset="0"/>
                   </a:rPr>
-                  <a:t>Basic jet recombination algorithm:</a:t>
+                  <a:t>Basic </a:t>
+                </a:r>
+                <a:r>
+                  <a:rPr lang="en-US" altLang="zh-TW" sz="5000" b="1" dirty="0" smtClean="0">
+                    <a:solidFill>
+                      <a:srgbClr val="C0504D"/>
+                    </a:solidFill>
+                    <a:latin typeface="Arial" pitchFamily="34" charset="0"/>
+                    <a:cs typeface="Arial" pitchFamily="34" charset="0"/>
+                  </a:rPr>
+                  <a:t>Jet </a:t>
+                </a:r>
+                <a:r>
+                  <a:rPr lang="en-US" altLang="zh-TW" sz="5000" b="1" dirty="0">
+                    <a:solidFill>
+                      <a:srgbClr val="C0504D"/>
+                    </a:solidFill>
+                    <a:latin typeface="Arial" pitchFamily="34" charset="0"/>
+                    <a:cs typeface="Arial" pitchFamily="34" charset="0"/>
+                  </a:rPr>
+                  <a:t>R</a:t>
+                </a:r>
+                <a:r>
+                  <a:rPr lang="en-US" altLang="zh-TW" sz="5000" b="1" dirty="0" smtClean="0">
+                    <a:solidFill>
+                      <a:srgbClr val="C0504D"/>
+                    </a:solidFill>
+                    <a:latin typeface="Arial" pitchFamily="34" charset="0"/>
+                    <a:cs typeface="Arial" pitchFamily="34" charset="0"/>
+                  </a:rPr>
+                  <a:t>econstruction </a:t>
+                </a:r>
+                <a:r>
+                  <a:rPr lang="en-US" altLang="zh-TW" sz="5000" b="1" dirty="0">
+                    <a:solidFill>
+                      <a:srgbClr val="C0504D"/>
+                    </a:solidFill>
+                    <a:latin typeface="Arial" pitchFamily="34" charset="0"/>
+                    <a:cs typeface="Arial" pitchFamily="34" charset="0"/>
+                  </a:rPr>
+                  <a:t>A</a:t>
+                </a:r>
+                <a:r>
+                  <a:rPr lang="en-US" altLang="zh-TW" sz="5000" b="1" dirty="0" smtClean="0">
+                    <a:solidFill>
+                      <a:srgbClr val="C0504D"/>
+                    </a:solidFill>
+                    <a:latin typeface="Arial" pitchFamily="34" charset="0"/>
+                    <a:cs typeface="Arial" pitchFamily="34" charset="0"/>
+                  </a:rPr>
+                  <a:t>lgorithm</a:t>
+                </a:r>
+                <a:r>
+                  <a:rPr lang="en-US" altLang="zh-TW" sz="5000" b="1" dirty="0" smtClean="0">
+                    <a:solidFill>
+                      <a:srgbClr val="C0504D"/>
+                    </a:solidFill>
+                    <a:latin typeface="Arial" pitchFamily="34" charset="0"/>
+                    <a:cs typeface="Arial" pitchFamily="34" charset="0"/>
+                  </a:rPr>
+                  <a:t>:</a:t>
                 </a:r>
               </a:p>
               <a:p>
@@ -6113,8 +4950,9 @@
                     <a:solidFill>
                       <a:schemeClr val="tx1"/>
                     </a:solidFill>
-                    <a:latin typeface="+mj-lt"/>
-                    <a:cs typeface="Arial" pitchFamily="34" charset="0"/>
+                    <a:latin typeface="Arial" charset="0"/>
+                    <a:ea typeface="Arial" charset="0"/>
+                    <a:cs typeface="Arial" charset="0"/>
                   </a:rPr>
                   <a:t>**If </a:t>
                 </a:r>
@@ -6124,16 +4962,18 @@
                       <m:sSubPr>
                         <m:ctrlPr>
                           <a:rPr lang="en-US" altLang="zh-TW" sz="4800" i="1">
-                            <a:latin typeface="Cambria Math" charset="0"/>
-                            <a:cs typeface="Arial" pitchFamily="34" charset="0"/>
+                            <a:latin typeface="Arial" charset="0"/>
+                            <a:ea typeface="Arial" charset="0"/>
+                            <a:cs typeface="Arial" charset="0"/>
                           </a:rPr>
                         </m:ctrlPr>
                       </m:sSubPr>
                       <m:e>
                         <m:r>
                           <a:rPr lang="en-US" altLang="zh-TW" sz="4800" b="0" i="1">
-                            <a:latin typeface="Cambria Math" charset="0"/>
-                            <a:cs typeface="Arial" pitchFamily="34" charset="0"/>
+                            <a:latin typeface="Arial" charset="0"/>
+                            <a:ea typeface="Arial" charset="0"/>
+                            <a:cs typeface="Arial" charset="0"/>
                           </a:rPr>
                           <m:t>𝑑</m:t>
                         </m:r>
@@ -6141,8 +4981,9 @@
                       <m:sub>
                         <m:r>
                           <a:rPr lang="en-US" altLang="zh-TW" sz="4800" b="0" i="1">
-                            <a:latin typeface="Cambria Math" charset="0"/>
-                            <a:cs typeface="Arial" pitchFamily="34" charset="0"/>
+                            <a:latin typeface="Arial" charset="0"/>
+                            <a:ea typeface="Arial" charset="0"/>
+                            <a:cs typeface="Arial" charset="0"/>
                           </a:rPr>
                           <m:t>𝑖𝑗</m:t>
                         </m:r>
@@ -6155,8 +4996,9 @@
                     <a:solidFill>
                       <a:schemeClr val="tx1"/>
                     </a:solidFill>
-                    <a:latin typeface="+mj-lt"/>
-                    <a:cs typeface="Arial" pitchFamily="34" charset="0"/>
+                    <a:latin typeface="Arial" charset="0"/>
+                    <a:ea typeface="Arial" charset="0"/>
+                    <a:cs typeface="Arial" charset="0"/>
                   </a:rPr>
                   <a:t>&lt;</a:t>
                 </a:r>
@@ -6166,16 +5008,18 @@
                       <m:sSubPr>
                         <m:ctrlPr>
                           <a:rPr lang="en-US" altLang="zh-TW" sz="4800" i="1">
-                            <a:latin typeface="Cambria Math" charset="0"/>
-                            <a:cs typeface="Arial" pitchFamily="34" charset="0"/>
+                            <a:latin typeface="Arial" charset="0"/>
+                            <a:ea typeface="Arial" charset="0"/>
+                            <a:cs typeface="Arial" charset="0"/>
                           </a:rPr>
                         </m:ctrlPr>
                       </m:sSubPr>
                       <m:e>
                         <m:r>
                           <a:rPr lang="en-US" altLang="zh-TW" sz="4800" b="0" i="1">
-                            <a:latin typeface="Cambria Math" charset="0"/>
-                            <a:cs typeface="Arial" pitchFamily="34" charset="0"/>
+                            <a:latin typeface="Arial" charset="0"/>
+                            <a:ea typeface="Arial" charset="0"/>
+                            <a:cs typeface="Arial" charset="0"/>
                           </a:rPr>
                           <m:t>𝑑</m:t>
                         </m:r>
@@ -6183,8 +5027,9 @@
                       <m:sub>
                         <m:r>
                           <a:rPr lang="en-US" altLang="zh-TW" sz="4800" b="0" i="1">
-                            <a:latin typeface="Cambria Math" charset="0"/>
-                            <a:cs typeface="Arial" pitchFamily="34" charset="0"/>
+                            <a:latin typeface="Arial" charset="0"/>
+                            <a:ea typeface="Arial" charset="0"/>
+                            <a:cs typeface="Arial" charset="0"/>
                           </a:rPr>
                           <m:t>𝑖𝑏</m:t>
                         </m:r>
@@ -6197,8 +5042,9 @@
                     <a:solidFill>
                       <a:schemeClr val="tx1"/>
                     </a:solidFill>
-                    <a:latin typeface="+mj-lt"/>
-                    <a:cs typeface="Arial" pitchFamily="34" charset="0"/>
+                    <a:latin typeface="Arial" charset="0"/>
+                    <a:ea typeface="Arial" charset="0"/>
+                    <a:cs typeface="Arial" charset="0"/>
                   </a:rPr>
                   <a:t>,j particle will be merged in I particle**</a:t>
                 </a:r>
@@ -6206,42 +5052,51 @@
               <a:p>
                 <a:r>
                   <a:rPr lang="en-US" altLang="zh-TW" sz="4800" dirty="0" smtClean="0">
-                    <a:latin typeface="+mj-lt"/>
-                    <a:cs typeface="Arial" pitchFamily="34" charset="0"/>
+                    <a:latin typeface="Arial" charset="0"/>
+                    <a:ea typeface="Arial" charset="0"/>
+                    <a:cs typeface="Arial" charset="0"/>
                   </a:rPr>
                   <a:t>1.p=0 : </a:t>
                 </a:r>
                 <a:r>
-                  <a:rPr lang="en-US" altLang="zh-TW" sz="4800" dirty="0"/>
+                  <a:rPr lang="en-US" altLang="zh-TW" sz="4800" dirty="0">
+                    <a:latin typeface="Arial" charset="0"/>
+                    <a:ea typeface="Arial" charset="0"/>
+                    <a:cs typeface="Arial" charset="0"/>
+                  </a:rPr>
                   <a:t>Cambridge/Aachen algorithm</a:t>
                 </a:r>
                 <a:endParaRPr lang="en-US" altLang="zh-TW" sz="4800" dirty="0" smtClean="0">
                   <a:solidFill>
                     <a:schemeClr val="tx1"/>
                   </a:solidFill>
-                  <a:latin typeface="+mj-lt"/>
-                  <a:cs typeface="Arial" pitchFamily="34" charset="0"/>
+                  <a:latin typeface="Arial" charset="0"/>
+                  <a:ea typeface="Arial" charset="0"/>
+                  <a:cs typeface="Arial" charset="0"/>
                 </a:endParaRPr>
               </a:p>
               <a:p>
                 <a:r>
                   <a:rPr lang="en-US" altLang="zh-TW" sz="4800" dirty="0" smtClean="0">
-                    <a:latin typeface="+mj-lt"/>
-                    <a:cs typeface="Arial" pitchFamily="34" charset="0"/>
+                    <a:latin typeface="Arial" charset="0"/>
+                    <a:ea typeface="Arial" charset="0"/>
+                    <a:cs typeface="Arial" charset="0"/>
                   </a:rPr>
                   <a:t>2.p=1 : </a:t>
                 </a:r>
                 <a:r>
                   <a:rPr lang="en-US" altLang="zh-TW" sz="4800" dirty="0" err="1" smtClean="0">
-                    <a:latin typeface="+mj-lt"/>
-                    <a:cs typeface="Arial" pitchFamily="34" charset="0"/>
+                    <a:latin typeface="Arial" charset="0"/>
+                    <a:ea typeface="Arial" charset="0"/>
+                    <a:cs typeface="Arial" charset="0"/>
                   </a:rPr>
                   <a:t>kt</a:t>
                 </a:r>
                 <a:r>
                   <a:rPr lang="en-US" altLang="zh-TW" sz="4800" dirty="0" smtClean="0">
-                    <a:latin typeface="+mj-lt"/>
-                    <a:cs typeface="Arial" pitchFamily="34" charset="0"/>
+                    <a:latin typeface="Arial" charset="0"/>
+                    <a:ea typeface="Arial" charset="0"/>
+                    <a:cs typeface="Arial" charset="0"/>
                   </a:rPr>
                   <a:t> algorithm</a:t>
                 </a:r>
@@ -6249,48 +5104,62 @@
               <a:p>
                 <a:r>
                   <a:rPr lang="en-US" altLang="zh-TW" sz="4800" dirty="0">
-                    <a:cs typeface="Arial" pitchFamily="34" charset="0"/>
+                    <a:latin typeface="Arial" charset="0"/>
+                    <a:ea typeface="Arial" charset="0"/>
+                    <a:cs typeface="Arial" charset="0"/>
                   </a:rPr>
                   <a:t>3</a:t>
                 </a:r>
                 <a:r>
                   <a:rPr lang="en-US" altLang="zh-TW" sz="4800" dirty="0" smtClean="0">
-                    <a:cs typeface="Arial" pitchFamily="34" charset="0"/>
+                    <a:latin typeface="Arial" charset="0"/>
+                    <a:ea typeface="Arial" charset="0"/>
+                    <a:cs typeface="Arial" charset="0"/>
                   </a:rPr>
                   <a:t>.p=-1 </a:t>
                 </a:r>
                 <a:r>
                   <a:rPr lang="en-US" altLang="zh-TW" sz="4800" dirty="0">
-                    <a:cs typeface="Arial" pitchFamily="34" charset="0"/>
+                    <a:latin typeface="Arial" charset="0"/>
+                    <a:ea typeface="Arial" charset="0"/>
+                    <a:cs typeface="Arial" charset="0"/>
                   </a:rPr>
                   <a:t>: </a:t>
                 </a:r>
                 <a:r>
                   <a:rPr lang="en-US" altLang="zh-TW" sz="4800" dirty="0" smtClean="0">
-                    <a:cs typeface="Arial" pitchFamily="34" charset="0"/>
+                    <a:latin typeface="Arial" charset="0"/>
+                    <a:ea typeface="Arial" charset="0"/>
+                    <a:cs typeface="Arial" charset="0"/>
                   </a:rPr>
                   <a:t>anti-</a:t>
                 </a:r>
                 <a:r>
                   <a:rPr lang="en-US" altLang="zh-TW" sz="4800" dirty="0" err="1" smtClean="0">
-                    <a:cs typeface="Arial" pitchFamily="34" charset="0"/>
+                    <a:latin typeface="Arial" charset="0"/>
+                    <a:ea typeface="Arial" charset="0"/>
+                    <a:cs typeface="Arial" charset="0"/>
                   </a:rPr>
                   <a:t>kt</a:t>
                 </a:r>
                 <a:r>
                   <a:rPr lang="en-US" altLang="zh-TW" sz="4800" dirty="0" smtClean="0">
-                    <a:cs typeface="Arial" pitchFamily="34" charset="0"/>
+                    <a:latin typeface="Arial" charset="0"/>
+                    <a:ea typeface="Arial" charset="0"/>
+                    <a:cs typeface="Arial" charset="0"/>
                   </a:rPr>
                   <a:t> algorithm</a:t>
                 </a:r>
                 <a:endParaRPr lang="en-US" altLang="zh-TW" sz="4800" dirty="0">
-                  <a:cs typeface="Arial" pitchFamily="34" charset="0"/>
+                  <a:latin typeface="Arial" charset="0"/>
+                  <a:ea typeface="Arial" charset="0"/>
+                  <a:cs typeface="Arial" charset="0"/>
                 </a:endParaRPr>
               </a:p>
             </p:txBody>
           </p:sp>
         </mc:Choice>
-        <mc:Fallback xmlns="">
+        <mc:Fallback>
           <p:sp>
             <p:nvSpPr>
               <p:cNvPr id="84" name="矩形 83"/>
@@ -6308,9 +5177,9 @@
                 <a:avLst/>
               </a:prstGeom>
               <a:blipFill rotWithShape="0">
-                <a:blip r:embed="rId16"/>
+                <a:blip r:embed="rId11"/>
                 <a:stretch>
-                  <a:fillRect l="-1513" t="-1269" b="-2538"/>
+                  <a:fillRect l="-1513" t="-1269" b="-2617"/>
                 </a:stretch>
               </a:blipFill>
               <a:ln w="101600">
@@ -6368,7 +5237,37 @@
                 <a:latin typeface="Arial" pitchFamily="34" charset="0"/>
                 <a:cs typeface="Arial" pitchFamily="34" charset="0"/>
               </a:rPr>
-              <a:t>Jet Substructure variables:</a:t>
+              <a:t>Jet Substructure </a:t>
+            </a:r>
+            <a:r>
+              <a:rPr lang="en-US" altLang="zh-TW" sz="5000" b="1" dirty="0">
+                <a:solidFill>
+                  <a:srgbClr val="C0504D"/>
+                </a:solidFill>
+                <a:latin typeface="Arial" pitchFamily="34" charset="0"/>
+                <a:cs typeface="Arial" pitchFamily="34" charset="0"/>
+              </a:rPr>
+              <a:t>V</a:t>
+            </a:r>
+            <a:r>
+              <a:rPr lang="en-US" altLang="zh-TW" sz="5000" b="1" dirty="0" smtClean="0">
+                <a:solidFill>
+                  <a:srgbClr val="C0504D"/>
+                </a:solidFill>
+                <a:latin typeface="Arial" pitchFamily="34" charset="0"/>
+                <a:cs typeface="Arial" pitchFamily="34" charset="0"/>
+              </a:rPr>
+              <a:t>ariables</a:t>
+            </a:r>
+            <a:r>
+              <a:rPr lang="en-US" altLang="zh-TW" sz="5000" b="1" dirty="0" smtClean="0">
+                <a:solidFill>
+                  <a:srgbClr val="C0504D"/>
+                </a:solidFill>
+                <a:latin typeface="Arial" pitchFamily="34" charset="0"/>
+                <a:cs typeface="Arial" pitchFamily="34" charset="0"/>
+              </a:rPr>
+              <a:t>:</a:t>
             </a:r>
             <a:endParaRPr lang="zh-TW" altLang="en-US" sz="5000" baseline="-25000" dirty="0"/>
           </a:p>
@@ -6382,8 +5281,8 @@
         </p:nvSpPr>
         <p:spPr>
           <a:xfrm>
-            <a:off x="16362634" y="26783614"/>
-            <a:ext cx="14170566" cy="923330"/>
+            <a:off x="15624007" y="23505255"/>
+            <a:ext cx="14170566" cy="861774"/>
           </a:xfrm>
           <a:prstGeom prst="rect">
             <a:avLst/>
@@ -6403,47 +5302,7 @@
                 <a:latin typeface="Arial" pitchFamily="34" charset="0"/>
                 <a:cs typeface="Arial" pitchFamily="34" charset="0"/>
               </a:rPr>
-              <a:t>Optimization of </a:t>
-            </a:r>
-            <a:r>
-              <a:rPr kumimoji="1" lang="en-US" altLang="zh-TW" sz="5400" b="1" dirty="0">
-                <a:solidFill>
-                  <a:schemeClr val="accent2"/>
-                </a:solidFill>
-                <a:latin typeface="Arial"/>
-                <a:cs typeface="Arial"/>
-              </a:rPr>
-              <a:t>|</a:t>
-            </a:r>
-            <a:r>
-              <a:rPr kumimoji="1" lang="en-US" altLang="zh-TW" sz="5400" b="1" dirty="0" err="1">
-                <a:solidFill>
-                  <a:schemeClr val="accent2"/>
-                </a:solidFill>
-                <a:latin typeface="Arial"/>
-                <a:cs typeface="Arial"/>
-              </a:rPr>
-              <a:t>Δη</a:t>
-            </a:r>
-            <a:r>
-              <a:rPr kumimoji="1" lang="en-US" altLang="zh-TW" sz="5400" b="1" dirty="0">
-                <a:solidFill>
-                  <a:schemeClr val="accent2"/>
-                </a:solidFill>
-                <a:latin typeface="Arial"/>
-                <a:cs typeface="Arial"/>
-              </a:rPr>
-              <a:t>(Z,H)|</a:t>
-            </a:r>
-            <a:r>
-              <a:rPr lang="en-US" altLang="zh-TW" sz="5000" b="1" dirty="0" smtClean="0">
-                <a:solidFill>
-                  <a:srgbClr val="C0504D"/>
-                </a:solidFill>
-                <a:latin typeface="Arial" pitchFamily="34" charset="0"/>
-                <a:cs typeface="Arial" pitchFamily="34" charset="0"/>
-              </a:rPr>
-              <a:t>:</a:t>
+              <a:t>Summary for clustering:</a:t>
             </a:r>
             <a:r>
               <a:rPr lang="en-US" altLang="zh-TW" sz="5000" b="1" dirty="0" smtClean="0">
@@ -6467,8 +5326,8 @@
         </p:nvSpPr>
         <p:spPr>
           <a:xfrm>
-            <a:off x="16334268" y="20916226"/>
-            <a:ext cx="14170566" cy="861774"/>
+            <a:off x="15457682" y="18962437"/>
+            <a:ext cx="14790543" cy="861774"/>
           </a:xfrm>
           <a:prstGeom prst="rect">
             <a:avLst/>
@@ -6488,27 +5347,7 @@
                 <a:latin typeface="Arial" pitchFamily="34" charset="0"/>
                 <a:cs typeface="Arial" pitchFamily="34" charset="0"/>
               </a:rPr>
-              <a:t>Optimization of leading electron </a:t>
-            </a:r>
-            <a:r>
-              <a:rPr lang="en-US" altLang="zh-TW" sz="5000" b="1" dirty="0" err="1" smtClean="0">
-                <a:solidFill>
-                  <a:srgbClr val="C0504D"/>
-                </a:solidFill>
-                <a:latin typeface="Arial" pitchFamily="34" charset="0"/>
-                <a:cs typeface="Arial" pitchFamily="34" charset="0"/>
-              </a:rPr>
-              <a:t>pt</a:t>
-            </a:r>
-            <a:r>
-              <a:rPr lang="en-US" altLang="zh-TW" sz="5000" b="1" dirty="0" smtClean="0">
-                <a:solidFill>
-                  <a:srgbClr val="C0504D"/>
-                </a:solidFill>
-                <a:latin typeface="Arial" pitchFamily="34" charset="0"/>
-                <a:cs typeface="Arial" pitchFamily="34" charset="0"/>
-              </a:rPr>
-              <a:t> :</a:t>
+              <a:t>Study of the variables in different detector size:</a:t>
             </a:r>
             <a:r>
               <a:rPr lang="en-US" altLang="zh-TW" sz="5000" b="1" dirty="0" smtClean="0">
@@ -6535,7 +5374,7 @@
             <p:spPr>
               <a:xfrm>
                 <a:off x="343288" y="28624696"/>
-                <a:ext cx="14853850" cy="14065132"/>
+                <a:ext cx="14853850" cy="13915476"/>
               </a:xfrm>
               <a:prstGeom prst="rect">
                 <a:avLst/>
@@ -7364,216 +6203,6 @@
                       </a:rPr>
                       <m:t>:</m:t>
                     </m:r>
-                    <m:r>
-                      <a:rPr lang="en-US" altLang="zh-TW" sz="3600" b="0" i="1" smtClean="0">
-                        <a:solidFill>
-                          <a:schemeClr val="tx1">
-                            <a:lumMod val="95000"/>
-                            <a:lumOff val="5000"/>
-                          </a:schemeClr>
-                        </a:solidFill>
-                        <a:latin typeface="Cambria Math" charset="0"/>
-                        <a:ea typeface="Cambria Math" charset="0"/>
-                        <a:cs typeface="Cambria Math" charset="0"/>
-                      </a:rPr>
-                      <m:t>𝑎𝑛𝑔𝑙𝑒</m:t>
-                    </m:r>
-                    <m:r>
-                      <a:rPr lang="en-US" altLang="zh-TW" sz="3600" b="0" i="1" smtClean="0">
-                        <a:solidFill>
-                          <a:schemeClr val="tx1">
-                            <a:lumMod val="95000"/>
-                            <a:lumOff val="5000"/>
-                          </a:schemeClr>
-                        </a:solidFill>
-                        <a:latin typeface="Cambria Math" charset="0"/>
-                        <a:ea typeface="Cambria Math" charset="0"/>
-                        <a:cs typeface="Cambria Math" charset="0"/>
-                      </a:rPr>
-                      <m:t> </m:t>
-                    </m:r>
-                    <m:r>
-                      <a:rPr lang="en-US" altLang="zh-TW" sz="3600" b="0" i="1" smtClean="0">
-                        <a:solidFill>
-                          <a:schemeClr val="tx1">
-                            <a:lumMod val="95000"/>
-                            <a:lumOff val="5000"/>
-                          </a:schemeClr>
-                        </a:solidFill>
-                        <a:latin typeface="Cambria Math" charset="0"/>
-                        <a:ea typeface="Cambria Math" charset="0"/>
-                        <a:cs typeface="Cambria Math" charset="0"/>
-                      </a:rPr>
-                      <m:t>𝑡h𝑎𝑡</m:t>
-                    </m:r>
-                    <m:r>
-                      <a:rPr lang="en-US" altLang="zh-TW" sz="3600" b="0" i="1" smtClean="0">
-                        <a:solidFill>
-                          <a:schemeClr val="tx1">
-                            <a:lumMod val="95000"/>
-                            <a:lumOff val="5000"/>
-                          </a:schemeClr>
-                        </a:solidFill>
-                        <a:latin typeface="Cambria Math" charset="0"/>
-                        <a:ea typeface="Cambria Math" charset="0"/>
-                        <a:cs typeface="Cambria Math" charset="0"/>
-                      </a:rPr>
-                      <m:t> </m:t>
-                    </m:r>
-                    <m:r>
-                      <a:rPr lang="en-US" altLang="zh-TW" sz="3600" b="0" i="1" smtClean="0">
-                        <a:solidFill>
-                          <a:schemeClr val="tx1">
-                            <a:lumMod val="95000"/>
-                            <a:lumOff val="5000"/>
-                          </a:schemeClr>
-                        </a:solidFill>
-                        <a:latin typeface="Cambria Math" charset="0"/>
-                        <a:ea typeface="Cambria Math" charset="0"/>
-                        <a:cs typeface="Cambria Math" charset="0"/>
-                      </a:rPr>
-                      <m:t>𝑘</m:t>
-                    </m:r>
-                    <m:r>
-                      <a:rPr lang="en-US" altLang="zh-TW" sz="3600" b="0" i="1" smtClean="0">
-                        <a:solidFill>
-                          <a:schemeClr val="tx1">
-                            <a:lumMod val="95000"/>
-                            <a:lumOff val="5000"/>
-                          </a:schemeClr>
-                        </a:solidFill>
-                        <a:latin typeface="Cambria Math" charset="0"/>
-                        <a:ea typeface="Cambria Math" charset="0"/>
-                        <a:cs typeface="Cambria Math" charset="0"/>
-                      </a:rPr>
-                      <m:t> </m:t>
-                    </m:r>
-                    <m:r>
-                      <a:rPr lang="en-US" altLang="zh-TW" sz="3600" b="0" i="1" smtClean="0">
-                        <a:solidFill>
-                          <a:schemeClr val="tx1">
-                            <a:lumMod val="95000"/>
-                            <a:lumOff val="5000"/>
-                          </a:schemeClr>
-                        </a:solidFill>
-                        <a:latin typeface="Cambria Math" charset="0"/>
-                        <a:ea typeface="Cambria Math" charset="0"/>
-                        <a:cs typeface="Cambria Math" charset="0"/>
-                      </a:rPr>
-                      <m:t>𝑝𝑎𝑟𝑡𝑖𝑐𝑙𝑒</m:t>
-                    </m:r>
-                    <m:r>
-                      <a:rPr lang="en-US" altLang="zh-TW" sz="3600" b="0" i="1" smtClean="0">
-                        <a:solidFill>
-                          <a:schemeClr val="tx1">
-                            <a:lumMod val="95000"/>
-                            <a:lumOff val="5000"/>
-                          </a:schemeClr>
-                        </a:solidFill>
-                        <a:latin typeface="Cambria Math" charset="0"/>
-                        <a:ea typeface="Cambria Math" charset="0"/>
-                        <a:cs typeface="Cambria Math" charset="0"/>
-                      </a:rPr>
-                      <m:t> </m:t>
-                    </m:r>
-                    <m:r>
-                      <a:rPr lang="en-US" altLang="zh-TW" sz="3600" b="0" i="1" smtClean="0">
-                        <a:solidFill>
-                          <a:schemeClr val="tx1">
-                            <a:lumMod val="95000"/>
-                            <a:lumOff val="5000"/>
-                          </a:schemeClr>
-                        </a:solidFill>
-                        <a:latin typeface="Cambria Math" charset="0"/>
-                        <a:ea typeface="Cambria Math" charset="0"/>
-                        <a:cs typeface="Cambria Math" charset="0"/>
-                      </a:rPr>
-                      <m:t>𝑓𝑟𝑜𝑚</m:t>
-                    </m:r>
-                    <m:r>
-                      <a:rPr lang="en-US" altLang="zh-TW" sz="3600" b="0" i="1" smtClean="0">
-                        <a:solidFill>
-                          <a:schemeClr val="tx1">
-                            <a:lumMod val="95000"/>
-                            <a:lumOff val="5000"/>
-                          </a:schemeClr>
-                        </a:solidFill>
-                        <a:latin typeface="Cambria Math" charset="0"/>
-                        <a:ea typeface="Cambria Math" charset="0"/>
-                        <a:cs typeface="Cambria Math" charset="0"/>
-                      </a:rPr>
-                      <m:t> </m:t>
-                    </m:r>
-                    <m:r>
-                      <a:rPr lang="en-US" altLang="zh-TW" sz="3600" b="0" i="1" smtClean="0">
-                        <a:solidFill>
-                          <a:schemeClr val="tx1">
-                            <a:lumMod val="95000"/>
-                            <a:lumOff val="5000"/>
-                          </a:schemeClr>
-                        </a:solidFill>
-                        <a:latin typeface="Cambria Math" charset="0"/>
-                        <a:ea typeface="Cambria Math" charset="0"/>
-                        <a:cs typeface="Cambria Math" charset="0"/>
-                      </a:rPr>
-                      <m:t>𝑡h𝑒</m:t>
-                    </m:r>
-                    <m:r>
-                      <a:rPr lang="en-US" altLang="zh-TW" sz="3600" b="0" i="1" smtClean="0">
-                        <a:solidFill>
-                          <a:schemeClr val="tx1">
-                            <a:lumMod val="95000"/>
-                            <a:lumOff val="5000"/>
-                          </a:schemeClr>
-                        </a:solidFill>
-                        <a:latin typeface="Cambria Math" charset="0"/>
-                        <a:ea typeface="Cambria Math" charset="0"/>
-                        <a:cs typeface="Cambria Math" charset="0"/>
-                      </a:rPr>
-                      <m:t> </m:t>
-                    </m:r>
-                    <m:r>
-                      <a:rPr lang="en-US" altLang="zh-TW" sz="3600" b="0" i="1" smtClean="0">
-                        <a:solidFill>
-                          <a:schemeClr val="tx1">
-                            <a:lumMod val="95000"/>
-                            <a:lumOff val="5000"/>
-                          </a:schemeClr>
-                        </a:solidFill>
-                        <a:latin typeface="Cambria Math" charset="0"/>
-                        <a:ea typeface="Cambria Math" charset="0"/>
-                        <a:cs typeface="Cambria Math" charset="0"/>
-                      </a:rPr>
-                      <m:t>𝑖</m:t>
-                    </m:r>
-                    <m:r>
-                      <a:rPr lang="en-US" altLang="zh-TW" sz="3600" b="0" i="1" smtClean="0">
-                        <a:solidFill>
-                          <a:schemeClr val="tx1">
-                            <a:lumMod val="95000"/>
-                            <a:lumOff val="5000"/>
-                          </a:schemeClr>
-                        </a:solidFill>
-                        <a:latin typeface="Cambria Math" charset="0"/>
-                        <a:ea typeface="Cambria Math" charset="0"/>
-                        <a:cs typeface="Cambria Math" charset="0"/>
-                      </a:rPr>
-                      <m:t> </m:t>
-                    </m:r>
-                    <m:r>
-                      <a:rPr lang="en-US" altLang="zh-TW" sz="3600" b="0" i="1" smtClean="0">
-                        <a:solidFill>
-                          <a:schemeClr val="tx1">
-                            <a:lumMod val="95000"/>
-                            <a:lumOff val="5000"/>
-                          </a:schemeClr>
-                        </a:solidFill>
-                        <a:latin typeface="Cambria Math" charset="0"/>
-                        <a:ea typeface="Cambria Math" charset="0"/>
-                        <a:cs typeface="Cambria Math" charset="0"/>
-                      </a:rPr>
-                      <m:t>𝑎𝑥𝑖𝑠</m:t>
-                    </m:r>
                   </m:oMath>
                 </a14:m>
                 <a:endParaRPr lang="en-US" altLang="zh-TW" sz="3600" dirty="0" smtClean="0">
@@ -7627,8 +6256,9 @@
                                 <a:lumOff val="5000"/>
                               </a:schemeClr>
                             </a:solidFill>
-                            <a:latin typeface="Cambria Math" charset="0"/>
-                            <a:cs typeface="Arial" pitchFamily="34" charset="0"/>
+                            <a:latin typeface="Arial" charset="0"/>
+                            <a:ea typeface="Arial" charset="0"/>
+                            <a:cs typeface="Arial" charset="0"/>
                           </a:rPr>
                         </m:ctrlPr>
                       </m:sSubPr>
@@ -7641,8 +6271,9 @@
                                 <a:lumOff val="5000"/>
                               </a:schemeClr>
                             </a:solidFill>
-                            <a:latin typeface="Cambria Math" charset="0"/>
-                            <a:cs typeface="Arial" pitchFamily="34" charset="0"/>
+                            <a:latin typeface="Arial" charset="0"/>
+                            <a:ea typeface="Arial" charset="0"/>
+                            <a:cs typeface="Arial" charset="0"/>
                           </a:rPr>
                           <m:t>𝑅</m:t>
                         </m:r>
@@ -7656,8 +6287,9 @@
                                 <a:lumOff val="5000"/>
                               </a:schemeClr>
                             </a:solidFill>
-                            <a:latin typeface="Cambria Math" charset="0"/>
-                            <a:cs typeface="Arial" pitchFamily="34" charset="0"/>
+                            <a:latin typeface="Arial" charset="0"/>
+                            <a:ea typeface="Arial" charset="0"/>
+                            <a:cs typeface="Arial" charset="0"/>
                           </a:rPr>
                           <m:t>0</m:t>
                         </m:r>
@@ -7671,8 +6303,9 @@
                             <a:lumOff val="5000"/>
                           </a:schemeClr>
                         </a:solidFill>
-                        <a:latin typeface="Cambria Math" charset="0"/>
-                        <a:cs typeface="Arial" pitchFamily="34" charset="0"/>
+                        <a:latin typeface="Arial" charset="0"/>
+                        <a:ea typeface="Arial" charset="0"/>
+                        <a:cs typeface="Arial" charset="0"/>
                       </a:rPr>
                       <m:t>:</m:t>
                     </m:r>
@@ -7684,8 +6317,9 @@
                             <a:lumOff val="5000"/>
                           </a:schemeClr>
                         </a:solidFill>
-                        <a:latin typeface="Cambria Math" charset="0"/>
-                        <a:cs typeface="Arial" pitchFamily="34" charset="0"/>
+                        <a:latin typeface="Arial" charset="0"/>
+                        <a:ea typeface="Arial" charset="0"/>
+                        <a:cs typeface="Arial" charset="0"/>
                       </a:rPr>
                       <m:t>𝑇h𝑒</m:t>
                     </m:r>
@@ -7697,8 +6331,9 @@
                             <a:lumOff val="5000"/>
                           </a:schemeClr>
                         </a:solidFill>
-                        <a:latin typeface="Cambria Math" charset="0"/>
-                        <a:cs typeface="Arial" pitchFamily="34" charset="0"/>
+                        <a:latin typeface="Arial" charset="0"/>
+                        <a:ea typeface="Arial" charset="0"/>
+                        <a:cs typeface="Arial" charset="0"/>
                       </a:rPr>
                       <m:t> </m:t>
                     </m:r>
@@ -7710,8 +6345,9 @@
                             <a:lumOff val="5000"/>
                           </a:schemeClr>
                         </a:solidFill>
-                        <a:latin typeface="Cambria Math" charset="0"/>
-                        <a:cs typeface="Arial" pitchFamily="34" charset="0"/>
+                        <a:latin typeface="Arial" charset="0"/>
+                        <a:ea typeface="Arial" charset="0"/>
+                        <a:cs typeface="Arial" charset="0"/>
                       </a:rPr>
                       <m:t>𝑐𝑜𝑛𝑒</m:t>
                     </m:r>
@@ -7723,8 +6359,9 @@
                             <a:lumOff val="5000"/>
                           </a:schemeClr>
                         </a:solidFill>
-                        <a:latin typeface="Cambria Math" charset="0"/>
-                        <a:cs typeface="Arial" pitchFamily="34" charset="0"/>
+                        <a:latin typeface="Arial" charset="0"/>
+                        <a:ea typeface="Arial" charset="0"/>
+                        <a:cs typeface="Arial" charset="0"/>
                       </a:rPr>
                       <m:t> </m:t>
                     </m:r>
@@ -7736,8 +6373,9 @@
                             <a:lumOff val="5000"/>
                           </a:schemeClr>
                         </a:solidFill>
-                        <a:latin typeface="Cambria Math" charset="0"/>
-                        <a:cs typeface="Arial" pitchFamily="34" charset="0"/>
+                        <a:latin typeface="Arial" charset="0"/>
+                        <a:ea typeface="Arial" charset="0"/>
+                        <a:cs typeface="Arial" charset="0"/>
                       </a:rPr>
                       <m:t>𝑠𝑖𝑧𝑒</m:t>
                     </m:r>
@@ -7749,8 +6387,9 @@
                             <a:lumOff val="5000"/>
                           </a:schemeClr>
                         </a:solidFill>
-                        <a:latin typeface="Cambria Math" charset="0"/>
-                        <a:cs typeface="Arial" pitchFamily="34" charset="0"/>
+                        <a:latin typeface="Arial" charset="0"/>
+                        <a:ea typeface="Arial" charset="0"/>
+                        <a:cs typeface="Arial" charset="0"/>
                       </a:rPr>
                       <m:t> </m:t>
                     </m:r>
@@ -7762,8 +6401,9 @@
                             <a:lumOff val="5000"/>
                           </a:schemeClr>
                         </a:solidFill>
-                        <a:latin typeface="Cambria Math" charset="0"/>
-                        <a:cs typeface="Arial" pitchFamily="34" charset="0"/>
+                        <a:latin typeface="Arial" charset="0"/>
+                        <a:ea typeface="Arial" charset="0"/>
+                        <a:cs typeface="Arial" charset="0"/>
                       </a:rPr>
                       <m:t>𝑤𝑒</m:t>
                     </m:r>
@@ -7775,8 +6415,9 @@
                             <a:lumOff val="5000"/>
                           </a:schemeClr>
                         </a:solidFill>
-                        <a:latin typeface="Cambria Math" charset="0"/>
-                        <a:cs typeface="Arial" pitchFamily="34" charset="0"/>
+                        <a:latin typeface="Arial" charset="0"/>
+                        <a:ea typeface="Arial" charset="0"/>
+                        <a:cs typeface="Arial" charset="0"/>
                       </a:rPr>
                       <m:t> </m:t>
                     </m:r>
@@ -7788,8 +6429,9 @@
                             <a:lumOff val="5000"/>
                           </a:schemeClr>
                         </a:solidFill>
-                        <a:latin typeface="Cambria Math" charset="0"/>
-                        <a:cs typeface="Arial" pitchFamily="34" charset="0"/>
+                        <a:latin typeface="Arial" charset="0"/>
+                        <a:ea typeface="Arial" charset="0"/>
+                        <a:cs typeface="Arial" charset="0"/>
                       </a:rPr>
                       <m:t>𝑤𝑎𝑛𝑡</m:t>
                     </m:r>
@@ -7801,8 +6443,9 @@
                             <a:lumOff val="5000"/>
                           </a:schemeClr>
                         </a:solidFill>
-                        <a:latin typeface="Cambria Math" charset="0"/>
-                        <a:cs typeface="Arial" pitchFamily="34" charset="0"/>
+                        <a:latin typeface="Arial" charset="0"/>
+                        <a:ea typeface="Arial" charset="0"/>
+                        <a:cs typeface="Arial" charset="0"/>
                       </a:rPr>
                       <m:t> </m:t>
                     </m:r>
@@ -7814,8 +6457,9 @@
                             <a:lumOff val="5000"/>
                           </a:schemeClr>
                         </a:solidFill>
-                        <a:latin typeface="Cambria Math" charset="0"/>
-                        <a:cs typeface="Arial" pitchFamily="34" charset="0"/>
+                        <a:latin typeface="Arial" charset="0"/>
+                        <a:ea typeface="Arial" charset="0"/>
+                        <a:cs typeface="Arial" charset="0"/>
                       </a:rPr>
                       <m:t>𝑡𝑜</m:t>
                     </m:r>
@@ -7827,8 +6471,9 @@
                             <a:lumOff val="5000"/>
                           </a:schemeClr>
                         </a:solidFill>
-                        <a:latin typeface="Cambria Math" charset="0"/>
-                        <a:cs typeface="Arial" pitchFamily="34" charset="0"/>
+                        <a:latin typeface="Arial" charset="0"/>
+                        <a:ea typeface="Arial" charset="0"/>
+                        <a:cs typeface="Arial" charset="0"/>
                       </a:rPr>
                       <m:t> </m:t>
                     </m:r>
@@ -7840,8 +6485,9 @@
                             <a:lumOff val="5000"/>
                           </a:schemeClr>
                         </a:solidFill>
-                        <a:latin typeface="Cambria Math" charset="0"/>
-                        <a:cs typeface="Arial" pitchFamily="34" charset="0"/>
+                        <a:latin typeface="Arial" charset="0"/>
+                        <a:ea typeface="Arial" charset="0"/>
+                        <a:cs typeface="Arial" charset="0"/>
                       </a:rPr>
                       <m:t>𝑐𝑙𝑢𝑠𝑡𝑒𝑟</m:t>
                     </m:r>
@@ -7854,8 +6500,9 @@
                       <a:lumOff val="5000"/>
                     </a:schemeClr>
                   </a:solidFill>
-                  <a:latin typeface="Arial" pitchFamily="34" charset="0"/>
-                  <a:cs typeface="Arial" pitchFamily="34" charset="0"/>
+                  <a:latin typeface="Arial" charset="0"/>
+                  <a:ea typeface="Arial" charset="0"/>
+                  <a:cs typeface="Arial" charset="0"/>
                 </a:endParaRPr>
               </a:p>
               <a:p>
@@ -8579,7 +7226,8 @@
                                     <m:e>
                                       <m:nary>
                                         <m:naryPr>
-                                          <m:chr m:val="∑"/>
+                                          <m:chr m:val="∏"/>
+                                          <m:limLoc m:val="subSup"/>
                                           <m:ctrlPr>
                                             <a:rPr lang="is-IS" altLang="zh-TW" sz="4000" b="0" i="1" smtClean="0">
                                               <a:latin typeface="Cambria Math" charset="0"/>
@@ -8636,6 +7284,14 @@
                                           </m:r>
                                         </m:sup>
                                         <m:e>
+                                          <m:r>
+                                            <a:rPr lang="en-US" altLang="zh-TW" sz="4000" b="0" i="1" smtClean="0">
+                                              <a:latin typeface="Cambria Math" charset="0"/>
+                                              <a:ea typeface="Cambria Math" charset="0"/>
+                                              <a:cs typeface="Cambria Math" charset="0"/>
+                                            </a:rPr>
+                                            <m:t>∆</m:t>
+                                          </m:r>
                                           <m:sSub>
                                             <m:sSubPr>
                                               <m:ctrlPr>
@@ -8772,99 +7428,6 @@
                       </a:rPr>
                       <m:t>≡</m:t>
                     </m:r>
-                    <m:f>
-                      <m:fPr>
-                        <m:ctrlPr>
-                          <a:rPr lang="mr-IN" altLang="zh-TW" sz="4800" b="0" i="1" smtClean="0">
-                            <a:latin typeface="Cambria Math" charset="0"/>
-                            <a:ea typeface="Cambria Math" charset="0"/>
-                            <a:cs typeface="Cambria Math" charset="0"/>
-                          </a:rPr>
-                        </m:ctrlPr>
-                      </m:fPr>
-                      <m:num>
-                        <m:sSub>
-                          <m:sSubPr>
-                            <m:ctrlPr>
-                              <a:rPr lang="en-US" altLang="zh-TW" sz="4800" b="0" i="1" smtClean="0">
-                                <a:latin typeface="Cambria Math" charset="0"/>
-                                <a:ea typeface="Cambria Math" charset="0"/>
-                                <a:cs typeface="Cambria Math" charset="0"/>
-                              </a:rPr>
-                            </m:ctrlPr>
-                          </m:sSubPr>
-                          <m:e>
-                            <m:r>
-                              <a:rPr lang="en-US" altLang="zh-TW" sz="4800" b="0" i="1" smtClean="0">
-                                <a:latin typeface="Cambria Math" charset="0"/>
-                                <a:ea typeface="Cambria Math" charset="0"/>
-                                <a:cs typeface="Cambria Math" charset="0"/>
-                              </a:rPr>
-                              <m:t>𝑟</m:t>
-                            </m:r>
-                          </m:e>
-                          <m:sub>
-                            <m:r>
-                              <a:rPr lang="en-US" altLang="zh-TW" sz="4800" b="0" i="1" smtClean="0">
-                                <a:latin typeface="Cambria Math" charset="0"/>
-                                <a:ea typeface="Cambria Math" charset="0"/>
-                                <a:cs typeface="Cambria Math" charset="0"/>
-                              </a:rPr>
-                              <m:t>𝑁</m:t>
-                            </m:r>
-                          </m:sub>
-                        </m:sSub>
-                      </m:num>
-                      <m:den>
-                        <m:sSub>
-                          <m:sSubPr>
-                            <m:ctrlPr>
-                              <a:rPr lang="en-US" altLang="zh-TW" sz="4800" b="0" i="1" smtClean="0">
-                                <a:latin typeface="Cambria Math" charset="0"/>
-                                <a:ea typeface="Cambria Math" charset="0"/>
-                                <a:cs typeface="Cambria Math" charset="0"/>
-                              </a:rPr>
-                            </m:ctrlPr>
-                          </m:sSubPr>
-                          <m:e>
-                            <m:r>
-                              <a:rPr lang="en-US" altLang="zh-TW" sz="4800" b="0" i="1" smtClean="0">
-                                <a:latin typeface="Cambria Math" charset="0"/>
-                                <a:ea typeface="Cambria Math" charset="0"/>
-                                <a:cs typeface="Cambria Math" charset="0"/>
-                              </a:rPr>
-                              <m:t>𝑟</m:t>
-                            </m:r>
-                          </m:e>
-                          <m:sub>
-                            <m:r>
-                              <a:rPr lang="en-US" altLang="zh-TW" sz="4800" b="0" i="1" smtClean="0">
-                                <a:latin typeface="Cambria Math" charset="0"/>
-                                <a:ea typeface="Cambria Math" charset="0"/>
-                                <a:cs typeface="Cambria Math" charset="0"/>
-                              </a:rPr>
-                              <m:t>𝑁</m:t>
-                            </m:r>
-                            <m:r>
-                              <a:rPr lang="en-US" altLang="zh-TW" sz="4800" b="0" i="1" smtClean="0">
-                                <a:latin typeface="Cambria Math" charset="0"/>
-                                <a:ea typeface="Cambria Math" charset="0"/>
-                                <a:cs typeface="Cambria Math" charset="0"/>
-                              </a:rPr>
-                              <m:t>−1</m:t>
-                            </m:r>
-                          </m:sub>
-                        </m:sSub>
-                      </m:den>
-                    </m:f>
-                    <m:r>
-                      <a:rPr lang="en-US" altLang="zh-TW" sz="4800" b="0" i="1" smtClean="0">
-                        <a:latin typeface="Cambria Math" charset="0"/>
-                        <a:ea typeface="Cambria Math" charset="0"/>
-                        <a:cs typeface="Cambria Math" charset="0"/>
-                      </a:rPr>
-                      <m:t> </m:t>
-                    </m:r>
                   </m:oMath>
                 </a14:m>
                 <a:r>
@@ -8872,7 +7435,7 @@
                     <a:ea typeface="Cambria Math" charset="0"/>
                     <a:cs typeface="Cambria Math" charset="0"/>
                   </a:rPr>
-                  <a:t>=  </a:t>
+                  <a:t>  </a:t>
                 </a:r>
                 <a14:m>
                   <m:oMath xmlns:m="http://schemas.openxmlformats.org/officeDocument/2006/math">
@@ -10178,15 +8741,15 @@
             <p:spPr>
               <a:xfrm>
                 <a:off x="343288" y="28624696"/>
-                <a:ext cx="14853850" cy="14065132"/>
+                <a:ext cx="14853850" cy="13915476"/>
               </a:xfrm>
               <a:prstGeom prst="rect">
                 <a:avLst/>
               </a:prstGeom>
               <a:blipFill rotWithShape="0">
-                <a:blip r:embed="rId17"/>
+                <a:blip r:embed="rId12"/>
                 <a:stretch>
-                  <a:fillRect l="-1970" t="-1084"/>
+                  <a:fillRect l="-1970" t="-1096"/>
                 </a:stretch>
               </a:blipFill>
             </p:spPr>
@@ -10213,7 +8776,7 @@
         </p:nvSpPr>
         <p:spPr>
           <a:xfrm>
-            <a:off x="16334268" y="32563770"/>
+            <a:off x="15586935" y="28855159"/>
             <a:ext cx="10947401" cy="861774"/>
           </a:xfrm>
           <a:prstGeom prst="rect">
@@ -10234,17 +8797,27 @@
                 <a:latin typeface="Arial" pitchFamily="34" charset="0"/>
                 <a:cs typeface="Arial" pitchFamily="34" charset="0"/>
               </a:rPr>
-              <a:t>Optimization result:</a:t>
+              <a:t>Study of Soft </a:t>
             </a:r>
             <a:r>
               <a:rPr lang="en-US" altLang="zh-TW" sz="5000" b="1" dirty="0" smtClean="0">
                 <a:solidFill>
-                  <a:schemeClr val="accent2"/>
+                  <a:srgbClr val="C0504D"/>
                 </a:solidFill>
                 <a:latin typeface="Arial" pitchFamily="34" charset="0"/>
                 <a:cs typeface="Arial" pitchFamily="34" charset="0"/>
               </a:rPr>
-              <a:t> </a:t>
+              <a:t>D</a:t>
+            </a:r>
+            <a:r>
+              <a:rPr lang="en-US" altLang="zh-TW" sz="5000" b="1" dirty="0" smtClean="0">
+                <a:solidFill>
+                  <a:srgbClr val="C0504D"/>
+                </a:solidFill>
+                <a:latin typeface="Arial" pitchFamily="34" charset="0"/>
+                <a:cs typeface="Arial" pitchFamily="34" charset="0"/>
+              </a:rPr>
+              <a:t>rop:</a:t>
             </a:r>
             <a:endParaRPr lang="zh-TW" altLang="en-US" sz="5000" baseline="-25000" dirty="0"/>
           </a:p>
@@ -10258,7 +8831,7 @@
         </p:nvSpPr>
         <p:spPr>
           <a:xfrm>
-            <a:off x="15717348" y="14510159"/>
+            <a:off x="15684130" y="13724049"/>
             <a:ext cx="14170566" cy="861774"/>
           </a:xfrm>
           <a:prstGeom prst="rect">
@@ -10279,7 +8852,17 @@
                 <a:latin typeface="Arial" pitchFamily="34" charset="0"/>
                 <a:cs typeface="Arial" pitchFamily="34" charset="0"/>
               </a:rPr>
-              <a:t>Expected limit:</a:t>
+              <a:t>Variables Study in Cluster</a:t>
+            </a:r>
+            <a:r>
+              <a:rPr lang="en-US" altLang="zh-TW" sz="5000" b="1" dirty="0" smtClean="0">
+                <a:solidFill>
+                  <a:srgbClr val="C0504D"/>
+                </a:solidFill>
+                <a:latin typeface="Arial" pitchFamily="34" charset="0"/>
+                <a:cs typeface="Arial" pitchFamily="34" charset="0"/>
+              </a:rPr>
+              <a:t>:</a:t>
             </a:r>
             <a:r>
               <a:rPr lang="en-US" altLang="zh-TW" sz="5000" b="1" dirty="0" smtClean="0">
@@ -10375,7 +8958,7 @@
                 <a:latin typeface="Arial" pitchFamily="34" charset="0"/>
                 <a:cs typeface="Arial" pitchFamily="34" charset="0"/>
               </a:rPr>
-              <a:t>and and </a:t>
+              <a:t>and </a:t>
             </a:r>
             <a:r>
               <a:rPr lang="en-US" altLang="zh-TW" sz="5000" b="1" dirty="0" smtClean="0">
@@ -10385,7 +8968,37 @@
                 <a:latin typeface="Arial" pitchFamily="34" charset="0"/>
                 <a:cs typeface="Arial" pitchFamily="34" charset="0"/>
               </a:rPr>
-              <a:t>QCD Background process:</a:t>
+              <a:t>QCD </a:t>
+            </a:r>
+            <a:r>
+              <a:rPr lang="en-US" altLang="zh-TW" sz="5000" b="1" dirty="0" smtClean="0">
+                <a:solidFill>
+                  <a:srgbClr val="C0504D"/>
+                </a:solidFill>
+                <a:latin typeface="Arial" pitchFamily="34" charset="0"/>
+                <a:cs typeface="Arial" pitchFamily="34" charset="0"/>
+              </a:rPr>
+              <a:t>Background </a:t>
+            </a:r>
+            <a:r>
+              <a:rPr lang="en-US" altLang="zh-TW" sz="5000" b="1" dirty="0" smtClean="0">
+                <a:solidFill>
+                  <a:srgbClr val="C0504D"/>
+                </a:solidFill>
+                <a:latin typeface="Arial" pitchFamily="34" charset="0"/>
+                <a:cs typeface="Arial" pitchFamily="34" charset="0"/>
+              </a:rPr>
+              <a:t>Process</a:t>
+            </a:r>
+            <a:r>
+              <a:rPr lang="en-US" altLang="zh-TW" sz="5000" b="1" dirty="0" smtClean="0">
+                <a:solidFill>
+                  <a:srgbClr val="C0504D"/>
+                </a:solidFill>
+                <a:latin typeface="Arial" pitchFamily="34" charset="0"/>
+                <a:cs typeface="Arial" pitchFamily="34" charset="0"/>
+              </a:rPr>
+              <a:t>:</a:t>
             </a:r>
             <a:r>
               <a:rPr lang="en-US" altLang="zh-TW" sz="5000" b="1" dirty="0" smtClean="0">
@@ -10441,7 +9054,47 @@
                 <a:latin typeface="Arial" pitchFamily="34" charset="0"/>
                 <a:cs typeface="Arial" pitchFamily="34" charset="0"/>
               </a:rPr>
-              <a:t> 4 simulation of Future </a:t>
+              <a:t> 4 </a:t>
+            </a:r>
+            <a:r>
+              <a:rPr lang="en-US" altLang="zh-TW" sz="5000" b="1" dirty="0" smtClean="0">
+                <a:solidFill>
+                  <a:srgbClr val="C0504D"/>
+                </a:solidFill>
+                <a:latin typeface="Arial" pitchFamily="34" charset="0"/>
+                <a:cs typeface="Arial" pitchFamily="34" charset="0"/>
+              </a:rPr>
+              <a:t>Simulation </a:t>
+            </a:r>
+            <a:r>
+              <a:rPr lang="en-US" altLang="zh-TW" sz="5000" b="1" dirty="0" smtClean="0">
+                <a:solidFill>
+                  <a:srgbClr val="C0504D"/>
+                </a:solidFill>
+                <a:latin typeface="Arial" pitchFamily="34" charset="0"/>
+                <a:cs typeface="Arial" pitchFamily="34" charset="0"/>
+              </a:rPr>
+              <a:t>of Future </a:t>
+            </a:r>
+            <a:r>
+              <a:rPr lang="en-US" altLang="zh-TW" sz="5000" b="1" dirty="0" smtClean="0">
+                <a:solidFill>
+                  <a:srgbClr val="C0504D"/>
+                </a:solidFill>
+                <a:latin typeface="Arial" pitchFamily="34" charset="0"/>
+                <a:cs typeface="Arial" pitchFamily="34" charset="0"/>
+              </a:rPr>
+              <a:t>D</a:t>
+            </a:r>
+            <a:r>
+              <a:rPr lang="en-US" altLang="zh-TW" sz="5000" b="1" dirty="0" smtClean="0">
+                <a:solidFill>
+                  <a:srgbClr val="C0504D"/>
+                </a:solidFill>
+                <a:latin typeface="Arial" pitchFamily="34" charset="0"/>
+                <a:cs typeface="Arial" pitchFamily="34" charset="0"/>
+              </a:rPr>
+              <a:t>etector </a:t>
             </a:r>
             <a:r>
               <a:rPr lang="en-US" altLang="zh-TW" sz="5000" b="1" dirty="0" err="1" smtClean="0">
@@ -10451,7 +9104,7 @@
                 <a:latin typeface="Arial" pitchFamily="34" charset="0"/>
                 <a:cs typeface="Arial" pitchFamily="34" charset="0"/>
               </a:rPr>
-              <a:t>detector,SiFCC</a:t>
+              <a:t>SiFCC</a:t>
             </a:r>
             <a:r>
               <a:rPr lang="en-US" altLang="zh-TW" sz="5000" b="1" dirty="0" smtClean="0">
@@ -10479,7 +9132,7 @@
         </p:nvSpPr>
         <p:spPr>
           <a:xfrm>
-            <a:off x="16221821" y="15787564"/>
+            <a:off x="15880124" y="14590652"/>
             <a:ext cx="14170566" cy="861774"/>
           </a:xfrm>
           <a:prstGeom prst="rect">
@@ -10493,6 +9146,16 @@
           <a:lstStyle/>
           <a:p>
             <a:r>
+              <a:rPr lang="en-US" altLang="zh-TW" sz="5000" b="1" dirty="0" smtClean="0">
+                <a:solidFill>
+                  <a:srgbClr val="C0504D"/>
+                </a:solidFill>
+                <a:latin typeface="Arial" pitchFamily="34" charset="0"/>
+                <a:cs typeface="Arial" pitchFamily="34" charset="0"/>
+              </a:rPr>
+              <a:t>Distribution of z’-&gt;</a:t>
+            </a:r>
+            <a:r>
               <a:rPr lang="en-US" altLang="zh-TW" sz="5000" b="1" dirty="0" err="1" smtClean="0">
                 <a:solidFill>
                   <a:srgbClr val="C0504D"/>
@@ -10500,7 +9163,7 @@
                 <a:latin typeface="Arial" pitchFamily="34" charset="0"/>
                 <a:cs typeface="Arial" pitchFamily="34" charset="0"/>
               </a:rPr>
-              <a:t>Zprime</a:t>
+              <a:t>ww,z</a:t>
             </a:r>
             <a:r>
               <a:rPr lang="en-US" altLang="zh-TW" sz="5000" b="1" dirty="0" smtClean="0">
@@ -10510,7 +9173,7 @@
                 <a:latin typeface="Arial" pitchFamily="34" charset="0"/>
                 <a:cs typeface="Arial" pitchFamily="34" charset="0"/>
               </a:rPr>
-              <a:t> mass distribution in L=3/</a:t>
+              <a:t>’-&gt;</a:t>
             </a:r>
             <a:r>
               <a:rPr lang="en-US" altLang="zh-TW" sz="5000" b="1" dirty="0" err="1" smtClean="0">
@@ -10520,7 +9183,57 @@
                 <a:latin typeface="Arial" pitchFamily="34" charset="0"/>
                 <a:cs typeface="Arial" pitchFamily="34" charset="0"/>
               </a:rPr>
-              <a:t>fb</a:t>
+              <a:t>qq</a:t>
+            </a:r>
+            <a:r>
+              <a:rPr lang="en-US" altLang="zh-TW" sz="5000" b="1" dirty="0" smtClean="0">
+                <a:solidFill>
+                  <a:srgbClr val="C0504D"/>
+                </a:solidFill>
+                <a:latin typeface="Arial" pitchFamily="34" charset="0"/>
+                <a:cs typeface="Arial" pitchFamily="34" charset="0"/>
+              </a:rPr>
+              <a:t> and z’-&gt;</a:t>
+            </a:r>
+            <a:r>
+              <a:rPr lang="en-US" altLang="zh-TW" sz="5000" b="1" dirty="0" err="1" smtClean="0">
+                <a:solidFill>
+                  <a:srgbClr val="C0504D"/>
+                </a:solidFill>
+                <a:latin typeface="Arial" pitchFamily="34" charset="0"/>
+                <a:cs typeface="Arial" pitchFamily="34" charset="0"/>
+              </a:rPr>
+              <a:t>tt,z</a:t>
+            </a:r>
+            <a:r>
+              <a:rPr lang="en-US" altLang="zh-TW" sz="5000" b="1" dirty="0" smtClean="0">
+                <a:solidFill>
+                  <a:srgbClr val="C0504D"/>
+                </a:solidFill>
+                <a:latin typeface="Arial" pitchFamily="34" charset="0"/>
+                <a:cs typeface="Arial" pitchFamily="34" charset="0"/>
+              </a:rPr>
+              <a:t>’-&gt;</a:t>
+            </a:r>
+            <a:r>
+              <a:rPr lang="en-US" altLang="zh-TW" sz="5000" b="1" dirty="0" err="1" smtClean="0">
+                <a:solidFill>
+                  <a:srgbClr val="C0504D"/>
+                </a:solidFill>
+                <a:latin typeface="Arial" pitchFamily="34" charset="0"/>
+                <a:cs typeface="Arial" pitchFamily="34" charset="0"/>
+              </a:rPr>
+              <a:t>qq</a:t>
+            </a:r>
+            <a:r>
+              <a:rPr lang="en-US" altLang="zh-TW" sz="5000" b="1" dirty="0" smtClean="0">
+                <a:solidFill>
+                  <a:srgbClr val="C0504D"/>
+                </a:solidFill>
+                <a:latin typeface="Arial" pitchFamily="34" charset="0"/>
+                <a:cs typeface="Arial" pitchFamily="34" charset="0"/>
+              </a:rPr>
+              <a:t> </a:t>
             </a:r>
             <a:r>
               <a:rPr lang="en-US" altLang="zh-TW" sz="5000" b="1" dirty="0" smtClean="0">
@@ -10632,1217 +9345,6 @@
       </p:sp>
       <p:sp>
         <p:nvSpPr>
-          <p:cNvPr id="76" name="內容版面配置區 2"/>
-          <p:cNvSpPr txBox="1">
-            <a:spLocks/>
-          </p:cNvSpPr>
-          <p:nvPr/>
-        </p:nvSpPr>
-        <p:spPr>
-          <a:xfrm>
-            <a:off x="17126048" y="27710098"/>
-            <a:ext cx="2595742" cy="333511"/>
-          </a:xfrm>
-          <a:prstGeom prst="rect">
-            <a:avLst/>
-          </a:prstGeom>
-          <a:solidFill>
-            <a:schemeClr val="bg1"/>
-          </a:solidFill>
-        </p:spPr>
-        <p:txBody>
-          <a:bodyPr vert="horz" lIns="91440" tIns="45720" rIns="91440" bIns="45720" rtlCol="0">
-            <a:noAutofit/>
-          </a:bodyPr>
-          <a:lstStyle>
-            <a:lvl1pPr marL="342900" indent="-342900" algn="l" defTabSz="457200" rtl="0" eaLnBrk="1" latinLnBrk="0" hangingPunct="1">
-              <a:spcBef>
-                <a:spcPct val="20000"/>
-              </a:spcBef>
-              <a:buFont typeface="Arial"/>
-              <a:buChar char="•"/>
-              <a:defRPr sz="3200" kern="1200">
-                <a:solidFill>
-                  <a:schemeClr val="tx1"/>
-                </a:solidFill>
-                <a:latin typeface="+mn-lt"/>
-                <a:ea typeface="+mn-ea"/>
-                <a:cs typeface="+mn-cs"/>
-              </a:defRPr>
-            </a:lvl1pPr>
-            <a:lvl2pPr marL="742950" indent="-285750" algn="l" defTabSz="457200" rtl="0" eaLnBrk="1" latinLnBrk="0" hangingPunct="1">
-              <a:spcBef>
-                <a:spcPct val="20000"/>
-              </a:spcBef>
-              <a:buFont typeface="Arial"/>
-              <a:buChar char="–"/>
-              <a:defRPr sz="2800" kern="1200">
-                <a:solidFill>
-                  <a:schemeClr val="tx1"/>
-                </a:solidFill>
-                <a:latin typeface="+mn-lt"/>
-                <a:ea typeface="+mn-ea"/>
-                <a:cs typeface="+mn-cs"/>
-              </a:defRPr>
-            </a:lvl2pPr>
-            <a:lvl3pPr marL="1143000" indent="-228600" algn="l" defTabSz="457200" rtl="0" eaLnBrk="1" latinLnBrk="0" hangingPunct="1">
-              <a:spcBef>
-                <a:spcPct val="20000"/>
-              </a:spcBef>
-              <a:buFont typeface="Arial"/>
-              <a:buChar char="•"/>
-              <a:defRPr sz="2400" kern="1200">
-                <a:solidFill>
-                  <a:schemeClr val="tx1"/>
-                </a:solidFill>
-                <a:latin typeface="+mn-lt"/>
-                <a:ea typeface="+mn-ea"/>
-                <a:cs typeface="+mn-cs"/>
-              </a:defRPr>
-            </a:lvl3pPr>
-            <a:lvl4pPr marL="1600200" indent="-228600" algn="l" defTabSz="457200" rtl="0" eaLnBrk="1" latinLnBrk="0" hangingPunct="1">
-              <a:spcBef>
-                <a:spcPct val="20000"/>
-              </a:spcBef>
-              <a:buFont typeface="Arial"/>
-              <a:buChar char="–"/>
-              <a:defRPr sz="2000" kern="1200">
-                <a:solidFill>
-                  <a:schemeClr val="tx1"/>
-                </a:solidFill>
-                <a:latin typeface="+mn-lt"/>
-                <a:ea typeface="+mn-ea"/>
-                <a:cs typeface="+mn-cs"/>
-              </a:defRPr>
-            </a:lvl4pPr>
-            <a:lvl5pPr marL="2057400" indent="-228600" algn="l" defTabSz="457200" rtl="0" eaLnBrk="1" latinLnBrk="0" hangingPunct="1">
-              <a:spcBef>
-                <a:spcPct val="20000"/>
-              </a:spcBef>
-              <a:buFont typeface="Arial"/>
-              <a:buChar char="»"/>
-              <a:defRPr sz="2000" kern="1200">
-                <a:solidFill>
-                  <a:schemeClr val="tx1"/>
-                </a:solidFill>
-                <a:latin typeface="+mn-lt"/>
-                <a:ea typeface="+mn-ea"/>
-                <a:cs typeface="+mn-cs"/>
-              </a:defRPr>
-            </a:lvl5pPr>
-            <a:lvl6pPr marL="2514600" indent="-228600" algn="l" defTabSz="457200" rtl="0" eaLnBrk="1" latinLnBrk="0" hangingPunct="1">
-              <a:spcBef>
-                <a:spcPct val="20000"/>
-              </a:spcBef>
-              <a:buFont typeface="Arial"/>
-              <a:buChar char="•"/>
-              <a:defRPr sz="2000" kern="1200">
-                <a:solidFill>
-                  <a:schemeClr val="tx1"/>
-                </a:solidFill>
-                <a:latin typeface="+mn-lt"/>
-                <a:ea typeface="+mn-ea"/>
-                <a:cs typeface="+mn-cs"/>
-              </a:defRPr>
-            </a:lvl6pPr>
-            <a:lvl7pPr marL="2971800" indent="-228600" algn="l" defTabSz="457200" rtl="0" eaLnBrk="1" latinLnBrk="0" hangingPunct="1">
-              <a:spcBef>
-                <a:spcPct val="20000"/>
-              </a:spcBef>
-              <a:buFont typeface="Arial"/>
-              <a:buChar char="•"/>
-              <a:defRPr sz="2000" kern="1200">
-                <a:solidFill>
-                  <a:schemeClr val="tx1"/>
-                </a:solidFill>
-                <a:latin typeface="+mn-lt"/>
-                <a:ea typeface="+mn-ea"/>
-                <a:cs typeface="+mn-cs"/>
-              </a:defRPr>
-            </a:lvl7pPr>
-            <a:lvl8pPr marL="3429000" indent="-228600" algn="l" defTabSz="457200" rtl="0" eaLnBrk="1" latinLnBrk="0" hangingPunct="1">
-              <a:spcBef>
-                <a:spcPct val="20000"/>
-              </a:spcBef>
-              <a:buFont typeface="Arial"/>
-              <a:buChar char="•"/>
-              <a:defRPr sz="2000" kern="1200">
-                <a:solidFill>
-                  <a:schemeClr val="tx1"/>
-                </a:solidFill>
-                <a:latin typeface="+mn-lt"/>
-                <a:ea typeface="+mn-ea"/>
-                <a:cs typeface="+mn-cs"/>
-              </a:defRPr>
-            </a:lvl8pPr>
-            <a:lvl9pPr marL="3886200" indent="-228600" algn="l" defTabSz="457200" rtl="0" eaLnBrk="1" latinLnBrk="0" hangingPunct="1">
-              <a:spcBef>
-                <a:spcPct val="20000"/>
-              </a:spcBef>
-              <a:buFont typeface="Arial"/>
-              <a:buChar char="•"/>
-              <a:defRPr sz="2000" kern="1200">
-                <a:solidFill>
-                  <a:schemeClr val="tx1"/>
-                </a:solidFill>
-                <a:latin typeface="+mn-lt"/>
-                <a:ea typeface="+mn-ea"/>
-                <a:cs typeface="+mn-cs"/>
-              </a:defRPr>
-            </a:lvl9pPr>
-          </a:lstStyle>
-          <a:p>
-            <a:pPr marL="0" indent="0">
-              <a:buNone/>
-            </a:pPr>
-            <a:r>
-              <a:rPr kumimoji="1" lang="en-US" altLang="zh-TW" sz="2000" b="1" i="1" dirty="0" smtClean="0"/>
-              <a:t>CMS work in progress</a:t>
-            </a:r>
-            <a:endParaRPr kumimoji="1" lang="zh-TW" altLang="en-US" sz="2000" b="1" i="1" dirty="0"/>
-          </a:p>
-        </p:txBody>
-      </p:sp>
-      <p:sp>
-        <p:nvSpPr>
-          <p:cNvPr id="94" name="內容版面配置區 2"/>
-          <p:cNvSpPr txBox="1">
-            <a:spLocks/>
-          </p:cNvSpPr>
-          <p:nvPr/>
-        </p:nvSpPr>
-        <p:spPr>
-          <a:xfrm>
-            <a:off x="23447917" y="27697041"/>
-            <a:ext cx="2595742" cy="333511"/>
-          </a:xfrm>
-          <a:prstGeom prst="rect">
-            <a:avLst/>
-          </a:prstGeom>
-          <a:solidFill>
-            <a:schemeClr val="bg1"/>
-          </a:solidFill>
-        </p:spPr>
-        <p:txBody>
-          <a:bodyPr vert="horz" lIns="91440" tIns="45720" rIns="91440" bIns="45720" rtlCol="0">
-            <a:noAutofit/>
-          </a:bodyPr>
-          <a:lstStyle>
-            <a:lvl1pPr marL="342900" indent="-342900" algn="l" defTabSz="457200" rtl="0" eaLnBrk="1" latinLnBrk="0" hangingPunct="1">
-              <a:spcBef>
-                <a:spcPct val="20000"/>
-              </a:spcBef>
-              <a:buFont typeface="Arial"/>
-              <a:buChar char="•"/>
-              <a:defRPr sz="3200" kern="1200">
-                <a:solidFill>
-                  <a:schemeClr val="tx1"/>
-                </a:solidFill>
-                <a:latin typeface="+mn-lt"/>
-                <a:ea typeface="+mn-ea"/>
-                <a:cs typeface="+mn-cs"/>
-              </a:defRPr>
-            </a:lvl1pPr>
-            <a:lvl2pPr marL="742950" indent="-285750" algn="l" defTabSz="457200" rtl="0" eaLnBrk="1" latinLnBrk="0" hangingPunct="1">
-              <a:spcBef>
-                <a:spcPct val="20000"/>
-              </a:spcBef>
-              <a:buFont typeface="Arial"/>
-              <a:buChar char="–"/>
-              <a:defRPr sz="2800" kern="1200">
-                <a:solidFill>
-                  <a:schemeClr val="tx1"/>
-                </a:solidFill>
-                <a:latin typeface="+mn-lt"/>
-                <a:ea typeface="+mn-ea"/>
-                <a:cs typeface="+mn-cs"/>
-              </a:defRPr>
-            </a:lvl2pPr>
-            <a:lvl3pPr marL="1143000" indent="-228600" algn="l" defTabSz="457200" rtl="0" eaLnBrk="1" latinLnBrk="0" hangingPunct="1">
-              <a:spcBef>
-                <a:spcPct val="20000"/>
-              </a:spcBef>
-              <a:buFont typeface="Arial"/>
-              <a:buChar char="•"/>
-              <a:defRPr sz="2400" kern="1200">
-                <a:solidFill>
-                  <a:schemeClr val="tx1"/>
-                </a:solidFill>
-                <a:latin typeface="+mn-lt"/>
-                <a:ea typeface="+mn-ea"/>
-                <a:cs typeface="+mn-cs"/>
-              </a:defRPr>
-            </a:lvl3pPr>
-            <a:lvl4pPr marL="1600200" indent="-228600" algn="l" defTabSz="457200" rtl="0" eaLnBrk="1" latinLnBrk="0" hangingPunct="1">
-              <a:spcBef>
-                <a:spcPct val="20000"/>
-              </a:spcBef>
-              <a:buFont typeface="Arial"/>
-              <a:buChar char="–"/>
-              <a:defRPr sz="2000" kern="1200">
-                <a:solidFill>
-                  <a:schemeClr val="tx1"/>
-                </a:solidFill>
-                <a:latin typeface="+mn-lt"/>
-                <a:ea typeface="+mn-ea"/>
-                <a:cs typeface="+mn-cs"/>
-              </a:defRPr>
-            </a:lvl4pPr>
-            <a:lvl5pPr marL="2057400" indent="-228600" algn="l" defTabSz="457200" rtl="0" eaLnBrk="1" latinLnBrk="0" hangingPunct="1">
-              <a:spcBef>
-                <a:spcPct val="20000"/>
-              </a:spcBef>
-              <a:buFont typeface="Arial"/>
-              <a:buChar char="»"/>
-              <a:defRPr sz="2000" kern="1200">
-                <a:solidFill>
-                  <a:schemeClr val="tx1"/>
-                </a:solidFill>
-                <a:latin typeface="+mn-lt"/>
-                <a:ea typeface="+mn-ea"/>
-                <a:cs typeface="+mn-cs"/>
-              </a:defRPr>
-            </a:lvl5pPr>
-            <a:lvl6pPr marL="2514600" indent="-228600" algn="l" defTabSz="457200" rtl="0" eaLnBrk="1" latinLnBrk="0" hangingPunct="1">
-              <a:spcBef>
-                <a:spcPct val="20000"/>
-              </a:spcBef>
-              <a:buFont typeface="Arial"/>
-              <a:buChar char="•"/>
-              <a:defRPr sz="2000" kern="1200">
-                <a:solidFill>
-                  <a:schemeClr val="tx1"/>
-                </a:solidFill>
-                <a:latin typeface="+mn-lt"/>
-                <a:ea typeface="+mn-ea"/>
-                <a:cs typeface="+mn-cs"/>
-              </a:defRPr>
-            </a:lvl6pPr>
-            <a:lvl7pPr marL="2971800" indent="-228600" algn="l" defTabSz="457200" rtl="0" eaLnBrk="1" latinLnBrk="0" hangingPunct="1">
-              <a:spcBef>
-                <a:spcPct val="20000"/>
-              </a:spcBef>
-              <a:buFont typeface="Arial"/>
-              <a:buChar char="•"/>
-              <a:defRPr sz="2000" kern="1200">
-                <a:solidFill>
-                  <a:schemeClr val="tx1"/>
-                </a:solidFill>
-                <a:latin typeface="+mn-lt"/>
-                <a:ea typeface="+mn-ea"/>
-                <a:cs typeface="+mn-cs"/>
-              </a:defRPr>
-            </a:lvl7pPr>
-            <a:lvl8pPr marL="3429000" indent="-228600" algn="l" defTabSz="457200" rtl="0" eaLnBrk="1" latinLnBrk="0" hangingPunct="1">
-              <a:spcBef>
-                <a:spcPct val="20000"/>
-              </a:spcBef>
-              <a:buFont typeface="Arial"/>
-              <a:buChar char="•"/>
-              <a:defRPr sz="2000" kern="1200">
-                <a:solidFill>
-                  <a:schemeClr val="tx1"/>
-                </a:solidFill>
-                <a:latin typeface="+mn-lt"/>
-                <a:ea typeface="+mn-ea"/>
-                <a:cs typeface="+mn-cs"/>
-              </a:defRPr>
-            </a:lvl8pPr>
-            <a:lvl9pPr marL="3886200" indent="-228600" algn="l" defTabSz="457200" rtl="0" eaLnBrk="1" latinLnBrk="0" hangingPunct="1">
-              <a:spcBef>
-                <a:spcPct val="20000"/>
-              </a:spcBef>
-              <a:buFont typeface="Arial"/>
-              <a:buChar char="•"/>
-              <a:defRPr sz="2000" kern="1200">
-                <a:solidFill>
-                  <a:schemeClr val="tx1"/>
-                </a:solidFill>
-                <a:latin typeface="+mn-lt"/>
-                <a:ea typeface="+mn-ea"/>
-                <a:cs typeface="+mn-cs"/>
-              </a:defRPr>
-            </a:lvl9pPr>
-          </a:lstStyle>
-          <a:p>
-            <a:pPr marL="0" indent="0">
-              <a:buNone/>
-            </a:pPr>
-            <a:r>
-              <a:rPr kumimoji="1" lang="en-US" altLang="zh-TW" sz="2000" b="1" i="1" dirty="0" smtClean="0"/>
-              <a:t>CMS work in progress</a:t>
-            </a:r>
-            <a:endParaRPr kumimoji="1" lang="zh-TW" altLang="en-US" sz="2000" b="1" i="1" dirty="0"/>
-          </a:p>
-        </p:txBody>
-      </p:sp>
-      <p:sp>
-        <p:nvSpPr>
-          <p:cNvPr id="95" name="內容版面配置區 2"/>
-          <p:cNvSpPr txBox="1">
-            <a:spLocks/>
-          </p:cNvSpPr>
-          <p:nvPr/>
-        </p:nvSpPr>
-        <p:spPr>
-          <a:xfrm>
-            <a:off x="17126048" y="21842293"/>
-            <a:ext cx="2595742" cy="333511"/>
-          </a:xfrm>
-          <a:prstGeom prst="rect">
-            <a:avLst/>
-          </a:prstGeom>
-          <a:solidFill>
-            <a:schemeClr val="bg1"/>
-          </a:solidFill>
-        </p:spPr>
-        <p:txBody>
-          <a:bodyPr vert="horz" lIns="91440" tIns="45720" rIns="91440" bIns="45720" rtlCol="0">
-            <a:noAutofit/>
-          </a:bodyPr>
-          <a:lstStyle>
-            <a:lvl1pPr marL="342900" indent="-342900" algn="l" defTabSz="457200" rtl="0" eaLnBrk="1" latinLnBrk="0" hangingPunct="1">
-              <a:spcBef>
-                <a:spcPct val="20000"/>
-              </a:spcBef>
-              <a:buFont typeface="Arial"/>
-              <a:buChar char="•"/>
-              <a:defRPr sz="3200" kern="1200">
-                <a:solidFill>
-                  <a:schemeClr val="tx1"/>
-                </a:solidFill>
-                <a:latin typeface="+mn-lt"/>
-                <a:ea typeface="+mn-ea"/>
-                <a:cs typeface="+mn-cs"/>
-              </a:defRPr>
-            </a:lvl1pPr>
-            <a:lvl2pPr marL="742950" indent="-285750" algn="l" defTabSz="457200" rtl="0" eaLnBrk="1" latinLnBrk="0" hangingPunct="1">
-              <a:spcBef>
-                <a:spcPct val="20000"/>
-              </a:spcBef>
-              <a:buFont typeface="Arial"/>
-              <a:buChar char="–"/>
-              <a:defRPr sz="2800" kern="1200">
-                <a:solidFill>
-                  <a:schemeClr val="tx1"/>
-                </a:solidFill>
-                <a:latin typeface="+mn-lt"/>
-                <a:ea typeface="+mn-ea"/>
-                <a:cs typeface="+mn-cs"/>
-              </a:defRPr>
-            </a:lvl2pPr>
-            <a:lvl3pPr marL="1143000" indent="-228600" algn="l" defTabSz="457200" rtl="0" eaLnBrk="1" latinLnBrk="0" hangingPunct="1">
-              <a:spcBef>
-                <a:spcPct val="20000"/>
-              </a:spcBef>
-              <a:buFont typeface="Arial"/>
-              <a:buChar char="•"/>
-              <a:defRPr sz="2400" kern="1200">
-                <a:solidFill>
-                  <a:schemeClr val="tx1"/>
-                </a:solidFill>
-                <a:latin typeface="+mn-lt"/>
-                <a:ea typeface="+mn-ea"/>
-                <a:cs typeface="+mn-cs"/>
-              </a:defRPr>
-            </a:lvl3pPr>
-            <a:lvl4pPr marL="1600200" indent="-228600" algn="l" defTabSz="457200" rtl="0" eaLnBrk="1" latinLnBrk="0" hangingPunct="1">
-              <a:spcBef>
-                <a:spcPct val="20000"/>
-              </a:spcBef>
-              <a:buFont typeface="Arial"/>
-              <a:buChar char="–"/>
-              <a:defRPr sz="2000" kern="1200">
-                <a:solidFill>
-                  <a:schemeClr val="tx1"/>
-                </a:solidFill>
-                <a:latin typeface="+mn-lt"/>
-                <a:ea typeface="+mn-ea"/>
-                <a:cs typeface="+mn-cs"/>
-              </a:defRPr>
-            </a:lvl4pPr>
-            <a:lvl5pPr marL="2057400" indent="-228600" algn="l" defTabSz="457200" rtl="0" eaLnBrk="1" latinLnBrk="0" hangingPunct="1">
-              <a:spcBef>
-                <a:spcPct val="20000"/>
-              </a:spcBef>
-              <a:buFont typeface="Arial"/>
-              <a:buChar char="»"/>
-              <a:defRPr sz="2000" kern="1200">
-                <a:solidFill>
-                  <a:schemeClr val="tx1"/>
-                </a:solidFill>
-                <a:latin typeface="+mn-lt"/>
-                <a:ea typeface="+mn-ea"/>
-                <a:cs typeface="+mn-cs"/>
-              </a:defRPr>
-            </a:lvl5pPr>
-            <a:lvl6pPr marL="2514600" indent="-228600" algn="l" defTabSz="457200" rtl="0" eaLnBrk="1" latinLnBrk="0" hangingPunct="1">
-              <a:spcBef>
-                <a:spcPct val="20000"/>
-              </a:spcBef>
-              <a:buFont typeface="Arial"/>
-              <a:buChar char="•"/>
-              <a:defRPr sz="2000" kern="1200">
-                <a:solidFill>
-                  <a:schemeClr val="tx1"/>
-                </a:solidFill>
-                <a:latin typeface="+mn-lt"/>
-                <a:ea typeface="+mn-ea"/>
-                <a:cs typeface="+mn-cs"/>
-              </a:defRPr>
-            </a:lvl6pPr>
-            <a:lvl7pPr marL="2971800" indent="-228600" algn="l" defTabSz="457200" rtl="0" eaLnBrk="1" latinLnBrk="0" hangingPunct="1">
-              <a:spcBef>
-                <a:spcPct val="20000"/>
-              </a:spcBef>
-              <a:buFont typeface="Arial"/>
-              <a:buChar char="•"/>
-              <a:defRPr sz="2000" kern="1200">
-                <a:solidFill>
-                  <a:schemeClr val="tx1"/>
-                </a:solidFill>
-                <a:latin typeface="+mn-lt"/>
-                <a:ea typeface="+mn-ea"/>
-                <a:cs typeface="+mn-cs"/>
-              </a:defRPr>
-            </a:lvl7pPr>
-            <a:lvl8pPr marL="3429000" indent="-228600" algn="l" defTabSz="457200" rtl="0" eaLnBrk="1" latinLnBrk="0" hangingPunct="1">
-              <a:spcBef>
-                <a:spcPct val="20000"/>
-              </a:spcBef>
-              <a:buFont typeface="Arial"/>
-              <a:buChar char="•"/>
-              <a:defRPr sz="2000" kern="1200">
-                <a:solidFill>
-                  <a:schemeClr val="tx1"/>
-                </a:solidFill>
-                <a:latin typeface="+mn-lt"/>
-                <a:ea typeface="+mn-ea"/>
-                <a:cs typeface="+mn-cs"/>
-              </a:defRPr>
-            </a:lvl8pPr>
-            <a:lvl9pPr marL="3886200" indent="-228600" algn="l" defTabSz="457200" rtl="0" eaLnBrk="1" latinLnBrk="0" hangingPunct="1">
-              <a:spcBef>
-                <a:spcPct val="20000"/>
-              </a:spcBef>
-              <a:buFont typeface="Arial"/>
-              <a:buChar char="•"/>
-              <a:defRPr sz="2000" kern="1200">
-                <a:solidFill>
-                  <a:schemeClr val="tx1"/>
-                </a:solidFill>
-                <a:latin typeface="+mn-lt"/>
-                <a:ea typeface="+mn-ea"/>
-                <a:cs typeface="+mn-cs"/>
-              </a:defRPr>
-            </a:lvl9pPr>
-          </a:lstStyle>
-          <a:p>
-            <a:pPr marL="0" indent="0">
-              <a:buNone/>
-            </a:pPr>
-            <a:r>
-              <a:rPr kumimoji="1" lang="en-US" altLang="zh-TW" sz="2000" b="1" i="1" dirty="0" smtClean="0"/>
-              <a:t>CMS work in progress</a:t>
-            </a:r>
-            <a:endParaRPr kumimoji="1" lang="zh-TW" altLang="en-US" sz="2000" b="1" i="1" dirty="0"/>
-          </a:p>
-        </p:txBody>
-      </p:sp>
-      <p:sp>
-        <p:nvSpPr>
-          <p:cNvPr id="96" name="內容版面配置區 2"/>
-          <p:cNvSpPr txBox="1">
-            <a:spLocks/>
-          </p:cNvSpPr>
-          <p:nvPr/>
-        </p:nvSpPr>
-        <p:spPr>
-          <a:xfrm>
-            <a:off x="23312702" y="21886571"/>
-            <a:ext cx="2595742" cy="333511"/>
-          </a:xfrm>
-          <a:prstGeom prst="rect">
-            <a:avLst/>
-          </a:prstGeom>
-          <a:solidFill>
-            <a:schemeClr val="bg1"/>
-          </a:solidFill>
-        </p:spPr>
-        <p:txBody>
-          <a:bodyPr vert="horz" lIns="91440" tIns="45720" rIns="91440" bIns="45720" rtlCol="0">
-            <a:noAutofit/>
-          </a:bodyPr>
-          <a:lstStyle>
-            <a:lvl1pPr marL="342900" indent="-342900" algn="l" defTabSz="457200" rtl="0" eaLnBrk="1" latinLnBrk="0" hangingPunct="1">
-              <a:spcBef>
-                <a:spcPct val="20000"/>
-              </a:spcBef>
-              <a:buFont typeface="Arial"/>
-              <a:buChar char="•"/>
-              <a:defRPr sz="3200" kern="1200">
-                <a:solidFill>
-                  <a:schemeClr val="tx1"/>
-                </a:solidFill>
-                <a:latin typeface="+mn-lt"/>
-                <a:ea typeface="+mn-ea"/>
-                <a:cs typeface="+mn-cs"/>
-              </a:defRPr>
-            </a:lvl1pPr>
-            <a:lvl2pPr marL="742950" indent="-285750" algn="l" defTabSz="457200" rtl="0" eaLnBrk="1" latinLnBrk="0" hangingPunct="1">
-              <a:spcBef>
-                <a:spcPct val="20000"/>
-              </a:spcBef>
-              <a:buFont typeface="Arial"/>
-              <a:buChar char="–"/>
-              <a:defRPr sz="2800" kern="1200">
-                <a:solidFill>
-                  <a:schemeClr val="tx1"/>
-                </a:solidFill>
-                <a:latin typeface="+mn-lt"/>
-                <a:ea typeface="+mn-ea"/>
-                <a:cs typeface="+mn-cs"/>
-              </a:defRPr>
-            </a:lvl2pPr>
-            <a:lvl3pPr marL="1143000" indent="-228600" algn="l" defTabSz="457200" rtl="0" eaLnBrk="1" latinLnBrk="0" hangingPunct="1">
-              <a:spcBef>
-                <a:spcPct val="20000"/>
-              </a:spcBef>
-              <a:buFont typeface="Arial"/>
-              <a:buChar char="•"/>
-              <a:defRPr sz="2400" kern="1200">
-                <a:solidFill>
-                  <a:schemeClr val="tx1"/>
-                </a:solidFill>
-                <a:latin typeface="+mn-lt"/>
-                <a:ea typeface="+mn-ea"/>
-                <a:cs typeface="+mn-cs"/>
-              </a:defRPr>
-            </a:lvl3pPr>
-            <a:lvl4pPr marL="1600200" indent="-228600" algn="l" defTabSz="457200" rtl="0" eaLnBrk="1" latinLnBrk="0" hangingPunct="1">
-              <a:spcBef>
-                <a:spcPct val="20000"/>
-              </a:spcBef>
-              <a:buFont typeface="Arial"/>
-              <a:buChar char="–"/>
-              <a:defRPr sz="2000" kern="1200">
-                <a:solidFill>
-                  <a:schemeClr val="tx1"/>
-                </a:solidFill>
-                <a:latin typeface="+mn-lt"/>
-                <a:ea typeface="+mn-ea"/>
-                <a:cs typeface="+mn-cs"/>
-              </a:defRPr>
-            </a:lvl4pPr>
-            <a:lvl5pPr marL="2057400" indent="-228600" algn="l" defTabSz="457200" rtl="0" eaLnBrk="1" latinLnBrk="0" hangingPunct="1">
-              <a:spcBef>
-                <a:spcPct val="20000"/>
-              </a:spcBef>
-              <a:buFont typeface="Arial"/>
-              <a:buChar char="»"/>
-              <a:defRPr sz="2000" kern="1200">
-                <a:solidFill>
-                  <a:schemeClr val="tx1"/>
-                </a:solidFill>
-                <a:latin typeface="+mn-lt"/>
-                <a:ea typeface="+mn-ea"/>
-                <a:cs typeface="+mn-cs"/>
-              </a:defRPr>
-            </a:lvl5pPr>
-            <a:lvl6pPr marL="2514600" indent="-228600" algn="l" defTabSz="457200" rtl="0" eaLnBrk="1" latinLnBrk="0" hangingPunct="1">
-              <a:spcBef>
-                <a:spcPct val="20000"/>
-              </a:spcBef>
-              <a:buFont typeface="Arial"/>
-              <a:buChar char="•"/>
-              <a:defRPr sz="2000" kern="1200">
-                <a:solidFill>
-                  <a:schemeClr val="tx1"/>
-                </a:solidFill>
-                <a:latin typeface="+mn-lt"/>
-                <a:ea typeface="+mn-ea"/>
-                <a:cs typeface="+mn-cs"/>
-              </a:defRPr>
-            </a:lvl6pPr>
-            <a:lvl7pPr marL="2971800" indent="-228600" algn="l" defTabSz="457200" rtl="0" eaLnBrk="1" latinLnBrk="0" hangingPunct="1">
-              <a:spcBef>
-                <a:spcPct val="20000"/>
-              </a:spcBef>
-              <a:buFont typeface="Arial"/>
-              <a:buChar char="•"/>
-              <a:defRPr sz="2000" kern="1200">
-                <a:solidFill>
-                  <a:schemeClr val="tx1"/>
-                </a:solidFill>
-                <a:latin typeface="+mn-lt"/>
-                <a:ea typeface="+mn-ea"/>
-                <a:cs typeface="+mn-cs"/>
-              </a:defRPr>
-            </a:lvl7pPr>
-            <a:lvl8pPr marL="3429000" indent="-228600" algn="l" defTabSz="457200" rtl="0" eaLnBrk="1" latinLnBrk="0" hangingPunct="1">
-              <a:spcBef>
-                <a:spcPct val="20000"/>
-              </a:spcBef>
-              <a:buFont typeface="Arial"/>
-              <a:buChar char="•"/>
-              <a:defRPr sz="2000" kern="1200">
-                <a:solidFill>
-                  <a:schemeClr val="tx1"/>
-                </a:solidFill>
-                <a:latin typeface="+mn-lt"/>
-                <a:ea typeface="+mn-ea"/>
-                <a:cs typeface="+mn-cs"/>
-              </a:defRPr>
-            </a:lvl8pPr>
-            <a:lvl9pPr marL="3886200" indent="-228600" algn="l" defTabSz="457200" rtl="0" eaLnBrk="1" latinLnBrk="0" hangingPunct="1">
-              <a:spcBef>
-                <a:spcPct val="20000"/>
-              </a:spcBef>
-              <a:buFont typeface="Arial"/>
-              <a:buChar char="•"/>
-              <a:defRPr sz="2000" kern="1200">
-                <a:solidFill>
-                  <a:schemeClr val="tx1"/>
-                </a:solidFill>
-                <a:latin typeface="+mn-lt"/>
-                <a:ea typeface="+mn-ea"/>
-                <a:cs typeface="+mn-cs"/>
-              </a:defRPr>
-            </a:lvl9pPr>
-          </a:lstStyle>
-          <a:p>
-            <a:pPr marL="0" indent="0">
-              <a:buNone/>
-            </a:pPr>
-            <a:r>
-              <a:rPr kumimoji="1" lang="en-US" altLang="zh-TW" sz="2000" b="1" i="1" dirty="0" smtClean="0"/>
-              <a:t>CMS work in progress</a:t>
-            </a:r>
-            <a:endParaRPr kumimoji="1" lang="zh-TW" altLang="en-US" sz="2000" b="1" i="1" dirty="0"/>
-          </a:p>
-        </p:txBody>
-      </p:sp>
-      <p:sp>
-        <p:nvSpPr>
-          <p:cNvPr id="97" name="內容版面配置區 2"/>
-          <p:cNvSpPr txBox="1">
-            <a:spLocks/>
-          </p:cNvSpPr>
-          <p:nvPr/>
-        </p:nvSpPr>
-        <p:spPr>
-          <a:xfrm>
-            <a:off x="21691567" y="16896371"/>
-            <a:ext cx="2595742" cy="333511"/>
-          </a:xfrm>
-          <a:prstGeom prst="rect">
-            <a:avLst/>
-          </a:prstGeom>
-          <a:solidFill>
-            <a:schemeClr val="bg1"/>
-          </a:solidFill>
-        </p:spPr>
-        <p:txBody>
-          <a:bodyPr vert="horz" lIns="91440" tIns="45720" rIns="91440" bIns="45720" rtlCol="0">
-            <a:noAutofit/>
-          </a:bodyPr>
-          <a:lstStyle>
-            <a:lvl1pPr marL="342900" indent="-342900" algn="l" defTabSz="457200" rtl="0" eaLnBrk="1" latinLnBrk="0" hangingPunct="1">
-              <a:spcBef>
-                <a:spcPct val="20000"/>
-              </a:spcBef>
-              <a:buFont typeface="Arial"/>
-              <a:buChar char="•"/>
-              <a:defRPr sz="3200" kern="1200">
-                <a:solidFill>
-                  <a:schemeClr val="tx1"/>
-                </a:solidFill>
-                <a:latin typeface="+mn-lt"/>
-                <a:ea typeface="+mn-ea"/>
-                <a:cs typeface="+mn-cs"/>
-              </a:defRPr>
-            </a:lvl1pPr>
-            <a:lvl2pPr marL="742950" indent="-285750" algn="l" defTabSz="457200" rtl="0" eaLnBrk="1" latinLnBrk="0" hangingPunct="1">
-              <a:spcBef>
-                <a:spcPct val="20000"/>
-              </a:spcBef>
-              <a:buFont typeface="Arial"/>
-              <a:buChar char="–"/>
-              <a:defRPr sz="2800" kern="1200">
-                <a:solidFill>
-                  <a:schemeClr val="tx1"/>
-                </a:solidFill>
-                <a:latin typeface="+mn-lt"/>
-                <a:ea typeface="+mn-ea"/>
-                <a:cs typeface="+mn-cs"/>
-              </a:defRPr>
-            </a:lvl2pPr>
-            <a:lvl3pPr marL="1143000" indent="-228600" algn="l" defTabSz="457200" rtl="0" eaLnBrk="1" latinLnBrk="0" hangingPunct="1">
-              <a:spcBef>
-                <a:spcPct val="20000"/>
-              </a:spcBef>
-              <a:buFont typeface="Arial"/>
-              <a:buChar char="•"/>
-              <a:defRPr sz="2400" kern="1200">
-                <a:solidFill>
-                  <a:schemeClr val="tx1"/>
-                </a:solidFill>
-                <a:latin typeface="+mn-lt"/>
-                <a:ea typeface="+mn-ea"/>
-                <a:cs typeface="+mn-cs"/>
-              </a:defRPr>
-            </a:lvl3pPr>
-            <a:lvl4pPr marL="1600200" indent="-228600" algn="l" defTabSz="457200" rtl="0" eaLnBrk="1" latinLnBrk="0" hangingPunct="1">
-              <a:spcBef>
-                <a:spcPct val="20000"/>
-              </a:spcBef>
-              <a:buFont typeface="Arial"/>
-              <a:buChar char="–"/>
-              <a:defRPr sz="2000" kern="1200">
-                <a:solidFill>
-                  <a:schemeClr val="tx1"/>
-                </a:solidFill>
-                <a:latin typeface="+mn-lt"/>
-                <a:ea typeface="+mn-ea"/>
-                <a:cs typeface="+mn-cs"/>
-              </a:defRPr>
-            </a:lvl4pPr>
-            <a:lvl5pPr marL="2057400" indent="-228600" algn="l" defTabSz="457200" rtl="0" eaLnBrk="1" latinLnBrk="0" hangingPunct="1">
-              <a:spcBef>
-                <a:spcPct val="20000"/>
-              </a:spcBef>
-              <a:buFont typeface="Arial"/>
-              <a:buChar char="»"/>
-              <a:defRPr sz="2000" kern="1200">
-                <a:solidFill>
-                  <a:schemeClr val="tx1"/>
-                </a:solidFill>
-                <a:latin typeface="+mn-lt"/>
-                <a:ea typeface="+mn-ea"/>
-                <a:cs typeface="+mn-cs"/>
-              </a:defRPr>
-            </a:lvl5pPr>
-            <a:lvl6pPr marL="2514600" indent="-228600" algn="l" defTabSz="457200" rtl="0" eaLnBrk="1" latinLnBrk="0" hangingPunct="1">
-              <a:spcBef>
-                <a:spcPct val="20000"/>
-              </a:spcBef>
-              <a:buFont typeface="Arial"/>
-              <a:buChar char="•"/>
-              <a:defRPr sz="2000" kern="1200">
-                <a:solidFill>
-                  <a:schemeClr val="tx1"/>
-                </a:solidFill>
-                <a:latin typeface="+mn-lt"/>
-                <a:ea typeface="+mn-ea"/>
-                <a:cs typeface="+mn-cs"/>
-              </a:defRPr>
-            </a:lvl6pPr>
-            <a:lvl7pPr marL="2971800" indent="-228600" algn="l" defTabSz="457200" rtl="0" eaLnBrk="1" latinLnBrk="0" hangingPunct="1">
-              <a:spcBef>
-                <a:spcPct val="20000"/>
-              </a:spcBef>
-              <a:buFont typeface="Arial"/>
-              <a:buChar char="•"/>
-              <a:defRPr sz="2000" kern="1200">
-                <a:solidFill>
-                  <a:schemeClr val="tx1"/>
-                </a:solidFill>
-                <a:latin typeface="+mn-lt"/>
-                <a:ea typeface="+mn-ea"/>
-                <a:cs typeface="+mn-cs"/>
-              </a:defRPr>
-            </a:lvl7pPr>
-            <a:lvl8pPr marL="3429000" indent="-228600" algn="l" defTabSz="457200" rtl="0" eaLnBrk="1" latinLnBrk="0" hangingPunct="1">
-              <a:spcBef>
-                <a:spcPct val="20000"/>
-              </a:spcBef>
-              <a:buFont typeface="Arial"/>
-              <a:buChar char="•"/>
-              <a:defRPr sz="2000" kern="1200">
-                <a:solidFill>
-                  <a:schemeClr val="tx1"/>
-                </a:solidFill>
-                <a:latin typeface="+mn-lt"/>
-                <a:ea typeface="+mn-ea"/>
-                <a:cs typeface="+mn-cs"/>
-              </a:defRPr>
-            </a:lvl8pPr>
-            <a:lvl9pPr marL="3886200" indent="-228600" algn="l" defTabSz="457200" rtl="0" eaLnBrk="1" latinLnBrk="0" hangingPunct="1">
-              <a:spcBef>
-                <a:spcPct val="20000"/>
-              </a:spcBef>
-              <a:buFont typeface="Arial"/>
-              <a:buChar char="•"/>
-              <a:defRPr sz="2000" kern="1200">
-                <a:solidFill>
-                  <a:schemeClr val="tx1"/>
-                </a:solidFill>
-                <a:latin typeface="+mn-lt"/>
-                <a:ea typeface="+mn-ea"/>
-                <a:cs typeface="+mn-cs"/>
-              </a:defRPr>
-            </a:lvl9pPr>
-          </a:lstStyle>
-          <a:p>
-            <a:pPr marL="0" indent="0">
-              <a:buNone/>
-            </a:pPr>
-            <a:r>
-              <a:rPr kumimoji="1" lang="en-US" altLang="zh-TW" sz="2000" b="1" i="1" dirty="0" smtClean="0"/>
-              <a:t>CMS work in progress</a:t>
-            </a:r>
-            <a:endParaRPr kumimoji="1" lang="zh-TW" altLang="en-US" sz="2000" b="1" i="1" dirty="0"/>
-          </a:p>
-        </p:txBody>
-      </p:sp>
-      <p:sp>
-        <p:nvSpPr>
-          <p:cNvPr id="98" name="內容版面配置區 2"/>
-          <p:cNvSpPr txBox="1">
-            <a:spLocks/>
-          </p:cNvSpPr>
-          <p:nvPr/>
-        </p:nvSpPr>
-        <p:spPr>
-          <a:xfrm>
-            <a:off x="26232668" y="16891780"/>
-            <a:ext cx="2595742" cy="333511"/>
-          </a:xfrm>
-          <a:prstGeom prst="rect">
-            <a:avLst/>
-          </a:prstGeom>
-          <a:solidFill>
-            <a:schemeClr val="bg1"/>
-          </a:solidFill>
-        </p:spPr>
-        <p:txBody>
-          <a:bodyPr vert="horz" lIns="91440" tIns="45720" rIns="91440" bIns="45720" rtlCol="0">
-            <a:noAutofit/>
-          </a:bodyPr>
-          <a:lstStyle>
-            <a:lvl1pPr marL="342900" indent="-342900" algn="l" defTabSz="457200" rtl="0" eaLnBrk="1" latinLnBrk="0" hangingPunct="1">
-              <a:spcBef>
-                <a:spcPct val="20000"/>
-              </a:spcBef>
-              <a:buFont typeface="Arial"/>
-              <a:buChar char="•"/>
-              <a:defRPr sz="3200" kern="1200">
-                <a:solidFill>
-                  <a:schemeClr val="tx1"/>
-                </a:solidFill>
-                <a:latin typeface="+mn-lt"/>
-                <a:ea typeface="+mn-ea"/>
-                <a:cs typeface="+mn-cs"/>
-              </a:defRPr>
-            </a:lvl1pPr>
-            <a:lvl2pPr marL="742950" indent="-285750" algn="l" defTabSz="457200" rtl="0" eaLnBrk="1" latinLnBrk="0" hangingPunct="1">
-              <a:spcBef>
-                <a:spcPct val="20000"/>
-              </a:spcBef>
-              <a:buFont typeface="Arial"/>
-              <a:buChar char="–"/>
-              <a:defRPr sz="2800" kern="1200">
-                <a:solidFill>
-                  <a:schemeClr val="tx1"/>
-                </a:solidFill>
-                <a:latin typeface="+mn-lt"/>
-                <a:ea typeface="+mn-ea"/>
-                <a:cs typeface="+mn-cs"/>
-              </a:defRPr>
-            </a:lvl2pPr>
-            <a:lvl3pPr marL="1143000" indent="-228600" algn="l" defTabSz="457200" rtl="0" eaLnBrk="1" latinLnBrk="0" hangingPunct="1">
-              <a:spcBef>
-                <a:spcPct val="20000"/>
-              </a:spcBef>
-              <a:buFont typeface="Arial"/>
-              <a:buChar char="•"/>
-              <a:defRPr sz="2400" kern="1200">
-                <a:solidFill>
-                  <a:schemeClr val="tx1"/>
-                </a:solidFill>
-                <a:latin typeface="+mn-lt"/>
-                <a:ea typeface="+mn-ea"/>
-                <a:cs typeface="+mn-cs"/>
-              </a:defRPr>
-            </a:lvl3pPr>
-            <a:lvl4pPr marL="1600200" indent="-228600" algn="l" defTabSz="457200" rtl="0" eaLnBrk="1" latinLnBrk="0" hangingPunct="1">
-              <a:spcBef>
-                <a:spcPct val="20000"/>
-              </a:spcBef>
-              <a:buFont typeface="Arial"/>
-              <a:buChar char="–"/>
-              <a:defRPr sz="2000" kern="1200">
-                <a:solidFill>
-                  <a:schemeClr val="tx1"/>
-                </a:solidFill>
-                <a:latin typeface="+mn-lt"/>
-                <a:ea typeface="+mn-ea"/>
-                <a:cs typeface="+mn-cs"/>
-              </a:defRPr>
-            </a:lvl4pPr>
-            <a:lvl5pPr marL="2057400" indent="-228600" algn="l" defTabSz="457200" rtl="0" eaLnBrk="1" latinLnBrk="0" hangingPunct="1">
-              <a:spcBef>
-                <a:spcPct val="20000"/>
-              </a:spcBef>
-              <a:buFont typeface="Arial"/>
-              <a:buChar char="»"/>
-              <a:defRPr sz="2000" kern="1200">
-                <a:solidFill>
-                  <a:schemeClr val="tx1"/>
-                </a:solidFill>
-                <a:latin typeface="+mn-lt"/>
-                <a:ea typeface="+mn-ea"/>
-                <a:cs typeface="+mn-cs"/>
-              </a:defRPr>
-            </a:lvl5pPr>
-            <a:lvl6pPr marL="2514600" indent="-228600" algn="l" defTabSz="457200" rtl="0" eaLnBrk="1" latinLnBrk="0" hangingPunct="1">
-              <a:spcBef>
-                <a:spcPct val="20000"/>
-              </a:spcBef>
-              <a:buFont typeface="Arial"/>
-              <a:buChar char="•"/>
-              <a:defRPr sz="2000" kern="1200">
-                <a:solidFill>
-                  <a:schemeClr val="tx1"/>
-                </a:solidFill>
-                <a:latin typeface="+mn-lt"/>
-                <a:ea typeface="+mn-ea"/>
-                <a:cs typeface="+mn-cs"/>
-              </a:defRPr>
-            </a:lvl6pPr>
-            <a:lvl7pPr marL="2971800" indent="-228600" algn="l" defTabSz="457200" rtl="0" eaLnBrk="1" latinLnBrk="0" hangingPunct="1">
-              <a:spcBef>
-                <a:spcPct val="20000"/>
-              </a:spcBef>
-              <a:buFont typeface="Arial"/>
-              <a:buChar char="•"/>
-              <a:defRPr sz="2000" kern="1200">
-                <a:solidFill>
-                  <a:schemeClr val="tx1"/>
-                </a:solidFill>
-                <a:latin typeface="+mn-lt"/>
-                <a:ea typeface="+mn-ea"/>
-                <a:cs typeface="+mn-cs"/>
-              </a:defRPr>
-            </a:lvl7pPr>
-            <a:lvl8pPr marL="3429000" indent="-228600" algn="l" defTabSz="457200" rtl="0" eaLnBrk="1" latinLnBrk="0" hangingPunct="1">
-              <a:spcBef>
-                <a:spcPct val="20000"/>
-              </a:spcBef>
-              <a:buFont typeface="Arial"/>
-              <a:buChar char="•"/>
-              <a:defRPr sz="2000" kern="1200">
-                <a:solidFill>
-                  <a:schemeClr val="tx1"/>
-                </a:solidFill>
-                <a:latin typeface="+mn-lt"/>
-                <a:ea typeface="+mn-ea"/>
-                <a:cs typeface="+mn-cs"/>
-              </a:defRPr>
-            </a:lvl8pPr>
-            <a:lvl9pPr marL="3886200" indent="-228600" algn="l" defTabSz="457200" rtl="0" eaLnBrk="1" latinLnBrk="0" hangingPunct="1">
-              <a:spcBef>
-                <a:spcPct val="20000"/>
-              </a:spcBef>
-              <a:buFont typeface="Arial"/>
-              <a:buChar char="•"/>
-              <a:defRPr sz="2000" kern="1200">
-                <a:solidFill>
-                  <a:schemeClr val="tx1"/>
-                </a:solidFill>
-                <a:latin typeface="+mn-lt"/>
-                <a:ea typeface="+mn-ea"/>
-                <a:cs typeface="+mn-cs"/>
-              </a:defRPr>
-            </a:lvl9pPr>
-          </a:lstStyle>
-          <a:p>
-            <a:pPr marL="0" indent="0">
-              <a:buNone/>
-            </a:pPr>
-            <a:r>
-              <a:rPr kumimoji="1" lang="en-US" altLang="zh-TW" sz="2000" b="1" i="1" dirty="0" smtClean="0"/>
-              <a:t>CMS work in progress</a:t>
-            </a:r>
-            <a:endParaRPr kumimoji="1" lang="zh-TW" altLang="en-US" sz="2000" b="1" i="1" dirty="0"/>
-          </a:p>
-        </p:txBody>
-      </p:sp>
-      <p:sp>
-        <p:nvSpPr>
-          <p:cNvPr id="99" name="內容版面配置區 2"/>
-          <p:cNvSpPr txBox="1">
-            <a:spLocks/>
-          </p:cNvSpPr>
-          <p:nvPr/>
-        </p:nvSpPr>
-        <p:spPr>
-          <a:xfrm>
-            <a:off x="16821028" y="16880084"/>
-            <a:ext cx="2595742" cy="333511"/>
-          </a:xfrm>
-          <a:prstGeom prst="rect">
-            <a:avLst/>
-          </a:prstGeom>
-          <a:solidFill>
-            <a:schemeClr val="bg1"/>
-          </a:solidFill>
-        </p:spPr>
-        <p:txBody>
-          <a:bodyPr vert="horz" lIns="91440" tIns="45720" rIns="91440" bIns="45720" rtlCol="0">
-            <a:noAutofit/>
-          </a:bodyPr>
-          <a:lstStyle>
-            <a:lvl1pPr marL="342900" indent="-342900" algn="l" defTabSz="457200" rtl="0" eaLnBrk="1" latinLnBrk="0" hangingPunct="1">
-              <a:spcBef>
-                <a:spcPct val="20000"/>
-              </a:spcBef>
-              <a:buFont typeface="Arial"/>
-              <a:buChar char="•"/>
-              <a:defRPr sz="3200" kern="1200">
-                <a:solidFill>
-                  <a:schemeClr val="tx1"/>
-                </a:solidFill>
-                <a:latin typeface="+mn-lt"/>
-                <a:ea typeface="+mn-ea"/>
-                <a:cs typeface="+mn-cs"/>
-              </a:defRPr>
-            </a:lvl1pPr>
-            <a:lvl2pPr marL="742950" indent="-285750" algn="l" defTabSz="457200" rtl="0" eaLnBrk="1" latinLnBrk="0" hangingPunct="1">
-              <a:spcBef>
-                <a:spcPct val="20000"/>
-              </a:spcBef>
-              <a:buFont typeface="Arial"/>
-              <a:buChar char="–"/>
-              <a:defRPr sz="2800" kern="1200">
-                <a:solidFill>
-                  <a:schemeClr val="tx1"/>
-                </a:solidFill>
-                <a:latin typeface="+mn-lt"/>
-                <a:ea typeface="+mn-ea"/>
-                <a:cs typeface="+mn-cs"/>
-              </a:defRPr>
-            </a:lvl2pPr>
-            <a:lvl3pPr marL="1143000" indent="-228600" algn="l" defTabSz="457200" rtl="0" eaLnBrk="1" latinLnBrk="0" hangingPunct="1">
-              <a:spcBef>
-                <a:spcPct val="20000"/>
-              </a:spcBef>
-              <a:buFont typeface="Arial"/>
-              <a:buChar char="•"/>
-              <a:defRPr sz="2400" kern="1200">
-                <a:solidFill>
-                  <a:schemeClr val="tx1"/>
-                </a:solidFill>
-                <a:latin typeface="+mn-lt"/>
-                <a:ea typeface="+mn-ea"/>
-                <a:cs typeface="+mn-cs"/>
-              </a:defRPr>
-            </a:lvl3pPr>
-            <a:lvl4pPr marL="1600200" indent="-228600" algn="l" defTabSz="457200" rtl="0" eaLnBrk="1" latinLnBrk="0" hangingPunct="1">
-              <a:spcBef>
-                <a:spcPct val="20000"/>
-              </a:spcBef>
-              <a:buFont typeface="Arial"/>
-              <a:buChar char="–"/>
-              <a:defRPr sz="2000" kern="1200">
-                <a:solidFill>
-                  <a:schemeClr val="tx1"/>
-                </a:solidFill>
-                <a:latin typeface="+mn-lt"/>
-                <a:ea typeface="+mn-ea"/>
-                <a:cs typeface="+mn-cs"/>
-              </a:defRPr>
-            </a:lvl4pPr>
-            <a:lvl5pPr marL="2057400" indent="-228600" algn="l" defTabSz="457200" rtl="0" eaLnBrk="1" latinLnBrk="0" hangingPunct="1">
-              <a:spcBef>
-                <a:spcPct val="20000"/>
-              </a:spcBef>
-              <a:buFont typeface="Arial"/>
-              <a:buChar char="»"/>
-              <a:defRPr sz="2000" kern="1200">
-                <a:solidFill>
-                  <a:schemeClr val="tx1"/>
-                </a:solidFill>
-                <a:latin typeface="+mn-lt"/>
-                <a:ea typeface="+mn-ea"/>
-                <a:cs typeface="+mn-cs"/>
-              </a:defRPr>
-            </a:lvl5pPr>
-            <a:lvl6pPr marL="2514600" indent="-228600" algn="l" defTabSz="457200" rtl="0" eaLnBrk="1" latinLnBrk="0" hangingPunct="1">
-              <a:spcBef>
-                <a:spcPct val="20000"/>
-              </a:spcBef>
-              <a:buFont typeface="Arial"/>
-              <a:buChar char="•"/>
-              <a:defRPr sz="2000" kern="1200">
-                <a:solidFill>
-                  <a:schemeClr val="tx1"/>
-                </a:solidFill>
-                <a:latin typeface="+mn-lt"/>
-                <a:ea typeface="+mn-ea"/>
-                <a:cs typeface="+mn-cs"/>
-              </a:defRPr>
-            </a:lvl6pPr>
-            <a:lvl7pPr marL="2971800" indent="-228600" algn="l" defTabSz="457200" rtl="0" eaLnBrk="1" latinLnBrk="0" hangingPunct="1">
-              <a:spcBef>
-                <a:spcPct val="20000"/>
-              </a:spcBef>
-              <a:buFont typeface="Arial"/>
-              <a:buChar char="•"/>
-              <a:defRPr sz="2000" kern="1200">
-                <a:solidFill>
-                  <a:schemeClr val="tx1"/>
-                </a:solidFill>
-                <a:latin typeface="+mn-lt"/>
-                <a:ea typeface="+mn-ea"/>
-                <a:cs typeface="+mn-cs"/>
-              </a:defRPr>
-            </a:lvl7pPr>
-            <a:lvl8pPr marL="3429000" indent="-228600" algn="l" defTabSz="457200" rtl="0" eaLnBrk="1" latinLnBrk="0" hangingPunct="1">
-              <a:spcBef>
-                <a:spcPct val="20000"/>
-              </a:spcBef>
-              <a:buFont typeface="Arial"/>
-              <a:buChar char="•"/>
-              <a:defRPr sz="2000" kern="1200">
-                <a:solidFill>
-                  <a:schemeClr val="tx1"/>
-                </a:solidFill>
-                <a:latin typeface="+mn-lt"/>
-                <a:ea typeface="+mn-ea"/>
-                <a:cs typeface="+mn-cs"/>
-              </a:defRPr>
-            </a:lvl8pPr>
-            <a:lvl9pPr marL="3886200" indent="-228600" algn="l" defTabSz="457200" rtl="0" eaLnBrk="1" latinLnBrk="0" hangingPunct="1">
-              <a:spcBef>
-                <a:spcPct val="20000"/>
-              </a:spcBef>
-              <a:buFont typeface="Arial"/>
-              <a:buChar char="•"/>
-              <a:defRPr sz="2000" kern="1200">
-                <a:solidFill>
-                  <a:schemeClr val="tx1"/>
-                </a:solidFill>
-                <a:latin typeface="+mn-lt"/>
-                <a:ea typeface="+mn-ea"/>
-                <a:cs typeface="+mn-cs"/>
-              </a:defRPr>
-            </a:lvl9pPr>
-          </a:lstStyle>
-          <a:p>
-            <a:pPr marL="0" indent="0">
-              <a:buNone/>
-            </a:pPr>
-            <a:r>
-              <a:rPr kumimoji="1" lang="en-US" altLang="zh-TW" sz="2000" b="1" i="1" dirty="0" smtClean="0"/>
-              <a:t>CMS work in progress</a:t>
-            </a:r>
-            <a:endParaRPr kumimoji="1" lang="zh-TW" altLang="en-US" sz="2000" b="1" i="1" dirty="0"/>
-          </a:p>
-        </p:txBody>
-      </p:sp>
-      <p:sp>
-        <p:nvSpPr>
           <p:cNvPr id="31" name="文字方塊 30"/>
           <p:cNvSpPr txBox="1"/>
           <p:nvPr/>
@@ -11911,7 +9413,7 @@
           <p:nvPr/>
         </p:nvPicPr>
         <p:blipFill>
-          <a:blip r:embed="rId18">
+          <a:blip r:embed="rId13">
             <a:extLst>
               <a:ext uri="{28A0092B-C50C-407E-A947-70E740481C1C}">
                 <a14:useLocalDpi xmlns:a14="http://schemas.microsoft.com/office/drawing/2010/main" val="0"/>
@@ -11941,7 +9443,7 @@
           <p:nvPr/>
         </p:nvPicPr>
         <p:blipFill>
-          <a:blip r:embed="rId19">
+          <a:blip r:embed="rId14">
             <a:extLst>
               <a:ext uri="{28A0092B-C50C-407E-A947-70E740481C1C}">
                 <a14:useLocalDpi xmlns:a14="http://schemas.microsoft.com/office/drawing/2010/main" val="0"/>
@@ -11971,7 +9473,7 @@
           <p:nvPr/>
         </p:nvPicPr>
         <p:blipFill>
-          <a:blip r:embed="rId20">
+          <a:blip r:embed="rId15">
             <a:extLst>
               <a:ext uri="{28A0092B-C50C-407E-A947-70E740481C1C}">
                 <a14:useLocalDpi xmlns:a14="http://schemas.microsoft.com/office/drawing/2010/main" val="0"/>
@@ -12000,7 +9502,7 @@
         </p:nvSpPr>
         <p:spPr>
           <a:xfrm>
-            <a:off x="15709530" y="8900908"/>
+            <a:off x="15709530" y="8850074"/>
             <a:ext cx="6211957" cy="1015663"/>
           </a:xfrm>
           <a:prstGeom prst="rect">
@@ -12046,7 +9548,7 @@
         </p:nvSpPr>
         <p:spPr>
           <a:xfrm>
-            <a:off x="24329681" y="9059223"/>
+            <a:off x="24050345" y="8954689"/>
             <a:ext cx="2492990" cy="923330"/>
           </a:xfrm>
           <a:prstGeom prst="rect">
@@ -12074,36 +9576,6 @@
           </a:p>
         </p:txBody>
       </p:sp>
-      <p:pic>
-        <p:nvPicPr>
-          <p:cNvPr id="118" name="圖片 117"/>
-          <p:cNvPicPr>
-            <a:picLocks noChangeAspect="1"/>
-          </p:cNvPicPr>
-          <p:nvPr/>
-        </p:nvPicPr>
-        <p:blipFill>
-          <a:blip r:embed="rId21">
-            <a:extLst>
-              <a:ext uri="{28A0092B-C50C-407E-A947-70E740481C1C}">
-                <a14:useLocalDpi xmlns:a14="http://schemas.microsoft.com/office/drawing/2010/main" val="0"/>
-              </a:ext>
-            </a:extLst>
-          </a:blip>
-          <a:stretch>
-            <a:fillRect/>
-          </a:stretch>
-        </p:blipFill>
-        <p:spPr>
-          <a:xfrm>
-            <a:off x="21782087" y="10483920"/>
-            <a:ext cx="3245436" cy="2656407"/>
-          </a:xfrm>
-          <a:prstGeom prst="rect">
-            <a:avLst/>
-          </a:prstGeom>
-        </p:spPr>
-      </p:pic>
       <mc:AlternateContent xmlns:mc="http://schemas.openxmlformats.org/markup-compatibility/2006" xmlns:a14="http://schemas.microsoft.com/office/drawing/2010/main">
         <mc:Choice Requires="a14">
           <p:sp>
@@ -12446,8 +9918,8 @@
           </p:sp>
         </mc:Fallback>
       </mc:AlternateContent>
-      <mc:AlternateContent xmlns:mc="http://schemas.openxmlformats.org/markup-compatibility/2006" xmlns:a14="http://schemas.microsoft.com/office/drawing/2010/main">
-        <mc:Choice Requires="a14">
+      <mc:AlternateContent xmlns:mc="http://schemas.openxmlformats.org/markup-compatibility/2006">
+        <mc:Choice xmlns:a14="http://schemas.microsoft.com/office/drawing/2010/main" Requires="a14">
           <p:sp>
             <p:nvSpPr>
               <p:cNvPr id="128" name="文字方塊 127"/>
@@ -12474,54 +9946,76 @@
                   <m:oMath xmlns:m="http://schemas.openxmlformats.org/officeDocument/2006/math">
                     <m:r>
                       <a:rPr kumimoji="1" lang="en-US" altLang="zh-TW" sz="4800" b="0" i="1" smtClean="0">
-                        <a:latin typeface="Cambria Math" charset="0"/>
+                        <a:latin typeface="Arial" charset="0"/>
+                        <a:ea typeface="Arial" charset="0"/>
+                        <a:cs typeface="Arial" charset="0"/>
                       </a:rPr>
                       <m:t>𝑖</m:t>
                     </m:r>
                     <m:r>
                       <a:rPr kumimoji="1" lang="en-US" altLang="zh-TW" sz="4800" b="0" i="1" smtClean="0">
-                        <a:latin typeface="Cambria Math" charset="0"/>
+                        <a:latin typeface="Arial" charset="0"/>
+                        <a:ea typeface="Arial" charset="0"/>
+                        <a:cs typeface="Arial" charset="0"/>
                       </a:rPr>
                       <m:t>,</m:t>
                     </m:r>
                     <m:r>
                       <a:rPr kumimoji="1" lang="en-US" altLang="zh-TW" sz="4800" b="0" i="1" smtClean="0">
-                        <a:latin typeface="Cambria Math" charset="0"/>
+                        <a:latin typeface="Arial" charset="0"/>
+                        <a:ea typeface="Arial" charset="0"/>
+                        <a:cs typeface="Arial" charset="0"/>
                       </a:rPr>
                       <m:t>𝑗</m:t>
                     </m:r>
                   </m:oMath>
                 </a14:m>
                 <a:r>
-                  <a:rPr kumimoji="1" lang="en-US" altLang="zh-TW" sz="4800" dirty="0" smtClean="0"/>
+                  <a:rPr kumimoji="1" lang="en-US" altLang="zh-TW" sz="4800" dirty="0" smtClean="0">
+                    <a:latin typeface="Arial" charset="0"/>
+                    <a:ea typeface="Arial" charset="0"/>
+                    <a:cs typeface="Arial" charset="0"/>
+                  </a:rPr>
                   <a:t>: the </a:t>
                 </a:r>
                 <a14:m>
                   <m:oMath xmlns:m="http://schemas.openxmlformats.org/officeDocument/2006/math">
                     <m:r>
                       <a:rPr kumimoji="1" lang="en-US" altLang="zh-TW" sz="4800" b="0" i="1" smtClean="0">
-                        <a:latin typeface="Cambria Math" charset="0"/>
+                        <a:latin typeface="Arial" charset="0"/>
+                        <a:ea typeface="Arial" charset="0"/>
+                        <a:cs typeface="Arial" charset="0"/>
                       </a:rPr>
                       <m:t>𝑖</m:t>
                     </m:r>
                   </m:oMath>
                 </a14:m>
                 <a:r>
-                  <a:rPr kumimoji="1" lang="en-US" altLang="zh-TW" sz="4800" dirty="0" smtClean="0"/>
+                  <a:rPr kumimoji="1" lang="en-US" altLang="zh-TW" sz="4800" dirty="0" smtClean="0">
+                    <a:latin typeface="Arial" charset="0"/>
+                    <a:ea typeface="Arial" charset="0"/>
+                    <a:cs typeface="Arial" charset="0"/>
+                  </a:rPr>
                   <a:t> and </a:t>
                 </a:r>
                 <a14:m>
                   <m:oMath xmlns:m="http://schemas.openxmlformats.org/officeDocument/2006/math">
                     <m:r>
                       <a:rPr kumimoji="1" lang="en-US" altLang="zh-TW" sz="4800" b="0" i="1" smtClean="0">
-                        <a:latin typeface="Cambria Math" charset="0"/>
+                        <a:latin typeface="Arial" charset="0"/>
+                        <a:ea typeface="Arial" charset="0"/>
+                        <a:cs typeface="Arial" charset="0"/>
                       </a:rPr>
                       <m:t>𝑗</m:t>
                     </m:r>
                   </m:oMath>
                 </a14:m>
                 <a:r>
-                  <a:rPr kumimoji="1" lang="en-US" altLang="zh-TW" sz="4800" dirty="0" smtClean="0"/>
+                  <a:rPr kumimoji="1" lang="en-US" altLang="zh-TW" sz="4800" dirty="0" smtClean="0">
+                    <a:latin typeface="Arial" charset="0"/>
+                    <a:ea typeface="Arial" charset="0"/>
+                    <a:cs typeface="Arial" charset="0"/>
+                  </a:rPr>
                   <a:t> particle</a:t>
                 </a:r>
               </a:p>
@@ -12532,14 +10026,18 @@
                       <m:sSubPr>
                         <m:ctrlPr>
                           <a:rPr kumimoji="1" lang="en-US" altLang="zh-TW" sz="4800" i="1" smtClean="0">
-                            <a:latin typeface="Cambria Math" charset="0"/>
+                            <a:latin typeface="Arial" charset="0"/>
+                            <a:ea typeface="Arial" charset="0"/>
+                            <a:cs typeface="Arial" charset="0"/>
                           </a:rPr>
                         </m:ctrlPr>
                       </m:sSubPr>
                       <m:e>
                         <m:r>
                           <a:rPr kumimoji="1" lang="en-US" altLang="zh-TW" sz="4800" b="0" i="1" smtClean="0">
-                            <a:latin typeface="Cambria Math" charset="0"/>
+                            <a:latin typeface="Arial" charset="0"/>
+                            <a:ea typeface="Arial" charset="0"/>
+                            <a:cs typeface="Arial" charset="0"/>
                           </a:rPr>
                           <m:t>𝑘</m:t>
                         </m:r>
@@ -12547,7 +10045,9 @@
                       <m:sub>
                         <m:r>
                           <a:rPr kumimoji="1" lang="en-US" altLang="zh-TW" sz="4800" b="0" i="1" smtClean="0">
-                            <a:latin typeface="Cambria Math" charset="0"/>
+                            <a:latin typeface="Arial" charset="0"/>
+                            <a:ea typeface="Arial" charset="0"/>
+                            <a:cs typeface="Arial" charset="0"/>
                           </a:rPr>
                           <m:t>𝑡𝑖</m:t>
                         </m:r>
@@ -12555,14 +10055,20 @@
                     </m:sSub>
                     <m:r>
                       <a:rPr kumimoji="1" lang="en-US" altLang="zh-TW" sz="4800" b="0" i="1" smtClean="0">
-                        <a:latin typeface="Cambria Math" charset="0"/>
+                        <a:latin typeface="Arial" charset="0"/>
+                        <a:ea typeface="Arial" charset="0"/>
+                        <a:cs typeface="Arial" charset="0"/>
                       </a:rPr>
                       <m:t>,</m:t>
                     </m:r>
                   </m:oMath>
                 </a14:m>
                 <a:r>
-                  <a:rPr kumimoji="1" lang="en-US" altLang="zh-TW" sz="4800" dirty="0"/>
+                  <a:rPr kumimoji="1" lang="en-US" altLang="zh-TW" sz="4800" dirty="0">
+                    <a:latin typeface="Arial" charset="0"/>
+                    <a:ea typeface="Arial" charset="0"/>
+                    <a:cs typeface="Arial" charset="0"/>
+                  </a:rPr>
                   <a:t> </a:t>
                 </a:r>
                 <a14:m>
@@ -12571,14 +10077,18 @@
                       <m:sSubPr>
                         <m:ctrlPr>
                           <a:rPr kumimoji="1" lang="en-US" altLang="zh-TW" sz="4800" i="1">
-                            <a:latin typeface="Cambria Math" charset="0"/>
+                            <a:latin typeface="Arial" charset="0"/>
+                            <a:ea typeface="Arial" charset="0"/>
+                            <a:cs typeface="Arial" charset="0"/>
                           </a:rPr>
                         </m:ctrlPr>
                       </m:sSubPr>
                       <m:e>
                         <m:r>
                           <a:rPr kumimoji="1" lang="en-US" altLang="zh-TW" sz="4800" b="0" i="1">
-                            <a:latin typeface="Cambria Math" charset="0"/>
+                            <a:latin typeface="Arial" charset="0"/>
+                            <a:ea typeface="Arial" charset="0"/>
+                            <a:cs typeface="Arial" charset="0"/>
                           </a:rPr>
                           <m:t>𝑘</m:t>
                         </m:r>
@@ -12586,13 +10096,17 @@
                       <m:sub>
                         <m:r>
                           <a:rPr kumimoji="1" lang="en-US" altLang="zh-TW" sz="4800" b="0" i="1">
-                            <a:latin typeface="Cambria Math" charset="0"/>
+                            <a:latin typeface="Arial" charset="0"/>
+                            <a:ea typeface="Arial" charset="0"/>
+                            <a:cs typeface="Arial" charset="0"/>
                           </a:rPr>
                           <m:t>𝑡</m:t>
                         </m:r>
                         <m:r>
                           <a:rPr kumimoji="1" lang="en-US" altLang="zh-TW" sz="4800" b="0" i="1" smtClean="0">
-                            <a:latin typeface="Cambria Math" charset="0"/>
+                            <a:latin typeface="Arial" charset="0"/>
+                            <a:ea typeface="Arial" charset="0"/>
+                            <a:cs typeface="Arial" charset="0"/>
                           </a:rPr>
                           <m:t>𝑗</m:t>
                         </m:r>
@@ -12601,43 +10115,63 @@
                   </m:oMath>
                 </a14:m>
                 <a:r>
-                  <a:rPr kumimoji="1" lang="en-US" altLang="zh-TW" sz="4800" dirty="0" smtClean="0"/>
+                  <a:rPr kumimoji="1" lang="en-US" altLang="zh-TW" sz="4800" dirty="0" smtClean="0">
+                    <a:latin typeface="Arial" charset="0"/>
+                    <a:ea typeface="Arial" charset="0"/>
+                    <a:cs typeface="Arial" charset="0"/>
+                  </a:rPr>
                   <a:t>: the particle </a:t>
                 </a:r>
                 <a14:m>
                   <m:oMath xmlns:m="http://schemas.openxmlformats.org/officeDocument/2006/math">
                     <m:r>
                       <a:rPr kumimoji="1" lang="en-US" altLang="zh-TW" sz="4800" b="0" i="1" smtClean="0">
-                        <a:latin typeface="Cambria Math" charset="0"/>
+                        <a:latin typeface="Arial" charset="0"/>
+                        <a:ea typeface="Arial" charset="0"/>
+                        <a:cs typeface="Arial" charset="0"/>
                       </a:rPr>
                       <m:t>𝑖</m:t>
                     </m:r>
                   </m:oMath>
                 </a14:m>
                 <a:r>
-                  <a:rPr kumimoji="1" lang="en-US" altLang="zh-TW" sz="4800" dirty="0" smtClean="0"/>
+                  <a:rPr kumimoji="1" lang="en-US" altLang="zh-TW" sz="4800" dirty="0" smtClean="0">
+                    <a:latin typeface="Arial" charset="0"/>
+                    <a:ea typeface="Arial" charset="0"/>
+                    <a:cs typeface="Arial" charset="0"/>
+                  </a:rPr>
                   <a:t> and </a:t>
                 </a:r>
                 <a14:m>
                   <m:oMath xmlns:m="http://schemas.openxmlformats.org/officeDocument/2006/math">
                     <m:r>
                       <a:rPr kumimoji="1" lang="en-US" altLang="zh-TW" sz="4800" b="0" i="1" smtClean="0">
-                        <a:latin typeface="Cambria Math" charset="0"/>
+                        <a:latin typeface="Arial" charset="0"/>
+                        <a:ea typeface="Arial" charset="0"/>
+                        <a:cs typeface="Arial" charset="0"/>
                       </a:rPr>
                       <m:t>𝑗</m:t>
                     </m:r>
                   </m:oMath>
                 </a14:m>
                 <a:r>
-                  <a:rPr kumimoji="1" lang="en-US" altLang="zh-TW" sz="4800" dirty="0" smtClean="0"/>
+                  <a:rPr kumimoji="1" lang="en-US" altLang="zh-TW" sz="4800" dirty="0" smtClean="0">
+                    <a:latin typeface="Arial" charset="0"/>
+                    <a:ea typeface="Arial" charset="0"/>
+                    <a:cs typeface="Arial" charset="0"/>
+                  </a:rPr>
                   <a:t> transverse momentum</a:t>
                 </a:r>
-                <a:endParaRPr kumimoji="1" lang="en-US" altLang="zh-TW" sz="4800" dirty="0"/>
+                <a:endParaRPr kumimoji="1" lang="en-US" altLang="zh-TW" sz="4800" dirty="0">
+                  <a:latin typeface="Arial" charset="0"/>
+                  <a:ea typeface="Arial" charset="0"/>
+                  <a:cs typeface="Arial" charset="0"/>
+                </a:endParaRPr>
               </a:p>
             </p:txBody>
           </p:sp>
         </mc:Choice>
-        <mc:Fallback xmlns="">
+        <mc:Fallback>
           <p:sp>
             <p:nvSpPr>
               <p:cNvPr id="128" name="文字方塊 127"/>
@@ -12657,7 +10191,7 @@
               <a:blipFill rotWithShape="0">
                 <a:blip r:embed="rId23"/>
                 <a:stretch>
-                  <a:fillRect l="-3668" t="-5670" b="-12887"/>
+                  <a:fillRect l="-3668" t="-6186" b="-13144"/>
                 </a:stretch>
               </a:blipFill>
             </p:spPr>
@@ -12676,198 +10210,6 @@
           </p:sp>
         </mc:Fallback>
       </mc:AlternateContent>
-      <p:sp>
-        <p:nvSpPr>
-          <p:cNvPr id="130" name="橢圓 129"/>
-          <p:cNvSpPr/>
-          <p:nvPr/>
-        </p:nvSpPr>
-        <p:spPr>
-          <a:xfrm>
-            <a:off x="904600" y="30121372"/>
-            <a:ext cx="1629458" cy="1488461"/>
-          </a:xfrm>
-          <a:prstGeom prst="ellipse">
-            <a:avLst/>
-          </a:prstGeom>
-          <a:noFill/>
-        </p:spPr>
-        <p:style>
-          <a:lnRef idx="1">
-            <a:schemeClr val="accent1"/>
-          </a:lnRef>
-          <a:fillRef idx="3">
-            <a:schemeClr val="accent1"/>
-          </a:fillRef>
-          <a:effectRef idx="2">
-            <a:schemeClr val="accent1"/>
-          </a:effectRef>
-          <a:fontRef idx="minor">
-            <a:schemeClr val="lt1"/>
-          </a:fontRef>
-        </p:style>
-        <p:txBody>
-          <a:bodyPr rtlCol="0" anchor="ctr"/>
-          <a:lstStyle/>
-          <a:p>
-            <a:pPr algn="ctr"/>
-            <a:endParaRPr kumimoji="1" lang="zh-TW" altLang="en-US"/>
-          </a:p>
-        </p:txBody>
-      </p:sp>
-      <p:sp>
-        <p:nvSpPr>
-          <p:cNvPr id="131" name="橢圓 130"/>
-          <p:cNvSpPr/>
-          <p:nvPr/>
-        </p:nvSpPr>
-        <p:spPr>
-          <a:xfrm>
-            <a:off x="2439939" y="31529040"/>
-            <a:ext cx="1610139" cy="1493760"/>
-          </a:xfrm>
-          <a:prstGeom prst="ellipse">
-            <a:avLst/>
-          </a:prstGeom>
-          <a:noFill/>
-        </p:spPr>
-        <p:style>
-          <a:lnRef idx="1">
-            <a:schemeClr val="accent1"/>
-          </a:lnRef>
-          <a:fillRef idx="3">
-            <a:schemeClr val="accent1"/>
-          </a:fillRef>
-          <a:effectRef idx="2">
-            <a:schemeClr val="accent1"/>
-          </a:effectRef>
-          <a:fontRef idx="minor">
-            <a:schemeClr val="lt1"/>
-          </a:fontRef>
-        </p:style>
-        <p:txBody>
-          <a:bodyPr rtlCol="0" anchor="ctr"/>
-          <a:lstStyle/>
-          <a:p>
-            <a:pPr algn="ctr"/>
-            <a:endParaRPr kumimoji="1" lang="zh-TW" altLang="en-US"/>
-          </a:p>
-        </p:txBody>
-      </p:sp>
-      <p:sp>
-        <p:nvSpPr>
-          <p:cNvPr id="133" name="橢圓 132"/>
-          <p:cNvSpPr/>
-          <p:nvPr/>
-        </p:nvSpPr>
-        <p:spPr>
-          <a:xfrm>
-            <a:off x="1630017" y="30804071"/>
-            <a:ext cx="178625" cy="123064"/>
-          </a:xfrm>
-          <a:prstGeom prst="ellipse">
-            <a:avLst/>
-          </a:prstGeom>
-        </p:spPr>
-        <p:style>
-          <a:lnRef idx="1">
-            <a:schemeClr val="dk1"/>
-          </a:lnRef>
-          <a:fillRef idx="3">
-            <a:schemeClr val="dk1"/>
-          </a:fillRef>
-          <a:effectRef idx="2">
-            <a:schemeClr val="dk1"/>
-          </a:effectRef>
-          <a:fontRef idx="minor">
-            <a:schemeClr val="lt1"/>
-          </a:fontRef>
-        </p:style>
-        <p:txBody>
-          <a:bodyPr rtlCol="0" anchor="ctr"/>
-          <a:lstStyle/>
-          <a:p>
-            <a:pPr algn="ctr"/>
-            <a:endParaRPr kumimoji="1" lang="zh-TW" altLang="en-US"/>
-          </a:p>
-        </p:txBody>
-      </p:sp>
-      <p:sp>
-        <p:nvSpPr>
-          <p:cNvPr id="134" name="橢圓 133"/>
-          <p:cNvSpPr/>
-          <p:nvPr/>
-        </p:nvSpPr>
-        <p:spPr>
-          <a:xfrm>
-            <a:off x="2842591" y="31884730"/>
-            <a:ext cx="198783" cy="139148"/>
-          </a:xfrm>
-          <a:prstGeom prst="ellipse">
-            <a:avLst/>
-          </a:prstGeom>
-        </p:spPr>
-        <p:style>
-          <a:lnRef idx="1">
-            <a:schemeClr val="dk1"/>
-          </a:lnRef>
-          <a:fillRef idx="3">
-            <a:schemeClr val="dk1"/>
-          </a:fillRef>
-          <a:effectRef idx="2">
-            <a:schemeClr val="dk1"/>
-          </a:effectRef>
-          <a:fontRef idx="minor">
-            <a:schemeClr val="lt1"/>
-          </a:fontRef>
-        </p:style>
-        <p:txBody>
-          <a:bodyPr rtlCol="0" anchor="ctr"/>
-          <a:lstStyle/>
-          <a:p>
-            <a:pPr algn="ctr"/>
-            <a:endParaRPr kumimoji="1" lang="zh-TW" altLang="en-US"/>
-          </a:p>
-        </p:txBody>
-      </p:sp>
-      <p:sp>
-        <p:nvSpPr>
-          <p:cNvPr id="135" name="橢圓 134"/>
-          <p:cNvSpPr/>
-          <p:nvPr/>
-        </p:nvSpPr>
-        <p:spPr>
-          <a:xfrm>
-            <a:off x="3399183" y="32563770"/>
-            <a:ext cx="198782" cy="155847"/>
-          </a:xfrm>
-          <a:prstGeom prst="ellipse">
-            <a:avLst/>
-          </a:prstGeom>
-        </p:spPr>
-        <p:style>
-          <a:lnRef idx="1">
-            <a:schemeClr val="dk1"/>
-          </a:lnRef>
-          <a:fillRef idx="3">
-            <a:schemeClr val="dk1"/>
-          </a:fillRef>
-          <a:effectRef idx="2">
-            <a:schemeClr val="dk1"/>
-          </a:effectRef>
-          <a:fontRef idx="minor">
-            <a:schemeClr val="lt1"/>
-          </a:fontRef>
-        </p:style>
-        <p:txBody>
-          <a:bodyPr rtlCol="0" anchor="ctr"/>
-          <a:lstStyle/>
-          <a:p>
-            <a:pPr algn="ctr"/>
-            <a:endParaRPr kumimoji="1" lang="zh-TW" altLang="en-US"/>
-          </a:p>
-        </p:txBody>
-      </p:sp>
       <p:cxnSp>
         <p:nvCxnSpPr>
           <p:cNvPr id="137" name="直線箭頭接點 136"/>
@@ -13357,6 +10699,734 @@
           </a:prstGeom>
         </p:spPr>
       </p:pic>
+      <p:pic>
+        <p:nvPicPr>
+          <p:cNvPr id="2" name="圖片 1"/>
+          <p:cNvPicPr>
+            <a:picLocks noChangeAspect="1"/>
+          </p:cNvPicPr>
+          <p:nvPr/>
+        </p:nvPicPr>
+        <p:blipFill>
+          <a:blip r:embed="rId28">
+            <a:extLst>
+              <a:ext uri="{28A0092B-C50C-407E-A947-70E740481C1C}">
+                <a14:useLocalDpi xmlns:a14="http://schemas.microsoft.com/office/drawing/2010/main" val="0"/>
+              </a:ext>
+            </a:extLst>
+          </a:blip>
+          <a:stretch>
+            <a:fillRect/>
+          </a:stretch>
+        </p:blipFill>
+        <p:spPr>
+          <a:xfrm>
+            <a:off x="15684130" y="19921748"/>
+            <a:ext cx="5083142" cy="3469446"/>
+          </a:xfrm>
+          <a:prstGeom prst="rect">
+            <a:avLst/>
+          </a:prstGeom>
+        </p:spPr>
+      </p:pic>
+      <p:pic>
+        <p:nvPicPr>
+          <p:cNvPr id="10" name="圖片 9"/>
+          <p:cNvPicPr>
+            <a:picLocks noChangeAspect="1"/>
+          </p:cNvPicPr>
+          <p:nvPr/>
+        </p:nvPicPr>
+        <p:blipFill>
+          <a:blip r:embed="rId29">
+            <a:extLst>
+              <a:ext uri="{28A0092B-C50C-407E-A947-70E740481C1C}">
+                <a14:useLocalDpi xmlns:a14="http://schemas.microsoft.com/office/drawing/2010/main" val="0"/>
+              </a:ext>
+            </a:extLst>
+          </a:blip>
+          <a:stretch>
+            <a:fillRect/>
+          </a:stretch>
+        </p:blipFill>
+        <p:spPr>
+          <a:xfrm>
+            <a:off x="20433509" y="19955720"/>
+            <a:ext cx="4838887" cy="3302732"/>
+          </a:xfrm>
+          <a:prstGeom prst="rect">
+            <a:avLst/>
+          </a:prstGeom>
+        </p:spPr>
+      </p:pic>
+      <p:pic>
+        <p:nvPicPr>
+          <p:cNvPr id="9" name="圖片 8"/>
+          <p:cNvPicPr>
+            <a:picLocks noChangeAspect="1"/>
+          </p:cNvPicPr>
+          <p:nvPr/>
+        </p:nvPicPr>
+        <p:blipFill>
+          <a:blip r:embed="rId30">
+            <a:extLst>
+              <a:ext uri="{28A0092B-C50C-407E-A947-70E740481C1C}">
+                <a14:useLocalDpi xmlns:a14="http://schemas.microsoft.com/office/drawing/2010/main" val="0"/>
+              </a:ext>
+            </a:extLst>
+          </a:blip>
+          <a:stretch>
+            <a:fillRect/>
+          </a:stretch>
+        </p:blipFill>
+        <p:spPr>
+          <a:xfrm>
+            <a:off x="25011720" y="19855726"/>
+            <a:ext cx="5141667" cy="3509392"/>
+          </a:xfrm>
+          <a:prstGeom prst="rect">
+            <a:avLst/>
+          </a:prstGeom>
+        </p:spPr>
+      </p:pic>
+      <p:pic>
+        <p:nvPicPr>
+          <p:cNvPr id="12" name="圖片 11"/>
+          <p:cNvPicPr>
+            <a:picLocks noChangeAspect="1"/>
+          </p:cNvPicPr>
+          <p:nvPr/>
+        </p:nvPicPr>
+        <p:blipFill>
+          <a:blip r:embed="rId31">
+            <a:extLst>
+              <a:ext uri="{28A0092B-C50C-407E-A947-70E740481C1C}">
+                <a14:useLocalDpi xmlns:a14="http://schemas.microsoft.com/office/drawing/2010/main" val="0"/>
+              </a:ext>
+            </a:extLst>
+          </a:blip>
+          <a:stretch>
+            <a:fillRect/>
+          </a:stretch>
+        </p:blipFill>
+        <p:spPr>
+          <a:xfrm>
+            <a:off x="15787996" y="15359149"/>
+            <a:ext cx="4768884" cy="3271774"/>
+          </a:xfrm>
+          <a:prstGeom prst="rect">
+            <a:avLst/>
+          </a:prstGeom>
+        </p:spPr>
+      </p:pic>
+      <p:pic>
+        <p:nvPicPr>
+          <p:cNvPr id="14" name="圖片 13"/>
+          <p:cNvPicPr>
+            <a:picLocks noChangeAspect="1"/>
+          </p:cNvPicPr>
+          <p:nvPr/>
+        </p:nvPicPr>
+        <p:blipFill>
+          <a:blip r:embed="rId32">
+            <a:extLst>
+              <a:ext uri="{28A0092B-C50C-407E-A947-70E740481C1C}">
+                <a14:useLocalDpi xmlns:a14="http://schemas.microsoft.com/office/drawing/2010/main" val="0"/>
+              </a:ext>
+            </a:extLst>
+          </a:blip>
+          <a:stretch>
+            <a:fillRect/>
+          </a:stretch>
+        </p:blipFill>
+        <p:spPr>
+          <a:xfrm>
+            <a:off x="21884113" y="10545379"/>
+            <a:ext cx="3127607" cy="2419144"/>
+          </a:xfrm>
+          <a:prstGeom prst="rect">
+            <a:avLst/>
+          </a:prstGeom>
+        </p:spPr>
+      </p:pic>
+      <p:pic>
+        <p:nvPicPr>
+          <p:cNvPr id="13" name="圖片 12"/>
+          <p:cNvPicPr>
+            <a:picLocks noChangeAspect="1"/>
+          </p:cNvPicPr>
+          <p:nvPr/>
+        </p:nvPicPr>
+        <p:blipFill>
+          <a:blip r:embed="rId33">
+            <a:extLst>
+              <a:ext uri="{28A0092B-C50C-407E-A947-70E740481C1C}">
+                <a14:useLocalDpi xmlns:a14="http://schemas.microsoft.com/office/drawing/2010/main" val="0"/>
+              </a:ext>
+            </a:extLst>
+          </a:blip>
+          <a:stretch>
+            <a:fillRect/>
+          </a:stretch>
+        </p:blipFill>
+        <p:spPr>
+          <a:xfrm>
+            <a:off x="20341909" y="15385943"/>
+            <a:ext cx="4928445" cy="3381243"/>
+          </a:xfrm>
+          <a:prstGeom prst="rect">
+            <a:avLst/>
+          </a:prstGeom>
+        </p:spPr>
+      </p:pic>
+      <p:pic>
+        <p:nvPicPr>
+          <p:cNvPr id="11" name="圖片 10"/>
+          <p:cNvPicPr>
+            <a:picLocks noChangeAspect="1"/>
+          </p:cNvPicPr>
+          <p:nvPr/>
+        </p:nvPicPr>
+        <p:blipFill>
+          <a:blip r:embed="rId34">
+            <a:extLst>
+              <a:ext uri="{28A0092B-C50C-407E-A947-70E740481C1C}">
+                <a14:useLocalDpi xmlns:a14="http://schemas.microsoft.com/office/drawing/2010/main" val="0"/>
+              </a:ext>
+            </a:extLst>
+          </a:blip>
+          <a:stretch>
+            <a:fillRect/>
+          </a:stretch>
+        </p:blipFill>
+        <p:spPr>
+          <a:xfrm>
+            <a:off x="25059828" y="15381584"/>
+            <a:ext cx="5201388" cy="3568501"/>
+          </a:xfrm>
+          <a:prstGeom prst="rect">
+            <a:avLst/>
+          </a:prstGeom>
+        </p:spPr>
+      </p:pic>
+      <mc:AlternateContent xmlns:mc="http://schemas.openxmlformats.org/markup-compatibility/2006">
+        <mc:Choice xmlns:a14="http://schemas.microsoft.com/office/drawing/2010/main" Requires="a14">
+          <p:sp>
+            <p:nvSpPr>
+              <p:cNvPr id="16" name="文字方塊 15"/>
+              <p:cNvSpPr txBox="1"/>
+              <p:nvPr/>
+            </p:nvSpPr>
+            <p:spPr>
+              <a:xfrm>
+                <a:off x="15937397" y="24200825"/>
+                <a:ext cx="13809689" cy="4530664"/>
+              </a:xfrm>
+              <a:prstGeom prst="rect">
+                <a:avLst/>
+              </a:prstGeom>
+              <a:noFill/>
+            </p:spPr>
+            <p:txBody>
+              <a:bodyPr wrap="square" rtlCol="0">
+                <a:spAutoFit/>
+              </a:bodyPr>
+              <a:lstStyle/>
+              <a:p>
+                <a:r>
+                  <a:rPr kumimoji="1" lang="en-US" altLang="zh-TW" sz="3600" dirty="0" smtClean="0"/>
+                  <a:t>1. In variable</a:t>
+                </a:r>
+                <a14:m>
+                  <m:oMath xmlns:m="http://schemas.openxmlformats.org/officeDocument/2006/math">
+                    <m:sSubSup>
+                      <m:sSubSupPr>
+                        <m:ctrlPr>
+                          <a:rPr kumimoji="1" lang="en-US" altLang="zh-TW" sz="3600" i="1" smtClean="0">
+                            <a:latin typeface="Cambria Math" charset="0"/>
+                          </a:rPr>
+                        </m:ctrlPr>
+                      </m:sSubSupPr>
+                      <m:e>
+                        <m:r>
+                          <a:rPr kumimoji="1" lang="en-US" altLang="zh-TW" sz="3600" b="0" i="1" smtClean="0">
+                            <a:latin typeface="Cambria Math" charset="0"/>
+                          </a:rPr>
+                          <m:t>𝐶</m:t>
+                        </m:r>
+                      </m:e>
+                      <m:sub>
+                        <m:r>
+                          <a:rPr kumimoji="1" lang="en-US" altLang="zh-TW" sz="3600" b="0" i="1" smtClean="0">
+                            <a:latin typeface="Cambria Math" charset="0"/>
+                          </a:rPr>
+                          <m:t>2</m:t>
+                        </m:r>
+                      </m:sub>
+                      <m:sup>
+                        <m:r>
+                          <a:rPr kumimoji="1" lang="en-US" altLang="zh-TW" sz="3600" b="0" i="1" smtClean="0">
+                            <a:latin typeface="Cambria Math" charset="0"/>
+                          </a:rPr>
+                          <m:t>1</m:t>
+                        </m:r>
+                      </m:sup>
+                    </m:sSubSup>
+                  </m:oMath>
+                </a14:m>
+                <a:r>
+                  <a:rPr kumimoji="1" lang="en-US" altLang="zh-TW" sz="3600" dirty="0" smtClean="0"/>
+                  <a:t>, </a:t>
+                </a:r>
+                <a:r>
+                  <a:rPr kumimoji="1" lang="en-US" altLang="zh-TW" sz="3600" dirty="0"/>
+                  <a:t>the ROC curves of the three detector cell sizes are close to each other for each collision </a:t>
+                </a:r>
+                <a:r>
+                  <a:rPr kumimoji="1" lang="en-US" altLang="zh-TW" sz="3600" dirty="0" smtClean="0"/>
+                  <a:t>energy . </a:t>
+                </a:r>
+                <a:r>
+                  <a:rPr kumimoji="1" lang="en-US" altLang="zh-TW" sz="3600" dirty="0"/>
+                  <a:t>Therefore, this variable is not sensitive to the detector cell size</a:t>
+                </a:r>
+                <a:r>
+                  <a:rPr kumimoji="1" lang="en-US" altLang="zh-TW" sz="3600" dirty="0" smtClean="0"/>
+                  <a:t>.</a:t>
+                </a:r>
+              </a:p>
+              <a:p>
+                <a:r>
+                  <a:rPr kumimoji="1" lang="en-US" altLang="zh-TW" sz="3600" dirty="0" smtClean="0"/>
+                  <a:t>2. In </a:t>
+                </a:r>
+                <a14:m>
+                  <m:oMath xmlns:m="http://schemas.openxmlformats.org/officeDocument/2006/math">
+                    <m:sSub>
+                      <m:sSubPr>
+                        <m:ctrlPr>
+                          <a:rPr kumimoji="1" lang="en-US" altLang="zh-TW" sz="3600" i="1" smtClean="0">
+                            <a:latin typeface="Cambria Math" charset="0"/>
+                          </a:rPr>
+                        </m:ctrlPr>
+                      </m:sSubPr>
+                      <m:e>
+                        <m:r>
+                          <a:rPr kumimoji="1" lang="en-US" altLang="zh-TW" sz="3600" i="1" smtClean="0">
+                            <a:latin typeface="Cambria Math" charset="0"/>
+                            <a:ea typeface="Cambria Math" charset="0"/>
+                            <a:cs typeface="Cambria Math" charset="0"/>
+                          </a:rPr>
+                          <m:t>𝜏</m:t>
+                        </m:r>
+                      </m:e>
+                      <m:sub>
+                        <m:r>
+                          <a:rPr kumimoji="1" lang="en-US" altLang="zh-TW" sz="3600" b="0" i="1" smtClean="0">
+                            <a:latin typeface="Cambria Math" charset="0"/>
+                          </a:rPr>
+                          <m:t>21</m:t>
+                        </m:r>
+                      </m:sub>
+                    </m:sSub>
+                  </m:oMath>
+                </a14:m>
+                <a:r>
+                  <a:rPr kumimoji="1" lang="en-US" altLang="zh-TW" sz="3600" dirty="0" smtClean="0"/>
+                  <a:t>, </a:t>
+                </a:r>
+                <a:r>
+                  <a:rPr kumimoji="1" lang="en-US" altLang="zh-TW" sz="3600" dirty="0"/>
+                  <a:t>at 5 </a:t>
+                </a:r>
+                <a:r>
+                  <a:rPr kumimoji="1" lang="en-US" altLang="zh-TW" sz="3600" dirty="0" err="1"/>
+                  <a:t>TeV</a:t>
+                </a:r>
+                <a:r>
+                  <a:rPr kumimoji="1" lang="en-US" altLang="zh-TW" sz="3600" dirty="0"/>
+                  <a:t>, the smallest detector size </a:t>
+                </a:r>
+                <a:r>
+                  <a:rPr kumimoji="1" lang="en-US" altLang="zh-TW" sz="3600" dirty="0" smtClean="0"/>
+                  <a:t>can </a:t>
+                </a:r>
+                <a:r>
+                  <a:rPr kumimoji="1" lang="en-US" altLang="zh-TW" sz="3600" dirty="0"/>
+                  <a:t>separate the background from the signal well. </a:t>
+                </a:r>
+                <a:r>
+                  <a:rPr kumimoji="1" lang="en-US" altLang="zh-TW" sz="3600" dirty="0" smtClean="0"/>
+                  <a:t>However, this is not the usual case as the ROC curves nearly merge together at higher collision energy. </a:t>
+                </a:r>
+              </a:p>
+              <a:p>
+                <a:r>
+                  <a:rPr kumimoji="1" lang="en-US" altLang="zh-TW" sz="3600" dirty="0" smtClean="0"/>
+                  <a:t>3. In </a:t>
+                </a:r>
+                <a14:m>
+                  <m:oMath xmlns:m="http://schemas.openxmlformats.org/officeDocument/2006/math">
+                    <m:sSub>
+                      <m:sSubPr>
+                        <m:ctrlPr>
+                          <a:rPr kumimoji="1" lang="en-US" altLang="zh-TW" sz="3600" i="1" smtClean="0">
+                            <a:latin typeface="Cambria Math" charset="0"/>
+                          </a:rPr>
+                        </m:ctrlPr>
+                      </m:sSubPr>
+                      <m:e>
+                        <m:r>
+                          <a:rPr kumimoji="1" lang="en-US" altLang="zh-TW" sz="3600" i="1">
+                            <a:latin typeface="Cambria Math" charset="0"/>
+                            <a:ea typeface="Cambria Math" charset="0"/>
+                            <a:cs typeface="Cambria Math" charset="0"/>
+                          </a:rPr>
+                          <m:t>𝜏</m:t>
+                        </m:r>
+                      </m:e>
+                      <m:sub>
+                        <m:r>
+                          <a:rPr kumimoji="1" lang="en-US" altLang="zh-TW" sz="3600" b="0" i="1" smtClean="0">
+                            <a:latin typeface="Cambria Math" charset="0"/>
+                            <a:ea typeface="Cambria Math" charset="0"/>
+                            <a:cs typeface="Cambria Math" charset="0"/>
+                          </a:rPr>
+                          <m:t>32</m:t>
+                        </m:r>
+                      </m:sub>
+                    </m:sSub>
+                  </m:oMath>
+                </a14:m>
+                <a:r>
+                  <a:rPr kumimoji="1" lang="en-US" altLang="zh-TW" sz="3600" dirty="0"/>
+                  <a:t>,</a:t>
+                </a:r>
+                <a:r>
+                  <a:rPr kumimoji="1" lang="en-US" altLang="zh-TW" sz="3600" dirty="0" smtClean="0"/>
+                  <a:t> the </a:t>
+                </a:r>
+                <a:r>
+                  <a:rPr kumimoji="1" lang="en-US" altLang="zh-TW" sz="3600" dirty="0"/>
+                  <a:t>smallest detector size has the best separation power for all collision energies</a:t>
+                </a:r>
+                <a:r>
+                  <a:rPr kumimoji="1" lang="en-US" altLang="zh-TW" sz="3600" dirty="0" smtClean="0"/>
+                  <a:t>.</a:t>
+                </a:r>
+                <a:endParaRPr kumimoji="1" lang="zh-TW" altLang="en-US" sz="3600" dirty="0"/>
+              </a:p>
+            </p:txBody>
+          </p:sp>
+        </mc:Choice>
+        <mc:Fallback>
+          <p:sp>
+            <p:nvSpPr>
+              <p:cNvPr id="16" name="文字方塊 15"/>
+              <p:cNvSpPr txBox="1">
+                <a:spLocks noRot="1" noChangeAspect="1" noMove="1" noResize="1" noEditPoints="1" noAdjustHandles="1" noChangeArrowheads="1" noChangeShapeType="1" noTextEdit="1"/>
+              </p:cNvSpPr>
+              <p:nvPr/>
+            </p:nvSpPr>
+            <p:spPr>
+              <a:xfrm>
+                <a:off x="15937397" y="24200825"/>
+                <a:ext cx="13809689" cy="4530664"/>
+              </a:xfrm>
+              <a:prstGeom prst="rect">
+                <a:avLst/>
+              </a:prstGeom>
+              <a:blipFill rotWithShape="0">
+                <a:blip r:embed="rId35"/>
+                <a:stretch>
+                  <a:fillRect l="-1324" t="-1884" r="-1809" b="-4172"/>
+                </a:stretch>
+              </a:blipFill>
+            </p:spPr>
+            <p:txBody>
+              <a:bodyPr/>
+              <a:lstStyle/>
+              <a:p>
+                <a:r>
+                  <a:rPr lang="zh-TW" altLang="en-US">
+                    <a:noFill/>
+                  </a:rPr>
+                  <a:t> </a:t>
+                </a:r>
+              </a:p>
+            </p:txBody>
+          </p:sp>
+        </mc:Fallback>
+      </mc:AlternateContent>
+      <p:pic>
+        <p:nvPicPr>
+          <p:cNvPr id="18" name="圖片 17"/>
+          <p:cNvPicPr>
+            <a:picLocks noChangeAspect="1"/>
+          </p:cNvPicPr>
+          <p:nvPr/>
+        </p:nvPicPr>
+        <p:blipFill>
+          <a:blip r:embed="rId36">
+            <a:extLst>
+              <a:ext uri="{28A0092B-C50C-407E-A947-70E740481C1C}">
+                <a14:useLocalDpi xmlns:a14="http://schemas.microsoft.com/office/drawing/2010/main" val="0"/>
+              </a:ext>
+            </a:extLst>
+          </a:blip>
+          <a:stretch>
+            <a:fillRect/>
+          </a:stretch>
+        </p:blipFill>
+        <p:spPr>
+          <a:xfrm>
+            <a:off x="2173142" y="31337615"/>
+            <a:ext cx="2054102" cy="2017853"/>
+          </a:xfrm>
+          <a:prstGeom prst="rect">
+            <a:avLst/>
+          </a:prstGeom>
+        </p:spPr>
+      </p:pic>
+      <p:pic>
+        <p:nvPicPr>
+          <p:cNvPr id="20" name="圖片 19"/>
+          <p:cNvPicPr>
+            <a:picLocks noChangeAspect="1"/>
+          </p:cNvPicPr>
+          <p:nvPr/>
+        </p:nvPicPr>
+        <p:blipFill>
+          <a:blip r:embed="rId37">
+            <a:extLst>
+              <a:ext uri="{28A0092B-C50C-407E-A947-70E740481C1C}">
+                <a14:useLocalDpi xmlns:a14="http://schemas.microsoft.com/office/drawing/2010/main" val="0"/>
+              </a:ext>
+            </a:extLst>
+          </a:blip>
+          <a:stretch>
+            <a:fillRect/>
+          </a:stretch>
+        </p:blipFill>
+        <p:spPr>
+          <a:xfrm>
+            <a:off x="591772" y="29551796"/>
+            <a:ext cx="2133600" cy="2120900"/>
+          </a:xfrm>
+          <a:prstGeom prst="rect">
+            <a:avLst/>
+          </a:prstGeom>
+        </p:spPr>
+      </p:pic>
+      <p:pic>
+        <p:nvPicPr>
+          <p:cNvPr id="21" name="圖片 20"/>
+          <p:cNvPicPr>
+            <a:picLocks noChangeAspect="1"/>
+          </p:cNvPicPr>
+          <p:nvPr/>
+        </p:nvPicPr>
+        <p:blipFill>
+          <a:blip r:embed="rId38">
+            <a:extLst>
+              <a:ext uri="{28A0092B-C50C-407E-A947-70E740481C1C}">
+                <a14:useLocalDpi xmlns:a14="http://schemas.microsoft.com/office/drawing/2010/main" val="0"/>
+              </a:ext>
+            </a:extLst>
+          </a:blip>
+          <a:stretch>
+            <a:fillRect/>
+          </a:stretch>
+        </p:blipFill>
+        <p:spPr>
+          <a:xfrm>
+            <a:off x="17890726" y="29700151"/>
+            <a:ext cx="4335648" cy="4136835"/>
+          </a:xfrm>
+          <a:prstGeom prst="rect">
+            <a:avLst/>
+          </a:prstGeom>
+        </p:spPr>
+      </p:pic>
+      <p:pic>
+        <p:nvPicPr>
+          <p:cNvPr id="24" name="圖片 23"/>
+          <p:cNvPicPr>
+            <a:picLocks noChangeAspect="1"/>
+          </p:cNvPicPr>
+          <p:nvPr/>
+        </p:nvPicPr>
+        <p:blipFill>
+          <a:blip r:embed="rId39">
+            <a:extLst>
+              <a:ext uri="{28A0092B-C50C-407E-A947-70E740481C1C}">
+                <a14:useLocalDpi xmlns:a14="http://schemas.microsoft.com/office/drawing/2010/main" val="0"/>
+              </a:ext>
+            </a:extLst>
+          </a:blip>
+          <a:stretch>
+            <a:fillRect/>
+          </a:stretch>
+        </p:blipFill>
+        <p:spPr>
+          <a:xfrm>
+            <a:off x="17648544" y="34592848"/>
+            <a:ext cx="4978769" cy="3380645"/>
+          </a:xfrm>
+          <a:prstGeom prst="rect">
+            <a:avLst/>
+          </a:prstGeom>
+        </p:spPr>
+      </p:pic>
+      <p:sp>
+        <p:nvSpPr>
+          <p:cNvPr id="92" name="矩形 91"/>
+          <p:cNvSpPr/>
+          <p:nvPr/>
+        </p:nvSpPr>
+        <p:spPr>
+          <a:xfrm>
+            <a:off x="15452920" y="33895595"/>
+            <a:ext cx="14790543" cy="861774"/>
+          </a:xfrm>
+          <a:prstGeom prst="rect">
+            <a:avLst/>
+          </a:prstGeom>
+        </p:spPr>
+        <p:txBody>
+          <a:bodyPr wrap="square">
+            <a:spAutoFit/>
+          </a:bodyPr>
+          <a:lstStyle/>
+          <a:p>
+            <a:r>
+              <a:rPr lang="en-US" altLang="zh-TW" sz="5000" b="1" dirty="0" smtClean="0">
+                <a:solidFill>
+                  <a:srgbClr val="C0504D"/>
+                </a:solidFill>
+                <a:latin typeface="Arial" pitchFamily="34" charset="0"/>
+                <a:cs typeface="Arial" pitchFamily="34" charset="0"/>
+              </a:rPr>
+              <a:t>Study of the soft drop in different detector size:</a:t>
+            </a:r>
+            <a:r>
+              <a:rPr lang="en-US" altLang="zh-TW" sz="5000" b="1" dirty="0" smtClean="0">
+                <a:solidFill>
+                  <a:schemeClr val="accent2"/>
+                </a:solidFill>
+                <a:latin typeface="Arial" pitchFamily="34" charset="0"/>
+                <a:cs typeface="Arial" pitchFamily="34" charset="0"/>
+              </a:rPr>
+              <a:t> </a:t>
+            </a:r>
+            <a:endParaRPr lang="zh-TW" altLang="en-US" sz="5000" baseline="-25000" dirty="0"/>
+          </a:p>
+        </p:txBody>
+      </p:sp>
+      <p:sp>
+        <p:nvSpPr>
+          <p:cNvPr id="23" name="矩形 22"/>
+          <p:cNvSpPr/>
+          <p:nvPr/>
+        </p:nvSpPr>
+        <p:spPr>
+          <a:xfrm>
+            <a:off x="15586935" y="13863535"/>
+            <a:ext cx="14566452" cy="14793672"/>
+          </a:xfrm>
+          <a:prstGeom prst="rect">
+            <a:avLst/>
+          </a:prstGeom>
+          <a:noFill/>
+          <a:ln w="101600">
+            <a:solidFill>
+              <a:srgbClr val="22FF13"/>
+            </a:solidFill>
+          </a:ln>
+        </p:spPr>
+        <p:style>
+          <a:lnRef idx="1">
+            <a:schemeClr val="accent1"/>
+          </a:lnRef>
+          <a:fillRef idx="3">
+            <a:schemeClr val="accent1"/>
+          </a:fillRef>
+          <a:effectRef idx="2">
+            <a:schemeClr val="accent1"/>
+          </a:effectRef>
+          <a:fontRef idx="minor">
+            <a:schemeClr val="lt1"/>
+          </a:fontRef>
+        </p:style>
+        <p:txBody>
+          <a:bodyPr rtlCol="0" anchor="ctr"/>
+          <a:lstStyle/>
+          <a:p>
+            <a:pPr algn="ctr"/>
+            <a:endParaRPr kumimoji="1" lang="zh-TW" altLang="en-US"/>
+          </a:p>
+        </p:txBody>
+      </p:sp>
+      <p:pic>
+        <p:nvPicPr>
+          <p:cNvPr id="27" name="圖片 26"/>
+          <p:cNvPicPr>
+            <a:picLocks noChangeAspect="1"/>
+          </p:cNvPicPr>
+          <p:nvPr/>
+        </p:nvPicPr>
+        <p:blipFill>
+          <a:blip r:embed="rId40">
+            <a:extLst>
+              <a:ext uri="{28A0092B-C50C-407E-A947-70E740481C1C}">
+                <a14:useLocalDpi xmlns:a14="http://schemas.microsoft.com/office/drawing/2010/main" val="0"/>
+              </a:ext>
+            </a:extLst>
+          </a:blip>
+          <a:stretch>
+            <a:fillRect/>
+          </a:stretch>
+        </p:blipFill>
+        <p:spPr>
+          <a:xfrm>
+            <a:off x="22852952" y="34625723"/>
+            <a:ext cx="5061070" cy="3454382"/>
+          </a:xfrm>
+          <a:prstGeom prst="rect">
+            <a:avLst/>
+          </a:prstGeom>
+        </p:spPr>
+      </p:pic>
+      <p:pic>
+        <p:nvPicPr>
+          <p:cNvPr id="30" name="圖片 29"/>
+          <p:cNvPicPr>
+            <a:picLocks noChangeAspect="1"/>
+          </p:cNvPicPr>
+          <p:nvPr/>
+        </p:nvPicPr>
+        <p:blipFill>
+          <a:blip r:embed="rId41">
+            <a:extLst>
+              <a:ext uri="{28A0092B-C50C-407E-A947-70E740481C1C}">
+                <a14:useLocalDpi xmlns:a14="http://schemas.microsoft.com/office/drawing/2010/main" val="0"/>
+              </a:ext>
+            </a:extLst>
+          </a:blip>
+          <a:stretch>
+            <a:fillRect/>
+          </a:stretch>
+        </p:blipFill>
+        <p:spPr>
+          <a:xfrm>
+            <a:off x="22214005" y="29681434"/>
+            <a:ext cx="6112697" cy="4193720"/>
+          </a:xfrm>
+          <a:prstGeom prst="rect">
+            <a:avLst/>
+          </a:prstGeom>
+        </p:spPr>
+      </p:pic>
     </p:spTree>
     <p:extLst>
       <p:ext uri="{BB962C8B-B14F-4D97-AF65-F5344CB8AC3E}">
@@ -13374,6 +11444,2262 @@
       </p:par>
     </p:tnLst>
   </p:timing>
+</p:sld>
+</file>
+
+<file path=ppt/slides/slide2.xml><?xml version="1.0" encoding="utf-8"?>
+<p:sld xmlns:a="http://schemas.openxmlformats.org/drawingml/2006/main" xmlns:r="http://schemas.openxmlformats.org/officeDocument/2006/relationships" xmlns:p="http://schemas.openxmlformats.org/presentationml/2006/main">
+  <p:cSld>
+    <p:spTree>
+      <p:nvGrpSpPr>
+        <p:cNvPr id="1" name=""/>
+        <p:cNvGrpSpPr/>
+        <p:nvPr/>
+      </p:nvGrpSpPr>
+      <p:grpSpPr>
+        <a:xfrm>
+          <a:off x="0" y="0"/>
+          <a:ext cx="0" cy="0"/>
+          <a:chOff x="0" y="0"/>
+          <a:chExt cx="0" cy="0"/>
+        </a:xfrm>
+      </p:grpSpPr>
+      <p:cxnSp>
+        <p:nvCxnSpPr>
+          <p:cNvPr id="5" name="直線箭頭接點 4"/>
+          <p:cNvCxnSpPr/>
+          <p:nvPr/>
+        </p:nvCxnSpPr>
+        <p:spPr>
+          <a:xfrm flipV="1">
+            <a:off x="2304437" y="10876113"/>
+            <a:ext cx="1404257" cy="620485"/>
+          </a:xfrm>
+          <a:prstGeom prst="straightConnector1">
+            <a:avLst/>
+          </a:prstGeom>
+          <a:ln w="101600">
+            <a:tailEnd type="triangle"/>
+          </a:ln>
+        </p:spPr>
+        <p:style>
+          <a:lnRef idx="2">
+            <a:schemeClr val="accent1"/>
+          </a:lnRef>
+          <a:fillRef idx="0">
+            <a:schemeClr val="accent1"/>
+          </a:fillRef>
+          <a:effectRef idx="1">
+            <a:schemeClr val="accent1"/>
+          </a:effectRef>
+          <a:fontRef idx="minor">
+            <a:schemeClr val="tx1"/>
+          </a:fontRef>
+        </p:style>
+      </p:cxnSp>
+      <p:cxnSp>
+        <p:nvCxnSpPr>
+          <p:cNvPr id="7" name="直線箭頭接點 6"/>
+          <p:cNvCxnSpPr/>
+          <p:nvPr/>
+        </p:nvCxnSpPr>
+        <p:spPr>
+          <a:xfrm>
+            <a:off x="2346744" y="11559985"/>
+            <a:ext cx="1404257" cy="619200"/>
+          </a:xfrm>
+          <a:prstGeom prst="straightConnector1">
+            <a:avLst/>
+          </a:prstGeom>
+          <a:ln w="101600">
+            <a:tailEnd type="triangle"/>
+          </a:ln>
+        </p:spPr>
+        <p:style>
+          <a:lnRef idx="2">
+            <a:schemeClr val="accent1"/>
+          </a:lnRef>
+          <a:fillRef idx="0">
+            <a:schemeClr val="accent1"/>
+          </a:fillRef>
+          <a:effectRef idx="1">
+            <a:schemeClr val="accent1"/>
+          </a:effectRef>
+          <a:fontRef idx="minor">
+            <a:schemeClr val="tx1"/>
+          </a:fontRef>
+        </p:style>
+      </p:cxnSp>
+      <mc:AlternateContent xmlns:mc="http://schemas.openxmlformats.org/markup-compatibility/2006">
+        <mc:Choice xmlns:a14="http://schemas.microsoft.com/office/drawing/2010/main" Requires="a14">
+          <p:sp>
+            <p:nvSpPr>
+              <p:cNvPr id="8" name="文字方塊 7"/>
+              <p:cNvSpPr txBox="1"/>
+              <p:nvPr/>
+            </p:nvSpPr>
+            <p:spPr>
+              <a:xfrm>
+                <a:off x="3443483" y="10151061"/>
+                <a:ext cx="1595363" cy="1323439"/>
+              </a:xfrm>
+              <a:prstGeom prst="rect">
+                <a:avLst/>
+              </a:prstGeom>
+              <a:noFill/>
+            </p:spPr>
+            <p:txBody>
+              <a:bodyPr wrap="square" rtlCol="0">
+                <a:spAutoFit/>
+              </a:bodyPr>
+              <a:lstStyle/>
+              <a:p>
+                <a14:m>
+                  <m:oMathPara xmlns:m="http://schemas.openxmlformats.org/officeDocument/2006/math">
+                    <m:oMathParaPr>
+                      <m:jc m:val="centerGroup"/>
+                    </m:oMathParaPr>
+                    <m:oMath xmlns:m="http://schemas.openxmlformats.org/officeDocument/2006/math">
+                      <m:r>
+                        <a:rPr kumimoji="1" lang="en-US" altLang="zh-TW" sz="8000" b="0" i="1" smtClean="0">
+                          <a:latin typeface="Cambria Math" charset="0"/>
+                        </a:rPr>
+                        <m:t>𝑡</m:t>
+                      </m:r>
+                    </m:oMath>
+                  </m:oMathPara>
+                </a14:m>
+                <a:endParaRPr kumimoji="1" lang="zh-TW" altLang="en-US" sz="8000" dirty="0"/>
+              </a:p>
+            </p:txBody>
+          </p:sp>
+        </mc:Choice>
+        <mc:Fallback>
+          <p:sp>
+            <p:nvSpPr>
+              <p:cNvPr id="8" name="文字方塊 7"/>
+              <p:cNvSpPr txBox="1">
+                <a:spLocks noRot="1" noChangeAspect="1" noMove="1" noResize="1" noEditPoints="1" noAdjustHandles="1" noChangeArrowheads="1" noChangeShapeType="1" noTextEdit="1"/>
+              </p:cNvSpPr>
+              <p:nvPr/>
+            </p:nvSpPr>
+            <p:spPr>
+              <a:xfrm>
+                <a:off x="3443483" y="10151061"/>
+                <a:ext cx="1595363" cy="1323439"/>
+              </a:xfrm>
+              <a:prstGeom prst="rect">
+                <a:avLst/>
+              </a:prstGeom>
+              <a:blipFill rotWithShape="0">
+                <a:blip r:embed="rId2"/>
+                <a:stretch>
+                  <a:fillRect/>
+                </a:stretch>
+              </a:blipFill>
+            </p:spPr>
+            <p:txBody>
+              <a:bodyPr/>
+              <a:lstStyle/>
+              <a:p>
+                <a:r>
+                  <a:rPr lang="zh-TW" altLang="en-US">
+                    <a:noFill/>
+                  </a:rPr>
+                  <a:t> </a:t>
+                </a:r>
+              </a:p>
+            </p:txBody>
+          </p:sp>
+        </mc:Fallback>
+      </mc:AlternateContent>
+      <mc:AlternateContent xmlns:mc="http://schemas.openxmlformats.org/markup-compatibility/2006">
+        <mc:Choice xmlns:a14="http://schemas.microsoft.com/office/drawing/2010/main" Requires="a14">
+          <p:sp>
+            <p:nvSpPr>
+              <p:cNvPr id="10" name="文字方塊 9"/>
+              <p:cNvSpPr txBox="1"/>
+              <p:nvPr/>
+            </p:nvSpPr>
+            <p:spPr>
+              <a:xfrm>
+                <a:off x="3653667" y="11830729"/>
+                <a:ext cx="1132817" cy="1323439"/>
+              </a:xfrm>
+              <a:prstGeom prst="rect">
+                <a:avLst/>
+              </a:prstGeom>
+              <a:noFill/>
+            </p:spPr>
+            <p:txBody>
+              <a:bodyPr wrap="square" rtlCol="0">
+                <a:spAutoFit/>
+              </a:bodyPr>
+              <a:lstStyle/>
+              <a:p>
+                <a14:m>
+                  <m:oMathPara xmlns:m="http://schemas.openxmlformats.org/officeDocument/2006/math">
+                    <m:oMathParaPr>
+                      <m:jc m:val="centerGroup"/>
+                    </m:oMathParaPr>
+                    <m:oMath xmlns:m="http://schemas.openxmlformats.org/officeDocument/2006/math">
+                      <m:acc>
+                        <m:accPr>
+                          <m:chr m:val="̅"/>
+                          <m:ctrlPr>
+                            <a:rPr kumimoji="1" lang="en-US" altLang="zh-TW" sz="8000" b="0" i="1" smtClean="0">
+                              <a:latin typeface="Cambria Math" charset="0"/>
+                            </a:rPr>
+                          </m:ctrlPr>
+                        </m:accPr>
+                        <m:e>
+                          <m:r>
+                            <a:rPr kumimoji="1" lang="en-US" altLang="zh-TW" sz="8000" b="0" i="1" smtClean="0">
+                              <a:latin typeface="Cambria Math" charset="0"/>
+                            </a:rPr>
+                            <m:t>𝑡</m:t>
+                          </m:r>
+                        </m:e>
+                      </m:acc>
+                    </m:oMath>
+                  </m:oMathPara>
+                </a14:m>
+                <a:endParaRPr kumimoji="1" lang="zh-TW" altLang="en-US" sz="8000" dirty="0"/>
+              </a:p>
+            </p:txBody>
+          </p:sp>
+        </mc:Choice>
+        <mc:Fallback>
+          <p:sp>
+            <p:nvSpPr>
+              <p:cNvPr id="10" name="文字方塊 9"/>
+              <p:cNvSpPr txBox="1">
+                <a:spLocks noRot="1" noChangeAspect="1" noMove="1" noResize="1" noEditPoints="1" noAdjustHandles="1" noChangeArrowheads="1" noChangeShapeType="1" noTextEdit="1"/>
+              </p:cNvSpPr>
+              <p:nvPr/>
+            </p:nvSpPr>
+            <p:spPr>
+              <a:xfrm>
+                <a:off x="3653667" y="11830729"/>
+                <a:ext cx="1132817" cy="1323439"/>
+              </a:xfrm>
+              <a:prstGeom prst="rect">
+                <a:avLst/>
+              </a:prstGeom>
+              <a:blipFill rotWithShape="0">
+                <a:blip r:embed="rId3"/>
+                <a:stretch>
+                  <a:fillRect/>
+                </a:stretch>
+              </a:blipFill>
+            </p:spPr>
+            <p:txBody>
+              <a:bodyPr/>
+              <a:lstStyle/>
+              <a:p>
+                <a:r>
+                  <a:rPr lang="zh-TW" altLang="en-US">
+                    <a:noFill/>
+                  </a:rPr>
+                  <a:t> </a:t>
+                </a:r>
+              </a:p>
+            </p:txBody>
+          </p:sp>
+        </mc:Fallback>
+      </mc:AlternateContent>
+      <p:cxnSp>
+        <p:nvCxnSpPr>
+          <p:cNvPr id="12" name="直線箭頭接點 11"/>
+          <p:cNvCxnSpPr/>
+          <p:nvPr/>
+        </p:nvCxnSpPr>
+        <p:spPr>
+          <a:xfrm flipV="1">
+            <a:off x="4786484" y="10112296"/>
+            <a:ext cx="1404257" cy="620485"/>
+          </a:xfrm>
+          <a:prstGeom prst="straightConnector1">
+            <a:avLst/>
+          </a:prstGeom>
+          <a:ln w="101600">
+            <a:tailEnd type="triangle"/>
+          </a:ln>
+        </p:spPr>
+        <p:style>
+          <a:lnRef idx="2">
+            <a:schemeClr val="accent1"/>
+          </a:lnRef>
+          <a:fillRef idx="0">
+            <a:schemeClr val="accent1"/>
+          </a:fillRef>
+          <a:effectRef idx="1">
+            <a:schemeClr val="accent1"/>
+          </a:effectRef>
+          <a:fontRef idx="minor">
+            <a:schemeClr val="tx1"/>
+          </a:fontRef>
+        </p:style>
+      </p:cxnSp>
+      <p:cxnSp>
+        <p:nvCxnSpPr>
+          <p:cNvPr id="13" name="直線箭頭接點 12"/>
+          <p:cNvCxnSpPr/>
+          <p:nvPr/>
+        </p:nvCxnSpPr>
+        <p:spPr>
+          <a:xfrm>
+            <a:off x="4721393" y="10772640"/>
+            <a:ext cx="1404257" cy="619200"/>
+          </a:xfrm>
+          <a:prstGeom prst="straightConnector1">
+            <a:avLst/>
+          </a:prstGeom>
+          <a:ln w="101600">
+            <a:tailEnd type="triangle"/>
+          </a:ln>
+        </p:spPr>
+        <p:style>
+          <a:lnRef idx="2">
+            <a:schemeClr val="accent1"/>
+          </a:lnRef>
+          <a:fillRef idx="0">
+            <a:schemeClr val="accent1"/>
+          </a:fillRef>
+          <a:effectRef idx="1">
+            <a:schemeClr val="accent1"/>
+          </a:effectRef>
+          <a:fontRef idx="minor">
+            <a:schemeClr val="tx1"/>
+          </a:fontRef>
+        </p:style>
+      </p:cxnSp>
+      <p:cxnSp>
+        <p:nvCxnSpPr>
+          <p:cNvPr id="15" name="直線箭頭接點 14"/>
+          <p:cNvCxnSpPr/>
+          <p:nvPr/>
+        </p:nvCxnSpPr>
+        <p:spPr>
+          <a:xfrm flipV="1">
+            <a:off x="4592463" y="11790568"/>
+            <a:ext cx="1404257" cy="620485"/>
+          </a:xfrm>
+          <a:prstGeom prst="straightConnector1">
+            <a:avLst/>
+          </a:prstGeom>
+          <a:ln w="101600">
+            <a:tailEnd type="triangle"/>
+          </a:ln>
+        </p:spPr>
+        <p:style>
+          <a:lnRef idx="2">
+            <a:schemeClr val="accent1"/>
+          </a:lnRef>
+          <a:fillRef idx="0">
+            <a:schemeClr val="accent1"/>
+          </a:fillRef>
+          <a:effectRef idx="1">
+            <a:schemeClr val="accent1"/>
+          </a:effectRef>
+          <a:fontRef idx="minor">
+            <a:schemeClr val="tx1"/>
+          </a:fontRef>
+        </p:style>
+      </p:cxnSp>
+      <p:cxnSp>
+        <p:nvCxnSpPr>
+          <p:cNvPr id="16" name="直線箭頭接點 15"/>
+          <p:cNvCxnSpPr/>
+          <p:nvPr/>
+        </p:nvCxnSpPr>
+        <p:spPr>
+          <a:xfrm>
+            <a:off x="4656928" y="12417521"/>
+            <a:ext cx="1404257" cy="619200"/>
+          </a:xfrm>
+          <a:prstGeom prst="straightConnector1">
+            <a:avLst/>
+          </a:prstGeom>
+          <a:ln w="101600">
+            <a:tailEnd type="triangle"/>
+          </a:ln>
+        </p:spPr>
+        <p:style>
+          <a:lnRef idx="2">
+            <a:schemeClr val="accent1"/>
+          </a:lnRef>
+          <a:fillRef idx="0">
+            <a:schemeClr val="accent1"/>
+          </a:fillRef>
+          <a:effectRef idx="1">
+            <a:schemeClr val="accent1"/>
+          </a:effectRef>
+          <a:fontRef idx="minor">
+            <a:schemeClr val="tx1"/>
+          </a:fontRef>
+        </p:style>
+      </p:cxnSp>
+      <mc:AlternateContent xmlns:mc="http://schemas.openxmlformats.org/markup-compatibility/2006">
+        <mc:Choice xmlns:a14="http://schemas.microsoft.com/office/drawing/2010/main" Requires="a14">
+          <p:sp>
+            <p:nvSpPr>
+              <p:cNvPr id="17" name="文字方塊 16"/>
+              <p:cNvSpPr txBox="1"/>
+              <p:nvPr/>
+            </p:nvSpPr>
+            <p:spPr>
+              <a:xfrm>
+                <a:off x="5987052" y="9245102"/>
+                <a:ext cx="1240972" cy="1354217"/>
+              </a:xfrm>
+              <a:prstGeom prst="rect">
+                <a:avLst/>
+              </a:prstGeom>
+              <a:noFill/>
+            </p:spPr>
+            <p:txBody>
+              <a:bodyPr wrap="square" rtlCol="0">
+                <a:spAutoFit/>
+              </a:bodyPr>
+              <a:lstStyle/>
+              <a:p>
+                <a14:m>
+                  <m:oMathPara xmlns:m="http://schemas.openxmlformats.org/officeDocument/2006/math">
+                    <m:oMathParaPr>
+                      <m:jc m:val="centerGroup"/>
+                    </m:oMathParaPr>
+                    <m:oMath xmlns:m="http://schemas.openxmlformats.org/officeDocument/2006/math">
+                      <m:r>
+                        <a:rPr kumimoji="1" lang="en-US" altLang="zh-TW" b="0" i="1" smtClean="0">
+                          <a:latin typeface="Cambria Math" charset="0"/>
+                        </a:rPr>
+                        <m:t>𝑊</m:t>
+                      </m:r>
+                    </m:oMath>
+                  </m:oMathPara>
+                </a14:m>
+                <a:endParaRPr kumimoji="1" lang="zh-TW" altLang="en-US" dirty="0"/>
+              </a:p>
+            </p:txBody>
+          </p:sp>
+        </mc:Choice>
+        <mc:Fallback>
+          <p:sp>
+            <p:nvSpPr>
+              <p:cNvPr id="17" name="文字方塊 16"/>
+              <p:cNvSpPr txBox="1">
+                <a:spLocks noRot="1" noChangeAspect="1" noMove="1" noResize="1" noEditPoints="1" noAdjustHandles="1" noChangeArrowheads="1" noChangeShapeType="1" noTextEdit="1"/>
+              </p:cNvSpPr>
+              <p:nvPr/>
+            </p:nvSpPr>
+            <p:spPr>
+              <a:xfrm>
+                <a:off x="5987052" y="9245102"/>
+                <a:ext cx="1240972" cy="1354217"/>
+              </a:xfrm>
+              <a:prstGeom prst="rect">
+                <a:avLst/>
+              </a:prstGeom>
+              <a:blipFill rotWithShape="0">
+                <a:blip r:embed="rId4"/>
+                <a:stretch>
+                  <a:fillRect/>
+                </a:stretch>
+              </a:blipFill>
+            </p:spPr>
+            <p:txBody>
+              <a:bodyPr/>
+              <a:lstStyle/>
+              <a:p>
+                <a:r>
+                  <a:rPr lang="zh-TW" altLang="en-US">
+                    <a:noFill/>
+                  </a:rPr>
+                  <a:t> </a:t>
+                </a:r>
+              </a:p>
+            </p:txBody>
+          </p:sp>
+        </mc:Fallback>
+      </mc:AlternateContent>
+      <mc:AlternateContent xmlns:mc="http://schemas.openxmlformats.org/markup-compatibility/2006">
+        <mc:Choice xmlns:a14="http://schemas.microsoft.com/office/drawing/2010/main" Requires="a14">
+          <p:sp>
+            <p:nvSpPr>
+              <p:cNvPr id="18" name="文字方塊 17"/>
+              <p:cNvSpPr txBox="1"/>
+              <p:nvPr/>
+            </p:nvSpPr>
+            <p:spPr>
+              <a:xfrm>
+                <a:off x="5379022" y="10263960"/>
+                <a:ext cx="2253343" cy="1354217"/>
+              </a:xfrm>
+              <a:prstGeom prst="rect">
+                <a:avLst/>
+              </a:prstGeom>
+              <a:noFill/>
+            </p:spPr>
+            <p:txBody>
+              <a:bodyPr wrap="square" rtlCol="0">
+                <a:spAutoFit/>
+              </a:bodyPr>
+              <a:lstStyle/>
+              <a:p>
+                <a14:m>
+                  <m:oMathPara xmlns:m="http://schemas.openxmlformats.org/officeDocument/2006/math">
+                    <m:oMathParaPr>
+                      <m:jc m:val="centerGroup"/>
+                    </m:oMathParaPr>
+                    <m:oMath xmlns:m="http://schemas.openxmlformats.org/officeDocument/2006/math">
+                      <m:r>
+                        <a:rPr kumimoji="1" lang="en-US" altLang="zh-TW" b="0" i="1" smtClean="0">
+                          <a:latin typeface="Cambria Math" charset="0"/>
+                        </a:rPr>
+                        <m:t>𝑏</m:t>
+                      </m:r>
+                    </m:oMath>
+                  </m:oMathPara>
+                </a14:m>
+                <a:endParaRPr kumimoji="1" lang="zh-TW" altLang="en-US" dirty="0"/>
+              </a:p>
+            </p:txBody>
+          </p:sp>
+        </mc:Choice>
+        <mc:Fallback>
+          <p:sp>
+            <p:nvSpPr>
+              <p:cNvPr id="18" name="文字方塊 17"/>
+              <p:cNvSpPr txBox="1">
+                <a:spLocks noRot="1" noChangeAspect="1" noMove="1" noResize="1" noEditPoints="1" noAdjustHandles="1" noChangeArrowheads="1" noChangeShapeType="1" noTextEdit="1"/>
+              </p:cNvSpPr>
+              <p:nvPr/>
+            </p:nvSpPr>
+            <p:spPr>
+              <a:xfrm>
+                <a:off x="5379022" y="10263960"/>
+                <a:ext cx="2253343" cy="1354217"/>
+              </a:xfrm>
+              <a:prstGeom prst="rect">
+                <a:avLst/>
+              </a:prstGeom>
+              <a:blipFill rotWithShape="0">
+                <a:blip r:embed="rId5"/>
+                <a:stretch>
+                  <a:fillRect/>
+                </a:stretch>
+              </a:blipFill>
+            </p:spPr>
+            <p:txBody>
+              <a:bodyPr/>
+              <a:lstStyle/>
+              <a:p>
+                <a:r>
+                  <a:rPr lang="zh-TW" altLang="en-US">
+                    <a:noFill/>
+                  </a:rPr>
+                  <a:t> </a:t>
+                </a:r>
+              </a:p>
+            </p:txBody>
+          </p:sp>
+        </mc:Fallback>
+      </mc:AlternateContent>
+      <mc:AlternateContent xmlns:mc="http://schemas.openxmlformats.org/markup-compatibility/2006">
+        <mc:Choice xmlns:a14="http://schemas.microsoft.com/office/drawing/2010/main" Requires="a14">
+          <p:sp>
+            <p:nvSpPr>
+              <p:cNvPr id="19" name="文字方塊 18"/>
+              <p:cNvSpPr txBox="1"/>
+              <p:nvPr/>
+            </p:nvSpPr>
+            <p:spPr>
+              <a:xfrm>
+                <a:off x="5078535" y="12497245"/>
+                <a:ext cx="2873829" cy="1354217"/>
+              </a:xfrm>
+              <a:prstGeom prst="rect">
+                <a:avLst/>
+              </a:prstGeom>
+              <a:noFill/>
+            </p:spPr>
+            <p:txBody>
+              <a:bodyPr wrap="square" rtlCol="0">
+                <a:spAutoFit/>
+              </a:bodyPr>
+              <a:lstStyle/>
+              <a:p>
+                <a14:m>
+                  <m:oMathPara xmlns:m="http://schemas.openxmlformats.org/officeDocument/2006/math">
+                    <m:oMathParaPr>
+                      <m:jc m:val="centerGroup"/>
+                    </m:oMathParaPr>
+                    <m:oMath xmlns:m="http://schemas.openxmlformats.org/officeDocument/2006/math">
+                      <m:r>
+                        <a:rPr kumimoji="1" lang="en-US" altLang="zh-TW" b="0" i="1" smtClean="0">
+                          <a:latin typeface="Cambria Math" charset="0"/>
+                        </a:rPr>
+                        <m:t>𝑊</m:t>
+                      </m:r>
+                    </m:oMath>
+                  </m:oMathPara>
+                </a14:m>
+                <a:endParaRPr kumimoji="1" lang="zh-TW" altLang="en-US" dirty="0"/>
+              </a:p>
+            </p:txBody>
+          </p:sp>
+        </mc:Choice>
+        <mc:Fallback>
+          <p:sp>
+            <p:nvSpPr>
+              <p:cNvPr id="19" name="文字方塊 18"/>
+              <p:cNvSpPr txBox="1">
+                <a:spLocks noRot="1" noChangeAspect="1" noMove="1" noResize="1" noEditPoints="1" noAdjustHandles="1" noChangeArrowheads="1" noChangeShapeType="1" noTextEdit="1"/>
+              </p:cNvSpPr>
+              <p:nvPr/>
+            </p:nvSpPr>
+            <p:spPr>
+              <a:xfrm>
+                <a:off x="5078535" y="12497245"/>
+                <a:ext cx="2873829" cy="1354217"/>
+              </a:xfrm>
+              <a:prstGeom prst="rect">
+                <a:avLst/>
+              </a:prstGeom>
+              <a:blipFill rotWithShape="0">
+                <a:blip r:embed="rId6"/>
+                <a:stretch>
+                  <a:fillRect/>
+                </a:stretch>
+              </a:blipFill>
+            </p:spPr>
+            <p:txBody>
+              <a:bodyPr/>
+              <a:lstStyle/>
+              <a:p>
+                <a:r>
+                  <a:rPr lang="zh-TW" altLang="en-US">
+                    <a:noFill/>
+                  </a:rPr>
+                  <a:t> </a:t>
+                </a:r>
+              </a:p>
+            </p:txBody>
+          </p:sp>
+        </mc:Fallback>
+      </mc:AlternateContent>
+      <mc:AlternateContent xmlns:mc="http://schemas.openxmlformats.org/markup-compatibility/2006">
+        <mc:Choice xmlns:a14="http://schemas.microsoft.com/office/drawing/2010/main" Requires="a14">
+          <p:sp>
+            <p:nvSpPr>
+              <p:cNvPr id="20" name="文字方塊 19"/>
+              <p:cNvSpPr txBox="1"/>
+              <p:nvPr/>
+            </p:nvSpPr>
+            <p:spPr>
+              <a:xfrm>
+                <a:off x="4091901" y="11375039"/>
+                <a:ext cx="4735286" cy="1350754"/>
+              </a:xfrm>
+              <a:prstGeom prst="rect">
+                <a:avLst/>
+              </a:prstGeom>
+              <a:noFill/>
+            </p:spPr>
+            <p:txBody>
+              <a:bodyPr wrap="square" rtlCol="0">
+                <a:spAutoFit/>
+              </a:bodyPr>
+              <a:lstStyle/>
+              <a:p>
+                <a14:m>
+                  <m:oMathPara xmlns:m="http://schemas.openxmlformats.org/officeDocument/2006/math">
+                    <m:oMathParaPr>
+                      <m:jc m:val="centerGroup"/>
+                    </m:oMathParaPr>
+                    <m:oMath xmlns:m="http://schemas.openxmlformats.org/officeDocument/2006/math">
+                      <m:acc>
+                        <m:accPr>
+                          <m:chr m:val="̅"/>
+                          <m:ctrlPr>
+                            <a:rPr kumimoji="1" lang="en-US" altLang="zh-TW" sz="8000" b="0" i="1" smtClean="0">
+                              <a:latin typeface="Cambria Math" charset="0"/>
+                            </a:rPr>
+                          </m:ctrlPr>
+                        </m:accPr>
+                        <m:e>
+                          <m:r>
+                            <a:rPr kumimoji="1" lang="en-US" altLang="zh-TW" sz="8000" b="0" i="1" smtClean="0">
+                              <a:latin typeface="Cambria Math" charset="0"/>
+                            </a:rPr>
+                            <m:t>𝑏</m:t>
+                          </m:r>
+                        </m:e>
+                      </m:acc>
+                    </m:oMath>
+                  </m:oMathPara>
+                </a14:m>
+                <a:endParaRPr kumimoji="1" lang="zh-TW" altLang="en-US" sz="8000" dirty="0"/>
+              </a:p>
+            </p:txBody>
+          </p:sp>
+        </mc:Choice>
+        <mc:Fallback>
+          <p:sp>
+            <p:nvSpPr>
+              <p:cNvPr id="20" name="文字方塊 19"/>
+              <p:cNvSpPr txBox="1">
+                <a:spLocks noRot="1" noChangeAspect="1" noMove="1" noResize="1" noEditPoints="1" noAdjustHandles="1" noChangeArrowheads="1" noChangeShapeType="1" noTextEdit="1"/>
+              </p:cNvSpPr>
+              <p:nvPr/>
+            </p:nvSpPr>
+            <p:spPr>
+              <a:xfrm>
+                <a:off x="4091901" y="11375039"/>
+                <a:ext cx="4735286" cy="1350754"/>
+              </a:xfrm>
+              <a:prstGeom prst="rect">
+                <a:avLst/>
+              </a:prstGeom>
+              <a:blipFill rotWithShape="0">
+                <a:blip r:embed="rId7"/>
+                <a:stretch>
+                  <a:fillRect/>
+                </a:stretch>
+              </a:blipFill>
+            </p:spPr>
+            <p:txBody>
+              <a:bodyPr/>
+              <a:lstStyle/>
+              <a:p>
+                <a:r>
+                  <a:rPr lang="zh-TW" altLang="en-US">
+                    <a:noFill/>
+                  </a:rPr>
+                  <a:t> </a:t>
+                </a:r>
+              </a:p>
+            </p:txBody>
+          </p:sp>
+        </mc:Fallback>
+      </mc:AlternateContent>
+      <mc:AlternateContent xmlns:mc="http://schemas.openxmlformats.org/markup-compatibility/2006">
+        <mc:Choice xmlns:a14="http://schemas.microsoft.com/office/drawing/2010/main" Requires="a14">
+          <p:sp>
+            <p:nvSpPr>
+              <p:cNvPr id="21" name="文字方塊 20"/>
+              <p:cNvSpPr txBox="1"/>
+              <p:nvPr/>
+            </p:nvSpPr>
+            <p:spPr>
+              <a:xfrm>
+                <a:off x="564205" y="10876113"/>
+                <a:ext cx="2862603" cy="1377356"/>
+              </a:xfrm>
+              <a:prstGeom prst="rect">
+                <a:avLst/>
+              </a:prstGeom>
+              <a:noFill/>
+            </p:spPr>
+            <p:txBody>
+              <a:bodyPr wrap="square" rtlCol="0">
+                <a:spAutoFit/>
+              </a:bodyPr>
+              <a:lstStyle/>
+              <a:p>
+                <a14:m>
+                  <m:oMathPara xmlns:m="http://schemas.openxmlformats.org/officeDocument/2006/math">
+                    <m:oMathParaPr>
+                      <m:jc m:val="centerGroup"/>
+                    </m:oMathParaPr>
+                    <m:oMath xmlns:m="http://schemas.openxmlformats.org/officeDocument/2006/math">
+                      <m:r>
+                        <a:rPr kumimoji="1" lang="en-US" altLang="zh-TW" b="0" i="1" smtClean="0">
+                          <a:latin typeface="Cambria Math" charset="0"/>
+                        </a:rPr>
+                        <m:t>𝑍</m:t>
+                      </m:r>
+                      <m:r>
+                        <a:rPr kumimoji="1" lang="en-US" altLang="zh-TW" b="0" i="1" smtClean="0">
+                          <a:latin typeface="Cambria Math" charset="0"/>
+                        </a:rPr>
+                        <m:t>′</m:t>
+                      </m:r>
+                    </m:oMath>
+                  </m:oMathPara>
+                </a14:m>
+                <a:endParaRPr kumimoji="1" lang="zh-TW" altLang="en-US" dirty="0"/>
+              </a:p>
+            </p:txBody>
+          </p:sp>
+        </mc:Choice>
+        <mc:Fallback>
+          <p:sp>
+            <p:nvSpPr>
+              <p:cNvPr id="21" name="文字方塊 20"/>
+              <p:cNvSpPr txBox="1">
+                <a:spLocks noRot="1" noChangeAspect="1" noMove="1" noResize="1" noEditPoints="1" noAdjustHandles="1" noChangeArrowheads="1" noChangeShapeType="1" noTextEdit="1"/>
+              </p:cNvSpPr>
+              <p:nvPr/>
+            </p:nvSpPr>
+            <p:spPr>
+              <a:xfrm>
+                <a:off x="564205" y="10876113"/>
+                <a:ext cx="2862603" cy="1377356"/>
+              </a:xfrm>
+              <a:prstGeom prst="rect">
+                <a:avLst/>
+              </a:prstGeom>
+              <a:blipFill rotWithShape="0">
+                <a:blip r:embed="rId8"/>
+                <a:stretch>
+                  <a:fillRect/>
+                </a:stretch>
+              </a:blipFill>
+            </p:spPr>
+            <p:txBody>
+              <a:bodyPr/>
+              <a:lstStyle/>
+              <a:p>
+                <a:r>
+                  <a:rPr lang="zh-TW" altLang="en-US">
+                    <a:noFill/>
+                  </a:rPr>
+                  <a:t> </a:t>
+                </a:r>
+              </a:p>
+            </p:txBody>
+          </p:sp>
+        </mc:Fallback>
+      </mc:AlternateContent>
+      <p:cxnSp>
+        <p:nvCxnSpPr>
+          <p:cNvPr id="22" name="直線箭頭接點 21"/>
+          <p:cNvCxnSpPr/>
+          <p:nvPr/>
+        </p:nvCxnSpPr>
+        <p:spPr>
+          <a:xfrm flipV="1">
+            <a:off x="7089067" y="9071109"/>
+            <a:ext cx="1404257" cy="620485"/>
+          </a:xfrm>
+          <a:prstGeom prst="straightConnector1">
+            <a:avLst/>
+          </a:prstGeom>
+          <a:ln w="101600">
+            <a:tailEnd type="triangle"/>
+          </a:ln>
+        </p:spPr>
+        <p:style>
+          <a:lnRef idx="2">
+            <a:schemeClr val="accent1"/>
+          </a:lnRef>
+          <a:fillRef idx="0">
+            <a:schemeClr val="accent1"/>
+          </a:fillRef>
+          <a:effectRef idx="1">
+            <a:schemeClr val="accent1"/>
+          </a:effectRef>
+          <a:fontRef idx="minor">
+            <a:schemeClr val="tx1"/>
+          </a:fontRef>
+        </p:style>
+      </p:cxnSp>
+      <p:cxnSp>
+        <p:nvCxnSpPr>
+          <p:cNvPr id="23" name="直線箭頭接點 22"/>
+          <p:cNvCxnSpPr/>
+          <p:nvPr/>
+        </p:nvCxnSpPr>
+        <p:spPr>
+          <a:xfrm flipV="1">
+            <a:off x="6961547" y="12519668"/>
+            <a:ext cx="1404257" cy="620485"/>
+          </a:xfrm>
+          <a:prstGeom prst="straightConnector1">
+            <a:avLst/>
+          </a:prstGeom>
+          <a:ln w="101600">
+            <a:tailEnd type="triangle"/>
+          </a:ln>
+        </p:spPr>
+        <p:style>
+          <a:lnRef idx="2">
+            <a:schemeClr val="accent1"/>
+          </a:lnRef>
+          <a:fillRef idx="0">
+            <a:schemeClr val="accent1"/>
+          </a:fillRef>
+          <a:effectRef idx="1">
+            <a:schemeClr val="accent1"/>
+          </a:effectRef>
+          <a:fontRef idx="minor">
+            <a:schemeClr val="tx1"/>
+          </a:fontRef>
+        </p:style>
+      </p:cxnSp>
+      <p:cxnSp>
+        <p:nvCxnSpPr>
+          <p:cNvPr id="24" name="直線箭頭接點 23"/>
+          <p:cNvCxnSpPr/>
+          <p:nvPr/>
+        </p:nvCxnSpPr>
+        <p:spPr>
+          <a:xfrm>
+            <a:off x="7024335" y="9693229"/>
+            <a:ext cx="1404257" cy="619200"/>
+          </a:xfrm>
+          <a:prstGeom prst="straightConnector1">
+            <a:avLst/>
+          </a:prstGeom>
+          <a:ln w="101600">
+            <a:tailEnd type="triangle"/>
+          </a:ln>
+        </p:spPr>
+        <p:style>
+          <a:lnRef idx="2">
+            <a:schemeClr val="accent1"/>
+          </a:lnRef>
+          <a:fillRef idx="0">
+            <a:schemeClr val="accent1"/>
+          </a:fillRef>
+          <a:effectRef idx="1">
+            <a:schemeClr val="accent1"/>
+          </a:effectRef>
+          <a:fontRef idx="minor">
+            <a:schemeClr val="tx1"/>
+          </a:fontRef>
+        </p:style>
+      </p:cxnSp>
+      <p:cxnSp>
+        <p:nvCxnSpPr>
+          <p:cNvPr id="25" name="直線箭頭接點 24"/>
+          <p:cNvCxnSpPr/>
+          <p:nvPr/>
+        </p:nvCxnSpPr>
+        <p:spPr>
+          <a:xfrm>
+            <a:off x="6961547" y="13186207"/>
+            <a:ext cx="1404257" cy="619200"/>
+          </a:xfrm>
+          <a:prstGeom prst="straightConnector1">
+            <a:avLst/>
+          </a:prstGeom>
+          <a:ln w="101600">
+            <a:tailEnd type="triangle"/>
+          </a:ln>
+        </p:spPr>
+        <p:style>
+          <a:lnRef idx="2">
+            <a:schemeClr val="accent1"/>
+          </a:lnRef>
+          <a:fillRef idx="0">
+            <a:schemeClr val="accent1"/>
+          </a:fillRef>
+          <a:effectRef idx="1">
+            <a:schemeClr val="accent1"/>
+          </a:effectRef>
+          <a:fontRef idx="minor">
+            <a:schemeClr val="tx1"/>
+          </a:fontRef>
+        </p:style>
+      </p:cxnSp>
+      <mc:AlternateContent xmlns:mc="http://schemas.openxmlformats.org/markup-compatibility/2006">
+        <mc:Choice xmlns:a14="http://schemas.microsoft.com/office/drawing/2010/main" Requires="a14">
+          <p:sp>
+            <p:nvSpPr>
+              <p:cNvPr id="26" name="文字方塊 25"/>
+              <p:cNvSpPr txBox="1"/>
+              <p:nvPr/>
+            </p:nvSpPr>
+            <p:spPr>
+              <a:xfrm>
+                <a:off x="7765136" y="9501840"/>
+                <a:ext cx="2004460" cy="1354217"/>
+              </a:xfrm>
+              <a:prstGeom prst="rect">
+                <a:avLst/>
+              </a:prstGeom>
+              <a:noFill/>
+            </p:spPr>
+            <p:txBody>
+              <a:bodyPr wrap="square" rtlCol="0">
+                <a:spAutoFit/>
+              </a:bodyPr>
+              <a:lstStyle/>
+              <a:p>
+                <a14:m>
+                  <m:oMathPara xmlns:m="http://schemas.openxmlformats.org/officeDocument/2006/math">
+                    <m:oMathParaPr>
+                      <m:jc m:val="centerGroup"/>
+                    </m:oMathParaPr>
+                    <m:oMath xmlns:m="http://schemas.openxmlformats.org/officeDocument/2006/math">
+                      <m:r>
+                        <a:rPr kumimoji="1" lang="en-US" altLang="zh-TW" b="0" i="1" smtClean="0">
+                          <a:latin typeface="Cambria Math" charset="0"/>
+                        </a:rPr>
+                        <m:t>𝑞</m:t>
+                      </m:r>
+                    </m:oMath>
+                  </m:oMathPara>
+                </a14:m>
+                <a:endParaRPr kumimoji="1" lang="zh-TW" altLang="en-US" dirty="0"/>
+              </a:p>
+            </p:txBody>
+          </p:sp>
+        </mc:Choice>
+        <mc:Fallback>
+          <p:sp>
+            <p:nvSpPr>
+              <p:cNvPr id="26" name="文字方塊 25"/>
+              <p:cNvSpPr txBox="1">
+                <a:spLocks noRot="1" noChangeAspect="1" noMove="1" noResize="1" noEditPoints="1" noAdjustHandles="1" noChangeArrowheads="1" noChangeShapeType="1" noTextEdit="1"/>
+              </p:cNvSpPr>
+              <p:nvPr/>
+            </p:nvSpPr>
+            <p:spPr>
+              <a:xfrm>
+                <a:off x="7765136" y="9501840"/>
+                <a:ext cx="2004460" cy="1354217"/>
+              </a:xfrm>
+              <a:prstGeom prst="rect">
+                <a:avLst/>
+              </a:prstGeom>
+              <a:blipFill rotWithShape="0">
+                <a:blip r:embed="rId9"/>
+                <a:stretch>
+                  <a:fillRect/>
+                </a:stretch>
+              </a:blipFill>
+            </p:spPr>
+            <p:txBody>
+              <a:bodyPr/>
+              <a:lstStyle/>
+              <a:p>
+                <a:r>
+                  <a:rPr lang="zh-TW" altLang="en-US">
+                    <a:noFill/>
+                  </a:rPr>
+                  <a:t> </a:t>
+                </a:r>
+              </a:p>
+            </p:txBody>
+          </p:sp>
+        </mc:Fallback>
+      </mc:AlternateContent>
+      <mc:AlternateContent xmlns:mc="http://schemas.openxmlformats.org/markup-compatibility/2006">
+        <mc:Choice xmlns:a14="http://schemas.microsoft.com/office/drawing/2010/main" Requires="a14">
+          <p:sp>
+            <p:nvSpPr>
+              <p:cNvPr id="27" name="文字方塊 26"/>
+              <p:cNvSpPr txBox="1"/>
+              <p:nvPr/>
+            </p:nvSpPr>
+            <p:spPr>
+              <a:xfrm>
+                <a:off x="8257985" y="8222333"/>
+                <a:ext cx="1337354" cy="1354217"/>
+              </a:xfrm>
+              <a:prstGeom prst="rect">
+                <a:avLst/>
+              </a:prstGeom>
+              <a:noFill/>
+            </p:spPr>
+            <p:txBody>
+              <a:bodyPr wrap="none" rtlCol="0">
+                <a:spAutoFit/>
+              </a:bodyPr>
+              <a:lstStyle/>
+              <a:p>
+                <a14:m>
+                  <m:oMathPara xmlns:m="http://schemas.openxmlformats.org/officeDocument/2006/math">
+                    <m:oMathParaPr>
+                      <m:jc m:val="centerGroup"/>
+                    </m:oMathParaPr>
+                    <m:oMath xmlns:m="http://schemas.openxmlformats.org/officeDocument/2006/math">
+                      <m:sSup>
+                        <m:sSupPr>
+                          <m:ctrlPr>
+                            <a:rPr kumimoji="1" lang="en-US" altLang="zh-TW" i="1" smtClean="0">
+                              <a:latin typeface="Cambria Math" charset="0"/>
+                            </a:rPr>
+                          </m:ctrlPr>
+                        </m:sSupPr>
+                        <m:e>
+                          <m:r>
+                            <a:rPr kumimoji="1" lang="en-US" altLang="zh-TW" b="0" i="1" smtClean="0">
+                              <a:latin typeface="Cambria Math" charset="0"/>
+                            </a:rPr>
+                            <m:t>𝑞</m:t>
+                          </m:r>
+                        </m:e>
+                        <m:sup>
+                          <m:r>
+                            <a:rPr kumimoji="1" lang="en-US" altLang="zh-TW" b="0" i="1" smtClean="0">
+                              <a:latin typeface="Cambria Math" charset="0"/>
+                            </a:rPr>
+                            <m:t>′</m:t>
+                          </m:r>
+                        </m:sup>
+                      </m:sSup>
+                    </m:oMath>
+                  </m:oMathPara>
+                </a14:m>
+                <a:endParaRPr kumimoji="1" lang="zh-TW" altLang="en-US" dirty="0"/>
+              </a:p>
+            </p:txBody>
+          </p:sp>
+        </mc:Choice>
+        <mc:Fallback>
+          <p:sp>
+            <p:nvSpPr>
+              <p:cNvPr id="27" name="文字方塊 26"/>
+              <p:cNvSpPr txBox="1">
+                <a:spLocks noRot="1" noChangeAspect="1" noMove="1" noResize="1" noEditPoints="1" noAdjustHandles="1" noChangeArrowheads="1" noChangeShapeType="1" noTextEdit="1"/>
+              </p:cNvSpPr>
+              <p:nvPr/>
+            </p:nvSpPr>
+            <p:spPr>
+              <a:xfrm>
+                <a:off x="8257985" y="8222333"/>
+                <a:ext cx="1337354" cy="1354217"/>
+              </a:xfrm>
+              <a:prstGeom prst="rect">
+                <a:avLst/>
+              </a:prstGeom>
+              <a:blipFill rotWithShape="0">
+                <a:blip r:embed="rId10"/>
+                <a:stretch>
+                  <a:fillRect/>
+                </a:stretch>
+              </a:blipFill>
+            </p:spPr>
+            <p:txBody>
+              <a:bodyPr/>
+              <a:lstStyle/>
+              <a:p>
+                <a:r>
+                  <a:rPr lang="zh-TW" altLang="en-US">
+                    <a:noFill/>
+                  </a:rPr>
+                  <a:t> </a:t>
+                </a:r>
+              </a:p>
+            </p:txBody>
+          </p:sp>
+        </mc:Fallback>
+      </mc:AlternateContent>
+      <mc:AlternateContent xmlns:mc="http://schemas.openxmlformats.org/markup-compatibility/2006">
+        <mc:Choice xmlns:a14="http://schemas.microsoft.com/office/drawing/2010/main" Requires="a14">
+          <p:sp>
+            <p:nvSpPr>
+              <p:cNvPr id="29" name="文字方塊 28"/>
+              <p:cNvSpPr txBox="1"/>
+              <p:nvPr/>
+            </p:nvSpPr>
+            <p:spPr>
+              <a:xfrm>
+                <a:off x="7367890" y="11678639"/>
+                <a:ext cx="2703444" cy="1354217"/>
+              </a:xfrm>
+              <a:prstGeom prst="rect">
+                <a:avLst/>
+              </a:prstGeom>
+              <a:noFill/>
+            </p:spPr>
+            <p:txBody>
+              <a:bodyPr wrap="square" rtlCol="0">
+                <a:spAutoFit/>
+              </a:bodyPr>
+              <a:lstStyle/>
+              <a:p>
+                <a14:m>
+                  <m:oMathPara xmlns:m="http://schemas.openxmlformats.org/officeDocument/2006/math">
+                    <m:oMathParaPr>
+                      <m:jc m:val="centerGroup"/>
+                    </m:oMathParaPr>
+                    <m:oMath xmlns:m="http://schemas.openxmlformats.org/officeDocument/2006/math">
+                      <m:r>
+                        <a:rPr kumimoji="1" lang="en-US" altLang="zh-TW" b="0" i="1" smtClean="0">
+                          <a:latin typeface="Cambria Math" charset="0"/>
+                        </a:rPr>
+                        <m:t>𝑞</m:t>
+                      </m:r>
+                    </m:oMath>
+                  </m:oMathPara>
+                </a14:m>
+                <a:endParaRPr kumimoji="1" lang="zh-TW" altLang="en-US" dirty="0"/>
+              </a:p>
+            </p:txBody>
+          </p:sp>
+        </mc:Choice>
+        <mc:Fallback>
+          <p:sp>
+            <p:nvSpPr>
+              <p:cNvPr id="29" name="文字方塊 28"/>
+              <p:cNvSpPr txBox="1">
+                <a:spLocks noRot="1" noChangeAspect="1" noMove="1" noResize="1" noEditPoints="1" noAdjustHandles="1" noChangeArrowheads="1" noChangeShapeType="1" noTextEdit="1"/>
+              </p:cNvSpPr>
+              <p:nvPr/>
+            </p:nvSpPr>
+            <p:spPr>
+              <a:xfrm>
+                <a:off x="7367890" y="11678639"/>
+                <a:ext cx="2703444" cy="1354217"/>
+              </a:xfrm>
+              <a:prstGeom prst="rect">
+                <a:avLst/>
+              </a:prstGeom>
+              <a:blipFill rotWithShape="0">
+                <a:blip r:embed="rId11"/>
+                <a:stretch>
+                  <a:fillRect/>
+                </a:stretch>
+              </a:blipFill>
+            </p:spPr>
+            <p:txBody>
+              <a:bodyPr/>
+              <a:lstStyle/>
+              <a:p>
+                <a:r>
+                  <a:rPr lang="zh-TW" altLang="en-US">
+                    <a:noFill/>
+                  </a:rPr>
+                  <a:t> </a:t>
+                </a:r>
+              </a:p>
+            </p:txBody>
+          </p:sp>
+        </mc:Fallback>
+      </mc:AlternateContent>
+      <mc:AlternateContent xmlns:mc="http://schemas.openxmlformats.org/markup-compatibility/2006">
+        <mc:Choice xmlns:a14="http://schemas.microsoft.com/office/drawing/2010/main" Requires="a14">
+          <p:sp>
+            <p:nvSpPr>
+              <p:cNvPr id="30" name="文字方塊 29"/>
+              <p:cNvSpPr txBox="1"/>
+              <p:nvPr/>
+            </p:nvSpPr>
+            <p:spPr>
+              <a:xfrm>
+                <a:off x="7705964" y="13029393"/>
+                <a:ext cx="2305878" cy="1354217"/>
+              </a:xfrm>
+              <a:prstGeom prst="rect">
+                <a:avLst/>
+              </a:prstGeom>
+              <a:noFill/>
+            </p:spPr>
+            <p:txBody>
+              <a:bodyPr wrap="square" rtlCol="0">
+                <a:spAutoFit/>
+              </a:bodyPr>
+              <a:lstStyle/>
+              <a:p>
+                <a14:m>
+                  <m:oMathPara xmlns:m="http://schemas.openxmlformats.org/officeDocument/2006/math">
+                    <m:oMathParaPr>
+                      <m:jc m:val="centerGroup"/>
+                    </m:oMathParaPr>
+                    <m:oMath xmlns:m="http://schemas.openxmlformats.org/officeDocument/2006/math">
+                      <m:sSup>
+                        <m:sSupPr>
+                          <m:ctrlPr>
+                            <a:rPr kumimoji="1" lang="en-US" altLang="zh-TW" i="1" smtClean="0">
+                              <a:latin typeface="Cambria Math" charset="0"/>
+                            </a:rPr>
+                          </m:ctrlPr>
+                        </m:sSupPr>
+                        <m:e>
+                          <m:r>
+                            <a:rPr kumimoji="1" lang="en-US" altLang="zh-TW" b="0" i="1" smtClean="0">
+                              <a:latin typeface="Cambria Math" charset="0"/>
+                            </a:rPr>
+                            <m:t>𝑞</m:t>
+                          </m:r>
+                        </m:e>
+                        <m:sup>
+                          <m:r>
+                            <a:rPr kumimoji="1" lang="en-US" altLang="zh-TW" b="0" i="1" smtClean="0">
+                              <a:latin typeface="Cambria Math" charset="0"/>
+                            </a:rPr>
+                            <m:t>′</m:t>
+                          </m:r>
+                        </m:sup>
+                      </m:sSup>
+                    </m:oMath>
+                  </m:oMathPara>
+                </a14:m>
+                <a:endParaRPr kumimoji="1" lang="zh-TW" altLang="en-US" dirty="0"/>
+              </a:p>
+            </p:txBody>
+          </p:sp>
+        </mc:Choice>
+        <mc:Fallback>
+          <p:sp>
+            <p:nvSpPr>
+              <p:cNvPr id="30" name="文字方塊 29"/>
+              <p:cNvSpPr txBox="1">
+                <a:spLocks noRot="1" noChangeAspect="1" noMove="1" noResize="1" noEditPoints="1" noAdjustHandles="1" noChangeArrowheads="1" noChangeShapeType="1" noTextEdit="1"/>
+              </p:cNvSpPr>
+              <p:nvPr/>
+            </p:nvSpPr>
+            <p:spPr>
+              <a:xfrm>
+                <a:off x="7705964" y="13029393"/>
+                <a:ext cx="2305878" cy="1354217"/>
+              </a:xfrm>
+              <a:prstGeom prst="rect">
+                <a:avLst/>
+              </a:prstGeom>
+              <a:blipFill rotWithShape="0">
+                <a:blip r:embed="rId12"/>
+                <a:stretch>
+                  <a:fillRect/>
+                </a:stretch>
+              </a:blipFill>
+            </p:spPr>
+            <p:txBody>
+              <a:bodyPr/>
+              <a:lstStyle/>
+              <a:p>
+                <a:r>
+                  <a:rPr lang="zh-TW" altLang="en-US">
+                    <a:noFill/>
+                  </a:rPr>
+                  <a:t> </a:t>
+                </a:r>
+              </a:p>
+            </p:txBody>
+          </p:sp>
+        </mc:Fallback>
+      </mc:AlternateContent>
+      <p:sp>
+        <p:nvSpPr>
+          <p:cNvPr id="31" name="橢圓 30"/>
+          <p:cNvSpPr/>
+          <p:nvPr/>
+        </p:nvSpPr>
+        <p:spPr>
+          <a:xfrm>
+            <a:off x="1726947" y="29476700"/>
+            <a:ext cx="1447800" cy="1498600"/>
+          </a:xfrm>
+          <a:prstGeom prst="ellipse">
+            <a:avLst/>
+          </a:prstGeom>
+          <a:noFill/>
+        </p:spPr>
+        <p:style>
+          <a:lnRef idx="1">
+            <a:schemeClr val="accent1"/>
+          </a:lnRef>
+          <a:fillRef idx="3">
+            <a:schemeClr val="accent1"/>
+          </a:fillRef>
+          <a:effectRef idx="2">
+            <a:schemeClr val="accent1"/>
+          </a:effectRef>
+          <a:fontRef idx="minor">
+            <a:schemeClr val="lt1"/>
+          </a:fontRef>
+        </p:style>
+        <p:txBody>
+          <a:bodyPr rtlCol="0" anchor="ctr"/>
+          <a:lstStyle/>
+          <a:p>
+            <a:pPr algn="ctr"/>
+            <a:endParaRPr kumimoji="1" lang="zh-TW" altLang="en-US"/>
+          </a:p>
+        </p:txBody>
+      </p:sp>
+      <p:sp>
+        <p:nvSpPr>
+          <p:cNvPr id="32" name="橢圓 31"/>
+          <p:cNvSpPr/>
+          <p:nvPr/>
+        </p:nvSpPr>
+        <p:spPr>
+          <a:xfrm flipH="1" flipV="1">
+            <a:off x="2057396" y="29667200"/>
+            <a:ext cx="45719" cy="76200"/>
+          </a:xfrm>
+          <a:prstGeom prst="ellipse">
+            <a:avLst/>
+          </a:prstGeom>
+        </p:spPr>
+        <p:style>
+          <a:lnRef idx="1">
+            <a:schemeClr val="accent6"/>
+          </a:lnRef>
+          <a:fillRef idx="2">
+            <a:schemeClr val="accent6"/>
+          </a:fillRef>
+          <a:effectRef idx="1">
+            <a:schemeClr val="accent6"/>
+          </a:effectRef>
+          <a:fontRef idx="minor">
+            <a:schemeClr val="dk1"/>
+          </a:fontRef>
+        </p:style>
+        <p:txBody>
+          <a:bodyPr rtlCol="0" anchor="ctr"/>
+          <a:lstStyle/>
+          <a:p>
+            <a:pPr algn="ctr"/>
+            <a:endParaRPr kumimoji="1" lang="zh-TW" altLang="en-US"/>
+          </a:p>
+        </p:txBody>
+      </p:sp>
+      <p:sp>
+        <p:nvSpPr>
+          <p:cNvPr id="33" name="橢圓 32"/>
+          <p:cNvSpPr/>
+          <p:nvPr/>
+        </p:nvSpPr>
+        <p:spPr>
+          <a:xfrm>
+            <a:off x="2373298" y="29724350"/>
+            <a:ext cx="45719" cy="101600"/>
+          </a:xfrm>
+          <a:prstGeom prst="ellipse">
+            <a:avLst/>
+          </a:prstGeom>
+        </p:spPr>
+        <p:style>
+          <a:lnRef idx="1">
+            <a:schemeClr val="accent6"/>
+          </a:lnRef>
+          <a:fillRef idx="2">
+            <a:schemeClr val="accent6"/>
+          </a:fillRef>
+          <a:effectRef idx="1">
+            <a:schemeClr val="accent6"/>
+          </a:effectRef>
+          <a:fontRef idx="minor">
+            <a:schemeClr val="dk1"/>
+          </a:fontRef>
+        </p:style>
+        <p:txBody>
+          <a:bodyPr rtlCol="0" anchor="ctr"/>
+          <a:lstStyle/>
+          <a:p>
+            <a:pPr algn="ctr"/>
+            <a:endParaRPr kumimoji="1" lang="zh-TW" altLang="en-US"/>
+          </a:p>
+        </p:txBody>
+      </p:sp>
+      <p:sp>
+        <p:nvSpPr>
+          <p:cNvPr id="34" name="橢圓 33"/>
+          <p:cNvSpPr/>
+          <p:nvPr/>
+        </p:nvSpPr>
+        <p:spPr>
+          <a:xfrm>
+            <a:off x="2098659" y="30035500"/>
+            <a:ext cx="45719" cy="101600"/>
+          </a:xfrm>
+          <a:prstGeom prst="ellipse">
+            <a:avLst/>
+          </a:prstGeom>
+        </p:spPr>
+        <p:style>
+          <a:lnRef idx="1">
+            <a:schemeClr val="accent6"/>
+          </a:lnRef>
+          <a:fillRef idx="2">
+            <a:schemeClr val="accent6"/>
+          </a:fillRef>
+          <a:effectRef idx="1">
+            <a:schemeClr val="accent6"/>
+          </a:effectRef>
+          <a:fontRef idx="minor">
+            <a:schemeClr val="dk1"/>
+          </a:fontRef>
+        </p:style>
+        <p:txBody>
+          <a:bodyPr rtlCol="0" anchor="ctr"/>
+          <a:lstStyle/>
+          <a:p>
+            <a:pPr algn="ctr"/>
+            <a:endParaRPr kumimoji="1" lang="zh-TW" altLang="en-US"/>
+          </a:p>
+        </p:txBody>
+      </p:sp>
+      <p:sp>
+        <p:nvSpPr>
+          <p:cNvPr id="35" name="橢圓 34"/>
+          <p:cNvSpPr/>
+          <p:nvPr/>
+        </p:nvSpPr>
+        <p:spPr>
+          <a:xfrm>
+            <a:off x="2885791" y="30470732"/>
+            <a:ext cx="120774" cy="142618"/>
+          </a:xfrm>
+          <a:prstGeom prst="ellipse">
+            <a:avLst/>
+          </a:prstGeom>
+        </p:spPr>
+        <p:style>
+          <a:lnRef idx="1">
+            <a:schemeClr val="accent6"/>
+          </a:lnRef>
+          <a:fillRef idx="2">
+            <a:schemeClr val="accent6"/>
+          </a:fillRef>
+          <a:effectRef idx="1">
+            <a:schemeClr val="accent6"/>
+          </a:effectRef>
+          <a:fontRef idx="minor">
+            <a:schemeClr val="dk1"/>
+          </a:fontRef>
+        </p:style>
+        <p:txBody>
+          <a:bodyPr rtlCol="0" anchor="ctr"/>
+          <a:lstStyle/>
+          <a:p>
+            <a:pPr algn="ctr"/>
+            <a:endParaRPr kumimoji="1" lang="zh-TW" altLang="en-US"/>
+          </a:p>
+        </p:txBody>
+      </p:sp>
+      <p:sp>
+        <p:nvSpPr>
+          <p:cNvPr id="36" name="橢圓 35"/>
+          <p:cNvSpPr/>
+          <p:nvPr/>
+        </p:nvSpPr>
+        <p:spPr>
+          <a:xfrm flipH="1" flipV="1">
+            <a:off x="5379020" y="29413200"/>
+            <a:ext cx="45719" cy="203200"/>
+          </a:xfrm>
+          <a:prstGeom prst="ellipse">
+            <a:avLst/>
+          </a:prstGeom>
+        </p:spPr>
+        <p:style>
+          <a:lnRef idx="1">
+            <a:schemeClr val="accent6"/>
+          </a:lnRef>
+          <a:fillRef idx="2">
+            <a:schemeClr val="accent6"/>
+          </a:fillRef>
+          <a:effectRef idx="1">
+            <a:schemeClr val="accent6"/>
+          </a:effectRef>
+          <a:fontRef idx="minor">
+            <a:schemeClr val="dk1"/>
+          </a:fontRef>
+        </p:style>
+        <p:txBody>
+          <a:bodyPr rtlCol="0" anchor="ctr"/>
+          <a:lstStyle/>
+          <a:p>
+            <a:pPr algn="ctr"/>
+            <a:endParaRPr kumimoji="1" lang="zh-TW" altLang="en-US"/>
+          </a:p>
+        </p:txBody>
+      </p:sp>
+      <p:sp>
+        <p:nvSpPr>
+          <p:cNvPr id="37" name="橢圓 36"/>
+          <p:cNvSpPr/>
+          <p:nvPr/>
+        </p:nvSpPr>
+        <p:spPr>
+          <a:xfrm>
+            <a:off x="2499359" y="30514925"/>
+            <a:ext cx="150679" cy="196850"/>
+          </a:xfrm>
+          <a:prstGeom prst="ellipse">
+            <a:avLst/>
+          </a:prstGeom>
+        </p:spPr>
+        <p:style>
+          <a:lnRef idx="1">
+            <a:schemeClr val="accent6"/>
+          </a:lnRef>
+          <a:fillRef idx="2">
+            <a:schemeClr val="accent6"/>
+          </a:fillRef>
+          <a:effectRef idx="1">
+            <a:schemeClr val="accent6"/>
+          </a:effectRef>
+          <a:fontRef idx="minor">
+            <a:schemeClr val="dk1"/>
+          </a:fontRef>
+        </p:style>
+        <p:txBody>
+          <a:bodyPr rtlCol="0" anchor="ctr"/>
+          <a:lstStyle/>
+          <a:p>
+            <a:pPr algn="ctr"/>
+            <a:endParaRPr kumimoji="1" lang="zh-TW" altLang="en-US"/>
+          </a:p>
+        </p:txBody>
+      </p:sp>
+      <p:sp>
+        <p:nvSpPr>
+          <p:cNvPr id="38" name="橢圓 37"/>
+          <p:cNvSpPr/>
+          <p:nvPr/>
+        </p:nvSpPr>
+        <p:spPr>
+          <a:xfrm>
+            <a:off x="6061185" y="30810200"/>
+            <a:ext cx="45719" cy="101600"/>
+          </a:xfrm>
+          <a:prstGeom prst="ellipse">
+            <a:avLst/>
+          </a:prstGeom>
+        </p:spPr>
+        <p:style>
+          <a:lnRef idx="1">
+            <a:schemeClr val="accent6"/>
+          </a:lnRef>
+          <a:fillRef idx="2">
+            <a:schemeClr val="accent6"/>
+          </a:fillRef>
+          <a:effectRef idx="1">
+            <a:schemeClr val="accent6"/>
+          </a:effectRef>
+          <a:fontRef idx="minor">
+            <a:schemeClr val="dk1"/>
+          </a:fontRef>
+        </p:style>
+        <p:txBody>
+          <a:bodyPr rtlCol="0" anchor="ctr"/>
+          <a:lstStyle/>
+          <a:p>
+            <a:pPr algn="ctr"/>
+            <a:endParaRPr kumimoji="1" lang="zh-TW" altLang="en-US"/>
+          </a:p>
+        </p:txBody>
+      </p:sp>
+      <p:sp>
+        <p:nvSpPr>
+          <p:cNvPr id="39" name="橢圓 38"/>
+          <p:cNvSpPr/>
+          <p:nvPr/>
+        </p:nvSpPr>
+        <p:spPr>
+          <a:xfrm>
+            <a:off x="2835687" y="30035500"/>
+            <a:ext cx="109816" cy="139700"/>
+          </a:xfrm>
+          <a:prstGeom prst="ellipse">
+            <a:avLst/>
+          </a:prstGeom>
+        </p:spPr>
+        <p:style>
+          <a:lnRef idx="1">
+            <a:schemeClr val="accent6"/>
+          </a:lnRef>
+          <a:fillRef idx="2">
+            <a:schemeClr val="accent6"/>
+          </a:fillRef>
+          <a:effectRef idx="1">
+            <a:schemeClr val="accent6"/>
+          </a:effectRef>
+          <a:fontRef idx="minor">
+            <a:schemeClr val="dk1"/>
+          </a:fontRef>
+        </p:style>
+        <p:txBody>
+          <a:bodyPr rtlCol="0" anchor="ctr"/>
+          <a:lstStyle/>
+          <a:p>
+            <a:pPr algn="ctr"/>
+            <a:endParaRPr kumimoji="1" lang="zh-TW" altLang="en-US"/>
+          </a:p>
+        </p:txBody>
+      </p:sp>
+      <p:sp>
+        <p:nvSpPr>
+          <p:cNvPr id="40" name="橢圓 39"/>
+          <p:cNvSpPr/>
+          <p:nvPr/>
+        </p:nvSpPr>
+        <p:spPr>
+          <a:xfrm>
+            <a:off x="7409941" y="29921200"/>
+            <a:ext cx="45719" cy="101600"/>
+          </a:xfrm>
+          <a:prstGeom prst="ellipse">
+            <a:avLst/>
+          </a:prstGeom>
+        </p:spPr>
+        <p:style>
+          <a:lnRef idx="1">
+            <a:schemeClr val="accent6"/>
+          </a:lnRef>
+          <a:fillRef idx="2">
+            <a:schemeClr val="accent6"/>
+          </a:fillRef>
+          <a:effectRef idx="1">
+            <a:schemeClr val="accent6"/>
+          </a:effectRef>
+          <a:fontRef idx="minor">
+            <a:schemeClr val="dk1"/>
+          </a:fontRef>
+        </p:style>
+        <p:txBody>
+          <a:bodyPr rtlCol="0" anchor="ctr"/>
+          <a:lstStyle/>
+          <a:p>
+            <a:pPr algn="ctr"/>
+            <a:endParaRPr kumimoji="1" lang="zh-TW" altLang="en-US"/>
+          </a:p>
+        </p:txBody>
+      </p:sp>
+      <p:sp>
+        <p:nvSpPr>
+          <p:cNvPr id="41" name="橢圓 40"/>
+          <p:cNvSpPr/>
+          <p:nvPr/>
+        </p:nvSpPr>
+        <p:spPr>
+          <a:xfrm>
+            <a:off x="7562341" y="30073600"/>
+            <a:ext cx="45719" cy="101600"/>
+          </a:xfrm>
+          <a:prstGeom prst="ellipse">
+            <a:avLst/>
+          </a:prstGeom>
+        </p:spPr>
+        <p:style>
+          <a:lnRef idx="1">
+            <a:schemeClr val="accent6"/>
+          </a:lnRef>
+          <a:fillRef idx="2">
+            <a:schemeClr val="accent6"/>
+          </a:fillRef>
+          <a:effectRef idx="1">
+            <a:schemeClr val="accent6"/>
+          </a:effectRef>
+          <a:fontRef idx="minor">
+            <a:schemeClr val="dk1"/>
+          </a:fontRef>
+        </p:style>
+        <p:txBody>
+          <a:bodyPr rtlCol="0" anchor="ctr"/>
+          <a:lstStyle/>
+          <a:p>
+            <a:pPr algn="ctr"/>
+            <a:endParaRPr kumimoji="1" lang="zh-TW" altLang="en-US"/>
+          </a:p>
+        </p:txBody>
+      </p:sp>
+      <p:sp>
+        <p:nvSpPr>
+          <p:cNvPr id="42" name="橢圓 41"/>
+          <p:cNvSpPr/>
+          <p:nvPr/>
+        </p:nvSpPr>
+        <p:spPr>
+          <a:xfrm>
+            <a:off x="7714741" y="30226000"/>
+            <a:ext cx="45719" cy="101600"/>
+          </a:xfrm>
+          <a:prstGeom prst="ellipse">
+            <a:avLst/>
+          </a:prstGeom>
+        </p:spPr>
+        <p:style>
+          <a:lnRef idx="1">
+            <a:schemeClr val="accent6"/>
+          </a:lnRef>
+          <a:fillRef idx="2">
+            <a:schemeClr val="accent6"/>
+          </a:fillRef>
+          <a:effectRef idx="1">
+            <a:schemeClr val="accent6"/>
+          </a:effectRef>
+          <a:fontRef idx="minor">
+            <a:schemeClr val="dk1"/>
+          </a:fontRef>
+        </p:style>
+        <p:txBody>
+          <a:bodyPr rtlCol="0" anchor="ctr"/>
+          <a:lstStyle/>
+          <a:p>
+            <a:pPr algn="ctr"/>
+            <a:endParaRPr kumimoji="1" lang="zh-TW" altLang="en-US"/>
+          </a:p>
+        </p:txBody>
+      </p:sp>
+      <p:sp>
+        <p:nvSpPr>
+          <p:cNvPr id="43" name="橢圓 42"/>
+          <p:cNvSpPr/>
+          <p:nvPr/>
+        </p:nvSpPr>
+        <p:spPr>
+          <a:xfrm>
+            <a:off x="7867141" y="30378400"/>
+            <a:ext cx="45719" cy="101600"/>
+          </a:xfrm>
+          <a:prstGeom prst="ellipse">
+            <a:avLst/>
+          </a:prstGeom>
+        </p:spPr>
+        <p:style>
+          <a:lnRef idx="1">
+            <a:schemeClr val="accent6"/>
+          </a:lnRef>
+          <a:fillRef idx="2">
+            <a:schemeClr val="accent6"/>
+          </a:fillRef>
+          <a:effectRef idx="1">
+            <a:schemeClr val="accent6"/>
+          </a:effectRef>
+          <a:fontRef idx="minor">
+            <a:schemeClr val="dk1"/>
+          </a:fontRef>
+        </p:style>
+        <p:txBody>
+          <a:bodyPr rtlCol="0" anchor="ctr"/>
+          <a:lstStyle/>
+          <a:p>
+            <a:pPr algn="ctr"/>
+            <a:endParaRPr kumimoji="1" lang="zh-TW" altLang="en-US"/>
+          </a:p>
+        </p:txBody>
+      </p:sp>
+      <p:sp>
+        <p:nvSpPr>
+          <p:cNvPr id="44" name="橢圓 43"/>
+          <p:cNvSpPr/>
+          <p:nvPr/>
+        </p:nvSpPr>
+        <p:spPr>
+          <a:xfrm>
+            <a:off x="2825827" y="31546800"/>
+            <a:ext cx="1447800" cy="1498600"/>
+          </a:xfrm>
+          <a:prstGeom prst="ellipse">
+            <a:avLst/>
+          </a:prstGeom>
+          <a:noFill/>
+        </p:spPr>
+        <p:style>
+          <a:lnRef idx="1">
+            <a:schemeClr val="accent1"/>
+          </a:lnRef>
+          <a:fillRef idx="3">
+            <a:schemeClr val="accent1"/>
+          </a:fillRef>
+          <a:effectRef idx="2">
+            <a:schemeClr val="accent1"/>
+          </a:effectRef>
+          <a:fontRef idx="minor">
+            <a:schemeClr val="lt1"/>
+          </a:fontRef>
+        </p:style>
+        <p:txBody>
+          <a:bodyPr rtlCol="0" anchor="ctr"/>
+          <a:lstStyle/>
+          <a:p>
+            <a:pPr algn="ctr"/>
+            <a:endParaRPr kumimoji="1" lang="zh-TW" altLang="en-US"/>
+          </a:p>
+        </p:txBody>
+      </p:sp>
+      <p:sp>
+        <p:nvSpPr>
+          <p:cNvPr id="45" name="橢圓 44"/>
+          <p:cNvSpPr/>
+          <p:nvPr/>
+        </p:nvSpPr>
+        <p:spPr>
+          <a:xfrm flipH="1" flipV="1">
+            <a:off x="3130623" y="31800800"/>
+            <a:ext cx="45719" cy="76200"/>
+          </a:xfrm>
+          <a:prstGeom prst="ellipse">
+            <a:avLst/>
+          </a:prstGeom>
+        </p:spPr>
+        <p:style>
+          <a:lnRef idx="1">
+            <a:schemeClr val="accent6"/>
+          </a:lnRef>
+          <a:fillRef idx="2">
+            <a:schemeClr val="accent6"/>
+          </a:fillRef>
+          <a:effectRef idx="1">
+            <a:schemeClr val="accent6"/>
+          </a:effectRef>
+          <a:fontRef idx="minor">
+            <a:schemeClr val="dk1"/>
+          </a:fontRef>
+        </p:style>
+        <p:txBody>
+          <a:bodyPr rtlCol="0" anchor="ctr"/>
+          <a:lstStyle/>
+          <a:p>
+            <a:pPr algn="ctr"/>
+            <a:endParaRPr kumimoji="1" lang="zh-TW" altLang="en-US"/>
+          </a:p>
+        </p:txBody>
+      </p:sp>
+      <p:sp>
+        <p:nvSpPr>
+          <p:cNvPr id="46" name="橢圓 45"/>
+          <p:cNvSpPr/>
+          <p:nvPr/>
+        </p:nvSpPr>
+        <p:spPr>
+          <a:xfrm>
+            <a:off x="3549727" y="31902400"/>
+            <a:ext cx="45719" cy="101600"/>
+          </a:xfrm>
+          <a:prstGeom prst="ellipse">
+            <a:avLst/>
+          </a:prstGeom>
+        </p:spPr>
+        <p:style>
+          <a:lnRef idx="1">
+            <a:schemeClr val="accent6"/>
+          </a:lnRef>
+          <a:fillRef idx="2">
+            <a:schemeClr val="accent6"/>
+          </a:fillRef>
+          <a:effectRef idx="1">
+            <a:schemeClr val="accent6"/>
+          </a:effectRef>
+          <a:fontRef idx="minor">
+            <a:schemeClr val="dk1"/>
+          </a:fontRef>
+        </p:style>
+        <p:txBody>
+          <a:bodyPr rtlCol="0" anchor="ctr"/>
+          <a:lstStyle/>
+          <a:p>
+            <a:pPr algn="ctr"/>
+            <a:endParaRPr kumimoji="1" lang="zh-TW" altLang="en-US"/>
+          </a:p>
+        </p:txBody>
+      </p:sp>
+      <p:sp>
+        <p:nvSpPr>
+          <p:cNvPr id="47" name="橢圓 46"/>
+          <p:cNvSpPr/>
+          <p:nvPr/>
+        </p:nvSpPr>
+        <p:spPr>
+          <a:xfrm>
+            <a:off x="3091903" y="32194500"/>
+            <a:ext cx="45719" cy="101600"/>
+          </a:xfrm>
+          <a:prstGeom prst="ellipse">
+            <a:avLst/>
+          </a:prstGeom>
+        </p:spPr>
+        <p:style>
+          <a:lnRef idx="1">
+            <a:schemeClr val="accent6"/>
+          </a:lnRef>
+          <a:fillRef idx="2">
+            <a:schemeClr val="accent6"/>
+          </a:fillRef>
+          <a:effectRef idx="1">
+            <a:schemeClr val="accent6"/>
+          </a:effectRef>
+          <a:fontRef idx="minor">
+            <a:schemeClr val="dk1"/>
+          </a:fontRef>
+        </p:style>
+        <p:txBody>
+          <a:bodyPr rtlCol="0" anchor="ctr"/>
+          <a:lstStyle/>
+          <a:p>
+            <a:pPr algn="ctr"/>
+            <a:endParaRPr kumimoji="1" lang="zh-TW" altLang="en-US"/>
+          </a:p>
+        </p:txBody>
+      </p:sp>
+      <p:sp>
+        <p:nvSpPr>
+          <p:cNvPr id="48" name="橢圓 47"/>
+          <p:cNvSpPr/>
+          <p:nvPr/>
+        </p:nvSpPr>
+        <p:spPr>
+          <a:xfrm>
+            <a:off x="3923582" y="32562800"/>
+            <a:ext cx="45719" cy="101600"/>
+          </a:xfrm>
+          <a:prstGeom prst="ellipse">
+            <a:avLst/>
+          </a:prstGeom>
+        </p:spPr>
+        <p:style>
+          <a:lnRef idx="1">
+            <a:schemeClr val="accent6"/>
+          </a:lnRef>
+          <a:fillRef idx="2">
+            <a:schemeClr val="accent6"/>
+          </a:fillRef>
+          <a:effectRef idx="1">
+            <a:schemeClr val="accent6"/>
+          </a:effectRef>
+          <a:fontRef idx="minor">
+            <a:schemeClr val="dk1"/>
+          </a:fontRef>
+        </p:style>
+        <p:txBody>
+          <a:bodyPr rtlCol="0" anchor="ctr"/>
+          <a:lstStyle/>
+          <a:p>
+            <a:pPr algn="ctr"/>
+            <a:endParaRPr kumimoji="1" lang="zh-TW" altLang="en-US"/>
+          </a:p>
+        </p:txBody>
+      </p:sp>
+      <p:sp>
+        <p:nvSpPr>
+          <p:cNvPr id="49" name="橢圓 48"/>
+          <p:cNvSpPr/>
+          <p:nvPr/>
+        </p:nvSpPr>
+        <p:spPr>
+          <a:xfrm>
+            <a:off x="3504008" y="32512000"/>
+            <a:ext cx="45719" cy="101600"/>
+          </a:xfrm>
+          <a:prstGeom prst="ellipse">
+            <a:avLst/>
+          </a:prstGeom>
+        </p:spPr>
+        <p:style>
+          <a:lnRef idx="1">
+            <a:schemeClr val="accent6"/>
+          </a:lnRef>
+          <a:fillRef idx="2">
+            <a:schemeClr val="accent6"/>
+          </a:fillRef>
+          <a:effectRef idx="1">
+            <a:schemeClr val="accent6"/>
+          </a:effectRef>
+          <a:fontRef idx="minor">
+            <a:schemeClr val="dk1"/>
+          </a:fontRef>
+        </p:style>
+        <p:txBody>
+          <a:bodyPr rtlCol="0" anchor="ctr"/>
+          <a:lstStyle/>
+          <a:p>
+            <a:pPr algn="ctr"/>
+            <a:endParaRPr kumimoji="1" lang="zh-TW" altLang="en-US"/>
+          </a:p>
+        </p:txBody>
+      </p:sp>
+      <p:sp>
+        <p:nvSpPr>
+          <p:cNvPr id="50" name="橢圓 49"/>
+          <p:cNvSpPr/>
+          <p:nvPr/>
+        </p:nvSpPr>
+        <p:spPr>
+          <a:xfrm>
+            <a:off x="3985740" y="32194500"/>
+            <a:ext cx="45719" cy="101600"/>
+          </a:xfrm>
+          <a:prstGeom prst="ellipse">
+            <a:avLst/>
+          </a:prstGeom>
+        </p:spPr>
+        <p:style>
+          <a:lnRef idx="1">
+            <a:schemeClr val="accent6"/>
+          </a:lnRef>
+          <a:fillRef idx="2">
+            <a:schemeClr val="accent6"/>
+          </a:fillRef>
+          <a:effectRef idx="1">
+            <a:schemeClr val="accent6"/>
+          </a:effectRef>
+          <a:fontRef idx="minor">
+            <a:schemeClr val="dk1"/>
+          </a:fontRef>
+        </p:style>
+        <p:txBody>
+          <a:bodyPr rtlCol="0" anchor="ctr"/>
+          <a:lstStyle/>
+          <a:p>
+            <a:pPr algn="ctr"/>
+            <a:endParaRPr kumimoji="1" lang="zh-TW" altLang="en-US"/>
+          </a:p>
+        </p:txBody>
+      </p:sp>
+      <p:sp>
+        <p:nvSpPr>
+          <p:cNvPr id="51" name="橢圓 50"/>
+          <p:cNvSpPr/>
+          <p:nvPr/>
+        </p:nvSpPr>
+        <p:spPr>
+          <a:xfrm flipH="1">
+            <a:off x="7443272" y="31953200"/>
+            <a:ext cx="272440" cy="190500"/>
+          </a:xfrm>
+          <a:prstGeom prst="ellipse">
+            <a:avLst/>
+          </a:prstGeom>
+        </p:spPr>
+        <p:style>
+          <a:lnRef idx="1">
+            <a:schemeClr val="accent1"/>
+          </a:lnRef>
+          <a:fillRef idx="3">
+            <a:schemeClr val="accent1"/>
+          </a:fillRef>
+          <a:effectRef idx="2">
+            <a:schemeClr val="accent1"/>
+          </a:effectRef>
+          <a:fontRef idx="minor">
+            <a:schemeClr val="lt1"/>
+          </a:fontRef>
+        </p:style>
+        <p:txBody>
+          <a:bodyPr rtlCol="0" anchor="ctr"/>
+          <a:lstStyle/>
+          <a:p>
+            <a:pPr algn="ctr"/>
+            <a:endParaRPr kumimoji="1" lang="zh-TW" altLang="en-US"/>
+          </a:p>
+        </p:txBody>
+      </p:sp>
+      <p:sp>
+        <p:nvSpPr>
+          <p:cNvPr id="52" name="橢圓 51"/>
+          <p:cNvSpPr/>
+          <p:nvPr/>
+        </p:nvSpPr>
+        <p:spPr>
+          <a:xfrm flipH="1">
+            <a:off x="2363139" y="30137100"/>
+            <a:ext cx="272440" cy="190500"/>
+          </a:xfrm>
+          <a:prstGeom prst="ellipse">
+            <a:avLst/>
+          </a:prstGeom>
+        </p:spPr>
+        <p:style>
+          <a:lnRef idx="1">
+            <a:schemeClr val="dk1"/>
+          </a:lnRef>
+          <a:fillRef idx="3">
+            <a:schemeClr val="dk1"/>
+          </a:fillRef>
+          <a:effectRef idx="2">
+            <a:schemeClr val="dk1"/>
+          </a:effectRef>
+          <a:fontRef idx="minor">
+            <a:schemeClr val="lt1"/>
+          </a:fontRef>
+        </p:style>
+        <p:txBody>
+          <a:bodyPr rtlCol="0" anchor="ctr"/>
+          <a:lstStyle/>
+          <a:p>
+            <a:pPr algn="ctr"/>
+            <a:endParaRPr kumimoji="1" lang="zh-TW" altLang="en-US"/>
+          </a:p>
+        </p:txBody>
+      </p:sp>
+      <p:sp>
+        <p:nvSpPr>
+          <p:cNvPr id="53" name="橢圓 52"/>
+          <p:cNvSpPr/>
+          <p:nvPr/>
+        </p:nvSpPr>
+        <p:spPr>
+          <a:xfrm flipH="1">
+            <a:off x="3654847" y="32331283"/>
+            <a:ext cx="272440" cy="190500"/>
+          </a:xfrm>
+          <a:prstGeom prst="ellipse">
+            <a:avLst/>
+          </a:prstGeom>
+        </p:spPr>
+        <p:style>
+          <a:lnRef idx="1">
+            <a:schemeClr val="dk1"/>
+          </a:lnRef>
+          <a:fillRef idx="3">
+            <a:schemeClr val="dk1"/>
+          </a:fillRef>
+          <a:effectRef idx="2">
+            <a:schemeClr val="dk1"/>
+          </a:effectRef>
+          <a:fontRef idx="minor">
+            <a:schemeClr val="lt1"/>
+          </a:fontRef>
+        </p:style>
+        <p:txBody>
+          <a:bodyPr rtlCol="0" anchor="ctr"/>
+          <a:lstStyle/>
+          <a:p>
+            <a:pPr algn="ctr"/>
+            <a:endParaRPr kumimoji="1" lang="zh-TW" altLang="en-US"/>
+          </a:p>
+        </p:txBody>
+      </p:sp>
+      <p:sp>
+        <p:nvSpPr>
+          <p:cNvPr id="54" name="橢圓 53"/>
+          <p:cNvSpPr/>
+          <p:nvPr/>
+        </p:nvSpPr>
+        <p:spPr>
+          <a:xfrm flipH="1">
+            <a:off x="3231568" y="31953200"/>
+            <a:ext cx="272440" cy="190500"/>
+          </a:xfrm>
+          <a:prstGeom prst="ellipse">
+            <a:avLst/>
+          </a:prstGeom>
+          <a:ln/>
+        </p:spPr>
+        <p:style>
+          <a:lnRef idx="1">
+            <a:schemeClr val="dk1"/>
+          </a:lnRef>
+          <a:fillRef idx="3">
+            <a:schemeClr val="dk1"/>
+          </a:fillRef>
+          <a:effectRef idx="2">
+            <a:schemeClr val="dk1"/>
+          </a:effectRef>
+          <a:fontRef idx="minor">
+            <a:schemeClr val="lt1"/>
+          </a:fontRef>
+        </p:style>
+        <p:txBody>
+          <a:bodyPr rtlCol="0" anchor="ctr"/>
+          <a:lstStyle/>
+          <a:p>
+            <a:pPr algn="ctr"/>
+            <a:endParaRPr kumimoji="1" lang="zh-TW" altLang="en-US"/>
+          </a:p>
+        </p:txBody>
+      </p:sp>
+    </p:spTree>
+    <p:extLst>
+      <p:ext uri="{BB962C8B-B14F-4D97-AF65-F5344CB8AC3E}">
+        <p14:creationId xmlns:p14="http://schemas.microsoft.com/office/powerpoint/2010/main" val="186875962"/>
+      </p:ext>
+    </p:extLst>
+  </p:cSld>
+  <p:clrMapOvr>
+    <a:masterClrMapping/>
+  </p:clrMapOvr>
 </p:sld>
 </file>
 

--- a/2017_PSROC_poster_Jet substructure.pptx
+++ b/2017_PSROC_poster_Jet substructure.pptx
@@ -6,7 +6,6 @@
   </p:sldMasterIdLst>
   <p:sldIdLst>
     <p:sldId id="256" r:id="rId2"/>
-    <p:sldId id="257" r:id="rId3"/>
   </p:sldIdLst>
   <p:sldSz cx="30248225" cy="42848213"/>
   <p:notesSz cx="6858000" cy="9144000"/>
@@ -4181,7 +4180,7 @@
           <a:graphicData uri="http://schemas.openxmlformats.org/presentationml/2006/ole">
             <mc:AlternateContent xmlns:mc="http://schemas.openxmlformats.org/markup-compatibility/2006">
               <mc:Choice xmlns:v="urn:schemas-microsoft-com:vml" Requires="v">
-                <p:oleObj spid="_x0000_s1589" name="方程式" r:id="rId9" imgW="190500" imgH="152400" progId="Equation.3">
+                <p:oleObj spid="_x0000_s1590" name="方程式" r:id="rId9" imgW="190500" imgH="152400" progId="Equation.3">
                   <p:embed/>
                 </p:oleObj>
               </mc:Choice>
@@ -4312,7 +4311,7 @@
               <a:buAutoNum type="arabicPeriod"/>
             </a:pPr>
             <a:r>
-              <a:rPr lang="en-US" altLang="zh-TW" sz="4000" smtClean="0"/>
+              <a:rPr lang="en-US" altLang="zh-TW" sz="4000" dirty="0" smtClean="0"/>
               <a:t>Fix width</a:t>
             </a:r>
             <a:endParaRPr lang="en-US" altLang="zh-TW" sz="4000" dirty="0" smtClean="0"/>
@@ -9314,8 +9313,8 @@
         </p:nvSpPr>
         <p:spPr>
           <a:xfrm>
-            <a:off x="17041369" y="41512991"/>
-            <a:ext cx="10558271" cy="982915"/>
+            <a:off x="15586935" y="41228028"/>
+            <a:ext cx="14661290" cy="982915"/>
           </a:xfrm>
           <a:prstGeom prst="rect">
             <a:avLst/>
@@ -9334,12 +9333,41 @@
             </a:pPr>
             <a:r>
               <a:rPr lang="en-US" altLang="zh-TW" sz="4000" dirty="0"/>
-              <a:t>AN-2015-</a:t>
+              <a:t>Initial performance studies of a general-purpose detector for multi-</a:t>
+            </a:r>
+            <a:r>
+              <a:rPr lang="en-US" altLang="zh-TW" sz="4000" dirty="0" err="1"/>
+              <a:t>TeV</a:t>
+            </a:r>
+            <a:r>
+              <a:rPr lang="en-US" altLang="zh-TW" sz="4000" dirty="0"/>
+              <a:t> physics at a 100 </a:t>
+            </a:r>
+            <a:r>
+              <a:rPr lang="en-US" altLang="zh-TW" sz="4000" dirty="0" err="1"/>
+              <a:t>TeV</a:t>
+            </a:r>
+            <a:r>
+              <a:rPr lang="en-US" altLang="zh-TW" sz="4000" dirty="0"/>
+              <a:t> pp </a:t>
             </a:r>
             <a:r>
               <a:rPr lang="en-US" altLang="zh-TW" sz="4000" dirty="0" smtClean="0"/>
-              <a:t>186 (CMS internal analysis note)</a:t>
-            </a:r>
+              <a:t>collider(</a:t>
+            </a:r>
+            <a:r>
+              <a:rPr lang="en-US" altLang="zh-TW" sz="4000" dirty="0" err="1" smtClean="0"/>
+              <a:t>arxiv</a:t>
+            </a:r>
+            <a:r>
+              <a:rPr lang="en-US" altLang="zh-TW" sz="4000" dirty="0" smtClean="0"/>
+              <a:t>:</a:t>
+            </a:r>
+            <a:r>
+              <a:rPr lang="hr-HR" altLang="zh-TW" sz="4000" dirty="0" smtClean="0"/>
+              <a:t>1612.07291)</a:t>
+            </a:r>
+            <a:endParaRPr lang="en-US" altLang="zh-TW" sz="4000" dirty="0" smtClean="0"/>
           </a:p>
         </p:txBody>
       </p:sp>
@@ -11447,2262 +11475,6 @@
 </p:sld>
 </file>
 
-<file path=ppt/slides/slide2.xml><?xml version="1.0" encoding="utf-8"?>
-<p:sld xmlns:a="http://schemas.openxmlformats.org/drawingml/2006/main" xmlns:r="http://schemas.openxmlformats.org/officeDocument/2006/relationships" xmlns:p="http://schemas.openxmlformats.org/presentationml/2006/main">
-  <p:cSld>
-    <p:spTree>
-      <p:nvGrpSpPr>
-        <p:cNvPr id="1" name=""/>
-        <p:cNvGrpSpPr/>
-        <p:nvPr/>
-      </p:nvGrpSpPr>
-      <p:grpSpPr>
-        <a:xfrm>
-          <a:off x="0" y="0"/>
-          <a:ext cx="0" cy="0"/>
-          <a:chOff x="0" y="0"/>
-          <a:chExt cx="0" cy="0"/>
-        </a:xfrm>
-      </p:grpSpPr>
-      <p:cxnSp>
-        <p:nvCxnSpPr>
-          <p:cNvPr id="5" name="直線箭頭接點 4"/>
-          <p:cNvCxnSpPr/>
-          <p:nvPr/>
-        </p:nvCxnSpPr>
-        <p:spPr>
-          <a:xfrm flipV="1">
-            <a:off x="2304437" y="10876113"/>
-            <a:ext cx="1404257" cy="620485"/>
-          </a:xfrm>
-          <a:prstGeom prst="straightConnector1">
-            <a:avLst/>
-          </a:prstGeom>
-          <a:ln w="101600">
-            <a:tailEnd type="triangle"/>
-          </a:ln>
-        </p:spPr>
-        <p:style>
-          <a:lnRef idx="2">
-            <a:schemeClr val="accent1"/>
-          </a:lnRef>
-          <a:fillRef idx="0">
-            <a:schemeClr val="accent1"/>
-          </a:fillRef>
-          <a:effectRef idx="1">
-            <a:schemeClr val="accent1"/>
-          </a:effectRef>
-          <a:fontRef idx="minor">
-            <a:schemeClr val="tx1"/>
-          </a:fontRef>
-        </p:style>
-      </p:cxnSp>
-      <p:cxnSp>
-        <p:nvCxnSpPr>
-          <p:cNvPr id="7" name="直線箭頭接點 6"/>
-          <p:cNvCxnSpPr/>
-          <p:nvPr/>
-        </p:nvCxnSpPr>
-        <p:spPr>
-          <a:xfrm>
-            <a:off x="2346744" y="11559985"/>
-            <a:ext cx="1404257" cy="619200"/>
-          </a:xfrm>
-          <a:prstGeom prst="straightConnector1">
-            <a:avLst/>
-          </a:prstGeom>
-          <a:ln w="101600">
-            <a:tailEnd type="triangle"/>
-          </a:ln>
-        </p:spPr>
-        <p:style>
-          <a:lnRef idx="2">
-            <a:schemeClr val="accent1"/>
-          </a:lnRef>
-          <a:fillRef idx="0">
-            <a:schemeClr val="accent1"/>
-          </a:fillRef>
-          <a:effectRef idx="1">
-            <a:schemeClr val="accent1"/>
-          </a:effectRef>
-          <a:fontRef idx="minor">
-            <a:schemeClr val="tx1"/>
-          </a:fontRef>
-        </p:style>
-      </p:cxnSp>
-      <mc:AlternateContent xmlns:mc="http://schemas.openxmlformats.org/markup-compatibility/2006">
-        <mc:Choice xmlns:a14="http://schemas.microsoft.com/office/drawing/2010/main" Requires="a14">
-          <p:sp>
-            <p:nvSpPr>
-              <p:cNvPr id="8" name="文字方塊 7"/>
-              <p:cNvSpPr txBox="1"/>
-              <p:nvPr/>
-            </p:nvSpPr>
-            <p:spPr>
-              <a:xfrm>
-                <a:off x="3443483" y="10151061"/>
-                <a:ext cx="1595363" cy="1323439"/>
-              </a:xfrm>
-              <a:prstGeom prst="rect">
-                <a:avLst/>
-              </a:prstGeom>
-              <a:noFill/>
-            </p:spPr>
-            <p:txBody>
-              <a:bodyPr wrap="square" rtlCol="0">
-                <a:spAutoFit/>
-              </a:bodyPr>
-              <a:lstStyle/>
-              <a:p>
-                <a14:m>
-                  <m:oMathPara xmlns:m="http://schemas.openxmlformats.org/officeDocument/2006/math">
-                    <m:oMathParaPr>
-                      <m:jc m:val="centerGroup"/>
-                    </m:oMathParaPr>
-                    <m:oMath xmlns:m="http://schemas.openxmlformats.org/officeDocument/2006/math">
-                      <m:r>
-                        <a:rPr kumimoji="1" lang="en-US" altLang="zh-TW" sz="8000" b="0" i="1" smtClean="0">
-                          <a:latin typeface="Cambria Math" charset="0"/>
-                        </a:rPr>
-                        <m:t>𝑡</m:t>
-                      </m:r>
-                    </m:oMath>
-                  </m:oMathPara>
-                </a14:m>
-                <a:endParaRPr kumimoji="1" lang="zh-TW" altLang="en-US" sz="8000" dirty="0"/>
-              </a:p>
-            </p:txBody>
-          </p:sp>
-        </mc:Choice>
-        <mc:Fallback>
-          <p:sp>
-            <p:nvSpPr>
-              <p:cNvPr id="8" name="文字方塊 7"/>
-              <p:cNvSpPr txBox="1">
-                <a:spLocks noRot="1" noChangeAspect="1" noMove="1" noResize="1" noEditPoints="1" noAdjustHandles="1" noChangeArrowheads="1" noChangeShapeType="1" noTextEdit="1"/>
-              </p:cNvSpPr>
-              <p:nvPr/>
-            </p:nvSpPr>
-            <p:spPr>
-              <a:xfrm>
-                <a:off x="3443483" y="10151061"/>
-                <a:ext cx="1595363" cy="1323439"/>
-              </a:xfrm>
-              <a:prstGeom prst="rect">
-                <a:avLst/>
-              </a:prstGeom>
-              <a:blipFill rotWithShape="0">
-                <a:blip r:embed="rId2"/>
-                <a:stretch>
-                  <a:fillRect/>
-                </a:stretch>
-              </a:blipFill>
-            </p:spPr>
-            <p:txBody>
-              <a:bodyPr/>
-              <a:lstStyle/>
-              <a:p>
-                <a:r>
-                  <a:rPr lang="zh-TW" altLang="en-US">
-                    <a:noFill/>
-                  </a:rPr>
-                  <a:t> </a:t>
-                </a:r>
-              </a:p>
-            </p:txBody>
-          </p:sp>
-        </mc:Fallback>
-      </mc:AlternateContent>
-      <mc:AlternateContent xmlns:mc="http://schemas.openxmlformats.org/markup-compatibility/2006">
-        <mc:Choice xmlns:a14="http://schemas.microsoft.com/office/drawing/2010/main" Requires="a14">
-          <p:sp>
-            <p:nvSpPr>
-              <p:cNvPr id="10" name="文字方塊 9"/>
-              <p:cNvSpPr txBox="1"/>
-              <p:nvPr/>
-            </p:nvSpPr>
-            <p:spPr>
-              <a:xfrm>
-                <a:off x="3653667" y="11830729"/>
-                <a:ext cx="1132817" cy="1323439"/>
-              </a:xfrm>
-              <a:prstGeom prst="rect">
-                <a:avLst/>
-              </a:prstGeom>
-              <a:noFill/>
-            </p:spPr>
-            <p:txBody>
-              <a:bodyPr wrap="square" rtlCol="0">
-                <a:spAutoFit/>
-              </a:bodyPr>
-              <a:lstStyle/>
-              <a:p>
-                <a14:m>
-                  <m:oMathPara xmlns:m="http://schemas.openxmlformats.org/officeDocument/2006/math">
-                    <m:oMathParaPr>
-                      <m:jc m:val="centerGroup"/>
-                    </m:oMathParaPr>
-                    <m:oMath xmlns:m="http://schemas.openxmlformats.org/officeDocument/2006/math">
-                      <m:acc>
-                        <m:accPr>
-                          <m:chr m:val="̅"/>
-                          <m:ctrlPr>
-                            <a:rPr kumimoji="1" lang="en-US" altLang="zh-TW" sz="8000" b="0" i="1" smtClean="0">
-                              <a:latin typeface="Cambria Math" charset="0"/>
-                            </a:rPr>
-                          </m:ctrlPr>
-                        </m:accPr>
-                        <m:e>
-                          <m:r>
-                            <a:rPr kumimoji="1" lang="en-US" altLang="zh-TW" sz="8000" b="0" i="1" smtClean="0">
-                              <a:latin typeface="Cambria Math" charset="0"/>
-                            </a:rPr>
-                            <m:t>𝑡</m:t>
-                          </m:r>
-                        </m:e>
-                      </m:acc>
-                    </m:oMath>
-                  </m:oMathPara>
-                </a14:m>
-                <a:endParaRPr kumimoji="1" lang="zh-TW" altLang="en-US" sz="8000" dirty="0"/>
-              </a:p>
-            </p:txBody>
-          </p:sp>
-        </mc:Choice>
-        <mc:Fallback>
-          <p:sp>
-            <p:nvSpPr>
-              <p:cNvPr id="10" name="文字方塊 9"/>
-              <p:cNvSpPr txBox="1">
-                <a:spLocks noRot="1" noChangeAspect="1" noMove="1" noResize="1" noEditPoints="1" noAdjustHandles="1" noChangeArrowheads="1" noChangeShapeType="1" noTextEdit="1"/>
-              </p:cNvSpPr>
-              <p:nvPr/>
-            </p:nvSpPr>
-            <p:spPr>
-              <a:xfrm>
-                <a:off x="3653667" y="11830729"/>
-                <a:ext cx="1132817" cy="1323439"/>
-              </a:xfrm>
-              <a:prstGeom prst="rect">
-                <a:avLst/>
-              </a:prstGeom>
-              <a:blipFill rotWithShape="0">
-                <a:blip r:embed="rId3"/>
-                <a:stretch>
-                  <a:fillRect/>
-                </a:stretch>
-              </a:blipFill>
-            </p:spPr>
-            <p:txBody>
-              <a:bodyPr/>
-              <a:lstStyle/>
-              <a:p>
-                <a:r>
-                  <a:rPr lang="zh-TW" altLang="en-US">
-                    <a:noFill/>
-                  </a:rPr>
-                  <a:t> </a:t>
-                </a:r>
-              </a:p>
-            </p:txBody>
-          </p:sp>
-        </mc:Fallback>
-      </mc:AlternateContent>
-      <p:cxnSp>
-        <p:nvCxnSpPr>
-          <p:cNvPr id="12" name="直線箭頭接點 11"/>
-          <p:cNvCxnSpPr/>
-          <p:nvPr/>
-        </p:nvCxnSpPr>
-        <p:spPr>
-          <a:xfrm flipV="1">
-            <a:off x="4786484" y="10112296"/>
-            <a:ext cx="1404257" cy="620485"/>
-          </a:xfrm>
-          <a:prstGeom prst="straightConnector1">
-            <a:avLst/>
-          </a:prstGeom>
-          <a:ln w="101600">
-            <a:tailEnd type="triangle"/>
-          </a:ln>
-        </p:spPr>
-        <p:style>
-          <a:lnRef idx="2">
-            <a:schemeClr val="accent1"/>
-          </a:lnRef>
-          <a:fillRef idx="0">
-            <a:schemeClr val="accent1"/>
-          </a:fillRef>
-          <a:effectRef idx="1">
-            <a:schemeClr val="accent1"/>
-          </a:effectRef>
-          <a:fontRef idx="minor">
-            <a:schemeClr val="tx1"/>
-          </a:fontRef>
-        </p:style>
-      </p:cxnSp>
-      <p:cxnSp>
-        <p:nvCxnSpPr>
-          <p:cNvPr id="13" name="直線箭頭接點 12"/>
-          <p:cNvCxnSpPr/>
-          <p:nvPr/>
-        </p:nvCxnSpPr>
-        <p:spPr>
-          <a:xfrm>
-            <a:off x="4721393" y="10772640"/>
-            <a:ext cx="1404257" cy="619200"/>
-          </a:xfrm>
-          <a:prstGeom prst="straightConnector1">
-            <a:avLst/>
-          </a:prstGeom>
-          <a:ln w="101600">
-            <a:tailEnd type="triangle"/>
-          </a:ln>
-        </p:spPr>
-        <p:style>
-          <a:lnRef idx="2">
-            <a:schemeClr val="accent1"/>
-          </a:lnRef>
-          <a:fillRef idx="0">
-            <a:schemeClr val="accent1"/>
-          </a:fillRef>
-          <a:effectRef idx="1">
-            <a:schemeClr val="accent1"/>
-          </a:effectRef>
-          <a:fontRef idx="minor">
-            <a:schemeClr val="tx1"/>
-          </a:fontRef>
-        </p:style>
-      </p:cxnSp>
-      <p:cxnSp>
-        <p:nvCxnSpPr>
-          <p:cNvPr id="15" name="直線箭頭接點 14"/>
-          <p:cNvCxnSpPr/>
-          <p:nvPr/>
-        </p:nvCxnSpPr>
-        <p:spPr>
-          <a:xfrm flipV="1">
-            <a:off x="4592463" y="11790568"/>
-            <a:ext cx="1404257" cy="620485"/>
-          </a:xfrm>
-          <a:prstGeom prst="straightConnector1">
-            <a:avLst/>
-          </a:prstGeom>
-          <a:ln w="101600">
-            <a:tailEnd type="triangle"/>
-          </a:ln>
-        </p:spPr>
-        <p:style>
-          <a:lnRef idx="2">
-            <a:schemeClr val="accent1"/>
-          </a:lnRef>
-          <a:fillRef idx="0">
-            <a:schemeClr val="accent1"/>
-          </a:fillRef>
-          <a:effectRef idx="1">
-            <a:schemeClr val="accent1"/>
-          </a:effectRef>
-          <a:fontRef idx="minor">
-            <a:schemeClr val="tx1"/>
-          </a:fontRef>
-        </p:style>
-      </p:cxnSp>
-      <p:cxnSp>
-        <p:nvCxnSpPr>
-          <p:cNvPr id="16" name="直線箭頭接點 15"/>
-          <p:cNvCxnSpPr/>
-          <p:nvPr/>
-        </p:nvCxnSpPr>
-        <p:spPr>
-          <a:xfrm>
-            <a:off x="4656928" y="12417521"/>
-            <a:ext cx="1404257" cy="619200"/>
-          </a:xfrm>
-          <a:prstGeom prst="straightConnector1">
-            <a:avLst/>
-          </a:prstGeom>
-          <a:ln w="101600">
-            <a:tailEnd type="triangle"/>
-          </a:ln>
-        </p:spPr>
-        <p:style>
-          <a:lnRef idx="2">
-            <a:schemeClr val="accent1"/>
-          </a:lnRef>
-          <a:fillRef idx="0">
-            <a:schemeClr val="accent1"/>
-          </a:fillRef>
-          <a:effectRef idx="1">
-            <a:schemeClr val="accent1"/>
-          </a:effectRef>
-          <a:fontRef idx="minor">
-            <a:schemeClr val="tx1"/>
-          </a:fontRef>
-        </p:style>
-      </p:cxnSp>
-      <mc:AlternateContent xmlns:mc="http://schemas.openxmlformats.org/markup-compatibility/2006">
-        <mc:Choice xmlns:a14="http://schemas.microsoft.com/office/drawing/2010/main" Requires="a14">
-          <p:sp>
-            <p:nvSpPr>
-              <p:cNvPr id="17" name="文字方塊 16"/>
-              <p:cNvSpPr txBox="1"/>
-              <p:nvPr/>
-            </p:nvSpPr>
-            <p:spPr>
-              <a:xfrm>
-                <a:off x="5987052" y="9245102"/>
-                <a:ext cx="1240972" cy="1354217"/>
-              </a:xfrm>
-              <a:prstGeom prst="rect">
-                <a:avLst/>
-              </a:prstGeom>
-              <a:noFill/>
-            </p:spPr>
-            <p:txBody>
-              <a:bodyPr wrap="square" rtlCol="0">
-                <a:spAutoFit/>
-              </a:bodyPr>
-              <a:lstStyle/>
-              <a:p>
-                <a14:m>
-                  <m:oMathPara xmlns:m="http://schemas.openxmlformats.org/officeDocument/2006/math">
-                    <m:oMathParaPr>
-                      <m:jc m:val="centerGroup"/>
-                    </m:oMathParaPr>
-                    <m:oMath xmlns:m="http://schemas.openxmlformats.org/officeDocument/2006/math">
-                      <m:r>
-                        <a:rPr kumimoji="1" lang="en-US" altLang="zh-TW" b="0" i="1" smtClean="0">
-                          <a:latin typeface="Cambria Math" charset="0"/>
-                        </a:rPr>
-                        <m:t>𝑊</m:t>
-                      </m:r>
-                    </m:oMath>
-                  </m:oMathPara>
-                </a14:m>
-                <a:endParaRPr kumimoji="1" lang="zh-TW" altLang="en-US" dirty="0"/>
-              </a:p>
-            </p:txBody>
-          </p:sp>
-        </mc:Choice>
-        <mc:Fallback>
-          <p:sp>
-            <p:nvSpPr>
-              <p:cNvPr id="17" name="文字方塊 16"/>
-              <p:cNvSpPr txBox="1">
-                <a:spLocks noRot="1" noChangeAspect="1" noMove="1" noResize="1" noEditPoints="1" noAdjustHandles="1" noChangeArrowheads="1" noChangeShapeType="1" noTextEdit="1"/>
-              </p:cNvSpPr>
-              <p:nvPr/>
-            </p:nvSpPr>
-            <p:spPr>
-              <a:xfrm>
-                <a:off x="5987052" y="9245102"/>
-                <a:ext cx="1240972" cy="1354217"/>
-              </a:xfrm>
-              <a:prstGeom prst="rect">
-                <a:avLst/>
-              </a:prstGeom>
-              <a:blipFill rotWithShape="0">
-                <a:blip r:embed="rId4"/>
-                <a:stretch>
-                  <a:fillRect/>
-                </a:stretch>
-              </a:blipFill>
-            </p:spPr>
-            <p:txBody>
-              <a:bodyPr/>
-              <a:lstStyle/>
-              <a:p>
-                <a:r>
-                  <a:rPr lang="zh-TW" altLang="en-US">
-                    <a:noFill/>
-                  </a:rPr>
-                  <a:t> </a:t>
-                </a:r>
-              </a:p>
-            </p:txBody>
-          </p:sp>
-        </mc:Fallback>
-      </mc:AlternateContent>
-      <mc:AlternateContent xmlns:mc="http://schemas.openxmlformats.org/markup-compatibility/2006">
-        <mc:Choice xmlns:a14="http://schemas.microsoft.com/office/drawing/2010/main" Requires="a14">
-          <p:sp>
-            <p:nvSpPr>
-              <p:cNvPr id="18" name="文字方塊 17"/>
-              <p:cNvSpPr txBox="1"/>
-              <p:nvPr/>
-            </p:nvSpPr>
-            <p:spPr>
-              <a:xfrm>
-                <a:off x="5379022" y="10263960"/>
-                <a:ext cx="2253343" cy="1354217"/>
-              </a:xfrm>
-              <a:prstGeom prst="rect">
-                <a:avLst/>
-              </a:prstGeom>
-              <a:noFill/>
-            </p:spPr>
-            <p:txBody>
-              <a:bodyPr wrap="square" rtlCol="0">
-                <a:spAutoFit/>
-              </a:bodyPr>
-              <a:lstStyle/>
-              <a:p>
-                <a14:m>
-                  <m:oMathPara xmlns:m="http://schemas.openxmlformats.org/officeDocument/2006/math">
-                    <m:oMathParaPr>
-                      <m:jc m:val="centerGroup"/>
-                    </m:oMathParaPr>
-                    <m:oMath xmlns:m="http://schemas.openxmlformats.org/officeDocument/2006/math">
-                      <m:r>
-                        <a:rPr kumimoji="1" lang="en-US" altLang="zh-TW" b="0" i="1" smtClean="0">
-                          <a:latin typeface="Cambria Math" charset="0"/>
-                        </a:rPr>
-                        <m:t>𝑏</m:t>
-                      </m:r>
-                    </m:oMath>
-                  </m:oMathPara>
-                </a14:m>
-                <a:endParaRPr kumimoji="1" lang="zh-TW" altLang="en-US" dirty="0"/>
-              </a:p>
-            </p:txBody>
-          </p:sp>
-        </mc:Choice>
-        <mc:Fallback>
-          <p:sp>
-            <p:nvSpPr>
-              <p:cNvPr id="18" name="文字方塊 17"/>
-              <p:cNvSpPr txBox="1">
-                <a:spLocks noRot="1" noChangeAspect="1" noMove="1" noResize="1" noEditPoints="1" noAdjustHandles="1" noChangeArrowheads="1" noChangeShapeType="1" noTextEdit="1"/>
-              </p:cNvSpPr>
-              <p:nvPr/>
-            </p:nvSpPr>
-            <p:spPr>
-              <a:xfrm>
-                <a:off x="5379022" y="10263960"/>
-                <a:ext cx="2253343" cy="1354217"/>
-              </a:xfrm>
-              <a:prstGeom prst="rect">
-                <a:avLst/>
-              </a:prstGeom>
-              <a:blipFill rotWithShape="0">
-                <a:blip r:embed="rId5"/>
-                <a:stretch>
-                  <a:fillRect/>
-                </a:stretch>
-              </a:blipFill>
-            </p:spPr>
-            <p:txBody>
-              <a:bodyPr/>
-              <a:lstStyle/>
-              <a:p>
-                <a:r>
-                  <a:rPr lang="zh-TW" altLang="en-US">
-                    <a:noFill/>
-                  </a:rPr>
-                  <a:t> </a:t>
-                </a:r>
-              </a:p>
-            </p:txBody>
-          </p:sp>
-        </mc:Fallback>
-      </mc:AlternateContent>
-      <mc:AlternateContent xmlns:mc="http://schemas.openxmlformats.org/markup-compatibility/2006">
-        <mc:Choice xmlns:a14="http://schemas.microsoft.com/office/drawing/2010/main" Requires="a14">
-          <p:sp>
-            <p:nvSpPr>
-              <p:cNvPr id="19" name="文字方塊 18"/>
-              <p:cNvSpPr txBox="1"/>
-              <p:nvPr/>
-            </p:nvSpPr>
-            <p:spPr>
-              <a:xfrm>
-                <a:off x="5078535" y="12497245"/>
-                <a:ext cx="2873829" cy="1354217"/>
-              </a:xfrm>
-              <a:prstGeom prst="rect">
-                <a:avLst/>
-              </a:prstGeom>
-              <a:noFill/>
-            </p:spPr>
-            <p:txBody>
-              <a:bodyPr wrap="square" rtlCol="0">
-                <a:spAutoFit/>
-              </a:bodyPr>
-              <a:lstStyle/>
-              <a:p>
-                <a14:m>
-                  <m:oMathPara xmlns:m="http://schemas.openxmlformats.org/officeDocument/2006/math">
-                    <m:oMathParaPr>
-                      <m:jc m:val="centerGroup"/>
-                    </m:oMathParaPr>
-                    <m:oMath xmlns:m="http://schemas.openxmlformats.org/officeDocument/2006/math">
-                      <m:r>
-                        <a:rPr kumimoji="1" lang="en-US" altLang="zh-TW" b="0" i="1" smtClean="0">
-                          <a:latin typeface="Cambria Math" charset="0"/>
-                        </a:rPr>
-                        <m:t>𝑊</m:t>
-                      </m:r>
-                    </m:oMath>
-                  </m:oMathPara>
-                </a14:m>
-                <a:endParaRPr kumimoji="1" lang="zh-TW" altLang="en-US" dirty="0"/>
-              </a:p>
-            </p:txBody>
-          </p:sp>
-        </mc:Choice>
-        <mc:Fallback>
-          <p:sp>
-            <p:nvSpPr>
-              <p:cNvPr id="19" name="文字方塊 18"/>
-              <p:cNvSpPr txBox="1">
-                <a:spLocks noRot="1" noChangeAspect="1" noMove="1" noResize="1" noEditPoints="1" noAdjustHandles="1" noChangeArrowheads="1" noChangeShapeType="1" noTextEdit="1"/>
-              </p:cNvSpPr>
-              <p:nvPr/>
-            </p:nvSpPr>
-            <p:spPr>
-              <a:xfrm>
-                <a:off x="5078535" y="12497245"/>
-                <a:ext cx="2873829" cy="1354217"/>
-              </a:xfrm>
-              <a:prstGeom prst="rect">
-                <a:avLst/>
-              </a:prstGeom>
-              <a:blipFill rotWithShape="0">
-                <a:blip r:embed="rId6"/>
-                <a:stretch>
-                  <a:fillRect/>
-                </a:stretch>
-              </a:blipFill>
-            </p:spPr>
-            <p:txBody>
-              <a:bodyPr/>
-              <a:lstStyle/>
-              <a:p>
-                <a:r>
-                  <a:rPr lang="zh-TW" altLang="en-US">
-                    <a:noFill/>
-                  </a:rPr>
-                  <a:t> </a:t>
-                </a:r>
-              </a:p>
-            </p:txBody>
-          </p:sp>
-        </mc:Fallback>
-      </mc:AlternateContent>
-      <mc:AlternateContent xmlns:mc="http://schemas.openxmlformats.org/markup-compatibility/2006">
-        <mc:Choice xmlns:a14="http://schemas.microsoft.com/office/drawing/2010/main" Requires="a14">
-          <p:sp>
-            <p:nvSpPr>
-              <p:cNvPr id="20" name="文字方塊 19"/>
-              <p:cNvSpPr txBox="1"/>
-              <p:nvPr/>
-            </p:nvSpPr>
-            <p:spPr>
-              <a:xfrm>
-                <a:off x="4091901" y="11375039"/>
-                <a:ext cx="4735286" cy="1350754"/>
-              </a:xfrm>
-              <a:prstGeom prst="rect">
-                <a:avLst/>
-              </a:prstGeom>
-              <a:noFill/>
-            </p:spPr>
-            <p:txBody>
-              <a:bodyPr wrap="square" rtlCol="0">
-                <a:spAutoFit/>
-              </a:bodyPr>
-              <a:lstStyle/>
-              <a:p>
-                <a14:m>
-                  <m:oMathPara xmlns:m="http://schemas.openxmlformats.org/officeDocument/2006/math">
-                    <m:oMathParaPr>
-                      <m:jc m:val="centerGroup"/>
-                    </m:oMathParaPr>
-                    <m:oMath xmlns:m="http://schemas.openxmlformats.org/officeDocument/2006/math">
-                      <m:acc>
-                        <m:accPr>
-                          <m:chr m:val="̅"/>
-                          <m:ctrlPr>
-                            <a:rPr kumimoji="1" lang="en-US" altLang="zh-TW" sz="8000" b="0" i="1" smtClean="0">
-                              <a:latin typeface="Cambria Math" charset="0"/>
-                            </a:rPr>
-                          </m:ctrlPr>
-                        </m:accPr>
-                        <m:e>
-                          <m:r>
-                            <a:rPr kumimoji="1" lang="en-US" altLang="zh-TW" sz="8000" b="0" i="1" smtClean="0">
-                              <a:latin typeface="Cambria Math" charset="0"/>
-                            </a:rPr>
-                            <m:t>𝑏</m:t>
-                          </m:r>
-                        </m:e>
-                      </m:acc>
-                    </m:oMath>
-                  </m:oMathPara>
-                </a14:m>
-                <a:endParaRPr kumimoji="1" lang="zh-TW" altLang="en-US" sz="8000" dirty="0"/>
-              </a:p>
-            </p:txBody>
-          </p:sp>
-        </mc:Choice>
-        <mc:Fallback>
-          <p:sp>
-            <p:nvSpPr>
-              <p:cNvPr id="20" name="文字方塊 19"/>
-              <p:cNvSpPr txBox="1">
-                <a:spLocks noRot="1" noChangeAspect="1" noMove="1" noResize="1" noEditPoints="1" noAdjustHandles="1" noChangeArrowheads="1" noChangeShapeType="1" noTextEdit="1"/>
-              </p:cNvSpPr>
-              <p:nvPr/>
-            </p:nvSpPr>
-            <p:spPr>
-              <a:xfrm>
-                <a:off x="4091901" y="11375039"/>
-                <a:ext cx="4735286" cy="1350754"/>
-              </a:xfrm>
-              <a:prstGeom prst="rect">
-                <a:avLst/>
-              </a:prstGeom>
-              <a:blipFill rotWithShape="0">
-                <a:blip r:embed="rId7"/>
-                <a:stretch>
-                  <a:fillRect/>
-                </a:stretch>
-              </a:blipFill>
-            </p:spPr>
-            <p:txBody>
-              <a:bodyPr/>
-              <a:lstStyle/>
-              <a:p>
-                <a:r>
-                  <a:rPr lang="zh-TW" altLang="en-US">
-                    <a:noFill/>
-                  </a:rPr>
-                  <a:t> </a:t>
-                </a:r>
-              </a:p>
-            </p:txBody>
-          </p:sp>
-        </mc:Fallback>
-      </mc:AlternateContent>
-      <mc:AlternateContent xmlns:mc="http://schemas.openxmlformats.org/markup-compatibility/2006">
-        <mc:Choice xmlns:a14="http://schemas.microsoft.com/office/drawing/2010/main" Requires="a14">
-          <p:sp>
-            <p:nvSpPr>
-              <p:cNvPr id="21" name="文字方塊 20"/>
-              <p:cNvSpPr txBox="1"/>
-              <p:nvPr/>
-            </p:nvSpPr>
-            <p:spPr>
-              <a:xfrm>
-                <a:off x="564205" y="10876113"/>
-                <a:ext cx="2862603" cy="1377356"/>
-              </a:xfrm>
-              <a:prstGeom prst="rect">
-                <a:avLst/>
-              </a:prstGeom>
-              <a:noFill/>
-            </p:spPr>
-            <p:txBody>
-              <a:bodyPr wrap="square" rtlCol="0">
-                <a:spAutoFit/>
-              </a:bodyPr>
-              <a:lstStyle/>
-              <a:p>
-                <a14:m>
-                  <m:oMathPara xmlns:m="http://schemas.openxmlformats.org/officeDocument/2006/math">
-                    <m:oMathParaPr>
-                      <m:jc m:val="centerGroup"/>
-                    </m:oMathParaPr>
-                    <m:oMath xmlns:m="http://schemas.openxmlformats.org/officeDocument/2006/math">
-                      <m:r>
-                        <a:rPr kumimoji="1" lang="en-US" altLang="zh-TW" b="0" i="1" smtClean="0">
-                          <a:latin typeface="Cambria Math" charset="0"/>
-                        </a:rPr>
-                        <m:t>𝑍</m:t>
-                      </m:r>
-                      <m:r>
-                        <a:rPr kumimoji="1" lang="en-US" altLang="zh-TW" b="0" i="1" smtClean="0">
-                          <a:latin typeface="Cambria Math" charset="0"/>
-                        </a:rPr>
-                        <m:t>′</m:t>
-                      </m:r>
-                    </m:oMath>
-                  </m:oMathPara>
-                </a14:m>
-                <a:endParaRPr kumimoji="1" lang="zh-TW" altLang="en-US" dirty="0"/>
-              </a:p>
-            </p:txBody>
-          </p:sp>
-        </mc:Choice>
-        <mc:Fallback>
-          <p:sp>
-            <p:nvSpPr>
-              <p:cNvPr id="21" name="文字方塊 20"/>
-              <p:cNvSpPr txBox="1">
-                <a:spLocks noRot="1" noChangeAspect="1" noMove="1" noResize="1" noEditPoints="1" noAdjustHandles="1" noChangeArrowheads="1" noChangeShapeType="1" noTextEdit="1"/>
-              </p:cNvSpPr>
-              <p:nvPr/>
-            </p:nvSpPr>
-            <p:spPr>
-              <a:xfrm>
-                <a:off x="564205" y="10876113"/>
-                <a:ext cx="2862603" cy="1377356"/>
-              </a:xfrm>
-              <a:prstGeom prst="rect">
-                <a:avLst/>
-              </a:prstGeom>
-              <a:blipFill rotWithShape="0">
-                <a:blip r:embed="rId8"/>
-                <a:stretch>
-                  <a:fillRect/>
-                </a:stretch>
-              </a:blipFill>
-            </p:spPr>
-            <p:txBody>
-              <a:bodyPr/>
-              <a:lstStyle/>
-              <a:p>
-                <a:r>
-                  <a:rPr lang="zh-TW" altLang="en-US">
-                    <a:noFill/>
-                  </a:rPr>
-                  <a:t> </a:t>
-                </a:r>
-              </a:p>
-            </p:txBody>
-          </p:sp>
-        </mc:Fallback>
-      </mc:AlternateContent>
-      <p:cxnSp>
-        <p:nvCxnSpPr>
-          <p:cNvPr id="22" name="直線箭頭接點 21"/>
-          <p:cNvCxnSpPr/>
-          <p:nvPr/>
-        </p:nvCxnSpPr>
-        <p:spPr>
-          <a:xfrm flipV="1">
-            <a:off x="7089067" y="9071109"/>
-            <a:ext cx="1404257" cy="620485"/>
-          </a:xfrm>
-          <a:prstGeom prst="straightConnector1">
-            <a:avLst/>
-          </a:prstGeom>
-          <a:ln w="101600">
-            <a:tailEnd type="triangle"/>
-          </a:ln>
-        </p:spPr>
-        <p:style>
-          <a:lnRef idx="2">
-            <a:schemeClr val="accent1"/>
-          </a:lnRef>
-          <a:fillRef idx="0">
-            <a:schemeClr val="accent1"/>
-          </a:fillRef>
-          <a:effectRef idx="1">
-            <a:schemeClr val="accent1"/>
-          </a:effectRef>
-          <a:fontRef idx="minor">
-            <a:schemeClr val="tx1"/>
-          </a:fontRef>
-        </p:style>
-      </p:cxnSp>
-      <p:cxnSp>
-        <p:nvCxnSpPr>
-          <p:cNvPr id="23" name="直線箭頭接點 22"/>
-          <p:cNvCxnSpPr/>
-          <p:nvPr/>
-        </p:nvCxnSpPr>
-        <p:spPr>
-          <a:xfrm flipV="1">
-            <a:off x="6961547" y="12519668"/>
-            <a:ext cx="1404257" cy="620485"/>
-          </a:xfrm>
-          <a:prstGeom prst="straightConnector1">
-            <a:avLst/>
-          </a:prstGeom>
-          <a:ln w="101600">
-            <a:tailEnd type="triangle"/>
-          </a:ln>
-        </p:spPr>
-        <p:style>
-          <a:lnRef idx="2">
-            <a:schemeClr val="accent1"/>
-          </a:lnRef>
-          <a:fillRef idx="0">
-            <a:schemeClr val="accent1"/>
-          </a:fillRef>
-          <a:effectRef idx="1">
-            <a:schemeClr val="accent1"/>
-          </a:effectRef>
-          <a:fontRef idx="minor">
-            <a:schemeClr val="tx1"/>
-          </a:fontRef>
-        </p:style>
-      </p:cxnSp>
-      <p:cxnSp>
-        <p:nvCxnSpPr>
-          <p:cNvPr id="24" name="直線箭頭接點 23"/>
-          <p:cNvCxnSpPr/>
-          <p:nvPr/>
-        </p:nvCxnSpPr>
-        <p:spPr>
-          <a:xfrm>
-            <a:off x="7024335" y="9693229"/>
-            <a:ext cx="1404257" cy="619200"/>
-          </a:xfrm>
-          <a:prstGeom prst="straightConnector1">
-            <a:avLst/>
-          </a:prstGeom>
-          <a:ln w="101600">
-            <a:tailEnd type="triangle"/>
-          </a:ln>
-        </p:spPr>
-        <p:style>
-          <a:lnRef idx="2">
-            <a:schemeClr val="accent1"/>
-          </a:lnRef>
-          <a:fillRef idx="0">
-            <a:schemeClr val="accent1"/>
-          </a:fillRef>
-          <a:effectRef idx="1">
-            <a:schemeClr val="accent1"/>
-          </a:effectRef>
-          <a:fontRef idx="minor">
-            <a:schemeClr val="tx1"/>
-          </a:fontRef>
-        </p:style>
-      </p:cxnSp>
-      <p:cxnSp>
-        <p:nvCxnSpPr>
-          <p:cNvPr id="25" name="直線箭頭接點 24"/>
-          <p:cNvCxnSpPr/>
-          <p:nvPr/>
-        </p:nvCxnSpPr>
-        <p:spPr>
-          <a:xfrm>
-            <a:off x="6961547" y="13186207"/>
-            <a:ext cx="1404257" cy="619200"/>
-          </a:xfrm>
-          <a:prstGeom prst="straightConnector1">
-            <a:avLst/>
-          </a:prstGeom>
-          <a:ln w="101600">
-            <a:tailEnd type="triangle"/>
-          </a:ln>
-        </p:spPr>
-        <p:style>
-          <a:lnRef idx="2">
-            <a:schemeClr val="accent1"/>
-          </a:lnRef>
-          <a:fillRef idx="0">
-            <a:schemeClr val="accent1"/>
-          </a:fillRef>
-          <a:effectRef idx="1">
-            <a:schemeClr val="accent1"/>
-          </a:effectRef>
-          <a:fontRef idx="minor">
-            <a:schemeClr val="tx1"/>
-          </a:fontRef>
-        </p:style>
-      </p:cxnSp>
-      <mc:AlternateContent xmlns:mc="http://schemas.openxmlformats.org/markup-compatibility/2006">
-        <mc:Choice xmlns:a14="http://schemas.microsoft.com/office/drawing/2010/main" Requires="a14">
-          <p:sp>
-            <p:nvSpPr>
-              <p:cNvPr id="26" name="文字方塊 25"/>
-              <p:cNvSpPr txBox="1"/>
-              <p:nvPr/>
-            </p:nvSpPr>
-            <p:spPr>
-              <a:xfrm>
-                <a:off x="7765136" y="9501840"/>
-                <a:ext cx="2004460" cy="1354217"/>
-              </a:xfrm>
-              <a:prstGeom prst="rect">
-                <a:avLst/>
-              </a:prstGeom>
-              <a:noFill/>
-            </p:spPr>
-            <p:txBody>
-              <a:bodyPr wrap="square" rtlCol="0">
-                <a:spAutoFit/>
-              </a:bodyPr>
-              <a:lstStyle/>
-              <a:p>
-                <a14:m>
-                  <m:oMathPara xmlns:m="http://schemas.openxmlformats.org/officeDocument/2006/math">
-                    <m:oMathParaPr>
-                      <m:jc m:val="centerGroup"/>
-                    </m:oMathParaPr>
-                    <m:oMath xmlns:m="http://schemas.openxmlformats.org/officeDocument/2006/math">
-                      <m:r>
-                        <a:rPr kumimoji="1" lang="en-US" altLang="zh-TW" b="0" i="1" smtClean="0">
-                          <a:latin typeface="Cambria Math" charset="0"/>
-                        </a:rPr>
-                        <m:t>𝑞</m:t>
-                      </m:r>
-                    </m:oMath>
-                  </m:oMathPara>
-                </a14:m>
-                <a:endParaRPr kumimoji="1" lang="zh-TW" altLang="en-US" dirty="0"/>
-              </a:p>
-            </p:txBody>
-          </p:sp>
-        </mc:Choice>
-        <mc:Fallback>
-          <p:sp>
-            <p:nvSpPr>
-              <p:cNvPr id="26" name="文字方塊 25"/>
-              <p:cNvSpPr txBox="1">
-                <a:spLocks noRot="1" noChangeAspect="1" noMove="1" noResize="1" noEditPoints="1" noAdjustHandles="1" noChangeArrowheads="1" noChangeShapeType="1" noTextEdit="1"/>
-              </p:cNvSpPr>
-              <p:nvPr/>
-            </p:nvSpPr>
-            <p:spPr>
-              <a:xfrm>
-                <a:off x="7765136" y="9501840"/>
-                <a:ext cx="2004460" cy="1354217"/>
-              </a:xfrm>
-              <a:prstGeom prst="rect">
-                <a:avLst/>
-              </a:prstGeom>
-              <a:blipFill rotWithShape="0">
-                <a:blip r:embed="rId9"/>
-                <a:stretch>
-                  <a:fillRect/>
-                </a:stretch>
-              </a:blipFill>
-            </p:spPr>
-            <p:txBody>
-              <a:bodyPr/>
-              <a:lstStyle/>
-              <a:p>
-                <a:r>
-                  <a:rPr lang="zh-TW" altLang="en-US">
-                    <a:noFill/>
-                  </a:rPr>
-                  <a:t> </a:t>
-                </a:r>
-              </a:p>
-            </p:txBody>
-          </p:sp>
-        </mc:Fallback>
-      </mc:AlternateContent>
-      <mc:AlternateContent xmlns:mc="http://schemas.openxmlformats.org/markup-compatibility/2006">
-        <mc:Choice xmlns:a14="http://schemas.microsoft.com/office/drawing/2010/main" Requires="a14">
-          <p:sp>
-            <p:nvSpPr>
-              <p:cNvPr id="27" name="文字方塊 26"/>
-              <p:cNvSpPr txBox="1"/>
-              <p:nvPr/>
-            </p:nvSpPr>
-            <p:spPr>
-              <a:xfrm>
-                <a:off x="8257985" y="8222333"/>
-                <a:ext cx="1337354" cy="1354217"/>
-              </a:xfrm>
-              <a:prstGeom prst="rect">
-                <a:avLst/>
-              </a:prstGeom>
-              <a:noFill/>
-            </p:spPr>
-            <p:txBody>
-              <a:bodyPr wrap="none" rtlCol="0">
-                <a:spAutoFit/>
-              </a:bodyPr>
-              <a:lstStyle/>
-              <a:p>
-                <a14:m>
-                  <m:oMathPara xmlns:m="http://schemas.openxmlformats.org/officeDocument/2006/math">
-                    <m:oMathParaPr>
-                      <m:jc m:val="centerGroup"/>
-                    </m:oMathParaPr>
-                    <m:oMath xmlns:m="http://schemas.openxmlformats.org/officeDocument/2006/math">
-                      <m:sSup>
-                        <m:sSupPr>
-                          <m:ctrlPr>
-                            <a:rPr kumimoji="1" lang="en-US" altLang="zh-TW" i="1" smtClean="0">
-                              <a:latin typeface="Cambria Math" charset="0"/>
-                            </a:rPr>
-                          </m:ctrlPr>
-                        </m:sSupPr>
-                        <m:e>
-                          <m:r>
-                            <a:rPr kumimoji="1" lang="en-US" altLang="zh-TW" b="0" i="1" smtClean="0">
-                              <a:latin typeface="Cambria Math" charset="0"/>
-                            </a:rPr>
-                            <m:t>𝑞</m:t>
-                          </m:r>
-                        </m:e>
-                        <m:sup>
-                          <m:r>
-                            <a:rPr kumimoji="1" lang="en-US" altLang="zh-TW" b="0" i="1" smtClean="0">
-                              <a:latin typeface="Cambria Math" charset="0"/>
-                            </a:rPr>
-                            <m:t>′</m:t>
-                          </m:r>
-                        </m:sup>
-                      </m:sSup>
-                    </m:oMath>
-                  </m:oMathPara>
-                </a14:m>
-                <a:endParaRPr kumimoji="1" lang="zh-TW" altLang="en-US" dirty="0"/>
-              </a:p>
-            </p:txBody>
-          </p:sp>
-        </mc:Choice>
-        <mc:Fallback>
-          <p:sp>
-            <p:nvSpPr>
-              <p:cNvPr id="27" name="文字方塊 26"/>
-              <p:cNvSpPr txBox="1">
-                <a:spLocks noRot="1" noChangeAspect="1" noMove="1" noResize="1" noEditPoints="1" noAdjustHandles="1" noChangeArrowheads="1" noChangeShapeType="1" noTextEdit="1"/>
-              </p:cNvSpPr>
-              <p:nvPr/>
-            </p:nvSpPr>
-            <p:spPr>
-              <a:xfrm>
-                <a:off x="8257985" y="8222333"/>
-                <a:ext cx="1337354" cy="1354217"/>
-              </a:xfrm>
-              <a:prstGeom prst="rect">
-                <a:avLst/>
-              </a:prstGeom>
-              <a:blipFill rotWithShape="0">
-                <a:blip r:embed="rId10"/>
-                <a:stretch>
-                  <a:fillRect/>
-                </a:stretch>
-              </a:blipFill>
-            </p:spPr>
-            <p:txBody>
-              <a:bodyPr/>
-              <a:lstStyle/>
-              <a:p>
-                <a:r>
-                  <a:rPr lang="zh-TW" altLang="en-US">
-                    <a:noFill/>
-                  </a:rPr>
-                  <a:t> </a:t>
-                </a:r>
-              </a:p>
-            </p:txBody>
-          </p:sp>
-        </mc:Fallback>
-      </mc:AlternateContent>
-      <mc:AlternateContent xmlns:mc="http://schemas.openxmlformats.org/markup-compatibility/2006">
-        <mc:Choice xmlns:a14="http://schemas.microsoft.com/office/drawing/2010/main" Requires="a14">
-          <p:sp>
-            <p:nvSpPr>
-              <p:cNvPr id="29" name="文字方塊 28"/>
-              <p:cNvSpPr txBox="1"/>
-              <p:nvPr/>
-            </p:nvSpPr>
-            <p:spPr>
-              <a:xfrm>
-                <a:off x="7367890" y="11678639"/>
-                <a:ext cx="2703444" cy="1354217"/>
-              </a:xfrm>
-              <a:prstGeom prst="rect">
-                <a:avLst/>
-              </a:prstGeom>
-              <a:noFill/>
-            </p:spPr>
-            <p:txBody>
-              <a:bodyPr wrap="square" rtlCol="0">
-                <a:spAutoFit/>
-              </a:bodyPr>
-              <a:lstStyle/>
-              <a:p>
-                <a14:m>
-                  <m:oMathPara xmlns:m="http://schemas.openxmlformats.org/officeDocument/2006/math">
-                    <m:oMathParaPr>
-                      <m:jc m:val="centerGroup"/>
-                    </m:oMathParaPr>
-                    <m:oMath xmlns:m="http://schemas.openxmlformats.org/officeDocument/2006/math">
-                      <m:r>
-                        <a:rPr kumimoji="1" lang="en-US" altLang="zh-TW" b="0" i="1" smtClean="0">
-                          <a:latin typeface="Cambria Math" charset="0"/>
-                        </a:rPr>
-                        <m:t>𝑞</m:t>
-                      </m:r>
-                    </m:oMath>
-                  </m:oMathPara>
-                </a14:m>
-                <a:endParaRPr kumimoji="1" lang="zh-TW" altLang="en-US" dirty="0"/>
-              </a:p>
-            </p:txBody>
-          </p:sp>
-        </mc:Choice>
-        <mc:Fallback>
-          <p:sp>
-            <p:nvSpPr>
-              <p:cNvPr id="29" name="文字方塊 28"/>
-              <p:cNvSpPr txBox="1">
-                <a:spLocks noRot="1" noChangeAspect="1" noMove="1" noResize="1" noEditPoints="1" noAdjustHandles="1" noChangeArrowheads="1" noChangeShapeType="1" noTextEdit="1"/>
-              </p:cNvSpPr>
-              <p:nvPr/>
-            </p:nvSpPr>
-            <p:spPr>
-              <a:xfrm>
-                <a:off x="7367890" y="11678639"/>
-                <a:ext cx="2703444" cy="1354217"/>
-              </a:xfrm>
-              <a:prstGeom prst="rect">
-                <a:avLst/>
-              </a:prstGeom>
-              <a:blipFill rotWithShape="0">
-                <a:blip r:embed="rId11"/>
-                <a:stretch>
-                  <a:fillRect/>
-                </a:stretch>
-              </a:blipFill>
-            </p:spPr>
-            <p:txBody>
-              <a:bodyPr/>
-              <a:lstStyle/>
-              <a:p>
-                <a:r>
-                  <a:rPr lang="zh-TW" altLang="en-US">
-                    <a:noFill/>
-                  </a:rPr>
-                  <a:t> </a:t>
-                </a:r>
-              </a:p>
-            </p:txBody>
-          </p:sp>
-        </mc:Fallback>
-      </mc:AlternateContent>
-      <mc:AlternateContent xmlns:mc="http://schemas.openxmlformats.org/markup-compatibility/2006">
-        <mc:Choice xmlns:a14="http://schemas.microsoft.com/office/drawing/2010/main" Requires="a14">
-          <p:sp>
-            <p:nvSpPr>
-              <p:cNvPr id="30" name="文字方塊 29"/>
-              <p:cNvSpPr txBox="1"/>
-              <p:nvPr/>
-            </p:nvSpPr>
-            <p:spPr>
-              <a:xfrm>
-                <a:off x="7705964" y="13029393"/>
-                <a:ext cx="2305878" cy="1354217"/>
-              </a:xfrm>
-              <a:prstGeom prst="rect">
-                <a:avLst/>
-              </a:prstGeom>
-              <a:noFill/>
-            </p:spPr>
-            <p:txBody>
-              <a:bodyPr wrap="square" rtlCol="0">
-                <a:spAutoFit/>
-              </a:bodyPr>
-              <a:lstStyle/>
-              <a:p>
-                <a14:m>
-                  <m:oMathPara xmlns:m="http://schemas.openxmlformats.org/officeDocument/2006/math">
-                    <m:oMathParaPr>
-                      <m:jc m:val="centerGroup"/>
-                    </m:oMathParaPr>
-                    <m:oMath xmlns:m="http://schemas.openxmlformats.org/officeDocument/2006/math">
-                      <m:sSup>
-                        <m:sSupPr>
-                          <m:ctrlPr>
-                            <a:rPr kumimoji="1" lang="en-US" altLang="zh-TW" i="1" smtClean="0">
-                              <a:latin typeface="Cambria Math" charset="0"/>
-                            </a:rPr>
-                          </m:ctrlPr>
-                        </m:sSupPr>
-                        <m:e>
-                          <m:r>
-                            <a:rPr kumimoji="1" lang="en-US" altLang="zh-TW" b="0" i="1" smtClean="0">
-                              <a:latin typeface="Cambria Math" charset="0"/>
-                            </a:rPr>
-                            <m:t>𝑞</m:t>
-                          </m:r>
-                        </m:e>
-                        <m:sup>
-                          <m:r>
-                            <a:rPr kumimoji="1" lang="en-US" altLang="zh-TW" b="0" i="1" smtClean="0">
-                              <a:latin typeface="Cambria Math" charset="0"/>
-                            </a:rPr>
-                            <m:t>′</m:t>
-                          </m:r>
-                        </m:sup>
-                      </m:sSup>
-                    </m:oMath>
-                  </m:oMathPara>
-                </a14:m>
-                <a:endParaRPr kumimoji="1" lang="zh-TW" altLang="en-US" dirty="0"/>
-              </a:p>
-            </p:txBody>
-          </p:sp>
-        </mc:Choice>
-        <mc:Fallback>
-          <p:sp>
-            <p:nvSpPr>
-              <p:cNvPr id="30" name="文字方塊 29"/>
-              <p:cNvSpPr txBox="1">
-                <a:spLocks noRot="1" noChangeAspect="1" noMove="1" noResize="1" noEditPoints="1" noAdjustHandles="1" noChangeArrowheads="1" noChangeShapeType="1" noTextEdit="1"/>
-              </p:cNvSpPr>
-              <p:nvPr/>
-            </p:nvSpPr>
-            <p:spPr>
-              <a:xfrm>
-                <a:off x="7705964" y="13029393"/>
-                <a:ext cx="2305878" cy="1354217"/>
-              </a:xfrm>
-              <a:prstGeom prst="rect">
-                <a:avLst/>
-              </a:prstGeom>
-              <a:blipFill rotWithShape="0">
-                <a:blip r:embed="rId12"/>
-                <a:stretch>
-                  <a:fillRect/>
-                </a:stretch>
-              </a:blipFill>
-            </p:spPr>
-            <p:txBody>
-              <a:bodyPr/>
-              <a:lstStyle/>
-              <a:p>
-                <a:r>
-                  <a:rPr lang="zh-TW" altLang="en-US">
-                    <a:noFill/>
-                  </a:rPr>
-                  <a:t> </a:t>
-                </a:r>
-              </a:p>
-            </p:txBody>
-          </p:sp>
-        </mc:Fallback>
-      </mc:AlternateContent>
-      <p:sp>
-        <p:nvSpPr>
-          <p:cNvPr id="31" name="橢圓 30"/>
-          <p:cNvSpPr/>
-          <p:nvPr/>
-        </p:nvSpPr>
-        <p:spPr>
-          <a:xfrm>
-            <a:off x="1726947" y="29476700"/>
-            <a:ext cx="1447800" cy="1498600"/>
-          </a:xfrm>
-          <a:prstGeom prst="ellipse">
-            <a:avLst/>
-          </a:prstGeom>
-          <a:noFill/>
-        </p:spPr>
-        <p:style>
-          <a:lnRef idx="1">
-            <a:schemeClr val="accent1"/>
-          </a:lnRef>
-          <a:fillRef idx="3">
-            <a:schemeClr val="accent1"/>
-          </a:fillRef>
-          <a:effectRef idx="2">
-            <a:schemeClr val="accent1"/>
-          </a:effectRef>
-          <a:fontRef idx="minor">
-            <a:schemeClr val="lt1"/>
-          </a:fontRef>
-        </p:style>
-        <p:txBody>
-          <a:bodyPr rtlCol="0" anchor="ctr"/>
-          <a:lstStyle/>
-          <a:p>
-            <a:pPr algn="ctr"/>
-            <a:endParaRPr kumimoji="1" lang="zh-TW" altLang="en-US"/>
-          </a:p>
-        </p:txBody>
-      </p:sp>
-      <p:sp>
-        <p:nvSpPr>
-          <p:cNvPr id="32" name="橢圓 31"/>
-          <p:cNvSpPr/>
-          <p:nvPr/>
-        </p:nvSpPr>
-        <p:spPr>
-          <a:xfrm flipH="1" flipV="1">
-            <a:off x="2057396" y="29667200"/>
-            <a:ext cx="45719" cy="76200"/>
-          </a:xfrm>
-          <a:prstGeom prst="ellipse">
-            <a:avLst/>
-          </a:prstGeom>
-        </p:spPr>
-        <p:style>
-          <a:lnRef idx="1">
-            <a:schemeClr val="accent6"/>
-          </a:lnRef>
-          <a:fillRef idx="2">
-            <a:schemeClr val="accent6"/>
-          </a:fillRef>
-          <a:effectRef idx="1">
-            <a:schemeClr val="accent6"/>
-          </a:effectRef>
-          <a:fontRef idx="minor">
-            <a:schemeClr val="dk1"/>
-          </a:fontRef>
-        </p:style>
-        <p:txBody>
-          <a:bodyPr rtlCol="0" anchor="ctr"/>
-          <a:lstStyle/>
-          <a:p>
-            <a:pPr algn="ctr"/>
-            <a:endParaRPr kumimoji="1" lang="zh-TW" altLang="en-US"/>
-          </a:p>
-        </p:txBody>
-      </p:sp>
-      <p:sp>
-        <p:nvSpPr>
-          <p:cNvPr id="33" name="橢圓 32"/>
-          <p:cNvSpPr/>
-          <p:nvPr/>
-        </p:nvSpPr>
-        <p:spPr>
-          <a:xfrm>
-            <a:off x="2373298" y="29724350"/>
-            <a:ext cx="45719" cy="101600"/>
-          </a:xfrm>
-          <a:prstGeom prst="ellipse">
-            <a:avLst/>
-          </a:prstGeom>
-        </p:spPr>
-        <p:style>
-          <a:lnRef idx="1">
-            <a:schemeClr val="accent6"/>
-          </a:lnRef>
-          <a:fillRef idx="2">
-            <a:schemeClr val="accent6"/>
-          </a:fillRef>
-          <a:effectRef idx="1">
-            <a:schemeClr val="accent6"/>
-          </a:effectRef>
-          <a:fontRef idx="minor">
-            <a:schemeClr val="dk1"/>
-          </a:fontRef>
-        </p:style>
-        <p:txBody>
-          <a:bodyPr rtlCol="0" anchor="ctr"/>
-          <a:lstStyle/>
-          <a:p>
-            <a:pPr algn="ctr"/>
-            <a:endParaRPr kumimoji="1" lang="zh-TW" altLang="en-US"/>
-          </a:p>
-        </p:txBody>
-      </p:sp>
-      <p:sp>
-        <p:nvSpPr>
-          <p:cNvPr id="34" name="橢圓 33"/>
-          <p:cNvSpPr/>
-          <p:nvPr/>
-        </p:nvSpPr>
-        <p:spPr>
-          <a:xfrm>
-            <a:off x="2098659" y="30035500"/>
-            <a:ext cx="45719" cy="101600"/>
-          </a:xfrm>
-          <a:prstGeom prst="ellipse">
-            <a:avLst/>
-          </a:prstGeom>
-        </p:spPr>
-        <p:style>
-          <a:lnRef idx="1">
-            <a:schemeClr val="accent6"/>
-          </a:lnRef>
-          <a:fillRef idx="2">
-            <a:schemeClr val="accent6"/>
-          </a:fillRef>
-          <a:effectRef idx="1">
-            <a:schemeClr val="accent6"/>
-          </a:effectRef>
-          <a:fontRef idx="minor">
-            <a:schemeClr val="dk1"/>
-          </a:fontRef>
-        </p:style>
-        <p:txBody>
-          <a:bodyPr rtlCol="0" anchor="ctr"/>
-          <a:lstStyle/>
-          <a:p>
-            <a:pPr algn="ctr"/>
-            <a:endParaRPr kumimoji="1" lang="zh-TW" altLang="en-US"/>
-          </a:p>
-        </p:txBody>
-      </p:sp>
-      <p:sp>
-        <p:nvSpPr>
-          <p:cNvPr id="35" name="橢圓 34"/>
-          <p:cNvSpPr/>
-          <p:nvPr/>
-        </p:nvSpPr>
-        <p:spPr>
-          <a:xfrm>
-            <a:off x="2885791" y="30470732"/>
-            <a:ext cx="120774" cy="142618"/>
-          </a:xfrm>
-          <a:prstGeom prst="ellipse">
-            <a:avLst/>
-          </a:prstGeom>
-        </p:spPr>
-        <p:style>
-          <a:lnRef idx="1">
-            <a:schemeClr val="accent6"/>
-          </a:lnRef>
-          <a:fillRef idx="2">
-            <a:schemeClr val="accent6"/>
-          </a:fillRef>
-          <a:effectRef idx="1">
-            <a:schemeClr val="accent6"/>
-          </a:effectRef>
-          <a:fontRef idx="minor">
-            <a:schemeClr val="dk1"/>
-          </a:fontRef>
-        </p:style>
-        <p:txBody>
-          <a:bodyPr rtlCol="0" anchor="ctr"/>
-          <a:lstStyle/>
-          <a:p>
-            <a:pPr algn="ctr"/>
-            <a:endParaRPr kumimoji="1" lang="zh-TW" altLang="en-US"/>
-          </a:p>
-        </p:txBody>
-      </p:sp>
-      <p:sp>
-        <p:nvSpPr>
-          <p:cNvPr id="36" name="橢圓 35"/>
-          <p:cNvSpPr/>
-          <p:nvPr/>
-        </p:nvSpPr>
-        <p:spPr>
-          <a:xfrm flipH="1" flipV="1">
-            <a:off x="5379020" y="29413200"/>
-            <a:ext cx="45719" cy="203200"/>
-          </a:xfrm>
-          <a:prstGeom prst="ellipse">
-            <a:avLst/>
-          </a:prstGeom>
-        </p:spPr>
-        <p:style>
-          <a:lnRef idx="1">
-            <a:schemeClr val="accent6"/>
-          </a:lnRef>
-          <a:fillRef idx="2">
-            <a:schemeClr val="accent6"/>
-          </a:fillRef>
-          <a:effectRef idx="1">
-            <a:schemeClr val="accent6"/>
-          </a:effectRef>
-          <a:fontRef idx="minor">
-            <a:schemeClr val="dk1"/>
-          </a:fontRef>
-        </p:style>
-        <p:txBody>
-          <a:bodyPr rtlCol="0" anchor="ctr"/>
-          <a:lstStyle/>
-          <a:p>
-            <a:pPr algn="ctr"/>
-            <a:endParaRPr kumimoji="1" lang="zh-TW" altLang="en-US"/>
-          </a:p>
-        </p:txBody>
-      </p:sp>
-      <p:sp>
-        <p:nvSpPr>
-          <p:cNvPr id="37" name="橢圓 36"/>
-          <p:cNvSpPr/>
-          <p:nvPr/>
-        </p:nvSpPr>
-        <p:spPr>
-          <a:xfrm>
-            <a:off x="2499359" y="30514925"/>
-            <a:ext cx="150679" cy="196850"/>
-          </a:xfrm>
-          <a:prstGeom prst="ellipse">
-            <a:avLst/>
-          </a:prstGeom>
-        </p:spPr>
-        <p:style>
-          <a:lnRef idx="1">
-            <a:schemeClr val="accent6"/>
-          </a:lnRef>
-          <a:fillRef idx="2">
-            <a:schemeClr val="accent6"/>
-          </a:fillRef>
-          <a:effectRef idx="1">
-            <a:schemeClr val="accent6"/>
-          </a:effectRef>
-          <a:fontRef idx="minor">
-            <a:schemeClr val="dk1"/>
-          </a:fontRef>
-        </p:style>
-        <p:txBody>
-          <a:bodyPr rtlCol="0" anchor="ctr"/>
-          <a:lstStyle/>
-          <a:p>
-            <a:pPr algn="ctr"/>
-            <a:endParaRPr kumimoji="1" lang="zh-TW" altLang="en-US"/>
-          </a:p>
-        </p:txBody>
-      </p:sp>
-      <p:sp>
-        <p:nvSpPr>
-          <p:cNvPr id="38" name="橢圓 37"/>
-          <p:cNvSpPr/>
-          <p:nvPr/>
-        </p:nvSpPr>
-        <p:spPr>
-          <a:xfrm>
-            <a:off x="6061185" y="30810200"/>
-            <a:ext cx="45719" cy="101600"/>
-          </a:xfrm>
-          <a:prstGeom prst="ellipse">
-            <a:avLst/>
-          </a:prstGeom>
-        </p:spPr>
-        <p:style>
-          <a:lnRef idx="1">
-            <a:schemeClr val="accent6"/>
-          </a:lnRef>
-          <a:fillRef idx="2">
-            <a:schemeClr val="accent6"/>
-          </a:fillRef>
-          <a:effectRef idx="1">
-            <a:schemeClr val="accent6"/>
-          </a:effectRef>
-          <a:fontRef idx="minor">
-            <a:schemeClr val="dk1"/>
-          </a:fontRef>
-        </p:style>
-        <p:txBody>
-          <a:bodyPr rtlCol="0" anchor="ctr"/>
-          <a:lstStyle/>
-          <a:p>
-            <a:pPr algn="ctr"/>
-            <a:endParaRPr kumimoji="1" lang="zh-TW" altLang="en-US"/>
-          </a:p>
-        </p:txBody>
-      </p:sp>
-      <p:sp>
-        <p:nvSpPr>
-          <p:cNvPr id="39" name="橢圓 38"/>
-          <p:cNvSpPr/>
-          <p:nvPr/>
-        </p:nvSpPr>
-        <p:spPr>
-          <a:xfrm>
-            <a:off x="2835687" y="30035500"/>
-            <a:ext cx="109816" cy="139700"/>
-          </a:xfrm>
-          <a:prstGeom prst="ellipse">
-            <a:avLst/>
-          </a:prstGeom>
-        </p:spPr>
-        <p:style>
-          <a:lnRef idx="1">
-            <a:schemeClr val="accent6"/>
-          </a:lnRef>
-          <a:fillRef idx="2">
-            <a:schemeClr val="accent6"/>
-          </a:fillRef>
-          <a:effectRef idx="1">
-            <a:schemeClr val="accent6"/>
-          </a:effectRef>
-          <a:fontRef idx="minor">
-            <a:schemeClr val="dk1"/>
-          </a:fontRef>
-        </p:style>
-        <p:txBody>
-          <a:bodyPr rtlCol="0" anchor="ctr"/>
-          <a:lstStyle/>
-          <a:p>
-            <a:pPr algn="ctr"/>
-            <a:endParaRPr kumimoji="1" lang="zh-TW" altLang="en-US"/>
-          </a:p>
-        </p:txBody>
-      </p:sp>
-      <p:sp>
-        <p:nvSpPr>
-          <p:cNvPr id="40" name="橢圓 39"/>
-          <p:cNvSpPr/>
-          <p:nvPr/>
-        </p:nvSpPr>
-        <p:spPr>
-          <a:xfrm>
-            <a:off x="7409941" y="29921200"/>
-            <a:ext cx="45719" cy="101600"/>
-          </a:xfrm>
-          <a:prstGeom prst="ellipse">
-            <a:avLst/>
-          </a:prstGeom>
-        </p:spPr>
-        <p:style>
-          <a:lnRef idx="1">
-            <a:schemeClr val="accent6"/>
-          </a:lnRef>
-          <a:fillRef idx="2">
-            <a:schemeClr val="accent6"/>
-          </a:fillRef>
-          <a:effectRef idx="1">
-            <a:schemeClr val="accent6"/>
-          </a:effectRef>
-          <a:fontRef idx="minor">
-            <a:schemeClr val="dk1"/>
-          </a:fontRef>
-        </p:style>
-        <p:txBody>
-          <a:bodyPr rtlCol="0" anchor="ctr"/>
-          <a:lstStyle/>
-          <a:p>
-            <a:pPr algn="ctr"/>
-            <a:endParaRPr kumimoji="1" lang="zh-TW" altLang="en-US"/>
-          </a:p>
-        </p:txBody>
-      </p:sp>
-      <p:sp>
-        <p:nvSpPr>
-          <p:cNvPr id="41" name="橢圓 40"/>
-          <p:cNvSpPr/>
-          <p:nvPr/>
-        </p:nvSpPr>
-        <p:spPr>
-          <a:xfrm>
-            <a:off x="7562341" y="30073600"/>
-            <a:ext cx="45719" cy="101600"/>
-          </a:xfrm>
-          <a:prstGeom prst="ellipse">
-            <a:avLst/>
-          </a:prstGeom>
-        </p:spPr>
-        <p:style>
-          <a:lnRef idx="1">
-            <a:schemeClr val="accent6"/>
-          </a:lnRef>
-          <a:fillRef idx="2">
-            <a:schemeClr val="accent6"/>
-          </a:fillRef>
-          <a:effectRef idx="1">
-            <a:schemeClr val="accent6"/>
-          </a:effectRef>
-          <a:fontRef idx="minor">
-            <a:schemeClr val="dk1"/>
-          </a:fontRef>
-        </p:style>
-        <p:txBody>
-          <a:bodyPr rtlCol="0" anchor="ctr"/>
-          <a:lstStyle/>
-          <a:p>
-            <a:pPr algn="ctr"/>
-            <a:endParaRPr kumimoji="1" lang="zh-TW" altLang="en-US"/>
-          </a:p>
-        </p:txBody>
-      </p:sp>
-      <p:sp>
-        <p:nvSpPr>
-          <p:cNvPr id="42" name="橢圓 41"/>
-          <p:cNvSpPr/>
-          <p:nvPr/>
-        </p:nvSpPr>
-        <p:spPr>
-          <a:xfrm>
-            <a:off x="7714741" y="30226000"/>
-            <a:ext cx="45719" cy="101600"/>
-          </a:xfrm>
-          <a:prstGeom prst="ellipse">
-            <a:avLst/>
-          </a:prstGeom>
-        </p:spPr>
-        <p:style>
-          <a:lnRef idx="1">
-            <a:schemeClr val="accent6"/>
-          </a:lnRef>
-          <a:fillRef idx="2">
-            <a:schemeClr val="accent6"/>
-          </a:fillRef>
-          <a:effectRef idx="1">
-            <a:schemeClr val="accent6"/>
-          </a:effectRef>
-          <a:fontRef idx="minor">
-            <a:schemeClr val="dk1"/>
-          </a:fontRef>
-        </p:style>
-        <p:txBody>
-          <a:bodyPr rtlCol="0" anchor="ctr"/>
-          <a:lstStyle/>
-          <a:p>
-            <a:pPr algn="ctr"/>
-            <a:endParaRPr kumimoji="1" lang="zh-TW" altLang="en-US"/>
-          </a:p>
-        </p:txBody>
-      </p:sp>
-      <p:sp>
-        <p:nvSpPr>
-          <p:cNvPr id="43" name="橢圓 42"/>
-          <p:cNvSpPr/>
-          <p:nvPr/>
-        </p:nvSpPr>
-        <p:spPr>
-          <a:xfrm>
-            <a:off x="7867141" y="30378400"/>
-            <a:ext cx="45719" cy="101600"/>
-          </a:xfrm>
-          <a:prstGeom prst="ellipse">
-            <a:avLst/>
-          </a:prstGeom>
-        </p:spPr>
-        <p:style>
-          <a:lnRef idx="1">
-            <a:schemeClr val="accent6"/>
-          </a:lnRef>
-          <a:fillRef idx="2">
-            <a:schemeClr val="accent6"/>
-          </a:fillRef>
-          <a:effectRef idx="1">
-            <a:schemeClr val="accent6"/>
-          </a:effectRef>
-          <a:fontRef idx="minor">
-            <a:schemeClr val="dk1"/>
-          </a:fontRef>
-        </p:style>
-        <p:txBody>
-          <a:bodyPr rtlCol="0" anchor="ctr"/>
-          <a:lstStyle/>
-          <a:p>
-            <a:pPr algn="ctr"/>
-            <a:endParaRPr kumimoji="1" lang="zh-TW" altLang="en-US"/>
-          </a:p>
-        </p:txBody>
-      </p:sp>
-      <p:sp>
-        <p:nvSpPr>
-          <p:cNvPr id="44" name="橢圓 43"/>
-          <p:cNvSpPr/>
-          <p:nvPr/>
-        </p:nvSpPr>
-        <p:spPr>
-          <a:xfrm>
-            <a:off x="2825827" y="31546800"/>
-            <a:ext cx="1447800" cy="1498600"/>
-          </a:xfrm>
-          <a:prstGeom prst="ellipse">
-            <a:avLst/>
-          </a:prstGeom>
-          <a:noFill/>
-        </p:spPr>
-        <p:style>
-          <a:lnRef idx="1">
-            <a:schemeClr val="accent1"/>
-          </a:lnRef>
-          <a:fillRef idx="3">
-            <a:schemeClr val="accent1"/>
-          </a:fillRef>
-          <a:effectRef idx="2">
-            <a:schemeClr val="accent1"/>
-          </a:effectRef>
-          <a:fontRef idx="minor">
-            <a:schemeClr val="lt1"/>
-          </a:fontRef>
-        </p:style>
-        <p:txBody>
-          <a:bodyPr rtlCol="0" anchor="ctr"/>
-          <a:lstStyle/>
-          <a:p>
-            <a:pPr algn="ctr"/>
-            <a:endParaRPr kumimoji="1" lang="zh-TW" altLang="en-US"/>
-          </a:p>
-        </p:txBody>
-      </p:sp>
-      <p:sp>
-        <p:nvSpPr>
-          <p:cNvPr id="45" name="橢圓 44"/>
-          <p:cNvSpPr/>
-          <p:nvPr/>
-        </p:nvSpPr>
-        <p:spPr>
-          <a:xfrm flipH="1" flipV="1">
-            <a:off x="3130623" y="31800800"/>
-            <a:ext cx="45719" cy="76200"/>
-          </a:xfrm>
-          <a:prstGeom prst="ellipse">
-            <a:avLst/>
-          </a:prstGeom>
-        </p:spPr>
-        <p:style>
-          <a:lnRef idx="1">
-            <a:schemeClr val="accent6"/>
-          </a:lnRef>
-          <a:fillRef idx="2">
-            <a:schemeClr val="accent6"/>
-          </a:fillRef>
-          <a:effectRef idx="1">
-            <a:schemeClr val="accent6"/>
-          </a:effectRef>
-          <a:fontRef idx="minor">
-            <a:schemeClr val="dk1"/>
-          </a:fontRef>
-        </p:style>
-        <p:txBody>
-          <a:bodyPr rtlCol="0" anchor="ctr"/>
-          <a:lstStyle/>
-          <a:p>
-            <a:pPr algn="ctr"/>
-            <a:endParaRPr kumimoji="1" lang="zh-TW" altLang="en-US"/>
-          </a:p>
-        </p:txBody>
-      </p:sp>
-      <p:sp>
-        <p:nvSpPr>
-          <p:cNvPr id="46" name="橢圓 45"/>
-          <p:cNvSpPr/>
-          <p:nvPr/>
-        </p:nvSpPr>
-        <p:spPr>
-          <a:xfrm>
-            <a:off x="3549727" y="31902400"/>
-            <a:ext cx="45719" cy="101600"/>
-          </a:xfrm>
-          <a:prstGeom prst="ellipse">
-            <a:avLst/>
-          </a:prstGeom>
-        </p:spPr>
-        <p:style>
-          <a:lnRef idx="1">
-            <a:schemeClr val="accent6"/>
-          </a:lnRef>
-          <a:fillRef idx="2">
-            <a:schemeClr val="accent6"/>
-          </a:fillRef>
-          <a:effectRef idx="1">
-            <a:schemeClr val="accent6"/>
-          </a:effectRef>
-          <a:fontRef idx="minor">
-            <a:schemeClr val="dk1"/>
-          </a:fontRef>
-        </p:style>
-        <p:txBody>
-          <a:bodyPr rtlCol="0" anchor="ctr"/>
-          <a:lstStyle/>
-          <a:p>
-            <a:pPr algn="ctr"/>
-            <a:endParaRPr kumimoji="1" lang="zh-TW" altLang="en-US"/>
-          </a:p>
-        </p:txBody>
-      </p:sp>
-      <p:sp>
-        <p:nvSpPr>
-          <p:cNvPr id="47" name="橢圓 46"/>
-          <p:cNvSpPr/>
-          <p:nvPr/>
-        </p:nvSpPr>
-        <p:spPr>
-          <a:xfrm>
-            <a:off x="3091903" y="32194500"/>
-            <a:ext cx="45719" cy="101600"/>
-          </a:xfrm>
-          <a:prstGeom prst="ellipse">
-            <a:avLst/>
-          </a:prstGeom>
-        </p:spPr>
-        <p:style>
-          <a:lnRef idx="1">
-            <a:schemeClr val="accent6"/>
-          </a:lnRef>
-          <a:fillRef idx="2">
-            <a:schemeClr val="accent6"/>
-          </a:fillRef>
-          <a:effectRef idx="1">
-            <a:schemeClr val="accent6"/>
-          </a:effectRef>
-          <a:fontRef idx="minor">
-            <a:schemeClr val="dk1"/>
-          </a:fontRef>
-        </p:style>
-        <p:txBody>
-          <a:bodyPr rtlCol="0" anchor="ctr"/>
-          <a:lstStyle/>
-          <a:p>
-            <a:pPr algn="ctr"/>
-            <a:endParaRPr kumimoji="1" lang="zh-TW" altLang="en-US"/>
-          </a:p>
-        </p:txBody>
-      </p:sp>
-      <p:sp>
-        <p:nvSpPr>
-          <p:cNvPr id="48" name="橢圓 47"/>
-          <p:cNvSpPr/>
-          <p:nvPr/>
-        </p:nvSpPr>
-        <p:spPr>
-          <a:xfrm>
-            <a:off x="3923582" y="32562800"/>
-            <a:ext cx="45719" cy="101600"/>
-          </a:xfrm>
-          <a:prstGeom prst="ellipse">
-            <a:avLst/>
-          </a:prstGeom>
-        </p:spPr>
-        <p:style>
-          <a:lnRef idx="1">
-            <a:schemeClr val="accent6"/>
-          </a:lnRef>
-          <a:fillRef idx="2">
-            <a:schemeClr val="accent6"/>
-          </a:fillRef>
-          <a:effectRef idx="1">
-            <a:schemeClr val="accent6"/>
-          </a:effectRef>
-          <a:fontRef idx="minor">
-            <a:schemeClr val="dk1"/>
-          </a:fontRef>
-        </p:style>
-        <p:txBody>
-          <a:bodyPr rtlCol="0" anchor="ctr"/>
-          <a:lstStyle/>
-          <a:p>
-            <a:pPr algn="ctr"/>
-            <a:endParaRPr kumimoji="1" lang="zh-TW" altLang="en-US"/>
-          </a:p>
-        </p:txBody>
-      </p:sp>
-      <p:sp>
-        <p:nvSpPr>
-          <p:cNvPr id="49" name="橢圓 48"/>
-          <p:cNvSpPr/>
-          <p:nvPr/>
-        </p:nvSpPr>
-        <p:spPr>
-          <a:xfrm>
-            <a:off x="3504008" y="32512000"/>
-            <a:ext cx="45719" cy="101600"/>
-          </a:xfrm>
-          <a:prstGeom prst="ellipse">
-            <a:avLst/>
-          </a:prstGeom>
-        </p:spPr>
-        <p:style>
-          <a:lnRef idx="1">
-            <a:schemeClr val="accent6"/>
-          </a:lnRef>
-          <a:fillRef idx="2">
-            <a:schemeClr val="accent6"/>
-          </a:fillRef>
-          <a:effectRef idx="1">
-            <a:schemeClr val="accent6"/>
-          </a:effectRef>
-          <a:fontRef idx="minor">
-            <a:schemeClr val="dk1"/>
-          </a:fontRef>
-        </p:style>
-        <p:txBody>
-          <a:bodyPr rtlCol="0" anchor="ctr"/>
-          <a:lstStyle/>
-          <a:p>
-            <a:pPr algn="ctr"/>
-            <a:endParaRPr kumimoji="1" lang="zh-TW" altLang="en-US"/>
-          </a:p>
-        </p:txBody>
-      </p:sp>
-      <p:sp>
-        <p:nvSpPr>
-          <p:cNvPr id="50" name="橢圓 49"/>
-          <p:cNvSpPr/>
-          <p:nvPr/>
-        </p:nvSpPr>
-        <p:spPr>
-          <a:xfrm>
-            <a:off x="3985740" y="32194500"/>
-            <a:ext cx="45719" cy="101600"/>
-          </a:xfrm>
-          <a:prstGeom prst="ellipse">
-            <a:avLst/>
-          </a:prstGeom>
-        </p:spPr>
-        <p:style>
-          <a:lnRef idx="1">
-            <a:schemeClr val="accent6"/>
-          </a:lnRef>
-          <a:fillRef idx="2">
-            <a:schemeClr val="accent6"/>
-          </a:fillRef>
-          <a:effectRef idx="1">
-            <a:schemeClr val="accent6"/>
-          </a:effectRef>
-          <a:fontRef idx="minor">
-            <a:schemeClr val="dk1"/>
-          </a:fontRef>
-        </p:style>
-        <p:txBody>
-          <a:bodyPr rtlCol="0" anchor="ctr"/>
-          <a:lstStyle/>
-          <a:p>
-            <a:pPr algn="ctr"/>
-            <a:endParaRPr kumimoji="1" lang="zh-TW" altLang="en-US"/>
-          </a:p>
-        </p:txBody>
-      </p:sp>
-      <p:sp>
-        <p:nvSpPr>
-          <p:cNvPr id="51" name="橢圓 50"/>
-          <p:cNvSpPr/>
-          <p:nvPr/>
-        </p:nvSpPr>
-        <p:spPr>
-          <a:xfrm flipH="1">
-            <a:off x="7443272" y="31953200"/>
-            <a:ext cx="272440" cy="190500"/>
-          </a:xfrm>
-          <a:prstGeom prst="ellipse">
-            <a:avLst/>
-          </a:prstGeom>
-        </p:spPr>
-        <p:style>
-          <a:lnRef idx="1">
-            <a:schemeClr val="accent1"/>
-          </a:lnRef>
-          <a:fillRef idx="3">
-            <a:schemeClr val="accent1"/>
-          </a:fillRef>
-          <a:effectRef idx="2">
-            <a:schemeClr val="accent1"/>
-          </a:effectRef>
-          <a:fontRef idx="minor">
-            <a:schemeClr val="lt1"/>
-          </a:fontRef>
-        </p:style>
-        <p:txBody>
-          <a:bodyPr rtlCol="0" anchor="ctr"/>
-          <a:lstStyle/>
-          <a:p>
-            <a:pPr algn="ctr"/>
-            <a:endParaRPr kumimoji="1" lang="zh-TW" altLang="en-US"/>
-          </a:p>
-        </p:txBody>
-      </p:sp>
-      <p:sp>
-        <p:nvSpPr>
-          <p:cNvPr id="52" name="橢圓 51"/>
-          <p:cNvSpPr/>
-          <p:nvPr/>
-        </p:nvSpPr>
-        <p:spPr>
-          <a:xfrm flipH="1">
-            <a:off x="2363139" y="30137100"/>
-            <a:ext cx="272440" cy="190500"/>
-          </a:xfrm>
-          <a:prstGeom prst="ellipse">
-            <a:avLst/>
-          </a:prstGeom>
-        </p:spPr>
-        <p:style>
-          <a:lnRef idx="1">
-            <a:schemeClr val="dk1"/>
-          </a:lnRef>
-          <a:fillRef idx="3">
-            <a:schemeClr val="dk1"/>
-          </a:fillRef>
-          <a:effectRef idx="2">
-            <a:schemeClr val="dk1"/>
-          </a:effectRef>
-          <a:fontRef idx="minor">
-            <a:schemeClr val="lt1"/>
-          </a:fontRef>
-        </p:style>
-        <p:txBody>
-          <a:bodyPr rtlCol="0" anchor="ctr"/>
-          <a:lstStyle/>
-          <a:p>
-            <a:pPr algn="ctr"/>
-            <a:endParaRPr kumimoji="1" lang="zh-TW" altLang="en-US"/>
-          </a:p>
-        </p:txBody>
-      </p:sp>
-      <p:sp>
-        <p:nvSpPr>
-          <p:cNvPr id="53" name="橢圓 52"/>
-          <p:cNvSpPr/>
-          <p:nvPr/>
-        </p:nvSpPr>
-        <p:spPr>
-          <a:xfrm flipH="1">
-            <a:off x="3654847" y="32331283"/>
-            <a:ext cx="272440" cy="190500"/>
-          </a:xfrm>
-          <a:prstGeom prst="ellipse">
-            <a:avLst/>
-          </a:prstGeom>
-        </p:spPr>
-        <p:style>
-          <a:lnRef idx="1">
-            <a:schemeClr val="dk1"/>
-          </a:lnRef>
-          <a:fillRef idx="3">
-            <a:schemeClr val="dk1"/>
-          </a:fillRef>
-          <a:effectRef idx="2">
-            <a:schemeClr val="dk1"/>
-          </a:effectRef>
-          <a:fontRef idx="minor">
-            <a:schemeClr val="lt1"/>
-          </a:fontRef>
-        </p:style>
-        <p:txBody>
-          <a:bodyPr rtlCol="0" anchor="ctr"/>
-          <a:lstStyle/>
-          <a:p>
-            <a:pPr algn="ctr"/>
-            <a:endParaRPr kumimoji="1" lang="zh-TW" altLang="en-US"/>
-          </a:p>
-        </p:txBody>
-      </p:sp>
-      <p:sp>
-        <p:nvSpPr>
-          <p:cNvPr id="54" name="橢圓 53"/>
-          <p:cNvSpPr/>
-          <p:nvPr/>
-        </p:nvSpPr>
-        <p:spPr>
-          <a:xfrm flipH="1">
-            <a:off x="3231568" y="31953200"/>
-            <a:ext cx="272440" cy="190500"/>
-          </a:xfrm>
-          <a:prstGeom prst="ellipse">
-            <a:avLst/>
-          </a:prstGeom>
-          <a:ln/>
-        </p:spPr>
-        <p:style>
-          <a:lnRef idx="1">
-            <a:schemeClr val="dk1"/>
-          </a:lnRef>
-          <a:fillRef idx="3">
-            <a:schemeClr val="dk1"/>
-          </a:fillRef>
-          <a:effectRef idx="2">
-            <a:schemeClr val="dk1"/>
-          </a:effectRef>
-          <a:fontRef idx="minor">
-            <a:schemeClr val="lt1"/>
-          </a:fontRef>
-        </p:style>
-        <p:txBody>
-          <a:bodyPr rtlCol="0" anchor="ctr"/>
-          <a:lstStyle/>
-          <a:p>
-            <a:pPr algn="ctr"/>
-            <a:endParaRPr kumimoji="1" lang="zh-TW" altLang="en-US"/>
-          </a:p>
-        </p:txBody>
-      </p:sp>
-    </p:spTree>
-    <p:extLst>
-      <p:ext uri="{BB962C8B-B14F-4D97-AF65-F5344CB8AC3E}">
-        <p14:creationId xmlns:p14="http://schemas.microsoft.com/office/powerpoint/2010/main" val="186875962"/>
-      </p:ext>
-    </p:extLst>
-  </p:cSld>
-  <p:clrMapOvr>
-    <a:masterClrMapping/>
-  </p:clrMapOvr>
-</p:sld>
-</file>
-
 <file path=ppt/theme/theme1.xml><?xml version="1.0" encoding="utf-8"?>
 <a:theme xmlns:a="http://schemas.openxmlformats.org/drawingml/2006/main" name="Office 佈景主題">
   <a:themeElements>

--- a/2017_PSROC_poster_Jet substructure.pptx
+++ b/2017_PSROC_poster_Jet substructure.pptx
@@ -4180,7 +4180,7 @@
           <a:graphicData uri="http://schemas.openxmlformats.org/presentationml/2006/ole">
             <mc:AlternateContent xmlns:mc="http://schemas.openxmlformats.org/markup-compatibility/2006">
               <mc:Choice xmlns:v="urn:schemas-microsoft-com:vml" Requires="v">
-                <p:oleObj spid="_x0000_s1590" name="方程式" r:id="rId9" imgW="190500" imgH="152400" progId="Equation.3">
+                <p:oleObj spid="_x0000_s1591" name="方程式" r:id="rId9" imgW="190500" imgH="152400" progId="Equation.3">
                   <p:embed/>
                 </p:oleObj>
               </mc:Choice>

--- a/2017_PSROC_poster_Jet substructure.pptx
+++ b/2017_PSROC_poster_Jet substructure.pptx
@@ -304,7 +304,7 @@
           <a:p>
             <a:fld id="{6AE2C996-D988-194F-8F02-BEBA5B6C0990}" type="datetimeFigureOut">
               <a:rPr kumimoji="1" lang="zh-TW" altLang="en-US" smtClean="0"/>
-              <a:t>2017/12/20</a:t>
+              <a:t>2017/12/27</a:t>
             </a:fld>
             <a:endParaRPr kumimoji="1" lang="zh-TW" altLang="en-US"/>
           </a:p>
@@ -474,7 +474,7 @@
           <a:p>
             <a:fld id="{6AE2C996-D988-194F-8F02-BEBA5B6C0990}" type="datetimeFigureOut">
               <a:rPr kumimoji="1" lang="zh-TW" altLang="en-US" smtClean="0"/>
-              <a:t>2017/12/20</a:t>
+              <a:t>2017/12/27</a:t>
             </a:fld>
             <a:endParaRPr kumimoji="1" lang="zh-TW" altLang="en-US"/>
           </a:p>
@@ -654,7 +654,7 @@
           <a:p>
             <a:fld id="{6AE2C996-D988-194F-8F02-BEBA5B6C0990}" type="datetimeFigureOut">
               <a:rPr kumimoji="1" lang="zh-TW" altLang="en-US" smtClean="0"/>
-              <a:t>2017/12/20</a:t>
+              <a:t>2017/12/27</a:t>
             </a:fld>
             <a:endParaRPr kumimoji="1" lang="zh-TW" altLang="en-US"/>
           </a:p>
@@ -824,7 +824,7 @@
           <a:p>
             <a:fld id="{6AE2C996-D988-194F-8F02-BEBA5B6C0990}" type="datetimeFigureOut">
               <a:rPr kumimoji="1" lang="zh-TW" altLang="en-US" smtClean="0"/>
-              <a:t>2017/12/20</a:t>
+              <a:t>2017/12/27</a:t>
             </a:fld>
             <a:endParaRPr kumimoji="1" lang="zh-TW" altLang="en-US"/>
           </a:p>
@@ -1070,7 +1070,7 @@
           <a:p>
             <a:fld id="{6AE2C996-D988-194F-8F02-BEBA5B6C0990}" type="datetimeFigureOut">
               <a:rPr kumimoji="1" lang="zh-TW" altLang="en-US" smtClean="0"/>
-              <a:t>2017/12/20</a:t>
+              <a:t>2017/12/27</a:t>
             </a:fld>
             <a:endParaRPr kumimoji="1" lang="zh-TW" altLang="en-US"/>
           </a:p>
@@ -1358,7 +1358,7 @@
           <a:p>
             <a:fld id="{6AE2C996-D988-194F-8F02-BEBA5B6C0990}" type="datetimeFigureOut">
               <a:rPr kumimoji="1" lang="zh-TW" altLang="en-US" smtClean="0"/>
-              <a:t>2017/12/20</a:t>
+              <a:t>2017/12/27</a:t>
             </a:fld>
             <a:endParaRPr kumimoji="1" lang="zh-TW" altLang="en-US"/>
           </a:p>
@@ -1780,7 +1780,7 @@
           <a:p>
             <a:fld id="{6AE2C996-D988-194F-8F02-BEBA5B6C0990}" type="datetimeFigureOut">
               <a:rPr kumimoji="1" lang="zh-TW" altLang="en-US" smtClean="0"/>
-              <a:t>2017/12/20</a:t>
+              <a:t>2017/12/27</a:t>
             </a:fld>
             <a:endParaRPr kumimoji="1" lang="zh-TW" altLang="en-US"/>
           </a:p>
@@ -1898,7 +1898,7 @@
           <a:p>
             <a:fld id="{6AE2C996-D988-194F-8F02-BEBA5B6C0990}" type="datetimeFigureOut">
               <a:rPr kumimoji="1" lang="zh-TW" altLang="en-US" smtClean="0"/>
-              <a:t>2017/12/20</a:t>
+              <a:t>2017/12/27</a:t>
             </a:fld>
             <a:endParaRPr kumimoji="1" lang="zh-TW" altLang="en-US"/>
           </a:p>
@@ -1993,7 +1993,7 @@
           <a:p>
             <a:fld id="{6AE2C996-D988-194F-8F02-BEBA5B6C0990}" type="datetimeFigureOut">
               <a:rPr kumimoji="1" lang="zh-TW" altLang="en-US" smtClean="0"/>
-              <a:t>2017/12/20</a:t>
+              <a:t>2017/12/27</a:t>
             </a:fld>
             <a:endParaRPr kumimoji="1" lang="zh-TW" altLang="en-US"/>
           </a:p>
@@ -2270,7 +2270,7 @@
           <a:p>
             <a:fld id="{6AE2C996-D988-194F-8F02-BEBA5B6C0990}" type="datetimeFigureOut">
               <a:rPr kumimoji="1" lang="zh-TW" altLang="en-US" smtClean="0"/>
-              <a:t>2017/12/20</a:t>
+              <a:t>2017/12/27</a:t>
             </a:fld>
             <a:endParaRPr kumimoji="1" lang="zh-TW" altLang="en-US"/>
           </a:p>
@@ -2523,7 +2523,7 @@
           <a:p>
             <a:fld id="{6AE2C996-D988-194F-8F02-BEBA5B6C0990}" type="datetimeFigureOut">
               <a:rPr kumimoji="1" lang="zh-TW" altLang="en-US" smtClean="0"/>
-              <a:t>2017/12/20</a:t>
+              <a:t>2017/12/27</a:t>
             </a:fld>
             <a:endParaRPr kumimoji="1" lang="zh-TW" altLang="en-US"/>
           </a:p>
@@ -2736,7 +2736,7 @@
           <a:p>
             <a:fld id="{6AE2C996-D988-194F-8F02-BEBA5B6C0990}" type="datetimeFigureOut">
               <a:rPr kumimoji="1" lang="zh-TW" altLang="en-US" smtClean="0"/>
-              <a:t>2017/12/20</a:t>
+              <a:t>2017/12/27</a:t>
             </a:fld>
             <a:endParaRPr kumimoji="1" lang="zh-TW" altLang="en-US"/>
           </a:p>
@@ -3119,61 +3119,9 @@
           <a:chExt cx="0" cy="0"/>
         </a:xfrm>
       </p:grpSpPr>
-      <p:sp>
-        <p:nvSpPr>
-          <p:cNvPr id="124" name="矩形 123"/>
-          <p:cNvSpPr/>
-          <p:nvPr/>
-        </p:nvSpPr>
-        <p:spPr>
-          <a:xfrm>
-            <a:off x="15638835" y="8092059"/>
-            <a:ext cx="14406814" cy="5488837"/>
-          </a:xfrm>
-          <a:prstGeom prst="rect">
-            <a:avLst/>
-          </a:prstGeom>
-          <a:solidFill>
-            <a:schemeClr val="bg1"/>
-          </a:solidFill>
-          <a:ln w="88900">
-            <a:solidFill>
-              <a:schemeClr val="accent6">
-                <a:lumMod val="75000"/>
-              </a:schemeClr>
-            </a:solidFill>
-          </a:ln>
-        </p:spPr>
-        <p:style>
-          <a:lnRef idx="1">
-            <a:schemeClr val="accent1"/>
-          </a:lnRef>
-          <a:fillRef idx="3">
-            <a:schemeClr val="accent1"/>
-          </a:fillRef>
-          <a:effectRef idx="2">
-            <a:schemeClr val="accent1"/>
-          </a:effectRef>
-          <a:fontRef idx="minor">
-            <a:schemeClr val="lt1"/>
-          </a:fontRef>
-        </p:style>
-        <p:txBody>
-          <a:bodyPr rtlCol="0" anchor="ctr"/>
-          <a:lstStyle/>
-          <a:p>
-            <a:pPr algn="ctr"/>
-            <a:r>
-              <a:rPr kumimoji="1" lang="zh-TW" altLang="en-US" dirty="0" smtClean="0"/>
-              <a:t>ˋ</a:t>
-            </a:r>
-            <a:endParaRPr kumimoji="1" lang="zh-TW" altLang="en-US" dirty="0"/>
-          </a:p>
-        </p:txBody>
-      </p:sp>
       <p:pic>
         <p:nvPicPr>
-          <p:cNvPr id="15" name="圖片 14"/>
+          <p:cNvPr id="14" name="圖片 13"/>
           <p:cNvPicPr>
             <a:picLocks noChangeAspect="1"/>
           </p:cNvPicPr>
@@ -3193,53 +3141,44 @@
         </p:blipFill>
         <p:spPr>
           <a:xfrm>
-            <a:off x="25323632" y="9798369"/>
-            <a:ext cx="4553039" cy="3668954"/>
+            <a:off x="7907399" y="40389105"/>
+            <a:ext cx="2682991" cy="2075242"/>
           </a:xfrm>
           <a:prstGeom prst="rect">
             <a:avLst/>
           </a:prstGeom>
         </p:spPr>
       </p:pic>
-      <p:sp>
-        <p:nvSpPr>
-          <p:cNvPr id="129" name="圓角矩形 128"/>
-          <p:cNvSpPr/>
+      <p:pic>
+        <p:nvPicPr>
+          <p:cNvPr id="15" name="圖片 14"/>
+          <p:cNvPicPr>
+            <a:picLocks noChangeAspect="1"/>
+          </p:cNvPicPr>
           <p:nvPr/>
-        </p:nvSpPr>
+        </p:nvPicPr>
+        <p:blipFill>
+          <a:blip r:embed="rId4">
+            <a:extLst>
+              <a:ext uri="{28A0092B-C50C-407E-A947-70E740481C1C}">
+                <a14:useLocalDpi xmlns:a14="http://schemas.microsoft.com/office/drawing/2010/main" val="0"/>
+              </a:ext>
+            </a:extLst>
+          </a:blip>
+          <a:stretch>
+            <a:fillRect/>
+          </a:stretch>
+        </p:blipFill>
         <p:spPr>
           <a:xfrm>
-            <a:off x="224995" y="27228596"/>
-            <a:ext cx="15088180" cy="15267310"/>
+            <a:off x="11593711" y="39944358"/>
+            <a:ext cx="3342744" cy="2693668"/>
           </a:xfrm>
-          <a:prstGeom prst="roundRect">
+          <a:prstGeom prst="rect">
             <a:avLst/>
           </a:prstGeom>
-          <a:noFill/>
         </p:spPr>
-        <p:style>
-          <a:lnRef idx="1">
-            <a:schemeClr val="accent1"/>
-          </a:lnRef>
-          <a:fillRef idx="3">
-            <a:schemeClr val="accent1"/>
-          </a:fillRef>
-          <a:effectRef idx="2">
-            <a:schemeClr val="accent1"/>
-          </a:effectRef>
-          <a:fontRef idx="minor">
-            <a:schemeClr val="lt1"/>
-          </a:fontRef>
-        </p:style>
-        <p:txBody>
-          <a:bodyPr rtlCol="0" anchor="ctr"/>
-          <a:lstStyle/>
-          <a:p>
-            <a:pPr algn="ctr"/>
-            <a:endParaRPr kumimoji="1" lang="zh-TW" altLang="en-US"/>
-          </a:p>
-        </p:txBody>
-      </p:sp>
+      </p:pic>
       <p:sp useBgFill="1">
         <p:nvSpPr>
           <p:cNvPr id="121" name="矩形 120"/>
@@ -3248,20 +3187,19 @@
         </p:nvSpPr>
         <p:spPr>
           <a:xfrm>
-            <a:off x="224995" y="8097964"/>
-            <a:ext cx="15191057" cy="11147164"/>
+            <a:off x="224996" y="8097964"/>
+            <a:ext cx="15173814" cy="11147164"/>
           </a:xfrm>
           <a:prstGeom prst="rect">
             <a:avLst/>
           </a:prstGeom>
           <a:ln w="101600" cap="rnd" cmpd="sng">
             <a:solidFill>
-              <a:schemeClr val="accent1">
-                <a:shade val="95000"/>
-                <a:satMod val="105000"/>
+              <a:schemeClr val="accent6">
+                <a:lumMod val="75000"/>
               </a:schemeClr>
             </a:solidFill>
-            <a:prstDash val="dashDot"/>
+            <a:prstDash val="solid"/>
           </a:ln>
         </p:spPr>
         <p:style>
@@ -3979,7 +3917,7 @@
         <p:spPr>
           <a:xfrm>
             <a:off x="2212" y="5801696"/>
-            <a:ext cx="30560978" cy="2648001"/>
+            <a:ext cx="30560978" cy="1691205"/>
           </a:xfrm>
           <a:prstGeom prst="rect">
             <a:avLst/>
@@ -4180,7 +4118,7 @@
           <a:graphicData uri="http://schemas.openxmlformats.org/presentationml/2006/ole">
             <mc:AlternateContent xmlns:mc="http://schemas.openxmlformats.org/markup-compatibility/2006">
               <mc:Choice xmlns:v="urn:schemas-microsoft-com:vml" Requires="v">
-                <p:oleObj spid="_x0000_s1591" name="方程式" r:id="rId9" imgW="190500" imgH="152400" progId="Equation.3">
+                <p:oleObj spid="_x0000_s1603" name="方程式" r:id="rId9" imgW="190500" imgH="152400" progId="Equation.3">
                   <p:embed/>
                 </p:oleObj>
               </mc:Choice>
@@ -4223,7 +4161,7 @@
         </p:nvSpPr>
         <p:spPr>
           <a:xfrm>
-            <a:off x="15416052" y="37853024"/>
+            <a:off x="15646236" y="33130071"/>
             <a:ext cx="11517932" cy="861774"/>
           </a:xfrm>
           <a:prstGeom prst="rect">
@@ -4270,8 +4208,8 @@
         </p:nvSpPr>
         <p:spPr>
           <a:xfrm>
-            <a:off x="16516616" y="38600653"/>
-            <a:ext cx="13306336" cy="2361884"/>
+            <a:off x="15985390" y="33834076"/>
+            <a:ext cx="13306336" cy="6805648"/>
           </a:xfrm>
           <a:prstGeom prst="rect">
             <a:avLst/>
@@ -4283,38 +4221,44 @@
           </a:bodyPr>
           <a:lstStyle/>
           <a:p>
-            <a:pPr marL="742950" indent="-742950">
+            <a:pPr marL="742950" marR="0" lvl="0" indent="-742950" defTabSz="914400" eaLnBrk="1" fontAlgn="auto" latinLnBrk="0" hangingPunct="1">
+              <a:lnSpc>
+                <a:spcPct val="100000"/>
+              </a:lnSpc>
               <a:spcBef>
                 <a:spcPct val="20000"/>
               </a:spcBef>
-              <a:buAutoNum type="arabicPeriod"/>
+              <a:spcAft>
+                <a:spcPts val="0"/>
+              </a:spcAft>
+              <a:buClrTx/>
+              <a:buSzTx/>
+              <a:buFontTx/>
+              <a:buNone/>
+              <a:tabLst/>
+              <a:defRPr/>
             </a:pPr>
-            <a:r>
-              <a:rPr lang="en-US" altLang="zh-TW" sz="4000" dirty="0" smtClean="0"/>
-              <a:t>Fix central</a:t>
-            </a:r>
-          </a:p>
-          <a:p>
-            <a:pPr marL="742950" indent="-742950">
+            <a:endParaRPr lang="en-US" altLang="zh-TW" sz="4000" dirty="0" smtClean="0"/>
+          </a:p>
+          <a:p>
+            <a:pPr marL="742950" marR="0" lvl="0" indent="-742950" defTabSz="914400" eaLnBrk="1" fontAlgn="auto" latinLnBrk="0" hangingPunct="1">
+              <a:lnSpc>
+                <a:spcPct val="100000"/>
+              </a:lnSpc>
               <a:spcBef>
                 <a:spcPct val="20000"/>
               </a:spcBef>
-              <a:buAutoNum type="arabicPeriod"/>
+              <a:spcAft>
+                <a:spcPts val="0"/>
+              </a:spcAft>
+              <a:buClrTx/>
+              <a:buSzTx/>
+              <a:buFontTx/>
+              <a:buNone/>
+              <a:tabLst/>
+              <a:defRPr/>
             </a:pPr>
             <a:endParaRPr lang="en-US" altLang="zh-TW" sz="4000" dirty="0"/>
-          </a:p>
-          <a:p>
-            <a:pPr marL="742950" indent="-742950">
-              <a:spcBef>
-                <a:spcPct val="20000"/>
-              </a:spcBef>
-              <a:buAutoNum type="arabicPeriod"/>
-            </a:pPr>
-            <a:r>
-              <a:rPr lang="en-US" altLang="zh-TW" sz="4000" dirty="0" smtClean="0"/>
-              <a:t>Fix width</a:t>
-            </a:r>
-            <a:endParaRPr lang="en-US" altLang="zh-TW" sz="4000" dirty="0" smtClean="0"/>
           </a:p>
         </p:txBody>
       </p:sp>
@@ -4363,21 +4307,18 @@
             </p:nvSpPr>
             <p:spPr>
               <a:xfrm>
-                <a:off x="249310" y="19403627"/>
-                <a:ext cx="15208372" cy="7581563"/>
+                <a:off x="168278" y="19403627"/>
+                <a:ext cx="15232092" cy="6065187"/>
               </a:xfrm>
               <a:prstGeom prst="rect">
                 <a:avLst/>
               </a:prstGeom>
               <a:noFill/>
-              <a:ln w="101600">
+              <a:ln w="101600" cmpd="sng">
                 <a:solidFill>
-                  <a:schemeClr val="accent1">
-                    <a:shade val="95000"/>
-                    <a:satMod val="105000"/>
-                  </a:schemeClr>
+                  <a:srgbClr val="00B0F0"/>
                 </a:solidFill>
-                <a:prstDash val="dash"/>
+                <a:prstDash val="solid"/>
               </a:ln>
             </p:spPr>
             <p:txBody>
@@ -4395,17 +4336,7 @@
                     <a:latin typeface="Arial" pitchFamily="34" charset="0"/>
                     <a:cs typeface="Arial" pitchFamily="34" charset="0"/>
                   </a:rPr>
-                  <a:t>Basic </a:t>
-                </a:r>
-                <a:r>
-                  <a:rPr lang="en-US" altLang="zh-TW" sz="5000" b="1" dirty="0" smtClean="0">
-                    <a:solidFill>
-                      <a:srgbClr val="C0504D"/>
-                    </a:solidFill>
-                    <a:latin typeface="Arial" pitchFamily="34" charset="0"/>
-                    <a:cs typeface="Arial" pitchFamily="34" charset="0"/>
-                  </a:rPr>
-                  <a:t>Jet </a:t>
+                  <a:t>Basic Jet </a:t>
                 </a:r>
                 <a:r>
                   <a:rPr lang="en-US" altLang="zh-TW" sz="5000" b="1" dirty="0">
@@ -4445,17 +4376,7 @@
                     <a:latin typeface="Arial" pitchFamily="34" charset="0"/>
                     <a:cs typeface="Arial" pitchFamily="34" charset="0"/>
                   </a:rPr>
-                  <a:t>lgorithm</a:t>
-                </a:r>
-                <a:r>
-                  <a:rPr lang="en-US" altLang="zh-TW" sz="5000" b="1" dirty="0" smtClean="0">
-                    <a:solidFill>
-                      <a:srgbClr val="C0504D"/>
-                    </a:solidFill>
-                    <a:latin typeface="Arial" pitchFamily="34" charset="0"/>
-                    <a:cs typeface="Arial" pitchFamily="34" charset="0"/>
-                  </a:rPr>
-                  <a:t>:</a:t>
+                  <a:t>lgorithm:</a:t>
                 </a:r>
               </a:p>
               <a:p>
@@ -4464,7 +4385,7 @@
                     <m:sSub>
                       <m:sSubPr>
                         <m:ctrlPr>
-                          <a:rPr lang="en-US" altLang="zh-TW" sz="4800" b="1" i="1" smtClean="0">
+                          <a:rPr lang="en-US" altLang="zh-TW" sz="4400" b="1" i="1" smtClean="0">
                             <a:solidFill>
                               <a:schemeClr val="tx1"/>
                             </a:solidFill>
@@ -4475,7 +4396,7 @@
                       </m:sSubPr>
                       <m:e>
                         <m:r>
-                          <a:rPr lang="en-US" altLang="zh-TW" sz="4800" b="1" i="1" smtClean="0">
+                          <a:rPr lang="en-US" altLang="zh-TW" sz="4400" b="1" i="1" smtClean="0">
                             <a:solidFill>
                               <a:schemeClr val="tx1"/>
                             </a:solidFill>
@@ -4487,7 +4408,7 @@
                       </m:e>
                       <m:sub>
                         <m:r>
-                          <a:rPr lang="en-US" altLang="zh-TW" sz="4800" b="1" i="1" smtClean="0">
+                          <a:rPr lang="en-US" altLang="zh-TW" sz="4400" b="1" i="1" smtClean="0">
                             <a:solidFill>
                               <a:schemeClr val="tx1"/>
                             </a:solidFill>
@@ -4499,7 +4420,7 @@
                       </m:sub>
                     </m:sSub>
                     <m:r>
-                      <a:rPr lang="en-US" altLang="zh-TW" sz="4800" b="1" i="1" smtClean="0">
+                      <a:rPr lang="en-US" altLang="zh-TW" sz="4400" b="1" i="1" smtClean="0">
                         <a:solidFill>
                           <a:schemeClr val="tx1"/>
                         </a:solidFill>
@@ -4509,7 +4430,7 @@
                       <m:t>=</m:t>
                     </m:r>
                     <m:r>
-                      <a:rPr lang="en-US" altLang="zh-TW" sz="4800" b="1" i="1" smtClean="0">
+                      <a:rPr lang="en-US" altLang="zh-TW" sz="4400" b="1" i="1" smtClean="0">
                         <a:solidFill>
                           <a:schemeClr val="tx1"/>
                         </a:solidFill>
@@ -4519,7 +4440,7 @@
                       <m:t>𝒎𝒊𝒏</m:t>
                     </m:r>
                     <m:r>
-                      <a:rPr lang="en-US" altLang="zh-TW" sz="4800" b="1" i="1" smtClean="0">
+                      <a:rPr lang="en-US" altLang="zh-TW" sz="4400" b="1" i="1" smtClean="0">
                         <a:solidFill>
                           <a:schemeClr val="tx1"/>
                         </a:solidFill>
@@ -4531,7 +4452,7 @@
                     <m:sSubSup>
                       <m:sSubSupPr>
                         <m:ctrlPr>
-                          <a:rPr lang="en-US" altLang="zh-TW" sz="4800" b="1" i="1" smtClean="0">
+                          <a:rPr lang="en-US" altLang="zh-TW" sz="4400" b="1" i="1" smtClean="0">
                             <a:solidFill>
                               <a:schemeClr val="tx1"/>
                             </a:solidFill>
@@ -4542,7 +4463,7 @@
                       </m:sSubSupPr>
                       <m:e>
                         <m:r>
-                          <a:rPr lang="en-US" altLang="zh-TW" sz="4800" b="1" i="1" smtClean="0">
+                          <a:rPr lang="en-US" altLang="zh-TW" sz="4400" b="1" i="1" smtClean="0">
                             <a:solidFill>
                               <a:schemeClr val="tx1"/>
                             </a:solidFill>
@@ -4554,7 +4475,7 @@
                       </m:e>
                       <m:sub>
                         <m:r>
-                          <a:rPr lang="en-US" altLang="zh-TW" sz="4800" b="1" i="1" smtClean="0">
+                          <a:rPr lang="en-US" altLang="zh-TW" sz="4400" b="1" i="1" smtClean="0">
                             <a:solidFill>
                               <a:schemeClr val="tx1"/>
                             </a:solidFill>
@@ -4566,7 +4487,7 @@
                       </m:sub>
                       <m:sup>
                         <m:r>
-                          <a:rPr lang="en-US" altLang="zh-TW" sz="4800" b="1" i="1" smtClean="0">
+                          <a:rPr lang="en-US" altLang="zh-TW" sz="4400" b="1" i="1" smtClean="0">
                             <a:solidFill>
                               <a:schemeClr val="tx1"/>
                             </a:solidFill>
@@ -4576,7 +4497,7 @@
                           <m:t>𝟐</m:t>
                         </m:r>
                         <m:r>
-                          <a:rPr lang="en-US" altLang="zh-TW" sz="4800" b="1" i="1" smtClean="0">
+                          <a:rPr lang="en-US" altLang="zh-TW" sz="4400" b="1" i="1" smtClean="0">
                             <a:solidFill>
                               <a:schemeClr val="tx1"/>
                             </a:solidFill>
@@ -4588,7 +4509,7 @@
                       </m:sup>
                     </m:sSubSup>
                     <m:r>
-                      <a:rPr lang="en-US" altLang="zh-TW" sz="4800" b="1" i="1" smtClean="0">
+                      <a:rPr lang="en-US" altLang="zh-TW" sz="4400" b="1" i="1" smtClean="0">
                         <a:solidFill>
                           <a:schemeClr val="tx1"/>
                         </a:solidFill>
@@ -4600,7 +4521,7 @@
                   </m:oMath>
                 </a14:m>
                 <a:r>
-                  <a:rPr lang="en-US" altLang="zh-TW" sz="4800" b="1" dirty="0">
+                  <a:rPr lang="en-US" altLang="zh-TW" sz="4400" b="1" dirty="0">
                     <a:solidFill>
                       <a:schemeClr val="tx1"/>
                     </a:solidFill>
@@ -4613,7 +4534,7 @@
                     <m:sSubSup>
                       <m:sSubSupPr>
                         <m:ctrlPr>
-                          <a:rPr lang="en-US" altLang="zh-TW" sz="4800" b="1" i="1">
+                          <a:rPr lang="en-US" altLang="zh-TW" sz="4400" b="1" i="1">
                             <a:solidFill>
                               <a:schemeClr val="tx1"/>
                             </a:solidFill>
@@ -4624,7 +4545,7 @@
                       </m:sSubSupPr>
                       <m:e>
                         <m:r>
-                          <a:rPr lang="en-US" altLang="zh-TW" sz="4800" b="1" i="1">
+                          <a:rPr lang="en-US" altLang="zh-TW" sz="4400" b="1" i="1">
                             <a:solidFill>
                               <a:schemeClr val="tx1"/>
                             </a:solidFill>
@@ -4636,7 +4557,7 @@
                       </m:e>
                       <m:sub>
                         <m:r>
-                          <a:rPr lang="en-US" altLang="zh-TW" sz="4800" b="1" i="1">
+                          <a:rPr lang="en-US" altLang="zh-TW" sz="4400" b="1" i="1">
                             <a:solidFill>
                               <a:schemeClr val="tx1"/>
                             </a:solidFill>
@@ -4646,7 +4567,7 @@
                           <m:t>𝒕</m:t>
                         </m:r>
                         <m:r>
-                          <a:rPr lang="en-US" altLang="zh-TW" sz="4800" b="1" i="1" smtClean="0">
+                          <a:rPr lang="en-US" altLang="zh-TW" sz="4400" b="1" i="1" smtClean="0">
                             <a:solidFill>
                               <a:schemeClr val="tx1"/>
                             </a:solidFill>
@@ -4658,7 +4579,7 @@
                       </m:sub>
                       <m:sup>
                         <m:r>
-                          <a:rPr lang="en-US" altLang="zh-TW" sz="4800" b="1" i="1">
+                          <a:rPr lang="en-US" altLang="zh-TW" sz="4400" b="1" i="1">
                             <a:solidFill>
                               <a:schemeClr val="tx1"/>
                             </a:solidFill>
@@ -4668,7 +4589,7 @@
                           <m:t>𝟐</m:t>
                         </m:r>
                         <m:r>
-                          <a:rPr lang="en-US" altLang="zh-TW" sz="4800" b="1" i="1">
+                          <a:rPr lang="en-US" altLang="zh-TW" sz="4400" b="1" i="1">
                             <a:solidFill>
                               <a:schemeClr val="tx1"/>
                             </a:solidFill>
@@ -4680,7 +4601,7 @@
                       </m:sup>
                     </m:sSubSup>
                     <m:r>
-                      <a:rPr lang="en-US" altLang="zh-TW" sz="4800" b="1" i="1" smtClean="0">
+                      <a:rPr lang="en-US" altLang="zh-TW" sz="4400" b="1" i="1" smtClean="0">
                         <a:solidFill>
                           <a:schemeClr val="tx1"/>
                         </a:solidFill>
@@ -4692,7 +4613,7 @@
                     <m:f>
                       <m:fPr>
                         <m:ctrlPr>
-                          <a:rPr lang="mr-IN" altLang="zh-TW" sz="4800" b="1" i="1" smtClean="0">
+                          <a:rPr lang="mr-IN" altLang="zh-TW" sz="4400" b="1" i="1" smtClean="0">
                             <a:solidFill>
                               <a:schemeClr val="tx1"/>
                             </a:solidFill>
@@ -4705,7 +4626,7 @@
                         <m:sSubSup>
                           <m:sSubSupPr>
                             <m:ctrlPr>
-                              <a:rPr lang="en-US" altLang="zh-TW" sz="4800" b="1" i="1" smtClean="0">
+                              <a:rPr lang="en-US" altLang="zh-TW" sz="4400" b="1" i="1" smtClean="0">
                                 <a:solidFill>
                                   <a:schemeClr val="tx1"/>
                                 </a:solidFill>
@@ -4716,7 +4637,7 @@
                           </m:sSubSupPr>
                           <m:e>
                             <m:r>
-                              <a:rPr lang="en-US" altLang="zh-TW" sz="4800" b="1" i="1" smtClean="0">
+                              <a:rPr lang="en-US" altLang="zh-TW" sz="4400" b="1" i="1" smtClean="0">
                                 <a:solidFill>
                                   <a:schemeClr val="tx1"/>
                                 </a:solidFill>
@@ -4729,7 +4650,7 @@
                           </m:e>
                           <m:sub>
                             <m:r>
-                              <a:rPr lang="en-US" altLang="zh-TW" sz="4800" b="1" i="1" smtClean="0">
+                              <a:rPr lang="en-US" altLang="zh-TW" sz="4400" b="1" i="1" smtClean="0">
                                 <a:solidFill>
                                   <a:schemeClr val="tx1"/>
                                 </a:solidFill>
@@ -4741,7 +4662,7 @@
                           </m:sub>
                           <m:sup>
                             <m:r>
-                              <a:rPr lang="en-US" altLang="zh-TW" sz="4800" b="1" i="1" smtClean="0">
+                              <a:rPr lang="en-US" altLang="zh-TW" sz="4400" b="1" i="1" smtClean="0">
                                 <a:solidFill>
                                   <a:schemeClr val="tx1"/>
                                 </a:solidFill>
@@ -4757,7 +4678,7 @@
                         <m:sSup>
                           <m:sSupPr>
                             <m:ctrlPr>
-                              <a:rPr lang="mr-IN" altLang="zh-TW" sz="4800" b="1" i="1" smtClean="0">
+                              <a:rPr lang="mr-IN" altLang="zh-TW" sz="4400" b="1" i="1" smtClean="0">
                                 <a:solidFill>
                                   <a:schemeClr val="tx1"/>
                                 </a:solidFill>
@@ -4768,7 +4689,7 @@
                           </m:sSupPr>
                           <m:e>
                             <m:r>
-                              <a:rPr lang="en-US" altLang="zh-TW" sz="4800" b="1" i="1" smtClean="0">
+                              <a:rPr lang="en-US" altLang="zh-TW" sz="4400" b="1" i="1" smtClean="0">
                                 <a:solidFill>
                                   <a:schemeClr val="tx1"/>
                                 </a:solidFill>
@@ -4780,7 +4701,7 @@
                           </m:e>
                           <m:sup>
                             <m:r>
-                              <a:rPr lang="en-US" altLang="zh-TW" sz="4800" b="1" i="1" smtClean="0">
+                              <a:rPr lang="en-US" altLang="zh-TW" sz="4400" b="1" i="1" smtClean="0">
                                 <a:solidFill>
                                   <a:schemeClr val="tx1"/>
                                 </a:solidFill>
@@ -4795,7 +4716,7 @@
                     </m:f>
                   </m:oMath>
                 </a14:m>
-                <a:endParaRPr lang="en-US" altLang="zh-TW" sz="4800" b="1" i="1" dirty="0" smtClean="0">
+                <a:endParaRPr lang="en-US" altLang="zh-TW" sz="4400" b="1" i="1" dirty="0" smtClean="0">
                   <a:solidFill>
                     <a:schemeClr val="tx1"/>
                   </a:solidFill>
@@ -4814,7 +4735,7 @@
                       <m:sSub>
                         <m:sSubPr>
                           <m:ctrlPr>
-                            <a:rPr lang="en-US" altLang="zh-TW" sz="4800" b="1" i="1" smtClean="0">
+                            <a:rPr lang="en-US" altLang="zh-TW" sz="4400" b="1" i="1" smtClean="0">
                               <a:solidFill>
                                 <a:schemeClr val="tx1"/>
                               </a:solidFill>
@@ -4825,7 +4746,7 @@
                         </m:sSubPr>
                         <m:e>
                           <m:r>
-                            <a:rPr lang="en-US" altLang="zh-TW" sz="4800" b="1" i="1" smtClean="0">
+                            <a:rPr lang="en-US" altLang="zh-TW" sz="4400" b="1" i="1" smtClean="0">
                               <a:solidFill>
                                 <a:schemeClr val="tx1"/>
                               </a:solidFill>
@@ -4837,7 +4758,7 @@
                         </m:e>
                         <m:sub>
                           <m:r>
-                            <a:rPr lang="en-US" altLang="zh-TW" sz="4800" b="1" i="1" smtClean="0">
+                            <a:rPr lang="en-US" altLang="zh-TW" sz="4400" b="1" i="1" smtClean="0">
                               <a:solidFill>
                                 <a:schemeClr val="tx1"/>
                               </a:solidFill>
@@ -4849,7 +4770,7 @@
                         </m:sub>
                       </m:sSub>
                       <m:r>
-                        <a:rPr lang="en-US" altLang="zh-TW" sz="4800" b="1" i="1" smtClean="0">
+                        <a:rPr lang="en-US" altLang="zh-TW" sz="4400" b="1" i="1" smtClean="0">
                           <a:solidFill>
                             <a:schemeClr val="tx1"/>
                           </a:solidFill>
@@ -4861,7 +4782,7 @@
                       <m:sSubSup>
                         <m:sSubSupPr>
                           <m:ctrlPr>
-                            <a:rPr lang="en-US" altLang="zh-TW" sz="4800" b="1" i="1">
+                            <a:rPr lang="en-US" altLang="zh-TW" sz="4400" b="1" i="1">
                               <a:solidFill>
                                 <a:schemeClr val="tx1"/>
                               </a:solidFill>
@@ -4872,7 +4793,7 @@
                         </m:sSubSupPr>
                         <m:e>
                           <m:r>
-                            <a:rPr lang="en-US" altLang="zh-TW" sz="4800" b="1" i="1">
+                            <a:rPr lang="en-US" altLang="zh-TW" sz="4400" b="1" i="1">
                               <a:solidFill>
                                 <a:schemeClr val="tx1"/>
                               </a:solidFill>
@@ -4884,7 +4805,7 @@
                         </m:e>
                         <m:sub>
                           <m:r>
-                            <a:rPr lang="en-US" altLang="zh-TW" sz="4800" b="1" i="1">
+                            <a:rPr lang="en-US" altLang="zh-TW" sz="4400" b="1" i="1">
                               <a:solidFill>
                                 <a:schemeClr val="tx1"/>
                               </a:solidFill>
@@ -4896,7 +4817,7 @@
                         </m:sub>
                         <m:sup>
                           <m:r>
-                            <a:rPr lang="en-US" altLang="zh-TW" sz="4800" b="1" i="1">
+                            <a:rPr lang="en-US" altLang="zh-TW" sz="4400" b="1" i="1">
                               <a:solidFill>
                                 <a:schemeClr val="tx1"/>
                               </a:solidFill>
@@ -4906,7 +4827,7 @@
                             <m:t>𝟐</m:t>
                           </m:r>
                           <m:r>
-                            <a:rPr lang="en-US" altLang="zh-TW" sz="4800" b="1" i="1">
+                            <a:rPr lang="en-US" altLang="zh-TW" sz="4400" b="1" i="1">
                               <a:solidFill>
                                 <a:schemeClr val="tx1"/>
                               </a:solidFill>
@@ -4920,7 +4841,7 @@
                     </m:oMath>
                   </m:oMathPara>
                 </a14:m>
-                <a:endParaRPr lang="en-US" altLang="zh-TW" sz="4800" b="1" dirty="0" smtClean="0">
+                <a:endParaRPr lang="en-US" altLang="zh-TW" sz="4400" b="1" dirty="0" smtClean="0">
                   <a:solidFill>
                     <a:schemeClr val="tx1"/>
                   </a:solidFill>
@@ -4929,23 +4850,14 @@
                 </a:endParaRPr>
               </a:p>
               <a:p>
-                <a:endParaRPr lang="en-US" altLang="zh-TW" sz="5000" b="1" dirty="0" smtClean="0">
-                  <a:latin typeface="+mj-lt"/>
-                  <a:cs typeface="Arial" pitchFamily="34" charset="0"/>
-                </a:endParaRPr>
-              </a:p>
-              <a:p>
-                <a:endParaRPr lang="en-US" altLang="zh-TW" sz="4800" b="1" dirty="0" smtClean="0">
-                  <a:solidFill>
-                    <a:schemeClr val="tx1"/>
-                  </a:solidFill>
+                <a:endParaRPr lang="en-US" altLang="zh-TW" sz="4400" b="1" dirty="0" smtClean="0">
                   <a:latin typeface="+mj-lt"/>
                   <a:cs typeface="Arial" pitchFamily="34" charset="0"/>
                 </a:endParaRPr>
               </a:p>
               <a:p>
                 <a:r>
-                  <a:rPr lang="en-US" altLang="zh-TW" sz="4800" dirty="0" smtClean="0">
+                  <a:rPr lang="en-US" altLang="zh-TW" sz="4000" dirty="0" smtClean="0">
                     <a:solidFill>
                       <a:schemeClr val="tx1"/>
                     </a:solidFill>
@@ -4953,15 +4865,26 @@
                     <a:ea typeface="Arial" charset="0"/>
                     <a:cs typeface="Arial" charset="0"/>
                   </a:rPr>
-                  <a:t>**If </a:t>
+                  <a:t>**</a:t>
+                </a:r>
+                <a:r>
+                  <a:rPr lang="en-US" altLang="zh-TW" sz="4000" dirty="0" smtClean="0">
+                    <a:solidFill>
+                      <a:schemeClr val="tx1"/>
+                    </a:solidFill>
+                    <a:latin typeface="Arial" charset="0"/>
+                    <a:ea typeface="Arial" charset="0"/>
+                    <a:cs typeface="Arial" charset="0"/>
+                  </a:rPr>
+                  <a:t>If </a:t>
                 </a:r>
                 <a14:m>
                   <m:oMath xmlns:m="http://schemas.openxmlformats.org/officeDocument/2006/math">
                     <m:sSub>
                       <m:sSubPr>
                         <m:ctrlPr>
-                          <a:rPr lang="en-US" altLang="zh-TW" sz="4800" i="1">
-                            <a:latin typeface="Arial" charset="0"/>
+                          <a:rPr lang="en-US" altLang="zh-TW" sz="4000" i="1">
+                            <a:latin typeface="Cambria Math" charset="0"/>
                             <a:ea typeface="Arial" charset="0"/>
                             <a:cs typeface="Arial" charset="0"/>
                           </a:rPr>
@@ -4969,8 +4892,8 @@
                       </m:sSubPr>
                       <m:e>
                         <m:r>
-                          <a:rPr lang="en-US" altLang="zh-TW" sz="4800" b="0" i="1">
-                            <a:latin typeface="Arial" charset="0"/>
+                          <a:rPr lang="en-US" altLang="zh-TW" sz="4000" b="0" i="1">
+                            <a:latin typeface="Cambria Math" charset="0"/>
                             <a:ea typeface="Arial" charset="0"/>
                             <a:cs typeface="Arial" charset="0"/>
                           </a:rPr>
@@ -4979,8 +4902,8 @@
                       </m:e>
                       <m:sub>
                         <m:r>
-                          <a:rPr lang="en-US" altLang="zh-TW" sz="4800" b="0" i="1">
-                            <a:latin typeface="Arial" charset="0"/>
+                          <a:rPr lang="en-US" altLang="zh-TW" sz="4000" b="0" i="1">
+                            <a:latin typeface="Cambria Math" charset="0"/>
                             <a:ea typeface="Arial" charset="0"/>
                             <a:cs typeface="Arial" charset="0"/>
                           </a:rPr>
@@ -4991,7 +4914,7 @@
                   </m:oMath>
                 </a14:m>
                 <a:r>
-                  <a:rPr lang="en-US" altLang="zh-TW" sz="4800" dirty="0" smtClean="0">
+                  <a:rPr lang="en-US" altLang="zh-TW" sz="4000" dirty="0" smtClean="0">
                     <a:solidFill>
                       <a:schemeClr val="tx1"/>
                     </a:solidFill>
@@ -5006,8 +4929,8 @@
                     <m:sSub>
                       <m:sSubPr>
                         <m:ctrlPr>
-                          <a:rPr lang="en-US" altLang="zh-TW" sz="4800" i="1">
-                            <a:latin typeface="Arial" charset="0"/>
+                          <a:rPr lang="en-US" altLang="zh-TW" sz="4000" i="1">
+                            <a:latin typeface="Cambria Math" charset="0"/>
                             <a:ea typeface="Arial" charset="0"/>
                             <a:cs typeface="Arial" charset="0"/>
                           </a:rPr>
@@ -5015,8 +4938,8 @@
                       </m:sSubPr>
                       <m:e>
                         <m:r>
-                          <a:rPr lang="en-US" altLang="zh-TW" sz="4800" b="0" i="1">
-                            <a:latin typeface="Arial" charset="0"/>
+                          <a:rPr lang="en-US" altLang="zh-TW" sz="4000" b="0" i="1">
+                            <a:latin typeface="Cambria Math" charset="0"/>
                             <a:ea typeface="Arial" charset="0"/>
                             <a:cs typeface="Arial" charset="0"/>
                           </a:rPr>
@@ -5025,8 +4948,8 @@
                       </m:e>
                       <m:sub>
                         <m:r>
-                          <a:rPr lang="en-US" altLang="zh-TW" sz="4800" b="0" i="1">
-                            <a:latin typeface="Arial" charset="0"/>
+                          <a:rPr lang="en-US" altLang="zh-TW" sz="4000" b="0" i="1">
+                            <a:latin typeface="Cambria Math" charset="0"/>
                             <a:ea typeface="Arial" charset="0"/>
                             <a:cs typeface="Arial" charset="0"/>
                           </a:rPr>
@@ -5037,7 +4960,7 @@
                   </m:oMath>
                 </a14:m>
                 <a:r>
-                  <a:rPr lang="en-US" altLang="zh-TW" sz="4800" dirty="0" smtClean="0">
+                  <a:rPr lang="en-US" altLang="zh-TW" sz="4000" dirty="0" smtClean="0">
                     <a:solidFill>
                       <a:schemeClr val="tx1"/>
                     </a:solidFill>
@@ -5050,7 +4973,7 @@
               </a:p>
               <a:p>
                 <a:r>
-                  <a:rPr lang="en-US" altLang="zh-TW" sz="4800" dirty="0" smtClean="0">
+                  <a:rPr lang="en-US" altLang="zh-TW" sz="4000" dirty="0" smtClean="0">
                     <a:latin typeface="Arial" charset="0"/>
                     <a:ea typeface="Arial" charset="0"/>
                     <a:cs typeface="Arial" charset="0"/>
@@ -5058,14 +4981,14 @@
                   <a:t>1.p=0 : </a:t>
                 </a:r>
                 <a:r>
-                  <a:rPr lang="en-US" altLang="zh-TW" sz="4800" dirty="0">
+                  <a:rPr lang="en-US" altLang="zh-TW" sz="4000" dirty="0">
                     <a:latin typeface="Arial" charset="0"/>
                     <a:ea typeface="Arial" charset="0"/>
                     <a:cs typeface="Arial" charset="0"/>
                   </a:rPr>
                   <a:t>Cambridge/Aachen algorithm</a:t>
                 </a:r>
-                <a:endParaRPr lang="en-US" altLang="zh-TW" sz="4800" dirty="0" smtClean="0">
+                <a:endParaRPr lang="en-US" altLang="zh-TW" sz="4000" dirty="0" smtClean="0">
                   <a:solidFill>
                     <a:schemeClr val="tx1"/>
                   </a:solidFill>
@@ -5076,7 +4999,7 @@
               </a:p>
               <a:p>
                 <a:r>
-                  <a:rPr lang="en-US" altLang="zh-TW" sz="4800" dirty="0" smtClean="0">
+                  <a:rPr lang="en-US" altLang="zh-TW" sz="4000" dirty="0" smtClean="0">
                     <a:latin typeface="Arial" charset="0"/>
                     <a:ea typeface="Arial" charset="0"/>
                     <a:cs typeface="Arial" charset="0"/>
@@ -5084,7 +5007,7 @@
                   <a:t>2.p=1 : </a:t>
                 </a:r>
                 <a:r>
-                  <a:rPr lang="en-US" altLang="zh-TW" sz="4800" dirty="0" err="1" smtClean="0">
+                  <a:rPr lang="en-US" altLang="zh-TW" sz="4000" dirty="0" err="1" smtClean="0">
                     <a:latin typeface="Arial" charset="0"/>
                     <a:ea typeface="Arial" charset="0"/>
                     <a:cs typeface="Arial" charset="0"/>
@@ -5092,7 +5015,7 @@
                   <a:t>kt</a:t>
                 </a:r>
                 <a:r>
-                  <a:rPr lang="en-US" altLang="zh-TW" sz="4800" dirty="0" smtClean="0">
+                  <a:rPr lang="en-US" altLang="zh-TW" sz="4000" dirty="0" smtClean="0">
                     <a:latin typeface="Arial" charset="0"/>
                     <a:ea typeface="Arial" charset="0"/>
                     <a:cs typeface="Arial" charset="0"/>
@@ -5102,7 +5025,7 @@
               </a:p>
               <a:p>
                 <a:r>
-                  <a:rPr lang="en-US" altLang="zh-TW" sz="4800" dirty="0">
+                  <a:rPr lang="en-US" altLang="zh-TW" sz="4000" dirty="0">
                     <a:latin typeface="Arial" charset="0"/>
                     <a:ea typeface="Arial" charset="0"/>
                     <a:cs typeface="Arial" charset="0"/>
@@ -5110,7 +5033,7 @@
                   <a:t>3</a:t>
                 </a:r>
                 <a:r>
-                  <a:rPr lang="en-US" altLang="zh-TW" sz="4800" dirty="0" smtClean="0">
+                  <a:rPr lang="en-US" altLang="zh-TW" sz="4000" dirty="0" smtClean="0">
                     <a:latin typeface="Arial" charset="0"/>
                     <a:ea typeface="Arial" charset="0"/>
                     <a:cs typeface="Arial" charset="0"/>
@@ -5118,7 +5041,7 @@
                   <a:t>.p=-1 </a:t>
                 </a:r>
                 <a:r>
-                  <a:rPr lang="en-US" altLang="zh-TW" sz="4800" dirty="0">
+                  <a:rPr lang="en-US" altLang="zh-TW" sz="4000" dirty="0">
                     <a:latin typeface="Arial" charset="0"/>
                     <a:ea typeface="Arial" charset="0"/>
                     <a:cs typeface="Arial" charset="0"/>
@@ -5126,7 +5049,7 @@
                   <a:t>: </a:t>
                 </a:r>
                 <a:r>
-                  <a:rPr lang="en-US" altLang="zh-TW" sz="4800" dirty="0" smtClean="0">
+                  <a:rPr lang="en-US" altLang="zh-TW" sz="4000" dirty="0" smtClean="0">
                     <a:latin typeface="Arial" charset="0"/>
                     <a:ea typeface="Arial" charset="0"/>
                     <a:cs typeface="Arial" charset="0"/>
@@ -5134,7 +5057,7 @@
                   <a:t>anti-</a:t>
                 </a:r>
                 <a:r>
-                  <a:rPr lang="en-US" altLang="zh-TW" sz="4800" dirty="0" err="1" smtClean="0">
+                  <a:rPr lang="en-US" altLang="zh-TW" sz="4000" dirty="0" err="1" smtClean="0">
                     <a:latin typeface="Arial" charset="0"/>
                     <a:ea typeface="Arial" charset="0"/>
                     <a:cs typeface="Arial" charset="0"/>
@@ -5142,14 +5065,14 @@
                   <a:t>kt</a:t>
                 </a:r>
                 <a:r>
-                  <a:rPr lang="en-US" altLang="zh-TW" sz="4800" dirty="0" smtClean="0">
+                  <a:rPr lang="en-US" altLang="zh-TW" sz="4000" dirty="0" smtClean="0">
                     <a:latin typeface="Arial" charset="0"/>
                     <a:ea typeface="Arial" charset="0"/>
                     <a:cs typeface="Arial" charset="0"/>
                   </a:rPr>
                   <a:t> algorithm</a:t>
                 </a:r>
-                <a:endParaRPr lang="en-US" altLang="zh-TW" sz="4800" dirty="0">
+                <a:endParaRPr lang="en-US" altLang="zh-TW" sz="4000" dirty="0">
                   <a:latin typeface="Arial" charset="0"/>
                   <a:ea typeface="Arial" charset="0"/>
                   <a:cs typeface="Arial" charset="0"/>
@@ -5169,8 +5092,8 @@
             </p:nvSpPr>
             <p:spPr>
               <a:xfrm>
-                <a:off x="249310" y="19403627"/>
-                <a:ext cx="15208372" cy="7581563"/>
+                <a:off x="168278" y="19403627"/>
+                <a:ext cx="15232092" cy="6065187"/>
               </a:xfrm>
               <a:prstGeom prst="rect">
                 <a:avLst/>
@@ -5178,17 +5101,14 @@
               <a:blipFill rotWithShape="0">
                 <a:blip r:embed="rId11"/>
                 <a:stretch>
-                  <a:fillRect l="-1513" t="-1269" b="-2617"/>
+                  <a:fillRect l="-1113" t="-1581" b="-2372"/>
                 </a:stretch>
               </a:blipFill>
-              <a:ln w="101600">
+              <a:ln w="101600" cmpd="sng">
                 <a:solidFill>
-                  <a:schemeClr val="accent1">
-                    <a:shade val="95000"/>
-                    <a:satMod val="105000"/>
-                  </a:schemeClr>
+                  <a:srgbClr val="00B0F0"/>
                 </a:solidFill>
-                <a:prstDash val="dash"/>
+                <a:prstDash val="solid"/>
               </a:ln>
             </p:spPr>
             <p:txBody>
@@ -5214,7 +5134,7 @@
         </p:nvSpPr>
         <p:spPr>
           <a:xfrm>
-            <a:off x="445105" y="27312334"/>
+            <a:off x="833601" y="25682511"/>
             <a:ext cx="14170566" cy="861774"/>
           </a:xfrm>
           <a:prstGeom prst="rect">
@@ -5256,17 +5176,7 @@
                 <a:latin typeface="Arial" pitchFamily="34" charset="0"/>
                 <a:cs typeface="Arial" pitchFamily="34" charset="0"/>
               </a:rPr>
-              <a:t>ariables</a:t>
-            </a:r>
-            <a:r>
-              <a:rPr lang="en-US" altLang="zh-TW" sz="5000" b="1" dirty="0" smtClean="0">
-                <a:solidFill>
-                  <a:srgbClr val="C0504D"/>
-                </a:solidFill>
-                <a:latin typeface="Arial" pitchFamily="34" charset="0"/>
-                <a:cs typeface="Arial" pitchFamily="34" charset="0"/>
-              </a:rPr>
-              <a:t>:</a:t>
+              <a:t>ariables:</a:t>
             </a:r>
             <a:endParaRPr lang="zh-TW" altLang="en-US" sz="5000" baseline="-25000" dirty="0"/>
           </a:p>
@@ -5280,7 +5190,7 @@
         </p:nvSpPr>
         <p:spPr>
           <a:xfrm>
-            <a:off x="15624007" y="23505255"/>
+            <a:off x="15695243" y="17356942"/>
             <a:ext cx="14170566" cy="861774"/>
           </a:xfrm>
           <a:prstGeom prst="rect">
@@ -5294,7 +5204,7 @@
           <a:lstStyle/>
           <a:p>
             <a:r>
-              <a:rPr lang="en-US" altLang="zh-TW" sz="5000" b="1" dirty="0" smtClean="0">
+              <a:rPr lang="en-US" altLang="zh-TW" sz="4800" b="1" dirty="0" smtClean="0">
                 <a:solidFill>
                   <a:srgbClr val="C0504D"/>
                 </a:solidFill>
@@ -5304,7 +5214,7 @@
               <a:t>Summary for clustering:</a:t>
             </a:r>
             <a:r>
-              <a:rPr lang="en-US" altLang="zh-TW" sz="5000" b="1" dirty="0" smtClean="0">
+              <a:rPr lang="en-US" altLang="zh-TW" sz="4800" b="1" dirty="0" smtClean="0">
                 <a:solidFill>
                   <a:schemeClr val="accent2"/>
                 </a:solidFill>
@@ -5313,7 +5223,7 @@
               </a:rPr>
               <a:t> </a:t>
             </a:r>
-            <a:endParaRPr lang="zh-TW" altLang="en-US" sz="5000" baseline="-25000" dirty="0"/>
+            <a:endParaRPr lang="zh-TW" altLang="en-US" sz="4800" baseline="-25000" dirty="0"/>
           </a:p>
         </p:txBody>
       </p:sp>
@@ -5325,7 +5235,7 @@
         </p:nvSpPr>
         <p:spPr>
           <a:xfrm>
-            <a:off x="15457682" y="18962437"/>
+            <a:off x="15718045" y="12840436"/>
             <a:ext cx="14790543" cy="861774"/>
           </a:xfrm>
           <a:prstGeom prst="rect">
@@ -5339,7 +5249,7 @@
           <a:lstStyle/>
           <a:p>
             <a:r>
-              <a:rPr lang="en-US" altLang="zh-TW" sz="5000" b="1" dirty="0" smtClean="0">
+              <a:rPr lang="en-US" altLang="zh-TW" sz="4800" b="1" dirty="0" smtClean="0">
                 <a:solidFill>
                   <a:srgbClr val="C0504D"/>
                 </a:solidFill>
@@ -5349,7 +5259,7 @@
               <a:t>Study of the variables in different detector size:</a:t>
             </a:r>
             <a:r>
-              <a:rPr lang="en-US" altLang="zh-TW" sz="5000" b="1" dirty="0" smtClean="0">
+              <a:rPr lang="en-US" altLang="zh-TW" sz="4800" b="1" dirty="0" smtClean="0">
                 <a:solidFill>
                   <a:schemeClr val="accent2"/>
                 </a:solidFill>
@@ -5358,7 +5268,7 @@
               </a:rPr>
               <a:t> </a:t>
             </a:r>
-            <a:endParaRPr lang="zh-TW" altLang="en-US" sz="5000" baseline="-25000" dirty="0"/>
+            <a:endParaRPr lang="zh-TW" altLang="en-US" sz="4800" baseline="-25000" dirty="0"/>
           </a:p>
         </p:txBody>
       </p:sp>
@@ -5372,8 +5282,8 @@
             </p:nvSpPr>
             <p:spPr>
               <a:xfrm>
-                <a:off x="343288" y="28624696"/>
-                <a:ext cx="14853850" cy="13915476"/>
+                <a:off x="246159" y="26335489"/>
+                <a:ext cx="14853850" cy="13346923"/>
               </a:xfrm>
               <a:prstGeom prst="rect">
                 <a:avLst/>
@@ -5393,7 +5303,27 @@
                     <a:latin typeface="Arial" pitchFamily="34" charset="0"/>
                     <a:cs typeface="Arial" pitchFamily="34" charset="0"/>
                   </a:rPr>
-                  <a:t>1.N-subjetness:</a:t>
+                  <a:t>1.</a:t>
+                </a:r>
+                <a:r>
+                  <a:rPr lang="en-US" altLang="zh-TW" sz="4800" b="1" dirty="0" smtClean="0">
+                    <a:solidFill>
+                      <a:srgbClr val="C0504D"/>
+                    </a:solidFill>
+                    <a:latin typeface="Arial" pitchFamily="34" charset="0"/>
+                    <a:cs typeface="Arial" pitchFamily="34" charset="0"/>
+                  </a:rPr>
+                  <a:t>N-subjetness</a:t>
+                </a:r>
+                <a:r>
+                  <a:rPr lang="en-US" altLang="zh-TW" sz="5000" b="1" dirty="0" smtClean="0">
+                    <a:solidFill>
+                      <a:srgbClr val="C0504D"/>
+                    </a:solidFill>
+                    <a:latin typeface="Arial" pitchFamily="34" charset="0"/>
+                    <a:cs typeface="Arial" pitchFamily="34" charset="0"/>
+                  </a:rPr>
+                  <a:t>:</a:t>
                 </a:r>
               </a:p>
               <a:p>
@@ -6255,7 +6185,7 @@
                                 <a:lumOff val="5000"/>
                               </a:schemeClr>
                             </a:solidFill>
-                            <a:latin typeface="Arial" charset="0"/>
+                            <a:latin typeface="Cambria Math" charset="0"/>
                             <a:ea typeface="Arial" charset="0"/>
                             <a:cs typeface="Arial" charset="0"/>
                           </a:rPr>
@@ -6270,7 +6200,7 @@
                                 <a:lumOff val="5000"/>
                               </a:schemeClr>
                             </a:solidFill>
-                            <a:latin typeface="Arial" charset="0"/>
+                            <a:latin typeface="Cambria Math" charset="0"/>
                             <a:ea typeface="Arial" charset="0"/>
                             <a:cs typeface="Arial" charset="0"/>
                           </a:rPr>
@@ -6286,7 +6216,7 @@
                                 <a:lumOff val="5000"/>
                               </a:schemeClr>
                             </a:solidFill>
-                            <a:latin typeface="Arial" charset="0"/>
+                            <a:latin typeface="Cambria Math" charset="0"/>
                             <a:ea typeface="Arial" charset="0"/>
                             <a:cs typeface="Arial" charset="0"/>
                           </a:rPr>
@@ -6302,7 +6232,7 @@
                             <a:lumOff val="5000"/>
                           </a:schemeClr>
                         </a:solidFill>
-                        <a:latin typeface="Arial" charset="0"/>
+                        <a:latin typeface="Cambria Math" charset="0"/>
                         <a:ea typeface="Arial" charset="0"/>
                         <a:cs typeface="Arial" charset="0"/>
                       </a:rPr>
@@ -6316,7 +6246,7 @@
                             <a:lumOff val="5000"/>
                           </a:schemeClr>
                         </a:solidFill>
-                        <a:latin typeface="Arial" charset="0"/>
+                        <a:latin typeface="Cambria Math" charset="0"/>
                         <a:ea typeface="Arial" charset="0"/>
                         <a:cs typeface="Arial" charset="0"/>
                       </a:rPr>
@@ -6330,7 +6260,7 @@
                             <a:lumOff val="5000"/>
                           </a:schemeClr>
                         </a:solidFill>
-                        <a:latin typeface="Arial" charset="0"/>
+                        <a:latin typeface="Cambria Math" charset="0"/>
                         <a:ea typeface="Arial" charset="0"/>
                         <a:cs typeface="Arial" charset="0"/>
                       </a:rPr>
@@ -6344,7 +6274,7 @@
                             <a:lumOff val="5000"/>
                           </a:schemeClr>
                         </a:solidFill>
-                        <a:latin typeface="Arial" charset="0"/>
+                        <a:latin typeface="Cambria Math" charset="0"/>
                         <a:ea typeface="Arial" charset="0"/>
                         <a:cs typeface="Arial" charset="0"/>
                       </a:rPr>
@@ -6358,7 +6288,7 @@
                             <a:lumOff val="5000"/>
                           </a:schemeClr>
                         </a:solidFill>
-                        <a:latin typeface="Arial" charset="0"/>
+                        <a:latin typeface="Cambria Math" charset="0"/>
                         <a:ea typeface="Arial" charset="0"/>
                         <a:cs typeface="Arial" charset="0"/>
                       </a:rPr>
@@ -6372,7 +6302,7 @@
                             <a:lumOff val="5000"/>
                           </a:schemeClr>
                         </a:solidFill>
-                        <a:latin typeface="Arial" charset="0"/>
+                        <a:latin typeface="Cambria Math" charset="0"/>
                         <a:ea typeface="Arial" charset="0"/>
                         <a:cs typeface="Arial" charset="0"/>
                       </a:rPr>
@@ -6386,7 +6316,7 @@
                             <a:lumOff val="5000"/>
                           </a:schemeClr>
                         </a:solidFill>
-                        <a:latin typeface="Arial" charset="0"/>
+                        <a:latin typeface="Cambria Math" charset="0"/>
                         <a:ea typeface="Arial" charset="0"/>
                         <a:cs typeface="Arial" charset="0"/>
                       </a:rPr>
@@ -6400,7 +6330,7 @@
                             <a:lumOff val="5000"/>
                           </a:schemeClr>
                         </a:solidFill>
-                        <a:latin typeface="Arial" charset="0"/>
+                        <a:latin typeface="Cambria Math" charset="0"/>
                         <a:ea typeface="Arial" charset="0"/>
                         <a:cs typeface="Arial" charset="0"/>
                       </a:rPr>
@@ -6414,7 +6344,7 @@
                             <a:lumOff val="5000"/>
                           </a:schemeClr>
                         </a:solidFill>
-                        <a:latin typeface="Arial" charset="0"/>
+                        <a:latin typeface="Cambria Math" charset="0"/>
                         <a:ea typeface="Arial" charset="0"/>
                         <a:cs typeface="Arial" charset="0"/>
                       </a:rPr>
@@ -6428,7 +6358,7 @@
                             <a:lumOff val="5000"/>
                           </a:schemeClr>
                         </a:solidFill>
-                        <a:latin typeface="Arial" charset="0"/>
+                        <a:latin typeface="Cambria Math" charset="0"/>
                         <a:ea typeface="Arial" charset="0"/>
                         <a:cs typeface="Arial" charset="0"/>
                       </a:rPr>
@@ -6442,7 +6372,7 @@
                             <a:lumOff val="5000"/>
                           </a:schemeClr>
                         </a:solidFill>
-                        <a:latin typeface="Arial" charset="0"/>
+                        <a:latin typeface="Cambria Math" charset="0"/>
                         <a:ea typeface="Arial" charset="0"/>
                         <a:cs typeface="Arial" charset="0"/>
                       </a:rPr>
@@ -6456,7 +6386,7 @@
                             <a:lumOff val="5000"/>
                           </a:schemeClr>
                         </a:solidFill>
-                        <a:latin typeface="Arial" charset="0"/>
+                        <a:latin typeface="Cambria Math" charset="0"/>
                         <a:ea typeface="Arial" charset="0"/>
                         <a:cs typeface="Arial" charset="0"/>
                       </a:rPr>
@@ -6470,7 +6400,7 @@
                             <a:lumOff val="5000"/>
                           </a:schemeClr>
                         </a:solidFill>
-                        <a:latin typeface="Arial" charset="0"/>
+                        <a:latin typeface="Cambria Math" charset="0"/>
                         <a:ea typeface="Arial" charset="0"/>
                         <a:cs typeface="Arial" charset="0"/>
                       </a:rPr>
@@ -6484,7 +6414,7 @@
                             <a:lumOff val="5000"/>
                           </a:schemeClr>
                         </a:solidFill>
-                        <a:latin typeface="Arial" charset="0"/>
+                        <a:latin typeface="Cambria Math" charset="0"/>
                         <a:ea typeface="Arial" charset="0"/>
                         <a:cs typeface="Arial" charset="0"/>
                       </a:rPr>
@@ -6828,15 +6758,32 @@
               </a:p>
               <a:p>
                 <a:r>
-                  <a:rPr lang="en-US" altLang="zh-TW" sz="5000" b="1" dirty="0" smtClean="0">
+                  <a:rPr lang="en-US" altLang="zh-TW" sz="4800" b="1" dirty="0" smtClean="0">
                     <a:solidFill>
                       <a:schemeClr val="accent2"/>
                     </a:solidFill>
                     <a:latin typeface="Arial" pitchFamily="34" charset="0"/>
                     <a:cs typeface="Arial" pitchFamily="34" charset="0"/>
                   </a:rPr>
-                  <a:t>2.Energy correlation function</a:t>
+                  <a:t>2.Energy correlation </a:t>
                 </a:r>
+                <a:r>
+                  <a:rPr lang="en-US" altLang="zh-TW" sz="4800" b="1" dirty="0" smtClean="0">
+                    <a:solidFill>
+                      <a:schemeClr val="accent2"/>
+                    </a:solidFill>
+                    <a:latin typeface="Arial" pitchFamily="34" charset="0"/>
+                    <a:cs typeface="Arial" pitchFamily="34" charset="0"/>
+                  </a:rPr>
+                  <a:t>function:</a:t>
+                </a:r>
+                <a:endParaRPr lang="en-US" altLang="zh-TW" sz="4800" b="1" dirty="0" smtClean="0">
+                  <a:solidFill>
+                    <a:schemeClr val="accent2"/>
+                  </a:solidFill>
+                  <a:latin typeface="Arial" pitchFamily="34" charset="0"/>
+                  <a:cs typeface="Arial" pitchFamily="34" charset="0"/>
+                </a:endParaRPr>
               </a:p>
               <a:p>
                 <a:pPr/>
@@ -6851,6 +6798,12 @@
                           <a:latin typeface="Cambria Math" charset="0"/>
                         </a:rPr>
                         <m:t>      </m:t>
+                      </m:r>
+                      <m:r>
+                        <a:rPr lang="zh-TW" altLang="en-US" sz="4000" b="0" i="1" smtClean="0">
+                          <a:latin typeface="Cambria Math" charset="0"/>
+                        </a:rPr>
+                        <m:t>            </m:t>
                       </m:r>
                       <m:r>
                         <a:rPr lang="en-US" altLang="zh-TW" sz="4000" b="0" i="1" smtClean="0">
@@ -7365,7 +7318,7 @@
                     <m:sSubSup>
                       <m:sSubSupPr>
                         <m:ctrlPr>
-                          <a:rPr lang="en-US" altLang="zh-TW" sz="4800" b="0" i="1" smtClean="0">
+                          <a:rPr lang="en-US" altLang="zh-TW" sz="4000" b="0" i="1" smtClean="0">
                             <a:latin typeface="Cambria Math" charset="0"/>
                             <a:ea typeface="Cambria Math" charset="0"/>
                             <a:cs typeface="Cambria Math" charset="0"/>
@@ -7374,7 +7327,7 @@
                       </m:sSubSupPr>
                       <m:e>
                         <m:r>
-                          <a:rPr lang="en-US" altLang="zh-TW" sz="4800" b="0" i="1" smtClean="0">
+                          <a:rPr lang="en-US" altLang="zh-TW" sz="4000" b="0" i="1" smtClean="0">
                             <a:latin typeface="Cambria Math" charset="0"/>
                             <a:ea typeface="Cambria Math" charset="0"/>
                             <a:cs typeface="Cambria Math" charset="0"/>
@@ -7384,7 +7337,7 @@
                       </m:e>
                       <m:sub>
                         <m:r>
-                          <a:rPr lang="en-US" altLang="zh-TW" sz="4800" b="0" i="1" smtClean="0">
+                          <a:rPr lang="en-US" altLang="zh-TW" sz="4000" b="0" i="1" smtClean="0">
                             <a:latin typeface="Cambria Math" charset="0"/>
                             <a:ea typeface="Cambria Math" charset="0"/>
                             <a:cs typeface="Cambria Math" charset="0"/>
@@ -7394,7 +7347,7 @@
                       </m:sub>
                       <m:sup>
                         <m:r>
-                          <a:rPr lang="en-US" altLang="zh-TW" sz="4800" b="0" i="1" smtClean="0">
+                          <a:rPr lang="en-US" altLang="zh-TW" sz="4000" b="0" i="1" smtClean="0">
                             <a:latin typeface="Cambria Math" charset="0"/>
                             <a:ea typeface="Cambria Math" charset="0"/>
                             <a:cs typeface="Cambria Math" charset="0"/>
@@ -7402,7 +7355,7 @@
                           <m:t>(</m:t>
                         </m:r>
                         <m:r>
-                          <a:rPr lang="en-US" altLang="zh-TW" sz="4800" b="0" i="1" smtClean="0">
+                          <a:rPr lang="en-US" altLang="zh-TW" sz="4000" b="0" i="1" smtClean="0">
                             <a:latin typeface="Cambria Math" charset="0"/>
                             <a:ea typeface="Cambria Math" charset="0"/>
                             <a:cs typeface="Cambria Math" charset="0"/>
@@ -7410,7 +7363,7 @@
                           <m:t>𝛽</m:t>
                         </m:r>
                         <m:r>
-                          <a:rPr lang="en-US" altLang="zh-TW" sz="4800" b="0" i="1" smtClean="0">
+                          <a:rPr lang="en-US" altLang="zh-TW" sz="4000" b="0" i="1" smtClean="0">
                             <a:latin typeface="Cambria Math" charset="0"/>
                             <a:ea typeface="Cambria Math" charset="0"/>
                             <a:cs typeface="Cambria Math" charset="0"/>
@@ -7420,7 +7373,7 @@
                       </m:sup>
                     </m:sSubSup>
                     <m:r>
-                      <a:rPr lang="en-US" altLang="zh-TW" sz="4800" i="1">
+                      <a:rPr lang="en-US" altLang="zh-TW" sz="4000" i="1">
                         <a:latin typeface="Cambria Math" charset="0"/>
                         <a:ea typeface="Cambria Math" charset="0"/>
                         <a:cs typeface="Cambria Math" charset="0"/>
@@ -7430,7 +7383,7 @@
                   </m:oMath>
                 </a14:m>
                 <a:r>
-                  <a:rPr lang="en-US" altLang="zh-TW" sz="4800" b="0" dirty="0" smtClean="0">
+                  <a:rPr lang="en-US" altLang="zh-TW" sz="4000" b="0" dirty="0" smtClean="0">
                     <a:ea typeface="Cambria Math" charset="0"/>
                     <a:cs typeface="Cambria Math" charset="0"/>
                   </a:rPr>
@@ -7441,7 +7394,7 @@
                     <m:f>
                       <m:fPr>
                         <m:ctrlPr>
-                          <a:rPr lang="mr-IN" altLang="zh-TW" sz="4800" b="0" i="1" dirty="0" smtClean="0">
+                          <a:rPr lang="mr-IN" altLang="zh-TW" sz="4000" b="0" i="1" dirty="0" smtClean="0">
                             <a:latin typeface="Cambria Math" charset="0"/>
                             <a:ea typeface="Cambria Math" charset="0"/>
                             <a:cs typeface="Cambria Math" charset="0"/>
@@ -7450,7 +7403,7 @@
                       </m:fPr>
                       <m:num>
                         <m:r>
-                          <a:rPr lang="en-US" altLang="zh-TW" sz="4800" b="0" i="1" dirty="0" smtClean="0">
+                          <a:rPr lang="en-US" altLang="zh-TW" sz="4000" b="0" i="1" dirty="0" smtClean="0">
                             <a:latin typeface="Cambria Math" charset="0"/>
                             <a:ea typeface="Cambria Math" charset="0"/>
                             <a:cs typeface="Cambria Math" charset="0"/>
@@ -7460,7 +7413,7 @@
                         <m:d>
                           <m:dPr>
                             <m:ctrlPr>
-                              <a:rPr lang="en-US" altLang="zh-TW" sz="4800" b="0" i="1" dirty="0" smtClean="0">
+                              <a:rPr lang="en-US" altLang="zh-TW" sz="4000" b="0" i="1" dirty="0" smtClean="0">
                                 <a:latin typeface="Cambria Math" charset="0"/>
                                 <a:ea typeface="Cambria Math" charset="0"/>
                                 <a:cs typeface="Cambria Math" charset="0"/>
@@ -7469,7 +7422,7 @@
                           </m:dPr>
                           <m:e>
                             <m:r>
-                              <a:rPr lang="en-US" altLang="zh-TW" sz="4800" b="0" i="1" dirty="0" smtClean="0">
+                              <a:rPr lang="en-US" altLang="zh-TW" sz="4000" b="0" i="1" dirty="0" smtClean="0">
                                 <a:latin typeface="Cambria Math" charset="0"/>
                                 <a:ea typeface="Cambria Math" charset="0"/>
                                 <a:cs typeface="Cambria Math" charset="0"/>
@@ -7477,7 +7430,7 @@
                               <m:t>𝑁</m:t>
                             </m:r>
                             <m:r>
-                              <a:rPr lang="en-US" altLang="zh-TW" sz="4800" b="0" i="1" dirty="0" smtClean="0">
+                              <a:rPr lang="en-US" altLang="zh-TW" sz="4000" b="0" i="1" dirty="0" smtClean="0">
                                 <a:latin typeface="Cambria Math" charset="0"/>
                                 <a:ea typeface="Cambria Math" charset="0"/>
                                 <a:cs typeface="Cambria Math" charset="0"/>
@@ -7485,7 +7438,7 @@
                               <m:t>+1,</m:t>
                             </m:r>
                             <m:r>
-                              <a:rPr lang="en-US" altLang="zh-TW" sz="4800" b="0" i="1" dirty="0" smtClean="0">
+                              <a:rPr lang="en-US" altLang="zh-TW" sz="4000" b="0" i="1" dirty="0" smtClean="0">
                                 <a:latin typeface="Cambria Math" charset="0"/>
                                 <a:ea typeface="Cambria Math" charset="0"/>
                                 <a:cs typeface="Cambria Math" charset="0"/>
@@ -7495,7 +7448,7 @@
                           </m:e>
                         </m:d>
                         <m:r>
-                          <a:rPr lang="en-US" altLang="zh-TW" sz="4800" b="0" i="1" dirty="0" smtClean="0">
+                          <a:rPr lang="en-US" altLang="zh-TW" sz="4000" b="0" i="1" dirty="0" smtClean="0">
                             <a:latin typeface="Cambria Math" charset="0"/>
                             <a:ea typeface="Cambria Math" charset="0"/>
                             <a:cs typeface="Cambria Math" charset="0"/>
@@ -7503,7 +7456,7 @@
                           <m:t>𝐸𝐶𝐹</m:t>
                         </m:r>
                         <m:r>
-                          <a:rPr lang="en-US" altLang="zh-TW" sz="4800" b="0" i="1" dirty="0" smtClean="0">
+                          <a:rPr lang="en-US" altLang="zh-TW" sz="4000" b="0" i="1" dirty="0" smtClean="0">
                             <a:latin typeface="Cambria Math" charset="0"/>
                             <a:ea typeface="Cambria Math" charset="0"/>
                             <a:cs typeface="Cambria Math" charset="0"/>
@@ -7511,7 +7464,7 @@
                           <m:t>(</m:t>
                         </m:r>
                         <m:r>
-                          <a:rPr lang="en-US" altLang="zh-TW" sz="4800" b="0" i="1" dirty="0" smtClean="0">
+                          <a:rPr lang="en-US" altLang="zh-TW" sz="4000" b="0" i="1" dirty="0" smtClean="0">
                             <a:latin typeface="Cambria Math" charset="0"/>
                             <a:ea typeface="Cambria Math" charset="0"/>
                             <a:cs typeface="Cambria Math" charset="0"/>
@@ -7519,7 +7472,7 @@
                           <m:t>𝑁</m:t>
                         </m:r>
                         <m:r>
-                          <a:rPr lang="en-US" altLang="zh-TW" sz="4800" b="0" i="1" dirty="0" smtClean="0">
+                          <a:rPr lang="en-US" altLang="zh-TW" sz="4000" b="0" i="1" dirty="0" smtClean="0">
                             <a:latin typeface="Cambria Math" charset="0"/>
                             <a:ea typeface="Cambria Math" charset="0"/>
                             <a:cs typeface="Cambria Math" charset="0"/>
@@ -7527,7 +7480,7 @@
                           <m:t>−1,</m:t>
                         </m:r>
                         <m:r>
-                          <a:rPr lang="en-US" altLang="zh-TW" sz="4800" b="0" i="1" dirty="0" smtClean="0">
+                          <a:rPr lang="en-US" altLang="zh-TW" sz="4000" b="0" i="1" dirty="0" smtClean="0">
                             <a:latin typeface="Cambria Math" charset="0"/>
                             <a:ea typeface="Cambria Math" charset="0"/>
                             <a:cs typeface="Cambria Math" charset="0"/>
@@ -7535,7 +7488,7 @@
                           <m:t>𝛽</m:t>
                         </m:r>
                         <m:r>
-                          <a:rPr lang="en-US" altLang="zh-TW" sz="4800" b="0" i="1" dirty="0" smtClean="0">
+                          <a:rPr lang="en-US" altLang="zh-TW" sz="4000" b="0" i="1" dirty="0" smtClean="0">
                             <a:latin typeface="Cambria Math" charset="0"/>
                             <a:ea typeface="Cambria Math" charset="0"/>
                             <a:cs typeface="Cambria Math" charset="0"/>
@@ -7547,7 +7500,7 @@
                         <m:sSup>
                           <m:sSupPr>
                             <m:ctrlPr>
-                              <a:rPr lang="mr-IN" altLang="zh-TW" sz="4800" b="0" i="1" dirty="0" smtClean="0">
+                              <a:rPr lang="mr-IN" altLang="zh-TW" sz="4000" b="0" i="1" dirty="0" smtClean="0">
                                 <a:latin typeface="Cambria Math" charset="0"/>
                                 <a:ea typeface="Cambria Math" charset="0"/>
                                 <a:cs typeface="Cambria Math" charset="0"/>
@@ -7556,7 +7509,7 @@
                           </m:sSupPr>
                           <m:e>
                             <m:r>
-                              <a:rPr lang="en-US" altLang="zh-TW" sz="4800" b="0" i="1" dirty="0" smtClean="0">
+                              <a:rPr lang="en-US" altLang="zh-TW" sz="4000" b="0" i="1" dirty="0" smtClean="0">
                                 <a:latin typeface="Cambria Math" charset="0"/>
                                 <a:ea typeface="Cambria Math" charset="0"/>
                                 <a:cs typeface="Cambria Math" charset="0"/>
@@ -7564,7 +7517,7 @@
                               <m:t>𝐸𝐶𝐹</m:t>
                             </m:r>
                             <m:r>
-                              <a:rPr lang="en-US" altLang="zh-TW" sz="4800" b="0" i="1" dirty="0" smtClean="0">
+                              <a:rPr lang="en-US" altLang="zh-TW" sz="4000" b="0" i="1" dirty="0" smtClean="0">
                                 <a:latin typeface="Cambria Math" charset="0"/>
                                 <a:ea typeface="Cambria Math" charset="0"/>
                                 <a:cs typeface="Cambria Math" charset="0"/>
@@ -7572,7 +7525,7 @@
                               <m:t>(</m:t>
                             </m:r>
                             <m:r>
-                              <a:rPr lang="en-US" altLang="zh-TW" sz="4800" b="0" i="1" dirty="0" smtClean="0">
+                              <a:rPr lang="en-US" altLang="zh-TW" sz="4000" b="0" i="1" dirty="0" smtClean="0">
                                 <a:latin typeface="Cambria Math" charset="0"/>
                                 <a:ea typeface="Cambria Math" charset="0"/>
                                 <a:cs typeface="Cambria Math" charset="0"/>
@@ -7580,7 +7533,7 @@
                               <m:t>𝑁</m:t>
                             </m:r>
                             <m:r>
-                              <a:rPr lang="en-US" altLang="zh-TW" sz="4800" b="0" i="1" dirty="0" smtClean="0">
+                              <a:rPr lang="en-US" altLang="zh-TW" sz="4000" b="0" i="1" dirty="0" smtClean="0">
                                 <a:latin typeface="Cambria Math" charset="0"/>
                                 <a:ea typeface="Cambria Math" charset="0"/>
                                 <a:cs typeface="Cambria Math" charset="0"/>
@@ -7588,7 +7541,7 @@
                               <m:t>,</m:t>
                             </m:r>
                             <m:r>
-                              <a:rPr lang="en-US" altLang="zh-TW" sz="4800" b="0" i="1" dirty="0" smtClean="0">
+                              <a:rPr lang="en-US" altLang="zh-TW" sz="4000" b="0" i="1" dirty="0" smtClean="0">
                                 <a:latin typeface="Cambria Math" charset="0"/>
                                 <a:ea typeface="Cambria Math" charset="0"/>
                                 <a:cs typeface="Cambria Math" charset="0"/>
@@ -7596,7 +7549,7 @@
                               <m:t>𝛽</m:t>
                             </m:r>
                             <m:r>
-                              <a:rPr lang="en-US" altLang="zh-TW" sz="4800" b="0" i="1" dirty="0" smtClean="0">
+                              <a:rPr lang="en-US" altLang="zh-TW" sz="4000" b="0" i="1" dirty="0" smtClean="0">
                                 <a:latin typeface="Cambria Math" charset="0"/>
                                 <a:ea typeface="Cambria Math" charset="0"/>
                                 <a:cs typeface="Cambria Math" charset="0"/>
@@ -7606,7 +7559,7 @@
                           </m:e>
                           <m:sup>
                             <m:r>
-                              <a:rPr lang="en-US" altLang="zh-TW" sz="4800" b="0" i="1" dirty="0" smtClean="0">
+                              <a:rPr lang="en-US" altLang="zh-TW" sz="4000" b="0" i="1" dirty="0" smtClean="0">
                                 <a:latin typeface="Cambria Math" charset="0"/>
                                 <a:ea typeface="Cambria Math" charset="0"/>
                                 <a:cs typeface="Cambria Math" charset="0"/>
@@ -7619,7 +7572,7 @@
                     </m:f>
                   </m:oMath>
                 </a14:m>
-                <a:endParaRPr lang="en-US" altLang="zh-TW" sz="4800" b="0" dirty="0" smtClean="0">
+                <a:endParaRPr lang="en-US" altLang="zh-TW" sz="4000" b="0" dirty="0" smtClean="0">
                   <a:ea typeface="Cambria Math" charset="0"/>
                   <a:cs typeface="Cambria Math" charset="0"/>
                 </a:endParaRPr>
@@ -8129,7 +8082,7 @@
                     </m:oMathParaPr>
                     <m:oMath xmlns:m="http://schemas.openxmlformats.org/officeDocument/2006/math">
                       <m:r>
-                        <a:rPr lang="en-US" altLang="zh-TW" sz="4800" b="1" i="1" smtClean="0">
+                        <a:rPr lang="en-US" altLang="zh-TW" sz="4000" b="1" i="1" smtClean="0">
                           <a:solidFill>
                             <a:schemeClr val="accent2"/>
                           </a:solidFill>
@@ -8140,7 +8093,7 @@
                         <m:t>𝜷</m:t>
                       </m:r>
                       <m:r>
-                        <a:rPr lang="en-US" altLang="zh-TW" sz="4800" b="1" i="1" smtClean="0">
+                        <a:rPr lang="en-US" altLang="zh-TW" sz="4000" b="1" i="1" smtClean="0">
                           <a:solidFill>
                             <a:schemeClr val="accent2"/>
                           </a:solidFill>
@@ -8151,7 +8104,7 @@
                         <m:t>&gt;</m:t>
                       </m:r>
                       <m:r>
-                        <a:rPr lang="en-US" altLang="zh-TW" sz="4800" b="1" i="1" smtClean="0">
+                        <a:rPr lang="en-US" altLang="zh-TW" sz="4000" b="1" i="1" smtClean="0">
                           <a:solidFill>
                             <a:schemeClr val="accent2"/>
                           </a:solidFill>
@@ -8162,7 +8115,7 @@
                         <m:t>𝟎</m:t>
                       </m:r>
                       <m:r>
-                        <a:rPr lang="en-US" altLang="zh-TW" sz="4800" b="1" i="1" smtClean="0">
+                        <a:rPr lang="en-US" altLang="zh-TW" sz="4000" b="1" i="1" smtClean="0">
                           <a:solidFill>
                             <a:schemeClr val="accent2"/>
                           </a:solidFill>
@@ -8173,7 +8126,7 @@
                         <m:t>:</m:t>
                       </m:r>
                       <m:r>
-                        <a:rPr lang="en-US" altLang="zh-TW" sz="4800" b="1" i="1" smtClean="0">
+                        <a:rPr lang="en-US" altLang="zh-TW" sz="4000" b="1" i="1" smtClean="0">
                           <a:solidFill>
                             <a:schemeClr val="accent2"/>
                           </a:solidFill>
@@ -8184,7 +8137,7 @@
                         <m:t>𝑹𝒆𝒎𝒐𝒗𝒆</m:t>
                       </m:r>
                       <m:r>
-                        <a:rPr lang="zh-TW" altLang="en-US" sz="4800" b="1" i="1" smtClean="0">
+                        <a:rPr lang="zh-TW" altLang="en-US" sz="4000" b="1" i="1" smtClean="0">
                           <a:solidFill>
                             <a:schemeClr val="accent2"/>
                           </a:solidFill>
@@ -8197,7 +8150,7 @@
                       <m:d>
                         <m:dPr>
                           <m:ctrlPr>
-                            <a:rPr lang="en-US" altLang="zh-TW" sz="4800" b="1" i="1" smtClean="0">
+                            <a:rPr lang="en-US" altLang="zh-TW" sz="4000" b="1" i="1" smtClean="0">
                               <a:solidFill>
                                 <a:schemeClr val="accent2"/>
                               </a:solidFill>
@@ -8209,7 +8162,7 @@
                         </m:dPr>
                         <m:e>
                           <m:r>
-                            <a:rPr lang="en-US" altLang="zh-TW" sz="4800" b="1" i="1" smtClean="0">
+                            <a:rPr lang="en-US" altLang="zh-TW" sz="4000" b="1" i="1" smtClean="0">
                               <a:solidFill>
                                 <a:schemeClr val="accent2"/>
                               </a:solidFill>
@@ -8222,7 +8175,7 @@
                         </m:e>
                       </m:d>
                       <m:r>
-                        <a:rPr lang="en-US" altLang="zh-TW" sz="4800" b="1" i="1" smtClean="0">
+                        <a:rPr lang="en-US" altLang="zh-TW" sz="4000" b="1" i="1" smtClean="0">
                           <a:solidFill>
                             <a:schemeClr val="accent2"/>
                           </a:solidFill>
@@ -8233,7 +8186,7 @@
                         <m:t>,</m:t>
                       </m:r>
                       <m:r>
-                        <a:rPr lang="zh-TW" altLang="en-US" sz="4800" b="1" i="1" smtClean="0">
+                        <a:rPr lang="zh-TW" altLang="en-US" sz="4000" b="1" i="1" smtClean="0">
                           <a:solidFill>
                             <a:schemeClr val="accent2"/>
                           </a:solidFill>
@@ -8244,7 +8197,7 @@
                         <m:t> </m:t>
                       </m:r>
                       <m:r>
-                        <a:rPr lang="en-US" altLang="zh-TW" sz="4800" b="1" i="1" smtClean="0">
+                        <a:rPr lang="en-US" altLang="zh-TW" sz="4000" b="1" i="1" smtClean="0">
                           <a:solidFill>
                             <a:schemeClr val="accent2"/>
                           </a:solidFill>
@@ -8257,7 +8210,7 @@
                       <m:d>
                         <m:dPr>
                           <m:ctrlPr>
-                            <a:rPr lang="en-US" altLang="zh-TW" sz="4800" b="1" i="1" smtClean="0">
+                            <a:rPr lang="en-US" altLang="zh-TW" sz="4000" b="1" i="1" smtClean="0">
                               <a:solidFill>
                                 <a:schemeClr val="accent2"/>
                               </a:solidFill>
@@ -8269,7 +8222,7 @@
                         </m:dPr>
                         <m:e>
                           <m:r>
-                            <a:rPr lang="en-US" altLang="zh-TW" sz="4800" b="1" i="1" smtClean="0">
+                            <a:rPr lang="en-US" altLang="zh-TW" sz="4000" b="1" i="1" smtClean="0">
                               <a:solidFill>
                                 <a:schemeClr val="accent2"/>
                               </a:solidFill>
@@ -8280,7 +8233,7 @@
                             <m:t>𝒔𝒐𝒇𝒕</m:t>
                           </m:r>
                           <m:r>
-                            <a:rPr lang="en-US" altLang="zh-TW" sz="4800" b="1" i="1" smtClean="0">
+                            <a:rPr lang="en-US" altLang="zh-TW" sz="4000" b="1" i="1" smtClean="0">
                               <a:solidFill>
                                 <a:schemeClr val="accent2"/>
                               </a:solidFill>
@@ -8291,7 +8244,7 @@
                             <m:t>−</m:t>
                           </m:r>
                           <m:r>
-                            <a:rPr lang="en-US" altLang="zh-TW" sz="4800" b="1" i="1" smtClean="0">
+                            <a:rPr lang="en-US" altLang="zh-TW" sz="4000" b="1" i="1" smtClean="0">
                               <a:solidFill>
                                 <a:schemeClr val="accent2"/>
                               </a:solidFill>
@@ -8306,7 +8259,7 @@
                     </m:oMath>
                   </m:oMathPara>
                 </a14:m>
-                <a:endParaRPr lang="en-US" altLang="zh-TW" sz="4800" b="1" dirty="0" smtClean="0">
+                <a:endParaRPr lang="en-US" altLang="zh-TW" sz="4000" b="1" dirty="0" smtClean="0">
                   <a:solidFill>
                     <a:schemeClr val="accent2"/>
                   </a:solidFill>
@@ -8324,7 +8277,7 @@
                     </m:oMathParaPr>
                     <m:oMath xmlns:m="http://schemas.openxmlformats.org/officeDocument/2006/math">
                       <m:r>
-                        <a:rPr lang="en-US" altLang="zh-TW" sz="4800" b="1" i="1" smtClean="0">
+                        <a:rPr lang="en-US" altLang="zh-TW" sz="4000" b="1" i="1" smtClean="0">
                           <a:solidFill>
                             <a:schemeClr val="accent2"/>
                           </a:solidFill>
@@ -8335,7 +8288,7 @@
                         <m:t>𝜷</m:t>
                       </m:r>
                       <m:r>
-                        <a:rPr lang="en-US" altLang="zh-TW" sz="4800" b="1" i="1" smtClean="0">
+                        <a:rPr lang="en-US" altLang="zh-TW" sz="4000" b="1" i="1" smtClean="0">
                           <a:solidFill>
                             <a:schemeClr val="accent2"/>
                           </a:solidFill>
@@ -8346,7 +8299,7 @@
                         <m:t>=</m:t>
                       </m:r>
                       <m:r>
-                        <a:rPr lang="en-US" altLang="zh-TW" sz="4800" b="1" i="1" smtClean="0">
+                        <a:rPr lang="en-US" altLang="zh-TW" sz="4000" b="1" i="1" smtClean="0">
                           <a:solidFill>
                             <a:schemeClr val="accent2"/>
                           </a:solidFill>
@@ -8357,7 +8310,7 @@
                         <m:t>𝟎</m:t>
                       </m:r>
                       <m:r>
-                        <a:rPr lang="en-US" altLang="zh-TW" sz="4800" b="1" i="1" smtClean="0">
+                        <a:rPr lang="en-US" altLang="zh-TW" sz="4000" b="1" i="1" smtClean="0">
                           <a:solidFill>
                             <a:schemeClr val="accent2"/>
                           </a:solidFill>
@@ -8368,7 +8321,7 @@
                         <m:t>:</m:t>
                       </m:r>
                       <m:r>
-                        <a:rPr lang="en-US" altLang="zh-TW" sz="4800" b="1" i="1" smtClean="0">
+                        <a:rPr lang="en-US" altLang="zh-TW" sz="4000" b="1" i="1" smtClean="0">
                           <a:solidFill>
                             <a:schemeClr val="accent2"/>
                           </a:solidFill>
@@ -8379,7 +8332,7 @@
                         <m:t>𝑫𝒆𝒑𝒆𝒏𝒅</m:t>
                       </m:r>
                       <m:r>
-                        <a:rPr lang="zh-TW" altLang="en-US" sz="4800" b="1" i="1" smtClean="0">
+                        <a:rPr lang="zh-TW" altLang="en-US" sz="4000" b="1" i="1" smtClean="0">
                           <a:solidFill>
                             <a:schemeClr val="accent2"/>
                           </a:solidFill>
@@ -8390,7 +8343,7 @@
                         <m:t> </m:t>
                       </m:r>
                       <m:r>
-                        <a:rPr lang="en-US" altLang="zh-TW" sz="4800" b="1" i="1" smtClean="0">
+                        <a:rPr lang="en-US" altLang="zh-TW" sz="4000" b="1" i="1" smtClean="0">
                           <a:solidFill>
                             <a:schemeClr val="accent2"/>
                           </a:solidFill>
@@ -8401,7 +8354,7 @@
                         <m:t>𝒐𝒏</m:t>
                       </m:r>
                       <m:r>
-                        <a:rPr lang="zh-TW" altLang="en-US" sz="4800" b="1" i="1" smtClean="0">
+                        <a:rPr lang="zh-TW" altLang="en-US" sz="4000" b="1" i="1" smtClean="0">
                           <a:solidFill>
                             <a:schemeClr val="accent2"/>
                           </a:solidFill>
@@ -8412,7 +8365,7 @@
                         <m:t> </m:t>
                       </m:r>
                       <m:r>
-                        <a:rPr lang="en-US" altLang="zh-TW" sz="4800" b="1" i="1" smtClean="0">
+                        <a:rPr lang="en-US" altLang="zh-TW" sz="4000" b="1" i="1" smtClean="0">
                           <a:solidFill>
                             <a:schemeClr val="accent2"/>
                           </a:solidFill>
@@ -8423,7 +8376,7 @@
                         <m:t>𝒕𝒉𝒆</m:t>
                       </m:r>
                       <m:r>
-                        <a:rPr lang="zh-TW" altLang="en-US" sz="4800" b="1" i="1" smtClean="0">
+                        <a:rPr lang="zh-TW" altLang="en-US" sz="4000" b="1" i="1" smtClean="0">
                           <a:solidFill>
                             <a:schemeClr val="accent2"/>
                           </a:solidFill>
@@ -8434,7 +8387,7 @@
                         <m:t> </m:t>
                       </m:r>
                       <m:r>
-                        <a:rPr lang="en-US" altLang="zh-TW" sz="4800" b="1" i="1" smtClean="0">
+                        <a:rPr lang="en-US" altLang="zh-TW" sz="4000" b="1" i="1" smtClean="0">
                           <a:solidFill>
                             <a:schemeClr val="accent2"/>
                           </a:solidFill>
@@ -8445,7 +8398,7 @@
                         <m:t>𝒄𝒖𝒕</m:t>
                       </m:r>
                       <m:r>
-                        <a:rPr lang="en-US" altLang="zh-TW" sz="4800" b="1" i="0" smtClean="0">
+                        <a:rPr lang="en-US" altLang="zh-TW" sz="4000" b="1" i="0" smtClean="0">
                           <a:solidFill>
                             <a:schemeClr val="accent2"/>
                           </a:solidFill>
@@ -8456,7 +8409,7 @@
                         <m:t> </m:t>
                       </m:r>
                       <m:r>
-                        <a:rPr lang="en-US" altLang="zh-TW" sz="4800" b="1" i="0" smtClean="0">
+                        <a:rPr lang="en-US" altLang="zh-TW" sz="4000" b="1" i="0" smtClean="0">
                           <a:solidFill>
                             <a:schemeClr val="accent2"/>
                           </a:solidFill>
@@ -8467,7 +8420,7 @@
                         <m:t>𝐭𝐨</m:t>
                       </m:r>
                       <m:r>
-                        <a:rPr lang="en-US" altLang="zh-TW" sz="4800" b="1" i="0" smtClean="0">
+                        <a:rPr lang="en-US" altLang="zh-TW" sz="4000" b="1" i="0" smtClean="0">
                           <a:solidFill>
                             <a:schemeClr val="accent2"/>
                           </a:solidFill>
@@ -8478,7 +8431,7 @@
                         <m:t> </m:t>
                       </m:r>
                       <m:r>
-                        <a:rPr lang="en-US" altLang="zh-TW" sz="4800" b="1" i="0" smtClean="0">
+                        <a:rPr lang="en-US" altLang="zh-TW" sz="4000" b="1" i="0" smtClean="0">
                           <a:solidFill>
                             <a:schemeClr val="accent2"/>
                           </a:solidFill>
@@ -8489,7 +8442,7 @@
                         <m:t>𝐬𝐞𝐥𝐞𝐜𝐭</m:t>
                       </m:r>
                       <m:r>
-                        <a:rPr lang="en-US" altLang="zh-TW" sz="4800" b="1" i="0" smtClean="0">
+                        <a:rPr lang="en-US" altLang="zh-TW" sz="4000" b="1" i="0" smtClean="0">
                           <a:solidFill>
                             <a:schemeClr val="accent2"/>
                           </a:solidFill>
@@ -8500,7 +8453,7 @@
                         <m:t> </m:t>
                       </m:r>
                       <m:r>
-                        <a:rPr lang="en-US" altLang="zh-TW" sz="4800" b="1" i="0" smtClean="0">
+                        <a:rPr lang="en-US" altLang="zh-TW" sz="4000" b="1" i="0" smtClean="0">
                           <a:solidFill>
                             <a:schemeClr val="accent2"/>
                           </a:solidFill>
@@ -8511,7 +8464,7 @@
                         <m:t>𝐭𝐡𝐞</m:t>
                       </m:r>
                       <m:r>
-                        <a:rPr lang="en-US" altLang="zh-TW" sz="4800" b="1" i="0" smtClean="0">
+                        <a:rPr lang="en-US" altLang="zh-TW" sz="4000" b="1" i="0" smtClean="0">
                           <a:solidFill>
                             <a:schemeClr val="accent2"/>
                           </a:solidFill>
@@ -8522,7 +8475,7 @@
                         <m:t> </m:t>
                       </m:r>
                       <m:r>
-                        <a:rPr lang="en-US" altLang="zh-TW" sz="4800" b="1" i="0" smtClean="0">
+                        <a:rPr lang="en-US" altLang="zh-TW" sz="4000" b="1" i="0" smtClean="0">
                           <a:solidFill>
                             <a:schemeClr val="accent2"/>
                           </a:solidFill>
@@ -8535,7 +8488,7 @@
                     </m:oMath>
                   </m:oMathPara>
                 </a14:m>
-                <a:endParaRPr lang="en-US" altLang="zh-TW" sz="4800" b="1" dirty="0" smtClean="0">
+                <a:endParaRPr lang="en-US" altLang="zh-TW" sz="4000" b="1" dirty="0" smtClean="0">
                   <a:solidFill>
                     <a:schemeClr val="accent2"/>
                   </a:solidFill>
@@ -8552,7 +8505,7 @@
                     </m:oMathParaPr>
                     <m:oMath xmlns:m="http://schemas.openxmlformats.org/officeDocument/2006/math">
                       <m:r>
-                        <a:rPr lang="en-US" altLang="zh-TW" sz="4800" b="1" i="1" smtClean="0">
+                        <a:rPr lang="en-US" altLang="zh-TW" sz="4000" b="1" i="1" smtClean="0">
                           <a:solidFill>
                             <a:schemeClr val="accent2"/>
                           </a:solidFill>
@@ -8563,7 +8516,7 @@
                         <m:t>𝜷</m:t>
                       </m:r>
                       <m:r>
-                        <a:rPr lang="en-US" altLang="zh-TW" sz="4800" b="1" i="1" smtClean="0">
+                        <a:rPr lang="en-US" altLang="zh-TW" sz="4000" b="1" i="1" smtClean="0">
                           <a:solidFill>
                             <a:schemeClr val="accent2"/>
                           </a:solidFill>
@@ -8574,7 +8527,7 @@
                         <m:t>&lt;</m:t>
                       </m:r>
                       <m:r>
-                        <a:rPr lang="en-US" altLang="zh-TW" sz="4800" b="1" i="1" smtClean="0">
+                        <a:rPr lang="en-US" altLang="zh-TW" sz="4000" b="1" i="1" smtClean="0">
                           <a:solidFill>
                             <a:schemeClr val="accent2"/>
                           </a:solidFill>
@@ -8585,7 +8538,7 @@
                         <m:t>𝟎</m:t>
                       </m:r>
                       <m:r>
-                        <a:rPr lang="en-US" altLang="zh-TW" sz="4800" b="1" i="1" smtClean="0">
+                        <a:rPr lang="en-US" altLang="zh-TW" sz="4000" b="1" i="1" smtClean="0">
                           <a:solidFill>
                             <a:schemeClr val="accent2"/>
                           </a:solidFill>
@@ -8596,7 +8549,7 @@
                         <m:t>:</m:t>
                       </m:r>
                       <m:r>
-                        <a:rPr lang="en-US" altLang="zh-TW" sz="4800" b="1" i="1" smtClean="0">
+                        <a:rPr lang="en-US" altLang="zh-TW" sz="4000" b="1" i="1" smtClean="0">
                           <a:solidFill>
                             <a:schemeClr val="accent2"/>
                           </a:solidFill>
@@ -8607,7 +8560,7 @@
                         <m:t>𝑹𝒆𝒎𝒐𝒗𝒆</m:t>
                       </m:r>
                       <m:r>
-                        <a:rPr lang="en-US" altLang="zh-TW" sz="4800" b="1" i="1" smtClean="0">
+                        <a:rPr lang="en-US" altLang="zh-TW" sz="4000" b="1" i="1" smtClean="0">
                           <a:solidFill>
                             <a:schemeClr val="accent2"/>
                           </a:solidFill>
@@ -8618,7 +8571,7 @@
                         <m:t> </m:t>
                       </m:r>
                       <m:r>
-                        <a:rPr lang="en-US" altLang="zh-TW" sz="4800" b="1" i="1" smtClean="0">
+                        <a:rPr lang="en-US" altLang="zh-TW" sz="4000" b="1" i="1" smtClean="0">
                           <a:solidFill>
                             <a:schemeClr val="accent2"/>
                           </a:solidFill>
@@ -8629,7 +8582,7 @@
                         <m:t>𝒃𝒐𝒕𝒉</m:t>
                       </m:r>
                       <m:r>
-                        <a:rPr lang="en-US" altLang="zh-TW" sz="4800" b="1" i="1" smtClean="0">
+                        <a:rPr lang="en-US" altLang="zh-TW" sz="4000" b="1" i="1" smtClean="0">
                           <a:solidFill>
                             <a:schemeClr val="accent2"/>
                           </a:solidFill>
@@ -8642,7 +8595,7 @@
                       <m:d>
                         <m:dPr>
                           <m:ctrlPr>
-                            <a:rPr lang="en-US" altLang="zh-TW" sz="4800" b="1" i="1" smtClean="0">
+                            <a:rPr lang="en-US" altLang="zh-TW" sz="4000" b="1" i="1" smtClean="0">
                               <a:solidFill>
                                 <a:schemeClr val="accent2"/>
                               </a:solidFill>
@@ -8654,7 +8607,7 @@
                         </m:dPr>
                         <m:e>
                           <m:r>
-                            <a:rPr lang="en-US" altLang="zh-TW" sz="4800" b="1" i="1" smtClean="0">
+                            <a:rPr lang="en-US" altLang="zh-TW" sz="4000" b="1" i="1" smtClean="0">
                               <a:solidFill>
                                 <a:schemeClr val="accent2"/>
                               </a:solidFill>
@@ -8667,7 +8620,7 @@
                         </m:e>
                       </m:d>
                       <m:r>
-                        <a:rPr lang="en-US" altLang="zh-TW" sz="4800" b="1" i="1" smtClean="0">
+                        <a:rPr lang="en-US" altLang="zh-TW" sz="4000" b="1" i="1" smtClean="0">
                           <a:solidFill>
                             <a:schemeClr val="accent2"/>
                           </a:solidFill>
@@ -8678,7 +8631,7 @@
                         <m:t>𝒂𝒏𝒅</m:t>
                       </m:r>
                       <m:r>
-                        <a:rPr lang="en-US" altLang="zh-TW" sz="4800" b="1" i="1" smtClean="0">
+                        <a:rPr lang="en-US" altLang="zh-TW" sz="4000" b="1" i="1" smtClean="0">
                           <a:solidFill>
                             <a:schemeClr val="accent2"/>
                           </a:solidFill>
@@ -8689,7 +8642,7 @@
                         <m:t> (</m:t>
                       </m:r>
                       <m:r>
-                        <a:rPr lang="en-US" altLang="zh-TW" sz="4800" b="1" i="1" smtClean="0">
+                        <a:rPr lang="en-US" altLang="zh-TW" sz="4000" b="1" i="1" smtClean="0">
                           <a:solidFill>
                             <a:schemeClr val="accent2"/>
                           </a:solidFill>
@@ -8700,7 +8653,7 @@
                         <m:t>𝒄𝒐𝒍𝒍𝒊𝒏𝒆𝒂𝒓</m:t>
                       </m:r>
                       <m:r>
-                        <a:rPr lang="en-US" altLang="zh-TW" sz="4800" b="1" i="1" smtClean="0">
+                        <a:rPr lang="en-US" altLang="zh-TW" sz="4000" b="1" i="1" smtClean="0">
                           <a:solidFill>
                             <a:schemeClr val="accent2"/>
                           </a:solidFill>
@@ -8713,7 +8666,7 @@
                     </m:oMath>
                   </m:oMathPara>
                 </a14:m>
-                <a:endParaRPr lang="en-US" altLang="zh-TW" sz="4800" b="1" dirty="0">
+                <a:endParaRPr lang="en-US" altLang="zh-TW" sz="4000" b="1" dirty="0">
                   <a:solidFill>
                     <a:schemeClr val="accent2"/>
                   </a:solidFill>
@@ -8739,8 +8692,8 @@
             </p:nvSpPr>
             <p:spPr>
               <a:xfrm>
-                <a:off x="343288" y="28624696"/>
-                <a:ext cx="14853850" cy="13915476"/>
+                <a:off x="246159" y="26335489"/>
+                <a:ext cx="14853850" cy="13346923"/>
               </a:xfrm>
               <a:prstGeom prst="rect">
                 <a:avLst/>
@@ -8775,7 +8728,7 @@
         </p:nvSpPr>
         <p:spPr>
           <a:xfrm>
-            <a:off x="15586935" y="28855159"/>
+            <a:off x="15646236" y="23112753"/>
             <a:ext cx="10947401" cy="861774"/>
           </a:xfrm>
           <a:prstGeom prst="rect">
@@ -8796,27 +8749,7 @@
                 <a:latin typeface="Arial" pitchFamily="34" charset="0"/>
                 <a:cs typeface="Arial" pitchFamily="34" charset="0"/>
               </a:rPr>
-              <a:t>Study of Soft </a:t>
-            </a:r>
-            <a:r>
-              <a:rPr lang="en-US" altLang="zh-TW" sz="5000" b="1" dirty="0" smtClean="0">
-                <a:solidFill>
-                  <a:srgbClr val="C0504D"/>
-                </a:solidFill>
-                <a:latin typeface="Arial" pitchFamily="34" charset="0"/>
-                <a:cs typeface="Arial" pitchFamily="34" charset="0"/>
-              </a:rPr>
-              <a:t>D</a:t>
-            </a:r>
-            <a:r>
-              <a:rPr lang="en-US" altLang="zh-TW" sz="5000" b="1" dirty="0" smtClean="0">
-                <a:solidFill>
-                  <a:srgbClr val="C0504D"/>
-                </a:solidFill>
-                <a:latin typeface="Arial" pitchFamily="34" charset="0"/>
-                <a:cs typeface="Arial" pitchFamily="34" charset="0"/>
-              </a:rPr>
-              <a:t>rop:</a:t>
+              <a:t>Study of Soft Drop:</a:t>
             </a:r>
             <a:endParaRPr lang="zh-TW" altLang="en-US" sz="5000" baseline="-25000" dirty="0"/>
           </a:p>
@@ -8830,7 +8763,7 @@
         </p:nvSpPr>
         <p:spPr>
           <a:xfrm>
-            <a:off x="15684130" y="13724049"/>
+            <a:off x="15732702" y="8112014"/>
             <a:ext cx="14170566" cy="861774"/>
           </a:xfrm>
           <a:prstGeom prst="rect">
@@ -8851,17 +8784,7 @@
                 <a:latin typeface="Arial" pitchFamily="34" charset="0"/>
                 <a:cs typeface="Arial" pitchFamily="34" charset="0"/>
               </a:rPr>
-              <a:t>Variables Study in Cluster</a:t>
-            </a:r>
-            <a:r>
-              <a:rPr lang="en-US" altLang="zh-TW" sz="5000" b="1" dirty="0" smtClean="0">
-                <a:solidFill>
-                  <a:srgbClr val="C0504D"/>
-                </a:solidFill>
-                <a:latin typeface="Arial" pitchFamily="34" charset="0"/>
-                <a:cs typeface="Arial" pitchFamily="34" charset="0"/>
-              </a:rPr>
-              <a:t>:</a:t>
+              <a:t>Variables Study in Cluster:</a:t>
             </a:r>
             <a:r>
               <a:rPr lang="en-US" altLang="zh-TW" sz="5000" b="1" dirty="0" smtClean="0">
@@ -8917,7 +8840,7 @@
         </p:nvSpPr>
         <p:spPr>
           <a:xfrm>
-            <a:off x="15624007" y="7176236"/>
+            <a:off x="246159" y="38338305"/>
             <a:ext cx="15275490" cy="1631216"/>
           </a:xfrm>
           <a:prstGeom prst="rect">
@@ -8940,7 +8863,7 @@
           </a:p>
           <a:p>
             <a:r>
-              <a:rPr lang="en-US" altLang="zh-TW" sz="5000" b="1" dirty="0" smtClean="0">
+              <a:rPr lang="en-US" altLang="zh-TW" sz="4800" b="1" dirty="0" smtClean="0">
                 <a:solidFill>
                   <a:srgbClr val="C0504D"/>
                 </a:solidFill>
@@ -8950,7 +8873,7 @@
               <a:t>Signal </a:t>
             </a:r>
             <a:r>
-              <a:rPr lang="en-US" altLang="zh-TW" sz="5000" b="1" dirty="0">
+              <a:rPr lang="en-US" altLang="zh-TW" sz="4800" b="1" dirty="0">
                 <a:solidFill>
                   <a:srgbClr val="C0504D"/>
                 </a:solidFill>
@@ -8960,47 +8883,17 @@
               <a:t>and </a:t>
             </a:r>
             <a:r>
-              <a:rPr lang="en-US" altLang="zh-TW" sz="5000" b="1" dirty="0" smtClean="0">
+              <a:rPr lang="en-US" altLang="zh-TW" sz="4800" b="1" dirty="0" smtClean="0">
                 <a:solidFill>
                   <a:srgbClr val="C0504D"/>
                 </a:solidFill>
                 <a:latin typeface="Arial" pitchFamily="34" charset="0"/>
                 <a:cs typeface="Arial" pitchFamily="34" charset="0"/>
               </a:rPr>
-              <a:t>QCD </a:t>
-            </a:r>
-            <a:r>
-              <a:rPr lang="en-US" altLang="zh-TW" sz="5000" b="1" dirty="0" smtClean="0">
-                <a:solidFill>
-                  <a:srgbClr val="C0504D"/>
-                </a:solidFill>
-                <a:latin typeface="Arial" pitchFamily="34" charset="0"/>
-                <a:cs typeface="Arial" pitchFamily="34" charset="0"/>
-              </a:rPr>
-              <a:t>Background </a:t>
-            </a:r>
-            <a:r>
-              <a:rPr lang="en-US" altLang="zh-TW" sz="5000" b="1" dirty="0" smtClean="0">
-                <a:solidFill>
-                  <a:srgbClr val="C0504D"/>
-                </a:solidFill>
-                <a:latin typeface="Arial" pitchFamily="34" charset="0"/>
-                <a:cs typeface="Arial" pitchFamily="34" charset="0"/>
-              </a:rPr>
-              <a:t>Process</a:t>
-            </a:r>
-            <a:r>
-              <a:rPr lang="en-US" altLang="zh-TW" sz="5000" b="1" dirty="0" smtClean="0">
-                <a:solidFill>
-                  <a:srgbClr val="C0504D"/>
-                </a:solidFill>
-                <a:latin typeface="Arial" pitchFamily="34" charset="0"/>
-                <a:cs typeface="Arial" pitchFamily="34" charset="0"/>
-              </a:rPr>
-              <a:t>:</a:t>
-            </a:r>
-            <a:r>
-              <a:rPr lang="en-US" altLang="zh-TW" sz="5000" b="1" dirty="0" smtClean="0">
+              <a:t>QCD Background Process:</a:t>
+            </a:r>
+            <a:r>
+              <a:rPr lang="en-US" altLang="zh-TW" sz="4800" b="1" dirty="0" smtClean="0">
                 <a:solidFill>
                   <a:schemeClr val="accent2"/>
                 </a:solidFill>
@@ -9009,7 +8902,7 @@
               </a:rPr>
               <a:t> </a:t>
             </a:r>
-            <a:endParaRPr lang="zh-TW" altLang="en-US" sz="5000" baseline="-25000" dirty="0"/>
+            <a:endParaRPr lang="zh-TW" altLang="en-US" sz="4800" baseline="-25000" dirty="0"/>
           </a:p>
         </p:txBody>
       </p:sp>
@@ -9053,47 +8946,7 @@
                 <a:latin typeface="Arial" pitchFamily="34" charset="0"/>
                 <a:cs typeface="Arial" pitchFamily="34" charset="0"/>
               </a:rPr>
-              <a:t> 4 </a:t>
-            </a:r>
-            <a:r>
-              <a:rPr lang="en-US" altLang="zh-TW" sz="5000" b="1" dirty="0" smtClean="0">
-                <a:solidFill>
-                  <a:srgbClr val="C0504D"/>
-                </a:solidFill>
-                <a:latin typeface="Arial" pitchFamily="34" charset="0"/>
-                <a:cs typeface="Arial" pitchFamily="34" charset="0"/>
-              </a:rPr>
-              <a:t>Simulation </a:t>
-            </a:r>
-            <a:r>
-              <a:rPr lang="en-US" altLang="zh-TW" sz="5000" b="1" dirty="0" smtClean="0">
-                <a:solidFill>
-                  <a:srgbClr val="C0504D"/>
-                </a:solidFill>
-                <a:latin typeface="Arial" pitchFamily="34" charset="0"/>
-                <a:cs typeface="Arial" pitchFamily="34" charset="0"/>
-              </a:rPr>
-              <a:t>of Future </a:t>
-            </a:r>
-            <a:r>
-              <a:rPr lang="en-US" altLang="zh-TW" sz="5000" b="1" dirty="0" smtClean="0">
-                <a:solidFill>
-                  <a:srgbClr val="C0504D"/>
-                </a:solidFill>
-                <a:latin typeface="Arial" pitchFamily="34" charset="0"/>
-                <a:cs typeface="Arial" pitchFamily="34" charset="0"/>
-              </a:rPr>
-              <a:t>D</a:t>
-            </a:r>
-            <a:r>
-              <a:rPr lang="en-US" altLang="zh-TW" sz="5000" b="1" dirty="0" smtClean="0">
-                <a:solidFill>
-                  <a:srgbClr val="C0504D"/>
-                </a:solidFill>
-                <a:latin typeface="Arial" pitchFamily="34" charset="0"/>
-                <a:cs typeface="Arial" pitchFamily="34" charset="0"/>
-              </a:rPr>
-              <a:t>etector </a:t>
+              <a:t> 4 Simulation of Future Detector </a:t>
             </a:r>
             <a:r>
               <a:rPr lang="en-US" altLang="zh-TW" sz="5000" b="1" dirty="0" err="1" smtClean="0">
@@ -9131,7 +8984,7 @@
         </p:nvSpPr>
         <p:spPr>
           <a:xfrm>
-            <a:off x="15880124" y="14590652"/>
+            <a:off x="15809699" y="8876649"/>
             <a:ext cx="14170566" cy="861774"/>
           </a:xfrm>
           <a:prstGeom prst="rect">
@@ -9145,7 +8998,7 @@
           <a:lstStyle/>
           <a:p>
             <a:r>
-              <a:rPr lang="en-US" altLang="zh-TW" sz="5000" b="1" dirty="0" smtClean="0">
+              <a:rPr lang="en-US" altLang="zh-TW" sz="4800" b="1" dirty="0" smtClean="0">
                 <a:solidFill>
                   <a:srgbClr val="C0504D"/>
                 </a:solidFill>
@@ -9155,7 +9008,7 @@
               <a:t>Distribution of z’-&gt;</a:t>
             </a:r>
             <a:r>
-              <a:rPr lang="en-US" altLang="zh-TW" sz="5000" b="1" dirty="0" err="1" smtClean="0">
+              <a:rPr lang="en-US" altLang="zh-TW" sz="4800" b="1" dirty="0" err="1" smtClean="0">
                 <a:solidFill>
                   <a:srgbClr val="C0504D"/>
                 </a:solidFill>
@@ -9165,7 +9018,7 @@
               <a:t>ww,z</a:t>
             </a:r>
             <a:r>
-              <a:rPr lang="en-US" altLang="zh-TW" sz="5000" b="1" dirty="0" smtClean="0">
+              <a:rPr lang="en-US" altLang="zh-TW" sz="4800" b="1" dirty="0" smtClean="0">
                 <a:solidFill>
                   <a:srgbClr val="C0504D"/>
                 </a:solidFill>
@@ -9175,7 +9028,7 @@
               <a:t>’-&gt;</a:t>
             </a:r>
             <a:r>
-              <a:rPr lang="en-US" altLang="zh-TW" sz="5000" b="1" dirty="0" err="1" smtClean="0">
+              <a:rPr lang="en-US" altLang="zh-TW" sz="4800" b="1" dirty="0" err="1" smtClean="0">
                 <a:solidFill>
                   <a:srgbClr val="C0504D"/>
                 </a:solidFill>
@@ -9185,7 +9038,7 @@
               <a:t>qq</a:t>
             </a:r>
             <a:r>
-              <a:rPr lang="en-US" altLang="zh-TW" sz="5000" b="1" dirty="0" smtClean="0">
+              <a:rPr lang="en-US" altLang="zh-TW" sz="4800" b="1" dirty="0" smtClean="0">
                 <a:solidFill>
                   <a:srgbClr val="C0504D"/>
                 </a:solidFill>
@@ -9195,7 +9048,7 @@
               <a:t> and z’-&gt;</a:t>
             </a:r>
             <a:r>
-              <a:rPr lang="en-US" altLang="zh-TW" sz="5000" b="1" dirty="0" err="1" smtClean="0">
+              <a:rPr lang="en-US" altLang="zh-TW" sz="4800" b="1" dirty="0" err="1" smtClean="0">
                 <a:solidFill>
                   <a:srgbClr val="C0504D"/>
                 </a:solidFill>
@@ -9205,7 +9058,7 @@
               <a:t>tt,z</a:t>
             </a:r>
             <a:r>
-              <a:rPr lang="en-US" altLang="zh-TW" sz="5000" b="1" dirty="0" smtClean="0">
+              <a:rPr lang="en-US" altLang="zh-TW" sz="4800" b="1" dirty="0" smtClean="0">
                 <a:solidFill>
                   <a:srgbClr val="C0504D"/>
                 </a:solidFill>
@@ -9215,7 +9068,7 @@
               <a:t>’-&gt;</a:t>
             </a:r>
             <a:r>
-              <a:rPr lang="en-US" altLang="zh-TW" sz="5000" b="1" dirty="0" err="1" smtClean="0">
+              <a:rPr lang="en-US" altLang="zh-TW" sz="4800" b="1" dirty="0" err="1" smtClean="0">
                 <a:solidFill>
                   <a:srgbClr val="C0504D"/>
                 </a:solidFill>
@@ -9225,27 +9078,17 @@
               <a:t>qq</a:t>
             </a:r>
             <a:r>
-              <a:rPr lang="en-US" altLang="zh-TW" sz="5000" b="1" dirty="0" smtClean="0">
+              <a:rPr lang="en-US" altLang="zh-TW" sz="4800" b="1" dirty="0" smtClean="0">
                 <a:solidFill>
                   <a:srgbClr val="C0504D"/>
                 </a:solidFill>
                 <a:latin typeface="Arial" pitchFamily="34" charset="0"/>
                 <a:cs typeface="Arial" pitchFamily="34" charset="0"/>
               </a:rPr>
-              <a:t> </a:t>
-            </a:r>
-            <a:r>
-              <a:rPr lang="en-US" altLang="zh-TW" sz="5000" b="1" dirty="0" smtClean="0">
-                <a:solidFill>
-                  <a:srgbClr val="C0504D"/>
-                </a:solidFill>
-                <a:latin typeface="Arial" pitchFamily="34" charset="0"/>
-                <a:cs typeface="Arial" pitchFamily="34" charset="0"/>
-              </a:rPr>
-              <a:t>:</a:t>
-            </a:r>
-            <a:r>
-              <a:rPr lang="en-US" altLang="zh-TW" sz="5000" b="1" dirty="0" smtClean="0">
+              <a:t> :</a:t>
+            </a:r>
+            <a:r>
+              <a:rPr lang="en-US" altLang="zh-TW" sz="4800" b="1" dirty="0" smtClean="0">
                 <a:solidFill>
                   <a:schemeClr val="accent2"/>
                 </a:solidFill>
@@ -9254,7 +9097,7 @@
               </a:rPr>
               <a:t> </a:t>
             </a:r>
-            <a:endParaRPr lang="zh-TW" altLang="en-US" sz="5000" baseline="-25000" dirty="0"/>
+            <a:endParaRPr lang="zh-TW" altLang="en-US" sz="4800" baseline="-25000" dirty="0"/>
           </a:p>
         </p:txBody>
       </p:sp>
@@ -9514,7 +9357,7 @@
         </p:blipFill>
         <p:spPr>
           <a:xfrm>
-            <a:off x="17974668" y="10980930"/>
+            <a:off x="2428331" y="40801665"/>
             <a:ext cx="2006600" cy="1714500"/>
           </a:xfrm>
           <a:prstGeom prst="rect">
@@ -9530,8 +9373,8 @@
         </p:nvSpPr>
         <p:spPr>
           <a:xfrm>
-            <a:off x="15709530" y="8850074"/>
-            <a:ext cx="6211957" cy="1015663"/>
+            <a:off x="583398" y="39730727"/>
+            <a:ext cx="5575565" cy="1015663"/>
           </a:xfrm>
           <a:prstGeom prst="rect">
             <a:avLst/>
@@ -9545,7 +9388,7 @@
           <a:lstStyle/>
           <a:p>
             <a:r>
-              <a:rPr lang="en-US" altLang="zh-TW" sz="5400" b="1" dirty="0" smtClean="0">
+              <a:rPr lang="en-US" altLang="zh-TW" sz="4800" b="1" dirty="0" smtClean="0">
                 <a:solidFill>
                   <a:srgbClr val="C0504D"/>
                 </a:solidFill>
@@ -9576,7 +9419,7 @@
         </p:nvSpPr>
         <p:spPr>
           <a:xfrm>
-            <a:off x="24050345" y="8954689"/>
+            <a:off x="9845275" y="39769282"/>
             <a:ext cx="2492990" cy="923330"/>
           </a:xfrm>
           <a:prstGeom prst="rect">
@@ -9604,8 +9447,8 @@
           </a:p>
         </p:txBody>
       </p:sp>
-      <mc:AlternateContent xmlns:mc="http://schemas.openxmlformats.org/markup-compatibility/2006" xmlns:a14="http://schemas.microsoft.com/office/drawing/2010/main">
-        <mc:Choice Requires="a14">
+      <mc:AlternateContent xmlns:mc="http://schemas.openxmlformats.org/markup-compatibility/2006">
+        <mc:Choice xmlns:a14="http://schemas.microsoft.com/office/drawing/2010/main" Requires="a14">
           <p:sp>
             <p:nvSpPr>
               <p:cNvPr id="127" name="文字方塊 126"/>
@@ -9614,8 +9457,8 @@
             </p:nvSpPr>
             <p:spPr>
               <a:xfrm flipH="1">
-                <a:off x="7660283" y="20270921"/>
-                <a:ext cx="7926652" cy="978922"/>
+                <a:off x="7530388" y="20270302"/>
+                <a:ext cx="7926652" cy="818429"/>
               </a:xfrm>
               <a:prstGeom prst="rect">
                 <a:avLst/>
@@ -9638,7 +9481,7 @@
                       <m:sSubSup>
                         <m:sSubSupPr>
                           <m:ctrlPr>
-                            <a:rPr lang="en-US" altLang="zh-TW" sz="4800" i="1" smtClean="0">
+                            <a:rPr lang="en-US" altLang="zh-TW" sz="4000" i="1" smtClean="0">
                               <a:latin typeface="Cambria Math" charset="0"/>
                               <a:cs typeface="Arial" pitchFamily="34" charset="0"/>
                             </a:rPr>
@@ -9646,7 +9489,7 @@
                         </m:sSubSupPr>
                         <m:e>
                           <m:r>
-                            <a:rPr lang="en-US" altLang="zh-TW" sz="4800" b="0" i="0">
+                            <a:rPr lang="en-US" altLang="zh-TW" sz="4000" b="0" i="0">
                               <a:latin typeface="Cambria Math" charset="0"/>
                               <a:ea typeface="Cambria Math" charset="0"/>
                               <a:cs typeface="Cambria Math" charset="0"/>
@@ -9659,7 +9502,7 @@
                             <m:rPr>
                               <m:sty m:val="p"/>
                             </m:rPr>
-                            <a:rPr lang="en-US" altLang="zh-TW" sz="4800" b="0" i="0">
+                            <a:rPr lang="en-US" altLang="zh-TW" sz="4000" b="0" i="0">
                               <a:latin typeface="Cambria Math" charset="0"/>
                               <a:cs typeface="Arial" pitchFamily="34" charset="0"/>
                             </a:rPr>
@@ -9668,7 +9511,7 @@
                         </m:sub>
                         <m:sup>
                           <m:r>
-                            <a:rPr lang="en-US" altLang="zh-TW" sz="4800" b="0" i="0">
+                            <a:rPr lang="en-US" altLang="zh-TW" sz="4000" b="0" i="0">
                               <a:latin typeface="Cambria Math" charset="0"/>
                               <a:cs typeface="Arial" pitchFamily="34" charset="0"/>
                             </a:rPr>
@@ -9677,7 +9520,7 @@
                         </m:sup>
                       </m:sSubSup>
                       <m:r>
-                        <a:rPr lang="en-US" altLang="zh-TW" sz="4800" b="0" i="0" smtClean="0">
+                        <a:rPr lang="en-US" altLang="zh-TW" sz="4000" b="0" i="0" smtClean="0">
                           <a:latin typeface="Cambria Math" charset="0"/>
                           <a:cs typeface="Arial" pitchFamily="34" charset="0"/>
                         </a:rPr>
@@ -9686,7 +9529,7 @@
                       <m:sSup>
                         <m:sSupPr>
                           <m:ctrlPr>
-                            <a:rPr lang="en-US" altLang="zh-TW" sz="4800" i="1" smtClean="0">
+                            <a:rPr lang="en-US" altLang="zh-TW" sz="4000" i="1" smtClean="0">
                               <a:latin typeface="Cambria Math" charset="0"/>
                               <a:cs typeface="Arial" pitchFamily="34" charset="0"/>
                             </a:rPr>
@@ -9696,7 +9539,7 @@
                           <m:sSub>
                             <m:sSubPr>
                               <m:ctrlPr>
-                                <a:rPr lang="en-US" altLang="zh-TW" sz="4800" i="1" smtClean="0">
+                                <a:rPr lang="en-US" altLang="zh-TW" sz="4000" i="1" smtClean="0">
                                   <a:latin typeface="Cambria Math" charset="0"/>
                                   <a:cs typeface="Arial" pitchFamily="34" charset="0"/>
                                 </a:rPr>
@@ -9707,7 +9550,7 @@
                                 <m:rPr>
                                   <m:sty m:val="p"/>
                                 </m:rPr>
-                                <a:rPr lang="en-US" altLang="zh-TW" sz="4800" b="0" i="0" smtClean="0">
+                                <a:rPr lang="en-US" altLang="zh-TW" sz="4000" b="0" i="0" smtClean="0">
                                   <a:latin typeface="Cambria Math" charset="0"/>
                                   <a:cs typeface="Arial" pitchFamily="34" charset="0"/>
                                 </a:rPr>
@@ -9719,7 +9562,7 @@
                                 <m:rPr>
                                   <m:sty m:val="p"/>
                                 </m:rPr>
-                                <a:rPr lang="en-US" altLang="zh-TW" sz="4800" b="0" i="0" smtClean="0">
+                                <a:rPr lang="en-US" altLang="zh-TW" sz="4000" b="0" i="0" smtClean="0">
                                   <a:latin typeface="Cambria Math" charset="0"/>
                                   <a:cs typeface="Arial" pitchFamily="34" charset="0"/>
                                 </a:rPr>
@@ -9728,7 +9571,7 @@
                             </m:sub>
                           </m:sSub>
                           <m:r>
-                            <a:rPr lang="en-US" altLang="zh-TW" sz="4800" b="0" i="0" smtClean="0">
+                            <a:rPr lang="en-US" altLang="zh-TW" sz="4000" b="0" i="0" smtClean="0">
                               <a:latin typeface="Cambria Math" charset="0"/>
                               <a:cs typeface="Arial" pitchFamily="34" charset="0"/>
                             </a:rPr>
@@ -9737,7 +9580,7 @@
                           <m:sSub>
                             <m:sSubPr>
                               <m:ctrlPr>
-                                <a:rPr lang="en-US" altLang="zh-TW" sz="4800" i="1" smtClean="0">
+                                <a:rPr lang="en-US" altLang="zh-TW" sz="4000" i="1" smtClean="0">
                                   <a:latin typeface="Cambria Math" charset="0"/>
                                   <a:cs typeface="Arial" pitchFamily="34" charset="0"/>
                                 </a:rPr>
@@ -9748,7 +9591,7 @@
                                 <m:rPr>
                                   <m:sty m:val="p"/>
                                 </m:rPr>
-                                <a:rPr lang="en-US" altLang="zh-TW" sz="4800" b="0" i="0" smtClean="0">
+                                <a:rPr lang="en-US" altLang="zh-TW" sz="4000" b="0" i="0" smtClean="0">
                                   <a:latin typeface="Cambria Math" charset="0"/>
                                   <a:cs typeface="Arial" pitchFamily="34" charset="0"/>
                                 </a:rPr>
@@ -9760,7 +9603,7 @@
                                 <m:rPr>
                                   <m:sty m:val="p"/>
                                 </m:rPr>
-                                <a:rPr lang="en-US" altLang="zh-TW" sz="4800" b="0" i="0" smtClean="0">
+                                <a:rPr lang="en-US" altLang="zh-TW" sz="4000" b="0" i="0" smtClean="0">
                                   <a:latin typeface="Cambria Math" charset="0"/>
                                   <a:cs typeface="Arial" pitchFamily="34" charset="0"/>
                                 </a:rPr>
@@ -9769,7 +9612,7 @@
                             </m:sub>
                           </m:sSub>
                           <m:r>
-                            <a:rPr lang="en-US" altLang="zh-TW" sz="4800" b="0" i="0" smtClean="0">
+                            <a:rPr lang="en-US" altLang="zh-TW" sz="4000" b="0" i="0" smtClean="0">
                               <a:latin typeface="Cambria Math" charset="0"/>
                               <a:cs typeface="Arial" pitchFamily="34" charset="0"/>
                             </a:rPr>
@@ -9778,7 +9621,7 @@
                         </m:e>
                         <m:sup>
                           <m:r>
-                            <a:rPr lang="en-US" altLang="zh-TW" sz="4800" b="0" i="0" smtClean="0">
+                            <a:rPr lang="en-US" altLang="zh-TW" sz="4000" b="0" i="0" smtClean="0">
                               <a:latin typeface="Cambria Math" charset="0"/>
                               <a:cs typeface="Arial" pitchFamily="34" charset="0"/>
                             </a:rPr>
@@ -9787,7 +9630,7 @@
                         </m:sup>
                       </m:sSup>
                       <m:r>
-                        <a:rPr lang="en-US" altLang="zh-TW" sz="4800" b="0" i="0" smtClean="0">
+                        <a:rPr lang="en-US" altLang="zh-TW" sz="4000" b="0" i="0" smtClean="0">
                           <a:latin typeface="Cambria Math" charset="0"/>
                           <a:cs typeface="Arial" pitchFamily="34" charset="0"/>
                         </a:rPr>
@@ -9796,7 +9639,7 @@
                       <m:sSup>
                         <m:sSupPr>
                           <m:ctrlPr>
-                            <a:rPr lang="en-US" altLang="zh-TW" sz="4800" i="1">
+                            <a:rPr lang="en-US" altLang="zh-TW" sz="4000" i="1">
                               <a:latin typeface="Cambria Math" charset="0"/>
                               <a:cs typeface="Arial" pitchFamily="34" charset="0"/>
                             </a:rPr>
@@ -9804,7 +9647,7 @@
                         </m:sSupPr>
                         <m:e>
                           <m:r>
-                            <a:rPr lang="en-US" altLang="zh-TW" sz="4800" b="0" i="0" smtClean="0">
+                            <a:rPr lang="en-US" altLang="zh-TW" sz="4000" b="0" i="0" smtClean="0">
                               <a:latin typeface="Cambria Math" charset="0"/>
                               <a:cs typeface="Arial" pitchFamily="34" charset="0"/>
                             </a:rPr>
@@ -9813,7 +9656,7 @@
                           <m:sSub>
                             <m:sSubPr>
                               <m:ctrlPr>
-                                <a:rPr lang="en-US" altLang="zh-TW" sz="4800" i="1" smtClean="0">
+                                <a:rPr lang="en-US" altLang="zh-TW" sz="4000" i="1" smtClean="0">
                                   <a:latin typeface="Cambria Math" charset="0"/>
                                   <a:cs typeface="Arial" pitchFamily="34" charset="0"/>
                                 </a:rPr>
@@ -9821,7 +9664,7 @@
                             </m:sSubPr>
                             <m:e>
                               <m:r>
-                                <a:rPr lang="en-US" altLang="zh-TW" sz="4800" b="0" i="0" smtClean="0">
+                                <a:rPr lang="en-US" altLang="zh-TW" sz="4000" b="0" i="0" smtClean="0">
                                   <a:latin typeface="Cambria Math" charset="0"/>
                                   <a:ea typeface="Cambria Math" charset="0"/>
                                   <a:cs typeface="Cambria Math" charset="0"/>
@@ -9834,7 +9677,7 @@
                                 <m:rPr>
                                   <m:sty m:val="p"/>
                                 </m:rPr>
-                                <a:rPr lang="en-US" altLang="zh-TW" sz="4800" b="0" i="0">
+                                <a:rPr lang="en-US" altLang="zh-TW" sz="4000" b="0" i="0">
                                   <a:latin typeface="Cambria Math" charset="0"/>
                                   <a:cs typeface="Arial" pitchFamily="34" charset="0"/>
                                 </a:rPr>
@@ -9843,7 +9686,7 @@
                             </m:sub>
                           </m:sSub>
                           <m:r>
-                            <a:rPr lang="en-US" altLang="zh-TW" sz="4800" b="0" i="0">
+                            <a:rPr lang="en-US" altLang="zh-TW" sz="4000" b="0" i="0">
                               <a:latin typeface="Cambria Math" charset="0"/>
                               <a:cs typeface="Arial" pitchFamily="34" charset="0"/>
                             </a:rPr>
@@ -9852,7 +9695,7 @@
                           <m:sSub>
                             <m:sSubPr>
                               <m:ctrlPr>
-                                <a:rPr lang="en-US" altLang="zh-TW" sz="4800" i="1">
+                                <a:rPr lang="en-US" altLang="zh-TW" sz="4000" i="1">
                                   <a:latin typeface="Cambria Math" charset="0"/>
                                   <a:cs typeface="Arial" pitchFamily="34" charset="0"/>
                                 </a:rPr>
@@ -9860,7 +9703,7 @@
                             </m:sSubPr>
                             <m:e>
                               <m:r>
-                                <a:rPr lang="en-US" altLang="zh-TW" sz="4800" b="0" i="0" smtClean="0">
+                                <a:rPr lang="en-US" altLang="zh-TW" sz="4000" b="0" i="0" smtClean="0">
                                   <a:latin typeface="Cambria Math" charset="0"/>
                                   <a:ea typeface="Cambria Math" charset="0"/>
                                   <a:cs typeface="Cambria Math" charset="0"/>
@@ -9873,7 +9716,7 @@
                                 <m:rPr>
                                   <m:sty m:val="p"/>
                                 </m:rPr>
-                                <a:rPr lang="en-US" altLang="zh-TW" sz="4800" b="0" i="0">
+                                <a:rPr lang="en-US" altLang="zh-TW" sz="4000" b="0" i="0">
                                   <a:latin typeface="Cambria Math" charset="0"/>
                                   <a:cs typeface="Arial" pitchFamily="34" charset="0"/>
                                 </a:rPr>
@@ -9882,7 +9725,7 @@
                             </m:sub>
                           </m:sSub>
                           <m:r>
-                            <a:rPr lang="en-US" altLang="zh-TW" sz="4800" b="0" i="0">
+                            <a:rPr lang="en-US" altLang="zh-TW" sz="4000" b="0" i="0">
                               <a:latin typeface="Cambria Math" charset="0"/>
                               <a:cs typeface="Arial" pitchFamily="34" charset="0"/>
                             </a:rPr>
@@ -9891,7 +9734,7 @@
                         </m:e>
                         <m:sup>
                           <m:r>
-                            <a:rPr lang="en-US" altLang="zh-TW" sz="4800" b="0" i="0">
+                            <a:rPr lang="en-US" altLang="zh-TW" sz="4000" b="0" i="0">
                               <a:latin typeface="Cambria Math" charset="0"/>
                               <a:cs typeface="Arial" pitchFamily="34" charset="0"/>
                             </a:rPr>
@@ -9902,12 +9745,12 @@
                     </m:oMath>
                   </m:oMathPara>
                 </a14:m>
-                <a:endParaRPr kumimoji="1" lang="zh-TW" altLang="en-US" sz="4800" dirty="0"/>
+                <a:endParaRPr kumimoji="1" lang="zh-TW" altLang="en-US" sz="4000" dirty="0"/>
               </a:p>
             </p:txBody>
           </p:sp>
         </mc:Choice>
-        <mc:Fallback xmlns="">
+        <mc:Fallback>
           <p:sp>
             <p:nvSpPr>
               <p:cNvPr id="127" name="文字方塊 126"/>
@@ -9918,14 +9761,14 @@
             </p:nvSpPr>
             <p:spPr>
               <a:xfrm flipH="1">
-                <a:off x="7660283" y="20270921"/>
-                <a:ext cx="7926652" cy="978922"/>
+                <a:off x="7530388" y="20270302"/>
+                <a:ext cx="7926652" cy="818429"/>
               </a:xfrm>
               <a:prstGeom prst="rect">
                 <a:avLst/>
               </a:prstGeom>
               <a:blipFill rotWithShape="0">
-                <a:blip r:embed="rId22"/>
+                <a:blip r:embed="rId16"/>
                 <a:stretch>
                   <a:fillRect/>
                 </a:stretch>
@@ -9956,8 +9799,8 @@
             </p:nvSpPr>
             <p:spPr>
               <a:xfrm>
-                <a:off x="8141773" y="21249843"/>
-                <a:ext cx="7646223" cy="2367699"/>
+                <a:off x="8542838" y="20995929"/>
+                <a:ext cx="7646223" cy="1988558"/>
               </a:xfrm>
               <a:prstGeom prst="rect">
                 <a:avLst/>
@@ -9973,24 +9816,24 @@
                 <a14:m>
                   <m:oMath xmlns:m="http://schemas.openxmlformats.org/officeDocument/2006/math">
                     <m:r>
-                      <a:rPr kumimoji="1" lang="en-US" altLang="zh-TW" sz="4800" b="0" i="1" smtClean="0">
-                        <a:latin typeface="Arial" charset="0"/>
+                      <a:rPr kumimoji="1" lang="en-US" altLang="zh-TW" sz="4000" b="0" i="1" smtClean="0">
+                        <a:latin typeface="Cambria Math" charset="0"/>
                         <a:ea typeface="Arial" charset="0"/>
                         <a:cs typeface="Arial" charset="0"/>
                       </a:rPr>
                       <m:t>𝑖</m:t>
                     </m:r>
                     <m:r>
-                      <a:rPr kumimoji="1" lang="en-US" altLang="zh-TW" sz="4800" b="0" i="1" smtClean="0">
-                        <a:latin typeface="Arial" charset="0"/>
+                      <a:rPr kumimoji="1" lang="en-US" altLang="zh-TW" sz="4000" b="0" i="1" smtClean="0">
+                        <a:latin typeface="Cambria Math" charset="0"/>
                         <a:ea typeface="Arial" charset="0"/>
                         <a:cs typeface="Arial" charset="0"/>
                       </a:rPr>
                       <m:t>,</m:t>
                     </m:r>
                     <m:r>
-                      <a:rPr kumimoji="1" lang="en-US" altLang="zh-TW" sz="4800" b="0" i="1" smtClean="0">
-                        <a:latin typeface="Arial" charset="0"/>
+                      <a:rPr kumimoji="1" lang="en-US" altLang="zh-TW" sz="4000" b="0" i="1" smtClean="0">
+                        <a:latin typeface="Cambria Math" charset="0"/>
                         <a:ea typeface="Arial" charset="0"/>
                         <a:cs typeface="Arial" charset="0"/>
                       </a:rPr>
@@ -9999,7 +9842,7 @@
                   </m:oMath>
                 </a14:m>
                 <a:r>
-                  <a:rPr kumimoji="1" lang="en-US" altLang="zh-TW" sz="4800" dirty="0" smtClean="0">
+                  <a:rPr kumimoji="1" lang="en-US" altLang="zh-TW" sz="4000" dirty="0" smtClean="0">
                     <a:latin typeface="Arial" charset="0"/>
                     <a:ea typeface="Arial" charset="0"/>
                     <a:cs typeface="Arial" charset="0"/>
@@ -10009,8 +9852,8 @@
                 <a14:m>
                   <m:oMath xmlns:m="http://schemas.openxmlformats.org/officeDocument/2006/math">
                     <m:r>
-                      <a:rPr kumimoji="1" lang="en-US" altLang="zh-TW" sz="4800" b="0" i="1" smtClean="0">
-                        <a:latin typeface="Arial" charset="0"/>
+                      <a:rPr kumimoji="1" lang="en-US" altLang="zh-TW" sz="4000" b="0" i="1" smtClean="0">
+                        <a:latin typeface="Cambria Math" charset="0"/>
                         <a:ea typeface="Arial" charset="0"/>
                         <a:cs typeface="Arial" charset="0"/>
                       </a:rPr>
@@ -10019,7 +9862,7 @@
                   </m:oMath>
                 </a14:m>
                 <a:r>
-                  <a:rPr kumimoji="1" lang="en-US" altLang="zh-TW" sz="4800" dirty="0" smtClean="0">
+                  <a:rPr kumimoji="1" lang="en-US" altLang="zh-TW" sz="4000" dirty="0" smtClean="0">
                     <a:latin typeface="Arial" charset="0"/>
                     <a:ea typeface="Arial" charset="0"/>
                     <a:cs typeface="Arial" charset="0"/>
@@ -10029,8 +9872,8 @@
                 <a14:m>
                   <m:oMath xmlns:m="http://schemas.openxmlformats.org/officeDocument/2006/math">
                     <m:r>
-                      <a:rPr kumimoji="1" lang="en-US" altLang="zh-TW" sz="4800" b="0" i="1" smtClean="0">
-                        <a:latin typeface="Arial" charset="0"/>
+                      <a:rPr kumimoji="1" lang="en-US" altLang="zh-TW" sz="4000" b="0" i="1" smtClean="0">
+                        <a:latin typeface="Cambria Math" charset="0"/>
                         <a:ea typeface="Arial" charset="0"/>
                         <a:cs typeface="Arial" charset="0"/>
                       </a:rPr>
@@ -10039,7 +9882,7 @@
                   </m:oMath>
                 </a14:m>
                 <a:r>
-                  <a:rPr kumimoji="1" lang="en-US" altLang="zh-TW" sz="4800" dirty="0" smtClean="0">
+                  <a:rPr kumimoji="1" lang="en-US" altLang="zh-TW" sz="4000" dirty="0" smtClean="0">
                     <a:latin typeface="Arial" charset="0"/>
                     <a:ea typeface="Arial" charset="0"/>
                     <a:cs typeface="Arial" charset="0"/>
@@ -10053,8 +9896,8 @@
                     <m:sSub>
                       <m:sSubPr>
                         <m:ctrlPr>
-                          <a:rPr kumimoji="1" lang="en-US" altLang="zh-TW" sz="4800" i="1" smtClean="0">
-                            <a:latin typeface="Arial" charset="0"/>
+                          <a:rPr kumimoji="1" lang="en-US" altLang="zh-TW" sz="4000" i="1" smtClean="0">
+                            <a:latin typeface="Cambria Math" charset="0"/>
                             <a:ea typeface="Arial" charset="0"/>
                             <a:cs typeface="Arial" charset="0"/>
                           </a:rPr>
@@ -10062,8 +9905,8 @@
                       </m:sSubPr>
                       <m:e>
                         <m:r>
-                          <a:rPr kumimoji="1" lang="en-US" altLang="zh-TW" sz="4800" b="0" i="1" smtClean="0">
-                            <a:latin typeface="Arial" charset="0"/>
+                          <a:rPr kumimoji="1" lang="en-US" altLang="zh-TW" sz="4000" b="0" i="1" smtClean="0">
+                            <a:latin typeface="Cambria Math" charset="0"/>
                             <a:ea typeface="Arial" charset="0"/>
                             <a:cs typeface="Arial" charset="0"/>
                           </a:rPr>
@@ -10072,8 +9915,8 @@
                       </m:e>
                       <m:sub>
                         <m:r>
-                          <a:rPr kumimoji="1" lang="en-US" altLang="zh-TW" sz="4800" b="0" i="1" smtClean="0">
-                            <a:latin typeface="Arial" charset="0"/>
+                          <a:rPr kumimoji="1" lang="en-US" altLang="zh-TW" sz="4000" b="0" i="1" smtClean="0">
+                            <a:latin typeface="Cambria Math" charset="0"/>
                             <a:ea typeface="Arial" charset="0"/>
                             <a:cs typeface="Arial" charset="0"/>
                           </a:rPr>
@@ -10082,8 +9925,8 @@
                       </m:sub>
                     </m:sSub>
                     <m:r>
-                      <a:rPr kumimoji="1" lang="en-US" altLang="zh-TW" sz="4800" b="0" i="1" smtClean="0">
-                        <a:latin typeface="Arial" charset="0"/>
+                      <a:rPr kumimoji="1" lang="en-US" altLang="zh-TW" sz="4000" b="0" i="1" smtClean="0">
+                        <a:latin typeface="Cambria Math" charset="0"/>
                         <a:ea typeface="Arial" charset="0"/>
                         <a:cs typeface="Arial" charset="0"/>
                       </a:rPr>
@@ -10092,7 +9935,7 @@
                   </m:oMath>
                 </a14:m>
                 <a:r>
-                  <a:rPr kumimoji="1" lang="en-US" altLang="zh-TW" sz="4800" dirty="0">
+                  <a:rPr kumimoji="1" lang="en-US" altLang="zh-TW" sz="4000" dirty="0">
                     <a:latin typeface="Arial" charset="0"/>
                     <a:ea typeface="Arial" charset="0"/>
                     <a:cs typeface="Arial" charset="0"/>
@@ -10104,8 +9947,8 @@
                     <m:sSub>
                       <m:sSubPr>
                         <m:ctrlPr>
-                          <a:rPr kumimoji="1" lang="en-US" altLang="zh-TW" sz="4800" i="1">
-                            <a:latin typeface="Arial" charset="0"/>
+                          <a:rPr kumimoji="1" lang="en-US" altLang="zh-TW" sz="4000" i="1">
+                            <a:latin typeface="Cambria Math" charset="0"/>
                             <a:ea typeface="Arial" charset="0"/>
                             <a:cs typeface="Arial" charset="0"/>
                           </a:rPr>
@@ -10113,8 +9956,8 @@
                       </m:sSubPr>
                       <m:e>
                         <m:r>
-                          <a:rPr kumimoji="1" lang="en-US" altLang="zh-TW" sz="4800" b="0" i="1">
-                            <a:latin typeface="Arial" charset="0"/>
+                          <a:rPr kumimoji="1" lang="en-US" altLang="zh-TW" sz="4000" b="0" i="1">
+                            <a:latin typeface="Cambria Math" charset="0"/>
                             <a:ea typeface="Arial" charset="0"/>
                             <a:cs typeface="Arial" charset="0"/>
                           </a:rPr>
@@ -10123,16 +9966,16 @@
                       </m:e>
                       <m:sub>
                         <m:r>
-                          <a:rPr kumimoji="1" lang="en-US" altLang="zh-TW" sz="4800" b="0" i="1">
-                            <a:latin typeface="Arial" charset="0"/>
+                          <a:rPr kumimoji="1" lang="en-US" altLang="zh-TW" sz="4000" b="0" i="1">
+                            <a:latin typeface="Cambria Math" charset="0"/>
                             <a:ea typeface="Arial" charset="0"/>
                             <a:cs typeface="Arial" charset="0"/>
                           </a:rPr>
                           <m:t>𝑡</m:t>
                         </m:r>
                         <m:r>
-                          <a:rPr kumimoji="1" lang="en-US" altLang="zh-TW" sz="4800" b="0" i="1" smtClean="0">
-                            <a:latin typeface="Arial" charset="0"/>
+                          <a:rPr kumimoji="1" lang="en-US" altLang="zh-TW" sz="4000" b="0" i="1" smtClean="0">
+                            <a:latin typeface="Cambria Math" charset="0"/>
                             <a:ea typeface="Arial" charset="0"/>
                             <a:cs typeface="Arial" charset="0"/>
                           </a:rPr>
@@ -10143,7 +9986,7 @@
                   </m:oMath>
                 </a14:m>
                 <a:r>
-                  <a:rPr kumimoji="1" lang="en-US" altLang="zh-TW" sz="4800" dirty="0" smtClean="0">
+                  <a:rPr kumimoji="1" lang="en-US" altLang="zh-TW" sz="4000" dirty="0" smtClean="0">
                     <a:latin typeface="Arial" charset="0"/>
                     <a:ea typeface="Arial" charset="0"/>
                     <a:cs typeface="Arial" charset="0"/>
@@ -10153,8 +9996,8 @@
                 <a14:m>
                   <m:oMath xmlns:m="http://schemas.openxmlformats.org/officeDocument/2006/math">
                     <m:r>
-                      <a:rPr kumimoji="1" lang="en-US" altLang="zh-TW" sz="4800" b="0" i="1" smtClean="0">
-                        <a:latin typeface="Arial" charset="0"/>
+                      <a:rPr kumimoji="1" lang="en-US" altLang="zh-TW" sz="4000" b="0" i="1" smtClean="0">
+                        <a:latin typeface="Cambria Math" charset="0"/>
                         <a:ea typeface="Arial" charset="0"/>
                         <a:cs typeface="Arial" charset="0"/>
                       </a:rPr>
@@ -10163,7 +10006,7 @@
                   </m:oMath>
                 </a14:m>
                 <a:r>
-                  <a:rPr kumimoji="1" lang="en-US" altLang="zh-TW" sz="4800" dirty="0" smtClean="0">
+                  <a:rPr kumimoji="1" lang="en-US" altLang="zh-TW" sz="4000" dirty="0" smtClean="0">
                     <a:latin typeface="Arial" charset="0"/>
                     <a:ea typeface="Arial" charset="0"/>
                     <a:cs typeface="Arial" charset="0"/>
@@ -10173,8 +10016,8 @@
                 <a14:m>
                   <m:oMath xmlns:m="http://schemas.openxmlformats.org/officeDocument/2006/math">
                     <m:r>
-                      <a:rPr kumimoji="1" lang="en-US" altLang="zh-TW" sz="4800" b="0" i="1" smtClean="0">
-                        <a:latin typeface="Arial" charset="0"/>
+                      <a:rPr kumimoji="1" lang="en-US" altLang="zh-TW" sz="4000" b="0" i="1" smtClean="0">
+                        <a:latin typeface="Cambria Math" charset="0"/>
                         <a:ea typeface="Arial" charset="0"/>
                         <a:cs typeface="Arial" charset="0"/>
                       </a:rPr>
@@ -10183,14 +10026,14 @@
                   </m:oMath>
                 </a14:m>
                 <a:r>
-                  <a:rPr kumimoji="1" lang="en-US" altLang="zh-TW" sz="4800" dirty="0" smtClean="0">
+                  <a:rPr kumimoji="1" lang="en-US" altLang="zh-TW" sz="4000" dirty="0" smtClean="0">
                     <a:latin typeface="Arial" charset="0"/>
                     <a:ea typeface="Arial" charset="0"/>
                     <a:cs typeface="Arial" charset="0"/>
                   </a:rPr>
                   <a:t> transverse momentum</a:t>
                 </a:r>
-                <a:endParaRPr kumimoji="1" lang="en-US" altLang="zh-TW" sz="4800" dirty="0">
+                <a:endParaRPr kumimoji="1" lang="en-US" altLang="zh-TW" sz="4000" dirty="0">
                   <a:latin typeface="Arial" charset="0"/>
                   <a:ea typeface="Arial" charset="0"/>
                   <a:cs typeface="Arial" charset="0"/>
@@ -10210,191 +10053,16 @@
             </p:nvSpPr>
             <p:spPr>
               <a:xfrm>
-                <a:off x="8141773" y="21249843"/>
-                <a:ext cx="7646223" cy="2367699"/>
+                <a:off x="8542838" y="20995929"/>
+                <a:ext cx="7646223" cy="1988558"/>
               </a:xfrm>
               <a:prstGeom prst="rect">
                 <a:avLst/>
               </a:prstGeom>
               <a:blipFill rotWithShape="0">
-                <a:blip r:embed="rId23"/>
+                <a:blip r:embed="rId17"/>
                 <a:stretch>
-                  <a:fillRect l="-3668" t="-6186" b="-13144"/>
-                </a:stretch>
-              </a:blipFill>
-            </p:spPr>
-            <p:txBody>
-              <a:bodyPr/>
-              <a:lstStyle/>
-              <a:p>
-                <a:r>
-                  <a:rPr lang="zh-TW" altLang="en-US">
-                    <a:noFill/>
-                  </a:rPr>
-                  <a:t> </a:t>
-                </a:r>
-              </a:p>
-            </p:txBody>
-          </p:sp>
-        </mc:Fallback>
-      </mc:AlternateContent>
-      <p:cxnSp>
-        <p:nvCxnSpPr>
-          <p:cNvPr id="137" name="直線箭頭接點 136"/>
-          <p:cNvCxnSpPr/>
-          <p:nvPr/>
-        </p:nvCxnSpPr>
-        <p:spPr>
-          <a:xfrm flipV="1">
-            <a:off x="793565" y="34672469"/>
-            <a:ext cx="0" cy="1763551"/>
-          </a:xfrm>
-          <a:prstGeom prst="straightConnector1">
-            <a:avLst/>
-          </a:prstGeom>
-          <a:ln w="101600">
-            <a:tailEnd type="triangle"/>
-          </a:ln>
-        </p:spPr>
-        <p:style>
-          <a:lnRef idx="2">
-            <a:schemeClr val="accent1"/>
-          </a:lnRef>
-          <a:fillRef idx="0">
-            <a:schemeClr val="accent1"/>
-          </a:fillRef>
-          <a:effectRef idx="1">
-            <a:schemeClr val="accent1"/>
-          </a:effectRef>
-          <a:fontRef idx="minor">
-            <a:schemeClr val="tx1"/>
-          </a:fontRef>
-        </p:style>
-      </p:cxnSp>
-      <p:cxnSp>
-        <p:nvCxnSpPr>
-          <p:cNvPr id="139" name="直線箭頭接點 138"/>
-          <p:cNvCxnSpPr/>
-          <p:nvPr/>
-        </p:nvCxnSpPr>
-        <p:spPr>
-          <a:xfrm flipV="1">
-            <a:off x="793565" y="35172855"/>
-            <a:ext cx="968948" cy="1292087"/>
-          </a:xfrm>
-          <a:prstGeom prst="straightConnector1">
-            <a:avLst/>
-          </a:prstGeom>
-          <a:ln w="101600">
-            <a:tailEnd type="triangle"/>
-          </a:ln>
-        </p:spPr>
-        <p:style>
-          <a:lnRef idx="2">
-            <a:schemeClr val="accent1"/>
-          </a:lnRef>
-          <a:fillRef idx="0">
-            <a:schemeClr val="accent1"/>
-          </a:fillRef>
-          <a:effectRef idx="1">
-            <a:schemeClr val="accent1"/>
-          </a:effectRef>
-          <a:fontRef idx="minor">
-            <a:schemeClr val="tx1"/>
-          </a:fontRef>
-        </p:style>
-      </p:cxnSp>
-      <mc:AlternateContent xmlns:mc="http://schemas.openxmlformats.org/markup-compatibility/2006" xmlns:a14="http://schemas.microsoft.com/office/drawing/2010/main">
-        <mc:Choice Requires="a14">
-          <p:sp>
-            <p:nvSpPr>
-              <p:cNvPr id="140" name="文字方塊 139"/>
-              <p:cNvSpPr txBox="1"/>
-              <p:nvPr/>
-            </p:nvSpPr>
-            <p:spPr>
-              <a:xfrm>
-                <a:off x="326202" y="34034095"/>
-                <a:ext cx="975041" cy="584775"/>
-              </a:xfrm>
-              <a:prstGeom prst="rect">
-                <a:avLst/>
-              </a:prstGeom>
-              <a:noFill/>
-            </p:spPr>
-            <p:txBody>
-              <a:bodyPr wrap="square" rtlCol="0">
-                <a:spAutoFit/>
-              </a:bodyPr>
-              <a:lstStyle/>
-              <a:p>
-                <a:pPr/>
-                <a14:m>
-                  <m:oMathPara xmlns:m="http://schemas.openxmlformats.org/officeDocument/2006/math">
-                    <m:oMathParaPr>
-                      <m:jc m:val="centerGroup"/>
-                    </m:oMathParaPr>
-                    <m:oMath xmlns:m="http://schemas.openxmlformats.org/officeDocument/2006/math">
-                      <m:sSub>
-                        <m:sSubPr>
-                          <m:ctrlPr>
-                            <a:rPr kumimoji="1" lang="en-US" altLang="zh-TW" sz="3200" i="1" smtClean="0">
-                              <a:latin typeface="Cambria Math" charset="0"/>
-                            </a:rPr>
-                          </m:ctrlPr>
-                        </m:sSubPr>
-                        <m:e>
-                          <m:r>
-                            <a:rPr kumimoji="1" lang="en-US" altLang="zh-TW" sz="3200" b="0" i="1" smtClean="0">
-                              <a:latin typeface="Cambria Math" charset="0"/>
-                            </a:rPr>
-                            <m:t>𝑃</m:t>
-                          </m:r>
-                        </m:e>
-                        <m:sub>
-                          <m:r>
-                            <a:rPr kumimoji="1" lang="en-US" altLang="zh-TW" sz="3200" b="0" i="1" smtClean="0">
-                              <a:latin typeface="Cambria Math" charset="0"/>
-                            </a:rPr>
-                            <m:t>𝑇</m:t>
-                          </m:r>
-                          <m:r>
-                            <a:rPr kumimoji="1" lang="en-US" altLang="zh-TW" sz="3200" b="0" i="1" smtClean="0">
-                              <a:latin typeface="Cambria Math" charset="0"/>
-                            </a:rPr>
-                            <m:t>1</m:t>
-                          </m:r>
-                        </m:sub>
-                      </m:sSub>
-                    </m:oMath>
-                  </m:oMathPara>
-                </a14:m>
-                <a:endParaRPr kumimoji="1" lang="zh-TW" altLang="en-US" sz="3200" dirty="0"/>
-              </a:p>
-            </p:txBody>
-          </p:sp>
-        </mc:Choice>
-        <mc:Fallback xmlns="">
-          <p:sp>
-            <p:nvSpPr>
-              <p:cNvPr id="140" name="文字方塊 139"/>
-              <p:cNvSpPr txBox="1">
-                <a:spLocks noRot="1" noChangeAspect="1" noMove="1" noResize="1" noEditPoints="1" noAdjustHandles="1" noChangeArrowheads="1" noChangeShapeType="1" noTextEdit="1"/>
-              </p:cNvSpPr>
-              <p:nvPr/>
-            </p:nvSpPr>
-            <p:spPr>
-              <a:xfrm>
-                <a:off x="326202" y="34034095"/>
-                <a:ext cx="975041" cy="584775"/>
-              </a:xfrm>
-              <a:prstGeom prst="rect">
-                <a:avLst/>
-              </a:prstGeom>
-              <a:blipFill rotWithShape="0">
-                <a:blip r:embed="rId24"/>
-                <a:stretch>
-                  <a:fillRect/>
+                  <a:fillRect l="-2789" t="-5521" b="-12270"/>
                 </a:stretch>
               </a:blipFill>
             </p:spPr>
@@ -10439,264 +10107,6 @@
           </a:p>
         </p:txBody>
       </p:sp>
-      <mc:AlternateContent xmlns:mc="http://schemas.openxmlformats.org/markup-compatibility/2006" xmlns:a14="http://schemas.microsoft.com/office/drawing/2010/main">
-        <mc:Choice Requires="a14">
-          <p:sp>
-            <p:nvSpPr>
-              <p:cNvPr id="142" name="文字方塊 141"/>
-              <p:cNvSpPr txBox="1"/>
-              <p:nvPr/>
-            </p:nvSpPr>
-            <p:spPr>
-              <a:xfrm>
-                <a:off x="1694343" y="34862251"/>
-                <a:ext cx="877612" cy="584775"/>
-              </a:xfrm>
-              <a:prstGeom prst="rect">
-                <a:avLst/>
-              </a:prstGeom>
-              <a:noFill/>
-            </p:spPr>
-            <p:txBody>
-              <a:bodyPr wrap="none" rtlCol="0">
-                <a:spAutoFit/>
-              </a:bodyPr>
-              <a:lstStyle/>
-              <a:p>
-                <a:pPr/>
-                <a14:m>
-                  <m:oMathPara xmlns:m="http://schemas.openxmlformats.org/officeDocument/2006/math">
-                    <m:oMathParaPr>
-                      <m:jc m:val="centerGroup"/>
-                    </m:oMathParaPr>
-                    <m:oMath xmlns:m="http://schemas.openxmlformats.org/officeDocument/2006/math">
-                      <m:sSub>
-                        <m:sSubPr>
-                          <m:ctrlPr>
-                            <a:rPr kumimoji="1" lang="en-US" altLang="zh-TW" sz="3200" i="1" smtClean="0">
-                              <a:latin typeface="Cambria Math" charset="0"/>
-                            </a:rPr>
-                          </m:ctrlPr>
-                        </m:sSubPr>
-                        <m:e>
-                          <m:r>
-                            <a:rPr kumimoji="1" lang="en-US" altLang="zh-TW" sz="3200" b="0" i="1" smtClean="0">
-                              <a:latin typeface="Cambria Math" charset="0"/>
-                            </a:rPr>
-                            <m:t>𝑃</m:t>
-                          </m:r>
-                        </m:e>
-                        <m:sub>
-                          <m:r>
-                            <a:rPr kumimoji="1" lang="en-US" altLang="zh-TW" sz="3200" b="0" i="1" smtClean="0">
-                              <a:latin typeface="Cambria Math" charset="0"/>
-                            </a:rPr>
-                            <m:t>𝑇</m:t>
-                          </m:r>
-                          <m:r>
-                            <a:rPr kumimoji="1" lang="en-US" altLang="zh-TW" sz="3200" b="0" i="1" smtClean="0">
-                              <a:latin typeface="Cambria Math" charset="0"/>
-                            </a:rPr>
-                            <m:t>2</m:t>
-                          </m:r>
-                        </m:sub>
-                      </m:sSub>
-                    </m:oMath>
-                  </m:oMathPara>
-                </a14:m>
-                <a:endParaRPr kumimoji="1" lang="zh-TW" altLang="en-US" sz="3200" dirty="0"/>
-              </a:p>
-            </p:txBody>
-          </p:sp>
-        </mc:Choice>
-        <mc:Fallback xmlns="">
-          <p:sp>
-            <p:nvSpPr>
-              <p:cNvPr id="142" name="文字方塊 141"/>
-              <p:cNvSpPr txBox="1">
-                <a:spLocks noRot="1" noChangeAspect="1" noMove="1" noResize="1" noEditPoints="1" noAdjustHandles="1" noChangeArrowheads="1" noChangeShapeType="1" noTextEdit="1"/>
-              </p:cNvSpPr>
-              <p:nvPr/>
-            </p:nvSpPr>
-            <p:spPr>
-              <a:xfrm>
-                <a:off x="1694343" y="34862251"/>
-                <a:ext cx="877612" cy="584775"/>
-              </a:xfrm>
-              <a:prstGeom prst="rect">
-                <a:avLst/>
-              </a:prstGeom>
-              <a:blipFill rotWithShape="0">
-                <a:blip r:embed="rId25"/>
-                <a:stretch>
-                  <a:fillRect/>
-                </a:stretch>
-              </a:blipFill>
-            </p:spPr>
-            <p:txBody>
-              <a:bodyPr/>
-              <a:lstStyle/>
-              <a:p>
-                <a:r>
-                  <a:rPr lang="zh-TW" altLang="en-US">
-                    <a:noFill/>
-                  </a:rPr>
-                  <a:t> </a:t>
-                </a:r>
-              </a:p>
-            </p:txBody>
-          </p:sp>
-        </mc:Fallback>
-      </mc:AlternateContent>
-      <p:sp>
-        <p:nvSpPr>
-          <p:cNvPr id="144" name="弧線 143"/>
-          <p:cNvSpPr/>
-          <p:nvPr/>
-        </p:nvSpPr>
-        <p:spPr>
-          <a:xfrm>
-            <a:off x="343288" y="35394032"/>
-            <a:ext cx="925764" cy="723581"/>
-          </a:xfrm>
-          <a:prstGeom prst="arc">
-            <a:avLst/>
-          </a:prstGeom>
-          <a:noFill/>
-          <a:ln w="101600">
-            <a:solidFill>
-              <a:schemeClr val="accent6">
-                <a:lumMod val="75000"/>
-              </a:schemeClr>
-            </a:solidFill>
-          </a:ln>
-        </p:spPr>
-        <p:style>
-          <a:lnRef idx="2">
-            <a:schemeClr val="accent1"/>
-          </a:lnRef>
-          <a:fillRef idx="0">
-            <a:schemeClr val="accent1"/>
-          </a:fillRef>
-          <a:effectRef idx="1">
-            <a:schemeClr val="accent1"/>
-          </a:effectRef>
-          <a:fontRef idx="minor">
-            <a:schemeClr val="tx1"/>
-          </a:fontRef>
-        </p:style>
-        <p:txBody>
-          <a:bodyPr rtlCol="0" anchor="ctr"/>
-          <a:lstStyle/>
-          <a:p>
-            <a:pPr algn="ctr"/>
-            <a:endParaRPr kumimoji="1" lang="zh-TW" altLang="en-US"/>
-          </a:p>
-        </p:txBody>
-      </p:sp>
-      <mc:AlternateContent xmlns:mc="http://schemas.openxmlformats.org/markup-compatibility/2006" xmlns:a14="http://schemas.microsoft.com/office/drawing/2010/main">
-        <mc:Choice Requires="a14">
-          <p:sp>
-            <p:nvSpPr>
-              <p:cNvPr id="145" name="文字方塊 144"/>
-              <p:cNvSpPr txBox="1"/>
-              <p:nvPr/>
-            </p:nvSpPr>
-            <p:spPr>
-              <a:xfrm>
-                <a:off x="683049" y="34742810"/>
-                <a:ext cx="975523" cy="646331"/>
-              </a:xfrm>
-              <a:prstGeom prst="rect">
-                <a:avLst/>
-              </a:prstGeom>
-              <a:noFill/>
-            </p:spPr>
-            <p:txBody>
-              <a:bodyPr wrap="none" rtlCol="0">
-                <a:spAutoFit/>
-              </a:bodyPr>
-              <a:lstStyle/>
-              <a:p>
-                <a:pPr/>
-                <a14:m>
-                  <m:oMathPara xmlns:m="http://schemas.openxmlformats.org/officeDocument/2006/math">
-                    <m:oMathParaPr>
-                      <m:jc m:val="centerGroup"/>
-                    </m:oMathParaPr>
-                    <m:oMath xmlns:m="http://schemas.openxmlformats.org/officeDocument/2006/math">
-                      <m:sSub>
-                        <m:sSubPr>
-                          <m:ctrlPr>
-                            <a:rPr kumimoji="1" lang="en-US" altLang="zh-TW" sz="3600" i="1" smtClean="0">
-                              <a:latin typeface="Cambria Math" charset="0"/>
-                            </a:rPr>
-                          </m:ctrlPr>
-                        </m:sSubPr>
-                        <m:e>
-                          <m:r>
-                            <a:rPr kumimoji="1" lang="en-US" altLang="zh-TW" sz="3600" b="0" i="1" smtClean="0">
-                              <a:latin typeface="Cambria Math" charset="0"/>
-                            </a:rPr>
-                            <m:t>𝑅</m:t>
-                          </m:r>
-                        </m:e>
-                        <m:sub>
-                          <m:r>
-                            <a:rPr kumimoji="1" lang="en-US" altLang="zh-TW" sz="3600" b="0" i="1" smtClean="0">
-                              <a:latin typeface="Cambria Math" charset="0"/>
-                            </a:rPr>
-                            <m:t>12</m:t>
-                          </m:r>
-                        </m:sub>
-                      </m:sSub>
-                    </m:oMath>
-                  </m:oMathPara>
-                </a14:m>
-                <a:endParaRPr kumimoji="1" lang="zh-TW" altLang="en-US" sz="3600" dirty="0"/>
-              </a:p>
-            </p:txBody>
-          </p:sp>
-        </mc:Choice>
-        <mc:Fallback xmlns="">
-          <p:sp>
-            <p:nvSpPr>
-              <p:cNvPr id="145" name="文字方塊 144"/>
-              <p:cNvSpPr txBox="1">
-                <a:spLocks noRot="1" noChangeAspect="1" noMove="1" noResize="1" noEditPoints="1" noAdjustHandles="1" noChangeArrowheads="1" noChangeShapeType="1" noTextEdit="1"/>
-              </p:cNvSpPr>
-              <p:nvPr/>
-            </p:nvSpPr>
-            <p:spPr>
-              <a:xfrm>
-                <a:off x="683049" y="34742810"/>
-                <a:ext cx="975523" cy="646331"/>
-              </a:xfrm>
-              <a:prstGeom prst="rect">
-                <a:avLst/>
-              </a:prstGeom>
-              <a:blipFill rotWithShape="0">
-                <a:blip r:embed="rId26"/>
-                <a:stretch>
-                  <a:fillRect/>
-                </a:stretch>
-              </a:blipFill>
-            </p:spPr>
-            <p:txBody>
-              <a:bodyPr/>
-              <a:lstStyle/>
-              <a:p>
-                <a:r>
-                  <a:rPr lang="zh-TW" altLang="en-US">
-                    <a:noFill/>
-                  </a:rPr>
-                  <a:t> </a:t>
-                </a:r>
-              </a:p>
-            </p:txBody>
-          </p:sp>
-        </mc:Fallback>
-      </mc:AlternateContent>
       <p:pic>
         <p:nvPicPr>
           <p:cNvPr id="146" name="圖片 145"/>
@@ -10706,7 +10116,7 @@
           <p:nvPr/>
         </p:nvPicPr>
         <p:blipFill>
-          <a:blip r:embed="rId27">
+          <a:blip r:embed="rId18">
             <a:extLst>
               <a:ext uri="{28A0092B-C50C-407E-A947-70E740481C1C}">
                 <a14:useLocalDpi xmlns:a14="http://schemas.microsoft.com/office/drawing/2010/main" val="0"/>
@@ -10719,98 +10129,8 @@
         </p:blipFill>
         <p:spPr>
           <a:xfrm>
-            <a:off x="681122" y="37732634"/>
-            <a:ext cx="1452027" cy="1858595"/>
-          </a:xfrm>
-          <a:prstGeom prst="rect">
-            <a:avLst/>
-          </a:prstGeom>
-        </p:spPr>
-      </p:pic>
-      <p:pic>
-        <p:nvPicPr>
-          <p:cNvPr id="2" name="圖片 1"/>
-          <p:cNvPicPr>
-            <a:picLocks noChangeAspect="1"/>
-          </p:cNvPicPr>
-          <p:nvPr/>
-        </p:nvPicPr>
-        <p:blipFill>
-          <a:blip r:embed="rId28">
-            <a:extLst>
-              <a:ext uri="{28A0092B-C50C-407E-A947-70E740481C1C}">
-                <a14:useLocalDpi xmlns:a14="http://schemas.microsoft.com/office/drawing/2010/main" val="0"/>
-              </a:ext>
-            </a:extLst>
-          </a:blip>
-          <a:stretch>
-            <a:fillRect/>
-          </a:stretch>
-        </p:blipFill>
-        <p:spPr>
-          <a:xfrm>
-            <a:off x="15684130" y="19921748"/>
-            <a:ext cx="5083142" cy="3469446"/>
-          </a:xfrm>
-          <a:prstGeom prst="rect">
-            <a:avLst/>
-          </a:prstGeom>
-        </p:spPr>
-      </p:pic>
-      <p:pic>
-        <p:nvPicPr>
-          <p:cNvPr id="10" name="圖片 9"/>
-          <p:cNvPicPr>
-            <a:picLocks noChangeAspect="1"/>
-          </p:cNvPicPr>
-          <p:nvPr/>
-        </p:nvPicPr>
-        <p:blipFill>
-          <a:blip r:embed="rId29">
-            <a:extLst>
-              <a:ext uri="{28A0092B-C50C-407E-A947-70E740481C1C}">
-                <a14:useLocalDpi xmlns:a14="http://schemas.microsoft.com/office/drawing/2010/main" val="0"/>
-              </a:ext>
-            </a:extLst>
-          </a:blip>
-          <a:stretch>
-            <a:fillRect/>
-          </a:stretch>
-        </p:blipFill>
-        <p:spPr>
-          <a:xfrm>
-            <a:off x="20433509" y="19955720"/>
-            <a:ext cx="4838887" cy="3302732"/>
-          </a:xfrm>
-          <a:prstGeom prst="rect">
-            <a:avLst/>
-          </a:prstGeom>
-        </p:spPr>
-      </p:pic>
-      <p:pic>
-        <p:nvPicPr>
-          <p:cNvPr id="9" name="圖片 8"/>
-          <p:cNvPicPr>
-            <a:picLocks noChangeAspect="1"/>
-          </p:cNvPicPr>
-          <p:nvPr/>
-        </p:nvPicPr>
-        <p:blipFill>
-          <a:blip r:embed="rId30">
-            <a:extLst>
-              <a:ext uri="{28A0092B-C50C-407E-A947-70E740481C1C}">
-                <a14:useLocalDpi xmlns:a14="http://schemas.microsoft.com/office/drawing/2010/main" val="0"/>
-              </a:ext>
-            </a:extLst>
-          </a:blip>
-          <a:stretch>
-            <a:fillRect/>
-          </a:stretch>
-        </p:blipFill>
-        <p:spPr>
-          <a:xfrm>
-            <a:off x="25011720" y="19855726"/>
-            <a:ext cx="5141667" cy="3509392"/>
+            <a:off x="435653" y="35196068"/>
+            <a:ext cx="1539016" cy="1969941"/>
           </a:xfrm>
           <a:prstGeom prst="rect">
             <a:avLst/>
@@ -10826,7 +10146,7 @@
           <p:nvPr/>
         </p:nvPicPr>
         <p:blipFill>
-          <a:blip r:embed="rId31">
+          <a:blip r:embed="rId19">
             <a:extLst>
               <a:ext uri="{28A0092B-C50C-407E-A947-70E740481C1C}">
                 <a14:useLocalDpi xmlns:a14="http://schemas.microsoft.com/office/drawing/2010/main" val="0"/>
@@ -10839,38 +10159,8 @@
         </p:blipFill>
         <p:spPr>
           <a:xfrm>
-            <a:off x="15787996" y="15359149"/>
+            <a:off x="15841259" y="9592880"/>
             <a:ext cx="4768884" cy="3271774"/>
-          </a:xfrm>
-          <a:prstGeom prst="rect">
-            <a:avLst/>
-          </a:prstGeom>
-        </p:spPr>
-      </p:pic>
-      <p:pic>
-        <p:nvPicPr>
-          <p:cNvPr id="14" name="圖片 13"/>
-          <p:cNvPicPr>
-            <a:picLocks noChangeAspect="1"/>
-          </p:cNvPicPr>
-          <p:nvPr/>
-        </p:nvPicPr>
-        <p:blipFill>
-          <a:blip r:embed="rId32">
-            <a:extLst>
-              <a:ext uri="{28A0092B-C50C-407E-A947-70E740481C1C}">
-                <a14:useLocalDpi xmlns:a14="http://schemas.microsoft.com/office/drawing/2010/main" val="0"/>
-              </a:ext>
-            </a:extLst>
-          </a:blip>
-          <a:stretch>
-            <a:fillRect/>
-          </a:stretch>
-        </p:blipFill>
-        <p:spPr>
-          <a:xfrm>
-            <a:off x="21884113" y="10545379"/>
-            <a:ext cx="3127607" cy="2419144"/>
           </a:xfrm>
           <a:prstGeom prst="rect">
             <a:avLst/>
@@ -10886,7 +10176,7 @@
           <p:nvPr/>
         </p:nvPicPr>
         <p:blipFill>
-          <a:blip r:embed="rId33">
+          <a:blip r:embed="rId20">
             <a:extLst>
               <a:ext uri="{28A0092B-C50C-407E-A947-70E740481C1C}">
                 <a14:useLocalDpi xmlns:a14="http://schemas.microsoft.com/office/drawing/2010/main" val="0"/>
@@ -10899,7 +10189,7 @@
         </p:blipFill>
         <p:spPr>
           <a:xfrm>
-            <a:off x="20341909" y="15385943"/>
+            <a:off x="20423959" y="9616487"/>
             <a:ext cx="4928445" cy="3381243"/>
           </a:xfrm>
           <a:prstGeom prst="rect">
@@ -10916,7 +10206,7 @@
           <p:nvPr/>
         </p:nvPicPr>
         <p:blipFill>
-          <a:blip r:embed="rId34">
+          <a:blip r:embed="rId21">
             <a:extLst>
               <a:ext uri="{28A0092B-C50C-407E-A947-70E740481C1C}">
                 <a14:useLocalDpi xmlns:a14="http://schemas.microsoft.com/office/drawing/2010/main" val="0"/>
@@ -10929,8 +10219,8 @@
         </p:blipFill>
         <p:spPr>
           <a:xfrm>
-            <a:off x="25059828" y="15381584"/>
-            <a:ext cx="5201388" cy="3568501"/>
+            <a:off x="25065640" y="9616487"/>
+            <a:ext cx="4914625" cy="3371762"/>
           </a:xfrm>
           <a:prstGeom prst="rect">
             <a:avLst/>
@@ -10947,7 +10237,7 @@
             </p:nvSpPr>
             <p:spPr>
               <a:xfrm>
-                <a:off x="15937397" y="24200825"/>
+                <a:off x="15809699" y="18228565"/>
                 <a:ext cx="13809689" cy="4530664"/>
               </a:xfrm>
               <a:prstGeom prst="rect">
@@ -11158,16 +10448,16 @@
             </p:nvSpPr>
             <p:spPr>
               <a:xfrm>
-                <a:off x="15937397" y="24200825"/>
+                <a:off x="15809699" y="18228565"/>
                 <a:ext cx="13809689" cy="4530664"/>
               </a:xfrm>
               <a:prstGeom prst="rect">
                 <a:avLst/>
               </a:prstGeom>
               <a:blipFill rotWithShape="0">
-                <a:blip r:embed="rId35"/>
+                <a:blip r:embed="rId22"/>
                 <a:stretch>
-                  <a:fillRect l="-1324" t="-1884" r="-1809" b="-4172"/>
+                  <a:fillRect l="-1324" t="-1750" r="-1809" b="-4172"/>
                 </a:stretch>
               </a:blipFill>
             </p:spPr>
@@ -11195,7 +10485,7 @@
           <p:nvPr/>
         </p:nvPicPr>
         <p:blipFill>
-          <a:blip r:embed="rId36">
+          <a:blip r:embed="rId23">
             <a:extLst>
               <a:ext uri="{28A0092B-C50C-407E-A947-70E740481C1C}">
                 <a14:useLocalDpi xmlns:a14="http://schemas.microsoft.com/office/drawing/2010/main" val="0"/>
@@ -11208,7 +10498,7 @@
         </p:blipFill>
         <p:spPr>
           <a:xfrm>
-            <a:off x="2173142" y="31337615"/>
+            <a:off x="2122414" y="28896277"/>
             <a:ext cx="2054102" cy="2017853"/>
           </a:xfrm>
           <a:prstGeom prst="rect">
@@ -11225,7 +10515,7 @@
           <p:nvPr/>
         </p:nvPicPr>
         <p:blipFill>
-          <a:blip r:embed="rId37">
+          <a:blip r:embed="rId24">
             <a:extLst>
               <a:ext uri="{28A0092B-C50C-407E-A947-70E740481C1C}">
                 <a14:useLocalDpi xmlns:a14="http://schemas.microsoft.com/office/drawing/2010/main" val="0"/>
@@ -11238,7 +10528,7 @@
         </p:blipFill>
         <p:spPr>
           <a:xfrm>
-            <a:off x="591772" y="29551796"/>
+            <a:off x="445482" y="27239432"/>
             <a:ext cx="2133600" cy="2120900"/>
           </a:xfrm>
           <a:prstGeom prst="rect">
@@ -11255,7 +10545,7 @@
           <p:nvPr/>
         </p:nvPicPr>
         <p:blipFill>
-          <a:blip r:embed="rId38">
+          <a:blip r:embed="rId25">
             <a:extLst>
               <a:ext uri="{28A0092B-C50C-407E-A947-70E740481C1C}">
                 <a14:useLocalDpi xmlns:a14="http://schemas.microsoft.com/office/drawing/2010/main" val="0"/>
@@ -11268,8 +10558,8 @@
         </p:blipFill>
         <p:spPr>
           <a:xfrm>
-            <a:off x="17890726" y="29700151"/>
-            <a:ext cx="4335648" cy="4136835"/>
+            <a:off x="17411474" y="23887068"/>
+            <a:ext cx="4849112" cy="4626754"/>
           </a:xfrm>
           <a:prstGeom prst="rect">
             <a:avLst/>
@@ -11285,7 +10575,7 @@
           <p:nvPr/>
         </p:nvPicPr>
         <p:blipFill>
-          <a:blip r:embed="rId39">
+          <a:blip r:embed="rId26">
             <a:extLst>
               <a:ext uri="{28A0092B-C50C-407E-A947-70E740481C1C}">
                 <a14:useLocalDpi xmlns:a14="http://schemas.microsoft.com/office/drawing/2010/main" val="0"/>
@@ -11298,8 +10588,8 @@
         </p:blipFill>
         <p:spPr>
           <a:xfrm>
-            <a:off x="17648544" y="34592848"/>
-            <a:ext cx="4978769" cy="3380645"/>
+            <a:off x="16852503" y="29252908"/>
+            <a:ext cx="5967055" cy="4051703"/>
           </a:xfrm>
           <a:prstGeom prst="rect">
             <a:avLst/>
@@ -11314,7 +10604,7 @@
         </p:nvSpPr>
         <p:spPr>
           <a:xfrm>
-            <a:off x="15452920" y="33895595"/>
+            <a:off x="15695243" y="28304741"/>
             <a:ext cx="14790543" cy="861774"/>
           </a:xfrm>
           <a:prstGeom prst="rect">
@@ -11359,8 +10649,8 @@
         </p:nvSpPr>
         <p:spPr>
           <a:xfrm>
-            <a:off x="15586935" y="13863535"/>
-            <a:ext cx="14566452" cy="14793672"/>
+            <a:off x="15551353" y="8050337"/>
+            <a:ext cx="14626855" cy="14934150"/>
           </a:xfrm>
           <a:prstGeom prst="rect">
             <a:avLst/>
@@ -11404,7 +10694,7 @@
           <p:nvPr/>
         </p:nvPicPr>
         <p:blipFill>
-          <a:blip r:embed="rId40">
+          <a:blip r:embed="rId27">
             <a:extLst>
               <a:ext uri="{28A0092B-C50C-407E-A947-70E740481C1C}">
                 <a14:useLocalDpi xmlns:a14="http://schemas.microsoft.com/office/drawing/2010/main" val="0"/>
@@ -11417,8 +10707,8 @@
         </p:blipFill>
         <p:spPr>
           <a:xfrm>
-            <a:off x="22852952" y="34625723"/>
-            <a:ext cx="5061070" cy="3454382"/>
+            <a:off x="22638558" y="29217371"/>
+            <a:ext cx="5953633" cy="4063592"/>
           </a:xfrm>
           <a:prstGeom prst="rect">
             <a:avLst/>
@@ -11434,7 +10724,7 @@
           <p:nvPr/>
         </p:nvPicPr>
         <p:blipFill>
-          <a:blip r:embed="rId41">
+          <a:blip r:embed="rId28">
             <a:extLst>
               <a:ext uri="{28A0092B-C50C-407E-A947-70E740481C1C}">
                 <a14:useLocalDpi xmlns:a14="http://schemas.microsoft.com/office/drawing/2010/main" val="0"/>
@@ -11447,8 +10737,638 @@
         </p:blipFill>
         <p:spPr>
           <a:xfrm>
-            <a:off x="22214005" y="29681434"/>
-            <a:ext cx="6112697" cy="4193720"/>
+            <a:off x="21970598" y="23947721"/>
+            <a:ext cx="6564036" cy="4503369"/>
+          </a:xfrm>
+          <a:prstGeom prst="rect">
+            <a:avLst/>
+          </a:prstGeom>
+        </p:spPr>
+      </p:pic>
+      <p:sp>
+        <p:nvSpPr>
+          <p:cNvPr id="19" name="矩形 18"/>
+          <p:cNvSpPr/>
+          <p:nvPr/>
+        </p:nvSpPr>
+        <p:spPr>
+          <a:xfrm>
+            <a:off x="168278" y="25555683"/>
+            <a:ext cx="15232092" cy="13499267"/>
+          </a:xfrm>
+          <a:prstGeom prst="rect">
+            <a:avLst/>
+          </a:prstGeom>
+          <a:noFill/>
+          <a:ln w="101600">
+            <a:solidFill>
+              <a:schemeClr val="accent2">
+                <a:lumMod val="75000"/>
+              </a:schemeClr>
+            </a:solidFill>
+          </a:ln>
+        </p:spPr>
+        <p:style>
+          <a:lnRef idx="1">
+            <a:schemeClr val="accent1"/>
+          </a:lnRef>
+          <a:fillRef idx="3">
+            <a:schemeClr val="accent1"/>
+          </a:fillRef>
+          <a:effectRef idx="2">
+            <a:schemeClr val="accent1"/>
+          </a:effectRef>
+          <a:fontRef idx="minor">
+            <a:schemeClr val="lt1"/>
+          </a:fontRef>
+        </p:style>
+        <p:txBody>
+          <a:bodyPr rtlCol="0" anchor="ctr"/>
+          <a:lstStyle/>
+          <a:p>
+            <a:pPr algn="ctr"/>
+            <a:endParaRPr kumimoji="1" lang="zh-TW" altLang="en-US"/>
+          </a:p>
+        </p:txBody>
+      </p:sp>
+      <p:pic>
+        <p:nvPicPr>
+          <p:cNvPr id="25" name="圖片 24"/>
+          <p:cNvPicPr>
+            <a:picLocks noChangeAspect="1"/>
+          </p:cNvPicPr>
+          <p:nvPr/>
+        </p:nvPicPr>
+        <p:blipFill>
+          <a:blip r:embed="rId29">
+            <a:extLst>
+              <a:ext uri="{28A0092B-C50C-407E-A947-70E740481C1C}">
+                <a14:useLocalDpi xmlns:a14="http://schemas.microsoft.com/office/drawing/2010/main" val="0"/>
+              </a:ext>
+            </a:extLst>
+          </a:blip>
+          <a:stretch>
+            <a:fillRect/>
+          </a:stretch>
+        </p:blipFill>
+        <p:spPr>
+          <a:xfrm>
+            <a:off x="445482" y="31955296"/>
+            <a:ext cx="1844933" cy="2407413"/>
+          </a:xfrm>
+          <a:prstGeom prst="rect">
+            <a:avLst/>
+          </a:prstGeom>
+        </p:spPr>
+      </p:pic>
+      <p:sp>
+        <p:nvSpPr>
+          <p:cNvPr id="26" name="矩形 25"/>
+          <p:cNvSpPr/>
+          <p:nvPr/>
+        </p:nvSpPr>
+        <p:spPr>
+          <a:xfrm>
+            <a:off x="168278" y="39153913"/>
+            <a:ext cx="15247774" cy="3539388"/>
+          </a:xfrm>
+          <a:prstGeom prst="rect">
+            <a:avLst/>
+          </a:prstGeom>
+          <a:noFill/>
+          <a:ln w="101600">
+            <a:solidFill>
+              <a:srgbClr val="7030A0"/>
+            </a:solidFill>
+          </a:ln>
+        </p:spPr>
+        <p:style>
+          <a:lnRef idx="1">
+            <a:schemeClr val="accent1"/>
+          </a:lnRef>
+          <a:fillRef idx="3">
+            <a:schemeClr val="accent1"/>
+          </a:fillRef>
+          <a:effectRef idx="2">
+            <a:schemeClr val="accent1"/>
+          </a:effectRef>
+          <a:fontRef idx="minor">
+            <a:schemeClr val="lt1"/>
+          </a:fontRef>
+        </p:style>
+        <p:txBody>
+          <a:bodyPr rtlCol="0" anchor="ctr"/>
+          <a:lstStyle/>
+          <a:p>
+            <a:pPr algn="ctr"/>
+            <a:endParaRPr kumimoji="1" lang="zh-TW" altLang="en-US"/>
+          </a:p>
+        </p:txBody>
+      </p:sp>
+      <p:sp>
+        <p:nvSpPr>
+          <p:cNvPr id="32" name="矩形 31"/>
+          <p:cNvSpPr/>
+          <p:nvPr/>
+        </p:nvSpPr>
+        <p:spPr>
+          <a:xfrm>
+            <a:off x="15521650" y="23061897"/>
+            <a:ext cx="14581802" cy="17735244"/>
+          </a:xfrm>
+          <a:prstGeom prst="rect">
+            <a:avLst/>
+          </a:prstGeom>
+          <a:noFill/>
+          <a:ln w="101600">
+            <a:solidFill>
+              <a:srgbClr val="FFC000"/>
+            </a:solidFill>
+          </a:ln>
+        </p:spPr>
+        <p:style>
+          <a:lnRef idx="1">
+            <a:schemeClr val="accent1"/>
+          </a:lnRef>
+          <a:fillRef idx="3">
+            <a:schemeClr val="accent1"/>
+          </a:fillRef>
+          <a:effectRef idx="2">
+            <a:schemeClr val="accent1"/>
+          </a:effectRef>
+          <a:fontRef idx="minor">
+            <a:schemeClr val="lt1"/>
+          </a:fontRef>
+        </p:style>
+        <p:txBody>
+          <a:bodyPr rtlCol="0" anchor="ctr"/>
+          <a:lstStyle/>
+          <a:p>
+            <a:pPr algn="ctr"/>
+            <a:endParaRPr kumimoji="1" lang="zh-TW" altLang="en-US"/>
+          </a:p>
+        </p:txBody>
+      </p:sp>
+      <p:sp>
+        <p:nvSpPr>
+          <p:cNvPr id="34" name="矩形 33"/>
+          <p:cNvSpPr/>
+          <p:nvPr/>
+        </p:nvSpPr>
+        <p:spPr>
+          <a:xfrm>
+            <a:off x="15521650" y="40954558"/>
+            <a:ext cx="14595816" cy="1738743"/>
+          </a:xfrm>
+          <a:prstGeom prst="rect">
+            <a:avLst/>
+          </a:prstGeom>
+          <a:noFill/>
+          <a:ln w="101600">
+            <a:solidFill>
+              <a:schemeClr val="bg2">
+                <a:lumMod val="50000"/>
+              </a:schemeClr>
+            </a:solidFill>
+          </a:ln>
+        </p:spPr>
+        <p:style>
+          <a:lnRef idx="1">
+            <a:schemeClr val="accent1"/>
+          </a:lnRef>
+          <a:fillRef idx="3">
+            <a:schemeClr val="accent1"/>
+          </a:fillRef>
+          <a:effectRef idx="2">
+            <a:schemeClr val="accent1"/>
+          </a:effectRef>
+          <a:fontRef idx="minor">
+            <a:schemeClr val="lt1"/>
+          </a:fontRef>
+        </p:style>
+        <p:txBody>
+          <a:bodyPr rtlCol="0" anchor="ctr"/>
+          <a:lstStyle/>
+          <a:p>
+            <a:pPr algn="ctr"/>
+            <a:endParaRPr kumimoji="1" lang="zh-TW" altLang="en-US"/>
+          </a:p>
+        </p:txBody>
+      </p:sp>
+      <p:graphicFrame>
+        <p:nvGraphicFramePr>
+          <p:cNvPr id="38" name="表格 37"/>
+          <p:cNvGraphicFramePr>
+            <a:graphicFrameLocks noGrp="1"/>
+          </p:cNvGraphicFramePr>
+          <p:nvPr>
+            <p:extLst>
+              <p:ext uri="{D42A27DB-BD31-4B8C-83A1-F6EECF244321}">
+                <p14:modId xmlns:p14="http://schemas.microsoft.com/office/powerpoint/2010/main" val="667990891"/>
+              </p:ext>
+            </p:extLst>
+          </p:nvPr>
+        </p:nvGraphicFramePr>
+        <p:xfrm>
+          <a:off x="15688448" y="34041693"/>
+          <a:ext cx="14262220" cy="6705600"/>
+        </p:xfrm>
+        <a:graphic>
+          <a:graphicData uri="http://schemas.openxmlformats.org/drawingml/2006/table">
+            <a:tbl>
+              <a:tblPr firstRow="1" bandRow="1">
+                <a:tableStyleId>{5C22544A-7EE6-4342-B048-85BDC9FD1C3A}</a:tableStyleId>
+              </a:tblPr>
+              <a:tblGrid>
+                <a:gridCol w="3565555"/>
+                <a:gridCol w="3565555"/>
+                <a:gridCol w="3565555"/>
+                <a:gridCol w="3565555"/>
+              </a:tblGrid>
+              <a:tr h="1036320">
+                <a:tc>
+                  <a:txBody>
+                    <a:bodyPr/>
+                    <a:lstStyle/>
+                    <a:p>
+                      <a:endParaRPr lang="zh-TW" altLang="en-US" dirty="0"/>
+                    </a:p>
+                  </a:txBody>
+                  <a:tcPr/>
+                </a:tc>
+                <a:tc>
+                  <a:txBody>
+                    <a:bodyPr/>
+                    <a:lstStyle/>
+                    <a:p>
+                      <a:r>
+                        <a:rPr lang="en-US" altLang="zh-TW" sz="3600" dirty="0" smtClean="0"/>
+                        <a:t>Fix</a:t>
+                      </a:r>
+                      <a:r>
+                        <a:rPr lang="en-US" altLang="zh-TW" sz="3600" baseline="0" dirty="0" smtClean="0"/>
+                        <a:t> width</a:t>
+                      </a:r>
+                    </a:p>
+                    <a:p>
+                      <a:r>
+                        <a:rPr lang="en-US" altLang="zh-TW" sz="3200" baseline="0" dirty="0" smtClean="0"/>
+                        <a:t>(40,40,40,40)GeV</a:t>
+                      </a:r>
+                      <a:endParaRPr lang="zh-TW" altLang="en-US" sz="3200" dirty="0"/>
+                    </a:p>
+                  </a:txBody>
+                  <a:tcPr/>
+                </a:tc>
+                <a:tc>
+                  <a:txBody>
+                    <a:bodyPr/>
+                    <a:lstStyle/>
+                    <a:p>
+                      <a:r>
+                        <a:rPr lang="en-US" altLang="zh-TW" sz="3600" dirty="0" smtClean="0"/>
+                        <a:t>Fix</a:t>
+                      </a:r>
+                      <a:r>
+                        <a:rPr lang="en-US" altLang="zh-TW" sz="3600" baseline="0" dirty="0" smtClean="0"/>
+                        <a:t> width</a:t>
+                      </a:r>
+                    </a:p>
+                    <a:p>
+                      <a:r>
+                        <a:rPr lang="en-US" altLang="zh-TW" sz="3200" baseline="0" dirty="0" smtClean="0"/>
+                        <a:t>(40,60,80,100)GeV</a:t>
+                      </a:r>
+                      <a:endParaRPr lang="zh-TW" altLang="en-US" sz="3200" dirty="0" smtClean="0"/>
+                    </a:p>
+                  </a:txBody>
+                  <a:tcPr/>
+                </a:tc>
+                <a:tc>
+                  <a:txBody>
+                    <a:bodyPr/>
+                    <a:lstStyle/>
+                    <a:p>
+                      <a:r>
+                        <a:rPr lang="en-US" altLang="zh-TW" sz="3600" dirty="0" smtClean="0"/>
+                        <a:t>Fix central</a:t>
+                      </a:r>
+                    </a:p>
+                    <a:p>
+                      <a:r>
+                        <a:rPr lang="en-US" altLang="zh-TW" sz="3200" dirty="0" smtClean="0"/>
+                        <a:t>(from near highest) </a:t>
+                      </a:r>
+                      <a:endParaRPr lang="zh-TW" altLang="en-US" sz="3200" dirty="0"/>
+                    </a:p>
+                  </a:txBody>
+                  <a:tcPr/>
+                </a:tc>
+              </a:tr>
+              <a:tr h="370840">
+                <a:tc>
+                  <a:txBody>
+                    <a:bodyPr/>
+                    <a:lstStyle/>
+                    <a:p>
+                      <a:r>
+                        <a:rPr lang="en-US" altLang="zh-TW" sz="3600" dirty="0" smtClean="0"/>
+                        <a:t>Beta=0</a:t>
+                      </a:r>
+                    </a:p>
+                    <a:p>
+                      <a:r>
+                        <a:rPr lang="en-US" altLang="zh-TW" sz="3600" dirty="0" smtClean="0"/>
+                        <a:t>Signal=WW</a:t>
+                      </a:r>
+                      <a:endParaRPr lang="zh-TW" altLang="en-US" sz="3600" dirty="0"/>
+                    </a:p>
+                  </a:txBody>
+                  <a:tcPr/>
+                </a:tc>
+                <a:tc>
+                  <a:txBody>
+                    <a:bodyPr/>
+                    <a:lstStyle/>
+                    <a:p>
+                      <a:endParaRPr lang="zh-TW" altLang="en-US" dirty="0"/>
+                    </a:p>
+                  </a:txBody>
+                  <a:tcPr/>
+                </a:tc>
+                <a:tc>
+                  <a:txBody>
+                    <a:bodyPr/>
+                    <a:lstStyle/>
+                    <a:p>
+                      <a:endParaRPr lang="zh-TW" altLang="en-US" dirty="0"/>
+                    </a:p>
+                  </a:txBody>
+                  <a:tcPr/>
+                </a:tc>
+                <a:tc>
+                  <a:txBody>
+                    <a:bodyPr/>
+                    <a:lstStyle/>
+                    <a:p>
+                      <a:endParaRPr lang="zh-TW" altLang="en-US"/>
+                    </a:p>
+                  </a:txBody>
+                  <a:tcPr/>
+                </a:tc>
+              </a:tr>
+              <a:tr h="370840">
+                <a:tc>
+                  <a:txBody>
+                    <a:bodyPr/>
+                    <a:lstStyle/>
+                    <a:p>
+                      <a:r>
+                        <a:rPr lang="en-US" altLang="zh-TW" sz="3600" dirty="0" smtClean="0"/>
+                        <a:t>Beta=0</a:t>
+                      </a:r>
+                    </a:p>
+                    <a:p>
+                      <a:r>
+                        <a:rPr lang="en-US" altLang="zh-TW" sz="3600" dirty="0" smtClean="0"/>
+                        <a:t>Signal=</a:t>
+                      </a:r>
+                      <a:r>
+                        <a:rPr lang="en-US" altLang="zh-TW" sz="3600" dirty="0" err="1" smtClean="0"/>
+                        <a:t>tt</a:t>
+                      </a:r>
+                      <a:endParaRPr lang="zh-TW" altLang="en-US" sz="3600" dirty="0"/>
+                    </a:p>
+                  </a:txBody>
+                  <a:tcPr/>
+                </a:tc>
+                <a:tc>
+                  <a:txBody>
+                    <a:bodyPr/>
+                    <a:lstStyle/>
+                    <a:p>
+                      <a:endParaRPr lang="zh-TW" altLang="en-US"/>
+                    </a:p>
+                  </a:txBody>
+                  <a:tcPr/>
+                </a:tc>
+                <a:tc>
+                  <a:txBody>
+                    <a:bodyPr/>
+                    <a:lstStyle/>
+                    <a:p>
+                      <a:endParaRPr lang="zh-TW" altLang="en-US"/>
+                    </a:p>
+                  </a:txBody>
+                  <a:tcPr/>
+                </a:tc>
+                <a:tc>
+                  <a:txBody>
+                    <a:bodyPr/>
+                    <a:lstStyle/>
+                    <a:p>
+                      <a:endParaRPr lang="zh-TW" altLang="en-US"/>
+                    </a:p>
+                  </a:txBody>
+                  <a:tcPr/>
+                </a:tc>
+              </a:tr>
+              <a:tr h="370840">
+                <a:tc>
+                  <a:txBody>
+                    <a:bodyPr/>
+                    <a:lstStyle/>
+                    <a:p>
+                      <a:r>
+                        <a:rPr lang="en-US" altLang="zh-TW" sz="3600" dirty="0" smtClean="0"/>
+                        <a:t>Beta=2</a:t>
+                      </a:r>
+                    </a:p>
+                    <a:p>
+                      <a:r>
+                        <a:rPr lang="en-US" altLang="zh-TW" sz="3600" dirty="0" smtClean="0"/>
+                        <a:t>Signal=WW</a:t>
+                      </a:r>
+                      <a:endParaRPr lang="zh-TW" altLang="en-US" sz="3600" dirty="0"/>
+                    </a:p>
+                  </a:txBody>
+                  <a:tcPr/>
+                </a:tc>
+                <a:tc>
+                  <a:txBody>
+                    <a:bodyPr/>
+                    <a:lstStyle/>
+                    <a:p>
+                      <a:endParaRPr lang="zh-TW" altLang="en-US"/>
+                    </a:p>
+                  </a:txBody>
+                  <a:tcPr/>
+                </a:tc>
+                <a:tc>
+                  <a:txBody>
+                    <a:bodyPr/>
+                    <a:lstStyle/>
+                    <a:p>
+                      <a:endParaRPr lang="zh-TW" altLang="en-US"/>
+                    </a:p>
+                  </a:txBody>
+                  <a:tcPr/>
+                </a:tc>
+                <a:tc>
+                  <a:txBody>
+                    <a:bodyPr/>
+                    <a:lstStyle/>
+                    <a:p>
+                      <a:endParaRPr lang="zh-TW" altLang="en-US"/>
+                    </a:p>
+                  </a:txBody>
+                  <a:tcPr/>
+                </a:tc>
+              </a:tr>
+              <a:tr h="370840">
+                <a:tc>
+                  <a:txBody>
+                    <a:bodyPr/>
+                    <a:lstStyle/>
+                    <a:p>
+                      <a:r>
+                        <a:rPr lang="en-US" altLang="zh-TW" sz="3600" dirty="0" smtClean="0"/>
+                        <a:t>Beta=2</a:t>
+                      </a:r>
+                    </a:p>
+                    <a:p>
+                      <a:r>
+                        <a:rPr lang="en-US" altLang="zh-TW" sz="3600" dirty="0" smtClean="0"/>
+                        <a:t>Signal=</a:t>
+                      </a:r>
+                      <a:r>
+                        <a:rPr lang="en-US" altLang="zh-TW" sz="3600" dirty="0" err="1" smtClean="0"/>
+                        <a:t>tt</a:t>
+                      </a:r>
+                      <a:endParaRPr lang="zh-TW" altLang="en-US" sz="3600" dirty="0"/>
+                    </a:p>
+                  </a:txBody>
+                  <a:tcPr/>
+                </a:tc>
+                <a:tc>
+                  <a:txBody>
+                    <a:bodyPr/>
+                    <a:lstStyle/>
+                    <a:p>
+                      <a:endParaRPr lang="zh-TW" altLang="en-US"/>
+                    </a:p>
+                  </a:txBody>
+                  <a:tcPr/>
+                </a:tc>
+                <a:tc>
+                  <a:txBody>
+                    <a:bodyPr/>
+                    <a:lstStyle/>
+                    <a:p>
+                      <a:endParaRPr lang="zh-TW" altLang="en-US"/>
+                    </a:p>
+                  </a:txBody>
+                  <a:tcPr/>
+                </a:tc>
+                <a:tc>
+                  <a:txBody>
+                    <a:bodyPr/>
+                    <a:lstStyle/>
+                    <a:p>
+                      <a:endParaRPr lang="zh-TW" altLang="en-US" dirty="0"/>
+                    </a:p>
+                  </a:txBody>
+                  <a:tcPr/>
+                </a:tc>
+              </a:tr>
+            </a:tbl>
+          </a:graphicData>
+        </a:graphic>
+      </p:graphicFrame>
+      <p:pic>
+        <p:nvPicPr>
+          <p:cNvPr id="39" name="圖片 38"/>
+          <p:cNvPicPr>
+            <a:picLocks noChangeAspect="1"/>
+          </p:cNvPicPr>
+          <p:nvPr/>
+        </p:nvPicPr>
+        <p:blipFill>
+          <a:blip r:embed="rId30">
+            <a:extLst>
+              <a:ext uri="{28A0092B-C50C-407E-A947-70E740481C1C}">
+                <a14:useLocalDpi xmlns:a14="http://schemas.microsoft.com/office/drawing/2010/main" val="0"/>
+              </a:ext>
+            </a:extLst>
+          </a:blip>
+          <a:stretch>
+            <a:fillRect/>
+          </a:stretch>
+        </p:blipFill>
+        <p:spPr>
+          <a:xfrm>
+            <a:off x="20423959" y="13923808"/>
+            <a:ext cx="4720673" cy="3213721"/>
+          </a:xfrm>
+          <a:prstGeom prst="rect">
+            <a:avLst/>
+          </a:prstGeom>
+        </p:spPr>
+      </p:pic>
+      <p:pic>
+        <p:nvPicPr>
+          <p:cNvPr id="40" name="圖片 39"/>
+          <p:cNvPicPr>
+            <a:picLocks noChangeAspect="1"/>
+          </p:cNvPicPr>
+          <p:nvPr/>
+        </p:nvPicPr>
+        <p:blipFill>
+          <a:blip r:embed="rId31">
+            <a:extLst>
+              <a:ext uri="{28A0092B-C50C-407E-A947-70E740481C1C}">
+                <a14:useLocalDpi xmlns:a14="http://schemas.microsoft.com/office/drawing/2010/main" val="0"/>
+              </a:ext>
+            </a:extLst>
+          </a:blip>
+          <a:stretch>
+            <a:fillRect/>
+          </a:stretch>
+        </p:blipFill>
+        <p:spPr>
+          <a:xfrm>
+            <a:off x="25044555" y="13832698"/>
+            <a:ext cx="4956794" cy="3374466"/>
+          </a:xfrm>
+          <a:prstGeom prst="rect">
+            <a:avLst/>
+          </a:prstGeom>
+        </p:spPr>
+      </p:pic>
+      <p:pic>
+        <p:nvPicPr>
+          <p:cNvPr id="41" name="圖片 40"/>
+          <p:cNvPicPr>
+            <a:picLocks noChangeAspect="1"/>
+          </p:cNvPicPr>
+          <p:nvPr/>
+        </p:nvPicPr>
+        <p:blipFill>
+          <a:blip r:embed="rId32">
+            <a:extLst>
+              <a:ext uri="{28A0092B-C50C-407E-A947-70E740481C1C}">
+                <a14:useLocalDpi xmlns:a14="http://schemas.microsoft.com/office/drawing/2010/main" val="0"/>
+              </a:ext>
+            </a:extLst>
+          </a:blip>
+          <a:stretch>
+            <a:fillRect/>
+          </a:stretch>
+        </p:blipFill>
+        <p:spPr>
+          <a:xfrm>
+            <a:off x="15694910" y="13859724"/>
+            <a:ext cx="4693592" cy="3195285"/>
           </a:xfrm>
           <a:prstGeom prst="rect">
             <a:avLst/>

--- a/2017_PSROC_poster_Jet substructure.pptx
+++ b/2017_PSROC_poster_Jet substructure.pptx
@@ -304,7 +304,7 @@
           <a:p>
             <a:fld id="{6AE2C996-D988-194F-8F02-BEBA5B6C0990}" type="datetimeFigureOut">
               <a:rPr kumimoji="1" lang="zh-TW" altLang="en-US" smtClean="0"/>
-              <a:t>2017/12/27</a:t>
+              <a:t>2017/12/28</a:t>
             </a:fld>
             <a:endParaRPr kumimoji="1" lang="zh-TW" altLang="en-US"/>
           </a:p>
@@ -474,7 +474,7 @@
           <a:p>
             <a:fld id="{6AE2C996-D988-194F-8F02-BEBA5B6C0990}" type="datetimeFigureOut">
               <a:rPr kumimoji="1" lang="zh-TW" altLang="en-US" smtClean="0"/>
-              <a:t>2017/12/27</a:t>
+              <a:t>2017/12/28</a:t>
             </a:fld>
             <a:endParaRPr kumimoji="1" lang="zh-TW" altLang="en-US"/>
           </a:p>
@@ -654,7 +654,7 @@
           <a:p>
             <a:fld id="{6AE2C996-D988-194F-8F02-BEBA5B6C0990}" type="datetimeFigureOut">
               <a:rPr kumimoji="1" lang="zh-TW" altLang="en-US" smtClean="0"/>
-              <a:t>2017/12/27</a:t>
+              <a:t>2017/12/28</a:t>
             </a:fld>
             <a:endParaRPr kumimoji="1" lang="zh-TW" altLang="en-US"/>
           </a:p>
@@ -824,7 +824,7 @@
           <a:p>
             <a:fld id="{6AE2C996-D988-194F-8F02-BEBA5B6C0990}" type="datetimeFigureOut">
               <a:rPr kumimoji="1" lang="zh-TW" altLang="en-US" smtClean="0"/>
-              <a:t>2017/12/27</a:t>
+              <a:t>2017/12/28</a:t>
             </a:fld>
             <a:endParaRPr kumimoji="1" lang="zh-TW" altLang="en-US"/>
           </a:p>
@@ -1070,7 +1070,7 @@
           <a:p>
             <a:fld id="{6AE2C996-D988-194F-8F02-BEBA5B6C0990}" type="datetimeFigureOut">
               <a:rPr kumimoji="1" lang="zh-TW" altLang="en-US" smtClean="0"/>
-              <a:t>2017/12/27</a:t>
+              <a:t>2017/12/28</a:t>
             </a:fld>
             <a:endParaRPr kumimoji="1" lang="zh-TW" altLang="en-US"/>
           </a:p>
@@ -1358,7 +1358,7 @@
           <a:p>
             <a:fld id="{6AE2C996-D988-194F-8F02-BEBA5B6C0990}" type="datetimeFigureOut">
               <a:rPr kumimoji="1" lang="zh-TW" altLang="en-US" smtClean="0"/>
-              <a:t>2017/12/27</a:t>
+              <a:t>2017/12/28</a:t>
             </a:fld>
             <a:endParaRPr kumimoji="1" lang="zh-TW" altLang="en-US"/>
           </a:p>
@@ -1780,7 +1780,7 @@
           <a:p>
             <a:fld id="{6AE2C996-D988-194F-8F02-BEBA5B6C0990}" type="datetimeFigureOut">
               <a:rPr kumimoji="1" lang="zh-TW" altLang="en-US" smtClean="0"/>
-              <a:t>2017/12/27</a:t>
+              <a:t>2017/12/28</a:t>
             </a:fld>
             <a:endParaRPr kumimoji="1" lang="zh-TW" altLang="en-US"/>
           </a:p>
@@ -1898,7 +1898,7 @@
           <a:p>
             <a:fld id="{6AE2C996-D988-194F-8F02-BEBA5B6C0990}" type="datetimeFigureOut">
               <a:rPr kumimoji="1" lang="zh-TW" altLang="en-US" smtClean="0"/>
-              <a:t>2017/12/27</a:t>
+              <a:t>2017/12/28</a:t>
             </a:fld>
             <a:endParaRPr kumimoji="1" lang="zh-TW" altLang="en-US"/>
           </a:p>
@@ -1993,7 +1993,7 @@
           <a:p>
             <a:fld id="{6AE2C996-D988-194F-8F02-BEBA5B6C0990}" type="datetimeFigureOut">
               <a:rPr kumimoji="1" lang="zh-TW" altLang="en-US" smtClean="0"/>
-              <a:t>2017/12/27</a:t>
+              <a:t>2017/12/28</a:t>
             </a:fld>
             <a:endParaRPr kumimoji="1" lang="zh-TW" altLang="en-US"/>
           </a:p>
@@ -2270,7 +2270,7 @@
           <a:p>
             <a:fld id="{6AE2C996-D988-194F-8F02-BEBA5B6C0990}" type="datetimeFigureOut">
               <a:rPr kumimoji="1" lang="zh-TW" altLang="en-US" smtClean="0"/>
-              <a:t>2017/12/27</a:t>
+              <a:t>2017/12/28</a:t>
             </a:fld>
             <a:endParaRPr kumimoji="1" lang="zh-TW" altLang="en-US"/>
           </a:p>
@@ -2523,7 +2523,7 @@
           <a:p>
             <a:fld id="{6AE2C996-D988-194F-8F02-BEBA5B6C0990}" type="datetimeFigureOut">
               <a:rPr kumimoji="1" lang="zh-TW" altLang="en-US" smtClean="0"/>
-              <a:t>2017/12/27</a:t>
+              <a:t>2017/12/28</a:t>
             </a:fld>
             <a:endParaRPr kumimoji="1" lang="zh-TW" altLang="en-US"/>
           </a:p>
@@ -2736,7 +2736,7 @@
           <a:p>
             <a:fld id="{6AE2C996-D988-194F-8F02-BEBA5B6C0990}" type="datetimeFigureOut">
               <a:rPr kumimoji="1" lang="zh-TW" altLang="en-US" smtClean="0"/>
-              <a:t>2017/12/27</a:t>
+              <a:t>2017/12/28</a:t>
             </a:fld>
             <a:endParaRPr kumimoji="1" lang="zh-TW" altLang="en-US"/>
           </a:p>
@@ -4118,7 +4118,7 @@
           <a:graphicData uri="http://schemas.openxmlformats.org/presentationml/2006/ole">
             <mc:AlternateContent xmlns:mc="http://schemas.openxmlformats.org/markup-compatibility/2006">
               <mc:Choice xmlns:v="urn:schemas-microsoft-com:vml" Requires="v">
-                <p:oleObj spid="_x0000_s1603" name="方程式" r:id="rId9" imgW="190500" imgH="152400" progId="Equation.3">
+                <p:oleObj spid="_x0000_s1611" name="方程式" r:id="rId9" imgW="190500" imgH="152400" progId="Equation.3">
                   <p:embed/>
                 </p:oleObj>
               </mc:Choice>
@@ -4297,8 +4297,8 @@
           </a:p>
         </p:txBody>
       </p:sp>
-      <mc:AlternateContent xmlns:mc="http://schemas.openxmlformats.org/markup-compatibility/2006">
-        <mc:Choice xmlns:a14="http://schemas.microsoft.com/office/drawing/2010/main" Requires="a14">
+      <mc:AlternateContent xmlns:mc="http://schemas.openxmlformats.org/markup-compatibility/2006" xmlns:a14="http://schemas.microsoft.com/office/drawing/2010/main">
+        <mc:Choice Requires="a14">
           <p:sp>
             <p:nvSpPr>
               <p:cNvPr id="84" name="矩形 83"/>
@@ -4865,18 +4865,7 @@
                     <a:ea typeface="Arial" charset="0"/>
                     <a:cs typeface="Arial" charset="0"/>
                   </a:rPr>
-                  <a:t>**</a:t>
-                </a:r>
-                <a:r>
-                  <a:rPr lang="en-US" altLang="zh-TW" sz="4000" dirty="0" smtClean="0">
-                    <a:solidFill>
-                      <a:schemeClr val="tx1"/>
-                    </a:solidFill>
-                    <a:latin typeface="Arial" charset="0"/>
-                    <a:ea typeface="Arial" charset="0"/>
-                    <a:cs typeface="Arial" charset="0"/>
-                  </a:rPr>
-                  <a:t>If </a:t>
+                  <a:t>**If </a:t>
                 </a:r>
                 <a14:m>
                   <m:oMath xmlns:m="http://schemas.openxmlformats.org/officeDocument/2006/math">
@@ -5081,7 +5070,7 @@
             </p:txBody>
           </p:sp>
         </mc:Choice>
-        <mc:Fallback>
+        <mc:Fallback xmlns="">
           <p:sp>
             <p:nvSpPr>
               <p:cNvPr id="84" name="矩形 83"/>
@@ -5272,8 +5261,8 @@
           </a:p>
         </p:txBody>
       </p:sp>
-      <mc:AlternateContent xmlns:mc="http://schemas.openxmlformats.org/markup-compatibility/2006">
-        <mc:Choice xmlns:a14="http://schemas.microsoft.com/office/drawing/2010/main" Requires="a14">
+      <mc:AlternateContent xmlns:mc="http://schemas.openxmlformats.org/markup-compatibility/2006" xmlns:a14="http://schemas.microsoft.com/office/drawing/2010/main">
+        <mc:Choice Requires="a14">
           <p:sp>
             <p:nvSpPr>
               <p:cNvPr id="88" name="矩形 87"/>
@@ -6765,25 +6754,8 @@
                     <a:latin typeface="Arial" pitchFamily="34" charset="0"/>
                     <a:cs typeface="Arial" pitchFamily="34" charset="0"/>
                   </a:rPr>
-                  <a:t>2.Energy correlation </a:t>
+                  <a:t>2.Energy correlation function:</a:t>
                 </a:r>
-                <a:r>
-                  <a:rPr lang="en-US" altLang="zh-TW" sz="4800" b="1" dirty="0" smtClean="0">
-                    <a:solidFill>
-                      <a:schemeClr val="accent2"/>
-                    </a:solidFill>
-                    <a:latin typeface="Arial" pitchFamily="34" charset="0"/>
-                    <a:cs typeface="Arial" pitchFamily="34" charset="0"/>
-                  </a:rPr>
-                  <a:t>function:</a:t>
-                </a:r>
-                <a:endParaRPr lang="en-US" altLang="zh-TW" sz="4800" b="1" dirty="0" smtClean="0">
-                  <a:solidFill>
-                    <a:schemeClr val="accent2"/>
-                  </a:solidFill>
-                  <a:latin typeface="Arial" pitchFamily="34" charset="0"/>
-                  <a:cs typeface="Arial" pitchFamily="34" charset="0"/>
-                </a:endParaRPr>
               </a:p>
               <a:p>
                 <a:pPr/>
@@ -8681,7 +8653,7 @@
             </p:txBody>
           </p:sp>
         </mc:Choice>
-        <mc:Fallback>
+        <mc:Fallback xmlns="">
           <p:sp>
             <p:nvSpPr>
               <p:cNvPr id="88" name="矩形 87"/>
@@ -9447,8 +9419,8 @@
           </a:p>
         </p:txBody>
       </p:sp>
-      <mc:AlternateContent xmlns:mc="http://schemas.openxmlformats.org/markup-compatibility/2006">
-        <mc:Choice xmlns:a14="http://schemas.microsoft.com/office/drawing/2010/main" Requires="a14">
+      <mc:AlternateContent xmlns:mc="http://schemas.openxmlformats.org/markup-compatibility/2006" xmlns:a14="http://schemas.microsoft.com/office/drawing/2010/main">
+        <mc:Choice Requires="a14">
           <p:sp>
             <p:nvSpPr>
               <p:cNvPr id="127" name="文字方塊 126"/>
@@ -9750,7 +9722,7 @@
             </p:txBody>
           </p:sp>
         </mc:Choice>
-        <mc:Fallback>
+        <mc:Fallback xmlns="">
           <p:sp>
             <p:nvSpPr>
               <p:cNvPr id="127" name="文字方塊 126"/>
@@ -9789,8 +9761,8 @@
           </p:sp>
         </mc:Fallback>
       </mc:AlternateContent>
-      <mc:AlternateContent xmlns:mc="http://schemas.openxmlformats.org/markup-compatibility/2006">
-        <mc:Choice xmlns:a14="http://schemas.microsoft.com/office/drawing/2010/main" Requires="a14">
+      <mc:AlternateContent xmlns:mc="http://schemas.openxmlformats.org/markup-compatibility/2006" xmlns:a14="http://schemas.microsoft.com/office/drawing/2010/main">
+        <mc:Choice Requires="a14">
           <p:sp>
             <p:nvSpPr>
               <p:cNvPr id="128" name="文字方塊 127"/>
@@ -10042,7 +10014,7 @@
             </p:txBody>
           </p:sp>
         </mc:Choice>
-        <mc:Fallback>
+        <mc:Fallback xmlns="">
           <p:sp>
             <p:nvSpPr>
               <p:cNvPr id="128" name="文字方塊 127"/>
@@ -10137,98 +10109,8 @@
           </a:prstGeom>
         </p:spPr>
       </p:pic>
-      <p:pic>
-        <p:nvPicPr>
-          <p:cNvPr id="12" name="圖片 11"/>
-          <p:cNvPicPr>
-            <a:picLocks noChangeAspect="1"/>
-          </p:cNvPicPr>
-          <p:nvPr/>
-        </p:nvPicPr>
-        <p:blipFill>
-          <a:blip r:embed="rId19">
-            <a:extLst>
-              <a:ext uri="{28A0092B-C50C-407E-A947-70E740481C1C}">
-                <a14:useLocalDpi xmlns:a14="http://schemas.microsoft.com/office/drawing/2010/main" val="0"/>
-              </a:ext>
-            </a:extLst>
-          </a:blip>
-          <a:stretch>
-            <a:fillRect/>
-          </a:stretch>
-        </p:blipFill>
-        <p:spPr>
-          <a:xfrm>
-            <a:off x="15841259" y="9592880"/>
-            <a:ext cx="4768884" cy="3271774"/>
-          </a:xfrm>
-          <a:prstGeom prst="rect">
-            <a:avLst/>
-          </a:prstGeom>
-        </p:spPr>
-      </p:pic>
-      <p:pic>
-        <p:nvPicPr>
-          <p:cNvPr id="13" name="圖片 12"/>
-          <p:cNvPicPr>
-            <a:picLocks noChangeAspect="1"/>
-          </p:cNvPicPr>
-          <p:nvPr/>
-        </p:nvPicPr>
-        <p:blipFill>
-          <a:blip r:embed="rId20">
-            <a:extLst>
-              <a:ext uri="{28A0092B-C50C-407E-A947-70E740481C1C}">
-                <a14:useLocalDpi xmlns:a14="http://schemas.microsoft.com/office/drawing/2010/main" val="0"/>
-              </a:ext>
-            </a:extLst>
-          </a:blip>
-          <a:stretch>
-            <a:fillRect/>
-          </a:stretch>
-        </p:blipFill>
-        <p:spPr>
-          <a:xfrm>
-            <a:off x="20423959" y="9616487"/>
-            <a:ext cx="4928445" cy="3381243"/>
-          </a:xfrm>
-          <a:prstGeom prst="rect">
-            <a:avLst/>
-          </a:prstGeom>
-        </p:spPr>
-      </p:pic>
-      <p:pic>
-        <p:nvPicPr>
-          <p:cNvPr id="11" name="圖片 10"/>
-          <p:cNvPicPr>
-            <a:picLocks noChangeAspect="1"/>
-          </p:cNvPicPr>
-          <p:nvPr/>
-        </p:nvPicPr>
-        <p:blipFill>
-          <a:blip r:embed="rId21">
-            <a:extLst>
-              <a:ext uri="{28A0092B-C50C-407E-A947-70E740481C1C}">
-                <a14:useLocalDpi xmlns:a14="http://schemas.microsoft.com/office/drawing/2010/main" val="0"/>
-              </a:ext>
-            </a:extLst>
-          </a:blip>
-          <a:stretch>
-            <a:fillRect/>
-          </a:stretch>
-        </p:blipFill>
-        <p:spPr>
-          <a:xfrm>
-            <a:off x="25065640" y="9616487"/>
-            <a:ext cx="4914625" cy="3371762"/>
-          </a:xfrm>
-          <a:prstGeom prst="rect">
-            <a:avLst/>
-          </a:prstGeom>
-        </p:spPr>
-      </p:pic>
-      <mc:AlternateContent xmlns:mc="http://schemas.openxmlformats.org/markup-compatibility/2006">
-        <mc:Choice xmlns:a14="http://schemas.microsoft.com/office/drawing/2010/main" Requires="a14">
+      <mc:AlternateContent xmlns:mc="http://schemas.openxmlformats.org/markup-compatibility/2006" xmlns:a14="http://schemas.microsoft.com/office/drawing/2010/main">
+        <mc:Choice Requires="a14">
           <p:sp>
             <p:nvSpPr>
               <p:cNvPr id="16" name="文字方塊 15"/>
@@ -10437,7 +10319,7 @@
             </p:txBody>
           </p:sp>
         </mc:Choice>
-        <mc:Fallback>
+        <mc:Fallback xmlns="">
           <p:sp>
             <p:nvSpPr>
               <p:cNvPr id="16" name="文字方塊 15"/>
@@ -10536,66 +10418,6 @@
           </a:prstGeom>
         </p:spPr>
       </p:pic>
-      <p:pic>
-        <p:nvPicPr>
-          <p:cNvPr id="21" name="圖片 20"/>
-          <p:cNvPicPr>
-            <a:picLocks noChangeAspect="1"/>
-          </p:cNvPicPr>
-          <p:nvPr/>
-        </p:nvPicPr>
-        <p:blipFill>
-          <a:blip r:embed="rId25">
-            <a:extLst>
-              <a:ext uri="{28A0092B-C50C-407E-A947-70E740481C1C}">
-                <a14:useLocalDpi xmlns:a14="http://schemas.microsoft.com/office/drawing/2010/main" val="0"/>
-              </a:ext>
-            </a:extLst>
-          </a:blip>
-          <a:stretch>
-            <a:fillRect/>
-          </a:stretch>
-        </p:blipFill>
-        <p:spPr>
-          <a:xfrm>
-            <a:off x="17411474" y="23887068"/>
-            <a:ext cx="4849112" cy="4626754"/>
-          </a:xfrm>
-          <a:prstGeom prst="rect">
-            <a:avLst/>
-          </a:prstGeom>
-        </p:spPr>
-      </p:pic>
-      <p:pic>
-        <p:nvPicPr>
-          <p:cNvPr id="24" name="圖片 23"/>
-          <p:cNvPicPr>
-            <a:picLocks noChangeAspect="1"/>
-          </p:cNvPicPr>
-          <p:nvPr/>
-        </p:nvPicPr>
-        <p:blipFill>
-          <a:blip r:embed="rId26">
-            <a:extLst>
-              <a:ext uri="{28A0092B-C50C-407E-A947-70E740481C1C}">
-                <a14:useLocalDpi xmlns:a14="http://schemas.microsoft.com/office/drawing/2010/main" val="0"/>
-              </a:ext>
-            </a:extLst>
-          </a:blip>
-          <a:stretch>
-            <a:fillRect/>
-          </a:stretch>
-        </p:blipFill>
-        <p:spPr>
-          <a:xfrm>
-            <a:off x="16852503" y="29252908"/>
-            <a:ext cx="5967055" cy="4051703"/>
-          </a:xfrm>
-          <a:prstGeom prst="rect">
-            <a:avLst/>
-          </a:prstGeom>
-        </p:spPr>
-      </p:pic>
       <p:sp>
         <p:nvSpPr>
           <p:cNvPr id="92" name="矩形 91"/>
@@ -10685,66 +10507,6 @@
           </a:p>
         </p:txBody>
       </p:sp>
-      <p:pic>
-        <p:nvPicPr>
-          <p:cNvPr id="27" name="圖片 26"/>
-          <p:cNvPicPr>
-            <a:picLocks noChangeAspect="1"/>
-          </p:cNvPicPr>
-          <p:nvPr/>
-        </p:nvPicPr>
-        <p:blipFill>
-          <a:blip r:embed="rId27">
-            <a:extLst>
-              <a:ext uri="{28A0092B-C50C-407E-A947-70E740481C1C}">
-                <a14:useLocalDpi xmlns:a14="http://schemas.microsoft.com/office/drawing/2010/main" val="0"/>
-              </a:ext>
-            </a:extLst>
-          </a:blip>
-          <a:stretch>
-            <a:fillRect/>
-          </a:stretch>
-        </p:blipFill>
-        <p:spPr>
-          <a:xfrm>
-            <a:off x="22638558" y="29217371"/>
-            <a:ext cx="5953633" cy="4063592"/>
-          </a:xfrm>
-          <a:prstGeom prst="rect">
-            <a:avLst/>
-          </a:prstGeom>
-        </p:spPr>
-      </p:pic>
-      <p:pic>
-        <p:nvPicPr>
-          <p:cNvPr id="30" name="圖片 29"/>
-          <p:cNvPicPr>
-            <a:picLocks noChangeAspect="1"/>
-          </p:cNvPicPr>
-          <p:nvPr/>
-        </p:nvPicPr>
-        <p:blipFill>
-          <a:blip r:embed="rId28">
-            <a:extLst>
-              <a:ext uri="{28A0092B-C50C-407E-A947-70E740481C1C}">
-                <a14:useLocalDpi xmlns:a14="http://schemas.microsoft.com/office/drawing/2010/main" val="0"/>
-              </a:ext>
-            </a:extLst>
-          </a:blip>
-          <a:stretch>
-            <a:fillRect/>
-          </a:stretch>
-        </p:blipFill>
-        <p:spPr>
-          <a:xfrm>
-            <a:off x="21970598" y="23947721"/>
-            <a:ext cx="6564036" cy="4503369"/>
-          </a:xfrm>
-          <a:prstGeom prst="rect">
-            <a:avLst/>
-          </a:prstGeom>
-        </p:spPr>
-      </p:pic>
       <p:sp>
         <p:nvSpPr>
           <p:cNvPr id="19" name="矩形 18"/>
@@ -10800,7 +10562,7 @@
           <p:nvPr/>
         </p:nvPicPr>
         <p:blipFill>
-          <a:blip r:embed="rId29">
+          <a:blip r:embed="rId25">
             <a:extLst>
               <a:ext uri="{28A0092B-C50C-407E-A947-70E740481C1C}">
                 <a14:useLocalDpi xmlns:a14="http://schemas.microsoft.com/office/drawing/2010/main" val="0"/>
@@ -11294,6 +11056,126 @@
           <p:nvPr/>
         </p:nvPicPr>
         <p:blipFill>
+          <a:blip r:embed="rId26">
+            <a:extLst>
+              <a:ext uri="{28A0092B-C50C-407E-A947-70E740481C1C}">
+                <a14:useLocalDpi xmlns:a14="http://schemas.microsoft.com/office/drawing/2010/main" val="0"/>
+              </a:ext>
+            </a:extLst>
+          </a:blip>
+          <a:stretch>
+            <a:fillRect/>
+          </a:stretch>
+        </p:blipFill>
+        <p:spPr>
+          <a:xfrm>
+            <a:off x="20323286" y="13947779"/>
+            <a:ext cx="4720673" cy="3213721"/>
+          </a:xfrm>
+          <a:prstGeom prst="rect">
+            <a:avLst/>
+          </a:prstGeom>
+        </p:spPr>
+      </p:pic>
+      <p:pic>
+        <p:nvPicPr>
+          <p:cNvPr id="40" name="圖片 39"/>
+          <p:cNvPicPr>
+            <a:picLocks noChangeAspect="1"/>
+          </p:cNvPicPr>
+          <p:nvPr/>
+        </p:nvPicPr>
+        <p:blipFill>
+          <a:blip r:embed="rId27">
+            <a:extLst>
+              <a:ext uri="{28A0092B-C50C-407E-A947-70E740481C1C}">
+                <a14:useLocalDpi xmlns:a14="http://schemas.microsoft.com/office/drawing/2010/main" val="0"/>
+              </a:ext>
+            </a:extLst>
+          </a:blip>
+          <a:stretch>
+            <a:fillRect/>
+          </a:stretch>
+        </p:blipFill>
+        <p:spPr>
+          <a:xfrm>
+            <a:off x="25043959" y="13859627"/>
+            <a:ext cx="4956794" cy="3374466"/>
+          </a:xfrm>
+          <a:prstGeom prst="rect">
+            <a:avLst/>
+          </a:prstGeom>
+        </p:spPr>
+      </p:pic>
+      <p:pic>
+        <p:nvPicPr>
+          <p:cNvPr id="41" name="圖片 40"/>
+          <p:cNvPicPr>
+            <a:picLocks noChangeAspect="1"/>
+          </p:cNvPicPr>
+          <p:nvPr/>
+        </p:nvPicPr>
+        <p:blipFill>
+          <a:blip r:embed="rId28">
+            <a:extLst>
+              <a:ext uri="{28A0092B-C50C-407E-A947-70E740481C1C}">
+                <a14:useLocalDpi xmlns:a14="http://schemas.microsoft.com/office/drawing/2010/main" val="0"/>
+              </a:ext>
+            </a:extLst>
+          </a:blip>
+          <a:stretch>
+            <a:fillRect/>
+          </a:stretch>
+        </p:blipFill>
+        <p:spPr>
+          <a:xfrm>
+            <a:off x="15694910" y="13859724"/>
+            <a:ext cx="4693592" cy="3195285"/>
+          </a:xfrm>
+          <a:prstGeom prst="rect">
+            <a:avLst/>
+          </a:prstGeom>
+        </p:spPr>
+      </p:pic>
+      <p:pic>
+        <p:nvPicPr>
+          <p:cNvPr id="33" name="圖片 32"/>
+          <p:cNvPicPr>
+            <a:picLocks noChangeAspect="1"/>
+          </p:cNvPicPr>
+          <p:nvPr/>
+        </p:nvPicPr>
+        <p:blipFill>
+          <a:blip r:embed="rId29">
+            <a:extLst>
+              <a:ext uri="{28A0092B-C50C-407E-A947-70E740481C1C}">
+                <a14:useLocalDpi xmlns:a14="http://schemas.microsoft.com/office/drawing/2010/main" val="0"/>
+              </a:ext>
+            </a:extLst>
+          </a:blip>
+          <a:stretch>
+            <a:fillRect/>
+          </a:stretch>
+        </p:blipFill>
+        <p:spPr>
+          <a:xfrm>
+            <a:off x="25033111" y="9665462"/>
+            <a:ext cx="4770933" cy="3247936"/>
+          </a:xfrm>
+          <a:prstGeom prst="rect">
+            <a:avLst/>
+          </a:prstGeom>
+        </p:spPr>
+      </p:pic>
+      <p:pic>
+        <p:nvPicPr>
+          <p:cNvPr id="35" name="圖片 34"/>
+          <p:cNvPicPr>
+            <a:picLocks noChangeAspect="1"/>
+          </p:cNvPicPr>
+          <p:nvPr/>
+        </p:nvPicPr>
+        <p:blipFill>
           <a:blip r:embed="rId30">
             <a:extLst>
               <a:ext uri="{28A0092B-C50C-407E-A947-70E740481C1C}">
@@ -11307,8 +11189,8 @@
         </p:blipFill>
         <p:spPr>
           <a:xfrm>
-            <a:off x="20423959" y="13923808"/>
-            <a:ext cx="4720673" cy="3213721"/>
+            <a:off x="15774705" y="9787116"/>
+            <a:ext cx="4521516" cy="3078140"/>
           </a:xfrm>
           <a:prstGeom prst="rect">
             <a:avLst/>
@@ -11317,7 +11199,7 @@
       </p:pic>
       <p:pic>
         <p:nvPicPr>
-          <p:cNvPr id="40" name="圖片 39"/>
+          <p:cNvPr id="42" name="圖片 41"/>
           <p:cNvPicPr>
             <a:picLocks noChangeAspect="1"/>
           </p:cNvPicPr>
@@ -11337,8 +11219,8 @@
         </p:blipFill>
         <p:spPr>
           <a:xfrm>
-            <a:off x="25044555" y="13832698"/>
-            <a:ext cx="4956794" cy="3374466"/>
+            <a:off x="20388502" y="9825873"/>
+            <a:ext cx="4575821" cy="3115109"/>
           </a:xfrm>
           <a:prstGeom prst="rect">
             <a:avLst/>
@@ -11347,7 +11229,7 @@
       </p:pic>
       <p:pic>
         <p:nvPicPr>
-          <p:cNvPr id="41" name="圖片 40"/>
+          <p:cNvPr id="43" name="圖片 42"/>
           <p:cNvPicPr>
             <a:picLocks noChangeAspect="1"/>
           </p:cNvPicPr>
@@ -11367,8 +11249,98 @@
         </p:blipFill>
         <p:spPr>
           <a:xfrm>
-            <a:off x="15694910" y="13859724"/>
-            <a:ext cx="4693592" cy="3195285"/>
+            <a:off x="16793601" y="24015121"/>
+            <a:ext cx="6080684" cy="4139584"/>
+          </a:xfrm>
+          <a:prstGeom prst="rect">
+            <a:avLst/>
+          </a:prstGeom>
+        </p:spPr>
+      </p:pic>
+      <p:pic>
+        <p:nvPicPr>
+          <p:cNvPr id="50" name="圖片 49"/>
+          <p:cNvPicPr>
+            <a:picLocks noChangeAspect="1"/>
+          </p:cNvPicPr>
+          <p:nvPr/>
+        </p:nvPicPr>
+        <p:blipFill>
+          <a:blip r:embed="rId33">
+            <a:extLst>
+              <a:ext uri="{28A0092B-C50C-407E-A947-70E740481C1C}">
+                <a14:useLocalDpi xmlns:a14="http://schemas.microsoft.com/office/drawing/2010/main" val="0"/>
+              </a:ext>
+            </a:extLst>
+          </a:blip>
+          <a:stretch>
+            <a:fillRect/>
+          </a:stretch>
+        </p:blipFill>
+        <p:spPr>
+          <a:xfrm>
+            <a:off x="22638558" y="23832895"/>
+            <a:ext cx="6477642" cy="4409824"/>
+          </a:xfrm>
+          <a:prstGeom prst="rect">
+            <a:avLst/>
+          </a:prstGeom>
+        </p:spPr>
+      </p:pic>
+      <p:pic>
+        <p:nvPicPr>
+          <p:cNvPr id="51" name="圖片 50"/>
+          <p:cNvPicPr>
+            <a:picLocks noChangeAspect="1"/>
+          </p:cNvPicPr>
+          <p:nvPr/>
+        </p:nvPicPr>
+        <p:blipFill>
+          <a:blip r:embed="rId34">
+            <a:extLst>
+              <a:ext uri="{28A0092B-C50C-407E-A947-70E740481C1C}">
+                <a14:useLocalDpi xmlns:a14="http://schemas.microsoft.com/office/drawing/2010/main" val="0"/>
+              </a:ext>
+            </a:extLst>
+          </a:blip>
+          <a:stretch>
+            <a:fillRect/>
+          </a:stretch>
+        </p:blipFill>
+        <p:spPr>
+          <a:xfrm>
+            <a:off x="16605296" y="29202212"/>
+            <a:ext cx="6033261" cy="4096658"/>
+          </a:xfrm>
+          <a:prstGeom prst="rect">
+            <a:avLst/>
+          </a:prstGeom>
+        </p:spPr>
+      </p:pic>
+      <p:pic>
+        <p:nvPicPr>
+          <p:cNvPr id="54" name="圖片 53"/>
+          <p:cNvPicPr>
+            <a:picLocks noChangeAspect="1"/>
+          </p:cNvPicPr>
+          <p:nvPr/>
+        </p:nvPicPr>
+        <p:blipFill>
+          <a:blip r:embed="rId35">
+            <a:extLst>
+              <a:ext uri="{28A0092B-C50C-407E-A947-70E740481C1C}">
+                <a14:useLocalDpi xmlns:a14="http://schemas.microsoft.com/office/drawing/2010/main" val="0"/>
+              </a:ext>
+            </a:extLst>
+          </a:blip>
+          <a:stretch>
+            <a:fillRect/>
+          </a:stretch>
+        </p:blipFill>
+        <p:spPr>
+          <a:xfrm>
+            <a:off x="22917580" y="29243925"/>
+            <a:ext cx="5968692" cy="4063342"/>
           </a:xfrm>
           <a:prstGeom prst="rect">
             <a:avLst/>

--- a/2017_PSROC_poster_Jet substructure.pptx
+++ b/2017_PSROC_poster_Jet substructure.pptx
@@ -3121,6 +3121,66 @@
       </p:grpSpPr>
       <p:pic>
         <p:nvPicPr>
+          <p:cNvPr id="20" name="圖片 19"/>
+          <p:cNvPicPr>
+            <a:picLocks noChangeAspect="1"/>
+          </p:cNvPicPr>
+          <p:nvPr/>
+        </p:nvPicPr>
+        <p:blipFill>
+          <a:blip r:embed="rId3">
+            <a:extLst>
+              <a:ext uri="{28A0092B-C50C-407E-A947-70E740481C1C}">
+                <a14:useLocalDpi xmlns:a14="http://schemas.microsoft.com/office/drawing/2010/main" val="0"/>
+              </a:ext>
+            </a:extLst>
+          </a:blip>
+          <a:stretch>
+            <a:fillRect/>
+          </a:stretch>
+        </p:blipFill>
+        <p:spPr>
+          <a:xfrm>
+            <a:off x="321333" y="27182759"/>
+            <a:ext cx="2133600" cy="2120900"/>
+          </a:xfrm>
+          <a:prstGeom prst="rect">
+            <a:avLst/>
+          </a:prstGeom>
+        </p:spPr>
+      </p:pic>
+      <p:pic>
+        <p:nvPicPr>
+          <p:cNvPr id="18" name="圖片 17"/>
+          <p:cNvPicPr>
+            <a:picLocks noChangeAspect="1"/>
+          </p:cNvPicPr>
+          <p:nvPr/>
+        </p:nvPicPr>
+        <p:blipFill>
+          <a:blip r:embed="rId4">
+            <a:extLst>
+              <a:ext uri="{28A0092B-C50C-407E-A947-70E740481C1C}">
+                <a14:useLocalDpi xmlns:a14="http://schemas.microsoft.com/office/drawing/2010/main" val="0"/>
+              </a:ext>
+            </a:extLst>
+          </a:blip>
+          <a:stretch>
+            <a:fillRect/>
+          </a:stretch>
+        </p:blipFill>
+        <p:spPr>
+          <a:xfrm>
+            <a:off x="2122414" y="28896277"/>
+            <a:ext cx="2054102" cy="2017853"/>
+          </a:xfrm>
+          <a:prstGeom prst="rect">
+            <a:avLst/>
+          </a:prstGeom>
+        </p:spPr>
+      </p:pic>
+      <p:pic>
+        <p:nvPicPr>
           <p:cNvPr id="14" name="圖片 13"/>
           <p:cNvPicPr>
             <a:picLocks noChangeAspect="1"/>
@@ -3128,7 +3188,7 @@
           <p:nvPr/>
         </p:nvPicPr>
         <p:blipFill>
-          <a:blip r:embed="rId3">
+          <a:blip r:embed="rId5">
             <a:extLst>
               <a:ext uri="{28A0092B-C50C-407E-A947-70E740481C1C}">
                 <a14:useLocalDpi xmlns:a14="http://schemas.microsoft.com/office/drawing/2010/main" val="0"/>
@@ -3158,7 +3218,7 @@
           <p:nvPr/>
         </p:nvPicPr>
         <p:blipFill>
-          <a:blip r:embed="rId4">
+          <a:blip r:embed="rId6">
             <a:extLst>
               <a:ext uri="{28A0092B-C50C-407E-A947-70E740481C1C}">
                 <a14:useLocalDpi xmlns:a14="http://schemas.microsoft.com/office/drawing/2010/main" val="0"/>
@@ -3846,7 +3906,7 @@
                 <a:avLst/>
               </a:prstGeom>
               <a:blipFill rotWithShape="0">
-                <a:blip r:embed="rId6"/>
+                <a:blip r:embed="rId7"/>
                 <a:stretch>
                   <a:fillRect t="-9392" b="-3202"/>
                 </a:stretch>
@@ -4045,7 +4105,7 @@
           <p:nvPr/>
         </p:nvPicPr>
         <p:blipFill>
-          <a:blip r:embed="rId7" cstate="print">
+          <a:blip r:embed="rId8" cstate="print">
             <a:extLst>
               <a:ext uri="{28A0092B-C50C-407E-A947-70E740481C1C}">
                 <a14:useLocalDpi xmlns:a14="http://schemas.microsoft.com/office/drawing/2010/main" val="0"/>
@@ -4075,7 +4135,7 @@
           <p:nvPr/>
         </p:nvPicPr>
         <p:blipFill>
-          <a:blip r:embed="rId8" cstate="print">
+          <a:blip r:embed="rId9" cstate="print">
             <a:extLst>
               <a:ext uri="{28A0092B-C50C-407E-A947-70E740481C1C}">
                 <a14:useLocalDpi xmlns:a14="http://schemas.microsoft.com/office/drawing/2010/main" val="0"/>
@@ -4118,12 +4178,12 @@
           <a:graphicData uri="http://schemas.openxmlformats.org/presentationml/2006/ole">
             <mc:AlternateContent xmlns:mc="http://schemas.openxmlformats.org/markup-compatibility/2006">
               <mc:Choice xmlns:v="urn:schemas-microsoft-com:vml" Requires="v">
-                <p:oleObj spid="_x0000_s1611" name="方程式" r:id="rId9" imgW="190500" imgH="152400" progId="Equation.3">
+                <p:oleObj spid="_x0000_s1622" name="方程式" r:id="rId10" imgW="190500" imgH="152400" progId="Equation.3">
                   <p:embed/>
                 </p:oleObj>
               </mc:Choice>
               <mc:Fallback>
-                <p:oleObj name="方程式" r:id="rId9" imgW="190500" imgH="152400" progId="Equation.3">
+                <p:oleObj name="方程式" r:id="rId10" imgW="190500" imgH="152400" progId="Equation.3">
                   <p:embed/>
                   <p:pic>
                     <p:nvPicPr>
@@ -4132,7 +4192,7 @@
                       <p:nvPr/>
                     </p:nvPicPr>
                     <p:blipFill>
-                      <a:blip r:embed="rId10"/>
+                      <a:blip r:embed="rId11"/>
                       <a:stretch>
                         <a:fillRect/>
                       </a:stretch>
@@ -4153,51 +4213,174 @@
           </a:graphicData>
         </a:graphic>
       </p:graphicFrame>
-      <p:sp>
-        <p:nvSpPr>
-          <p:cNvPr id="28" name="矩形 27"/>
-          <p:cNvSpPr/>
-          <p:nvPr/>
-        </p:nvSpPr>
-        <p:spPr>
-          <a:xfrm>
-            <a:off x="15646236" y="33130071"/>
-            <a:ext cx="11517932" cy="861774"/>
-          </a:xfrm>
-          <a:prstGeom prst="rect">
-            <a:avLst/>
-          </a:prstGeom>
-        </p:spPr>
-        <p:txBody>
-          <a:bodyPr wrap="square">
-            <a:spAutoFit/>
-          </a:bodyPr>
-          <a:lstStyle/>
-          <a:p>
-            <a:r>
-              <a:rPr lang="en-US" altLang="zh-TW" sz="5000" b="1" dirty="0" smtClean="0">
-                <a:solidFill>
-                  <a:srgbClr val="C0504D"/>
-                </a:solidFill>
-                <a:latin typeface="Arial" pitchFamily="34" charset="0"/>
-                <a:cs typeface="Arial" pitchFamily="34" charset="0"/>
-              </a:rPr>
-              <a:t>Summary for soft drop :</a:t>
-            </a:r>
-            <a:r>
-              <a:rPr lang="en-US" altLang="zh-TW" sz="5000" b="1" dirty="0" smtClean="0">
-                <a:solidFill>
-                  <a:schemeClr val="accent2"/>
-                </a:solidFill>
-                <a:latin typeface="Arial" pitchFamily="34" charset="0"/>
-                <a:cs typeface="Arial" pitchFamily="34" charset="0"/>
-              </a:rPr>
-              <a:t> </a:t>
-            </a:r>
-            <a:endParaRPr lang="zh-TW" altLang="en-US" sz="5000" baseline="-25000" dirty="0"/>
-          </a:p>
-        </p:txBody>
-      </p:sp>
+      <mc:AlternateContent xmlns:mc="http://schemas.openxmlformats.org/markup-compatibility/2006">
+        <mc:Choice xmlns:a14="http://schemas.microsoft.com/office/drawing/2010/main" Requires="a14">
+          <p:sp>
+            <p:nvSpPr>
+              <p:cNvPr id="28" name="矩形 27"/>
+              <p:cNvSpPr/>
+              <p:nvPr/>
+            </p:nvSpPr>
+            <p:spPr>
+              <a:xfrm>
+                <a:off x="15646236" y="33130071"/>
+                <a:ext cx="11517932" cy="861774"/>
+              </a:xfrm>
+              <a:prstGeom prst="rect">
+                <a:avLst/>
+              </a:prstGeom>
+            </p:spPr>
+            <p:txBody>
+              <a:bodyPr wrap="square">
+                <a:spAutoFit/>
+              </a:bodyPr>
+              <a:lstStyle/>
+              <a:p>
+                <a:r>
+                  <a:rPr lang="en-US" altLang="zh-TW" sz="5000" b="1" dirty="0" smtClean="0">
+                    <a:solidFill>
+                      <a:srgbClr val="C0504D"/>
+                    </a:solidFill>
+                    <a:latin typeface="Arial" pitchFamily="34" charset="0"/>
+                    <a:cs typeface="Arial" pitchFamily="34" charset="0"/>
+                  </a:rPr>
+                  <a:t>Summary for soft </a:t>
+                </a:r>
+                <a:r>
+                  <a:rPr lang="en-US" altLang="zh-TW" sz="5000" b="1" dirty="0" smtClean="0">
+                    <a:solidFill>
+                      <a:srgbClr val="C0504D"/>
+                    </a:solidFill>
+                    <a:latin typeface="Arial" pitchFamily="34" charset="0"/>
+                    <a:cs typeface="Arial" pitchFamily="34" charset="0"/>
+                  </a:rPr>
+                  <a:t>drop </a:t>
+                </a:r>
+                <a:r>
+                  <a:rPr lang="en-US" altLang="zh-TW" sz="4800" b="1" dirty="0">
+                    <a:solidFill>
+                      <a:srgbClr val="C0504D"/>
+                    </a:solidFill>
+                    <a:latin typeface="Arial" pitchFamily="34" charset="0"/>
+                    <a:cs typeface="Arial" pitchFamily="34" charset="0"/>
+                  </a:rPr>
+                  <a:t>at </a:t>
+                </a:r>
+                <a14:m>
+                  <m:oMath xmlns:m="http://schemas.openxmlformats.org/officeDocument/2006/math">
+                    <m:r>
+                      <a:rPr lang="en-US" altLang="zh-TW" sz="4800" i="1" dirty="0">
+                        <a:latin typeface="Cambria Math" charset="0"/>
+                        <a:ea typeface="Cambria Math" charset="0"/>
+                        <a:cs typeface="Cambria Math" charset="0"/>
+                      </a:rPr>
+                      <m:t>𝛽</m:t>
+                    </m:r>
+                    <m:r>
+                      <a:rPr lang="en-US" altLang="zh-TW" sz="4800" i="1" dirty="0">
+                        <a:latin typeface="Cambria Math" charset="0"/>
+                        <a:ea typeface="Cambria Math" charset="0"/>
+                        <a:cs typeface="Cambria Math" charset="0"/>
+                      </a:rPr>
+                      <m:t>=0</m:t>
+                    </m:r>
+                  </m:oMath>
+                </a14:m>
+                <a:r>
+                  <a:rPr lang="en-US" altLang="zh-TW" sz="4800" dirty="0"/>
+                  <a:t>,</a:t>
+                </a:r>
+                <a:r>
+                  <a:rPr lang="en-US" altLang="zh-TW" sz="4800" dirty="0">
+                    <a:ea typeface="Cambria Math" charset="0"/>
+                    <a:cs typeface="Cambria Math" charset="0"/>
+                  </a:rPr>
+                  <a:t> </a:t>
+                </a:r>
+                <a14:m>
+                  <m:oMath xmlns:m="http://schemas.openxmlformats.org/officeDocument/2006/math">
+                    <m:r>
+                      <a:rPr lang="en-US" altLang="zh-TW" sz="4800" i="1" dirty="0">
+                        <a:latin typeface="Cambria Math" charset="0"/>
+                        <a:ea typeface="Cambria Math" charset="0"/>
+                        <a:cs typeface="Cambria Math" charset="0"/>
+                      </a:rPr>
+                      <m:t>𝛽</m:t>
+                    </m:r>
+                    <m:r>
+                      <a:rPr lang="en-US" altLang="zh-TW" sz="4800" i="1" dirty="0">
+                        <a:latin typeface="Cambria Math" charset="0"/>
+                        <a:ea typeface="Cambria Math" charset="0"/>
+                        <a:cs typeface="Cambria Math" charset="0"/>
+                      </a:rPr>
+                      <m:t>=2</m:t>
+                    </m:r>
+                  </m:oMath>
+                </a14:m>
+                <a:r>
+                  <a:rPr lang="en-US" altLang="zh-TW" sz="5000" b="1" dirty="0" smtClean="0">
+                    <a:solidFill>
+                      <a:srgbClr val="C0504D"/>
+                    </a:solidFill>
+                    <a:latin typeface="Arial" pitchFamily="34" charset="0"/>
+                    <a:cs typeface="Arial" pitchFamily="34" charset="0"/>
+                  </a:rPr>
+                  <a:t>:</a:t>
+                </a:r>
+                <a:r>
+                  <a:rPr lang="en-US" altLang="zh-TW" sz="5000" b="1" dirty="0" smtClean="0">
+                    <a:solidFill>
+                      <a:schemeClr val="accent2"/>
+                    </a:solidFill>
+                    <a:latin typeface="Arial" pitchFamily="34" charset="0"/>
+                    <a:cs typeface="Arial" pitchFamily="34" charset="0"/>
+                  </a:rPr>
+                  <a:t> </a:t>
+                </a:r>
+                <a:endParaRPr lang="zh-TW" altLang="en-US" sz="5000" baseline="-25000" dirty="0"/>
+              </a:p>
+            </p:txBody>
+          </p:sp>
+        </mc:Choice>
+        <mc:Fallback>
+          <p:sp>
+            <p:nvSpPr>
+              <p:cNvPr id="28" name="矩形 27"/>
+              <p:cNvSpPr>
+                <a:spLocks noRot="1" noChangeAspect="1" noMove="1" noResize="1" noEditPoints="1" noAdjustHandles="1" noChangeArrowheads="1" noChangeShapeType="1" noTextEdit="1"/>
+              </p:cNvSpPr>
+              <p:nvPr/>
+            </p:nvSpPr>
+            <p:spPr>
+              <a:xfrm>
+                <a:off x="15646236" y="33130071"/>
+                <a:ext cx="11517932" cy="861774"/>
+              </a:xfrm>
+              <a:prstGeom prst="rect">
+                <a:avLst/>
+              </a:prstGeom>
+              <a:blipFill rotWithShape="0">
+                <a:blip r:embed="rId12"/>
+                <a:stretch>
+                  <a:fillRect l="-2541" t="-19149" r="-3494" b="-37589"/>
+                </a:stretch>
+              </a:blipFill>
+            </p:spPr>
+            <p:txBody>
+              <a:bodyPr/>
+              <a:lstStyle/>
+              <a:p>
+                <a:r>
+                  <a:rPr lang="zh-TW" altLang="en-US">
+                    <a:noFill/>
+                  </a:rPr>
+                  <a:t> </a:t>
+                </a:r>
+              </a:p>
+            </p:txBody>
+          </p:sp>
+        </mc:Fallback>
+      </mc:AlternateContent>
       <p:sp>
         <p:nvSpPr>
           <p:cNvPr id="29" name="內容版面配置區 2"/>
@@ -5088,7 +5271,7 @@
                 <a:avLst/>
               </a:prstGeom>
               <a:blipFill rotWithShape="0">
-                <a:blip r:embed="rId11"/>
+                <a:blip r:embed="rId13"/>
                 <a:stretch>
                   <a:fillRect l="-1113" t="-1581" b="-2372"/>
                 </a:stretch>
@@ -5171,16 +5354,238 @@
           </a:p>
         </p:txBody>
       </p:sp>
+      <mc:AlternateContent xmlns:mc="http://schemas.openxmlformats.org/markup-compatibility/2006">
+        <mc:Choice xmlns:a14="http://schemas.microsoft.com/office/drawing/2010/main" Requires="a14">
+          <p:sp>
+            <p:nvSpPr>
+              <p:cNvPr id="86" name="矩形 85"/>
+              <p:cNvSpPr/>
+              <p:nvPr/>
+            </p:nvSpPr>
+            <p:spPr>
+              <a:xfrm>
+                <a:off x="15695243" y="17356942"/>
+                <a:ext cx="14170566" cy="839332"/>
+              </a:xfrm>
+              <a:prstGeom prst="rect">
+                <a:avLst/>
+              </a:prstGeom>
+            </p:spPr>
+            <p:txBody>
+              <a:bodyPr wrap="square">
+                <a:spAutoFit/>
+              </a:bodyPr>
+              <a:lstStyle/>
+              <a:p>
+                <a:r>
+                  <a:rPr lang="en-US" altLang="zh-TW" sz="4800" b="1" dirty="0" smtClean="0">
+                    <a:solidFill>
+                      <a:srgbClr val="C0504D"/>
+                    </a:solidFill>
+                    <a:latin typeface="Arial" pitchFamily="34" charset="0"/>
+                    <a:cs typeface="Arial" pitchFamily="34" charset="0"/>
+                  </a:rPr>
+                  <a:t>Summary for </a:t>
+                </a:r>
+                <a14:m>
+                  <m:oMath xmlns:m="http://schemas.openxmlformats.org/officeDocument/2006/math">
+                    <m:sSubSup>
+                      <m:sSubSupPr>
+                        <m:ctrlPr>
+                          <a:rPr kumimoji="1" lang="en-US" altLang="zh-TW" sz="4800" i="1">
+                            <a:latin typeface="Cambria Math" charset="0"/>
+                          </a:rPr>
+                        </m:ctrlPr>
+                      </m:sSubSupPr>
+                      <m:e>
+                        <m:r>
+                          <a:rPr kumimoji="1" lang="en-US" altLang="zh-TW" sz="4800" i="1">
+                            <a:latin typeface="Cambria Math" charset="0"/>
+                          </a:rPr>
+                          <m:t>𝐶</m:t>
+                        </m:r>
+                      </m:e>
+                      <m:sub>
+                        <m:r>
+                          <a:rPr kumimoji="1" lang="en-US" altLang="zh-TW" sz="4800" i="1">
+                            <a:latin typeface="Cambria Math" charset="0"/>
+                          </a:rPr>
+                          <m:t>2</m:t>
+                        </m:r>
+                      </m:sub>
+                      <m:sup>
+                        <m:r>
+                          <a:rPr kumimoji="1" lang="en-US" altLang="zh-TW" sz="4800" i="1">
+                            <a:latin typeface="Cambria Math" charset="0"/>
+                          </a:rPr>
+                          <m:t>1</m:t>
+                        </m:r>
+                      </m:sup>
+                    </m:sSubSup>
+                  </m:oMath>
+                </a14:m>
+                <a:r>
+                  <a:rPr lang="en-US" altLang="zh-TW" sz="4800" b="1" dirty="0">
+                    <a:solidFill>
+                      <a:srgbClr val="C0504D"/>
+                    </a:solidFill>
+                    <a:latin typeface="Arial" pitchFamily="34" charset="0"/>
+                    <a:cs typeface="Arial" pitchFamily="34" charset="0"/>
+                  </a:rPr>
+                  <a:t>, </a:t>
+                </a:r>
+                <a14:m>
+                  <m:oMath xmlns:m="http://schemas.openxmlformats.org/officeDocument/2006/math">
+                    <m:sSub>
+                      <m:sSubPr>
+                        <m:ctrlPr>
+                          <a:rPr kumimoji="1" lang="en-US" altLang="zh-TW" sz="4800" i="1">
+                            <a:latin typeface="Cambria Math" charset="0"/>
+                          </a:rPr>
+                        </m:ctrlPr>
+                      </m:sSubPr>
+                      <m:e>
+                        <m:r>
+                          <a:rPr kumimoji="1" lang="en-US" altLang="zh-TW" sz="4800" i="1">
+                            <a:latin typeface="Cambria Math" charset="0"/>
+                            <a:ea typeface="Cambria Math" charset="0"/>
+                            <a:cs typeface="Cambria Math" charset="0"/>
+                          </a:rPr>
+                          <m:t>𝜏</m:t>
+                        </m:r>
+                      </m:e>
+                      <m:sub>
+                        <m:r>
+                          <a:rPr kumimoji="1" lang="en-US" altLang="zh-TW" sz="4800" i="1">
+                            <a:latin typeface="Cambria Math" charset="0"/>
+                          </a:rPr>
+                          <m:t>21</m:t>
+                        </m:r>
+                      </m:sub>
+                    </m:sSub>
+                  </m:oMath>
+                </a14:m>
+                <a:r>
+                  <a:rPr lang="en-US" altLang="zh-TW" sz="4800" b="1" dirty="0">
+                    <a:solidFill>
+                      <a:srgbClr val="C0504D"/>
+                    </a:solidFill>
+                    <a:latin typeface="Arial" pitchFamily="34" charset="0"/>
+                    <a:cs typeface="Arial" pitchFamily="34" charset="0"/>
+                  </a:rPr>
+                  <a:t>,</a:t>
+                </a:r>
+                <a:r>
+                  <a:rPr kumimoji="1" lang="en-US" altLang="zh-TW" sz="4800" dirty="0"/>
+                  <a:t> </a:t>
+                </a:r>
+                <a14:m>
+                  <m:oMath xmlns:m="http://schemas.openxmlformats.org/officeDocument/2006/math">
+                    <m:sSub>
+                      <m:sSubPr>
+                        <m:ctrlPr>
+                          <a:rPr kumimoji="1" lang="en-US" altLang="zh-TW" sz="4800" i="1">
+                            <a:latin typeface="Cambria Math" charset="0"/>
+                          </a:rPr>
+                        </m:ctrlPr>
+                      </m:sSubPr>
+                      <m:e>
+                        <m:r>
+                          <a:rPr kumimoji="1" lang="en-US" altLang="zh-TW" sz="4800" i="1">
+                            <a:latin typeface="Cambria Math" charset="0"/>
+                            <a:ea typeface="Cambria Math" charset="0"/>
+                            <a:cs typeface="Cambria Math" charset="0"/>
+                          </a:rPr>
+                          <m:t>𝜏</m:t>
+                        </m:r>
+                      </m:e>
+                      <m:sub>
+                        <m:r>
+                          <a:rPr kumimoji="1" lang="en-US" altLang="zh-TW" sz="4800" i="1">
+                            <a:latin typeface="Cambria Math" charset="0"/>
+                            <a:ea typeface="Cambria Math" charset="0"/>
+                            <a:cs typeface="Cambria Math" charset="0"/>
+                          </a:rPr>
+                          <m:t>32</m:t>
+                        </m:r>
+                      </m:sub>
+                    </m:sSub>
+                  </m:oMath>
+                </a14:m>
+                <a:r>
+                  <a:rPr lang="en-US" altLang="zh-TW" sz="4800" b="1" dirty="0" smtClean="0">
+                    <a:solidFill>
+                      <a:srgbClr val="C0504D"/>
+                    </a:solidFill>
+                    <a:latin typeface="Arial" pitchFamily="34" charset="0"/>
+                    <a:cs typeface="Arial" pitchFamily="34" charset="0"/>
+                  </a:rPr>
+                  <a:t>:</a:t>
+                </a:r>
+                <a:r>
+                  <a:rPr lang="en-US" altLang="zh-TW" sz="4800" b="1" dirty="0" smtClean="0">
+                    <a:solidFill>
+                      <a:schemeClr val="accent2"/>
+                    </a:solidFill>
+                    <a:latin typeface="Arial" pitchFamily="34" charset="0"/>
+                    <a:cs typeface="Arial" pitchFamily="34" charset="0"/>
+                  </a:rPr>
+                  <a:t> </a:t>
+                </a:r>
+                <a:endParaRPr lang="zh-TW" altLang="en-US" sz="4800" baseline="-25000" dirty="0"/>
+              </a:p>
+            </p:txBody>
+          </p:sp>
+        </mc:Choice>
+        <mc:Fallback>
+          <p:sp>
+            <p:nvSpPr>
+              <p:cNvPr id="86" name="矩形 85"/>
+              <p:cNvSpPr>
+                <a:spLocks noRot="1" noChangeAspect="1" noMove="1" noResize="1" noEditPoints="1" noAdjustHandles="1" noChangeArrowheads="1" noChangeShapeType="1" noTextEdit="1"/>
+              </p:cNvSpPr>
+              <p:nvPr/>
+            </p:nvSpPr>
+            <p:spPr>
+              <a:xfrm>
+                <a:off x="15695243" y="17356942"/>
+                <a:ext cx="14170566" cy="839332"/>
+              </a:xfrm>
+              <a:prstGeom prst="rect">
+                <a:avLst/>
+              </a:prstGeom>
+              <a:blipFill rotWithShape="0">
+                <a:blip r:embed="rId14"/>
+                <a:stretch>
+                  <a:fillRect l="-1979" t="-18116" b="-34783"/>
+                </a:stretch>
+              </a:blipFill>
+            </p:spPr>
+            <p:txBody>
+              <a:bodyPr/>
+              <a:lstStyle/>
+              <a:p>
+                <a:r>
+                  <a:rPr lang="zh-TW" altLang="en-US">
+                    <a:noFill/>
+                  </a:rPr>
+                  <a:t> </a:t>
+                </a:r>
+              </a:p>
+            </p:txBody>
+          </p:sp>
+        </mc:Fallback>
+      </mc:AlternateContent>
       <p:sp>
         <p:nvSpPr>
-          <p:cNvPr id="86" name="矩形 85"/>
+          <p:cNvPr id="87" name="矩形 86"/>
           <p:cNvSpPr/>
           <p:nvPr/>
         </p:nvSpPr>
         <p:spPr>
           <a:xfrm>
-            <a:off x="15695243" y="17356942"/>
-            <a:ext cx="14170566" cy="861774"/>
+            <a:off x="15638786" y="13117613"/>
+            <a:ext cx="14790543" cy="861774"/>
           </a:xfrm>
           <a:prstGeom prst="rect">
             <a:avLst/>
@@ -5193,6 +5598,16 @@
           <a:lstStyle/>
           <a:p>
             <a:r>
+              <a:rPr lang="en-US" altLang="zh-TW" sz="4800" b="1" dirty="0">
+                <a:solidFill>
+                  <a:srgbClr val="C0504D"/>
+                </a:solidFill>
+                <a:latin typeface="Arial" pitchFamily="34" charset="0"/>
+                <a:cs typeface="Arial" pitchFamily="34" charset="0"/>
+              </a:rPr>
+              <a:t>C</a:t>
+            </a:r>
+            <a:r>
               <a:rPr lang="en-US" altLang="zh-TW" sz="4800" b="1" dirty="0" smtClean="0">
                 <a:solidFill>
                   <a:srgbClr val="C0504D"/>
@@ -5200,7 +5615,7 @@
                 <a:latin typeface="Arial" pitchFamily="34" charset="0"/>
                 <a:cs typeface="Arial" pitchFamily="34" charset="0"/>
               </a:rPr>
-              <a:t>Summary for clustering:</a:t>
+              <a:t>omparison of different detector size:</a:t>
             </a:r>
             <a:r>
               <a:rPr lang="en-US" altLang="zh-TW" sz="4800" b="1" dirty="0" smtClean="0">
@@ -5216,53 +5631,8 @@
           </a:p>
         </p:txBody>
       </p:sp>
-      <p:sp>
-        <p:nvSpPr>
-          <p:cNvPr id="87" name="矩形 86"/>
-          <p:cNvSpPr/>
-          <p:nvPr/>
-        </p:nvSpPr>
-        <p:spPr>
-          <a:xfrm>
-            <a:off x="15718045" y="12840436"/>
-            <a:ext cx="14790543" cy="861774"/>
-          </a:xfrm>
-          <a:prstGeom prst="rect">
-            <a:avLst/>
-          </a:prstGeom>
-        </p:spPr>
-        <p:txBody>
-          <a:bodyPr wrap="square">
-            <a:spAutoFit/>
-          </a:bodyPr>
-          <a:lstStyle/>
-          <a:p>
-            <a:r>
-              <a:rPr lang="en-US" altLang="zh-TW" sz="4800" b="1" dirty="0" smtClean="0">
-                <a:solidFill>
-                  <a:srgbClr val="C0504D"/>
-                </a:solidFill>
-                <a:latin typeface="Arial" pitchFamily="34" charset="0"/>
-                <a:cs typeface="Arial" pitchFamily="34" charset="0"/>
-              </a:rPr>
-              <a:t>Study of the variables in different detector size:</a:t>
-            </a:r>
-            <a:r>
-              <a:rPr lang="en-US" altLang="zh-TW" sz="4800" b="1" dirty="0" smtClean="0">
-                <a:solidFill>
-                  <a:schemeClr val="accent2"/>
-                </a:solidFill>
-                <a:latin typeface="Arial" pitchFamily="34" charset="0"/>
-                <a:cs typeface="Arial" pitchFamily="34" charset="0"/>
-              </a:rPr>
-              <a:t> </a:t>
-            </a:r>
-            <a:endParaRPr lang="zh-TW" altLang="en-US" sz="4800" baseline="-25000" dirty="0"/>
-          </a:p>
-        </p:txBody>
-      </p:sp>
-      <mc:AlternateContent xmlns:mc="http://schemas.openxmlformats.org/markup-compatibility/2006" xmlns:a14="http://schemas.microsoft.com/office/drawing/2010/main">
-        <mc:Choice Requires="a14">
+      <mc:AlternateContent xmlns:mc="http://schemas.openxmlformats.org/markup-compatibility/2006">
+        <mc:Choice xmlns:a14="http://schemas.microsoft.com/office/drawing/2010/main" Requires="a14">
           <p:sp>
             <p:nvSpPr>
               <p:cNvPr id="88" name="矩形 87"/>
@@ -6120,6 +6490,244 @@
                         <a:cs typeface="Cambria Math" charset="0"/>
                       </a:rPr>
                       <m:t>:</m:t>
+                    </m:r>
+                    <m:r>
+                      <a:rPr lang="en-US" altLang="zh-TW" sz="3600" b="0" i="1" smtClean="0">
+                        <a:solidFill>
+                          <a:schemeClr val="tx1">
+                            <a:lumMod val="95000"/>
+                            <a:lumOff val="5000"/>
+                          </a:schemeClr>
+                        </a:solidFill>
+                        <a:latin typeface="Cambria Math" charset="0"/>
+                        <a:ea typeface="Cambria Math" charset="0"/>
+                        <a:cs typeface="Cambria Math" charset="0"/>
+                      </a:rPr>
+                      <m:t>𝑇h𝑒</m:t>
+                    </m:r>
+                    <m:r>
+                      <a:rPr lang="en-US" altLang="zh-TW" sz="3600" b="0" i="1" smtClean="0">
+                        <a:solidFill>
+                          <a:schemeClr val="tx1">
+                            <a:lumMod val="95000"/>
+                            <a:lumOff val="5000"/>
+                          </a:schemeClr>
+                        </a:solidFill>
+                        <a:latin typeface="Cambria Math" charset="0"/>
+                        <a:ea typeface="Cambria Math" charset="0"/>
+                        <a:cs typeface="Cambria Math" charset="0"/>
+                      </a:rPr>
+                      <m:t> </m:t>
+                    </m:r>
+                    <m:r>
+                      <a:rPr lang="en-US" altLang="zh-TW" sz="3600" b="0" i="1" smtClean="0">
+                        <a:solidFill>
+                          <a:schemeClr val="tx1">
+                            <a:lumMod val="95000"/>
+                            <a:lumOff val="5000"/>
+                          </a:schemeClr>
+                        </a:solidFill>
+                        <a:latin typeface="Cambria Math" charset="0"/>
+                        <a:ea typeface="Cambria Math" charset="0"/>
+                        <a:cs typeface="Cambria Math" charset="0"/>
+                      </a:rPr>
+                      <m:t>𝑑𝑖𝑠𝑡𝑎𝑛𝑐𝑒</m:t>
+                    </m:r>
+                    <m:r>
+                      <a:rPr lang="en-US" altLang="zh-TW" sz="3600" b="0" i="1" smtClean="0">
+                        <a:solidFill>
+                          <a:schemeClr val="tx1">
+                            <a:lumMod val="95000"/>
+                            <a:lumOff val="5000"/>
+                          </a:schemeClr>
+                        </a:solidFill>
+                        <a:latin typeface="Cambria Math" charset="0"/>
+                        <a:ea typeface="Cambria Math" charset="0"/>
+                        <a:cs typeface="Cambria Math" charset="0"/>
+                      </a:rPr>
+                      <m:t> </m:t>
+                    </m:r>
+                    <m:r>
+                      <a:rPr lang="en-US" altLang="zh-TW" sz="3600" b="0" i="1" smtClean="0">
+                        <a:solidFill>
+                          <a:schemeClr val="tx1">
+                            <a:lumMod val="95000"/>
+                            <a:lumOff val="5000"/>
+                          </a:schemeClr>
+                        </a:solidFill>
+                        <a:latin typeface="Cambria Math" charset="0"/>
+                        <a:ea typeface="Cambria Math" charset="0"/>
+                        <a:cs typeface="Cambria Math" charset="0"/>
+                      </a:rPr>
+                      <m:t>𝑏𝑒𝑡𝑤𝑒𝑒𝑛</m:t>
+                    </m:r>
+                    <m:r>
+                      <a:rPr lang="en-US" altLang="zh-TW" sz="3600" b="0" i="1" smtClean="0">
+                        <a:solidFill>
+                          <a:schemeClr val="tx1">
+                            <a:lumMod val="95000"/>
+                            <a:lumOff val="5000"/>
+                          </a:schemeClr>
+                        </a:solidFill>
+                        <a:latin typeface="Cambria Math" charset="0"/>
+                        <a:ea typeface="Cambria Math" charset="0"/>
+                        <a:cs typeface="Cambria Math" charset="0"/>
+                      </a:rPr>
+                      <m:t> </m:t>
+                    </m:r>
+                    <m:r>
+                      <a:rPr lang="en-US" altLang="zh-TW" sz="3600" b="0" i="1" smtClean="0">
+                        <a:solidFill>
+                          <a:schemeClr val="tx1">
+                            <a:lumMod val="95000"/>
+                            <a:lumOff val="5000"/>
+                          </a:schemeClr>
+                        </a:solidFill>
+                        <a:latin typeface="Cambria Math" charset="0"/>
+                        <a:ea typeface="Cambria Math" charset="0"/>
+                        <a:cs typeface="Cambria Math" charset="0"/>
+                      </a:rPr>
+                      <m:t>𝑐𝑜𝑛𝑠𝑡𝑢𝑖𝑒𝑛𝑡</m:t>
+                    </m:r>
+                    <m:r>
+                      <a:rPr lang="en-US" altLang="zh-TW" sz="3600" b="0" i="1" smtClean="0">
+                        <a:solidFill>
+                          <a:schemeClr val="tx1">
+                            <a:lumMod val="95000"/>
+                            <a:lumOff val="5000"/>
+                          </a:schemeClr>
+                        </a:solidFill>
+                        <a:latin typeface="Cambria Math" charset="0"/>
+                        <a:ea typeface="Cambria Math" charset="0"/>
+                        <a:cs typeface="Cambria Math" charset="0"/>
+                      </a:rPr>
+                      <m:t> </m:t>
+                    </m:r>
+                    <m:r>
+                      <a:rPr lang="en-US" altLang="zh-TW" sz="3600" b="0" i="1" smtClean="0">
+                        <a:solidFill>
+                          <a:schemeClr val="tx1">
+                            <a:lumMod val="95000"/>
+                            <a:lumOff val="5000"/>
+                          </a:schemeClr>
+                        </a:solidFill>
+                        <a:latin typeface="Cambria Math" charset="0"/>
+                        <a:ea typeface="Cambria Math" charset="0"/>
+                        <a:cs typeface="Cambria Math" charset="0"/>
+                      </a:rPr>
+                      <m:t>𝑖𝑛</m:t>
+                    </m:r>
+                    <m:r>
+                      <a:rPr lang="en-US" altLang="zh-TW" sz="3600" b="0" i="1" smtClean="0">
+                        <a:solidFill>
+                          <a:schemeClr val="tx1">
+                            <a:lumMod val="95000"/>
+                            <a:lumOff val="5000"/>
+                          </a:schemeClr>
+                        </a:solidFill>
+                        <a:latin typeface="Cambria Math" charset="0"/>
+                        <a:ea typeface="Cambria Math" charset="0"/>
+                        <a:cs typeface="Cambria Math" charset="0"/>
+                      </a:rPr>
+                      <m:t> </m:t>
+                    </m:r>
+                    <m:r>
+                      <a:rPr lang="en-US" altLang="zh-TW" sz="3600" b="0" i="1" smtClean="0">
+                        <a:solidFill>
+                          <a:schemeClr val="tx1">
+                            <a:lumMod val="95000"/>
+                            <a:lumOff val="5000"/>
+                          </a:schemeClr>
+                        </a:solidFill>
+                        <a:latin typeface="Cambria Math" charset="0"/>
+                        <a:ea typeface="Cambria Math" charset="0"/>
+                        <a:cs typeface="Cambria Math" charset="0"/>
+                      </a:rPr>
+                      <m:t>𝑡h𝑒</m:t>
+                    </m:r>
+                    <m:r>
+                      <a:rPr lang="en-US" altLang="zh-TW" sz="3600" b="0" i="1" smtClean="0">
+                        <a:solidFill>
+                          <a:schemeClr val="tx1">
+                            <a:lumMod val="95000"/>
+                            <a:lumOff val="5000"/>
+                          </a:schemeClr>
+                        </a:solidFill>
+                        <a:latin typeface="Cambria Math" charset="0"/>
+                        <a:ea typeface="Cambria Math" charset="0"/>
+                        <a:cs typeface="Cambria Math" charset="0"/>
+                      </a:rPr>
+                      <m:t> </m:t>
+                    </m:r>
+                    <m:r>
+                      <a:rPr lang="en-US" altLang="zh-TW" sz="3600" b="0" i="1" smtClean="0">
+                        <a:solidFill>
+                          <a:schemeClr val="tx1">
+                            <a:lumMod val="95000"/>
+                            <a:lumOff val="5000"/>
+                          </a:schemeClr>
+                        </a:solidFill>
+                        <a:latin typeface="Cambria Math" charset="0"/>
+                        <a:ea typeface="Cambria Math" charset="0"/>
+                        <a:cs typeface="Cambria Math" charset="0"/>
+                      </a:rPr>
+                      <m:t>𝑒𝑡𝑎</m:t>
+                    </m:r>
+                    <m:r>
+                      <a:rPr lang="en-US" altLang="zh-TW" sz="3600" b="0" i="1" smtClean="0">
+                        <a:solidFill>
+                          <a:schemeClr val="tx1">
+                            <a:lumMod val="95000"/>
+                            <a:lumOff val="5000"/>
+                          </a:schemeClr>
+                        </a:solidFill>
+                        <a:latin typeface="Cambria Math" charset="0"/>
+                        <a:ea typeface="Cambria Math" charset="0"/>
+                        <a:cs typeface="Cambria Math" charset="0"/>
+                      </a:rPr>
+                      <m:t>−</m:t>
+                    </m:r>
+                    <m:r>
+                      <a:rPr lang="en-US" altLang="zh-TW" sz="3600" b="0" i="1" smtClean="0">
+                        <a:solidFill>
+                          <a:schemeClr val="tx1">
+                            <a:lumMod val="95000"/>
+                            <a:lumOff val="5000"/>
+                          </a:schemeClr>
+                        </a:solidFill>
+                        <a:latin typeface="Cambria Math" charset="0"/>
+                        <a:ea typeface="Cambria Math" charset="0"/>
+                        <a:cs typeface="Cambria Math" charset="0"/>
+                      </a:rPr>
+                      <m:t>𝑝h𝑖</m:t>
+                    </m:r>
+                    <m:r>
+                      <a:rPr lang="en-US" altLang="zh-TW" sz="3600" b="0" i="1" smtClean="0">
+                        <a:solidFill>
+                          <a:schemeClr val="tx1">
+                            <a:lumMod val="95000"/>
+                            <a:lumOff val="5000"/>
+                          </a:schemeClr>
+                        </a:solidFill>
+                        <a:latin typeface="Cambria Math" charset="0"/>
+                        <a:ea typeface="Cambria Math" charset="0"/>
+                        <a:cs typeface="Cambria Math" charset="0"/>
+                      </a:rPr>
+                      <m:t> </m:t>
+                    </m:r>
+                    <m:r>
+                      <a:rPr lang="en-US" altLang="zh-TW" sz="3600" b="0" i="1" smtClean="0">
+                        <a:solidFill>
+                          <a:schemeClr val="tx1">
+                            <a:lumMod val="95000"/>
+                            <a:lumOff val="5000"/>
+                          </a:schemeClr>
+                        </a:solidFill>
+                        <a:latin typeface="Cambria Math" charset="0"/>
+                        <a:ea typeface="Cambria Math" charset="0"/>
+                        <a:cs typeface="Cambria Math" charset="0"/>
+                      </a:rPr>
+                      <m:t>𝑝𝑙𝑎𝑛𝑒</m:t>
                     </m:r>
                   </m:oMath>
                 </a14:m>
@@ -8653,7 +9261,7 @@
             </p:txBody>
           </p:sp>
         </mc:Choice>
-        <mc:Fallback xmlns="">
+        <mc:Fallback>
           <p:sp>
             <p:nvSpPr>
               <p:cNvPr id="88" name="矩形 87"/>
@@ -8671,7 +9279,7 @@
                 <a:avLst/>
               </a:prstGeom>
               <a:blipFill rotWithShape="0">
-                <a:blip r:embed="rId12"/>
+                <a:blip r:embed="rId15"/>
                 <a:stretch>
                   <a:fillRect l="-1970" t="-1096"/>
                 </a:stretch>
@@ -8692,86 +9300,376 @@
           </p:sp>
         </mc:Fallback>
       </mc:AlternateContent>
-      <p:sp>
-        <p:nvSpPr>
-          <p:cNvPr id="89" name="矩形 88"/>
-          <p:cNvSpPr/>
-          <p:nvPr/>
-        </p:nvSpPr>
-        <p:spPr>
-          <a:xfrm>
-            <a:off x="15646236" y="23112753"/>
-            <a:ext cx="10947401" cy="861774"/>
-          </a:xfrm>
-          <a:prstGeom prst="rect">
-            <a:avLst/>
-          </a:prstGeom>
-        </p:spPr>
-        <p:txBody>
-          <a:bodyPr wrap="square">
-            <a:spAutoFit/>
-          </a:bodyPr>
-          <a:lstStyle/>
-          <a:p>
-            <a:r>
-              <a:rPr lang="en-US" altLang="zh-TW" sz="5000" b="1" dirty="0" smtClean="0">
-                <a:solidFill>
-                  <a:srgbClr val="C0504D"/>
-                </a:solidFill>
-                <a:latin typeface="Arial" pitchFamily="34" charset="0"/>
-                <a:cs typeface="Arial" pitchFamily="34" charset="0"/>
-              </a:rPr>
-              <a:t>Study of Soft Drop:</a:t>
-            </a:r>
-            <a:endParaRPr lang="zh-TW" altLang="en-US" sz="5000" baseline="-25000" dirty="0"/>
-          </a:p>
-        </p:txBody>
-      </p:sp>
-      <p:sp>
-        <p:nvSpPr>
-          <p:cNvPr id="91" name="矩形 90"/>
-          <p:cNvSpPr/>
-          <p:nvPr/>
-        </p:nvSpPr>
-        <p:spPr>
-          <a:xfrm>
-            <a:off x="15732702" y="8112014"/>
-            <a:ext cx="14170566" cy="861774"/>
-          </a:xfrm>
-          <a:prstGeom prst="rect">
-            <a:avLst/>
-          </a:prstGeom>
-        </p:spPr>
-        <p:txBody>
-          <a:bodyPr wrap="square">
-            <a:spAutoFit/>
-          </a:bodyPr>
-          <a:lstStyle/>
-          <a:p>
-            <a:r>
-              <a:rPr lang="en-US" altLang="zh-TW" sz="5000" b="1" dirty="0" smtClean="0">
-                <a:solidFill>
-                  <a:srgbClr val="C0504D"/>
-                </a:solidFill>
-                <a:latin typeface="Arial" pitchFamily="34" charset="0"/>
-                <a:cs typeface="Arial" pitchFamily="34" charset="0"/>
-              </a:rPr>
-              <a:t>Variables Study in Cluster:</a:t>
-            </a:r>
-            <a:r>
-              <a:rPr lang="en-US" altLang="zh-TW" sz="5000" b="1" dirty="0" smtClean="0">
-                <a:solidFill>
-                  <a:schemeClr val="accent2"/>
-                </a:solidFill>
-                <a:latin typeface="Arial" pitchFamily="34" charset="0"/>
-                <a:cs typeface="Arial" pitchFamily="34" charset="0"/>
-              </a:rPr>
-              <a:t> </a:t>
-            </a:r>
-            <a:endParaRPr lang="zh-TW" altLang="en-US" sz="5000" baseline="-25000" dirty="0"/>
-          </a:p>
-        </p:txBody>
-      </p:sp>
+      <mc:AlternateContent xmlns:mc="http://schemas.openxmlformats.org/markup-compatibility/2006">
+        <mc:Choice xmlns:a14="http://schemas.microsoft.com/office/drawing/2010/main" Requires="a14">
+          <p:sp>
+            <p:nvSpPr>
+              <p:cNvPr id="89" name="矩形 88"/>
+              <p:cNvSpPr/>
+              <p:nvPr/>
+            </p:nvSpPr>
+            <p:spPr>
+              <a:xfrm>
+                <a:off x="15646236" y="23112753"/>
+                <a:ext cx="10947401" cy="923330"/>
+              </a:xfrm>
+              <a:prstGeom prst="rect">
+                <a:avLst/>
+              </a:prstGeom>
+            </p:spPr>
+            <p:txBody>
+              <a:bodyPr wrap="square">
+                <a:spAutoFit/>
+              </a:bodyPr>
+              <a:lstStyle/>
+              <a:p>
+                <a:r>
+                  <a:rPr lang="en-US" altLang="zh-TW" sz="5000" b="1" dirty="0" smtClean="0">
+                    <a:solidFill>
+                      <a:srgbClr val="C0504D"/>
+                    </a:solidFill>
+                    <a:latin typeface="Arial" pitchFamily="34" charset="0"/>
+                    <a:cs typeface="Arial" pitchFamily="34" charset="0"/>
+                  </a:rPr>
+                  <a:t>Study of Soft Drop at </a:t>
+                </a:r>
+                <a14:m>
+                  <m:oMath xmlns:m="http://schemas.openxmlformats.org/officeDocument/2006/math">
+                    <m:r>
+                      <a:rPr lang="en-US" altLang="zh-TW" sz="5400" i="1" dirty="0">
+                        <a:latin typeface="Cambria Math" charset="0"/>
+                        <a:ea typeface="Cambria Math" charset="0"/>
+                        <a:cs typeface="Cambria Math" charset="0"/>
+                      </a:rPr>
+                      <m:t>𝛽</m:t>
+                    </m:r>
+                    <m:r>
+                      <a:rPr lang="en-US" altLang="zh-TW" sz="5400" i="1" dirty="0">
+                        <a:latin typeface="Cambria Math" charset="0"/>
+                        <a:ea typeface="Cambria Math" charset="0"/>
+                        <a:cs typeface="Cambria Math" charset="0"/>
+                      </a:rPr>
+                      <m:t>=0</m:t>
+                    </m:r>
+                  </m:oMath>
+                </a14:m>
+                <a:r>
+                  <a:rPr lang="en-US" altLang="zh-TW" sz="5400" dirty="0" smtClean="0"/>
+                  <a:t>,</a:t>
+                </a:r>
+                <a:r>
+                  <a:rPr lang="en-US" altLang="zh-TW" sz="5400" dirty="0">
+                    <a:ea typeface="Cambria Math" charset="0"/>
+                    <a:cs typeface="Cambria Math" charset="0"/>
+                  </a:rPr>
+                  <a:t> </a:t>
+                </a:r>
+                <a14:m>
+                  <m:oMath xmlns:m="http://schemas.openxmlformats.org/officeDocument/2006/math">
+                    <m:r>
+                      <a:rPr lang="en-US" altLang="zh-TW" sz="5400" i="1" dirty="0">
+                        <a:latin typeface="Cambria Math" charset="0"/>
+                        <a:ea typeface="Cambria Math" charset="0"/>
+                        <a:cs typeface="Cambria Math" charset="0"/>
+                      </a:rPr>
+                      <m:t>𝛽</m:t>
+                    </m:r>
+                    <m:r>
+                      <a:rPr lang="en-US" altLang="zh-TW" sz="5400" i="1" dirty="0">
+                        <a:latin typeface="Cambria Math" charset="0"/>
+                        <a:ea typeface="Cambria Math" charset="0"/>
+                        <a:cs typeface="Cambria Math" charset="0"/>
+                      </a:rPr>
+                      <m:t>=2</m:t>
+                    </m:r>
+                  </m:oMath>
+                </a14:m>
+                <a:r>
+                  <a:rPr lang="en-US" altLang="zh-TW" sz="5000" b="1" dirty="0" smtClean="0">
+                    <a:solidFill>
+                      <a:srgbClr val="C0504D"/>
+                    </a:solidFill>
+                    <a:latin typeface="Arial" pitchFamily="34" charset="0"/>
+                    <a:cs typeface="Arial" pitchFamily="34" charset="0"/>
+                  </a:rPr>
+                  <a:t>:</a:t>
+                </a:r>
+                <a:endParaRPr lang="zh-TW" altLang="en-US" sz="5000" baseline="-25000" dirty="0"/>
+              </a:p>
+            </p:txBody>
+          </p:sp>
+        </mc:Choice>
+        <mc:Fallback>
+          <p:sp>
+            <p:nvSpPr>
+              <p:cNvPr id="89" name="矩形 88"/>
+              <p:cNvSpPr>
+                <a:spLocks noRot="1" noChangeAspect="1" noMove="1" noResize="1" noEditPoints="1" noAdjustHandles="1" noChangeArrowheads="1" noChangeShapeType="1" noTextEdit="1"/>
+              </p:cNvSpPr>
+              <p:nvPr/>
+            </p:nvSpPr>
+            <p:spPr>
+              <a:xfrm>
+                <a:off x="15646236" y="23112753"/>
+                <a:ext cx="10947401" cy="923330"/>
+              </a:xfrm>
+              <a:prstGeom prst="rect">
+                <a:avLst/>
+              </a:prstGeom>
+              <a:blipFill rotWithShape="0">
+                <a:blip r:embed="rId16"/>
+                <a:stretch>
+                  <a:fillRect l="-2674" t="-17763" r="-56" b="-39474"/>
+                </a:stretch>
+              </a:blipFill>
+            </p:spPr>
+            <p:txBody>
+              <a:bodyPr/>
+              <a:lstStyle/>
+              <a:p>
+                <a:r>
+                  <a:rPr lang="zh-TW" altLang="en-US">
+                    <a:noFill/>
+                  </a:rPr>
+                  <a:t> </a:t>
+                </a:r>
+              </a:p>
+            </p:txBody>
+          </p:sp>
+        </mc:Fallback>
+      </mc:AlternateContent>
+      <mc:AlternateContent xmlns:mc="http://schemas.openxmlformats.org/markup-compatibility/2006">
+        <mc:Choice xmlns:a14="http://schemas.microsoft.com/office/drawing/2010/main" Requires="a14">
+          <p:sp>
+            <p:nvSpPr>
+              <p:cNvPr id="91" name="矩形 90"/>
+              <p:cNvSpPr/>
+              <p:nvPr/>
+            </p:nvSpPr>
+            <p:spPr>
+              <a:xfrm>
+                <a:off x="15732702" y="8112014"/>
+                <a:ext cx="14170566" cy="932756"/>
+              </a:xfrm>
+              <a:prstGeom prst="rect">
+                <a:avLst/>
+              </a:prstGeom>
+            </p:spPr>
+            <p:txBody>
+              <a:bodyPr wrap="square">
+                <a:spAutoFit/>
+              </a:bodyPr>
+              <a:lstStyle/>
+              <a:p>
+                <a:r>
+                  <a:rPr lang="en-US" altLang="zh-TW" sz="5000" b="1" dirty="0" smtClean="0">
+                    <a:solidFill>
+                      <a:srgbClr val="C0504D"/>
+                    </a:solidFill>
+                    <a:latin typeface="Arial" pitchFamily="34" charset="0"/>
+                    <a:cs typeface="Arial" pitchFamily="34" charset="0"/>
+                  </a:rPr>
+                  <a:t>Variables Study </a:t>
+                </a:r>
+                <a:r>
+                  <a:rPr lang="en-US" altLang="zh-TW" sz="5000" b="1" dirty="0" smtClean="0">
+                    <a:solidFill>
+                      <a:srgbClr val="C0504D"/>
+                    </a:solidFill>
+                    <a:latin typeface="Arial" pitchFamily="34" charset="0"/>
+                    <a:cs typeface="Arial" pitchFamily="34" charset="0"/>
+                  </a:rPr>
+                  <a:t>in </a:t>
+                </a:r>
+                <a14:m>
+                  <m:oMath xmlns:m="http://schemas.openxmlformats.org/officeDocument/2006/math">
+                    <m:sSubSup>
+                      <m:sSubSupPr>
+                        <m:ctrlPr>
+                          <a:rPr kumimoji="1" lang="en-US" altLang="zh-TW" sz="5400" i="1">
+                            <a:latin typeface="Cambria Math" charset="0"/>
+                          </a:rPr>
+                        </m:ctrlPr>
+                      </m:sSubSupPr>
+                      <m:e>
+                        <m:r>
+                          <a:rPr kumimoji="1" lang="en-US" altLang="zh-TW" sz="5400" i="1">
+                            <a:latin typeface="Cambria Math" charset="0"/>
+                          </a:rPr>
+                          <m:t>𝐶</m:t>
+                        </m:r>
+                      </m:e>
+                      <m:sub>
+                        <m:r>
+                          <a:rPr kumimoji="1" lang="en-US" altLang="zh-TW" sz="5400" i="1">
+                            <a:latin typeface="Cambria Math" charset="0"/>
+                          </a:rPr>
+                          <m:t>2</m:t>
+                        </m:r>
+                      </m:sub>
+                      <m:sup>
+                        <m:r>
+                          <a:rPr kumimoji="1" lang="en-US" altLang="zh-TW" sz="5400" i="1">
+                            <a:latin typeface="Cambria Math" charset="0"/>
+                          </a:rPr>
+                          <m:t>1</m:t>
+                        </m:r>
+                      </m:sup>
+                    </m:sSubSup>
+                  </m:oMath>
+                </a14:m>
+                <a:r>
+                  <a:rPr lang="en-US" altLang="zh-TW" sz="5000" b="1" dirty="0" smtClean="0">
+                    <a:solidFill>
+                      <a:srgbClr val="C0504D"/>
+                    </a:solidFill>
+                    <a:latin typeface="Arial" pitchFamily="34" charset="0"/>
+                    <a:cs typeface="Arial" pitchFamily="34" charset="0"/>
+                  </a:rPr>
+                  <a:t>, </a:t>
+                </a:r>
+                <a14:m>
+                  <m:oMath xmlns:m="http://schemas.openxmlformats.org/officeDocument/2006/math">
+                    <m:sSub>
+                      <m:sSubPr>
+                        <m:ctrlPr>
+                          <a:rPr kumimoji="1" lang="en-US" altLang="zh-TW" sz="5400" i="1">
+                            <a:latin typeface="Cambria Math" charset="0"/>
+                          </a:rPr>
+                        </m:ctrlPr>
+                      </m:sSubPr>
+                      <m:e>
+                        <m:r>
+                          <a:rPr kumimoji="1" lang="en-US" altLang="zh-TW" sz="5400" i="1">
+                            <a:latin typeface="Cambria Math" charset="0"/>
+                            <a:ea typeface="Cambria Math" charset="0"/>
+                            <a:cs typeface="Cambria Math" charset="0"/>
+                          </a:rPr>
+                          <m:t>𝜏</m:t>
+                        </m:r>
+                      </m:e>
+                      <m:sub>
+                        <m:r>
+                          <a:rPr kumimoji="1" lang="en-US" altLang="zh-TW" sz="5400" i="1">
+                            <a:latin typeface="Cambria Math" charset="0"/>
+                          </a:rPr>
+                          <m:t>21</m:t>
+                        </m:r>
+                      </m:sub>
+                    </m:sSub>
+                  </m:oMath>
+                </a14:m>
+                <a:r>
+                  <a:rPr lang="en-US" altLang="zh-TW" sz="5000" b="1" dirty="0" smtClean="0">
+                    <a:solidFill>
+                      <a:srgbClr val="C0504D"/>
+                    </a:solidFill>
+                    <a:latin typeface="Arial" pitchFamily="34" charset="0"/>
+                    <a:cs typeface="Arial" pitchFamily="34" charset="0"/>
+                  </a:rPr>
+                  <a:t>,</a:t>
+                </a:r>
+                <a:r>
+                  <a:rPr kumimoji="1" lang="en-US" altLang="zh-TW" sz="5400" dirty="0"/>
+                  <a:t> </a:t>
+                </a:r>
+                <a14:m>
+                  <m:oMath xmlns:m="http://schemas.openxmlformats.org/officeDocument/2006/math">
+                    <m:sSub>
+                      <m:sSubPr>
+                        <m:ctrlPr>
+                          <a:rPr kumimoji="1" lang="en-US" altLang="zh-TW" sz="5400" i="1">
+                            <a:latin typeface="Cambria Math" charset="0"/>
+                          </a:rPr>
+                        </m:ctrlPr>
+                      </m:sSubPr>
+                      <m:e>
+                        <m:r>
+                          <a:rPr kumimoji="1" lang="en-US" altLang="zh-TW" sz="5400" i="1">
+                            <a:latin typeface="Cambria Math" charset="0"/>
+                            <a:ea typeface="Cambria Math" charset="0"/>
+                            <a:cs typeface="Cambria Math" charset="0"/>
+                          </a:rPr>
+                          <m:t>𝜏</m:t>
+                        </m:r>
+                      </m:e>
+                      <m:sub>
+                        <m:r>
+                          <a:rPr kumimoji="1" lang="en-US" altLang="zh-TW" sz="5400" i="1">
+                            <a:latin typeface="Cambria Math" charset="0"/>
+                            <a:ea typeface="Cambria Math" charset="0"/>
+                            <a:cs typeface="Cambria Math" charset="0"/>
+                          </a:rPr>
+                          <m:t>32</m:t>
+                        </m:r>
+                      </m:sub>
+                    </m:sSub>
+                  </m:oMath>
+                </a14:m>
+                <a:r>
+                  <a:rPr lang="en-US" altLang="zh-TW" sz="5000" b="1" dirty="0" smtClean="0">
+                    <a:solidFill>
+                      <a:srgbClr val="C0504D"/>
+                    </a:solidFill>
+                    <a:latin typeface="Arial" pitchFamily="34" charset="0"/>
+                    <a:cs typeface="Arial" pitchFamily="34" charset="0"/>
+                  </a:rPr>
+                  <a:t>:</a:t>
+                </a:r>
+                <a:r>
+                  <a:rPr lang="en-US" altLang="zh-TW" sz="5000" b="1" dirty="0" smtClean="0">
+                    <a:solidFill>
+                      <a:schemeClr val="accent2"/>
+                    </a:solidFill>
+                    <a:latin typeface="Arial" pitchFamily="34" charset="0"/>
+                    <a:cs typeface="Arial" pitchFamily="34" charset="0"/>
+                  </a:rPr>
+                  <a:t> </a:t>
+                </a:r>
+                <a:endParaRPr lang="zh-TW" altLang="en-US" sz="5000" baseline="-25000" dirty="0"/>
+              </a:p>
+            </p:txBody>
+          </p:sp>
+        </mc:Choice>
+        <mc:Fallback>
+          <p:sp>
+            <p:nvSpPr>
+              <p:cNvPr id="91" name="矩形 90"/>
+              <p:cNvSpPr>
+                <a:spLocks noRot="1" noChangeAspect="1" noMove="1" noResize="1" noEditPoints="1" noAdjustHandles="1" noChangeArrowheads="1" noChangeShapeType="1" noTextEdit="1"/>
+              </p:cNvSpPr>
+              <p:nvPr/>
+            </p:nvSpPr>
+            <p:spPr>
+              <a:xfrm>
+                <a:off x="15732702" y="8112014"/>
+                <a:ext cx="14170566" cy="932756"/>
+              </a:xfrm>
+              <a:prstGeom prst="rect">
+                <a:avLst/>
+              </a:prstGeom>
+              <a:blipFill rotWithShape="0">
+                <a:blip r:embed="rId17"/>
+                <a:stretch>
+                  <a:fillRect l="-2065" t="-11765" b="-32026"/>
+                </a:stretch>
+              </a:blipFill>
+            </p:spPr>
+            <p:txBody>
+              <a:bodyPr/>
+              <a:lstStyle/>
+              <a:p>
+                <a:r>
+                  <a:rPr lang="zh-TW" altLang="en-US">
+                    <a:noFill/>
+                  </a:rPr>
+                  <a:t> </a:t>
+                </a:r>
+              </a:p>
+            </p:txBody>
+          </p:sp>
+        </mc:Fallback>
+      </mc:AlternateContent>
       <p:sp>
         <p:nvSpPr>
           <p:cNvPr id="93" name="內容版面配置區 2"/>
@@ -8862,7 +9760,17 @@
                 <a:latin typeface="Arial" pitchFamily="34" charset="0"/>
                 <a:cs typeface="Arial" pitchFamily="34" charset="0"/>
               </a:rPr>
-              <a:t>QCD Background Process:</a:t>
+              <a:t>Background </a:t>
+            </a:r>
+            <a:r>
+              <a:rPr lang="en-US" altLang="zh-TW" sz="4800" b="1" dirty="0" smtClean="0">
+                <a:solidFill>
+                  <a:srgbClr val="C0504D"/>
+                </a:solidFill>
+                <a:latin typeface="Arial" pitchFamily="34" charset="0"/>
+                <a:cs typeface="Arial" pitchFamily="34" charset="0"/>
+              </a:rPr>
+              <a:t>Process:</a:t>
             </a:r>
             <a:r>
               <a:rPr lang="en-US" altLang="zh-TW" sz="4800" b="1" dirty="0" smtClean="0">
@@ -9171,16 +10079,12 @@
               <a:t>collider(</a:t>
             </a:r>
             <a:r>
-              <a:rPr lang="en-US" altLang="zh-TW" sz="4000" dirty="0" err="1" smtClean="0"/>
-              <a:t>arxiv</a:t>
-            </a:r>
-            <a:r>
-              <a:rPr lang="en-US" altLang="zh-TW" sz="4000" dirty="0" smtClean="0"/>
-              <a:t>:</a:t>
+              <a:rPr lang="is-IS" altLang="zh-TW" sz="4000" dirty="0"/>
+              <a:t>JINST 12 (2017) P06009</a:t>
             </a:r>
             <a:r>
               <a:rPr lang="hr-HR" altLang="zh-TW" sz="4000" dirty="0" smtClean="0"/>
-              <a:t>1612.07291)</a:t>
+              <a:t>)</a:t>
             </a:r>
             <a:endParaRPr lang="en-US" altLang="zh-TW" sz="4000" dirty="0" smtClean="0"/>
           </a:p>
@@ -9256,7 +10160,7 @@
           <p:nvPr/>
         </p:nvPicPr>
         <p:blipFill>
-          <a:blip r:embed="rId13">
+          <a:blip r:embed="rId18">
             <a:extLst>
               <a:ext uri="{28A0092B-C50C-407E-A947-70E740481C1C}">
                 <a14:useLocalDpi xmlns:a14="http://schemas.microsoft.com/office/drawing/2010/main" val="0"/>
@@ -9286,7 +10190,7 @@
           <p:nvPr/>
         </p:nvPicPr>
         <p:blipFill>
-          <a:blip r:embed="rId14">
+          <a:blip r:embed="rId19">
             <a:extLst>
               <a:ext uri="{28A0092B-C50C-407E-A947-70E740481C1C}">
                 <a14:useLocalDpi xmlns:a14="http://schemas.microsoft.com/office/drawing/2010/main" val="0"/>
@@ -9316,7 +10220,7 @@
           <p:nvPr/>
         </p:nvPicPr>
         <p:blipFill>
-          <a:blip r:embed="rId15">
+          <a:blip r:embed="rId20">
             <a:extLst>
               <a:ext uri="{28A0092B-C50C-407E-A947-70E740481C1C}">
                 <a14:useLocalDpi xmlns:a14="http://schemas.microsoft.com/office/drawing/2010/main" val="0"/>
@@ -9346,7 +10250,7 @@
         <p:spPr>
           <a:xfrm>
             <a:off x="583398" y="39730727"/>
-            <a:ext cx="5575565" cy="1015663"/>
+            <a:ext cx="4036682" cy="1015663"/>
           </a:xfrm>
           <a:prstGeom prst="rect">
             <a:avLst/>
@@ -9367,7 +10271,7 @@
                 <a:latin typeface="Arial" pitchFamily="34" charset="0"/>
                 <a:cs typeface="Arial" pitchFamily="34" charset="0"/>
               </a:rPr>
-              <a:t>QCD Background</a:t>
+              <a:t>Background</a:t>
             </a:r>
             <a:r>
               <a:rPr lang="en-US" altLang="zh-TW" sz="6000" b="1" dirty="0" smtClean="0">
@@ -9740,7 +10644,7 @@
                 <a:avLst/>
               </a:prstGeom>
               <a:blipFill rotWithShape="0">
-                <a:blip r:embed="rId16"/>
+                <a:blip r:embed="rId21"/>
                 <a:stretch>
                   <a:fillRect/>
                 </a:stretch>
@@ -10032,7 +10936,7 @@
                 <a:avLst/>
               </a:prstGeom>
               <a:blipFill rotWithShape="0">
-                <a:blip r:embed="rId17"/>
+                <a:blip r:embed="rId22"/>
                 <a:stretch>
                   <a:fillRect l="-2789" t="-5521" b="-12270"/>
                 </a:stretch>
@@ -10088,7 +10992,7 @@
           <p:nvPr/>
         </p:nvPicPr>
         <p:blipFill>
-          <a:blip r:embed="rId18">
+          <a:blip r:embed="rId23">
             <a:extLst>
               <a:ext uri="{28A0092B-C50C-407E-A947-70E740481C1C}">
                 <a14:useLocalDpi xmlns:a14="http://schemas.microsoft.com/office/drawing/2010/main" val="0"/>
@@ -10109,8 +11013,8 @@
           </a:prstGeom>
         </p:spPr>
       </p:pic>
-      <mc:AlternateContent xmlns:mc="http://schemas.openxmlformats.org/markup-compatibility/2006" xmlns:a14="http://schemas.microsoft.com/office/drawing/2010/main">
-        <mc:Choice Requires="a14">
+      <mc:AlternateContent xmlns:mc="http://schemas.openxmlformats.org/markup-compatibility/2006">
+        <mc:Choice xmlns:a14="http://schemas.microsoft.com/office/drawing/2010/main" Requires="a14">
           <p:sp>
             <p:nvSpPr>
               <p:cNvPr id="16" name="文字方塊 15"/>
@@ -10135,7 +11039,15 @@
               <a:p>
                 <a:r>
                   <a:rPr kumimoji="1" lang="en-US" altLang="zh-TW" sz="3600" dirty="0" smtClean="0"/>
-                  <a:t>1. In variable</a:t>
+                  <a:t>1. </a:t>
+                </a:r>
+                <a:r>
+                  <a:rPr kumimoji="1" lang="en-US" altLang="zh-TW" sz="3600" dirty="0" smtClean="0"/>
+                  <a:t>For</a:t>
+                </a:r>
+                <a:r>
+                  <a:rPr kumimoji="1" lang="en-US" altLang="zh-TW" sz="3600" dirty="0" smtClean="0"/>
+                  <a:t> </a:t>
                 </a:r>
                 <a14:m>
                   <m:oMath xmlns:m="http://schemas.openxmlformats.org/officeDocument/2006/math">
@@ -10198,7 +11110,15 @@
               <a:p>
                 <a:r>
                   <a:rPr kumimoji="1" lang="en-US" altLang="zh-TW" sz="3600" dirty="0" smtClean="0"/>
-                  <a:t>2. In </a:t>
+                  <a:t>2. </a:t>
+                </a:r>
+                <a:r>
+                  <a:rPr kumimoji="1" lang="en-US" altLang="zh-TW" sz="3600" dirty="0" smtClean="0"/>
+                  <a:t>For</a:t>
+                </a:r>
+                <a:r>
+                  <a:rPr kumimoji="1" lang="en-US" altLang="zh-TW" sz="3600" dirty="0" smtClean="0"/>
+                  <a:t> </a:t>
                 </a:r>
                 <a14:m>
                   <m:oMath xmlns:m="http://schemas.openxmlformats.org/officeDocument/2006/math">
@@ -10263,7 +11183,15 @@
               <a:p>
                 <a:r>
                   <a:rPr kumimoji="1" lang="en-US" altLang="zh-TW" sz="3600" dirty="0" smtClean="0"/>
-                  <a:t>3. In </a:t>
+                  <a:t>3. </a:t>
+                </a:r>
+                <a:r>
+                  <a:rPr kumimoji="1" lang="en-US" altLang="zh-TW" sz="3600" dirty="0" smtClean="0"/>
+                  <a:t>For</a:t>
+                </a:r>
+                <a:r>
+                  <a:rPr kumimoji="1" lang="en-US" altLang="zh-TW" sz="3600" dirty="0" smtClean="0"/>
+                  <a:t> </a:t>
                 </a:r>
                 <a14:m>
                   <m:oMath xmlns:m="http://schemas.openxmlformats.org/officeDocument/2006/math">
@@ -10319,7 +11247,7 @@
             </p:txBody>
           </p:sp>
         </mc:Choice>
-        <mc:Fallback xmlns="">
+        <mc:Fallback>
           <p:sp>
             <p:nvSpPr>
               <p:cNvPr id="16" name="文字方塊 15"/>
@@ -10337,9 +11265,9 @@
                 <a:avLst/>
               </a:prstGeom>
               <a:blipFill rotWithShape="0">
-                <a:blip r:embed="rId22"/>
+                <a:blip r:embed="rId24"/>
                 <a:stretch>
-                  <a:fillRect l="-1324" t="-1750" r="-1809" b="-4172"/>
+                  <a:fillRect l="-1324" t="-1750" r="-1986" b="-4172"/>
                 </a:stretch>
               </a:blipFill>
             </p:spPr>
@@ -10358,66 +11286,6 @@
           </p:sp>
         </mc:Fallback>
       </mc:AlternateContent>
-      <p:pic>
-        <p:nvPicPr>
-          <p:cNvPr id="18" name="圖片 17"/>
-          <p:cNvPicPr>
-            <a:picLocks noChangeAspect="1"/>
-          </p:cNvPicPr>
-          <p:nvPr/>
-        </p:nvPicPr>
-        <p:blipFill>
-          <a:blip r:embed="rId23">
-            <a:extLst>
-              <a:ext uri="{28A0092B-C50C-407E-A947-70E740481C1C}">
-                <a14:useLocalDpi xmlns:a14="http://schemas.microsoft.com/office/drawing/2010/main" val="0"/>
-              </a:ext>
-            </a:extLst>
-          </a:blip>
-          <a:stretch>
-            <a:fillRect/>
-          </a:stretch>
-        </p:blipFill>
-        <p:spPr>
-          <a:xfrm>
-            <a:off x="2122414" y="28896277"/>
-            <a:ext cx="2054102" cy="2017853"/>
-          </a:xfrm>
-          <a:prstGeom prst="rect">
-            <a:avLst/>
-          </a:prstGeom>
-        </p:spPr>
-      </p:pic>
-      <p:pic>
-        <p:nvPicPr>
-          <p:cNvPr id="20" name="圖片 19"/>
-          <p:cNvPicPr>
-            <a:picLocks noChangeAspect="1"/>
-          </p:cNvPicPr>
-          <p:nvPr/>
-        </p:nvPicPr>
-        <p:blipFill>
-          <a:blip r:embed="rId24">
-            <a:extLst>
-              <a:ext uri="{28A0092B-C50C-407E-A947-70E740481C1C}">
-                <a14:useLocalDpi xmlns:a14="http://schemas.microsoft.com/office/drawing/2010/main" val="0"/>
-              </a:ext>
-            </a:extLst>
-          </a:blip>
-          <a:stretch>
-            <a:fillRect/>
-          </a:stretch>
-        </p:blipFill>
-        <p:spPr>
-          <a:xfrm>
-            <a:off x="445482" y="27239432"/>
-            <a:ext cx="2133600" cy="2120900"/>
-          </a:xfrm>
-          <a:prstGeom prst="rect">
-            <a:avLst/>
-          </a:prstGeom>
-        </p:spPr>
-      </p:pic>
       <p:sp>
         <p:nvSpPr>
           <p:cNvPr id="92" name="矩形 91"/>
@@ -10427,7 +11295,7 @@
         <p:spPr>
           <a:xfrm>
             <a:off x="15695243" y="28304741"/>
-            <a:ext cx="14790543" cy="861774"/>
+            <a:ext cx="14790543" cy="923330"/>
           </a:xfrm>
           <a:prstGeom prst="rect">
             <a:avLst/>
@@ -10440,17 +11308,17 @@
           <a:lstStyle/>
           <a:p>
             <a:r>
-              <a:rPr lang="en-US" altLang="zh-TW" sz="5000" b="1" dirty="0" smtClean="0">
+              <a:rPr lang="en-US" altLang="zh-TW" sz="5400" b="1" dirty="0">
                 <a:solidFill>
                   <a:srgbClr val="C0504D"/>
                 </a:solidFill>
                 <a:latin typeface="Arial" pitchFamily="34" charset="0"/>
                 <a:cs typeface="Arial" pitchFamily="34" charset="0"/>
               </a:rPr>
-              <a:t>Study of the soft drop in different detector size:</a:t>
+              <a:t>Comparison of different detector size:</a:t>
             </a:r>
             <a:r>
-              <a:rPr lang="en-US" altLang="zh-TW" sz="5000" b="1" dirty="0" smtClean="0">
+              <a:rPr lang="en-US" altLang="zh-TW" sz="5400" b="1" dirty="0">
                 <a:solidFill>
                   <a:schemeClr val="accent2"/>
                 </a:solidFill>
@@ -10459,7 +11327,7 @@
               </a:rPr>
               <a:t> </a:t>
             </a:r>
-            <a:endParaRPr lang="zh-TW" altLang="en-US" sz="5000" baseline="-25000" dirty="0"/>
+            <a:endParaRPr lang="zh-TW" altLang="en-US" sz="5400" baseline="-25000" dirty="0"/>
           </a:p>
         </p:txBody>
       </p:sp>
@@ -10717,336 +11585,6 @@
           </a:p>
         </p:txBody>
       </p:sp>
-      <p:graphicFrame>
-        <p:nvGraphicFramePr>
-          <p:cNvPr id="38" name="表格 37"/>
-          <p:cNvGraphicFramePr>
-            <a:graphicFrameLocks noGrp="1"/>
-          </p:cNvGraphicFramePr>
-          <p:nvPr>
-            <p:extLst>
-              <p:ext uri="{D42A27DB-BD31-4B8C-83A1-F6EECF244321}">
-                <p14:modId xmlns:p14="http://schemas.microsoft.com/office/powerpoint/2010/main" val="667990891"/>
-              </p:ext>
-            </p:extLst>
-          </p:nvPr>
-        </p:nvGraphicFramePr>
-        <p:xfrm>
-          <a:off x="15688448" y="34041693"/>
-          <a:ext cx="14262220" cy="6705600"/>
-        </p:xfrm>
-        <a:graphic>
-          <a:graphicData uri="http://schemas.openxmlformats.org/drawingml/2006/table">
-            <a:tbl>
-              <a:tblPr firstRow="1" bandRow="1">
-                <a:tableStyleId>{5C22544A-7EE6-4342-B048-85BDC9FD1C3A}</a:tableStyleId>
-              </a:tblPr>
-              <a:tblGrid>
-                <a:gridCol w="3565555"/>
-                <a:gridCol w="3565555"/>
-                <a:gridCol w="3565555"/>
-                <a:gridCol w="3565555"/>
-              </a:tblGrid>
-              <a:tr h="1036320">
-                <a:tc>
-                  <a:txBody>
-                    <a:bodyPr/>
-                    <a:lstStyle/>
-                    <a:p>
-                      <a:endParaRPr lang="zh-TW" altLang="en-US" dirty="0"/>
-                    </a:p>
-                  </a:txBody>
-                  <a:tcPr/>
-                </a:tc>
-                <a:tc>
-                  <a:txBody>
-                    <a:bodyPr/>
-                    <a:lstStyle/>
-                    <a:p>
-                      <a:r>
-                        <a:rPr lang="en-US" altLang="zh-TW" sz="3600" dirty="0" smtClean="0"/>
-                        <a:t>Fix</a:t>
-                      </a:r>
-                      <a:r>
-                        <a:rPr lang="en-US" altLang="zh-TW" sz="3600" baseline="0" dirty="0" smtClean="0"/>
-                        <a:t> width</a:t>
-                      </a:r>
-                    </a:p>
-                    <a:p>
-                      <a:r>
-                        <a:rPr lang="en-US" altLang="zh-TW" sz="3200" baseline="0" dirty="0" smtClean="0"/>
-                        <a:t>(40,40,40,40)GeV</a:t>
-                      </a:r>
-                      <a:endParaRPr lang="zh-TW" altLang="en-US" sz="3200" dirty="0"/>
-                    </a:p>
-                  </a:txBody>
-                  <a:tcPr/>
-                </a:tc>
-                <a:tc>
-                  <a:txBody>
-                    <a:bodyPr/>
-                    <a:lstStyle/>
-                    <a:p>
-                      <a:r>
-                        <a:rPr lang="en-US" altLang="zh-TW" sz="3600" dirty="0" smtClean="0"/>
-                        <a:t>Fix</a:t>
-                      </a:r>
-                      <a:r>
-                        <a:rPr lang="en-US" altLang="zh-TW" sz="3600" baseline="0" dirty="0" smtClean="0"/>
-                        <a:t> width</a:t>
-                      </a:r>
-                    </a:p>
-                    <a:p>
-                      <a:r>
-                        <a:rPr lang="en-US" altLang="zh-TW" sz="3200" baseline="0" dirty="0" smtClean="0"/>
-                        <a:t>(40,60,80,100)GeV</a:t>
-                      </a:r>
-                      <a:endParaRPr lang="zh-TW" altLang="en-US" sz="3200" dirty="0" smtClean="0"/>
-                    </a:p>
-                  </a:txBody>
-                  <a:tcPr/>
-                </a:tc>
-                <a:tc>
-                  <a:txBody>
-                    <a:bodyPr/>
-                    <a:lstStyle/>
-                    <a:p>
-                      <a:r>
-                        <a:rPr lang="en-US" altLang="zh-TW" sz="3600" dirty="0" smtClean="0"/>
-                        <a:t>Fix central</a:t>
-                      </a:r>
-                    </a:p>
-                    <a:p>
-                      <a:r>
-                        <a:rPr lang="en-US" altLang="zh-TW" sz="3200" dirty="0" smtClean="0"/>
-                        <a:t>(from near highest) </a:t>
-                      </a:r>
-                      <a:endParaRPr lang="zh-TW" altLang="en-US" sz="3200" dirty="0"/>
-                    </a:p>
-                  </a:txBody>
-                  <a:tcPr/>
-                </a:tc>
-              </a:tr>
-              <a:tr h="370840">
-                <a:tc>
-                  <a:txBody>
-                    <a:bodyPr/>
-                    <a:lstStyle/>
-                    <a:p>
-                      <a:r>
-                        <a:rPr lang="en-US" altLang="zh-TW" sz="3600" dirty="0" smtClean="0"/>
-                        <a:t>Beta=0</a:t>
-                      </a:r>
-                    </a:p>
-                    <a:p>
-                      <a:r>
-                        <a:rPr lang="en-US" altLang="zh-TW" sz="3600" dirty="0" smtClean="0"/>
-                        <a:t>Signal=WW</a:t>
-                      </a:r>
-                      <a:endParaRPr lang="zh-TW" altLang="en-US" sz="3600" dirty="0"/>
-                    </a:p>
-                  </a:txBody>
-                  <a:tcPr/>
-                </a:tc>
-                <a:tc>
-                  <a:txBody>
-                    <a:bodyPr/>
-                    <a:lstStyle/>
-                    <a:p>
-                      <a:endParaRPr lang="zh-TW" altLang="en-US" dirty="0"/>
-                    </a:p>
-                  </a:txBody>
-                  <a:tcPr/>
-                </a:tc>
-                <a:tc>
-                  <a:txBody>
-                    <a:bodyPr/>
-                    <a:lstStyle/>
-                    <a:p>
-                      <a:endParaRPr lang="zh-TW" altLang="en-US" dirty="0"/>
-                    </a:p>
-                  </a:txBody>
-                  <a:tcPr/>
-                </a:tc>
-                <a:tc>
-                  <a:txBody>
-                    <a:bodyPr/>
-                    <a:lstStyle/>
-                    <a:p>
-                      <a:endParaRPr lang="zh-TW" altLang="en-US"/>
-                    </a:p>
-                  </a:txBody>
-                  <a:tcPr/>
-                </a:tc>
-              </a:tr>
-              <a:tr h="370840">
-                <a:tc>
-                  <a:txBody>
-                    <a:bodyPr/>
-                    <a:lstStyle/>
-                    <a:p>
-                      <a:r>
-                        <a:rPr lang="en-US" altLang="zh-TW" sz="3600" dirty="0" smtClean="0"/>
-                        <a:t>Beta=0</a:t>
-                      </a:r>
-                    </a:p>
-                    <a:p>
-                      <a:r>
-                        <a:rPr lang="en-US" altLang="zh-TW" sz="3600" dirty="0" smtClean="0"/>
-                        <a:t>Signal=</a:t>
-                      </a:r>
-                      <a:r>
-                        <a:rPr lang="en-US" altLang="zh-TW" sz="3600" dirty="0" err="1" smtClean="0"/>
-                        <a:t>tt</a:t>
-                      </a:r>
-                      <a:endParaRPr lang="zh-TW" altLang="en-US" sz="3600" dirty="0"/>
-                    </a:p>
-                  </a:txBody>
-                  <a:tcPr/>
-                </a:tc>
-                <a:tc>
-                  <a:txBody>
-                    <a:bodyPr/>
-                    <a:lstStyle/>
-                    <a:p>
-                      <a:endParaRPr lang="zh-TW" altLang="en-US"/>
-                    </a:p>
-                  </a:txBody>
-                  <a:tcPr/>
-                </a:tc>
-                <a:tc>
-                  <a:txBody>
-                    <a:bodyPr/>
-                    <a:lstStyle/>
-                    <a:p>
-                      <a:endParaRPr lang="zh-TW" altLang="en-US"/>
-                    </a:p>
-                  </a:txBody>
-                  <a:tcPr/>
-                </a:tc>
-                <a:tc>
-                  <a:txBody>
-                    <a:bodyPr/>
-                    <a:lstStyle/>
-                    <a:p>
-                      <a:endParaRPr lang="zh-TW" altLang="en-US"/>
-                    </a:p>
-                  </a:txBody>
-                  <a:tcPr/>
-                </a:tc>
-              </a:tr>
-              <a:tr h="370840">
-                <a:tc>
-                  <a:txBody>
-                    <a:bodyPr/>
-                    <a:lstStyle/>
-                    <a:p>
-                      <a:r>
-                        <a:rPr lang="en-US" altLang="zh-TW" sz="3600" dirty="0" smtClean="0"/>
-                        <a:t>Beta=2</a:t>
-                      </a:r>
-                    </a:p>
-                    <a:p>
-                      <a:r>
-                        <a:rPr lang="en-US" altLang="zh-TW" sz="3600" dirty="0" smtClean="0"/>
-                        <a:t>Signal=WW</a:t>
-                      </a:r>
-                      <a:endParaRPr lang="zh-TW" altLang="en-US" sz="3600" dirty="0"/>
-                    </a:p>
-                  </a:txBody>
-                  <a:tcPr/>
-                </a:tc>
-                <a:tc>
-                  <a:txBody>
-                    <a:bodyPr/>
-                    <a:lstStyle/>
-                    <a:p>
-                      <a:endParaRPr lang="zh-TW" altLang="en-US"/>
-                    </a:p>
-                  </a:txBody>
-                  <a:tcPr/>
-                </a:tc>
-                <a:tc>
-                  <a:txBody>
-                    <a:bodyPr/>
-                    <a:lstStyle/>
-                    <a:p>
-                      <a:endParaRPr lang="zh-TW" altLang="en-US"/>
-                    </a:p>
-                  </a:txBody>
-                  <a:tcPr/>
-                </a:tc>
-                <a:tc>
-                  <a:txBody>
-                    <a:bodyPr/>
-                    <a:lstStyle/>
-                    <a:p>
-                      <a:endParaRPr lang="zh-TW" altLang="en-US"/>
-                    </a:p>
-                  </a:txBody>
-                  <a:tcPr/>
-                </a:tc>
-              </a:tr>
-              <a:tr h="370840">
-                <a:tc>
-                  <a:txBody>
-                    <a:bodyPr/>
-                    <a:lstStyle/>
-                    <a:p>
-                      <a:r>
-                        <a:rPr lang="en-US" altLang="zh-TW" sz="3600" dirty="0" smtClean="0"/>
-                        <a:t>Beta=2</a:t>
-                      </a:r>
-                    </a:p>
-                    <a:p>
-                      <a:r>
-                        <a:rPr lang="en-US" altLang="zh-TW" sz="3600" dirty="0" smtClean="0"/>
-                        <a:t>Signal=</a:t>
-                      </a:r>
-                      <a:r>
-                        <a:rPr lang="en-US" altLang="zh-TW" sz="3600" dirty="0" err="1" smtClean="0"/>
-                        <a:t>tt</a:t>
-                      </a:r>
-                      <a:endParaRPr lang="zh-TW" altLang="en-US" sz="3600" dirty="0"/>
-                    </a:p>
-                  </a:txBody>
-                  <a:tcPr/>
-                </a:tc>
-                <a:tc>
-                  <a:txBody>
-                    <a:bodyPr/>
-                    <a:lstStyle/>
-                    <a:p>
-                      <a:endParaRPr lang="zh-TW" altLang="en-US"/>
-                    </a:p>
-                  </a:txBody>
-                  <a:tcPr/>
-                </a:tc>
-                <a:tc>
-                  <a:txBody>
-                    <a:bodyPr/>
-                    <a:lstStyle/>
-                    <a:p>
-                      <a:endParaRPr lang="zh-TW" altLang="en-US"/>
-                    </a:p>
-                  </a:txBody>
-                  <a:tcPr/>
-                </a:tc>
-                <a:tc>
-                  <a:txBody>
-                    <a:bodyPr/>
-                    <a:lstStyle/>
-                    <a:p>
-                      <a:endParaRPr lang="zh-TW" altLang="en-US" dirty="0"/>
-                    </a:p>
-                  </a:txBody>
-                  <a:tcPr/>
-                </a:tc>
-              </a:tr>
-            </a:tbl>
-          </a:graphicData>
-        </a:graphic>
-      </p:graphicFrame>
       <p:pic>
         <p:nvPicPr>
           <p:cNvPr id="39" name="圖片 38"/>
@@ -11139,7 +11677,7 @@
       </p:pic>
       <p:pic>
         <p:nvPicPr>
-          <p:cNvPr id="33" name="圖片 32"/>
+          <p:cNvPr id="57" name="圖片 56"/>
           <p:cNvPicPr>
             <a:picLocks noChangeAspect="1"/>
           </p:cNvPicPr>
@@ -11159,8 +11697,8 @@
         </p:blipFill>
         <p:spPr>
           <a:xfrm>
-            <a:off x="25033111" y="9665462"/>
-            <a:ext cx="4770933" cy="3247936"/>
+            <a:off x="20319411" y="9626130"/>
+            <a:ext cx="4840722" cy="3295448"/>
           </a:xfrm>
           <a:prstGeom prst="rect">
             <a:avLst/>
@@ -11169,7 +11707,7 @@
       </p:pic>
       <p:pic>
         <p:nvPicPr>
-          <p:cNvPr id="35" name="圖片 34"/>
+          <p:cNvPr id="58" name="圖片 57"/>
           <p:cNvPicPr>
             <a:picLocks noChangeAspect="1"/>
           </p:cNvPicPr>
@@ -11189,8 +11727,8 @@
         </p:blipFill>
         <p:spPr>
           <a:xfrm>
-            <a:off x="15774705" y="9787116"/>
-            <a:ext cx="4521516" cy="3078140"/>
+            <a:off x="15707755" y="9709497"/>
+            <a:ext cx="4573275" cy="3113376"/>
           </a:xfrm>
           <a:prstGeom prst="rect">
             <a:avLst/>
@@ -11199,7 +11737,7 @@
       </p:pic>
       <p:pic>
         <p:nvPicPr>
-          <p:cNvPr id="42" name="圖片 41"/>
+          <p:cNvPr id="59" name="圖片 58"/>
           <p:cNvPicPr>
             <a:picLocks noChangeAspect="1"/>
           </p:cNvPicPr>
@@ -11219,8 +11757,8 @@
         </p:blipFill>
         <p:spPr>
           <a:xfrm>
-            <a:off x="20388502" y="9825873"/>
-            <a:ext cx="4575821" cy="3115109"/>
+            <a:off x="24997327" y="9690156"/>
+            <a:ext cx="4693163" cy="3194993"/>
           </a:xfrm>
           <a:prstGeom prst="rect">
             <a:avLst/>
@@ -11229,7 +11767,7 @@
       </p:pic>
       <p:pic>
         <p:nvPicPr>
-          <p:cNvPr id="43" name="圖片 42"/>
+          <p:cNvPr id="60" name="圖片 59"/>
           <p:cNvPicPr>
             <a:picLocks noChangeAspect="1"/>
           </p:cNvPicPr>
@@ -11249,8 +11787,8 @@
         </p:blipFill>
         <p:spPr>
           <a:xfrm>
-            <a:off x="16793601" y="24015121"/>
-            <a:ext cx="6080684" cy="4139584"/>
+            <a:off x="16312847" y="24067846"/>
+            <a:ext cx="6204431" cy="4234770"/>
           </a:xfrm>
           <a:prstGeom prst="rect">
             <a:avLst/>
@@ -11259,7 +11797,7 @@
       </p:pic>
       <p:pic>
         <p:nvPicPr>
-          <p:cNvPr id="50" name="圖片 49"/>
+          <p:cNvPr id="61" name="圖片 60"/>
           <p:cNvPicPr>
             <a:picLocks noChangeAspect="1"/>
           </p:cNvPicPr>
@@ -11279,8 +11817,8 @@
         </p:blipFill>
         <p:spPr>
           <a:xfrm>
-            <a:off x="22638558" y="23832895"/>
-            <a:ext cx="6477642" cy="4409824"/>
+            <a:off x="22917580" y="24051937"/>
+            <a:ext cx="6178428" cy="4206126"/>
           </a:xfrm>
           <a:prstGeom prst="rect">
             <a:avLst/>
@@ -11289,7 +11827,7 @@
       </p:pic>
       <p:pic>
         <p:nvPicPr>
-          <p:cNvPr id="51" name="圖片 50"/>
+          <p:cNvPr id="63" name="圖片 62"/>
           <p:cNvPicPr>
             <a:picLocks noChangeAspect="1"/>
           </p:cNvPicPr>
@@ -11309,24 +11847,1307 @@
         </p:blipFill>
         <p:spPr>
           <a:xfrm>
-            <a:off x="16605296" y="29202212"/>
-            <a:ext cx="6033261" cy="4096658"/>
+            <a:off x="16359212" y="29166515"/>
+            <a:ext cx="6111700" cy="4160699"/>
           </a:xfrm>
           <a:prstGeom prst="rect">
             <a:avLst/>
           </a:prstGeom>
         </p:spPr>
       </p:pic>
+      <mc:AlternateContent xmlns:mc="http://schemas.openxmlformats.org/markup-compatibility/2006">
+        <mc:Choice xmlns:a14="http://schemas.microsoft.com/office/drawing/2010/main" Requires="a14">
+          <p:graphicFrame>
+            <p:nvGraphicFramePr>
+              <p:cNvPr id="66" name="表格 65"/>
+              <p:cNvGraphicFramePr>
+                <a:graphicFrameLocks noGrp="1"/>
+              </p:cNvGraphicFramePr>
+              <p:nvPr>
+                <p:extLst>
+                  <p:ext uri="{D42A27DB-BD31-4B8C-83A1-F6EECF244321}">
+                    <p14:modId xmlns:p14="http://schemas.microsoft.com/office/powerpoint/2010/main" val="872734937"/>
+                  </p:ext>
+                </p:extLst>
+              </p:nvPr>
+            </p:nvGraphicFramePr>
+            <p:xfrm>
+              <a:off x="15626659" y="33937124"/>
+              <a:ext cx="14353607" cy="6918960"/>
+            </p:xfrm>
+            <a:graphic>
+              <a:graphicData uri="http://schemas.openxmlformats.org/drawingml/2006/table">
+                <a:tbl>
+                  <a:tblPr firstRow="1" bandRow="1">
+                    <a:tableStyleId>{5C22544A-7EE6-4342-B048-85BDC9FD1C3A}</a:tableStyleId>
+                  </a:tblPr>
+                  <a:tblGrid>
+                    <a:gridCol w="3097060"/>
+                    <a:gridCol w="2706894"/>
+                    <a:gridCol w="2810845"/>
+                    <a:gridCol w="2810845"/>
+                    <a:gridCol w="2927963"/>
+                  </a:tblGrid>
+                  <a:tr h="707138">
+                    <a:tc>
+                      <a:txBody>
+                        <a:bodyPr/>
+                        <a:lstStyle/>
+                        <a:p>
+                          <a:pPr algn="ctr"/>
+                          <a:r>
+                            <a:rPr lang="en-US" altLang="zh-TW" sz="3200" dirty="0" smtClean="0"/>
+                            <a:t>Fix central</a:t>
+                          </a:r>
+                        </a:p>
+                        <a:p>
+                          <a:pPr algn="ctr"/>
+                          <a:r>
+                            <a:rPr lang="en-US" altLang="zh-TW" sz="3200" dirty="0" smtClean="0"/>
+                            <a:t>(from near highest)</a:t>
+                          </a:r>
+                          <a:endParaRPr lang="zh-TW" altLang="en-US" sz="3200" dirty="0" smtClean="0"/>
+                        </a:p>
+                      </a:txBody>
+                      <a:tcPr/>
+                    </a:tc>
+                    <a:tc>
+                      <a:txBody>
+                        <a:bodyPr/>
+                        <a:lstStyle/>
+                        <a:p>
+                          <a:endParaRPr lang="en-US" altLang="zh-TW" sz="3200" i="1" dirty="0" smtClean="0">
+                            <a:latin typeface="Cambria Math" charset="0"/>
+                          </a:endParaRPr>
+                        </a:p>
+                        <a:p>
+                          <a14:m>
+                            <m:oMathPara xmlns:m="http://schemas.openxmlformats.org/officeDocument/2006/math">
+                              <m:oMathParaPr>
+                                <m:jc m:val="centerGroup"/>
+                              </m:oMathParaPr>
+                              <m:oMath xmlns:m="http://schemas.openxmlformats.org/officeDocument/2006/math">
+                                <m:rad>
+                                  <m:radPr>
+                                    <m:degHide m:val="on"/>
+                                    <m:ctrlPr>
+                                      <a:rPr lang="zh-TW" altLang="en-US" sz="3200" i="1" smtClean="0">
+                                        <a:latin typeface="Cambria Math" charset="0"/>
+                                      </a:rPr>
+                                    </m:ctrlPr>
+                                  </m:radPr>
+                                  <m:deg/>
+                                  <m:e>
+                                    <m:r>
+                                      <a:rPr lang="en-US" altLang="zh-TW" sz="3200" b="1" i="1" smtClean="0">
+                                        <a:latin typeface="Cambria Math" charset="0"/>
+                                      </a:rPr>
+                                      <m:t>𝒔</m:t>
+                                    </m:r>
+                                  </m:e>
+                                </m:rad>
+                                <m:r>
+                                  <a:rPr lang="en-US" altLang="zh-TW" sz="3200" b="1" i="1" smtClean="0">
+                                    <a:latin typeface="Cambria Math" charset="0"/>
+                                  </a:rPr>
+                                  <m:t>=</m:t>
+                                </m:r>
+                                <m:r>
+                                  <a:rPr lang="en-US" altLang="zh-TW" sz="3200" b="1" i="1" smtClean="0">
+                                    <a:latin typeface="Cambria Math" charset="0"/>
+                                  </a:rPr>
+                                  <m:t>𝟓</m:t>
+                                </m:r>
+                                <m:r>
+                                  <a:rPr lang="en-US" altLang="zh-TW" sz="3200" b="1" i="1" smtClean="0">
+                                    <a:latin typeface="Cambria Math" charset="0"/>
+                                  </a:rPr>
+                                  <m:t>𝑻𝒆𝑽</m:t>
+                                </m:r>
+                              </m:oMath>
+                            </m:oMathPara>
+                          </a14:m>
+                          <a:endParaRPr lang="zh-TW" altLang="en-US" sz="3200" dirty="0"/>
+                        </a:p>
+                      </a:txBody>
+                      <a:tcPr/>
+                    </a:tc>
+                    <a:tc>
+                      <a:txBody>
+                        <a:bodyPr/>
+                        <a:lstStyle/>
+                        <a:p>
+                          <a:pPr marL="0" marR="0" indent="0" algn="l" defTabSz="2088078" rtl="0" eaLnBrk="1" fontAlgn="auto" latinLnBrk="0" hangingPunct="1">
+                            <a:lnSpc>
+                              <a:spcPct val="100000"/>
+                            </a:lnSpc>
+                            <a:spcBef>
+                              <a:spcPts val="0"/>
+                            </a:spcBef>
+                            <a:spcAft>
+                              <a:spcPts val="0"/>
+                            </a:spcAft>
+                            <a:buClrTx/>
+                            <a:buSzTx/>
+                            <a:buFontTx/>
+                            <a:buNone/>
+                            <a:tabLst/>
+                            <a:defRPr/>
+                          </a:pPr>
+                          <a:endParaRPr lang="en-US" altLang="zh-TW" sz="3200" i="1" dirty="0" smtClean="0">
+                            <a:latin typeface="Cambria Math" charset="0"/>
+                          </a:endParaRPr>
+                        </a:p>
+                        <a:p>
+                          <a:pPr marL="0" marR="0" indent="0" algn="l" defTabSz="2088078" rtl="0" eaLnBrk="1" fontAlgn="auto" latinLnBrk="0" hangingPunct="1">
+                            <a:lnSpc>
+                              <a:spcPct val="100000"/>
+                            </a:lnSpc>
+                            <a:spcBef>
+                              <a:spcPts val="0"/>
+                            </a:spcBef>
+                            <a:spcAft>
+                              <a:spcPts val="0"/>
+                            </a:spcAft>
+                            <a:buClrTx/>
+                            <a:buSzTx/>
+                            <a:buFontTx/>
+                            <a:buNone/>
+                            <a:tabLst/>
+                            <a:defRPr/>
+                          </a:pPr>
+                          <a14:m>
+                            <m:oMathPara xmlns:m="http://schemas.openxmlformats.org/officeDocument/2006/math">
+                              <m:oMathParaPr>
+                                <m:jc m:val="centerGroup"/>
+                              </m:oMathParaPr>
+                              <m:oMath xmlns:m="http://schemas.openxmlformats.org/officeDocument/2006/math">
+                                <m:rad>
+                                  <m:radPr>
+                                    <m:degHide m:val="on"/>
+                                    <m:ctrlPr>
+                                      <a:rPr lang="zh-TW" altLang="en-US" sz="3200" i="1" smtClean="0">
+                                        <a:latin typeface="Cambria Math" charset="0"/>
+                                      </a:rPr>
+                                    </m:ctrlPr>
+                                  </m:radPr>
+                                  <m:deg/>
+                                  <m:e>
+                                    <m:r>
+                                      <a:rPr lang="en-US" altLang="zh-TW" sz="3200" b="1" i="1" smtClean="0">
+                                        <a:latin typeface="Cambria Math" charset="0"/>
+                                      </a:rPr>
+                                      <m:t>𝒔</m:t>
+                                    </m:r>
+                                  </m:e>
+                                </m:rad>
+                                <m:r>
+                                  <a:rPr lang="en-US" altLang="zh-TW" sz="3200" b="1" i="1" smtClean="0">
+                                    <a:latin typeface="Cambria Math" charset="0"/>
+                                  </a:rPr>
+                                  <m:t>=</m:t>
+                                </m:r>
+                                <m:r>
+                                  <a:rPr lang="en-US" altLang="zh-TW" sz="3200" b="1" i="1" smtClean="0">
+                                    <a:latin typeface="Cambria Math" charset="0"/>
+                                  </a:rPr>
+                                  <m:t>𝟏𝟎</m:t>
+                                </m:r>
+                                <m:r>
+                                  <a:rPr lang="en-US" altLang="zh-TW" sz="3200" b="1" i="1" smtClean="0">
+                                    <a:latin typeface="Cambria Math" charset="0"/>
+                                  </a:rPr>
+                                  <m:t>𝑻𝒆𝑽</m:t>
+                                </m:r>
+                              </m:oMath>
+                            </m:oMathPara>
+                          </a14:m>
+                          <a:endParaRPr lang="zh-TW" altLang="en-US" sz="3200" dirty="0"/>
+                        </a:p>
+                      </a:txBody>
+                      <a:tcPr/>
+                    </a:tc>
+                    <a:tc>
+                      <a:txBody>
+                        <a:bodyPr/>
+                        <a:lstStyle/>
+                        <a:p>
+                          <a:pPr marL="0" marR="0" indent="0" algn="l" defTabSz="2088078" rtl="0" eaLnBrk="1" fontAlgn="auto" latinLnBrk="0" hangingPunct="1">
+                            <a:lnSpc>
+                              <a:spcPct val="100000"/>
+                            </a:lnSpc>
+                            <a:spcBef>
+                              <a:spcPts val="0"/>
+                            </a:spcBef>
+                            <a:spcAft>
+                              <a:spcPts val="0"/>
+                            </a:spcAft>
+                            <a:buClrTx/>
+                            <a:buSzTx/>
+                            <a:buFontTx/>
+                            <a:buNone/>
+                            <a:tabLst/>
+                            <a:defRPr/>
+                          </a:pPr>
+                          <a:endParaRPr lang="en-US" altLang="zh-TW" sz="3200" i="1" dirty="0" smtClean="0">
+                            <a:latin typeface="Cambria Math" charset="0"/>
+                          </a:endParaRPr>
+                        </a:p>
+                        <a:p>
+                          <a:pPr marL="0" marR="0" indent="0" algn="l" defTabSz="2088078" rtl="0" eaLnBrk="1" fontAlgn="auto" latinLnBrk="0" hangingPunct="1">
+                            <a:lnSpc>
+                              <a:spcPct val="100000"/>
+                            </a:lnSpc>
+                            <a:spcBef>
+                              <a:spcPts val="0"/>
+                            </a:spcBef>
+                            <a:spcAft>
+                              <a:spcPts val="0"/>
+                            </a:spcAft>
+                            <a:buClrTx/>
+                            <a:buSzTx/>
+                            <a:buFontTx/>
+                            <a:buNone/>
+                            <a:tabLst/>
+                            <a:defRPr/>
+                          </a:pPr>
+                          <a14:m>
+                            <m:oMathPara xmlns:m="http://schemas.openxmlformats.org/officeDocument/2006/math">
+                              <m:oMathParaPr>
+                                <m:jc m:val="centerGroup"/>
+                              </m:oMathParaPr>
+                              <m:oMath xmlns:m="http://schemas.openxmlformats.org/officeDocument/2006/math">
+                                <m:rad>
+                                  <m:radPr>
+                                    <m:degHide m:val="on"/>
+                                    <m:ctrlPr>
+                                      <a:rPr lang="zh-TW" altLang="en-US" sz="3200" i="1" smtClean="0">
+                                        <a:latin typeface="Cambria Math" charset="0"/>
+                                      </a:rPr>
+                                    </m:ctrlPr>
+                                  </m:radPr>
+                                  <m:deg/>
+                                  <m:e>
+                                    <m:r>
+                                      <a:rPr lang="en-US" altLang="zh-TW" sz="3200" b="1" i="1" smtClean="0">
+                                        <a:latin typeface="Cambria Math" charset="0"/>
+                                      </a:rPr>
+                                      <m:t>𝒔</m:t>
+                                    </m:r>
+                                  </m:e>
+                                </m:rad>
+                                <m:r>
+                                  <a:rPr lang="en-US" altLang="zh-TW" sz="3200" b="1" i="1" smtClean="0">
+                                    <a:latin typeface="Cambria Math" charset="0"/>
+                                  </a:rPr>
+                                  <m:t>=</m:t>
+                                </m:r>
+                                <m:r>
+                                  <a:rPr lang="en-US" altLang="zh-TW" sz="3200" b="1" i="1" smtClean="0">
+                                    <a:latin typeface="Cambria Math" charset="0"/>
+                                  </a:rPr>
+                                  <m:t>𝟐𝟎</m:t>
+                                </m:r>
+                                <m:r>
+                                  <a:rPr lang="en-US" altLang="zh-TW" sz="3200" b="1" i="1" smtClean="0">
+                                    <a:latin typeface="Cambria Math" charset="0"/>
+                                  </a:rPr>
+                                  <m:t>𝑻𝒆𝑽</m:t>
+                                </m:r>
+                              </m:oMath>
+                            </m:oMathPara>
+                          </a14:m>
+                          <a:endParaRPr lang="zh-TW" altLang="en-US" sz="3200" dirty="0"/>
+                        </a:p>
+                      </a:txBody>
+                      <a:tcPr/>
+                    </a:tc>
+                    <a:tc>
+                      <a:txBody>
+                        <a:bodyPr/>
+                        <a:lstStyle/>
+                        <a:p>
+                          <a:pPr marL="0" marR="0" indent="0" algn="l" defTabSz="2088078" rtl="0" eaLnBrk="1" fontAlgn="auto" latinLnBrk="0" hangingPunct="1">
+                            <a:lnSpc>
+                              <a:spcPct val="100000"/>
+                            </a:lnSpc>
+                            <a:spcBef>
+                              <a:spcPts val="0"/>
+                            </a:spcBef>
+                            <a:spcAft>
+                              <a:spcPts val="0"/>
+                            </a:spcAft>
+                            <a:buClrTx/>
+                            <a:buSzTx/>
+                            <a:buFontTx/>
+                            <a:buNone/>
+                            <a:tabLst/>
+                            <a:defRPr/>
+                          </a:pPr>
+                          <a:endParaRPr lang="en-US" altLang="zh-TW" sz="3200" i="1" dirty="0" smtClean="0">
+                            <a:latin typeface="Cambria Math" charset="0"/>
+                          </a:endParaRPr>
+                        </a:p>
+                        <a:p>
+                          <a:pPr marL="0" marR="0" indent="0" algn="l" defTabSz="2088078" rtl="0" eaLnBrk="1" fontAlgn="auto" latinLnBrk="0" hangingPunct="1">
+                            <a:lnSpc>
+                              <a:spcPct val="100000"/>
+                            </a:lnSpc>
+                            <a:spcBef>
+                              <a:spcPts val="0"/>
+                            </a:spcBef>
+                            <a:spcAft>
+                              <a:spcPts val="0"/>
+                            </a:spcAft>
+                            <a:buClrTx/>
+                            <a:buSzTx/>
+                            <a:buFontTx/>
+                            <a:buNone/>
+                            <a:tabLst/>
+                            <a:defRPr/>
+                          </a:pPr>
+                          <a14:m>
+                            <m:oMathPara xmlns:m="http://schemas.openxmlformats.org/officeDocument/2006/math">
+                              <m:oMathParaPr>
+                                <m:jc m:val="centerGroup"/>
+                              </m:oMathParaPr>
+                              <m:oMath xmlns:m="http://schemas.openxmlformats.org/officeDocument/2006/math">
+                                <m:rad>
+                                  <m:radPr>
+                                    <m:degHide m:val="on"/>
+                                    <m:ctrlPr>
+                                      <a:rPr lang="zh-TW" altLang="en-US" sz="3200" i="1" smtClean="0">
+                                        <a:latin typeface="Cambria Math" charset="0"/>
+                                      </a:rPr>
+                                    </m:ctrlPr>
+                                  </m:radPr>
+                                  <m:deg/>
+                                  <m:e>
+                                    <m:r>
+                                      <a:rPr lang="en-US" altLang="zh-TW" sz="3200" b="1" i="1" smtClean="0">
+                                        <a:latin typeface="Cambria Math" charset="0"/>
+                                      </a:rPr>
+                                      <m:t>𝒔</m:t>
+                                    </m:r>
+                                  </m:e>
+                                </m:rad>
+                                <m:r>
+                                  <a:rPr lang="en-US" altLang="zh-TW" sz="3200" b="1" i="1" smtClean="0">
+                                    <a:latin typeface="Cambria Math" charset="0"/>
+                                  </a:rPr>
+                                  <m:t>=</m:t>
+                                </m:r>
+                                <m:r>
+                                  <a:rPr lang="en-US" altLang="zh-TW" sz="3200" b="1" i="1" smtClean="0">
+                                    <a:latin typeface="Cambria Math" charset="0"/>
+                                  </a:rPr>
+                                  <m:t>𝟒𝟎</m:t>
+                                </m:r>
+                                <m:r>
+                                  <a:rPr lang="en-US" altLang="zh-TW" sz="3200" b="1" i="1" smtClean="0">
+                                    <a:latin typeface="Cambria Math" charset="0"/>
+                                  </a:rPr>
+                                  <m:t>𝑻𝒆𝑽</m:t>
+                                </m:r>
+                              </m:oMath>
+                            </m:oMathPara>
+                          </a14:m>
+                          <a:endParaRPr lang="zh-TW" altLang="en-US" sz="3200" dirty="0"/>
+                        </a:p>
+                      </a:txBody>
+                      <a:tcPr/>
+                    </a:tc>
+                  </a:tr>
+                  <a:tr h="610080">
+                    <a:tc>
+                      <a:txBody>
+                        <a:bodyPr/>
+                        <a:lstStyle/>
+                        <a:p>
+                          <a14:m>
+                            <m:oMathPara xmlns:m="http://schemas.openxmlformats.org/officeDocument/2006/math">
+                              <m:oMathParaPr>
+                                <m:jc m:val="centerGroup"/>
+                              </m:oMathParaPr>
+                              <m:oMath xmlns:m="http://schemas.openxmlformats.org/officeDocument/2006/math">
+                                <m:r>
+                                  <a:rPr lang="en-US" altLang="zh-TW" sz="3200" b="0" i="1" dirty="0" smtClean="0">
+                                    <a:latin typeface="Cambria Math" charset="0"/>
+                                    <a:ea typeface="Cambria Math" charset="0"/>
+                                    <a:cs typeface="Cambria Math" charset="0"/>
+                                  </a:rPr>
+                                  <m:t>𝛽</m:t>
+                                </m:r>
+                                <m:r>
+                                  <a:rPr lang="en-US" altLang="zh-TW" sz="3200" b="0" i="1" dirty="0" smtClean="0">
+                                    <a:latin typeface="Cambria Math" charset="0"/>
+                                    <a:ea typeface="Cambria Math" charset="0"/>
+                                    <a:cs typeface="Cambria Math" charset="0"/>
+                                  </a:rPr>
+                                  <m:t>=0</m:t>
+                                </m:r>
+                              </m:oMath>
+                            </m:oMathPara>
+                          </a14:m>
+                          <a:endParaRPr lang="en-US" altLang="zh-TW" sz="3200" dirty="0" smtClean="0"/>
+                        </a:p>
+                        <a:p>
+                          <a:pPr algn="ctr"/>
+                          <a:r>
+                            <a:rPr lang="en-US" altLang="zh-TW" sz="3200" dirty="0" smtClean="0"/>
+                            <a:t>Signal=WW</a:t>
+                          </a:r>
+                          <a:endParaRPr lang="zh-TW" altLang="en-US" sz="3200" dirty="0"/>
+                        </a:p>
+                      </a:txBody>
+                      <a:tcPr/>
+                    </a:tc>
+                    <a:tc>
+                      <a:txBody>
+                        <a:bodyPr/>
+                        <a:lstStyle/>
+                        <a:p>
+                          <a:pPr algn="ctr"/>
+                          <a:r>
+                            <a:rPr lang="en-US" altLang="zh-TW" dirty="0" smtClean="0"/>
+                            <a:t>o</a:t>
+                          </a:r>
+                          <a:endParaRPr lang="zh-TW" altLang="en-US" dirty="0"/>
+                        </a:p>
+                      </a:txBody>
+                      <a:tcPr/>
+                    </a:tc>
+                    <a:tc>
+                      <a:txBody>
+                        <a:bodyPr/>
+                        <a:lstStyle/>
+                        <a:p>
+                          <a:pPr algn="ctr"/>
+                          <a:r>
+                            <a:rPr lang="en-US" altLang="zh-TW" dirty="0" smtClean="0"/>
+                            <a:t>o</a:t>
+                          </a:r>
+                          <a:endParaRPr lang="zh-TW" altLang="en-US" dirty="0"/>
+                        </a:p>
+                      </a:txBody>
+                      <a:tcPr/>
+                    </a:tc>
+                    <a:tc>
+                      <a:txBody>
+                        <a:bodyPr/>
+                        <a:lstStyle/>
+                        <a:p>
+                          <a:pPr algn="ctr"/>
+                          <a:r>
+                            <a:rPr lang="en-US" altLang="zh-TW" dirty="0" smtClean="0"/>
+                            <a:t>x</a:t>
+                          </a:r>
+                          <a:endParaRPr lang="zh-TW" altLang="en-US" dirty="0"/>
+                        </a:p>
+                      </a:txBody>
+                      <a:tcPr/>
+                    </a:tc>
+                    <a:tc>
+                      <a:txBody>
+                        <a:bodyPr/>
+                        <a:lstStyle/>
+                        <a:p>
+                          <a:pPr algn="ctr"/>
+                          <a:r>
+                            <a:rPr lang="en-US" altLang="zh-TW" dirty="0" smtClean="0"/>
+                            <a:t>x</a:t>
+                          </a:r>
+                          <a:endParaRPr lang="zh-TW" altLang="en-US" dirty="0"/>
+                        </a:p>
+                      </a:txBody>
+                      <a:tcPr/>
+                    </a:tc>
+                  </a:tr>
+                  <a:tr h="610080">
+                    <a:tc>
+                      <a:txBody>
+                        <a:bodyPr/>
+                        <a:lstStyle/>
+                        <a:p>
+                          <a14:m>
+                            <m:oMathPara xmlns:m="http://schemas.openxmlformats.org/officeDocument/2006/math">
+                              <m:oMathParaPr>
+                                <m:jc m:val="centerGroup"/>
+                              </m:oMathParaPr>
+                              <m:oMath xmlns:m="http://schemas.openxmlformats.org/officeDocument/2006/math">
+                                <m:r>
+                                  <a:rPr lang="en-US" altLang="zh-TW" sz="3200" b="0" i="1" dirty="0" smtClean="0">
+                                    <a:latin typeface="Cambria Math" charset="0"/>
+                                    <a:ea typeface="Cambria Math" charset="0"/>
+                                    <a:cs typeface="Cambria Math" charset="0"/>
+                                  </a:rPr>
+                                  <m:t>𝛽</m:t>
+                                </m:r>
+                                <m:r>
+                                  <a:rPr lang="en-US" altLang="zh-TW" sz="3200" b="0" i="1" dirty="0" smtClean="0">
+                                    <a:latin typeface="Cambria Math" charset="0"/>
+                                    <a:ea typeface="Cambria Math" charset="0"/>
+                                    <a:cs typeface="Cambria Math" charset="0"/>
+                                  </a:rPr>
+                                  <m:t>=0</m:t>
+                                </m:r>
+                              </m:oMath>
+                            </m:oMathPara>
+                          </a14:m>
+                          <a:endParaRPr lang="en-US" altLang="zh-TW" sz="3200" dirty="0" smtClean="0"/>
+                        </a:p>
+                        <a:p>
+                          <a:pPr algn="ctr"/>
+                          <a:r>
+                            <a:rPr lang="en-US" altLang="zh-TW" sz="3200" dirty="0" smtClean="0"/>
+                            <a:t>Signal=</a:t>
+                          </a:r>
+                          <a:r>
+                            <a:rPr lang="en-US" altLang="zh-TW" sz="3200" dirty="0" err="1" smtClean="0"/>
+                            <a:t>tt</a:t>
+                          </a:r>
+                          <a:endParaRPr lang="zh-TW" altLang="en-US" sz="3200" dirty="0"/>
+                        </a:p>
+                      </a:txBody>
+                      <a:tcPr/>
+                    </a:tc>
+                    <a:tc>
+                      <a:txBody>
+                        <a:bodyPr/>
+                        <a:lstStyle/>
+                        <a:p>
+                          <a:pPr algn="ctr"/>
+                          <a:r>
+                            <a:rPr lang="en-US" altLang="zh-TW" dirty="0" smtClean="0"/>
+                            <a:t>x</a:t>
+                          </a:r>
+                          <a:endParaRPr lang="zh-TW" altLang="en-US" dirty="0"/>
+                        </a:p>
+                      </a:txBody>
+                      <a:tcPr/>
+                    </a:tc>
+                    <a:tc>
+                      <a:txBody>
+                        <a:bodyPr/>
+                        <a:lstStyle/>
+                        <a:p>
+                          <a:pPr algn="ctr"/>
+                          <a:r>
+                            <a:rPr lang="en-US" altLang="zh-TW" dirty="0" smtClean="0"/>
+                            <a:t>o</a:t>
+                          </a:r>
+                          <a:endParaRPr lang="zh-TW" altLang="en-US" dirty="0"/>
+                        </a:p>
+                      </a:txBody>
+                      <a:tcPr/>
+                    </a:tc>
+                    <a:tc>
+                      <a:txBody>
+                        <a:bodyPr/>
+                        <a:lstStyle/>
+                        <a:p>
+                          <a:pPr algn="ctr"/>
+                          <a:r>
+                            <a:rPr lang="en-US" altLang="zh-TW" dirty="0" smtClean="0"/>
+                            <a:t>o</a:t>
+                          </a:r>
+                          <a:endParaRPr lang="zh-TW" altLang="en-US" dirty="0"/>
+                        </a:p>
+                      </a:txBody>
+                      <a:tcPr/>
+                    </a:tc>
+                    <a:tc>
+                      <a:txBody>
+                        <a:bodyPr/>
+                        <a:lstStyle/>
+                        <a:p>
+                          <a:pPr algn="ctr"/>
+                          <a:r>
+                            <a:rPr lang="en-US" altLang="zh-TW" dirty="0" smtClean="0"/>
+                            <a:t>x</a:t>
+                          </a:r>
+                          <a:endParaRPr lang="zh-TW" altLang="en-US" dirty="0"/>
+                        </a:p>
+                      </a:txBody>
+                      <a:tcPr/>
+                    </a:tc>
+                  </a:tr>
+                  <a:tr h="610080">
+                    <a:tc>
+                      <a:txBody>
+                        <a:bodyPr/>
+                        <a:lstStyle/>
+                        <a:p>
+                          <a14:m>
+                            <m:oMathPara xmlns:m="http://schemas.openxmlformats.org/officeDocument/2006/math">
+                              <m:oMathParaPr>
+                                <m:jc m:val="centerGroup"/>
+                              </m:oMathParaPr>
+                              <m:oMath xmlns:m="http://schemas.openxmlformats.org/officeDocument/2006/math">
+                                <m:r>
+                                  <a:rPr lang="en-US" altLang="zh-TW" sz="3200" b="0" i="1" dirty="0" smtClean="0">
+                                    <a:latin typeface="Cambria Math" charset="0"/>
+                                    <a:ea typeface="Cambria Math" charset="0"/>
+                                    <a:cs typeface="Cambria Math" charset="0"/>
+                                  </a:rPr>
+                                  <m:t>𝛽</m:t>
+                                </m:r>
+                                <m:r>
+                                  <a:rPr lang="en-US" altLang="zh-TW" sz="3200" b="0" i="1" dirty="0" smtClean="0">
+                                    <a:latin typeface="Cambria Math" charset="0"/>
+                                    <a:ea typeface="Cambria Math" charset="0"/>
+                                    <a:cs typeface="Cambria Math" charset="0"/>
+                                  </a:rPr>
+                                  <m:t>=2</m:t>
+                                </m:r>
+                              </m:oMath>
+                            </m:oMathPara>
+                          </a14:m>
+                          <a:endParaRPr lang="en-US" altLang="zh-TW" sz="3200" dirty="0" smtClean="0"/>
+                        </a:p>
+                        <a:p>
+                          <a:pPr algn="ctr"/>
+                          <a:r>
+                            <a:rPr lang="en-US" altLang="zh-TW" sz="3200" dirty="0" smtClean="0"/>
+                            <a:t>Signal=WW</a:t>
+                          </a:r>
+                          <a:endParaRPr lang="zh-TW" altLang="en-US" sz="3200" dirty="0"/>
+                        </a:p>
+                      </a:txBody>
+                      <a:tcPr/>
+                    </a:tc>
+                    <a:tc>
+                      <a:txBody>
+                        <a:bodyPr/>
+                        <a:lstStyle/>
+                        <a:p>
+                          <a:pPr algn="ctr"/>
+                          <a:r>
+                            <a:rPr lang="en-US" altLang="zh-TW" dirty="0" smtClean="0"/>
+                            <a:t>x</a:t>
+                          </a:r>
+                          <a:endParaRPr lang="zh-TW" altLang="en-US" dirty="0"/>
+                        </a:p>
+                      </a:txBody>
+                      <a:tcPr/>
+                    </a:tc>
+                    <a:tc>
+                      <a:txBody>
+                        <a:bodyPr/>
+                        <a:lstStyle/>
+                        <a:p>
+                          <a:pPr algn="ctr"/>
+                          <a:r>
+                            <a:rPr lang="en-US" altLang="zh-TW" dirty="0" smtClean="0"/>
+                            <a:t>x</a:t>
+                          </a:r>
+                          <a:endParaRPr lang="zh-TW" altLang="en-US" dirty="0"/>
+                        </a:p>
+                      </a:txBody>
+                      <a:tcPr/>
+                    </a:tc>
+                    <a:tc>
+                      <a:txBody>
+                        <a:bodyPr/>
+                        <a:lstStyle/>
+                        <a:p>
+                          <a:pPr algn="ctr"/>
+                          <a:r>
+                            <a:rPr lang="en-US" altLang="zh-TW" dirty="0" smtClean="0"/>
+                            <a:t>x</a:t>
+                          </a:r>
+                          <a:endParaRPr lang="zh-TW" altLang="en-US" dirty="0"/>
+                        </a:p>
+                      </a:txBody>
+                      <a:tcPr/>
+                    </a:tc>
+                    <a:tc>
+                      <a:txBody>
+                        <a:bodyPr/>
+                        <a:lstStyle/>
+                        <a:p>
+                          <a:pPr algn="ctr"/>
+                          <a:r>
+                            <a:rPr lang="en-US" altLang="zh-TW" dirty="0" smtClean="0"/>
+                            <a:t>x</a:t>
+                          </a:r>
+                          <a:endParaRPr lang="zh-TW" altLang="en-US" dirty="0"/>
+                        </a:p>
+                      </a:txBody>
+                      <a:tcPr/>
+                    </a:tc>
+                  </a:tr>
+                  <a:tr h="610080">
+                    <a:tc>
+                      <a:txBody>
+                        <a:bodyPr/>
+                        <a:lstStyle/>
+                        <a:p>
+                          <a:pPr/>
+                          <a14:m>
+                            <m:oMathPara xmlns:m="http://schemas.openxmlformats.org/officeDocument/2006/math">
+                              <m:oMathParaPr>
+                                <m:jc m:val="centerGroup"/>
+                              </m:oMathParaPr>
+                              <m:oMath xmlns:m="http://schemas.openxmlformats.org/officeDocument/2006/math">
+                                <m:r>
+                                  <a:rPr lang="en-US" altLang="zh-TW" sz="3200" b="0" i="1" dirty="0" smtClean="0">
+                                    <a:latin typeface="Cambria Math" charset="0"/>
+                                    <a:ea typeface="Cambria Math" charset="0"/>
+                                    <a:cs typeface="Cambria Math" charset="0"/>
+                                  </a:rPr>
+                                  <m:t>𝛽</m:t>
+                                </m:r>
+                                <m:r>
+                                  <a:rPr lang="en-US" altLang="zh-TW" sz="3200" b="0" i="1" dirty="0" smtClean="0">
+                                    <a:latin typeface="Cambria Math" charset="0"/>
+                                    <a:ea typeface="Cambria Math" charset="0"/>
+                                    <a:cs typeface="Cambria Math" charset="0"/>
+                                  </a:rPr>
+                                  <m:t>=2</m:t>
+                                </m:r>
+                              </m:oMath>
+                            </m:oMathPara>
+                          </a14:m>
+                          <a:endParaRPr lang="en-US" altLang="zh-TW" sz="3200" dirty="0" smtClean="0"/>
+                        </a:p>
+                        <a:p>
+                          <a:pPr algn="ctr"/>
+                          <a:r>
+                            <a:rPr lang="en-US" altLang="zh-TW" sz="3200" dirty="0" smtClean="0"/>
+                            <a:t>Signal=</a:t>
+                          </a:r>
+                          <a:r>
+                            <a:rPr lang="en-US" altLang="zh-TW" sz="3200" dirty="0" err="1" smtClean="0"/>
+                            <a:t>tt</a:t>
+                          </a:r>
+                          <a:endParaRPr lang="zh-TW" altLang="en-US" sz="3200" dirty="0"/>
+                        </a:p>
+                      </a:txBody>
+                      <a:tcPr/>
+                    </a:tc>
+                    <a:tc>
+                      <a:txBody>
+                        <a:bodyPr/>
+                        <a:lstStyle/>
+                        <a:p>
+                          <a:pPr algn="ctr"/>
+                          <a:r>
+                            <a:rPr lang="en-US" altLang="zh-TW" dirty="0" smtClean="0"/>
+                            <a:t>x</a:t>
+                          </a:r>
+                          <a:endParaRPr lang="zh-TW" altLang="en-US" dirty="0"/>
+                        </a:p>
+                      </a:txBody>
+                      <a:tcPr/>
+                    </a:tc>
+                    <a:tc>
+                      <a:txBody>
+                        <a:bodyPr/>
+                        <a:lstStyle/>
+                        <a:p>
+                          <a:pPr algn="ctr"/>
+                          <a:r>
+                            <a:rPr lang="en-US" altLang="zh-TW" dirty="0" smtClean="0"/>
+                            <a:t>x</a:t>
+                          </a:r>
+                          <a:endParaRPr lang="zh-TW" altLang="en-US" dirty="0"/>
+                        </a:p>
+                      </a:txBody>
+                      <a:tcPr/>
+                    </a:tc>
+                    <a:tc>
+                      <a:txBody>
+                        <a:bodyPr/>
+                        <a:lstStyle/>
+                        <a:p>
+                          <a:pPr algn="ctr"/>
+                          <a:r>
+                            <a:rPr lang="en-US" altLang="zh-TW" dirty="0" smtClean="0"/>
+                            <a:t>x</a:t>
+                          </a:r>
+                          <a:endParaRPr lang="zh-TW" altLang="en-US" dirty="0"/>
+                        </a:p>
+                      </a:txBody>
+                      <a:tcPr/>
+                    </a:tc>
+                    <a:tc>
+                      <a:txBody>
+                        <a:bodyPr/>
+                        <a:lstStyle/>
+                        <a:p>
+                          <a:pPr algn="ctr"/>
+                          <a:r>
+                            <a:rPr lang="en-US" altLang="zh-TW" dirty="0" smtClean="0"/>
+                            <a:t>x</a:t>
+                          </a:r>
+                          <a:endParaRPr lang="zh-TW" altLang="en-US" dirty="0"/>
+                        </a:p>
+                      </a:txBody>
+                      <a:tcPr/>
+                    </a:tc>
+                  </a:tr>
+                </a:tbl>
+              </a:graphicData>
+            </a:graphic>
+          </p:graphicFrame>
+        </mc:Choice>
+        <mc:Fallback>
+          <p:graphicFrame>
+            <p:nvGraphicFramePr>
+              <p:cNvPr id="66" name="表格 65"/>
+              <p:cNvGraphicFramePr>
+                <a:graphicFrameLocks noGrp="1"/>
+              </p:cNvGraphicFramePr>
+              <p:nvPr>
+                <p:extLst>
+                  <p:ext uri="{D42A27DB-BD31-4B8C-83A1-F6EECF244321}">
+                    <p14:modId xmlns:p14="http://schemas.microsoft.com/office/powerpoint/2010/main" val="872734937"/>
+                  </p:ext>
+                </p:extLst>
+              </p:nvPr>
+            </p:nvGraphicFramePr>
+            <p:xfrm>
+              <a:off x="15626659" y="33937124"/>
+              <a:ext cx="14353607" cy="6918960"/>
+            </p:xfrm>
+            <a:graphic>
+              <a:graphicData uri="http://schemas.openxmlformats.org/drawingml/2006/table">
+                <a:tbl>
+                  <a:tblPr firstRow="1" bandRow="1">
+                    <a:tableStyleId>{5C22544A-7EE6-4342-B048-85BDC9FD1C3A}</a:tableStyleId>
+                  </a:tblPr>
+                  <a:tblGrid>
+                    <a:gridCol w="3097060"/>
+                    <a:gridCol w="2706894"/>
+                    <a:gridCol w="2810845"/>
+                    <a:gridCol w="2810845"/>
+                    <a:gridCol w="2927963"/>
+                  </a:tblGrid>
+                  <a:tr h="1554480">
+                    <a:tc>
+                      <a:txBody>
+                        <a:bodyPr/>
+                        <a:lstStyle/>
+                        <a:p>
+                          <a:pPr algn="ctr"/>
+                          <a:r>
+                            <a:rPr lang="en-US" altLang="zh-TW" sz="3200" dirty="0" smtClean="0"/>
+                            <a:t>Fix central</a:t>
+                          </a:r>
+                        </a:p>
+                        <a:p>
+                          <a:pPr algn="ctr"/>
+                          <a:r>
+                            <a:rPr lang="en-US" altLang="zh-TW" sz="3200" dirty="0" smtClean="0"/>
+                            <a:t>(from near highest)</a:t>
+                          </a:r>
+                          <a:endParaRPr lang="zh-TW" altLang="en-US" sz="3200" dirty="0" smtClean="0"/>
+                        </a:p>
+                      </a:txBody>
+                      <a:tcPr/>
+                    </a:tc>
+                    <a:tc>
+                      <a:txBody>
+                        <a:bodyPr/>
+                        <a:lstStyle/>
+                        <a:p>
+                          <a:endParaRPr lang="zh-TW"/>
+                        </a:p>
+                      </a:txBody>
+                      <a:tcPr>
+                        <a:blipFill rotWithShape="0">
+                          <a:blip r:embed="rId35"/>
+                          <a:stretch>
+                            <a:fillRect l="-114382" t="-5098" r="-316180" b="-382745"/>
+                          </a:stretch>
+                        </a:blipFill>
+                      </a:tcPr>
+                    </a:tc>
+                    <a:tc>
+                      <a:txBody>
+                        <a:bodyPr/>
+                        <a:lstStyle/>
+                        <a:p>
+                          <a:endParaRPr lang="zh-TW"/>
+                        </a:p>
+                      </a:txBody>
+                      <a:tcPr>
+                        <a:blipFill rotWithShape="0">
+                          <a:blip r:embed="rId35"/>
+                          <a:stretch>
+                            <a:fillRect l="-206941" t="-5098" r="-205206" b="-382745"/>
+                          </a:stretch>
+                        </a:blipFill>
+                      </a:tcPr>
+                    </a:tc>
+                    <a:tc>
+                      <a:txBody>
+                        <a:bodyPr/>
+                        <a:lstStyle/>
+                        <a:p>
+                          <a:endParaRPr lang="zh-TW"/>
+                        </a:p>
+                      </a:txBody>
+                      <a:tcPr>
+                        <a:blipFill rotWithShape="0">
+                          <a:blip r:embed="rId35"/>
+                          <a:stretch>
+                            <a:fillRect l="-306941" t="-5098" r="-105206" b="-382745"/>
+                          </a:stretch>
+                        </a:blipFill>
+                      </a:tcPr>
+                    </a:tc>
+                    <a:tc>
+                      <a:txBody>
+                        <a:bodyPr/>
+                        <a:lstStyle/>
+                        <a:p>
+                          <a:endParaRPr lang="zh-TW"/>
+                        </a:p>
+                      </a:txBody>
+                      <a:tcPr>
+                        <a:blipFill rotWithShape="0">
+                          <a:blip r:embed="rId35"/>
+                          <a:stretch>
+                            <a:fillRect l="-390021" t="-5098" r="-832" b="-382745"/>
+                          </a:stretch>
+                        </a:blipFill>
+                      </a:tcPr>
+                    </a:tc>
+                  </a:tr>
+                  <a:tr h="1341120">
+                    <a:tc>
+                      <a:txBody>
+                        <a:bodyPr/>
+                        <a:lstStyle/>
+                        <a:p>
+                          <a:endParaRPr lang="zh-TW"/>
+                        </a:p>
+                      </a:txBody>
+                      <a:tcPr>
+                        <a:blipFill rotWithShape="0">
+                          <a:blip r:embed="rId35"/>
+                          <a:stretch>
+                            <a:fillRect l="-197" t="-121818" r="-364567" b="-343636"/>
+                          </a:stretch>
+                        </a:blipFill>
+                      </a:tcPr>
+                    </a:tc>
+                    <a:tc>
+                      <a:txBody>
+                        <a:bodyPr/>
+                        <a:lstStyle/>
+                        <a:p>
+                          <a:pPr algn="ctr"/>
+                          <a:r>
+                            <a:rPr lang="en-US" altLang="zh-TW" dirty="0" smtClean="0"/>
+                            <a:t>o</a:t>
+                          </a:r>
+                          <a:endParaRPr lang="zh-TW" altLang="en-US" dirty="0"/>
+                        </a:p>
+                      </a:txBody>
+                      <a:tcPr/>
+                    </a:tc>
+                    <a:tc>
+                      <a:txBody>
+                        <a:bodyPr/>
+                        <a:lstStyle/>
+                        <a:p>
+                          <a:pPr algn="ctr"/>
+                          <a:r>
+                            <a:rPr lang="en-US" altLang="zh-TW" dirty="0" smtClean="0"/>
+                            <a:t>o</a:t>
+                          </a:r>
+                          <a:endParaRPr lang="zh-TW" altLang="en-US" dirty="0"/>
+                        </a:p>
+                      </a:txBody>
+                      <a:tcPr/>
+                    </a:tc>
+                    <a:tc>
+                      <a:txBody>
+                        <a:bodyPr/>
+                        <a:lstStyle/>
+                        <a:p>
+                          <a:pPr algn="ctr"/>
+                          <a:r>
+                            <a:rPr lang="en-US" altLang="zh-TW" dirty="0" smtClean="0"/>
+                            <a:t>x</a:t>
+                          </a:r>
+                          <a:endParaRPr lang="zh-TW" altLang="en-US" dirty="0"/>
+                        </a:p>
+                      </a:txBody>
+                      <a:tcPr/>
+                    </a:tc>
+                    <a:tc>
+                      <a:txBody>
+                        <a:bodyPr/>
+                        <a:lstStyle/>
+                        <a:p>
+                          <a:pPr algn="ctr"/>
+                          <a:r>
+                            <a:rPr lang="en-US" altLang="zh-TW" dirty="0" smtClean="0"/>
+                            <a:t>x</a:t>
+                          </a:r>
+                          <a:endParaRPr lang="zh-TW" altLang="en-US" dirty="0"/>
+                        </a:p>
+                      </a:txBody>
+                      <a:tcPr/>
+                    </a:tc>
+                  </a:tr>
+                  <a:tr h="1341120">
+                    <a:tc>
+                      <a:txBody>
+                        <a:bodyPr/>
+                        <a:lstStyle/>
+                        <a:p>
+                          <a:endParaRPr lang="zh-TW"/>
+                        </a:p>
+                      </a:txBody>
+                      <a:tcPr>
+                        <a:blipFill rotWithShape="0">
+                          <a:blip r:embed="rId35"/>
+                          <a:stretch>
+                            <a:fillRect l="-197" t="-220814" r="-364567" b="-242081"/>
+                          </a:stretch>
+                        </a:blipFill>
+                      </a:tcPr>
+                    </a:tc>
+                    <a:tc>
+                      <a:txBody>
+                        <a:bodyPr/>
+                        <a:lstStyle/>
+                        <a:p>
+                          <a:pPr algn="ctr"/>
+                          <a:r>
+                            <a:rPr lang="en-US" altLang="zh-TW" dirty="0" smtClean="0"/>
+                            <a:t>x</a:t>
+                          </a:r>
+                          <a:endParaRPr lang="zh-TW" altLang="en-US" dirty="0"/>
+                        </a:p>
+                      </a:txBody>
+                      <a:tcPr/>
+                    </a:tc>
+                    <a:tc>
+                      <a:txBody>
+                        <a:bodyPr/>
+                        <a:lstStyle/>
+                        <a:p>
+                          <a:pPr algn="ctr"/>
+                          <a:r>
+                            <a:rPr lang="en-US" altLang="zh-TW" dirty="0" smtClean="0"/>
+                            <a:t>o</a:t>
+                          </a:r>
+                          <a:endParaRPr lang="zh-TW" altLang="en-US" dirty="0"/>
+                        </a:p>
+                      </a:txBody>
+                      <a:tcPr/>
+                    </a:tc>
+                    <a:tc>
+                      <a:txBody>
+                        <a:bodyPr/>
+                        <a:lstStyle/>
+                        <a:p>
+                          <a:pPr algn="ctr"/>
+                          <a:r>
+                            <a:rPr lang="en-US" altLang="zh-TW" dirty="0" smtClean="0"/>
+                            <a:t>o</a:t>
+                          </a:r>
+                          <a:endParaRPr lang="zh-TW" altLang="en-US" dirty="0"/>
+                        </a:p>
+                      </a:txBody>
+                      <a:tcPr/>
+                    </a:tc>
+                    <a:tc>
+                      <a:txBody>
+                        <a:bodyPr/>
+                        <a:lstStyle/>
+                        <a:p>
+                          <a:pPr algn="ctr"/>
+                          <a:r>
+                            <a:rPr lang="en-US" altLang="zh-TW" dirty="0" smtClean="0"/>
+                            <a:t>x</a:t>
+                          </a:r>
+                          <a:endParaRPr lang="zh-TW" altLang="en-US" dirty="0"/>
+                        </a:p>
+                      </a:txBody>
+                      <a:tcPr/>
+                    </a:tc>
+                  </a:tr>
+                  <a:tr h="1341120">
+                    <a:tc>
+                      <a:txBody>
+                        <a:bodyPr/>
+                        <a:lstStyle/>
+                        <a:p>
+                          <a:endParaRPr lang="zh-TW"/>
+                        </a:p>
+                      </a:txBody>
+                      <a:tcPr>
+                        <a:blipFill rotWithShape="0">
+                          <a:blip r:embed="rId35"/>
+                          <a:stretch>
+                            <a:fillRect l="-197" t="-322273" r="-364567" b="-143182"/>
+                          </a:stretch>
+                        </a:blipFill>
+                      </a:tcPr>
+                    </a:tc>
+                    <a:tc>
+                      <a:txBody>
+                        <a:bodyPr/>
+                        <a:lstStyle/>
+                        <a:p>
+                          <a:pPr algn="ctr"/>
+                          <a:r>
+                            <a:rPr lang="en-US" altLang="zh-TW" dirty="0" smtClean="0"/>
+                            <a:t>x</a:t>
+                          </a:r>
+                          <a:endParaRPr lang="zh-TW" altLang="en-US" dirty="0"/>
+                        </a:p>
+                      </a:txBody>
+                      <a:tcPr/>
+                    </a:tc>
+                    <a:tc>
+                      <a:txBody>
+                        <a:bodyPr/>
+                        <a:lstStyle/>
+                        <a:p>
+                          <a:pPr algn="ctr"/>
+                          <a:r>
+                            <a:rPr lang="en-US" altLang="zh-TW" dirty="0" smtClean="0"/>
+                            <a:t>x</a:t>
+                          </a:r>
+                          <a:endParaRPr lang="zh-TW" altLang="en-US" dirty="0"/>
+                        </a:p>
+                      </a:txBody>
+                      <a:tcPr/>
+                    </a:tc>
+                    <a:tc>
+                      <a:txBody>
+                        <a:bodyPr/>
+                        <a:lstStyle/>
+                        <a:p>
+                          <a:pPr algn="ctr"/>
+                          <a:r>
+                            <a:rPr lang="en-US" altLang="zh-TW" dirty="0" smtClean="0"/>
+                            <a:t>x</a:t>
+                          </a:r>
+                          <a:endParaRPr lang="zh-TW" altLang="en-US" dirty="0"/>
+                        </a:p>
+                      </a:txBody>
+                      <a:tcPr/>
+                    </a:tc>
+                    <a:tc>
+                      <a:txBody>
+                        <a:bodyPr/>
+                        <a:lstStyle/>
+                        <a:p>
+                          <a:pPr algn="ctr"/>
+                          <a:r>
+                            <a:rPr lang="en-US" altLang="zh-TW" dirty="0" smtClean="0"/>
+                            <a:t>x</a:t>
+                          </a:r>
+                          <a:endParaRPr lang="zh-TW" altLang="en-US" dirty="0"/>
+                        </a:p>
+                      </a:txBody>
+                      <a:tcPr/>
+                    </a:tc>
+                  </a:tr>
+                  <a:tr h="1341120">
+                    <a:tc>
+                      <a:txBody>
+                        <a:bodyPr/>
+                        <a:lstStyle/>
+                        <a:p>
+                          <a:endParaRPr lang="zh-TW"/>
+                        </a:p>
+                      </a:txBody>
+                      <a:tcPr>
+                        <a:blipFill rotWithShape="0">
+                          <a:blip r:embed="rId35"/>
+                          <a:stretch>
+                            <a:fillRect l="-197" t="-422273" r="-364567" b="-43182"/>
+                          </a:stretch>
+                        </a:blipFill>
+                      </a:tcPr>
+                    </a:tc>
+                    <a:tc>
+                      <a:txBody>
+                        <a:bodyPr/>
+                        <a:lstStyle/>
+                        <a:p>
+                          <a:pPr algn="ctr"/>
+                          <a:r>
+                            <a:rPr lang="en-US" altLang="zh-TW" dirty="0" smtClean="0"/>
+                            <a:t>x</a:t>
+                          </a:r>
+                          <a:endParaRPr lang="zh-TW" altLang="en-US" dirty="0"/>
+                        </a:p>
+                      </a:txBody>
+                      <a:tcPr/>
+                    </a:tc>
+                    <a:tc>
+                      <a:txBody>
+                        <a:bodyPr/>
+                        <a:lstStyle/>
+                        <a:p>
+                          <a:pPr algn="ctr"/>
+                          <a:r>
+                            <a:rPr lang="en-US" altLang="zh-TW" dirty="0" smtClean="0"/>
+                            <a:t>x</a:t>
+                          </a:r>
+                          <a:endParaRPr lang="zh-TW" altLang="en-US" dirty="0"/>
+                        </a:p>
+                      </a:txBody>
+                      <a:tcPr/>
+                    </a:tc>
+                    <a:tc>
+                      <a:txBody>
+                        <a:bodyPr/>
+                        <a:lstStyle/>
+                        <a:p>
+                          <a:pPr algn="ctr"/>
+                          <a:r>
+                            <a:rPr lang="en-US" altLang="zh-TW" dirty="0" smtClean="0"/>
+                            <a:t>x</a:t>
+                          </a:r>
+                          <a:endParaRPr lang="zh-TW" altLang="en-US" dirty="0"/>
+                        </a:p>
+                      </a:txBody>
+                      <a:tcPr/>
+                    </a:tc>
+                    <a:tc>
+                      <a:txBody>
+                        <a:bodyPr/>
+                        <a:lstStyle/>
+                        <a:p>
+                          <a:pPr algn="ctr"/>
+                          <a:r>
+                            <a:rPr lang="en-US" altLang="zh-TW" dirty="0" smtClean="0"/>
+                            <a:t>x</a:t>
+                          </a:r>
+                          <a:endParaRPr lang="zh-TW" altLang="en-US" dirty="0"/>
+                        </a:p>
+                      </a:txBody>
+                      <a:tcPr/>
+                    </a:tc>
+                  </a:tr>
+                </a:tbl>
+              </a:graphicData>
+            </a:graphic>
+          </p:graphicFrame>
+        </mc:Fallback>
+      </mc:AlternateContent>
       <p:pic>
         <p:nvPicPr>
-          <p:cNvPr id="54" name="圖片 53"/>
+          <p:cNvPr id="67" name="圖片 66"/>
           <p:cNvPicPr>
             <a:picLocks noChangeAspect="1"/>
           </p:cNvPicPr>
           <p:nvPr/>
         </p:nvPicPr>
         <p:blipFill>
-          <a:blip r:embed="rId35">
+          <a:blip r:embed="rId36">
             <a:extLst>
               <a:ext uri="{28A0092B-C50C-407E-A947-70E740481C1C}">
                 <a14:useLocalDpi xmlns:a14="http://schemas.microsoft.com/office/drawing/2010/main" val="0"/>
@@ -11339,8 +13160,8 @@
         </p:blipFill>
         <p:spPr>
           <a:xfrm>
-            <a:off x="22917580" y="29243925"/>
-            <a:ext cx="5968692" cy="4063342"/>
+            <a:off x="23034057" y="29223610"/>
+            <a:ext cx="5943963" cy="4046507"/>
           </a:xfrm>
           <a:prstGeom prst="rect">
             <a:avLst/>

--- a/2017_PSROC_poster_Jet substructure.pptx
+++ b/2017_PSROC_poster_Jet substructure.pptx
@@ -3171,7 +3171,7 @@
         </p:blipFill>
         <p:spPr>
           <a:xfrm>
-            <a:off x="2122414" y="28896277"/>
+            <a:off x="2060464" y="29138001"/>
             <a:ext cx="2054102" cy="2017853"/>
           </a:xfrm>
           <a:prstGeom prst="rect">
@@ -4178,7 +4178,7 @@
           <a:graphicData uri="http://schemas.openxmlformats.org/presentationml/2006/ole">
             <mc:AlternateContent xmlns:mc="http://schemas.openxmlformats.org/markup-compatibility/2006">
               <mc:Choice xmlns:v="urn:schemas-microsoft-com:vml" Requires="v">
-                <p:oleObj spid="_x0000_s1622" name="方程式" r:id="rId10" imgW="190500" imgH="152400" progId="Equation.3">
+                <p:oleObj spid="_x0000_s1625" name="方程式" r:id="rId10" imgW="190500" imgH="152400" progId="Equation.3">
                   <p:embed/>
                 </p:oleObj>
               </mc:Choice>
@@ -4224,7 +4224,7 @@
             <p:spPr>
               <a:xfrm>
                 <a:off x="15646236" y="33130071"/>
-                <a:ext cx="11517932" cy="861774"/>
+                <a:ext cx="13449772" cy="861774"/>
               </a:xfrm>
               <a:prstGeom prst="rect">
                 <a:avLst/>
@@ -4244,17 +4244,7 @@
                     <a:latin typeface="Arial" pitchFamily="34" charset="0"/>
                     <a:cs typeface="Arial" pitchFamily="34" charset="0"/>
                   </a:rPr>
-                  <a:t>Summary for soft </a:t>
-                </a:r>
-                <a:r>
-                  <a:rPr lang="en-US" altLang="zh-TW" sz="5000" b="1" dirty="0" smtClean="0">
-                    <a:solidFill>
-                      <a:srgbClr val="C0504D"/>
-                    </a:solidFill>
-                    <a:latin typeface="Arial" pitchFamily="34" charset="0"/>
-                    <a:cs typeface="Arial" pitchFamily="34" charset="0"/>
-                  </a:rPr>
-                  <a:t>drop </a:t>
+                  <a:t>Summary for soft drop </a:t>
                 </a:r>
                 <a:r>
                   <a:rPr lang="en-US" altLang="zh-TW" sz="4800" b="1" dirty="0">
@@ -4286,6 +4276,10 @@
                     </m:r>
                   </m:oMath>
                 </a14:m>
+                <a:r>
+                  <a:rPr lang="en-US" altLang="zh-TW" sz="4800" dirty="0" smtClean="0"/>
+                  <a:t>(CMS)</a:t>
+                </a:r>
                 <a:r>
                   <a:rPr lang="en-US" altLang="zh-TW" sz="4800" dirty="0"/>
                   <a:t>,</a:t>
@@ -4354,7 +4348,7 @@
             <p:spPr>
               <a:xfrm>
                 <a:off x="15646236" y="33130071"/>
-                <a:ext cx="11517932" cy="861774"/>
+                <a:ext cx="13449772" cy="861774"/>
               </a:xfrm>
               <a:prstGeom prst="rect">
                 <a:avLst/>
@@ -4362,7 +4356,7 @@
               <a:blipFill rotWithShape="0">
                 <a:blip r:embed="rId12"/>
                 <a:stretch>
-                  <a:fillRect l="-2541" t="-19149" r="-3494" b="-37589"/>
+                  <a:fillRect l="-2176" t="-19149" b="-37589"/>
                 </a:stretch>
               </a:blipFill>
             </p:spPr>
@@ -5354,8 +5348,8 @@
           </a:p>
         </p:txBody>
       </p:sp>
-      <mc:AlternateContent xmlns:mc="http://schemas.openxmlformats.org/markup-compatibility/2006">
-        <mc:Choice xmlns:a14="http://schemas.microsoft.com/office/drawing/2010/main" Requires="a14">
+      <mc:AlternateContent xmlns:mc="http://schemas.openxmlformats.org/markup-compatibility/2006" xmlns:a14="http://schemas.microsoft.com/office/drawing/2010/main">
+        <mc:Choice Requires="a14">
           <p:sp>
             <p:nvSpPr>
               <p:cNvPr id="86" name="矩形 85"/>
@@ -5537,7 +5531,7 @@
             </p:txBody>
           </p:sp>
         </mc:Choice>
-        <mc:Fallback>
+        <mc:Fallback xmlns="">
           <p:sp>
             <p:nvSpPr>
               <p:cNvPr id="86" name="矩形 85"/>
@@ -5641,7 +5635,7 @@
             </p:nvSpPr>
             <p:spPr>
               <a:xfrm>
-                <a:off x="246159" y="26335489"/>
+                <a:off x="236630" y="26259259"/>
                 <a:ext cx="14853850" cy="13346923"/>
               </a:xfrm>
               <a:prstGeom prst="rect">
@@ -9272,7 +9266,7 @@
             </p:nvSpPr>
             <p:spPr>
               <a:xfrm>
-                <a:off x="246159" y="26335489"/>
+                <a:off x="236630" y="26259259"/>
                 <a:ext cx="14853850" cy="13346923"/>
               </a:xfrm>
               <a:prstGeom prst="rect">
@@ -9281,7 +9275,7 @@
               <a:blipFill rotWithShape="0">
                 <a:blip r:embed="rId15"/>
                 <a:stretch>
-                  <a:fillRect l="-1970" t="-1096"/>
+                  <a:fillRect l="-1970" t="-1142"/>
                 </a:stretch>
               </a:blipFill>
             </p:spPr>
@@ -9311,7 +9305,7 @@
             <p:spPr>
               <a:xfrm>
                 <a:off x="15646236" y="23112753"/>
-                <a:ext cx="10947401" cy="923330"/>
+                <a:ext cx="14354517" cy="923330"/>
               </a:xfrm>
               <a:prstGeom prst="rect">
                 <a:avLst/>
@@ -9351,14 +9345,22 @@
                       </a:rPr>
                       <m:t>=0</m:t>
                     </m:r>
+                    <m:r>
+                      <a:rPr lang="en-US" altLang="zh-TW" sz="5400" b="0" i="0" dirty="0" smtClean="0">
+                        <a:latin typeface="Cambria Math" charset="0"/>
+                        <a:ea typeface="Cambria Math" charset="0"/>
+                        <a:cs typeface="Cambria Math" charset="0"/>
+                      </a:rPr>
+                      <m:t>(</m:t>
+                    </m:r>
                   </m:oMath>
                 </a14:m>
                 <a:r>
                   <a:rPr lang="en-US" altLang="zh-TW" sz="5400" dirty="0" smtClean="0"/>
-                  <a:t>,</a:t>
+                  <a:t>CMS),</a:t>
                 </a:r>
                 <a:r>
-                  <a:rPr lang="en-US" altLang="zh-TW" sz="5400" dirty="0">
+                  <a:rPr lang="en-US" altLang="zh-TW" sz="5400" dirty="0" smtClean="0">
                     <a:ea typeface="Cambria Math" charset="0"/>
                     <a:cs typeface="Cambria Math" charset="0"/>
                   </a:rPr>
@@ -9411,7 +9413,7 @@
             <p:spPr>
               <a:xfrm>
                 <a:off x="15646236" y="23112753"/>
-                <a:ext cx="10947401" cy="923330"/>
+                <a:ext cx="14354517" cy="923330"/>
               </a:xfrm>
               <a:prstGeom prst="rect">
                 <a:avLst/>
@@ -9419,7 +9421,7 @@
               <a:blipFill rotWithShape="0">
                 <a:blip r:embed="rId16"/>
                 <a:stretch>
-                  <a:fillRect l="-2674" t="-17763" r="-56" b="-39474"/>
+                  <a:fillRect l="-2039" t="-17763" b="-39474"/>
                 </a:stretch>
               </a:blipFill>
             </p:spPr>
@@ -9438,8 +9440,8 @@
           </p:sp>
         </mc:Fallback>
       </mc:AlternateContent>
-      <mc:AlternateContent xmlns:mc="http://schemas.openxmlformats.org/markup-compatibility/2006">
-        <mc:Choice xmlns:a14="http://schemas.microsoft.com/office/drawing/2010/main" Requires="a14">
+      <mc:AlternateContent xmlns:mc="http://schemas.openxmlformats.org/markup-compatibility/2006" xmlns:a14="http://schemas.microsoft.com/office/drawing/2010/main">
+        <mc:Choice Requires="a14">
           <p:sp>
             <p:nvSpPr>
               <p:cNvPr id="91" name="矩形 90"/>
@@ -9469,17 +9471,7 @@
                     <a:latin typeface="Arial" pitchFamily="34" charset="0"/>
                     <a:cs typeface="Arial" pitchFamily="34" charset="0"/>
                   </a:rPr>
-                  <a:t>Variables Study </a:t>
-                </a:r>
-                <a:r>
-                  <a:rPr lang="en-US" altLang="zh-TW" sz="5000" b="1" dirty="0" smtClean="0">
-                    <a:solidFill>
-                      <a:srgbClr val="C0504D"/>
-                    </a:solidFill>
-                    <a:latin typeface="Arial" pitchFamily="34" charset="0"/>
-                    <a:cs typeface="Arial" pitchFamily="34" charset="0"/>
-                  </a:rPr>
-                  <a:t>in </a:t>
+                  <a:t>Variables Study in </a:t>
                 </a:r>
                 <a14:m>
                   <m:oMath xmlns:m="http://schemas.openxmlformats.org/officeDocument/2006/math">
@@ -9631,7 +9623,7 @@
             </p:txBody>
           </p:sp>
         </mc:Choice>
-        <mc:Fallback>
+        <mc:Fallback xmlns="">
           <p:sp>
             <p:nvSpPr>
               <p:cNvPr id="91" name="矩形 90"/>
@@ -9760,17 +9752,7 @@
                 <a:latin typeface="Arial" pitchFamily="34" charset="0"/>
                 <a:cs typeface="Arial" pitchFamily="34" charset="0"/>
               </a:rPr>
-              <a:t>Background </a:t>
-            </a:r>
-            <a:r>
-              <a:rPr lang="en-US" altLang="zh-TW" sz="4800" b="1" dirty="0" smtClean="0">
-                <a:solidFill>
-                  <a:srgbClr val="C0504D"/>
-                </a:solidFill>
-                <a:latin typeface="Arial" pitchFamily="34" charset="0"/>
-                <a:cs typeface="Arial" pitchFamily="34" charset="0"/>
-              </a:rPr>
-              <a:t>Process:</a:t>
+              <a:t>Background Process:</a:t>
             </a:r>
             <a:r>
               <a:rPr lang="en-US" altLang="zh-TW" sz="4800" b="1" dirty="0" smtClean="0">
@@ -11013,8 +10995,8 @@
           </a:prstGeom>
         </p:spPr>
       </p:pic>
-      <mc:AlternateContent xmlns:mc="http://schemas.openxmlformats.org/markup-compatibility/2006">
-        <mc:Choice xmlns:a14="http://schemas.microsoft.com/office/drawing/2010/main" Requires="a14">
+      <mc:AlternateContent xmlns:mc="http://schemas.openxmlformats.org/markup-compatibility/2006" xmlns:a14="http://schemas.microsoft.com/office/drawing/2010/main">
+        <mc:Choice Requires="a14">
           <p:sp>
             <p:nvSpPr>
               <p:cNvPr id="16" name="文字方塊 15"/>
@@ -11039,15 +11021,7 @@
               <a:p>
                 <a:r>
                   <a:rPr kumimoji="1" lang="en-US" altLang="zh-TW" sz="3600" dirty="0" smtClean="0"/>
-                  <a:t>1. </a:t>
-                </a:r>
-                <a:r>
-                  <a:rPr kumimoji="1" lang="en-US" altLang="zh-TW" sz="3600" dirty="0" smtClean="0"/>
-                  <a:t>For</a:t>
-                </a:r>
-                <a:r>
-                  <a:rPr kumimoji="1" lang="en-US" altLang="zh-TW" sz="3600" dirty="0" smtClean="0"/>
-                  <a:t> </a:t>
+                  <a:t>1. For </a:t>
                 </a:r>
                 <a14:m>
                   <m:oMath xmlns:m="http://schemas.openxmlformats.org/officeDocument/2006/math">
@@ -11110,15 +11084,7 @@
               <a:p>
                 <a:r>
                   <a:rPr kumimoji="1" lang="en-US" altLang="zh-TW" sz="3600" dirty="0" smtClean="0"/>
-                  <a:t>2. </a:t>
-                </a:r>
-                <a:r>
-                  <a:rPr kumimoji="1" lang="en-US" altLang="zh-TW" sz="3600" dirty="0" smtClean="0"/>
-                  <a:t>For</a:t>
-                </a:r>
-                <a:r>
-                  <a:rPr kumimoji="1" lang="en-US" altLang="zh-TW" sz="3600" dirty="0" smtClean="0"/>
-                  <a:t> </a:t>
+                  <a:t>2. For </a:t>
                 </a:r>
                 <a14:m>
                   <m:oMath xmlns:m="http://schemas.openxmlformats.org/officeDocument/2006/math">
@@ -11183,15 +11149,7 @@
               <a:p>
                 <a:r>
                   <a:rPr kumimoji="1" lang="en-US" altLang="zh-TW" sz="3600" dirty="0" smtClean="0"/>
-                  <a:t>3. </a:t>
-                </a:r>
-                <a:r>
-                  <a:rPr kumimoji="1" lang="en-US" altLang="zh-TW" sz="3600" dirty="0" smtClean="0"/>
-                  <a:t>For</a:t>
-                </a:r>
-                <a:r>
-                  <a:rPr kumimoji="1" lang="en-US" altLang="zh-TW" sz="3600" dirty="0" smtClean="0"/>
-                  <a:t> </a:t>
+                  <a:t>3. For </a:t>
                 </a:r>
                 <a14:m>
                   <m:oMath xmlns:m="http://schemas.openxmlformats.org/officeDocument/2006/math">
@@ -11247,7 +11205,7 @@
             </p:txBody>
           </p:sp>
         </mc:Choice>
-        <mc:Fallback>
+        <mc:Fallback xmlns="">
           <p:sp>
             <p:nvSpPr>
               <p:cNvPr id="16" name="文字方塊 15"/>
@@ -11855,8 +11813,8 @@
           </a:prstGeom>
         </p:spPr>
       </p:pic>
-      <mc:AlternateContent xmlns:mc="http://schemas.openxmlformats.org/markup-compatibility/2006">
-        <mc:Choice xmlns:a14="http://schemas.microsoft.com/office/drawing/2010/main" Requires="a14">
+      <mc:AlternateContent xmlns:mc="http://schemas.openxmlformats.org/markup-compatibility/2006" xmlns:a14="http://schemas.microsoft.com/office/drawing/2010/main">
+        <mc:Choice Requires="a14">
           <p:graphicFrame>
             <p:nvGraphicFramePr>
               <p:cNvPr id="66" name="表格 65"/>
@@ -11921,6 +11879,7 @@
                           </a:endParaRPr>
                         </a:p>
                         <a:p>
+                          <a:pPr/>
                           <a14:m>
                             <m:oMathPara xmlns:m="http://schemas.openxmlformats.org/officeDocument/2006/math">
                               <m:oMathParaPr>
@@ -12264,6 +12223,7 @@
                         <a:bodyPr/>
                         <a:lstStyle/>
                         <a:p>
+                          <a:pPr/>
                           <a14:m>
                             <m:oMathPara xmlns:m="http://schemas.openxmlformats.org/officeDocument/2006/math">
                               <m:oMathParaPr>
@@ -12369,6 +12329,7 @@
                         <a:bodyPr/>
                         <a:lstStyle/>
                         <a:p>
+                          <a:pPr/>
                           <a14:m>
                             <m:oMathPara xmlns:m="http://schemas.openxmlformats.org/officeDocument/2006/math">
                               <m:oMathParaPr>
@@ -12478,6 +12439,7 @@
                         <a:bodyPr/>
                         <a:lstStyle/>
                         <a:p>
+                          <a:pPr/>
                           <a14:m>
                             <m:oMathPara xmlns:m="http://schemas.openxmlformats.org/officeDocument/2006/math">
                               <m:oMathParaPr>
@@ -12692,7 +12654,7 @@
             </a:graphic>
           </p:graphicFrame>
         </mc:Choice>
-        <mc:Fallback>
+        <mc:Fallback xmlns="">
           <p:graphicFrame>
             <p:nvGraphicFramePr>
               <p:cNvPr id="66" name="表格 65"/>

--- a/2017_PSROC_poster_Jet substructure.pptx
+++ b/2017_PSROC_poster_Jet substructure.pptx
@@ -4178,7 +4178,7 @@
           <a:graphicData uri="http://schemas.openxmlformats.org/presentationml/2006/ole">
             <mc:AlternateContent xmlns:mc="http://schemas.openxmlformats.org/markup-compatibility/2006">
               <mc:Choice xmlns:v="urn:schemas-microsoft-com:vml" Requires="v">
-                <p:oleObj spid="_x0000_s1625" name="方程式" r:id="rId10" imgW="190500" imgH="152400" progId="Equation.3">
+                <p:oleObj spid="_x0000_s1633" name="方程式" r:id="rId10" imgW="190500" imgH="152400" progId="Equation.3">
                   <p:embed/>
                 </p:oleObj>
               </mc:Choice>
@@ -4223,8 +4223,8 @@
             </p:nvSpPr>
             <p:spPr>
               <a:xfrm>
-                <a:off x="15646236" y="33130071"/>
-                <a:ext cx="13449772" cy="861774"/>
+                <a:off x="15646235" y="33130071"/>
+                <a:ext cx="14334029" cy="1631216"/>
               </a:xfrm>
               <a:prstGeom prst="rect">
                 <a:avLst/>
@@ -4259,33 +4259,37 @@
                 <a14:m>
                   <m:oMath xmlns:m="http://schemas.openxmlformats.org/officeDocument/2006/math">
                     <m:r>
-                      <a:rPr lang="en-US" altLang="zh-TW" sz="4800" i="1" dirty="0">
+                      <a:rPr lang="en-US" altLang="zh-TW" sz="4800" b="1" i="1" dirty="0">
                         <a:latin typeface="Cambria Math" charset="0"/>
                         <a:ea typeface="Cambria Math" charset="0"/>
                         <a:cs typeface="Cambria Math" charset="0"/>
                       </a:rPr>
-                      <m:t>𝛽</m:t>
+                      <m:t>𝜷</m:t>
                     </m:r>
                     <m:r>
-                      <a:rPr lang="en-US" altLang="zh-TW" sz="4800" i="1" dirty="0">
+                      <a:rPr lang="en-US" altLang="zh-TW" sz="4800" b="1" i="1" dirty="0">
                         <a:latin typeface="Cambria Math" charset="0"/>
                         <a:ea typeface="Cambria Math" charset="0"/>
                         <a:cs typeface="Cambria Math" charset="0"/>
                       </a:rPr>
-                      <m:t>=0</m:t>
+                      <m:t>=</m:t>
+                    </m:r>
+                    <m:r>
+                      <a:rPr lang="en-US" altLang="zh-TW" sz="4800" b="1" i="1" dirty="0">
+                        <a:latin typeface="Cambria Math" charset="0"/>
+                        <a:ea typeface="Cambria Math" charset="0"/>
+                        <a:cs typeface="Cambria Math" charset="0"/>
+                      </a:rPr>
+                      <m:t>𝟎</m:t>
                     </m:r>
                   </m:oMath>
                 </a14:m>
                 <a:r>
-                  <a:rPr lang="en-US" altLang="zh-TW" sz="4800" dirty="0" smtClean="0"/>
-                  <a:t>(CMS)</a:t>
+                  <a:rPr lang="en-US" altLang="zh-TW" sz="4800" b="1" dirty="0" smtClean="0"/>
+                  <a:t>(CMS),</a:t>
                 </a:r>
                 <a:r>
-                  <a:rPr lang="en-US" altLang="zh-TW" sz="4800" dirty="0"/>
-                  <a:t>,</a:t>
-                </a:r>
-                <a:r>
-                  <a:rPr lang="en-US" altLang="zh-TW" sz="4800" dirty="0">
+                  <a:rPr lang="en-US" altLang="zh-TW" sz="4800" b="1" dirty="0" smtClean="0">
                     <a:ea typeface="Cambria Math" charset="0"/>
                     <a:cs typeface="Cambria Math" charset="0"/>
                   </a:rPr>
@@ -4294,20 +4298,28 @@
                 <a14:m>
                   <m:oMath xmlns:m="http://schemas.openxmlformats.org/officeDocument/2006/math">
                     <m:r>
-                      <a:rPr lang="en-US" altLang="zh-TW" sz="4800" i="1" dirty="0">
+                      <a:rPr lang="en-US" altLang="zh-TW" sz="4800" b="1" i="1" dirty="0">
                         <a:latin typeface="Cambria Math" charset="0"/>
                         <a:ea typeface="Cambria Math" charset="0"/>
                         <a:cs typeface="Cambria Math" charset="0"/>
                       </a:rPr>
-                      <m:t>𝛽</m:t>
+                      <m:t>𝜷</m:t>
                     </m:r>
                     <m:r>
-                      <a:rPr lang="en-US" altLang="zh-TW" sz="4800" i="1" dirty="0">
+                      <a:rPr lang="en-US" altLang="zh-TW" sz="4800" b="1" i="1" dirty="0">
                         <a:latin typeface="Cambria Math" charset="0"/>
                         <a:ea typeface="Cambria Math" charset="0"/>
                         <a:cs typeface="Cambria Math" charset="0"/>
                       </a:rPr>
-                      <m:t>=2</m:t>
+                      <m:t>=</m:t>
+                    </m:r>
+                    <m:r>
+                      <a:rPr lang="en-US" altLang="zh-TW" sz="4800" b="1" i="1" dirty="0">
+                        <a:latin typeface="Cambria Math" charset="0"/>
+                        <a:ea typeface="Cambria Math" charset="0"/>
+                        <a:cs typeface="Cambria Math" charset="0"/>
+                      </a:rPr>
+                      <m:t>𝟐</m:t>
                     </m:r>
                   </m:oMath>
                 </a14:m>
@@ -4320,6 +4332,138 @@
                     <a:cs typeface="Arial" pitchFamily="34" charset="0"/>
                   </a:rPr>
                   <a:t>:</a:t>
+                </a:r>
+              </a:p>
+              <a:p>
+                <a:r>
+                  <a:rPr lang="en-US" altLang="zh-TW" sz="5000" b="1" dirty="0" smtClean="0">
+                    <a:solidFill>
+                      <a:srgbClr val="C0504D"/>
+                    </a:solidFill>
+                    <a:latin typeface="Arial" pitchFamily="34" charset="0"/>
+                    <a:cs typeface="Arial" pitchFamily="34" charset="0"/>
+                  </a:rPr>
+                  <a:t>Is</a:t>
+                </a:r>
+                <a:r>
+                  <a:rPr lang="zh-TW" altLang="en-US" sz="5000" b="1" dirty="0" smtClean="0">
+                    <a:solidFill>
+                      <a:srgbClr val="C0504D"/>
+                    </a:solidFill>
+                    <a:latin typeface="Arial" pitchFamily="34" charset="0"/>
+                    <a:cs typeface="Arial" pitchFamily="34" charset="0"/>
+                  </a:rPr>
+                  <a:t> </a:t>
+                </a:r>
+                <a:r>
+                  <a:rPr lang="en-US" altLang="zh-TW" sz="5000" b="1" dirty="0" smtClean="0">
+                    <a:solidFill>
+                      <a:srgbClr val="C0504D"/>
+                    </a:solidFill>
+                    <a:latin typeface="Arial" pitchFamily="34" charset="0"/>
+                    <a:cs typeface="Arial" pitchFamily="34" charset="0"/>
+                  </a:rPr>
+                  <a:t>it</a:t>
+                </a:r>
+                <a:r>
+                  <a:rPr lang="zh-TW" altLang="en-US" sz="5000" b="1" dirty="0" smtClean="0">
+                    <a:solidFill>
+                      <a:srgbClr val="C0504D"/>
+                    </a:solidFill>
+                    <a:latin typeface="Arial" pitchFamily="34" charset="0"/>
+                    <a:cs typeface="Arial" pitchFamily="34" charset="0"/>
+                  </a:rPr>
+                  <a:t> </a:t>
+                </a:r>
+                <a:r>
+                  <a:rPr lang="en-US" altLang="zh-TW" sz="5000" b="1" dirty="0" smtClean="0">
+                    <a:solidFill>
+                      <a:srgbClr val="C0504D"/>
+                    </a:solidFill>
+                    <a:latin typeface="Arial" pitchFamily="34" charset="0"/>
+                    <a:cs typeface="Arial" pitchFamily="34" charset="0"/>
+                  </a:rPr>
+                  <a:t>the best</a:t>
+                </a:r>
+                <a:r>
+                  <a:rPr lang="zh-TW" altLang="en-US" sz="5000" b="1" dirty="0" smtClean="0">
+                    <a:solidFill>
+                      <a:srgbClr val="C0504D"/>
+                    </a:solidFill>
+                    <a:latin typeface="Arial" pitchFamily="34" charset="0"/>
+                    <a:cs typeface="Arial" pitchFamily="34" charset="0"/>
+                  </a:rPr>
+                  <a:t> </a:t>
+                </a:r>
+                <a:r>
+                  <a:rPr lang="en-US" altLang="zh-TW" sz="5000" b="1" dirty="0" smtClean="0">
+                    <a:solidFill>
+                      <a:srgbClr val="C0504D"/>
+                    </a:solidFill>
+                    <a:latin typeface="Arial" pitchFamily="34" charset="0"/>
+                    <a:cs typeface="Arial" pitchFamily="34" charset="0"/>
+                  </a:rPr>
+                  <a:t>for</a:t>
+                </a:r>
+                <a:r>
+                  <a:rPr lang="zh-TW" altLang="en-US" sz="5000" b="1" dirty="0" smtClean="0">
+                    <a:solidFill>
+                      <a:srgbClr val="C0504D"/>
+                    </a:solidFill>
+                    <a:latin typeface="Arial" pitchFamily="34" charset="0"/>
+                    <a:cs typeface="Arial" pitchFamily="34" charset="0"/>
+                  </a:rPr>
+                  <a:t> </a:t>
+                </a:r>
+                <a:r>
+                  <a:rPr lang="en-US" altLang="zh-TW" sz="5000" b="1" dirty="0" smtClean="0">
+                    <a:solidFill>
+                      <a:srgbClr val="C0504D"/>
+                    </a:solidFill>
+                    <a:latin typeface="Arial" pitchFamily="34" charset="0"/>
+                    <a:cs typeface="Arial" pitchFamily="34" charset="0"/>
+                  </a:rPr>
+                  <a:t>smallest</a:t>
+                </a:r>
+                <a:r>
+                  <a:rPr lang="zh-TW" altLang="en-US" sz="5000" b="1" dirty="0" smtClean="0">
+                    <a:solidFill>
+                      <a:srgbClr val="C0504D"/>
+                    </a:solidFill>
+                    <a:latin typeface="Arial" pitchFamily="34" charset="0"/>
+                    <a:cs typeface="Arial" pitchFamily="34" charset="0"/>
+                  </a:rPr>
+                  <a:t> </a:t>
+                </a:r>
+                <a:r>
+                  <a:rPr lang="en-US" altLang="zh-TW" sz="5000" b="1" dirty="0" smtClean="0">
+                    <a:solidFill>
+                      <a:srgbClr val="C0504D"/>
+                    </a:solidFill>
+                    <a:latin typeface="Arial" pitchFamily="34" charset="0"/>
+                    <a:cs typeface="Arial" pitchFamily="34" charset="0"/>
+                  </a:rPr>
+                  <a:t>detector</a:t>
+                </a:r>
+                <a:r>
+                  <a:rPr lang="zh-TW" altLang="en-US" sz="5000" b="1" dirty="0" smtClean="0">
+                    <a:solidFill>
+                      <a:srgbClr val="C0504D"/>
+                    </a:solidFill>
+                    <a:latin typeface="Arial" pitchFamily="34" charset="0"/>
+                    <a:cs typeface="Arial" pitchFamily="34" charset="0"/>
+                  </a:rPr>
+                  <a:t> </a:t>
+                </a:r>
+                <a:r>
+                  <a:rPr lang="en-US" altLang="zh-TW" sz="5000" b="1" dirty="0" smtClean="0">
+                    <a:solidFill>
+                      <a:srgbClr val="C0504D"/>
+                    </a:solidFill>
+                    <a:latin typeface="Arial" pitchFamily="34" charset="0"/>
+                    <a:cs typeface="Arial" pitchFamily="34" charset="0"/>
+                  </a:rPr>
+                  <a:t>size?</a:t>
                 </a:r>
                 <a:r>
                   <a:rPr lang="en-US" altLang="zh-TW" sz="5000" b="1" dirty="0" smtClean="0">
@@ -4347,8 +4491,8 @@
             </p:nvSpPr>
             <p:spPr>
               <a:xfrm>
-                <a:off x="15646236" y="33130071"/>
-                <a:ext cx="13449772" cy="861774"/>
+                <a:off x="15646235" y="33130071"/>
+                <a:ext cx="14334029" cy="1631216"/>
               </a:xfrm>
               <a:prstGeom prst="rect">
                 <a:avLst/>
@@ -4356,7 +4500,7 @@
               <a:blipFill rotWithShape="0">
                 <a:blip r:embed="rId12"/>
                 <a:stretch>
-                  <a:fillRect l="-2176" t="-19149" b="-37589"/>
+                  <a:fillRect l="-2042" t="-10112" b="-19850"/>
                 </a:stretch>
               </a:blipFill>
             </p:spPr>
@@ -5348,8 +5492,8 @@
           </a:p>
         </p:txBody>
       </p:sp>
-      <mc:AlternateContent xmlns:mc="http://schemas.openxmlformats.org/markup-compatibility/2006" xmlns:a14="http://schemas.microsoft.com/office/drawing/2010/main">
-        <mc:Choice Requires="a14">
+      <mc:AlternateContent xmlns:mc="http://schemas.openxmlformats.org/markup-compatibility/2006">
+        <mc:Choice xmlns:a14="http://schemas.microsoft.com/office/drawing/2010/main" Requires="a14">
           <p:sp>
             <p:nvSpPr>
               <p:cNvPr id="86" name="矩形 85"/>
@@ -5359,7 +5503,7 @@
             <p:spPr>
               <a:xfrm>
                 <a:off x="15695243" y="17356942"/>
-                <a:ext cx="14170566" cy="839332"/>
+                <a:ext cx="14170566" cy="878702"/>
               </a:xfrm>
               <a:prstGeom prst="rect">
                 <a:avLst/>
@@ -5386,33 +5530,33 @@
                     <m:sSubSup>
                       <m:sSubSupPr>
                         <m:ctrlPr>
-                          <a:rPr kumimoji="1" lang="en-US" altLang="zh-TW" sz="4800" i="1">
+                          <a:rPr kumimoji="1" lang="en-US" altLang="zh-TW" sz="4800" b="1" i="1">
                             <a:latin typeface="Cambria Math" charset="0"/>
                           </a:rPr>
                         </m:ctrlPr>
                       </m:sSubSupPr>
                       <m:e>
                         <m:r>
-                          <a:rPr kumimoji="1" lang="en-US" altLang="zh-TW" sz="4800" i="1">
+                          <a:rPr kumimoji="1" lang="en-US" altLang="zh-TW" sz="4800" b="1" i="1">
                             <a:latin typeface="Cambria Math" charset="0"/>
                           </a:rPr>
-                          <m:t>𝐶</m:t>
+                          <m:t>𝑪</m:t>
                         </m:r>
                       </m:e>
                       <m:sub>
                         <m:r>
-                          <a:rPr kumimoji="1" lang="en-US" altLang="zh-TW" sz="4800" i="1">
+                          <a:rPr kumimoji="1" lang="en-US" altLang="zh-TW" sz="4800" b="1" i="1">
                             <a:latin typeface="Cambria Math" charset="0"/>
                           </a:rPr>
-                          <m:t>2</m:t>
+                          <m:t>𝟐</m:t>
                         </m:r>
                       </m:sub>
                       <m:sup>
                         <m:r>
-                          <a:rPr kumimoji="1" lang="en-US" altLang="zh-TW" sz="4800" i="1">
+                          <a:rPr kumimoji="1" lang="en-US" altLang="zh-TW" sz="4800" b="1" i="1">
                             <a:latin typeface="Cambria Math" charset="0"/>
                           </a:rPr>
-                          <m:t>1</m:t>
+                          <m:t>𝟏</m:t>
                         </m:r>
                       </m:sup>
                     </m:sSubSup>
@@ -5433,27 +5577,27 @@
                     <m:sSub>
                       <m:sSubPr>
                         <m:ctrlPr>
-                          <a:rPr kumimoji="1" lang="en-US" altLang="zh-TW" sz="4800" i="1">
+                          <a:rPr kumimoji="1" lang="en-US" altLang="zh-TW" sz="4800" b="1" i="1">
                             <a:latin typeface="Cambria Math" charset="0"/>
                           </a:rPr>
                         </m:ctrlPr>
                       </m:sSubPr>
                       <m:e>
                         <m:r>
-                          <a:rPr kumimoji="1" lang="en-US" altLang="zh-TW" sz="4800" i="1">
+                          <a:rPr kumimoji="1" lang="en-US" altLang="zh-TW" sz="4800" b="1" i="1">
                             <a:latin typeface="Cambria Math" charset="0"/>
                             <a:ea typeface="Cambria Math" charset="0"/>
                             <a:cs typeface="Cambria Math" charset="0"/>
                           </a:rPr>
-                          <m:t>𝜏</m:t>
+                          <m:t>𝝉</m:t>
                         </m:r>
                       </m:e>
                       <m:sub>
                         <m:r>
-                          <a:rPr kumimoji="1" lang="en-US" altLang="zh-TW" sz="4800" i="1">
+                          <a:rPr kumimoji="1" lang="en-US" altLang="zh-TW" sz="4800" b="1" i="1">
                             <a:latin typeface="Cambria Math" charset="0"/>
                           </a:rPr>
-                          <m:t>21</m:t>
+                          <m:t>𝟐𝟏</m:t>
                         </m:r>
                       </m:sub>
                     </m:sSub>
@@ -5470,7 +5614,7 @@
                   <a:t>,</a:t>
                 </a:r>
                 <a:r>
-                  <a:rPr kumimoji="1" lang="en-US" altLang="zh-TW" sz="4800" dirty="0"/>
+                  <a:rPr kumimoji="1" lang="en-US" altLang="zh-TW" sz="4800" b="1" dirty="0"/>
                   <a:t> </a:t>
                 </a:r>
                 <a14:m>
@@ -5478,29 +5622,29 @@
                     <m:sSub>
                       <m:sSubPr>
                         <m:ctrlPr>
-                          <a:rPr kumimoji="1" lang="en-US" altLang="zh-TW" sz="4800" i="1">
+                          <a:rPr kumimoji="1" lang="en-US" altLang="zh-TW" sz="4800" b="1" i="1">
                             <a:latin typeface="Cambria Math" charset="0"/>
                           </a:rPr>
                         </m:ctrlPr>
                       </m:sSubPr>
                       <m:e>
                         <m:r>
-                          <a:rPr kumimoji="1" lang="en-US" altLang="zh-TW" sz="4800" i="1">
+                          <a:rPr kumimoji="1" lang="en-US" altLang="zh-TW" sz="4800" b="1" i="1">
                             <a:latin typeface="Cambria Math" charset="0"/>
                             <a:ea typeface="Cambria Math" charset="0"/>
                             <a:cs typeface="Cambria Math" charset="0"/>
                           </a:rPr>
-                          <m:t>𝜏</m:t>
+                          <m:t>𝝉</m:t>
                         </m:r>
                       </m:e>
                       <m:sub>
                         <m:r>
-                          <a:rPr kumimoji="1" lang="en-US" altLang="zh-TW" sz="4800" i="1">
+                          <a:rPr kumimoji="1" lang="en-US" altLang="zh-TW" sz="4800" b="1" i="1">
                             <a:latin typeface="Cambria Math" charset="0"/>
                             <a:ea typeface="Cambria Math" charset="0"/>
                             <a:cs typeface="Cambria Math" charset="0"/>
                           </a:rPr>
-                          <m:t>32</m:t>
+                          <m:t>𝟑𝟐</m:t>
                         </m:r>
                       </m:sub>
                     </m:sSub>
@@ -5531,7 +5675,7 @@
             </p:txBody>
           </p:sp>
         </mc:Choice>
-        <mc:Fallback xmlns="">
+        <mc:Fallback>
           <p:sp>
             <p:nvSpPr>
               <p:cNvPr id="86" name="矩形 85"/>
@@ -5543,7 +5687,7 @@
             <p:spPr>
               <a:xfrm>
                 <a:off x="15695243" y="17356942"/>
-                <a:ext cx="14170566" cy="839332"/>
+                <a:ext cx="14170566" cy="878702"/>
               </a:xfrm>
               <a:prstGeom prst="rect">
                 <a:avLst/>
@@ -5551,7 +5695,7 @@
               <a:blipFill rotWithShape="0">
                 <a:blip r:embed="rId14"/>
                 <a:stretch>
-                  <a:fillRect l="-1979" t="-18116" b="-34783"/>
+                  <a:fillRect l="-1979" t="-13194" b="-33333"/>
                 </a:stretch>
               </a:blipFill>
             </p:spPr>
@@ -5636,7 +5780,7 @@
             <p:spPr>
               <a:xfrm>
                 <a:off x="236630" y="26259259"/>
-                <a:ext cx="14853850" cy="13346923"/>
+                <a:ext cx="14853850" cy="13415789"/>
               </a:xfrm>
               <a:prstGeom prst="rect">
                 <a:avLst/>
@@ -7892,7 +8036,7 @@
                     <m:sSubSup>
                       <m:sSubSupPr>
                         <m:ctrlPr>
-                          <a:rPr lang="en-US" altLang="zh-TW" sz="4000" b="0" i="1" smtClean="0">
+                          <a:rPr lang="en-US" altLang="zh-TW" sz="4800" b="0" i="1" smtClean="0">
                             <a:latin typeface="Cambria Math" charset="0"/>
                             <a:ea typeface="Cambria Math" charset="0"/>
                             <a:cs typeface="Cambria Math" charset="0"/>
@@ -7901,7 +8045,7 @@
                       </m:sSubSupPr>
                       <m:e>
                         <m:r>
-                          <a:rPr lang="en-US" altLang="zh-TW" sz="4000" b="0" i="1" smtClean="0">
+                          <a:rPr lang="en-US" altLang="zh-TW" sz="4800" b="0" i="1" smtClean="0">
                             <a:latin typeface="Cambria Math" charset="0"/>
                             <a:ea typeface="Cambria Math" charset="0"/>
                             <a:cs typeface="Cambria Math" charset="0"/>
@@ -7911,7 +8055,7 @@
                       </m:e>
                       <m:sub>
                         <m:r>
-                          <a:rPr lang="en-US" altLang="zh-TW" sz="4000" b="0" i="1" smtClean="0">
+                          <a:rPr lang="en-US" altLang="zh-TW" sz="4800" b="0" i="1" smtClean="0">
                             <a:latin typeface="Cambria Math" charset="0"/>
                             <a:ea typeface="Cambria Math" charset="0"/>
                             <a:cs typeface="Cambria Math" charset="0"/>
@@ -7921,7 +8065,7 @@
                       </m:sub>
                       <m:sup>
                         <m:r>
-                          <a:rPr lang="en-US" altLang="zh-TW" sz="4000" b="0" i="1" smtClean="0">
+                          <a:rPr lang="en-US" altLang="zh-TW" sz="4800" b="0" i="1" smtClean="0">
                             <a:latin typeface="Cambria Math" charset="0"/>
                             <a:ea typeface="Cambria Math" charset="0"/>
                             <a:cs typeface="Cambria Math" charset="0"/>
@@ -7929,7 +8073,7 @@
                           <m:t>(</m:t>
                         </m:r>
                         <m:r>
-                          <a:rPr lang="en-US" altLang="zh-TW" sz="4000" b="0" i="1" smtClean="0">
+                          <a:rPr lang="en-US" altLang="zh-TW" sz="4800" b="0" i="1" smtClean="0">
                             <a:latin typeface="Cambria Math" charset="0"/>
                             <a:ea typeface="Cambria Math" charset="0"/>
                             <a:cs typeface="Cambria Math" charset="0"/>
@@ -7937,7 +8081,7 @@
                           <m:t>𝛽</m:t>
                         </m:r>
                         <m:r>
-                          <a:rPr lang="en-US" altLang="zh-TW" sz="4000" b="0" i="1" smtClean="0">
+                          <a:rPr lang="en-US" altLang="zh-TW" sz="4800" b="0" i="1" smtClean="0">
                             <a:latin typeface="Cambria Math" charset="0"/>
                             <a:ea typeface="Cambria Math" charset="0"/>
                             <a:cs typeface="Cambria Math" charset="0"/>
@@ -7947,7 +8091,7 @@
                       </m:sup>
                     </m:sSubSup>
                     <m:r>
-                      <a:rPr lang="en-US" altLang="zh-TW" sz="4000" i="1">
+                      <a:rPr lang="en-US" altLang="zh-TW" sz="4800" i="1">
                         <a:latin typeface="Cambria Math" charset="0"/>
                         <a:ea typeface="Cambria Math" charset="0"/>
                         <a:cs typeface="Cambria Math" charset="0"/>
@@ -7957,7 +8101,7 @@
                   </m:oMath>
                 </a14:m>
                 <a:r>
-                  <a:rPr lang="en-US" altLang="zh-TW" sz="4000" b="0" dirty="0" smtClean="0">
+                  <a:rPr lang="en-US" altLang="zh-TW" sz="4800" b="0" dirty="0" smtClean="0">
                     <a:ea typeface="Cambria Math" charset="0"/>
                     <a:cs typeface="Cambria Math" charset="0"/>
                   </a:rPr>
@@ -7968,7 +8112,7 @@
                     <m:f>
                       <m:fPr>
                         <m:ctrlPr>
-                          <a:rPr lang="mr-IN" altLang="zh-TW" sz="4000" b="0" i="1" dirty="0" smtClean="0">
+                          <a:rPr lang="mr-IN" altLang="zh-TW" sz="4800" b="0" i="1" dirty="0" smtClean="0">
                             <a:latin typeface="Cambria Math" charset="0"/>
                             <a:ea typeface="Cambria Math" charset="0"/>
                             <a:cs typeface="Cambria Math" charset="0"/>
@@ -7977,7 +8121,7 @@
                       </m:fPr>
                       <m:num>
                         <m:r>
-                          <a:rPr lang="en-US" altLang="zh-TW" sz="4000" b="0" i="1" dirty="0" smtClean="0">
+                          <a:rPr lang="en-US" altLang="zh-TW" sz="4800" b="0" i="1" dirty="0" smtClean="0">
                             <a:latin typeface="Cambria Math" charset="0"/>
                             <a:ea typeface="Cambria Math" charset="0"/>
                             <a:cs typeface="Cambria Math" charset="0"/>
@@ -7987,7 +8131,7 @@
                         <m:d>
                           <m:dPr>
                             <m:ctrlPr>
-                              <a:rPr lang="en-US" altLang="zh-TW" sz="4000" b="0" i="1" dirty="0" smtClean="0">
+                              <a:rPr lang="en-US" altLang="zh-TW" sz="4800" b="0" i="1" dirty="0" smtClean="0">
                                 <a:latin typeface="Cambria Math" charset="0"/>
                                 <a:ea typeface="Cambria Math" charset="0"/>
                                 <a:cs typeface="Cambria Math" charset="0"/>
@@ -7996,7 +8140,7 @@
                           </m:dPr>
                           <m:e>
                             <m:r>
-                              <a:rPr lang="en-US" altLang="zh-TW" sz="4000" b="0" i="1" dirty="0" smtClean="0">
+                              <a:rPr lang="en-US" altLang="zh-TW" sz="4800" b="0" i="1" dirty="0" smtClean="0">
                                 <a:latin typeface="Cambria Math" charset="0"/>
                                 <a:ea typeface="Cambria Math" charset="0"/>
                                 <a:cs typeface="Cambria Math" charset="0"/>
@@ -8004,7 +8148,7 @@
                               <m:t>𝑁</m:t>
                             </m:r>
                             <m:r>
-                              <a:rPr lang="en-US" altLang="zh-TW" sz="4000" b="0" i="1" dirty="0" smtClean="0">
+                              <a:rPr lang="en-US" altLang="zh-TW" sz="4800" b="0" i="1" dirty="0" smtClean="0">
                                 <a:latin typeface="Cambria Math" charset="0"/>
                                 <a:ea typeface="Cambria Math" charset="0"/>
                                 <a:cs typeface="Cambria Math" charset="0"/>
@@ -8012,7 +8156,7 @@
                               <m:t>+1,</m:t>
                             </m:r>
                             <m:r>
-                              <a:rPr lang="en-US" altLang="zh-TW" sz="4000" b="0" i="1" dirty="0" smtClean="0">
+                              <a:rPr lang="en-US" altLang="zh-TW" sz="4800" b="0" i="1" dirty="0" smtClean="0">
                                 <a:latin typeface="Cambria Math" charset="0"/>
                                 <a:ea typeface="Cambria Math" charset="0"/>
                                 <a:cs typeface="Cambria Math" charset="0"/>
@@ -8022,7 +8166,7 @@
                           </m:e>
                         </m:d>
                         <m:r>
-                          <a:rPr lang="en-US" altLang="zh-TW" sz="4000" b="0" i="1" dirty="0" smtClean="0">
+                          <a:rPr lang="en-US" altLang="zh-TW" sz="4800" b="0" i="1" dirty="0" smtClean="0">
                             <a:latin typeface="Cambria Math" charset="0"/>
                             <a:ea typeface="Cambria Math" charset="0"/>
                             <a:cs typeface="Cambria Math" charset="0"/>
@@ -8030,7 +8174,7 @@
                           <m:t>𝐸𝐶𝐹</m:t>
                         </m:r>
                         <m:r>
-                          <a:rPr lang="en-US" altLang="zh-TW" sz="4000" b="0" i="1" dirty="0" smtClean="0">
+                          <a:rPr lang="en-US" altLang="zh-TW" sz="4800" b="0" i="1" dirty="0" smtClean="0">
                             <a:latin typeface="Cambria Math" charset="0"/>
                             <a:ea typeface="Cambria Math" charset="0"/>
                             <a:cs typeface="Cambria Math" charset="0"/>
@@ -8038,7 +8182,7 @@
                           <m:t>(</m:t>
                         </m:r>
                         <m:r>
-                          <a:rPr lang="en-US" altLang="zh-TW" sz="4000" b="0" i="1" dirty="0" smtClean="0">
+                          <a:rPr lang="en-US" altLang="zh-TW" sz="4800" b="0" i="1" dirty="0" smtClean="0">
                             <a:latin typeface="Cambria Math" charset="0"/>
                             <a:ea typeface="Cambria Math" charset="0"/>
                             <a:cs typeface="Cambria Math" charset="0"/>
@@ -8046,7 +8190,7 @@
                           <m:t>𝑁</m:t>
                         </m:r>
                         <m:r>
-                          <a:rPr lang="en-US" altLang="zh-TW" sz="4000" b="0" i="1" dirty="0" smtClean="0">
+                          <a:rPr lang="en-US" altLang="zh-TW" sz="4800" b="0" i="1" dirty="0" smtClean="0">
                             <a:latin typeface="Cambria Math" charset="0"/>
                             <a:ea typeface="Cambria Math" charset="0"/>
                             <a:cs typeface="Cambria Math" charset="0"/>
@@ -8054,7 +8198,7 @@
                           <m:t>−1,</m:t>
                         </m:r>
                         <m:r>
-                          <a:rPr lang="en-US" altLang="zh-TW" sz="4000" b="0" i="1" dirty="0" smtClean="0">
+                          <a:rPr lang="en-US" altLang="zh-TW" sz="4800" b="0" i="1" dirty="0" smtClean="0">
                             <a:latin typeface="Cambria Math" charset="0"/>
                             <a:ea typeface="Cambria Math" charset="0"/>
                             <a:cs typeface="Cambria Math" charset="0"/>
@@ -8062,7 +8206,7 @@
                           <m:t>𝛽</m:t>
                         </m:r>
                         <m:r>
-                          <a:rPr lang="en-US" altLang="zh-TW" sz="4000" b="0" i="1" dirty="0" smtClean="0">
+                          <a:rPr lang="en-US" altLang="zh-TW" sz="4800" b="0" i="1" dirty="0" smtClean="0">
                             <a:latin typeface="Cambria Math" charset="0"/>
                             <a:ea typeface="Cambria Math" charset="0"/>
                             <a:cs typeface="Cambria Math" charset="0"/>
@@ -8074,7 +8218,7 @@
                         <m:sSup>
                           <m:sSupPr>
                             <m:ctrlPr>
-                              <a:rPr lang="mr-IN" altLang="zh-TW" sz="4000" b="0" i="1" dirty="0" smtClean="0">
+                              <a:rPr lang="mr-IN" altLang="zh-TW" sz="4800" b="0" i="1" dirty="0" smtClean="0">
                                 <a:latin typeface="Cambria Math" charset="0"/>
                                 <a:ea typeface="Cambria Math" charset="0"/>
                                 <a:cs typeface="Cambria Math" charset="0"/>
@@ -8083,7 +8227,7 @@
                           </m:sSupPr>
                           <m:e>
                             <m:r>
-                              <a:rPr lang="en-US" altLang="zh-TW" sz="4000" b="0" i="1" dirty="0" smtClean="0">
+                              <a:rPr lang="en-US" altLang="zh-TW" sz="4800" b="0" i="1" dirty="0" smtClean="0">
                                 <a:latin typeface="Cambria Math" charset="0"/>
                                 <a:ea typeface="Cambria Math" charset="0"/>
                                 <a:cs typeface="Cambria Math" charset="0"/>
@@ -8091,7 +8235,7 @@
                               <m:t>𝐸𝐶𝐹</m:t>
                             </m:r>
                             <m:r>
-                              <a:rPr lang="en-US" altLang="zh-TW" sz="4000" b="0" i="1" dirty="0" smtClean="0">
+                              <a:rPr lang="en-US" altLang="zh-TW" sz="4800" b="0" i="1" dirty="0" smtClean="0">
                                 <a:latin typeface="Cambria Math" charset="0"/>
                                 <a:ea typeface="Cambria Math" charset="0"/>
                                 <a:cs typeface="Cambria Math" charset="0"/>
@@ -8099,7 +8243,7 @@
                               <m:t>(</m:t>
                             </m:r>
                             <m:r>
-                              <a:rPr lang="en-US" altLang="zh-TW" sz="4000" b="0" i="1" dirty="0" smtClean="0">
+                              <a:rPr lang="en-US" altLang="zh-TW" sz="4800" b="0" i="1" dirty="0" smtClean="0">
                                 <a:latin typeface="Cambria Math" charset="0"/>
                                 <a:ea typeface="Cambria Math" charset="0"/>
                                 <a:cs typeface="Cambria Math" charset="0"/>
@@ -8107,7 +8251,7 @@
                               <m:t>𝑁</m:t>
                             </m:r>
                             <m:r>
-                              <a:rPr lang="en-US" altLang="zh-TW" sz="4000" b="0" i="1" dirty="0" smtClean="0">
+                              <a:rPr lang="en-US" altLang="zh-TW" sz="4800" b="0" i="1" dirty="0" smtClean="0">
                                 <a:latin typeface="Cambria Math" charset="0"/>
                                 <a:ea typeface="Cambria Math" charset="0"/>
                                 <a:cs typeface="Cambria Math" charset="0"/>
@@ -8115,7 +8259,7 @@
                               <m:t>,</m:t>
                             </m:r>
                             <m:r>
-                              <a:rPr lang="en-US" altLang="zh-TW" sz="4000" b="0" i="1" dirty="0" smtClean="0">
+                              <a:rPr lang="en-US" altLang="zh-TW" sz="4800" b="0" i="1" dirty="0" smtClean="0">
                                 <a:latin typeface="Cambria Math" charset="0"/>
                                 <a:ea typeface="Cambria Math" charset="0"/>
                                 <a:cs typeface="Cambria Math" charset="0"/>
@@ -8123,7 +8267,7 @@
                               <m:t>𝛽</m:t>
                             </m:r>
                             <m:r>
-                              <a:rPr lang="en-US" altLang="zh-TW" sz="4000" b="0" i="1" dirty="0" smtClean="0">
+                              <a:rPr lang="en-US" altLang="zh-TW" sz="4800" b="0" i="1" dirty="0" smtClean="0">
                                 <a:latin typeface="Cambria Math" charset="0"/>
                                 <a:ea typeface="Cambria Math" charset="0"/>
                                 <a:cs typeface="Cambria Math" charset="0"/>
@@ -8133,7 +8277,7 @@
                           </m:e>
                           <m:sup>
                             <m:r>
-                              <a:rPr lang="en-US" altLang="zh-TW" sz="4000" b="0" i="1" dirty="0" smtClean="0">
+                              <a:rPr lang="en-US" altLang="zh-TW" sz="4800" b="0" i="1" dirty="0" smtClean="0">
                                 <a:latin typeface="Cambria Math" charset="0"/>
                                 <a:ea typeface="Cambria Math" charset="0"/>
                                 <a:cs typeface="Cambria Math" charset="0"/>
@@ -8146,7 +8290,7 @@
                     </m:f>
                   </m:oMath>
                 </a14:m>
-                <a:endParaRPr lang="en-US" altLang="zh-TW" sz="4000" b="0" dirty="0" smtClean="0">
+                <a:endParaRPr lang="en-US" altLang="zh-TW" sz="4800" b="0" dirty="0" smtClean="0">
                   <a:ea typeface="Cambria Math" charset="0"/>
                   <a:cs typeface="Cambria Math" charset="0"/>
                 </a:endParaRPr>
@@ -8160,7 +8304,17 @@
                     <a:latin typeface="Arial" pitchFamily="34" charset="0"/>
                     <a:cs typeface="Arial" pitchFamily="34" charset="0"/>
                   </a:rPr>
-                  <a:t>3.Soft drop:</a:t>
+                  <a:t>3.Soft </a:t>
+                </a:r>
+                <a:r>
+                  <a:rPr lang="en-US" altLang="zh-TW" sz="4800" b="1" dirty="0" smtClean="0">
+                    <a:solidFill>
+                      <a:schemeClr val="accent2"/>
+                    </a:solidFill>
+                    <a:latin typeface="Arial" pitchFamily="34" charset="0"/>
+                    <a:cs typeface="Arial" pitchFamily="34" charset="0"/>
+                  </a:rPr>
+                  <a:t>drop:</a:t>
                 </a:r>
               </a:p>
               <a:p>
@@ -8638,7 +8792,8 @@
                 </a:endParaRPr>
               </a:p>
               <a:p>
-                <a:endParaRPr lang="en-US" altLang="zh-TW" sz="4800" b="1" i="1" dirty="0" smtClean="0">
+                <a:pPr/>
+                <a:endParaRPr lang="en-US" altLang="zh-TW" sz="4800" b="1" i="1" dirty="0">
                   <a:solidFill>
                     <a:schemeClr val="accent2"/>
                   </a:solidFill>
@@ -9267,7 +9422,7 @@
             <p:spPr>
               <a:xfrm>
                 <a:off x="236630" y="26259259"/>
-                <a:ext cx="14853850" cy="13346923"/>
+                <a:ext cx="14853850" cy="13415789"/>
               </a:xfrm>
               <a:prstGeom prst="rect">
                 <a:avLst/>
@@ -9275,7 +9430,7 @@
               <a:blipFill rotWithShape="0">
                 <a:blip r:embed="rId15"/>
                 <a:stretch>
-                  <a:fillRect l="-1970" t="-1142"/>
+                  <a:fillRect l="-1970" t="-1136"/>
                 </a:stretch>
               </a:blipFill>
             </p:spPr>
@@ -9330,23 +9485,31 @@
                 <a14:m>
                   <m:oMath xmlns:m="http://schemas.openxmlformats.org/officeDocument/2006/math">
                     <m:r>
-                      <a:rPr lang="en-US" altLang="zh-TW" sz="5400" i="1" dirty="0">
+                      <a:rPr lang="en-US" altLang="zh-TW" sz="5400" b="1" i="1" dirty="0">
                         <a:latin typeface="Cambria Math" charset="0"/>
                         <a:ea typeface="Cambria Math" charset="0"/>
                         <a:cs typeface="Cambria Math" charset="0"/>
                       </a:rPr>
-                      <m:t>𝛽</m:t>
+                      <m:t>𝜷</m:t>
                     </m:r>
                     <m:r>
-                      <a:rPr lang="en-US" altLang="zh-TW" sz="5400" i="1" dirty="0">
+                      <a:rPr lang="en-US" altLang="zh-TW" sz="5400" b="1" i="1" dirty="0">
                         <a:latin typeface="Cambria Math" charset="0"/>
                         <a:ea typeface="Cambria Math" charset="0"/>
                         <a:cs typeface="Cambria Math" charset="0"/>
                       </a:rPr>
-                      <m:t>=0</m:t>
+                      <m:t>=</m:t>
                     </m:r>
                     <m:r>
-                      <a:rPr lang="en-US" altLang="zh-TW" sz="5400" b="0" i="0" dirty="0" smtClean="0">
+                      <a:rPr lang="en-US" altLang="zh-TW" sz="5400" b="1" i="1" dirty="0">
+                        <a:latin typeface="Cambria Math" charset="0"/>
+                        <a:ea typeface="Cambria Math" charset="0"/>
+                        <a:cs typeface="Cambria Math" charset="0"/>
+                      </a:rPr>
+                      <m:t>𝟎</m:t>
+                    </m:r>
+                    <m:r>
+                      <a:rPr lang="en-US" altLang="zh-TW" sz="5400" b="1" i="0" dirty="0" smtClean="0">
                         <a:latin typeface="Cambria Math" charset="0"/>
                         <a:ea typeface="Cambria Math" charset="0"/>
                         <a:cs typeface="Cambria Math" charset="0"/>
@@ -9356,11 +9519,11 @@
                   </m:oMath>
                 </a14:m>
                 <a:r>
-                  <a:rPr lang="en-US" altLang="zh-TW" sz="5400" dirty="0" smtClean="0"/>
+                  <a:rPr lang="en-US" altLang="zh-TW" sz="5400" b="1" dirty="0" smtClean="0"/>
                   <a:t>CMS),</a:t>
                 </a:r>
                 <a:r>
-                  <a:rPr lang="en-US" altLang="zh-TW" sz="5400" dirty="0" smtClean="0">
+                  <a:rPr lang="en-US" altLang="zh-TW" sz="5400" b="1" dirty="0" smtClean="0">
                     <a:ea typeface="Cambria Math" charset="0"/>
                     <a:cs typeface="Cambria Math" charset="0"/>
                   </a:rPr>
@@ -9369,20 +9532,28 @@
                 <a14:m>
                   <m:oMath xmlns:m="http://schemas.openxmlformats.org/officeDocument/2006/math">
                     <m:r>
-                      <a:rPr lang="en-US" altLang="zh-TW" sz="5400" i="1" dirty="0">
+                      <a:rPr lang="en-US" altLang="zh-TW" sz="5400" b="1" i="1" dirty="0">
                         <a:latin typeface="Cambria Math" charset="0"/>
                         <a:ea typeface="Cambria Math" charset="0"/>
                         <a:cs typeface="Cambria Math" charset="0"/>
                       </a:rPr>
-                      <m:t>𝛽</m:t>
+                      <m:t>𝜷</m:t>
                     </m:r>
                     <m:r>
-                      <a:rPr lang="en-US" altLang="zh-TW" sz="5400" i="1" dirty="0">
+                      <a:rPr lang="en-US" altLang="zh-TW" sz="5400" b="1" i="1" dirty="0">
                         <a:latin typeface="Cambria Math" charset="0"/>
                         <a:ea typeface="Cambria Math" charset="0"/>
                         <a:cs typeface="Cambria Math" charset="0"/>
                       </a:rPr>
-                      <m:t>=2</m:t>
+                      <m:t>=</m:t>
+                    </m:r>
+                    <m:r>
+                      <a:rPr lang="en-US" altLang="zh-TW" sz="5400" b="1" i="1" dirty="0">
+                        <a:latin typeface="Cambria Math" charset="0"/>
+                        <a:ea typeface="Cambria Math" charset="0"/>
+                        <a:cs typeface="Cambria Math" charset="0"/>
+                      </a:rPr>
+                      <m:t>𝟐</m:t>
                     </m:r>
                   </m:oMath>
                 </a14:m>
@@ -9440,8 +9611,8 @@
           </p:sp>
         </mc:Fallback>
       </mc:AlternateContent>
-      <mc:AlternateContent xmlns:mc="http://schemas.openxmlformats.org/markup-compatibility/2006" xmlns:a14="http://schemas.microsoft.com/office/drawing/2010/main">
-        <mc:Choice Requires="a14">
+      <mc:AlternateContent xmlns:mc="http://schemas.openxmlformats.org/markup-compatibility/2006">
+        <mc:Choice xmlns:a14="http://schemas.microsoft.com/office/drawing/2010/main" Requires="a14">
           <p:sp>
             <p:nvSpPr>
               <p:cNvPr id="91" name="矩形 90"/>
@@ -9451,7 +9622,7 @@
             <p:spPr>
               <a:xfrm>
                 <a:off x="15732702" y="8112014"/>
-                <a:ext cx="14170566" cy="932756"/>
+                <a:ext cx="14170566" cy="976934"/>
               </a:xfrm>
               <a:prstGeom prst="rect">
                 <a:avLst/>
@@ -9478,33 +9649,33 @@
                     <m:sSubSup>
                       <m:sSubSupPr>
                         <m:ctrlPr>
-                          <a:rPr kumimoji="1" lang="en-US" altLang="zh-TW" sz="5400" i="1">
+                          <a:rPr kumimoji="1" lang="en-US" altLang="zh-TW" sz="5400" b="1" i="1">
                             <a:latin typeface="Cambria Math" charset="0"/>
                           </a:rPr>
                         </m:ctrlPr>
                       </m:sSubSupPr>
                       <m:e>
                         <m:r>
-                          <a:rPr kumimoji="1" lang="en-US" altLang="zh-TW" sz="5400" i="1">
+                          <a:rPr kumimoji="1" lang="en-US" altLang="zh-TW" sz="5400" b="1" i="1">
                             <a:latin typeface="Cambria Math" charset="0"/>
                           </a:rPr>
-                          <m:t>𝐶</m:t>
+                          <m:t>𝑪</m:t>
                         </m:r>
                       </m:e>
                       <m:sub>
                         <m:r>
-                          <a:rPr kumimoji="1" lang="en-US" altLang="zh-TW" sz="5400" i="1">
+                          <a:rPr kumimoji="1" lang="en-US" altLang="zh-TW" sz="5400" b="1" i="1">
                             <a:latin typeface="Cambria Math" charset="0"/>
                           </a:rPr>
-                          <m:t>2</m:t>
+                          <m:t>𝟐</m:t>
                         </m:r>
                       </m:sub>
                       <m:sup>
                         <m:r>
-                          <a:rPr kumimoji="1" lang="en-US" altLang="zh-TW" sz="5400" i="1">
+                          <a:rPr kumimoji="1" lang="en-US" altLang="zh-TW" sz="5400" b="1" i="1">
                             <a:latin typeface="Cambria Math" charset="0"/>
                           </a:rPr>
-                          <m:t>1</m:t>
+                          <m:t>𝟏</m:t>
                         </m:r>
                       </m:sup>
                     </m:sSubSup>
@@ -9525,27 +9696,27 @@
                     <m:sSub>
                       <m:sSubPr>
                         <m:ctrlPr>
-                          <a:rPr kumimoji="1" lang="en-US" altLang="zh-TW" sz="5400" i="1">
+                          <a:rPr kumimoji="1" lang="en-US" altLang="zh-TW" sz="5400" b="1" i="1">
                             <a:latin typeface="Cambria Math" charset="0"/>
                           </a:rPr>
                         </m:ctrlPr>
                       </m:sSubPr>
                       <m:e>
                         <m:r>
-                          <a:rPr kumimoji="1" lang="en-US" altLang="zh-TW" sz="5400" i="1">
+                          <a:rPr kumimoji="1" lang="en-US" altLang="zh-TW" sz="5400" b="1" i="1">
                             <a:latin typeface="Cambria Math" charset="0"/>
                             <a:ea typeface="Cambria Math" charset="0"/>
                             <a:cs typeface="Cambria Math" charset="0"/>
                           </a:rPr>
-                          <m:t>𝜏</m:t>
+                          <m:t>𝝉</m:t>
                         </m:r>
                       </m:e>
                       <m:sub>
                         <m:r>
-                          <a:rPr kumimoji="1" lang="en-US" altLang="zh-TW" sz="5400" i="1">
+                          <a:rPr kumimoji="1" lang="en-US" altLang="zh-TW" sz="5400" b="1" i="1">
                             <a:latin typeface="Cambria Math" charset="0"/>
                           </a:rPr>
-                          <m:t>21</m:t>
+                          <m:t>𝟐𝟏</m:t>
                         </m:r>
                       </m:sub>
                     </m:sSub>
@@ -9562,7 +9733,7 @@
                   <a:t>,</a:t>
                 </a:r>
                 <a:r>
-                  <a:rPr kumimoji="1" lang="en-US" altLang="zh-TW" sz="5400" dirty="0"/>
+                  <a:rPr kumimoji="1" lang="en-US" altLang="zh-TW" sz="5400" b="1" dirty="0"/>
                   <a:t> </a:t>
                 </a:r>
                 <a14:m>
@@ -9570,29 +9741,29 @@
                     <m:sSub>
                       <m:sSubPr>
                         <m:ctrlPr>
-                          <a:rPr kumimoji="1" lang="en-US" altLang="zh-TW" sz="5400" i="1">
+                          <a:rPr kumimoji="1" lang="en-US" altLang="zh-TW" sz="5400" b="1" i="1">
                             <a:latin typeface="Cambria Math" charset="0"/>
                           </a:rPr>
                         </m:ctrlPr>
                       </m:sSubPr>
                       <m:e>
                         <m:r>
-                          <a:rPr kumimoji="1" lang="en-US" altLang="zh-TW" sz="5400" i="1">
+                          <a:rPr kumimoji="1" lang="en-US" altLang="zh-TW" sz="5400" b="1" i="1">
                             <a:latin typeface="Cambria Math" charset="0"/>
                             <a:ea typeface="Cambria Math" charset="0"/>
                             <a:cs typeface="Cambria Math" charset="0"/>
                           </a:rPr>
-                          <m:t>𝜏</m:t>
+                          <m:t>𝝉</m:t>
                         </m:r>
                       </m:e>
                       <m:sub>
                         <m:r>
-                          <a:rPr kumimoji="1" lang="en-US" altLang="zh-TW" sz="5400" i="1">
+                          <a:rPr kumimoji="1" lang="en-US" altLang="zh-TW" sz="5400" b="1" i="1">
                             <a:latin typeface="Cambria Math" charset="0"/>
                             <a:ea typeface="Cambria Math" charset="0"/>
                             <a:cs typeface="Cambria Math" charset="0"/>
                           </a:rPr>
-                          <m:t>32</m:t>
+                          <m:t>𝟑𝟐</m:t>
                         </m:r>
                       </m:sub>
                     </m:sSub>
@@ -9623,7 +9794,7 @@
             </p:txBody>
           </p:sp>
         </mc:Choice>
-        <mc:Fallback xmlns="">
+        <mc:Fallback>
           <p:sp>
             <p:nvSpPr>
               <p:cNvPr id="91" name="矩形 90"/>
@@ -9635,7 +9806,7 @@
             <p:spPr>
               <a:xfrm>
                 <a:off x="15732702" y="8112014"/>
-                <a:ext cx="14170566" cy="932756"/>
+                <a:ext cx="14170566" cy="976934"/>
               </a:xfrm>
               <a:prstGeom prst="rect">
                 <a:avLst/>
@@ -9643,7 +9814,7 @@
               <a:blipFill rotWithShape="0">
                 <a:blip r:embed="rId17"/>
                 <a:stretch>
-                  <a:fillRect l="-2065" t="-11765" b="-32026"/>
+                  <a:fillRect l="-2065" t="-6875" b="-30625"/>
                 </a:stretch>
               </a:blipFill>
             </p:spPr>
@@ -9702,7 +9873,7 @@
         </p:nvSpPr>
         <p:spPr>
           <a:xfrm>
-            <a:off x="246159" y="38338305"/>
+            <a:off x="245866" y="38460512"/>
             <a:ext cx="15275490" cy="1631216"/>
           </a:xfrm>
           <a:prstGeom prst="rect">
@@ -11342,7 +11513,7 @@
         <p:spPr>
           <a:xfrm>
             <a:off x="168278" y="25555683"/>
-            <a:ext cx="15232092" cy="13499267"/>
+            <a:ext cx="15232092" cy="13676990"/>
           </a:xfrm>
           <a:prstGeom prst="rect">
             <a:avLst/>
@@ -11417,8 +11588,8 @@
         </p:nvSpPr>
         <p:spPr>
           <a:xfrm>
-            <a:off x="168278" y="39153913"/>
-            <a:ext cx="15247774" cy="3539388"/>
+            <a:off x="168278" y="39326907"/>
+            <a:ext cx="15247774" cy="3366394"/>
           </a:xfrm>
           <a:prstGeom prst="rect">
             <a:avLst/>
@@ -11813,8 +11984,8 @@
           </a:prstGeom>
         </p:spPr>
       </p:pic>
-      <mc:AlternateContent xmlns:mc="http://schemas.openxmlformats.org/markup-compatibility/2006" xmlns:a14="http://schemas.microsoft.com/office/drawing/2010/main">
-        <mc:Choice Requires="a14">
+      <mc:AlternateContent xmlns:mc="http://schemas.openxmlformats.org/markup-compatibility/2006">
+        <mc:Choice xmlns:a14="http://schemas.microsoft.com/office/drawing/2010/main" Requires="a14">
           <p:graphicFrame>
             <p:nvGraphicFramePr>
               <p:cNvPr id="66" name="表格 65"/>
@@ -11824,14 +11995,14 @@
               <p:nvPr>
                 <p:extLst>
                   <p:ext uri="{D42A27DB-BD31-4B8C-83A1-F6EECF244321}">
-                    <p14:modId xmlns:p14="http://schemas.microsoft.com/office/powerpoint/2010/main" val="872734937"/>
+                    <p14:modId xmlns:p14="http://schemas.microsoft.com/office/powerpoint/2010/main" val="983824921"/>
                   </p:ext>
                 </p:extLst>
               </p:nvPr>
             </p:nvGraphicFramePr>
             <p:xfrm>
-              <a:off x="15626659" y="33937124"/>
-              <a:ext cx="14353607" cy="6918960"/>
+              <a:off x="15551353" y="34681188"/>
+              <a:ext cx="14385678" cy="6162631"/>
             </p:xfrm>
             <a:graphic>
               <a:graphicData uri="http://schemas.openxmlformats.org/drawingml/2006/table">
@@ -11840,13 +12011,13 @@
                     <a:tableStyleId>{5C22544A-7EE6-4342-B048-85BDC9FD1C3A}</a:tableStyleId>
                   </a:tblPr>
                   <a:tblGrid>
-                    <a:gridCol w="3097060"/>
-                    <a:gridCol w="2706894"/>
-                    <a:gridCol w="2810845"/>
-                    <a:gridCol w="2810845"/>
-                    <a:gridCol w="2927963"/>
+                    <a:gridCol w="3103980"/>
+                    <a:gridCol w="2712942"/>
+                    <a:gridCol w="2817126"/>
+                    <a:gridCol w="2817126"/>
+                    <a:gridCol w="2934504"/>
                   </a:tblGrid>
-                  <a:tr h="707138">
+                  <a:tr h="1603051">
                     <a:tc>
                       <a:txBody>
                         <a:bodyPr/>
@@ -11854,17 +12025,17 @@
                         <a:p>
                           <a:pPr algn="ctr"/>
                           <a:r>
-                            <a:rPr lang="en-US" altLang="zh-TW" sz="3200" dirty="0" smtClean="0"/>
+                            <a:rPr lang="en-US" altLang="zh-TW" sz="3000" dirty="0" smtClean="0"/>
                             <a:t>Fix central</a:t>
                           </a:r>
                         </a:p>
                         <a:p>
                           <a:pPr algn="ctr"/>
                           <a:r>
-                            <a:rPr lang="en-US" altLang="zh-TW" sz="3200" dirty="0" smtClean="0"/>
+                            <a:rPr lang="en-US" altLang="zh-TW" sz="3000" dirty="0" smtClean="0"/>
                             <a:t>(from near highest)</a:t>
                           </a:r>
-                          <a:endParaRPr lang="zh-TW" altLang="en-US" sz="3200" dirty="0" smtClean="0"/>
+                          <a:endParaRPr lang="zh-TW" altLang="en-US" sz="3000" dirty="0" smtClean="0"/>
                         </a:p>
                       </a:txBody>
                       <a:tcPr/>
@@ -11874,7 +12045,7 @@
                         <a:bodyPr/>
                         <a:lstStyle/>
                         <a:p>
-                          <a:endParaRPr lang="en-US" altLang="zh-TW" sz="3200" i="1" dirty="0" smtClean="0">
+                          <a:endParaRPr lang="en-US" altLang="zh-TW" sz="3000" i="1" dirty="0" smtClean="0">
                             <a:latin typeface="Cambria Math" charset="0"/>
                           </a:endParaRPr>
                         </a:p>
@@ -11890,7 +12061,7 @@
                                   <m:radPr>
                                     <m:degHide m:val="on"/>
                                     <m:ctrlPr>
-                                      <a:rPr lang="zh-TW" altLang="en-US" sz="3200" i="1" smtClean="0">
+                                      <a:rPr lang="zh-TW" altLang="en-US" sz="3000" i="1" smtClean="0">
                                         <a:latin typeface="Cambria Math" charset="0"/>
                                       </a:rPr>
                                     </m:ctrlPr>
@@ -11898,7 +12069,7 @@
                                   <m:deg/>
                                   <m:e>
                                     <m:r>
-                                      <a:rPr lang="en-US" altLang="zh-TW" sz="3200" b="1" i="1" smtClean="0">
+                                      <a:rPr lang="en-US" altLang="zh-TW" sz="3000" b="1" i="1" smtClean="0">
                                         <a:latin typeface="Cambria Math" charset="0"/>
                                       </a:rPr>
                                       <m:t>𝒔</m:t>
@@ -11906,19 +12077,19 @@
                                   </m:e>
                                 </m:rad>
                                 <m:r>
-                                  <a:rPr lang="en-US" altLang="zh-TW" sz="3200" b="1" i="1" smtClean="0">
+                                  <a:rPr lang="en-US" altLang="zh-TW" sz="3000" b="1" i="1" smtClean="0">
                                     <a:latin typeface="Cambria Math" charset="0"/>
                                   </a:rPr>
                                   <m:t>=</m:t>
                                 </m:r>
                                 <m:r>
-                                  <a:rPr lang="en-US" altLang="zh-TW" sz="3200" b="1" i="1" smtClean="0">
+                                  <a:rPr lang="en-US" altLang="zh-TW" sz="3000" b="1" i="1" smtClean="0">
                                     <a:latin typeface="Cambria Math" charset="0"/>
                                   </a:rPr>
                                   <m:t>𝟓</m:t>
                                 </m:r>
                                 <m:r>
-                                  <a:rPr lang="en-US" altLang="zh-TW" sz="3200" b="1" i="1" smtClean="0">
+                                  <a:rPr lang="en-US" altLang="zh-TW" sz="3000" b="1" i="1" smtClean="0">
                                     <a:latin typeface="Cambria Math" charset="0"/>
                                   </a:rPr>
                                   <m:t>𝑻𝒆𝑽</m:t>
@@ -11926,7 +12097,7 @@
                               </m:oMath>
                             </m:oMathPara>
                           </a14:m>
-                          <a:endParaRPr lang="zh-TW" altLang="en-US" sz="3200" dirty="0"/>
+                          <a:endParaRPr lang="zh-TW" altLang="en-US" sz="3000" dirty="0"/>
                         </a:p>
                       </a:txBody>
                       <a:tcPr/>
@@ -11953,7 +12124,7 @@
                             <a:tabLst/>
                             <a:defRPr/>
                           </a:pPr>
-                          <a:endParaRPr lang="en-US" altLang="zh-TW" sz="3200" i="1" dirty="0" smtClean="0">
+                          <a:endParaRPr lang="en-US" altLang="zh-TW" sz="3000" i="1" dirty="0" smtClean="0">
                             <a:latin typeface="Cambria Math" charset="0"/>
                           </a:endParaRPr>
                         </a:p>
@@ -11985,7 +12156,7 @@
                                   <m:radPr>
                                     <m:degHide m:val="on"/>
                                     <m:ctrlPr>
-                                      <a:rPr lang="zh-TW" altLang="en-US" sz="3200" i="1" smtClean="0">
+                                      <a:rPr lang="zh-TW" altLang="en-US" sz="3000" i="1" smtClean="0">
                                         <a:latin typeface="Cambria Math" charset="0"/>
                                       </a:rPr>
                                     </m:ctrlPr>
@@ -11993,7 +12164,7 @@
                                   <m:deg/>
                                   <m:e>
                                     <m:r>
-                                      <a:rPr lang="en-US" altLang="zh-TW" sz="3200" b="1" i="1" smtClean="0">
+                                      <a:rPr lang="en-US" altLang="zh-TW" sz="3000" b="1" i="1" smtClean="0">
                                         <a:latin typeface="Cambria Math" charset="0"/>
                                       </a:rPr>
                                       <m:t>𝒔</m:t>
@@ -12001,19 +12172,19 @@
                                   </m:e>
                                 </m:rad>
                                 <m:r>
-                                  <a:rPr lang="en-US" altLang="zh-TW" sz="3200" b="1" i="1" smtClean="0">
+                                  <a:rPr lang="en-US" altLang="zh-TW" sz="3000" b="1" i="1" smtClean="0">
                                     <a:latin typeface="Cambria Math" charset="0"/>
                                   </a:rPr>
                                   <m:t>=</m:t>
                                 </m:r>
                                 <m:r>
-                                  <a:rPr lang="en-US" altLang="zh-TW" sz="3200" b="1" i="1" smtClean="0">
+                                  <a:rPr lang="en-US" altLang="zh-TW" sz="3000" b="1" i="1" smtClean="0">
                                     <a:latin typeface="Cambria Math" charset="0"/>
                                   </a:rPr>
                                   <m:t>𝟏𝟎</m:t>
                                 </m:r>
                                 <m:r>
-                                  <a:rPr lang="en-US" altLang="zh-TW" sz="3200" b="1" i="1" smtClean="0">
+                                  <a:rPr lang="en-US" altLang="zh-TW" sz="3000" b="1" i="1" smtClean="0">
                                     <a:latin typeface="Cambria Math" charset="0"/>
                                   </a:rPr>
                                   <m:t>𝑻𝒆𝑽</m:t>
@@ -12021,7 +12192,7 @@
                               </m:oMath>
                             </m:oMathPara>
                           </a14:m>
-                          <a:endParaRPr lang="zh-TW" altLang="en-US" sz="3200" dirty="0"/>
+                          <a:endParaRPr lang="zh-TW" altLang="en-US" sz="3000" dirty="0"/>
                         </a:p>
                       </a:txBody>
                       <a:tcPr/>
@@ -12048,7 +12219,7 @@
                             <a:tabLst/>
                             <a:defRPr/>
                           </a:pPr>
-                          <a:endParaRPr lang="en-US" altLang="zh-TW" sz="3200" i="1" dirty="0" smtClean="0">
+                          <a:endParaRPr lang="en-US" altLang="zh-TW" sz="3000" i="1" dirty="0" smtClean="0">
                             <a:latin typeface="Cambria Math" charset="0"/>
                           </a:endParaRPr>
                         </a:p>
@@ -12080,7 +12251,7 @@
                                   <m:radPr>
                                     <m:degHide m:val="on"/>
                                     <m:ctrlPr>
-                                      <a:rPr lang="zh-TW" altLang="en-US" sz="3200" i="1" smtClean="0">
+                                      <a:rPr lang="zh-TW" altLang="en-US" sz="3000" i="1" smtClean="0">
                                         <a:latin typeface="Cambria Math" charset="0"/>
                                       </a:rPr>
                                     </m:ctrlPr>
@@ -12088,7 +12259,7 @@
                                   <m:deg/>
                                   <m:e>
                                     <m:r>
-                                      <a:rPr lang="en-US" altLang="zh-TW" sz="3200" b="1" i="1" smtClean="0">
+                                      <a:rPr lang="en-US" altLang="zh-TW" sz="3000" b="1" i="1" smtClean="0">
                                         <a:latin typeface="Cambria Math" charset="0"/>
                                       </a:rPr>
                                       <m:t>𝒔</m:t>
@@ -12096,19 +12267,19 @@
                                   </m:e>
                                 </m:rad>
                                 <m:r>
-                                  <a:rPr lang="en-US" altLang="zh-TW" sz="3200" b="1" i="1" smtClean="0">
+                                  <a:rPr lang="en-US" altLang="zh-TW" sz="3000" b="1" i="1" smtClean="0">
                                     <a:latin typeface="Cambria Math" charset="0"/>
                                   </a:rPr>
                                   <m:t>=</m:t>
                                 </m:r>
                                 <m:r>
-                                  <a:rPr lang="en-US" altLang="zh-TW" sz="3200" b="1" i="1" smtClean="0">
+                                  <a:rPr lang="en-US" altLang="zh-TW" sz="3000" b="1" i="1" smtClean="0">
                                     <a:latin typeface="Cambria Math" charset="0"/>
                                   </a:rPr>
                                   <m:t>𝟐𝟎</m:t>
                                 </m:r>
                                 <m:r>
-                                  <a:rPr lang="en-US" altLang="zh-TW" sz="3200" b="1" i="1" smtClean="0">
+                                  <a:rPr lang="en-US" altLang="zh-TW" sz="3000" b="1" i="1" smtClean="0">
                                     <a:latin typeface="Cambria Math" charset="0"/>
                                   </a:rPr>
                                   <m:t>𝑻𝒆𝑽</m:t>
@@ -12116,7 +12287,7 @@
                               </m:oMath>
                             </m:oMathPara>
                           </a14:m>
-                          <a:endParaRPr lang="zh-TW" altLang="en-US" sz="3200" dirty="0"/>
+                          <a:endParaRPr lang="zh-TW" altLang="en-US" sz="3000" dirty="0"/>
                         </a:p>
                       </a:txBody>
                       <a:tcPr/>
@@ -12143,7 +12314,7 @@
                             <a:tabLst/>
                             <a:defRPr/>
                           </a:pPr>
-                          <a:endParaRPr lang="en-US" altLang="zh-TW" sz="3200" i="1" dirty="0" smtClean="0">
+                          <a:endParaRPr lang="en-US" altLang="zh-TW" sz="3000" i="1" dirty="0" smtClean="0">
                             <a:latin typeface="Cambria Math" charset="0"/>
                           </a:endParaRPr>
                         </a:p>
@@ -12175,7 +12346,7 @@
                                   <m:radPr>
                                     <m:degHide m:val="on"/>
                                     <m:ctrlPr>
-                                      <a:rPr lang="zh-TW" altLang="en-US" sz="3200" i="1" smtClean="0">
+                                      <a:rPr lang="zh-TW" altLang="en-US" sz="3000" i="1" smtClean="0">
                                         <a:latin typeface="Cambria Math" charset="0"/>
                                       </a:rPr>
                                     </m:ctrlPr>
@@ -12183,7 +12354,7 @@
                                   <m:deg/>
                                   <m:e>
                                     <m:r>
-                                      <a:rPr lang="en-US" altLang="zh-TW" sz="3200" b="1" i="1" smtClean="0">
+                                      <a:rPr lang="en-US" altLang="zh-TW" sz="3000" b="1" i="1" smtClean="0">
                                         <a:latin typeface="Cambria Math" charset="0"/>
                                       </a:rPr>
                                       <m:t>𝒔</m:t>
@@ -12191,19 +12362,19 @@
                                   </m:e>
                                 </m:rad>
                                 <m:r>
-                                  <a:rPr lang="en-US" altLang="zh-TW" sz="3200" b="1" i="1" smtClean="0">
+                                  <a:rPr lang="en-US" altLang="zh-TW" sz="3000" b="1" i="1" smtClean="0">
                                     <a:latin typeface="Cambria Math" charset="0"/>
                                   </a:rPr>
                                   <m:t>=</m:t>
                                 </m:r>
                                 <m:r>
-                                  <a:rPr lang="en-US" altLang="zh-TW" sz="3200" b="1" i="1" smtClean="0">
+                                  <a:rPr lang="en-US" altLang="zh-TW" sz="3000" b="1" i="1" smtClean="0">
                                     <a:latin typeface="Cambria Math" charset="0"/>
                                   </a:rPr>
                                   <m:t>𝟒𝟎</m:t>
                                 </m:r>
                                 <m:r>
-                                  <a:rPr lang="en-US" altLang="zh-TW" sz="3200" b="1" i="1" smtClean="0">
+                                  <a:rPr lang="en-US" altLang="zh-TW" sz="3000" b="1" i="1" smtClean="0">
                                     <a:latin typeface="Cambria Math" charset="0"/>
                                   </a:rPr>
                                   <m:t>𝑻𝒆𝑽</m:t>
@@ -12211,13 +12382,13 @@
                               </m:oMath>
                             </m:oMathPara>
                           </a14:m>
-                          <a:endParaRPr lang="zh-TW" altLang="en-US" sz="3200" dirty="0"/>
+                          <a:endParaRPr lang="zh-TW" altLang="en-US" sz="3000" dirty="0"/>
                         </a:p>
                       </a:txBody>
                       <a:tcPr/>
                     </a:tc>
                   </a:tr>
-                  <a:tr h="610080">
+                  <a:tr h="1139895">
                     <a:tc>
                       <a:txBody>
                         <a:bodyPr/>
@@ -12231,7 +12402,7 @@
                               </m:oMathParaPr>
                               <m:oMath xmlns:m="http://schemas.openxmlformats.org/officeDocument/2006/math">
                                 <m:r>
-                                  <a:rPr lang="en-US" altLang="zh-TW" sz="3200" b="0" i="1" dirty="0" smtClean="0">
+                                  <a:rPr lang="en-US" altLang="zh-TW" sz="3000" b="0" i="1" dirty="0" smtClean="0">
                                     <a:latin typeface="Cambria Math" charset="0"/>
                                     <a:ea typeface="Cambria Math" charset="0"/>
                                     <a:cs typeface="Cambria Math" charset="0"/>
@@ -12239,7 +12410,7 @@
                                   <m:t>𝛽</m:t>
                                 </m:r>
                                 <m:r>
-                                  <a:rPr lang="en-US" altLang="zh-TW" sz="3200" b="0" i="1" dirty="0" smtClean="0">
+                                  <a:rPr lang="en-US" altLang="zh-TW" sz="3000" b="0" i="1" dirty="0" smtClean="0">
                                     <a:latin typeface="Cambria Math" charset="0"/>
                                     <a:ea typeface="Cambria Math" charset="0"/>
                                     <a:cs typeface="Cambria Math" charset="0"/>
@@ -12249,15 +12420,15 @@
                               </m:oMath>
                             </m:oMathPara>
                           </a14:m>
-                          <a:endParaRPr lang="en-US" altLang="zh-TW" sz="3200" dirty="0" smtClean="0"/>
+                          <a:endParaRPr lang="en-US" altLang="zh-TW" sz="3000" dirty="0" smtClean="0"/>
                         </a:p>
                         <a:p>
                           <a:pPr algn="ctr"/>
                           <a:r>
-                            <a:rPr lang="en-US" altLang="zh-TW" sz="3200" dirty="0" smtClean="0"/>
+                            <a:rPr lang="en-US" altLang="zh-TW" sz="3000" dirty="0" smtClean="0"/>
                             <a:t>Signal=WW</a:t>
                           </a:r>
-                          <a:endParaRPr lang="zh-TW" altLang="en-US" sz="3200" dirty="0"/>
+                          <a:endParaRPr lang="zh-TW" altLang="en-US" sz="3000" dirty="0"/>
                         </a:p>
                       </a:txBody>
                       <a:tcPr/>
@@ -12269,10 +12440,18 @@
                         <a:p>
                           <a:pPr algn="ctr"/>
                           <a:r>
-                            <a:rPr lang="en-US" altLang="zh-TW" dirty="0" smtClean="0"/>
+                            <a:rPr lang="en-US" altLang="zh-TW" sz="6000" dirty="0" smtClean="0">
+                              <a:solidFill>
+                                <a:srgbClr val="FF0000"/>
+                              </a:solidFill>
+                            </a:rPr>
                             <a:t>o</a:t>
                           </a:r>
-                          <a:endParaRPr lang="zh-TW" altLang="en-US" dirty="0"/>
+                          <a:endParaRPr lang="zh-TW" altLang="en-US" sz="6000" dirty="0">
+                            <a:solidFill>
+                              <a:srgbClr val="FF0000"/>
+                            </a:solidFill>
+                          </a:endParaRPr>
                         </a:p>
                       </a:txBody>
                       <a:tcPr/>
@@ -12284,10 +12463,18 @@
                         <a:p>
                           <a:pPr algn="ctr"/>
                           <a:r>
-                            <a:rPr lang="en-US" altLang="zh-TW" dirty="0" smtClean="0"/>
+                            <a:rPr lang="en-US" altLang="zh-TW" sz="6000" dirty="0" smtClean="0">
+                              <a:solidFill>
+                                <a:srgbClr val="FF0000"/>
+                              </a:solidFill>
+                            </a:rPr>
                             <a:t>o</a:t>
                           </a:r>
-                          <a:endParaRPr lang="zh-TW" altLang="en-US" dirty="0"/>
+                          <a:endParaRPr lang="zh-TW" altLang="en-US" sz="6000" dirty="0">
+                            <a:solidFill>
+                              <a:srgbClr val="FF0000"/>
+                            </a:solidFill>
+                          </a:endParaRPr>
                         </a:p>
                       </a:txBody>
                       <a:tcPr/>
@@ -12299,10 +12486,10 @@
                         <a:p>
                           <a:pPr algn="ctr"/>
                           <a:r>
-                            <a:rPr lang="en-US" altLang="zh-TW" dirty="0" smtClean="0"/>
+                            <a:rPr lang="en-US" altLang="zh-TW" sz="6000" dirty="0" smtClean="0"/>
                             <a:t>x</a:t>
                           </a:r>
-                          <a:endParaRPr lang="zh-TW" altLang="en-US" dirty="0"/>
+                          <a:endParaRPr lang="zh-TW" altLang="en-US" sz="6000" dirty="0"/>
                         </a:p>
                       </a:txBody>
                       <a:tcPr/>
@@ -12314,16 +12501,16 @@
                         <a:p>
                           <a:pPr algn="ctr"/>
                           <a:r>
-                            <a:rPr lang="en-US" altLang="zh-TW" dirty="0" smtClean="0"/>
+                            <a:rPr lang="en-US" altLang="zh-TW" sz="6000" dirty="0" smtClean="0"/>
                             <a:t>x</a:t>
                           </a:r>
-                          <a:endParaRPr lang="zh-TW" altLang="en-US" dirty="0"/>
+                          <a:endParaRPr lang="zh-TW" altLang="en-US" sz="6000" dirty="0"/>
                         </a:p>
                       </a:txBody>
                       <a:tcPr/>
                     </a:tc>
                   </a:tr>
-                  <a:tr h="610080">
+                  <a:tr h="1139895">
                     <a:tc>
                       <a:txBody>
                         <a:bodyPr/>
@@ -12337,7 +12524,7 @@
                               </m:oMathParaPr>
                               <m:oMath xmlns:m="http://schemas.openxmlformats.org/officeDocument/2006/math">
                                 <m:r>
-                                  <a:rPr lang="en-US" altLang="zh-TW" sz="3200" b="0" i="1" dirty="0" smtClean="0">
+                                  <a:rPr lang="en-US" altLang="zh-TW" sz="3000" b="0" i="1" dirty="0" smtClean="0">
                                     <a:latin typeface="Cambria Math" charset="0"/>
                                     <a:ea typeface="Cambria Math" charset="0"/>
                                     <a:cs typeface="Cambria Math" charset="0"/>
@@ -12345,29 +12532,25 @@
                                   <m:t>𝛽</m:t>
                                 </m:r>
                                 <m:r>
-                                  <a:rPr lang="en-US" altLang="zh-TW" sz="3200" b="0" i="1" dirty="0" smtClean="0">
+                                  <a:rPr lang="en-US" altLang="zh-TW" sz="3000" b="0" i="1" dirty="0" smtClean="0">
                                     <a:latin typeface="Cambria Math" charset="0"/>
                                     <a:ea typeface="Cambria Math" charset="0"/>
                                     <a:cs typeface="Cambria Math" charset="0"/>
                                   </a:rPr>
-                                  <m:t>=0</m:t>
+                                  <m:t>=2</m:t>
                                 </m:r>
                               </m:oMath>
                             </m:oMathPara>
                           </a14:m>
-                          <a:endParaRPr lang="en-US" altLang="zh-TW" sz="3200" dirty="0" smtClean="0"/>
+                          <a:endParaRPr lang="en-US" altLang="zh-TW" sz="3000" dirty="0" smtClean="0"/>
                         </a:p>
                         <a:p>
                           <a:pPr algn="ctr"/>
                           <a:r>
-                            <a:rPr lang="en-US" altLang="zh-TW" sz="3200" dirty="0" smtClean="0"/>
-                            <a:t>Signal=</a:t>
+                            <a:rPr lang="en-US" altLang="zh-TW" sz="3000" dirty="0" smtClean="0"/>
+                            <a:t>Signal=WW</a:t>
                           </a:r>
-                          <a:r>
-                            <a:rPr lang="en-US" altLang="zh-TW" sz="3200" dirty="0" err="1" smtClean="0"/>
-                            <a:t>tt</a:t>
-                          </a:r>
-                          <a:endParaRPr lang="zh-TW" altLang="en-US" sz="3200" dirty="0"/>
+                          <a:endParaRPr lang="zh-TW" altLang="en-US" sz="3000" dirty="0"/>
                         </a:p>
                       </a:txBody>
                       <a:tcPr/>
@@ -12379,10 +12562,10 @@
                         <a:p>
                           <a:pPr algn="ctr"/>
                           <a:r>
-                            <a:rPr lang="en-US" altLang="zh-TW" dirty="0" smtClean="0"/>
+                            <a:rPr lang="en-US" altLang="zh-TW" sz="6000" dirty="0" smtClean="0"/>
                             <a:t>x</a:t>
                           </a:r>
-                          <a:endParaRPr lang="zh-TW" altLang="en-US" dirty="0"/>
+                          <a:endParaRPr lang="zh-TW" altLang="en-US" sz="6000" dirty="0"/>
                         </a:p>
                       </a:txBody>
                       <a:tcPr/>
@@ -12394,10 +12577,10 @@
                         <a:p>
                           <a:pPr algn="ctr"/>
                           <a:r>
-                            <a:rPr lang="en-US" altLang="zh-TW" dirty="0" smtClean="0"/>
-                            <a:t>o</a:t>
+                            <a:rPr lang="en-US" altLang="zh-TW" sz="6000" dirty="0" smtClean="0"/>
+                            <a:t>x</a:t>
                           </a:r>
-                          <a:endParaRPr lang="zh-TW" altLang="en-US" dirty="0"/>
+                          <a:endParaRPr lang="zh-TW" altLang="en-US" sz="6000" dirty="0"/>
                         </a:p>
                       </a:txBody>
                       <a:tcPr/>
@@ -12409,10 +12592,10 @@
                         <a:p>
                           <a:pPr algn="ctr"/>
                           <a:r>
-                            <a:rPr lang="en-US" altLang="zh-TW" dirty="0" smtClean="0"/>
-                            <a:t>o</a:t>
+                            <a:rPr lang="en-US" altLang="zh-TW" sz="6000" dirty="0" smtClean="0"/>
+                            <a:t>x</a:t>
                           </a:r>
-                          <a:endParaRPr lang="zh-TW" altLang="en-US" dirty="0"/>
+                          <a:endParaRPr lang="zh-TW" altLang="en-US" sz="6000" dirty="0"/>
                         </a:p>
                       </a:txBody>
                       <a:tcPr/>
@@ -12424,16 +12607,16 @@
                         <a:p>
                           <a:pPr algn="ctr"/>
                           <a:r>
-                            <a:rPr lang="en-US" altLang="zh-TW" dirty="0" smtClean="0"/>
+                            <a:rPr lang="en-US" altLang="zh-TW" sz="6000" dirty="0" smtClean="0"/>
                             <a:t>x</a:t>
                           </a:r>
-                          <a:endParaRPr lang="zh-TW" altLang="en-US" dirty="0"/>
+                          <a:endParaRPr lang="zh-TW" altLang="en-US" sz="6000" dirty="0"/>
                         </a:p>
                       </a:txBody>
                       <a:tcPr/>
                     </a:tc>
                   </a:tr>
-                  <a:tr h="610080">
+                  <a:tr h="1139895">
                     <a:tc>
                       <a:txBody>
                         <a:bodyPr/>
@@ -12447,7 +12630,7 @@
                               </m:oMathParaPr>
                               <m:oMath xmlns:m="http://schemas.openxmlformats.org/officeDocument/2006/math">
                                 <m:r>
-                                  <a:rPr lang="en-US" altLang="zh-TW" sz="3200" b="0" i="1" dirty="0" smtClean="0">
+                                  <a:rPr lang="en-US" altLang="zh-TW" sz="3000" b="0" i="1" dirty="0" smtClean="0">
                                     <a:latin typeface="Cambria Math" charset="0"/>
                                     <a:ea typeface="Cambria Math" charset="0"/>
                                     <a:cs typeface="Cambria Math" charset="0"/>
@@ -12455,25 +12638,29 @@
                                   <m:t>𝛽</m:t>
                                 </m:r>
                                 <m:r>
-                                  <a:rPr lang="en-US" altLang="zh-TW" sz="3200" b="0" i="1" dirty="0" smtClean="0">
+                                  <a:rPr lang="en-US" altLang="zh-TW" sz="3000" b="0" i="1" dirty="0" smtClean="0">
                                     <a:latin typeface="Cambria Math" charset="0"/>
                                     <a:ea typeface="Cambria Math" charset="0"/>
                                     <a:cs typeface="Cambria Math" charset="0"/>
                                   </a:rPr>
-                                  <m:t>=2</m:t>
+                                  <m:t>=0</m:t>
                                 </m:r>
                               </m:oMath>
                             </m:oMathPara>
                           </a14:m>
-                          <a:endParaRPr lang="en-US" altLang="zh-TW" sz="3200" dirty="0" smtClean="0"/>
+                          <a:endParaRPr lang="en-US" altLang="zh-TW" sz="3000" dirty="0" smtClean="0"/>
                         </a:p>
                         <a:p>
                           <a:pPr algn="ctr"/>
                           <a:r>
-                            <a:rPr lang="en-US" altLang="zh-TW" sz="3200" dirty="0" smtClean="0"/>
-                            <a:t>Signal=WW</a:t>
+                            <a:rPr lang="en-US" altLang="zh-TW" sz="3000" dirty="0" smtClean="0"/>
+                            <a:t>Signal=</a:t>
                           </a:r>
-                          <a:endParaRPr lang="zh-TW" altLang="en-US" sz="3200" dirty="0"/>
+                          <a:r>
+                            <a:rPr lang="en-US" altLang="zh-TW" sz="3000" dirty="0" err="1" smtClean="0"/>
+                            <a:t>tt</a:t>
+                          </a:r>
+                          <a:endParaRPr lang="zh-TW" altLang="en-US" sz="3000" dirty="0"/>
                         </a:p>
                       </a:txBody>
                       <a:tcPr/>
@@ -12485,10 +12672,10 @@
                         <a:p>
                           <a:pPr algn="ctr"/>
                           <a:r>
-                            <a:rPr lang="en-US" altLang="zh-TW" dirty="0" smtClean="0"/>
+                            <a:rPr lang="en-US" altLang="zh-TW" sz="6000" dirty="0" smtClean="0"/>
                             <a:t>x</a:t>
                           </a:r>
-                          <a:endParaRPr lang="zh-TW" altLang="en-US" dirty="0"/>
+                          <a:endParaRPr lang="zh-TW" altLang="en-US" sz="6000" dirty="0"/>
                         </a:p>
                       </a:txBody>
                       <a:tcPr/>
@@ -12500,10 +12687,18 @@
                         <a:p>
                           <a:pPr algn="ctr"/>
                           <a:r>
-                            <a:rPr lang="en-US" altLang="zh-TW" dirty="0" smtClean="0"/>
-                            <a:t>x</a:t>
+                            <a:rPr lang="en-US" altLang="zh-TW" sz="6000" dirty="0" smtClean="0">
+                              <a:solidFill>
+                                <a:srgbClr val="FF0000"/>
+                              </a:solidFill>
+                            </a:rPr>
+                            <a:t>o</a:t>
                           </a:r>
-                          <a:endParaRPr lang="zh-TW" altLang="en-US" dirty="0"/>
+                          <a:endParaRPr lang="zh-TW" altLang="en-US" sz="6000" dirty="0">
+                            <a:solidFill>
+                              <a:srgbClr val="FF0000"/>
+                            </a:solidFill>
+                          </a:endParaRPr>
                         </a:p>
                       </a:txBody>
                       <a:tcPr/>
@@ -12515,10 +12710,18 @@
                         <a:p>
                           <a:pPr algn="ctr"/>
                           <a:r>
-                            <a:rPr lang="en-US" altLang="zh-TW" dirty="0" smtClean="0"/>
-                            <a:t>x</a:t>
+                            <a:rPr lang="en-US" altLang="zh-TW" sz="6000" dirty="0" smtClean="0">
+                              <a:solidFill>
+                                <a:srgbClr val="FF0000"/>
+                              </a:solidFill>
+                            </a:rPr>
+                            <a:t>o</a:t>
                           </a:r>
-                          <a:endParaRPr lang="zh-TW" altLang="en-US" dirty="0"/>
+                          <a:endParaRPr lang="zh-TW" altLang="en-US" sz="6000" dirty="0">
+                            <a:solidFill>
+                              <a:srgbClr val="FF0000"/>
+                            </a:solidFill>
+                          </a:endParaRPr>
                         </a:p>
                       </a:txBody>
                       <a:tcPr/>
@@ -12530,16 +12733,16 @@
                         <a:p>
                           <a:pPr algn="ctr"/>
                           <a:r>
-                            <a:rPr lang="en-US" altLang="zh-TW" dirty="0" smtClean="0"/>
+                            <a:rPr lang="en-US" altLang="zh-TW" sz="6000" dirty="0" smtClean="0"/>
                             <a:t>x</a:t>
                           </a:r>
-                          <a:endParaRPr lang="zh-TW" altLang="en-US" dirty="0"/>
+                          <a:endParaRPr lang="zh-TW" altLang="en-US" sz="6000" dirty="0"/>
                         </a:p>
                       </a:txBody>
                       <a:tcPr/>
                     </a:tc>
                   </a:tr>
-                  <a:tr h="610080">
+                  <a:tr h="1139895">
                     <a:tc>
                       <a:txBody>
                         <a:bodyPr/>
@@ -12553,7 +12756,7 @@
                               </m:oMathParaPr>
                               <m:oMath xmlns:m="http://schemas.openxmlformats.org/officeDocument/2006/math">
                                 <m:r>
-                                  <a:rPr lang="en-US" altLang="zh-TW" sz="3200" b="0" i="1" dirty="0" smtClean="0">
+                                  <a:rPr lang="en-US" altLang="zh-TW" sz="3000" b="0" i="1" dirty="0" smtClean="0">
                                     <a:latin typeface="Cambria Math" charset="0"/>
                                     <a:ea typeface="Cambria Math" charset="0"/>
                                     <a:cs typeface="Cambria Math" charset="0"/>
@@ -12561,7 +12764,7 @@
                                   <m:t>𝛽</m:t>
                                 </m:r>
                                 <m:r>
-                                  <a:rPr lang="en-US" altLang="zh-TW" sz="3200" b="0" i="1" dirty="0" smtClean="0">
+                                  <a:rPr lang="en-US" altLang="zh-TW" sz="3000" b="0" i="1" dirty="0" smtClean="0">
                                     <a:latin typeface="Cambria Math" charset="0"/>
                                     <a:ea typeface="Cambria Math" charset="0"/>
                                     <a:cs typeface="Cambria Math" charset="0"/>
@@ -12571,19 +12774,19 @@
                               </m:oMath>
                             </m:oMathPara>
                           </a14:m>
-                          <a:endParaRPr lang="en-US" altLang="zh-TW" sz="3200" dirty="0" smtClean="0"/>
+                          <a:endParaRPr lang="en-US" altLang="zh-TW" sz="3000" dirty="0" smtClean="0"/>
                         </a:p>
                         <a:p>
                           <a:pPr algn="ctr"/>
                           <a:r>
-                            <a:rPr lang="en-US" altLang="zh-TW" sz="3200" dirty="0" smtClean="0"/>
+                            <a:rPr lang="en-US" altLang="zh-TW" sz="3000" dirty="0" smtClean="0"/>
                             <a:t>Signal=</a:t>
                           </a:r>
                           <a:r>
-                            <a:rPr lang="en-US" altLang="zh-TW" sz="3200" dirty="0" err="1" smtClean="0"/>
+                            <a:rPr lang="en-US" altLang="zh-TW" sz="3000" dirty="0" err="1" smtClean="0"/>
                             <a:t>tt</a:t>
                           </a:r>
-                          <a:endParaRPr lang="zh-TW" altLang="en-US" sz="3200" dirty="0"/>
+                          <a:endParaRPr lang="zh-TW" altLang="en-US" sz="3000" dirty="0"/>
                         </a:p>
                       </a:txBody>
                       <a:tcPr/>
@@ -12595,10 +12798,10 @@
                         <a:p>
                           <a:pPr algn="ctr"/>
                           <a:r>
-                            <a:rPr lang="en-US" altLang="zh-TW" dirty="0" smtClean="0"/>
+                            <a:rPr lang="en-US" altLang="zh-TW" sz="6000" dirty="0" smtClean="0"/>
                             <a:t>x</a:t>
                           </a:r>
-                          <a:endParaRPr lang="zh-TW" altLang="en-US" dirty="0"/>
+                          <a:endParaRPr lang="zh-TW" altLang="en-US" sz="6000" dirty="0"/>
                         </a:p>
                       </a:txBody>
                       <a:tcPr/>
@@ -12610,10 +12813,10 @@
                         <a:p>
                           <a:pPr algn="ctr"/>
                           <a:r>
-                            <a:rPr lang="en-US" altLang="zh-TW" dirty="0" smtClean="0"/>
+                            <a:rPr lang="en-US" altLang="zh-TW" sz="6000" dirty="0" smtClean="0"/>
                             <a:t>x</a:t>
                           </a:r>
-                          <a:endParaRPr lang="zh-TW" altLang="en-US" dirty="0"/>
+                          <a:endParaRPr lang="zh-TW" altLang="en-US" sz="6000" dirty="0"/>
                         </a:p>
                       </a:txBody>
                       <a:tcPr/>
@@ -12625,10 +12828,10 @@
                         <a:p>
                           <a:pPr algn="ctr"/>
                           <a:r>
-                            <a:rPr lang="en-US" altLang="zh-TW" dirty="0" smtClean="0"/>
+                            <a:rPr lang="en-US" altLang="zh-TW" sz="6000" dirty="0" smtClean="0"/>
                             <a:t>x</a:t>
                           </a:r>
-                          <a:endParaRPr lang="zh-TW" altLang="en-US" dirty="0"/>
+                          <a:endParaRPr lang="zh-TW" altLang="en-US" sz="6000" dirty="0"/>
                         </a:p>
                       </a:txBody>
                       <a:tcPr/>
@@ -12640,10 +12843,10 @@
                         <a:p>
                           <a:pPr algn="ctr"/>
                           <a:r>
-                            <a:rPr lang="en-US" altLang="zh-TW" dirty="0" smtClean="0"/>
+                            <a:rPr lang="en-US" altLang="zh-TW" sz="6000" dirty="0" smtClean="0"/>
                             <a:t>x</a:t>
                           </a:r>
-                          <a:endParaRPr lang="zh-TW" altLang="en-US" dirty="0"/>
+                          <a:endParaRPr lang="zh-TW" altLang="en-US" sz="6000" dirty="0"/>
                         </a:p>
                       </a:txBody>
                       <a:tcPr/>
@@ -12654,7 +12857,7 @@
             </a:graphic>
           </p:graphicFrame>
         </mc:Choice>
-        <mc:Fallback xmlns="">
+        <mc:Fallback>
           <p:graphicFrame>
             <p:nvGraphicFramePr>
               <p:cNvPr id="66" name="表格 65"/>
@@ -12664,14 +12867,14 @@
               <p:nvPr>
                 <p:extLst>
                   <p:ext uri="{D42A27DB-BD31-4B8C-83A1-F6EECF244321}">
-                    <p14:modId xmlns:p14="http://schemas.microsoft.com/office/powerpoint/2010/main" val="872734937"/>
+                    <p14:modId xmlns:p14="http://schemas.microsoft.com/office/powerpoint/2010/main" val="983824921"/>
                   </p:ext>
                 </p:extLst>
               </p:nvPr>
             </p:nvGraphicFramePr>
             <p:xfrm>
-              <a:off x="15626659" y="33937124"/>
-              <a:ext cx="14353607" cy="6918960"/>
+              <a:off x="15551353" y="34681188"/>
+              <a:ext cx="14385678" cy="6162631"/>
             </p:xfrm>
             <a:graphic>
               <a:graphicData uri="http://schemas.openxmlformats.org/drawingml/2006/table">
@@ -12680,13 +12883,13 @@
                     <a:tableStyleId>{5C22544A-7EE6-4342-B048-85BDC9FD1C3A}</a:tableStyleId>
                   </a:tblPr>
                   <a:tblGrid>
-                    <a:gridCol w="3097060"/>
-                    <a:gridCol w="2706894"/>
-                    <a:gridCol w="2810845"/>
-                    <a:gridCol w="2810845"/>
-                    <a:gridCol w="2927963"/>
+                    <a:gridCol w="3103980"/>
+                    <a:gridCol w="2712942"/>
+                    <a:gridCol w="2817126"/>
+                    <a:gridCol w="2817126"/>
+                    <a:gridCol w="2934504"/>
                   </a:tblGrid>
-                  <a:tr h="1554480">
+                  <a:tr h="1603051">
                     <a:tc>
                       <a:txBody>
                         <a:bodyPr/>
@@ -12694,17 +12897,17 @@
                         <a:p>
                           <a:pPr algn="ctr"/>
                           <a:r>
-                            <a:rPr lang="en-US" altLang="zh-TW" sz="3200" dirty="0" smtClean="0"/>
+                            <a:rPr lang="en-US" altLang="zh-TW" sz="3000" dirty="0" smtClean="0"/>
                             <a:t>Fix central</a:t>
                           </a:r>
                         </a:p>
                         <a:p>
                           <a:pPr algn="ctr"/>
                           <a:r>
-                            <a:rPr lang="en-US" altLang="zh-TW" sz="3200" dirty="0" smtClean="0"/>
+                            <a:rPr lang="en-US" altLang="zh-TW" sz="3000" dirty="0" smtClean="0"/>
                             <a:t>(from near highest)</a:t>
                           </a:r>
-                          <a:endParaRPr lang="zh-TW" altLang="en-US" sz="3200" dirty="0" smtClean="0"/>
+                          <a:endParaRPr lang="zh-TW" altLang="en-US" sz="3000" dirty="0" smtClean="0"/>
                         </a:p>
                       </a:txBody>
                       <a:tcPr/>
@@ -12721,7 +12924,7 @@
                         <a:blipFill rotWithShape="0">
                           <a:blip r:embed="rId35"/>
                           <a:stretch>
-                            <a:fillRect l="-114382" t="-5098" r="-316180" b="-382745"/>
+                            <a:fillRect l="-114607" t="-4563" r="-317079" b="-301901"/>
                           </a:stretch>
                         </a:blipFill>
                       </a:tcPr>
@@ -12738,7 +12941,7 @@
                         <a:blipFill rotWithShape="0">
                           <a:blip r:embed="rId35"/>
                           <a:stretch>
-                            <a:fillRect l="-206941" t="-5098" r="-205206" b="-382745"/>
+                            <a:fillRect l="-206710" t="-4563" r="-205411" b="-301901"/>
                           </a:stretch>
                         </a:blipFill>
                       </a:tcPr>
@@ -12755,7 +12958,7 @@
                         <a:blipFill rotWithShape="0">
                           <a:blip r:embed="rId35"/>
                           <a:stretch>
-                            <a:fillRect l="-306941" t="-5098" r="-105206" b="-382745"/>
+                            <a:fillRect l="-306048" t="-4563" r="-104968" b="-301901"/>
                           </a:stretch>
                         </a:blipFill>
                       </a:tcPr>
@@ -12772,13 +12975,13 @@
                         <a:blipFill rotWithShape="0">
                           <a:blip r:embed="rId35"/>
                           <a:stretch>
-                            <a:fillRect l="-390021" t="-5098" r="-832" b="-382745"/>
+                            <a:fillRect l="-390852" t="-4563" r="-1040" b="-301901"/>
                           </a:stretch>
                         </a:blipFill>
                       </a:tcPr>
                     </a:tc>
                   </a:tr>
-                  <a:tr h="1341120">
+                  <a:tr h="1139895">
                     <a:tc>
                       <a:txBody>
                         <a:bodyPr/>
@@ -12791,7 +12994,7 @@
                         <a:blipFill rotWithShape="0">
                           <a:blip r:embed="rId35"/>
                           <a:stretch>
-                            <a:fillRect l="-197" t="-121818" r="-364567" b="-343636"/>
+                            <a:fillRect l="-196" t="-147059" r="-364637" b="-324599"/>
                           </a:stretch>
                         </a:blipFill>
                       </a:tcPr>
@@ -12803,10 +13006,18 @@
                         <a:p>
                           <a:pPr algn="ctr"/>
                           <a:r>
-                            <a:rPr lang="en-US" altLang="zh-TW" dirty="0" smtClean="0"/>
+                            <a:rPr lang="en-US" altLang="zh-TW" sz="6000" dirty="0" smtClean="0">
+                              <a:solidFill>
+                                <a:srgbClr val="FF0000"/>
+                              </a:solidFill>
+                            </a:rPr>
                             <a:t>o</a:t>
                           </a:r>
-                          <a:endParaRPr lang="zh-TW" altLang="en-US" dirty="0"/>
+                          <a:endParaRPr lang="zh-TW" altLang="en-US" sz="6000" dirty="0">
+                            <a:solidFill>
+                              <a:srgbClr val="FF0000"/>
+                            </a:solidFill>
+                          </a:endParaRPr>
                         </a:p>
                       </a:txBody>
                       <a:tcPr/>
@@ -12818,10 +13029,18 @@
                         <a:p>
                           <a:pPr algn="ctr"/>
                           <a:r>
-                            <a:rPr lang="en-US" altLang="zh-TW" dirty="0" smtClean="0"/>
+                            <a:rPr lang="en-US" altLang="zh-TW" sz="6000" dirty="0" smtClean="0">
+                              <a:solidFill>
+                                <a:srgbClr val="FF0000"/>
+                              </a:solidFill>
+                            </a:rPr>
                             <a:t>o</a:t>
                           </a:r>
-                          <a:endParaRPr lang="zh-TW" altLang="en-US" dirty="0"/>
+                          <a:endParaRPr lang="zh-TW" altLang="en-US" sz="6000" dirty="0">
+                            <a:solidFill>
+                              <a:srgbClr val="FF0000"/>
+                            </a:solidFill>
+                          </a:endParaRPr>
                         </a:p>
                       </a:txBody>
                       <a:tcPr/>
@@ -12833,10 +13052,10 @@
                         <a:p>
                           <a:pPr algn="ctr"/>
                           <a:r>
-                            <a:rPr lang="en-US" altLang="zh-TW" dirty="0" smtClean="0"/>
+                            <a:rPr lang="en-US" altLang="zh-TW" sz="6000" dirty="0" smtClean="0"/>
                             <a:t>x</a:t>
                           </a:r>
-                          <a:endParaRPr lang="zh-TW" altLang="en-US" dirty="0"/>
+                          <a:endParaRPr lang="zh-TW" altLang="en-US" sz="6000" dirty="0"/>
                         </a:p>
                       </a:txBody>
                       <a:tcPr/>
@@ -12848,16 +13067,16 @@
                         <a:p>
                           <a:pPr algn="ctr"/>
                           <a:r>
-                            <a:rPr lang="en-US" altLang="zh-TW" dirty="0" smtClean="0"/>
+                            <a:rPr lang="en-US" altLang="zh-TW" sz="6000" dirty="0" smtClean="0"/>
                             <a:t>x</a:t>
                           </a:r>
-                          <a:endParaRPr lang="zh-TW" altLang="en-US" dirty="0"/>
+                          <a:endParaRPr lang="zh-TW" altLang="en-US" sz="6000" dirty="0"/>
                         </a:p>
                       </a:txBody>
                       <a:tcPr/>
                     </a:tc>
                   </a:tr>
-                  <a:tr h="1341120">
+                  <a:tr h="1139895">
                     <a:tc>
                       <a:txBody>
                         <a:bodyPr/>
@@ -12870,7 +13089,7 @@
                         <a:blipFill rotWithShape="0">
                           <a:blip r:embed="rId35"/>
                           <a:stretch>
-                            <a:fillRect l="-197" t="-220814" r="-364567" b="-242081"/>
+                            <a:fillRect l="-196" t="-245745" r="-364637" b="-222872"/>
                           </a:stretch>
                         </a:blipFill>
                       </a:tcPr>
@@ -12882,10 +13101,10 @@
                         <a:p>
                           <a:pPr algn="ctr"/>
                           <a:r>
-                            <a:rPr lang="en-US" altLang="zh-TW" dirty="0" smtClean="0"/>
+                            <a:rPr lang="en-US" altLang="zh-TW" sz="6000" dirty="0" smtClean="0"/>
                             <a:t>x</a:t>
                           </a:r>
-                          <a:endParaRPr lang="zh-TW" altLang="en-US" dirty="0"/>
+                          <a:endParaRPr lang="zh-TW" altLang="en-US" sz="6000" dirty="0"/>
                         </a:p>
                       </a:txBody>
                       <a:tcPr/>
@@ -12897,10 +13116,10 @@
                         <a:p>
                           <a:pPr algn="ctr"/>
                           <a:r>
-                            <a:rPr lang="en-US" altLang="zh-TW" dirty="0" smtClean="0"/>
-                            <a:t>o</a:t>
+                            <a:rPr lang="en-US" altLang="zh-TW" sz="6000" dirty="0" smtClean="0"/>
+                            <a:t>x</a:t>
                           </a:r>
-                          <a:endParaRPr lang="zh-TW" altLang="en-US" dirty="0"/>
+                          <a:endParaRPr lang="zh-TW" altLang="en-US" sz="6000" dirty="0"/>
                         </a:p>
                       </a:txBody>
                       <a:tcPr/>
@@ -12912,10 +13131,10 @@
                         <a:p>
                           <a:pPr algn="ctr"/>
                           <a:r>
-                            <a:rPr lang="en-US" altLang="zh-TW" dirty="0" smtClean="0"/>
-                            <a:t>o</a:t>
+                            <a:rPr lang="en-US" altLang="zh-TW" sz="6000" dirty="0" smtClean="0"/>
+                            <a:t>x</a:t>
                           </a:r>
-                          <a:endParaRPr lang="zh-TW" altLang="en-US" dirty="0"/>
+                          <a:endParaRPr lang="zh-TW" altLang="en-US" sz="6000" dirty="0"/>
                         </a:p>
                       </a:txBody>
                       <a:tcPr/>
@@ -12927,16 +13146,16 @@
                         <a:p>
                           <a:pPr algn="ctr"/>
                           <a:r>
-                            <a:rPr lang="en-US" altLang="zh-TW" dirty="0" smtClean="0"/>
+                            <a:rPr lang="en-US" altLang="zh-TW" sz="6000" dirty="0" smtClean="0"/>
                             <a:t>x</a:t>
                           </a:r>
-                          <a:endParaRPr lang="zh-TW" altLang="en-US" dirty="0"/>
+                          <a:endParaRPr lang="zh-TW" altLang="en-US" sz="6000" dirty="0"/>
                         </a:p>
                       </a:txBody>
                       <a:tcPr/>
                     </a:tc>
                   </a:tr>
-                  <a:tr h="1341120">
+                  <a:tr h="1139895">
                     <a:tc>
                       <a:txBody>
                         <a:bodyPr/>
@@ -12949,7 +13168,7 @@
                         <a:blipFill rotWithShape="0">
                           <a:blip r:embed="rId35"/>
                           <a:stretch>
-                            <a:fillRect l="-197" t="-322273" r="-364567" b="-143182"/>
+                            <a:fillRect l="-196" t="-347594" r="-364637" b="-124064"/>
                           </a:stretch>
                         </a:blipFill>
                       </a:tcPr>
@@ -12961,10 +13180,10 @@
                         <a:p>
                           <a:pPr algn="ctr"/>
                           <a:r>
-                            <a:rPr lang="en-US" altLang="zh-TW" dirty="0" smtClean="0"/>
+                            <a:rPr lang="en-US" altLang="zh-TW" sz="6000" dirty="0" smtClean="0"/>
                             <a:t>x</a:t>
                           </a:r>
-                          <a:endParaRPr lang="zh-TW" altLang="en-US" dirty="0"/>
+                          <a:endParaRPr lang="zh-TW" altLang="en-US" sz="6000" dirty="0"/>
                         </a:p>
                       </a:txBody>
                       <a:tcPr/>
@@ -12976,10 +13195,18 @@
                         <a:p>
                           <a:pPr algn="ctr"/>
                           <a:r>
-                            <a:rPr lang="en-US" altLang="zh-TW" dirty="0" smtClean="0"/>
-                            <a:t>x</a:t>
+                            <a:rPr lang="en-US" altLang="zh-TW" sz="6000" dirty="0" smtClean="0">
+                              <a:solidFill>
+                                <a:srgbClr val="FF0000"/>
+                              </a:solidFill>
+                            </a:rPr>
+                            <a:t>o</a:t>
                           </a:r>
-                          <a:endParaRPr lang="zh-TW" altLang="en-US" dirty="0"/>
+                          <a:endParaRPr lang="zh-TW" altLang="en-US" sz="6000" dirty="0">
+                            <a:solidFill>
+                              <a:srgbClr val="FF0000"/>
+                            </a:solidFill>
+                          </a:endParaRPr>
                         </a:p>
                       </a:txBody>
                       <a:tcPr/>
@@ -12991,10 +13218,18 @@
                         <a:p>
                           <a:pPr algn="ctr"/>
                           <a:r>
-                            <a:rPr lang="en-US" altLang="zh-TW" dirty="0" smtClean="0"/>
-                            <a:t>x</a:t>
+                            <a:rPr lang="en-US" altLang="zh-TW" sz="6000" dirty="0" smtClean="0">
+                              <a:solidFill>
+                                <a:srgbClr val="FF0000"/>
+                              </a:solidFill>
+                            </a:rPr>
+                            <a:t>o</a:t>
                           </a:r>
-                          <a:endParaRPr lang="zh-TW" altLang="en-US" dirty="0"/>
+                          <a:endParaRPr lang="zh-TW" altLang="en-US" sz="6000" dirty="0">
+                            <a:solidFill>
+                              <a:srgbClr val="FF0000"/>
+                            </a:solidFill>
+                          </a:endParaRPr>
                         </a:p>
                       </a:txBody>
                       <a:tcPr/>
@@ -13006,16 +13241,16 @@
                         <a:p>
                           <a:pPr algn="ctr"/>
                           <a:r>
-                            <a:rPr lang="en-US" altLang="zh-TW" dirty="0" smtClean="0"/>
+                            <a:rPr lang="en-US" altLang="zh-TW" sz="6000" dirty="0" smtClean="0"/>
                             <a:t>x</a:t>
                           </a:r>
-                          <a:endParaRPr lang="zh-TW" altLang="en-US" dirty="0"/>
+                          <a:endParaRPr lang="zh-TW" altLang="en-US" sz="6000" dirty="0"/>
                         </a:p>
                       </a:txBody>
                       <a:tcPr/>
                     </a:tc>
                   </a:tr>
-                  <a:tr h="1341120">
+                  <a:tr h="1139895">
                     <a:tc>
                       <a:txBody>
                         <a:bodyPr/>
@@ -13028,7 +13263,7 @@
                         <a:blipFill rotWithShape="0">
                           <a:blip r:embed="rId35"/>
                           <a:stretch>
-                            <a:fillRect l="-197" t="-422273" r="-364567" b="-43182"/>
+                            <a:fillRect l="-196" t="-447594" r="-364637" b="-24064"/>
                           </a:stretch>
                         </a:blipFill>
                       </a:tcPr>
@@ -13040,10 +13275,10 @@
                         <a:p>
                           <a:pPr algn="ctr"/>
                           <a:r>
-                            <a:rPr lang="en-US" altLang="zh-TW" dirty="0" smtClean="0"/>
+                            <a:rPr lang="en-US" altLang="zh-TW" sz="6000" dirty="0" smtClean="0"/>
                             <a:t>x</a:t>
                           </a:r>
-                          <a:endParaRPr lang="zh-TW" altLang="en-US" dirty="0"/>
+                          <a:endParaRPr lang="zh-TW" altLang="en-US" sz="6000" dirty="0"/>
                         </a:p>
                       </a:txBody>
                       <a:tcPr/>
@@ -13055,10 +13290,10 @@
                         <a:p>
                           <a:pPr algn="ctr"/>
                           <a:r>
-                            <a:rPr lang="en-US" altLang="zh-TW" dirty="0" smtClean="0"/>
+                            <a:rPr lang="en-US" altLang="zh-TW" sz="6000" dirty="0" smtClean="0"/>
                             <a:t>x</a:t>
                           </a:r>
-                          <a:endParaRPr lang="zh-TW" altLang="en-US" dirty="0"/>
+                          <a:endParaRPr lang="zh-TW" altLang="en-US" sz="6000" dirty="0"/>
                         </a:p>
                       </a:txBody>
                       <a:tcPr/>
@@ -13070,10 +13305,10 @@
                         <a:p>
                           <a:pPr algn="ctr"/>
                           <a:r>
-                            <a:rPr lang="en-US" altLang="zh-TW" dirty="0" smtClean="0"/>
+                            <a:rPr lang="en-US" altLang="zh-TW" sz="6000" dirty="0" smtClean="0"/>
                             <a:t>x</a:t>
                           </a:r>
-                          <a:endParaRPr lang="zh-TW" altLang="en-US" dirty="0"/>
+                          <a:endParaRPr lang="zh-TW" altLang="en-US" sz="6000" dirty="0"/>
                         </a:p>
                       </a:txBody>
                       <a:tcPr/>
@@ -13085,10 +13320,10 @@
                         <a:p>
                           <a:pPr algn="ctr"/>
                           <a:r>
-                            <a:rPr lang="en-US" altLang="zh-TW" dirty="0" smtClean="0"/>
+                            <a:rPr lang="en-US" altLang="zh-TW" sz="6000" dirty="0" smtClean="0"/>
                             <a:t>x</a:t>
                           </a:r>
-                          <a:endParaRPr lang="zh-TW" altLang="en-US" dirty="0"/>
+                          <a:endParaRPr lang="zh-TW" altLang="en-US" sz="6000" dirty="0"/>
                         </a:p>
                       </a:txBody>
                       <a:tcPr/>

--- a/2017_PSROC_poster_Jet substructure.pptx
+++ b/2017_PSROC_poster_Jet substructure.pptx
@@ -304,7 +304,7 @@
           <a:p>
             <a:fld id="{6AE2C996-D988-194F-8F02-BEBA5B6C0990}" type="datetimeFigureOut">
               <a:rPr kumimoji="1" lang="zh-TW" altLang="en-US" smtClean="0"/>
-              <a:t>2017/12/28</a:t>
+              <a:t>2018/1/15</a:t>
             </a:fld>
             <a:endParaRPr kumimoji="1" lang="zh-TW" altLang="en-US"/>
           </a:p>
@@ -474,7 +474,7 @@
           <a:p>
             <a:fld id="{6AE2C996-D988-194F-8F02-BEBA5B6C0990}" type="datetimeFigureOut">
               <a:rPr kumimoji="1" lang="zh-TW" altLang="en-US" smtClean="0"/>
-              <a:t>2017/12/28</a:t>
+              <a:t>2018/1/15</a:t>
             </a:fld>
             <a:endParaRPr kumimoji="1" lang="zh-TW" altLang="en-US"/>
           </a:p>
@@ -654,7 +654,7 @@
           <a:p>
             <a:fld id="{6AE2C996-D988-194F-8F02-BEBA5B6C0990}" type="datetimeFigureOut">
               <a:rPr kumimoji="1" lang="zh-TW" altLang="en-US" smtClean="0"/>
-              <a:t>2017/12/28</a:t>
+              <a:t>2018/1/15</a:t>
             </a:fld>
             <a:endParaRPr kumimoji="1" lang="zh-TW" altLang="en-US"/>
           </a:p>
@@ -824,7 +824,7 @@
           <a:p>
             <a:fld id="{6AE2C996-D988-194F-8F02-BEBA5B6C0990}" type="datetimeFigureOut">
               <a:rPr kumimoji="1" lang="zh-TW" altLang="en-US" smtClean="0"/>
-              <a:t>2017/12/28</a:t>
+              <a:t>2018/1/15</a:t>
             </a:fld>
             <a:endParaRPr kumimoji="1" lang="zh-TW" altLang="en-US"/>
           </a:p>
@@ -1070,7 +1070,7 @@
           <a:p>
             <a:fld id="{6AE2C996-D988-194F-8F02-BEBA5B6C0990}" type="datetimeFigureOut">
               <a:rPr kumimoji="1" lang="zh-TW" altLang="en-US" smtClean="0"/>
-              <a:t>2017/12/28</a:t>
+              <a:t>2018/1/15</a:t>
             </a:fld>
             <a:endParaRPr kumimoji="1" lang="zh-TW" altLang="en-US"/>
           </a:p>
@@ -1358,7 +1358,7 @@
           <a:p>
             <a:fld id="{6AE2C996-D988-194F-8F02-BEBA5B6C0990}" type="datetimeFigureOut">
               <a:rPr kumimoji="1" lang="zh-TW" altLang="en-US" smtClean="0"/>
-              <a:t>2017/12/28</a:t>
+              <a:t>2018/1/15</a:t>
             </a:fld>
             <a:endParaRPr kumimoji="1" lang="zh-TW" altLang="en-US"/>
           </a:p>
@@ -1780,7 +1780,7 @@
           <a:p>
             <a:fld id="{6AE2C996-D988-194F-8F02-BEBA5B6C0990}" type="datetimeFigureOut">
               <a:rPr kumimoji="1" lang="zh-TW" altLang="en-US" smtClean="0"/>
-              <a:t>2017/12/28</a:t>
+              <a:t>2018/1/15</a:t>
             </a:fld>
             <a:endParaRPr kumimoji="1" lang="zh-TW" altLang="en-US"/>
           </a:p>
@@ -1898,7 +1898,7 @@
           <a:p>
             <a:fld id="{6AE2C996-D988-194F-8F02-BEBA5B6C0990}" type="datetimeFigureOut">
               <a:rPr kumimoji="1" lang="zh-TW" altLang="en-US" smtClean="0"/>
-              <a:t>2017/12/28</a:t>
+              <a:t>2018/1/15</a:t>
             </a:fld>
             <a:endParaRPr kumimoji="1" lang="zh-TW" altLang="en-US"/>
           </a:p>
@@ -1993,7 +1993,7 @@
           <a:p>
             <a:fld id="{6AE2C996-D988-194F-8F02-BEBA5B6C0990}" type="datetimeFigureOut">
               <a:rPr kumimoji="1" lang="zh-TW" altLang="en-US" smtClean="0"/>
-              <a:t>2017/12/28</a:t>
+              <a:t>2018/1/15</a:t>
             </a:fld>
             <a:endParaRPr kumimoji="1" lang="zh-TW" altLang="en-US"/>
           </a:p>
@@ -2270,7 +2270,7 @@
           <a:p>
             <a:fld id="{6AE2C996-D988-194F-8F02-BEBA5B6C0990}" type="datetimeFigureOut">
               <a:rPr kumimoji="1" lang="zh-TW" altLang="en-US" smtClean="0"/>
-              <a:t>2017/12/28</a:t>
+              <a:t>2018/1/15</a:t>
             </a:fld>
             <a:endParaRPr kumimoji="1" lang="zh-TW" altLang="en-US"/>
           </a:p>
@@ -2523,7 +2523,7 @@
           <a:p>
             <a:fld id="{6AE2C996-D988-194F-8F02-BEBA5B6C0990}" type="datetimeFigureOut">
               <a:rPr kumimoji="1" lang="zh-TW" altLang="en-US" smtClean="0"/>
-              <a:t>2017/12/28</a:t>
+              <a:t>2018/1/15</a:t>
             </a:fld>
             <a:endParaRPr kumimoji="1" lang="zh-TW" altLang="en-US"/>
           </a:p>
@@ -2736,7 +2736,7 @@
           <a:p>
             <a:fld id="{6AE2C996-D988-194F-8F02-BEBA5B6C0990}" type="datetimeFigureOut">
               <a:rPr kumimoji="1" lang="zh-TW" altLang="en-US" smtClean="0"/>
-              <a:t>2017/12/28</a:t>
+              <a:t>2018/1/15</a:t>
             </a:fld>
             <a:endParaRPr kumimoji="1" lang="zh-TW" altLang="en-US"/>
           </a:p>
@@ -3119,6 +3119,287 @@
           <a:chExt cx="0" cy="0"/>
         </a:xfrm>
       </p:grpSpPr>
+      <p:sp>
+        <p:nvSpPr>
+          <p:cNvPr id="73" name="矩形 72"/>
+          <p:cNvSpPr/>
+          <p:nvPr/>
+        </p:nvSpPr>
+        <p:spPr>
+          <a:xfrm>
+            <a:off x="159922" y="-1"/>
+            <a:ext cx="30018286" cy="42848214"/>
+          </a:xfrm>
+          <a:prstGeom prst="rect">
+            <a:avLst/>
+          </a:prstGeom>
+          <a:solidFill>
+            <a:srgbClr val="FFFDAF"/>
+          </a:solidFill>
+        </p:spPr>
+        <p:style>
+          <a:lnRef idx="1">
+            <a:schemeClr val="accent1"/>
+          </a:lnRef>
+          <a:fillRef idx="3">
+            <a:schemeClr val="accent1"/>
+          </a:fillRef>
+          <a:effectRef idx="2">
+            <a:schemeClr val="accent1"/>
+          </a:effectRef>
+          <a:fontRef idx="minor">
+            <a:schemeClr val="lt1"/>
+          </a:fontRef>
+        </p:style>
+        <p:txBody>
+          <a:bodyPr rtlCol="0" anchor="ctr"/>
+          <a:lstStyle/>
+          <a:p>
+            <a:pPr algn="ctr"/>
+            <a:endParaRPr kumimoji="1" lang="zh-TW" altLang="en-US"/>
+          </a:p>
+        </p:txBody>
+      </p:sp>
+      <p:pic>
+        <p:nvPicPr>
+          <p:cNvPr id="40" name="圖片 39"/>
+          <p:cNvPicPr>
+            <a:picLocks noChangeAspect="1"/>
+          </p:cNvPicPr>
+          <p:nvPr/>
+        </p:nvPicPr>
+        <p:blipFill>
+          <a:blip r:embed="rId3">
+            <a:extLst>
+              <a:ext uri="{28A0092B-C50C-407E-A947-70E740481C1C}">
+                <a14:useLocalDpi xmlns:a14="http://schemas.microsoft.com/office/drawing/2010/main" val="0"/>
+              </a:ext>
+            </a:extLst>
+          </a:blip>
+          <a:stretch>
+            <a:fillRect/>
+          </a:stretch>
+        </p:blipFill>
+        <p:spPr>
+          <a:xfrm>
+            <a:off x="25083627" y="13767489"/>
+            <a:ext cx="4956794" cy="3374466"/>
+          </a:xfrm>
+          <a:prstGeom prst="rect">
+            <a:avLst/>
+          </a:prstGeom>
+        </p:spPr>
+      </p:pic>
+      <p:pic>
+        <p:nvPicPr>
+          <p:cNvPr id="39" name="圖片 38"/>
+          <p:cNvPicPr>
+            <a:picLocks noChangeAspect="1"/>
+          </p:cNvPicPr>
+          <p:nvPr/>
+        </p:nvPicPr>
+        <p:blipFill>
+          <a:blip r:embed="rId4">
+            <a:extLst>
+              <a:ext uri="{28A0092B-C50C-407E-A947-70E740481C1C}">
+                <a14:useLocalDpi xmlns:a14="http://schemas.microsoft.com/office/drawing/2010/main" val="0"/>
+              </a:ext>
+            </a:extLst>
+          </a:blip>
+          <a:stretch>
+            <a:fillRect/>
+          </a:stretch>
+        </p:blipFill>
+        <p:spPr>
+          <a:xfrm>
+            <a:off x="20362954" y="13783660"/>
+            <a:ext cx="4720673" cy="3213721"/>
+          </a:xfrm>
+          <a:prstGeom prst="rect">
+            <a:avLst/>
+          </a:prstGeom>
+        </p:spPr>
+      </p:pic>
+      <p:pic>
+        <p:nvPicPr>
+          <p:cNvPr id="41" name="圖片 40"/>
+          <p:cNvPicPr>
+            <a:picLocks noChangeAspect="1"/>
+          </p:cNvPicPr>
+          <p:nvPr/>
+        </p:nvPicPr>
+        <p:blipFill>
+          <a:blip r:embed="rId5">
+            <a:extLst>
+              <a:ext uri="{28A0092B-C50C-407E-A947-70E740481C1C}">
+                <a14:useLocalDpi xmlns:a14="http://schemas.microsoft.com/office/drawing/2010/main" val="0"/>
+              </a:ext>
+            </a:extLst>
+          </a:blip>
+          <a:stretch>
+            <a:fillRect/>
+          </a:stretch>
+        </p:blipFill>
+        <p:spPr>
+          <a:xfrm>
+            <a:off x="15658909" y="13740136"/>
+            <a:ext cx="4693592" cy="3195285"/>
+          </a:xfrm>
+          <a:prstGeom prst="rect">
+            <a:avLst/>
+          </a:prstGeom>
+        </p:spPr>
+      </p:pic>
+      <p:pic>
+        <p:nvPicPr>
+          <p:cNvPr id="64" name="圖片 63"/>
+          <p:cNvPicPr>
+            <a:picLocks noChangeAspect="1"/>
+          </p:cNvPicPr>
+          <p:nvPr/>
+        </p:nvPicPr>
+        <p:blipFill>
+          <a:blip r:embed="rId6">
+            <a:extLst>
+              <a:ext uri="{28A0092B-C50C-407E-A947-70E740481C1C}">
+                <a14:useLocalDpi xmlns:a14="http://schemas.microsoft.com/office/drawing/2010/main" val="0"/>
+              </a:ext>
+            </a:extLst>
+          </a:blip>
+          <a:stretch>
+            <a:fillRect/>
+          </a:stretch>
+        </p:blipFill>
+        <p:spPr>
+          <a:xfrm>
+            <a:off x="16275961" y="28639125"/>
+            <a:ext cx="6508421" cy="4519877"/>
+          </a:xfrm>
+          <a:prstGeom prst="rect">
+            <a:avLst/>
+          </a:prstGeom>
+        </p:spPr>
+      </p:pic>
+      <p:pic>
+        <p:nvPicPr>
+          <p:cNvPr id="62" name="圖片 61"/>
+          <p:cNvPicPr>
+            <a:picLocks noChangeAspect="1"/>
+          </p:cNvPicPr>
+          <p:nvPr/>
+        </p:nvPicPr>
+        <p:blipFill>
+          <a:blip r:embed="rId7">
+            <a:extLst>
+              <a:ext uri="{28A0092B-C50C-407E-A947-70E740481C1C}">
+                <a14:useLocalDpi xmlns:a14="http://schemas.microsoft.com/office/drawing/2010/main" val="0"/>
+              </a:ext>
+            </a:extLst>
+          </a:blip>
+          <a:stretch>
+            <a:fillRect/>
+          </a:stretch>
+        </p:blipFill>
+        <p:spPr>
+          <a:xfrm>
+            <a:off x="23009345" y="28609199"/>
+            <a:ext cx="6832918" cy="4699891"/>
+          </a:xfrm>
+          <a:prstGeom prst="rect">
+            <a:avLst/>
+          </a:prstGeom>
+        </p:spPr>
+      </p:pic>
+      <p:pic>
+        <p:nvPicPr>
+          <p:cNvPr id="44" name="圖片 43"/>
+          <p:cNvPicPr>
+            <a:picLocks noChangeAspect="1"/>
+          </p:cNvPicPr>
+          <p:nvPr/>
+        </p:nvPicPr>
+        <p:blipFill>
+          <a:blip r:embed="rId8">
+            <a:extLst>
+              <a:ext uri="{28A0092B-C50C-407E-A947-70E740481C1C}">
+                <a14:useLocalDpi xmlns:a14="http://schemas.microsoft.com/office/drawing/2010/main" val="0"/>
+              </a:ext>
+            </a:extLst>
+          </a:blip>
+          <a:stretch>
+            <a:fillRect/>
+          </a:stretch>
+        </p:blipFill>
+        <p:spPr>
+          <a:xfrm>
+            <a:off x="15873229" y="9826179"/>
+            <a:ext cx="4590584" cy="3157544"/>
+          </a:xfrm>
+          <a:prstGeom prst="rect">
+            <a:avLst/>
+          </a:prstGeom>
+        </p:spPr>
+      </p:pic>
+      <p:pic>
+        <p:nvPicPr>
+          <p:cNvPr id="38" name="圖片 37"/>
+          <p:cNvPicPr>
+            <a:picLocks noChangeAspect="1"/>
+          </p:cNvPicPr>
+          <p:nvPr/>
+        </p:nvPicPr>
+        <p:blipFill>
+          <a:blip r:embed="rId9">
+            <a:extLst>
+              <a:ext uri="{28A0092B-C50C-407E-A947-70E740481C1C}">
+                <a14:useLocalDpi xmlns:a14="http://schemas.microsoft.com/office/drawing/2010/main" val="0"/>
+              </a:ext>
+            </a:extLst>
+          </a:blip>
+          <a:stretch>
+            <a:fillRect/>
+          </a:stretch>
+        </p:blipFill>
+        <p:spPr>
+          <a:xfrm>
+            <a:off x="25083627" y="9753920"/>
+            <a:ext cx="4878159" cy="3355347"/>
+          </a:xfrm>
+          <a:prstGeom prst="rect">
+            <a:avLst/>
+          </a:prstGeom>
+        </p:spPr>
+      </p:pic>
+      <p:pic>
+        <p:nvPicPr>
+          <p:cNvPr id="35" name="圖片 34"/>
+          <p:cNvPicPr>
+            <a:picLocks noChangeAspect="1"/>
+          </p:cNvPicPr>
+          <p:nvPr/>
+        </p:nvPicPr>
+        <p:blipFill>
+          <a:blip r:embed="rId10">
+            <a:extLst>
+              <a:ext uri="{28A0092B-C50C-407E-A947-70E740481C1C}">
+                <a14:useLocalDpi xmlns:a14="http://schemas.microsoft.com/office/drawing/2010/main" val="0"/>
+              </a:ext>
+            </a:extLst>
+          </a:blip>
+          <a:stretch>
+            <a:fillRect/>
+          </a:stretch>
+        </p:blipFill>
+        <p:spPr>
+          <a:xfrm>
+            <a:off x="20418704" y="9877530"/>
+            <a:ext cx="4529835" cy="3115759"/>
+          </a:xfrm>
+          <a:prstGeom prst="rect">
+            <a:avLst/>
+          </a:prstGeom>
+        </p:spPr>
+      </p:pic>
       <p:pic>
         <p:nvPicPr>
           <p:cNvPr id="20" name="圖片 19"/>
@@ -3128,7 +3409,7 @@
           <p:nvPr/>
         </p:nvPicPr>
         <p:blipFill>
-          <a:blip r:embed="rId3">
+          <a:blip r:embed="rId11">
             <a:extLst>
               <a:ext uri="{28A0092B-C50C-407E-A947-70E740481C1C}">
                 <a14:useLocalDpi xmlns:a14="http://schemas.microsoft.com/office/drawing/2010/main" val="0"/>
@@ -3158,7 +3439,7 @@
           <p:nvPr/>
         </p:nvPicPr>
         <p:blipFill>
-          <a:blip r:embed="rId4">
+          <a:blip r:embed="rId12">
             <a:extLst>
               <a:ext uri="{28A0092B-C50C-407E-A947-70E740481C1C}">
                 <a14:useLocalDpi xmlns:a14="http://schemas.microsoft.com/office/drawing/2010/main" val="0"/>
@@ -3188,7 +3469,7 @@
           <p:nvPr/>
         </p:nvPicPr>
         <p:blipFill>
-          <a:blip r:embed="rId5">
+          <a:blip r:embed="rId13">
             <a:extLst>
               <a:ext uri="{28A0092B-C50C-407E-A947-70E740481C1C}">
                 <a14:useLocalDpi xmlns:a14="http://schemas.microsoft.com/office/drawing/2010/main" val="0"/>
@@ -3201,7 +3482,7 @@
         </p:blipFill>
         <p:spPr>
           <a:xfrm>
-            <a:off x="7907399" y="40389105"/>
+            <a:off x="7160168" y="40440923"/>
             <a:ext cx="2682991" cy="2075242"/>
           </a:xfrm>
           <a:prstGeom prst="rect">
@@ -3218,7 +3499,7 @@
           <p:nvPr/>
         </p:nvPicPr>
         <p:blipFill>
-          <a:blip r:embed="rId6">
+          <a:blip r:embed="rId14">
             <a:extLst>
               <a:ext uri="{28A0092B-C50C-407E-A947-70E740481C1C}">
                 <a14:useLocalDpi xmlns:a14="http://schemas.microsoft.com/office/drawing/2010/main" val="0"/>
@@ -3231,7 +3512,7 @@
         </p:blipFill>
         <p:spPr>
           <a:xfrm>
-            <a:off x="11593711" y="39944358"/>
+            <a:off x="11923131" y="40044462"/>
             <a:ext cx="3342744" cy="2693668"/>
           </a:xfrm>
           <a:prstGeom prst="rect">
@@ -3239,7 +3520,7 @@
           </a:prstGeom>
         </p:spPr>
       </p:pic>
-      <p:sp useBgFill="1">
+      <p:sp>
         <p:nvSpPr>
           <p:cNvPr id="121" name="矩形 120"/>
           <p:cNvSpPr/>
@@ -3247,19 +3528,20 @@
         </p:nvSpPr>
         <p:spPr>
           <a:xfrm>
-            <a:off x="224996" y="8097964"/>
-            <a:ext cx="15173814" cy="11147164"/>
+            <a:off x="236630" y="7947786"/>
+            <a:ext cx="15097106" cy="11326650"/>
           </a:xfrm>
           <a:prstGeom prst="rect">
             <a:avLst/>
           </a:prstGeom>
+          <a:solidFill>
+            <a:srgbClr val="FFFDAF"/>
+          </a:solidFill>
           <a:ln w="101600" cap="rnd" cmpd="sng">
             <a:solidFill>
-              <a:schemeClr val="accent6">
-                <a:lumMod val="75000"/>
-              </a:schemeClr>
+              <a:srgbClr val="FF0000"/>
             </a:solidFill>
-            <a:prstDash val="solid"/>
+            <a:prstDash val="sysDot"/>
           </a:ln>
         </p:spPr>
         <p:style>
@@ -3281,7 +3563,7 @@
           <a:lstStyle/>
           <a:p>
             <a:pPr algn="ctr"/>
-            <a:endParaRPr kumimoji="1" lang="zh-TW" altLang="en-US">
+            <a:endParaRPr kumimoji="1" lang="zh-TW" altLang="en-US" dirty="0">
               <a:solidFill>
                 <a:schemeClr val="accent6">
                   <a:lumMod val="75000"/>
@@ -3291,8 +3573,8 @@
           </a:p>
         </p:txBody>
       </p:sp>
-      <mc:AlternateContent xmlns:mc="http://schemas.openxmlformats.org/markup-compatibility/2006" xmlns:a14="http://schemas.microsoft.com/office/drawing/2010/main">
-        <mc:Choice Requires="a14">
+      <mc:AlternateContent xmlns:mc="http://schemas.openxmlformats.org/markup-compatibility/2006">
+        <mc:Choice xmlns:a14="http://schemas.microsoft.com/office/drawing/2010/main" Requires="a14">
           <p:sp>
             <p:nvSpPr>
               <p:cNvPr id="4" name="標題 1"/>
@@ -3303,12 +3585,13 @@
             </p:nvSpPr>
             <p:spPr>
               <a:xfrm>
-                <a:off x="4229473" y="-5166"/>
-                <a:ext cx="22106456" cy="5709429"/>
+                <a:off x="-372677" y="254576"/>
+                <a:ext cx="30926314" cy="6015920"/>
               </a:xfrm>
               <a:prstGeom prst="rect">
                 <a:avLst/>
               </a:prstGeom>
+              <a:noFill/>
             </p:spPr>
             <p:txBody>
               <a:bodyPr>
@@ -3337,7 +3620,7 @@
               <a:p>
                 <a:pPr algn="ctr"/>
                 <a:r>
-                  <a:rPr lang="en-US" altLang="zh-TW" sz="11400" dirty="0" smtClean="0">
+                  <a:rPr lang="en-US" altLang="zh-TW" sz="12000" dirty="0" smtClean="0">
                     <a:solidFill>
                       <a:srgbClr val="0000FF"/>
                     </a:solidFill>
@@ -3349,7 +3632,7 @@
                     <m:sSup>
                       <m:sSupPr>
                         <m:ctrlPr>
-                          <a:rPr lang="en-US" altLang="zh-TW" sz="11400" i="1" smtClean="0">
+                          <a:rPr lang="en-US" altLang="zh-TW" sz="12000" i="1" smtClean="0">
                             <a:solidFill>
                               <a:srgbClr val="0000FF"/>
                             </a:solidFill>
@@ -3362,7 +3645,7 @@
                           <m:rPr>
                             <m:nor/>
                           </m:rPr>
-                          <a:rPr lang="en-US" altLang="zh-TW" sz="11400" dirty="0">
+                          <a:rPr lang="en-US" altLang="zh-TW" sz="12000" dirty="0">
                             <a:solidFill>
                               <a:srgbClr val="0000FF"/>
                             </a:solidFill>
@@ -3373,7 +3656,7 @@
                           <m:rPr>
                             <m:nor/>
                           </m:rPr>
-                          <a:rPr lang="en-US" altLang="zh-TW" sz="11400" dirty="0">
+                          <a:rPr lang="en-US" altLang="zh-TW" sz="12000" dirty="0">
                             <a:solidFill>
                               <a:srgbClr val="0000FF"/>
                             </a:solidFill>
@@ -3384,7 +3667,7 @@
                           <m:rPr>
                             <m:nor/>
                           </m:rPr>
-                          <a:rPr lang="en-US" altLang="zh-TW" sz="11400" dirty="0">
+                          <a:rPr lang="en-US" altLang="zh-TW" sz="12000" dirty="0">
                             <a:solidFill>
                               <a:srgbClr val="0000FF"/>
                             </a:solidFill>
@@ -3395,7 +3678,7 @@
                           <m:rPr>
                             <m:nor/>
                           </m:rPr>
-                          <a:rPr lang="en-US" altLang="zh-TW" sz="11400" dirty="0">
+                          <a:rPr lang="en-US" altLang="zh-TW" sz="12000" dirty="0">
                             <a:solidFill>
                               <a:srgbClr val="0000FF"/>
                             </a:solidFill>
@@ -3406,7 +3689,7 @@
                           <m:rPr>
                             <m:nor/>
                           </m:rPr>
-                          <a:rPr lang="en-US" altLang="zh-TW" sz="11400" dirty="0">
+                          <a:rPr lang="en-US" altLang="zh-TW" sz="12000" dirty="0">
                             <a:solidFill>
                               <a:srgbClr val="0000FF"/>
                             </a:solidFill>
@@ -3416,7 +3699,7 @@
                       </m:e>
                       <m:sup>
                         <m:r>
-                          <a:rPr lang="en-US" altLang="zh-TW" sz="11400" b="0" i="1" smtClean="0">
+                          <a:rPr lang="en-US" altLang="zh-TW" sz="12000" b="0" i="1" smtClean="0">
                             <a:solidFill>
                               <a:srgbClr val="0000FF"/>
                             </a:solidFill>
@@ -3429,7 +3712,7 @@
                   </m:oMath>
                 </a14:m>
                 <a:r>
-                  <a:rPr lang="en-US" altLang="zh-TW" sz="11400" dirty="0" smtClean="0">
+                  <a:rPr lang="en-US" altLang="zh-TW" sz="12000" dirty="0" smtClean="0">
                     <a:solidFill>
                       <a:srgbClr val="0000FF"/>
                     </a:solidFill>
@@ -3441,7 +3724,7 @@
                     <m:sSup>
                       <m:sSupPr>
                         <m:ctrlPr>
-                          <a:rPr lang="en-US" altLang="zh-TW" sz="11400" i="1" dirty="0" smtClean="0">
+                          <a:rPr lang="en-US" altLang="zh-TW" sz="12000" i="1" dirty="0" smtClean="0">
                             <a:solidFill>
                               <a:srgbClr val="0000FF"/>
                             </a:solidFill>
@@ -3454,7 +3737,7 @@
                           <m:rPr>
                             <m:nor/>
                           </m:rPr>
-                          <a:rPr lang="en-US" altLang="zh-TW" sz="11400" dirty="0">
+                          <a:rPr lang="en-US" altLang="zh-TW" sz="12000" dirty="0">
                             <a:solidFill>
                               <a:srgbClr val="0000FF"/>
                             </a:solidFill>
@@ -3465,7 +3748,7 @@
                           <m:rPr>
                             <m:nor/>
                           </m:rPr>
-                          <a:rPr lang="en-US" altLang="zh-TW" sz="11400" dirty="0">
+                          <a:rPr lang="en-US" altLang="zh-TW" sz="12000" dirty="0">
                             <a:solidFill>
                               <a:srgbClr val="0000FF"/>
                             </a:solidFill>
@@ -3476,7 +3759,7 @@
                           <m:rPr>
                             <m:nor/>
                           </m:rPr>
-                          <a:rPr lang="en-US" altLang="zh-TW" sz="11400" dirty="0">
+                          <a:rPr lang="en-US" altLang="zh-TW" sz="12000" dirty="0">
                             <a:solidFill>
                               <a:srgbClr val="0000FF"/>
                             </a:solidFill>
@@ -3487,7 +3770,7 @@
                           <m:rPr>
                             <m:nor/>
                           </m:rPr>
-                          <a:rPr lang="en-US" altLang="zh-TW" sz="11400" dirty="0">
+                          <a:rPr lang="en-US" altLang="zh-TW" sz="12000" dirty="0">
                             <a:solidFill>
                               <a:srgbClr val="0000FF"/>
                             </a:solidFill>
@@ -3498,7 +3781,7 @@
                           <m:rPr>
                             <m:nor/>
                           </m:rPr>
-                          <a:rPr lang="en-US" altLang="zh-TW" sz="11400" dirty="0">
+                          <a:rPr lang="en-US" altLang="zh-TW" sz="12000" dirty="0">
                             <a:solidFill>
                               <a:srgbClr val="0000FF"/>
                             </a:solidFill>
@@ -3509,7 +3792,7 @@
                           <m:rPr>
                             <m:nor/>
                           </m:rPr>
-                          <a:rPr lang="en-US" altLang="zh-TW" sz="11400" dirty="0">
+                          <a:rPr lang="en-US" altLang="zh-TW" sz="12000" dirty="0">
                             <a:solidFill>
                               <a:srgbClr val="0000FF"/>
                             </a:solidFill>
@@ -3520,17 +3803,17 @@
                           <m:rPr>
                             <m:nor/>
                           </m:rPr>
-                          <a:rPr lang="en-US" altLang="zh-TW" sz="11400" dirty="0">
+                          <a:rPr lang="en-US" altLang="zh-TW" sz="12000" dirty="0">
                             <a:solidFill>
                               <a:srgbClr val="0000FF"/>
                             </a:solidFill>
                           </a:rPr>
-                          <m:t>YU</m:t>
+                          <m:t>Yu</m:t>
                         </m:r>
                       </m:e>
                       <m:sup>
                         <m:r>
-                          <a:rPr lang="en-US" altLang="zh-TW" sz="11400" b="0" i="1" dirty="0" smtClean="0">
+                          <a:rPr lang="en-US" altLang="zh-TW" sz="12000" b="0" i="1" dirty="0" smtClean="0">
                             <a:solidFill>
                               <a:srgbClr val="0000FF"/>
                             </a:solidFill>
@@ -3543,7 +3826,7 @@
                   </m:oMath>
                 </a14:m>
                 <a:r>
-                  <a:rPr lang="en-US" altLang="zh-TW" sz="11400" dirty="0" smtClean="0">
+                  <a:rPr lang="en-US" altLang="zh-TW" sz="12000" dirty="0" smtClean="0">
                     <a:solidFill>
                       <a:srgbClr val="0000FF"/>
                     </a:solidFill>
@@ -3555,7 +3838,7 @@
                     <m:sSup>
                       <m:sSupPr>
                         <m:ctrlPr>
-                          <a:rPr lang="en-US" altLang="zh-TW" sz="11400" i="1" dirty="0" smtClean="0">
+                          <a:rPr lang="en-US" altLang="zh-TW" sz="12000" i="1" dirty="0" smtClean="0">
                             <a:solidFill>
                               <a:srgbClr val="0000FF"/>
                             </a:solidFill>
@@ -3568,7 +3851,7 @@
                           <m:rPr>
                             <m:nor/>
                           </m:rPr>
-                          <a:rPr lang="en-US" altLang="zh-TW" sz="11400" dirty="0">
+                          <a:rPr lang="en-US" altLang="zh-TW" sz="12000" dirty="0">
                             <a:solidFill>
                               <a:srgbClr val="0000FF"/>
                             </a:solidFill>
@@ -3579,7 +3862,7 @@
                           <m:rPr>
                             <m:nor/>
                           </m:rPr>
-                          <a:rPr lang="en-US" altLang="zh-TW" sz="11400" dirty="0">
+                          <a:rPr lang="en-US" altLang="zh-TW" sz="12000" dirty="0">
                             <a:solidFill>
                               <a:srgbClr val="0000FF"/>
                             </a:solidFill>
@@ -3590,7 +3873,7 @@
                           <m:rPr>
                             <m:nor/>
                           </m:rPr>
-                          <a:rPr lang="en-US" altLang="zh-TW" sz="11400" dirty="0">
+                          <a:rPr lang="en-US" altLang="zh-TW" sz="12000" dirty="0">
                             <a:solidFill>
                               <a:srgbClr val="0000FF"/>
                             </a:solidFill>
@@ -3600,7 +3883,7 @@
                       </m:e>
                       <m:sup>
                         <m:r>
-                          <a:rPr lang="en-US" altLang="zh-TW" sz="11400" b="0" i="1" dirty="0" smtClean="0">
+                          <a:rPr lang="en-US" altLang="zh-TW" sz="12000" b="0" i="1" dirty="0" smtClean="0">
                             <a:solidFill>
                               <a:srgbClr val="0000FF"/>
                             </a:solidFill>
@@ -3613,7 +3896,7 @@
                   </m:oMath>
                 </a14:m>
                 <a:r>
-                  <a:rPr lang="en-US" altLang="zh-TW" sz="11400" dirty="0" smtClean="0">
+                  <a:rPr lang="en-US" altLang="zh-TW" sz="12000" dirty="0" smtClean="0">
                     <a:solidFill>
                       <a:srgbClr val="0000FF"/>
                     </a:solidFill>
@@ -3625,7 +3908,7 @@
                     <m:sSup>
                       <m:sSupPr>
                         <m:ctrlPr>
-                          <a:rPr lang="en-US" altLang="zh-TW" sz="11400" i="1" dirty="0" smtClean="0">
+                          <a:rPr lang="en-US" altLang="zh-TW" sz="12000" i="1" dirty="0" smtClean="0">
                             <a:solidFill>
                               <a:srgbClr val="0000FF"/>
                             </a:solidFill>
@@ -3638,7 +3921,7 @@
                           <m:rPr>
                             <m:nor/>
                           </m:rPr>
-                          <a:rPr lang="en-US" altLang="zh-TW" sz="11400" dirty="0">
+                          <a:rPr lang="en-US" altLang="zh-TW" sz="12000" dirty="0">
                             <a:solidFill>
                               <a:srgbClr val="0000FF"/>
                             </a:solidFill>
@@ -3649,7 +3932,7 @@
                           <m:rPr>
                             <m:nor/>
                           </m:rPr>
-                          <a:rPr lang="en-US" altLang="zh-TW" sz="11400" dirty="0">
+                          <a:rPr lang="en-US" altLang="zh-TW" sz="12000" dirty="0">
                             <a:solidFill>
                               <a:srgbClr val="0000FF"/>
                             </a:solidFill>
@@ -3660,7 +3943,7 @@
                           <m:rPr>
                             <m:nor/>
                           </m:rPr>
-                          <a:rPr lang="en-US" altLang="zh-TW" sz="11400" dirty="0">
+                          <a:rPr lang="en-US" altLang="zh-TW" sz="12000" dirty="0">
                             <a:solidFill>
                               <a:srgbClr val="0000FF"/>
                             </a:solidFill>
@@ -3670,7 +3953,7 @@
                       </m:e>
                       <m:sup>
                         <m:r>
-                          <a:rPr lang="en-US" altLang="zh-TW" sz="11400" b="0" i="1" dirty="0" smtClean="0">
+                          <a:rPr lang="en-US" altLang="zh-TW" sz="12000" b="0" i="1" dirty="0" smtClean="0">
                             <a:solidFill>
                               <a:srgbClr val="0000FF"/>
                             </a:solidFill>
@@ -3683,7 +3966,7 @@
                   </m:oMath>
                 </a14:m>
                 <a:r>
-                  <a:rPr lang="en-US" altLang="zh-TW" sz="11400" dirty="0" smtClean="0">
+                  <a:rPr lang="en-US" altLang="zh-TW" sz="12000" dirty="0" smtClean="0">
                     <a:solidFill>
                       <a:srgbClr val="0000FF"/>
                     </a:solidFill>
@@ -3695,7 +3978,7 @@
                     <m:sSup>
                       <m:sSupPr>
                         <m:ctrlPr>
-                          <a:rPr lang="en-US" altLang="zh-TW" sz="11400" i="1" dirty="0" smtClean="0">
+                          <a:rPr lang="en-US" altLang="zh-TW" sz="12000" i="1" dirty="0" smtClean="0">
                             <a:solidFill>
                               <a:srgbClr val="0000FF"/>
                             </a:solidFill>
@@ -3708,7 +3991,7 @@
                           <m:rPr>
                             <m:nor/>
                           </m:rPr>
-                          <a:rPr lang="en-US" altLang="zh-TW" sz="11400" dirty="0">
+                          <a:rPr lang="en-US" altLang="zh-TW" sz="12000" dirty="0">
                             <a:solidFill>
                               <a:srgbClr val="0000FF"/>
                             </a:solidFill>
@@ -3719,7 +4002,7 @@
                           <m:rPr>
                             <m:nor/>
                           </m:rPr>
-                          <a:rPr lang="en-US" altLang="zh-TW" sz="11400" dirty="0">
+                          <a:rPr lang="en-US" altLang="zh-TW" sz="12000" dirty="0">
                             <a:solidFill>
                               <a:srgbClr val="0000FF"/>
                             </a:solidFill>
@@ -3730,7 +4013,7 @@
                           <m:rPr>
                             <m:nor/>
                           </m:rPr>
-                          <a:rPr lang="en-US" altLang="zh-TW" sz="11400" dirty="0">
+                          <a:rPr lang="en-US" altLang="zh-TW" sz="12000" dirty="0">
                             <a:solidFill>
                               <a:srgbClr val="0000FF"/>
                             </a:solidFill>
@@ -3741,7 +4024,7 @@
                           <m:rPr>
                             <m:nor/>
                           </m:rPr>
-                          <a:rPr lang="en-US" altLang="zh-TW" sz="11400" dirty="0">
+                          <a:rPr lang="en-US" altLang="zh-TW" sz="12000" dirty="0">
                             <a:solidFill>
                               <a:srgbClr val="0000FF"/>
                             </a:solidFill>
@@ -3752,7 +4035,7 @@
                           <m:rPr>
                             <m:nor/>
                           </m:rPr>
-                          <a:rPr lang="en-US" altLang="zh-TW" sz="11400" dirty="0">
+                          <a:rPr lang="en-US" altLang="zh-TW" sz="12000" dirty="0">
                             <a:solidFill>
                               <a:srgbClr val="0000FF"/>
                             </a:solidFill>
@@ -3762,7 +4045,7 @@
                       </m:e>
                       <m:sup>
                         <m:r>
-                          <a:rPr lang="en-US" altLang="zh-TW" sz="11400" b="0" i="1" dirty="0" smtClean="0">
+                          <a:rPr lang="en-US" altLang="zh-TW" sz="12000" b="0" i="1" dirty="0" smtClean="0">
                             <a:solidFill>
                               <a:srgbClr val="0000FF"/>
                             </a:solidFill>
@@ -3774,7 +4057,7 @@
                     </m:sSup>
                   </m:oMath>
                 </a14:m>
-                <a:endParaRPr lang="en-US" altLang="zh-TW" sz="11400" dirty="0">
+                <a:endParaRPr lang="en-US" altLang="zh-TW" sz="12000" dirty="0">
                   <a:solidFill>
                     <a:srgbClr val="0000FF"/>
                   </a:solidFill>
@@ -3782,7 +4065,7 @@
               </a:p>
               <a:p>
                 <a:pPr algn="ctr"/>
-                <a:endParaRPr lang="en-US" altLang="zh-TW" sz="10900" dirty="0" smtClean="0">
+                <a:endParaRPr lang="en-US" altLang="zh-TW" sz="11000" dirty="0" smtClean="0">
                   <a:solidFill>
                     <a:srgbClr val="0000FF"/>
                   </a:solidFill>
@@ -3791,7 +4074,7 @@
               <a:p>
                 <a:pPr algn="ctr"/>
                 <a:r>
-                  <a:rPr lang="en-US" altLang="zh-TW" sz="9000" i="1" dirty="0" smtClean="0">
+                  <a:rPr lang="en-US" altLang="zh-TW" sz="11000" i="1" dirty="0" smtClean="0">
                     <a:solidFill>
                       <a:srgbClr val="0000FF"/>
                     </a:solidFill>
@@ -3799,14 +4082,14 @@
                   <a:t>1.Department </a:t>
                 </a:r>
                 <a:r>
-                  <a:rPr lang="en-US" altLang="zh-TW" sz="9000" i="1" dirty="0">
+                  <a:rPr lang="en-US" altLang="zh-TW" sz="11000" i="1" dirty="0">
                     <a:solidFill>
                       <a:srgbClr val="0000FF"/>
                     </a:solidFill>
                   </a:rPr>
                   <a:t>of Physics, National Central University, Chung-Li, Taoyuan City 32001, Taiwan </a:t>
                 </a:r>
-                <a:endParaRPr lang="en-US" altLang="zh-TW" sz="9000" i="1" dirty="0" smtClean="0">
+                <a:endParaRPr lang="en-US" altLang="zh-TW" sz="11000" i="1" dirty="0" smtClean="0">
                   <a:solidFill>
                     <a:srgbClr val="0000FF"/>
                   </a:solidFill>
@@ -3815,15 +4098,15 @@
               <a:p>
                 <a:pPr algn="ctr"/>
                 <a:r>
-                  <a:rPr lang="en-US" altLang="zh-TW" sz="9000" i="1" dirty="0" smtClean="0">
+                  <a:rPr lang="en-US" altLang="zh-TW" sz="11000" i="1" dirty="0" smtClean="0">
                     <a:solidFill>
                       <a:srgbClr val="0000FF"/>
                     </a:solidFill>
                   </a:rPr>
-                  <a:t>2.Physics</a:t>
+                  <a:t>2.Department of Physics</a:t>
                 </a:r>
                 <a:r>
-                  <a:rPr lang="en-US" altLang="zh-TW" sz="9000" i="1" dirty="0">
+                  <a:rPr lang="en-US" altLang="zh-TW" sz="11000" i="1" dirty="0">
                     <a:solidFill>
                       <a:srgbClr val="0000FF"/>
                     </a:solidFill>
@@ -3831,14 +4114,14 @@
                   <a:t>, Duke University, Durham, NC 27708, USA</a:t>
                 </a:r>
                 <a:br>
-                  <a:rPr lang="en-US" altLang="zh-TW" sz="9000" i="1" dirty="0">
+                  <a:rPr lang="en-US" altLang="zh-TW" sz="11000" i="1" dirty="0">
                     <a:solidFill>
                       <a:srgbClr val="0000FF"/>
                     </a:solidFill>
                   </a:rPr>
                 </a:br>
                 <a:r>
-                  <a:rPr lang="en-US" altLang="zh-TW" sz="9000" i="1" dirty="0" smtClean="0">
+                  <a:rPr lang="en-US" altLang="zh-TW" sz="11000" i="1" dirty="0" smtClean="0">
                     <a:solidFill>
                       <a:srgbClr val="0000FF"/>
                     </a:solidFill>
@@ -3846,7 +4129,7 @@
                   <a:t>3.Fermi </a:t>
                 </a:r>
                 <a:r>
-                  <a:rPr lang="en-US" altLang="zh-TW" sz="9000" i="1" dirty="0">
+                  <a:rPr lang="en-US" altLang="zh-TW" sz="11000" i="1" dirty="0">
                     <a:solidFill>
                       <a:srgbClr val="0000FF"/>
                     </a:solidFill>
@@ -3854,14 +4137,14 @@
                   <a:t>National Accelerator Laboratory, Batavia, IL 6051, USA</a:t>
                 </a:r>
                 <a:br>
-                  <a:rPr lang="en-US" altLang="zh-TW" sz="9000" i="1" dirty="0">
+                  <a:rPr lang="en-US" altLang="zh-TW" sz="11000" i="1" dirty="0">
                     <a:solidFill>
                       <a:srgbClr val="0000FF"/>
                     </a:solidFill>
                   </a:rPr>
                 </a:br>
                 <a:r>
-                  <a:rPr lang="en-US" altLang="zh-TW" sz="9000" i="1" dirty="0" smtClean="0">
+                  <a:rPr lang="en-US" altLang="zh-TW" sz="11000" i="1" dirty="0" smtClean="0">
                     <a:solidFill>
                       <a:srgbClr val="0000FF"/>
                     </a:solidFill>
@@ -3869,7 +4152,7 @@
                   <a:t>4.HEP </a:t>
                 </a:r>
                 <a:r>
-                  <a:rPr lang="en-US" altLang="zh-TW" sz="9000" i="1" dirty="0">
+                  <a:rPr lang="en-US" altLang="zh-TW" sz="11000" i="1" dirty="0">
                     <a:solidFill>
                       <a:srgbClr val="0000FF"/>
                     </a:solidFill>
@@ -3879,7 +4162,7 @@
               </a:p>
               <a:p>
                 <a:pPr algn="ctr"/>
-                <a:endParaRPr lang="en-US" altLang="zh-TW" sz="10900" baseline="30000" dirty="0" smtClean="0">
+                <a:endParaRPr lang="en-US" altLang="zh-TW" sz="11000" baseline="30000" dirty="0" smtClean="0">
                   <a:solidFill>
                     <a:srgbClr val="0000FF"/>
                   </a:solidFill>
@@ -3888,7 +4171,7 @@
             </p:txBody>
           </p:sp>
         </mc:Choice>
-        <mc:Fallback xmlns="">
+        <mc:Fallback>
           <p:sp>
             <p:nvSpPr>
               <p:cNvPr id="4" name="標題 1"/>
@@ -3899,16 +4182,16 @@
             </p:nvSpPr>
             <p:spPr>
               <a:xfrm>
-                <a:off x="4229473" y="-5166"/>
-                <a:ext cx="22106456" cy="5709429"/>
+                <a:off x="-372677" y="254576"/>
+                <a:ext cx="30926314" cy="6015920"/>
               </a:xfrm>
               <a:prstGeom prst="rect">
                 <a:avLst/>
               </a:prstGeom>
               <a:blipFill rotWithShape="0">
-                <a:blip r:embed="rId7"/>
+                <a:blip r:embed="rId15"/>
                 <a:stretch>
-                  <a:fillRect t="-9392" b="-3202"/>
+                  <a:fillRect t="-8916"/>
                 </a:stretch>
               </a:blipFill>
             </p:spPr>
@@ -3935,7 +4218,7 @@
         </p:nvSpPr>
         <p:spPr>
           <a:xfrm>
-            <a:off x="1205161" y="5051610"/>
+            <a:off x="321333" y="5051572"/>
             <a:ext cx="5616624" cy="861774"/>
           </a:xfrm>
           <a:prstGeom prst="rect">
@@ -3949,20 +4232,13 @@
           <a:lstStyle/>
           <a:p>
             <a:r>
-              <a:rPr lang="en-US" altLang="zh-TW" sz="5000" b="1" dirty="0" smtClean="0">
-                <a:solidFill>
-                  <a:srgbClr val="C0504D"/>
-                </a:solidFill>
+              <a:rPr lang="en-US" altLang="zh-TW" sz="5000" b="1" u="sng" dirty="0" smtClean="0">
                 <a:latin typeface="Arial" pitchFamily="34" charset="0"/>
                 <a:cs typeface="Arial" pitchFamily="34" charset="0"/>
               </a:rPr>
               <a:t>Abstract: </a:t>
             </a:r>
-            <a:endParaRPr lang="zh-TW" altLang="en-US" sz="5000" baseline="-25000" dirty="0">
-              <a:solidFill>
-                <a:srgbClr val="C0504D"/>
-              </a:solidFill>
-            </a:endParaRPr>
+            <a:endParaRPr lang="zh-TW" altLang="en-US" sz="5000" u="sng" baseline="-25000" dirty="0"/>
           </a:p>
         </p:txBody>
       </p:sp>
@@ -4105,7 +4381,7 @@
           <p:nvPr/>
         </p:nvPicPr>
         <p:blipFill>
-          <a:blip r:embed="rId8" cstate="print">
+          <a:blip r:embed="rId16" cstate="print">
             <a:extLst>
               <a:ext uri="{28A0092B-C50C-407E-A947-70E740481C1C}">
                 <a14:useLocalDpi xmlns:a14="http://schemas.microsoft.com/office/drawing/2010/main" val="0"/>
@@ -4118,8 +4394,8 @@
         </p:blipFill>
         <p:spPr>
           <a:xfrm>
-            <a:off x="0" y="0"/>
-            <a:ext cx="4176516" cy="4165942"/>
+            <a:off x="547868" y="1652456"/>
+            <a:ext cx="3101770" cy="3093917"/>
           </a:xfrm>
           <a:prstGeom prst="rect">
             <a:avLst/>
@@ -4135,7 +4411,7 @@
           <p:nvPr/>
         </p:nvPicPr>
         <p:blipFill>
-          <a:blip r:embed="rId9" cstate="print">
+          <a:blip r:embed="rId17" cstate="print">
             <a:extLst>
               <a:ext uri="{28A0092B-C50C-407E-A947-70E740481C1C}">
                 <a14:useLocalDpi xmlns:a14="http://schemas.microsoft.com/office/drawing/2010/main" val="0"/>
@@ -4148,8 +4424,8 @@
         </p:blipFill>
         <p:spPr>
           <a:xfrm>
-            <a:off x="26525499" y="-1"/>
-            <a:ext cx="3717964" cy="3708551"/>
+            <a:off x="26690073" y="1756375"/>
+            <a:ext cx="2685230" cy="2678432"/>
           </a:xfrm>
           <a:prstGeom prst="rect">
             <a:avLst/>
@@ -4178,12 +4454,12 @@
           <a:graphicData uri="http://schemas.openxmlformats.org/presentationml/2006/ole">
             <mc:AlternateContent xmlns:mc="http://schemas.openxmlformats.org/markup-compatibility/2006">
               <mc:Choice xmlns:v="urn:schemas-microsoft-com:vml" Requires="v">
-                <p:oleObj spid="_x0000_s1633" name="方程式" r:id="rId10" imgW="190500" imgH="152400" progId="Equation.3">
+                <p:oleObj spid="_x0000_s1658" name="方程式" r:id="rId18" imgW="190500" imgH="152400" progId="Equation.3">
                   <p:embed/>
                 </p:oleObj>
               </mc:Choice>
               <mc:Fallback>
-                <p:oleObj name="方程式" r:id="rId10" imgW="190500" imgH="152400" progId="Equation.3">
+                <p:oleObj name="方程式" r:id="rId18" imgW="190500" imgH="152400" progId="Equation.3">
                   <p:embed/>
                   <p:pic>
                     <p:nvPicPr>
@@ -4192,7 +4468,7 @@
                       <p:nvPr/>
                     </p:nvPicPr>
                     <p:blipFill>
-                      <a:blip r:embed="rId11"/>
+                      <a:blip r:embed="rId19"/>
                       <a:stretch>
                         <a:fillRect/>
                       </a:stretch>
@@ -4236,10 +4512,11 @@
               </a:bodyPr>
               <a:lstStyle/>
               <a:p>
+                <a:pPr algn="ctr"/>
                 <a:r>
-                  <a:rPr lang="en-US" altLang="zh-TW" sz="5000" b="1" dirty="0" smtClean="0">
+                  <a:rPr lang="en-US" altLang="zh-TW" sz="5000" b="1" u="sng" dirty="0" smtClean="0">
                     <a:solidFill>
-                      <a:srgbClr val="C0504D"/>
+                      <a:schemeClr val="tx1"/>
                     </a:solidFill>
                     <a:latin typeface="Arial" pitchFamily="34" charset="0"/>
                     <a:cs typeface="Arial" pitchFamily="34" charset="0"/>
@@ -4247,9 +4524,9 @@
                   <a:t>Summary for soft drop </a:t>
                 </a:r>
                 <a:r>
-                  <a:rPr lang="en-US" altLang="zh-TW" sz="4800" b="1" dirty="0">
+                  <a:rPr lang="en-US" altLang="zh-TW" sz="4800" b="1" u="sng" dirty="0">
                     <a:solidFill>
-                      <a:srgbClr val="C0504D"/>
+                      <a:schemeClr val="tx1"/>
                     </a:solidFill>
                     <a:latin typeface="Arial" pitchFamily="34" charset="0"/>
                     <a:cs typeface="Arial" pitchFamily="34" charset="0"/>
@@ -4259,7 +4536,10 @@
                 <a14:m>
                   <m:oMath xmlns:m="http://schemas.openxmlformats.org/officeDocument/2006/math">
                     <m:r>
-                      <a:rPr lang="en-US" altLang="zh-TW" sz="4800" b="1" i="1" dirty="0">
+                      <a:rPr lang="en-US" altLang="zh-TW" sz="4800" b="1" i="1" u="sng" dirty="0">
+                        <a:solidFill>
+                          <a:schemeClr val="tx1"/>
+                        </a:solidFill>
                         <a:latin typeface="Cambria Math" charset="0"/>
                         <a:ea typeface="Cambria Math" charset="0"/>
                         <a:cs typeface="Cambria Math" charset="0"/>
@@ -4267,7 +4547,10 @@
                       <m:t>𝜷</m:t>
                     </m:r>
                     <m:r>
-                      <a:rPr lang="en-US" altLang="zh-TW" sz="4800" b="1" i="1" dirty="0">
+                      <a:rPr lang="en-US" altLang="zh-TW" sz="4800" b="1" i="1" u="sng" dirty="0">
+                        <a:solidFill>
+                          <a:schemeClr val="tx1"/>
+                        </a:solidFill>
                         <a:latin typeface="Cambria Math" charset="0"/>
                         <a:ea typeface="Cambria Math" charset="0"/>
                         <a:cs typeface="Cambria Math" charset="0"/>
@@ -4275,7 +4558,10 @@
                       <m:t>=</m:t>
                     </m:r>
                     <m:r>
-                      <a:rPr lang="en-US" altLang="zh-TW" sz="4800" b="1" i="1" dirty="0">
+                      <a:rPr lang="en-US" altLang="zh-TW" sz="4800" b="1" i="1" u="sng" dirty="0">
+                        <a:solidFill>
+                          <a:schemeClr val="tx1"/>
+                        </a:solidFill>
                         <a:latin typeface="Cambria Math" charset="0"/>
                         <a:ea typeface="Cambria Math" charset="0"/>
                         <a:cs typeface="Cambria Math" charset="0"/>
@@ -4285,11 +4571,18 @@
                   </m:oMath>
                 </a14:m>
                 <a:r>
-                  <a:rPr lang="en-US" altLang="zh-TW" sz="4800" b="1" dirty="0" smtClean="0"/>
+                  <a:rPr lang="en-US" altLang="zh-TW" sz="4800" b="1" u="sng" dirty="0" smtClean="0">
+                    <a:solidFill>
+                      <a:schemeClr val="tx1"/>
+                    </a:solidFill>
+                  </a:rPr>
                   <a:t>(CMS),</a:t>
                 </a:r>
                 <a:r>
-                  <a:rPr lang="en-US" altLang="zh-TW" sz="4800" b="1" dirty="0" smtClean="0">
+                  <a:rPr lang="en-US" altLang="zh-TW" sz="4800" b="1" u="sng" dirty="0" smtClean="0">
+                    <a:solidFill>
+                      <a:schemeClr val="tx1"/>
+                    </a:solidFill>
                     <a:ea typeface="Cambria Math" charset="0"/>
                     <a:cs typeface="Cambria Math" charset="0"/>
                   </a:rPr>
@@ -4298,7 +4591,10 @@
                 <a14:m>
                   <m:oMath xmlns:m="http://schemas.openxmlformats.org/officeDocument/2006/math">
                     <m:r>
-                      <a:rPr lang="en-US" altLang="zh-TW" sz="4800" b="1" i="1" dirty="0">
+                      <a:rPr lang="en-US" altLang="zh-TW" sz="4800" b="1" i="1" u="sng" dirty="0">
+                        <a:solidFill>
+                          <a:schemeClr val="tx1"/>
+                        </a:solidFill>
                         <a:latin typeface="Cambria Math" charset="0"/>
                         <a:ea typeface="Cambria Math" charset="0"/>
                         <a:cs typeface="Cambria Math" charset="0"/>
@@ -4306,7 +4602,10 @@
                       <m:t>𝜷</m:t>
                     </m:r>
                     <m:r>
-                      <a:rPr lang="en-US" altLang="zh-TW" sz="4800" b="1" i="1" dirty="0">
+                      <a:rPr lang="en-US" altLang="zh-TW" sz="4800" b="1" i="1" u="sng" dirty="0">
+                        <a:solidFill>
+                          <a:schemeClr val="tx1"/>
+                        </a:solidFill>
                         <a:latin typeface="Cambria Math" charset="0"/>
                         <a:ea typeface="Cambria Math" charset="0"/>
                         <a:cs typeface="Cambria Math" charset="0"/>
@@ -4314,168 +4613,130 @@
                       <m:t>=</m:t>
                     </m:r>
                     <m:r>
-                      <a:rPr lang="en-US" altLang="zh-TW" sz="4800" b="1" i="1" dirty="0">
+                      <a:rPr lang="en-US" altLang="zh-TW" sz="4800" b="1" i="1" u="sng" dirty="0">
+                        <a:solidFill>
+                          <a:schemeClr val="tx1"/>
+                        </a:solidFill>
                         <a:latin typeface="Cambria Math" charset="0"/>
                         <a:ea typeface="Cambria Math" charset="0"/>
                         <a:cs typeface="Cambria Math" charset="0"/>
                       </a:rPr>
                       <m:t>𝟐</m:t>
                     </m:r>
+                    <m:r>
+                      <a:rPr lang="en-US" altLang="zh-TW" sz="4800" b="1" i="1" u="sng" dirty="0" smtClean="0">
+                        <a:solidFill>
+                          <a:schemeClr val="tx1"/>
+                        </a:solidFill>
+                        <a:latin typeface="Cambria Math" charset="0"/>
+                        <a:ea typeface="Cambria Math" charset="0"/>
+                        <a:cs typeface="Cambria Math" charset="0"/>
+                      </a:rPr>
+                      <m:t>:</m:t>
+                    </m:r>
                   </m:oMath>
                 </a14:m>
-                <a:r>
-                  <a:rPr lang="en-US" altLang="zh-TW" sz="5000" b="1" dirty="0" smtClean="0">
-                    <a:solidFill>
-                      <a:srgbClr val="C0504D"/>
-                    </a:solidFill>
-                    <a:latin typeface="Arial" pitchFamily="34" charset="0"/>
-                    <a:cs typeface="Arial" pitchFamily="34" charset="0"/>
-                  </a:rPr>
-                  <a:t>:</a:t>
-                </a:r>
+                <a:endParaRPr lang="en-US" altLang="zh-TW" sz="4800" b="1" u="sng" dirty="0" smtClean="0">
+                  <a:solidFill>
+                    <a:schemeClr val="tx1"/>
+                  </a:solidFill>
+                  <a:ea typeface="Cambria Math" charset="0"/>
+                  <a:cs typeface="Cambria Math" charset="0"/>
+                </a:endParaRPr>
               </a:p>
               <a:p>
                 <a:r>
-                  <a:rPr lang="en-US" altLang="zh-TW" sz="5000" b="1" dirty="0" smtClean="0">
-                    <a:solidFill>
-                      <a:srgbClr val="C0504D"/>
-                    </a:solidFill>
+                  <a:rPr lang="en-US" altLang="zh-TW" sz="5000" b="1" u="sng" dirty="0" smtClean="0">
                     <a:latin typeface="Arial" pitchFamily="34" charset="0"/>
                     <a:cs typeface="Arial" pitchFamily="34" charset="0"/>
                   </a:rPr>
                   <a:t>Is</a:t>
                 </a:r>
                 <a:r>
-                  <a:rPr lang="zh-TW" altLang="en-US" sz="5000" b="1" dirty="0" smtClean="0">
-                    <a:solidFill>
-                      <a:srgbClr val="C0504D"/>
-                    </a:solidFill>
+                  <a:rPr lang="zh-TW" altLang="en-US" sz="5000" b="1" u="sng" dirty="0" smtClean="0">
                     <a:latin typeface="Arial" pitchFamily="34" charset="0"/>
                     <a:cs typeface="Arial" pitchFamily="34" charset="0"/>
                   </a:rPr>
                   <a:t> </a:t>
                 </a:r>
                 <a:r>
-                  <a:rPr lang="en-US" altLang="zh-TW" sz="5000" b="1" dirty="0" smtClean="0">
-                    <a:solidFill>
-                      <a:srgbClr val="C0504D"/>
-                    </a:solidFill>
+                  <a:rPr lang="en-US" altLang="zh-TW" sz="5000" b="1" u="sng" dirty="0" smtClean="0">
                     <a:latin typeface="Arial" pitchFamily="34" charset="0"/>
                     <a:cs typeface="Arial" pitchFamily="34" charset="0"/>
                   </a:rPr>
                   <a:t>it</a:t>
                 </a:r>
                 <a:r>
-                  <a:rPr lang="zh-TW" altLang="en-US" sz="5000" b="1" dirty="0" smtClean="0">
-                    <a:solidFill>
-                      <a:srgbClr val="C0504D"/>
-                    </a:solidFill>
+                  <a:rPr lang="zh-TW" altLang="en-US" sz="5000" b="1" u="sng" dirty="0" smtClean="0">
                     <a:latin typeface="Arial" pitchFamily="34" charset="0"/>
                     <a:cs typeface="Arial" pitchFamily="34" charset="0"/>
                   </a:rPr>
                   <a:t> </a:t>
                 </a:r>
                 <a:r>
-                  <a:rPr lang="en-US" altLang="zh-TW" sz="5000" b="1" dirty="0" smtClean="0">
-                    <a:solidFill>
-                      <a:srgbClr val="C0504D"/>
-                    </a:solidFill>
+                  <a:rPr lang="en-US" altLang="zh-TW" sz="5000" b="1" u="sng" dirty="0" smtClean="0">
                     <a:latin typeface="Arial" pitchFamily="34" charset="0"/>
                     <a:cs typeface="Arial" pitchFamily="34" charset="0"/>
                   </a:rPr>
                   <a:t>the best</a:t>
                 </a:r>
                 <a:r>
-                  <a:rPr lang="zh-TW" altLang="en-US" sz="5000" b="1" dirty="0" smtClean="0">
-                    <a:solidFill>
-                      <a:srgbClr val="C0504D"/>
-                    </a:solidFill>
+                  <a:rPr lang="zh-TW" altLang="en-US" sz="5000" b="1" u="sng" dirty="0" smtClean="0">
                     <a:latin typeface="Arial" pitchFamily="34" charset="0"/>
                     <a:cs typeface="Arial" pitchFamily="34" charset="0"/>
                   </a:rPr>
                   <a:t> </a:t>
                 </a:r>
                 <a:r>
-                  <a:rPr lang="en-US" altLang="zh-TW" sz="5000" b="1" dirty="0" smtClean="0">
-                    <a:solidFill>
-                      <a:srgbClr val="C0504D"/>
-                    </a:solidFill>
+                  <a:rPr lang="en-US" altLang="zh-TW" sz="5000" b="1" u="sng" dirty="0" smtClean="0">
                     <a:latin typeface="Arial" pitchFamily="34" charset="0"/>
                     <a:cs typeface="Arial" pitchFamily="34" charset="0"/>
                   </a:rPr>
                   <a:t>for</a:t>
                 </a:r>
                 <a:r>
-                  <a:rPr lang="zh-TW" altLang="en-US" sz="5000" b="1" dirty="0" smtClean="0">
-                    <a:solidFill>
-                      <a:srgbClr val="C0504D"/>
-                    </a:solidFill>
+                  <a:rPr lang="zh-TW" altLang="en-US" sz="5000" b="1" u="sng" dirty="0" smtClean="0">
                     <a:latin typeface="Arial" pitchFamily="34" charset="0"/>
                     <a:cs typeface="Arial" pitchFamily="34" charset="0"/>
                   </a:rPr>
                   <a:t> </a:t>
                 </a:r>
                 <a:r>
-                  <a:rPr lang="en-US" altLang="zh-TW" sz="5000" b="1" dirty="0" smtClean="0">
-                    <a:solidFill>
-                      <a:srgbClr val="C0504D"/>
-                    </a:solidFill>
+                  <a:rPr lang="en-US" altLang="zh-TW" sz="5000" b="1" u="sng" dirty="0" smtClean="0">
                     <a:latin typeface="Arial" pitchFamily="34" charset="0"/>
                     <a:cs typeface="Arial" pitchFamily="34" charset="0"/>
                   </a:rPr>
                   <a:t>smallest</a:t>
                 </a:r>
                 <a:r>
-                  <a:rPr lang="zh-TW" altLang="en-US" sz="5000" b="1" dirty="0" smtClean="0">
-                    <a:solidFill>
-                      <a:srgbClr val="C0504D"/>
-                    </a:solidFill>
+                  <a:rPr lang="zh-TW" altLang="en-US" sz="5000" b="1" u="sng" dirty="0" smtClean="0">
                     <a:latin typeface="Arial" pitchFamily="34" charset="0"/>
                     <a:cs typeface="Arial" pitchFamily="34" charset="0"/>
                   </a:rPr>
                   <a:t> </a:t>
                 </a:r>
                 <a:r>
-                  <a:rPr lang="en-US" altLang="zh-TW" sz="5000" b="1" dirty="0" smtClean="0">
-                    <a:solidFill>
-                      <a:srgbClr val="C0504D"/>
-                    </a:solidFill>
+                  <a:rPr lang="en-US" altLang="zh-TW" sz="5000" b="1" u="sng" dirty="0" smtClean="0">
                     <a:latin typeface="Arial" pitchFamily="34" charset="0"/>
                     <a:cs typeface="Arial" pitchFamily="34" charset="0"/>
                   </a:rPr>
                   <a:t>detector</a:t>
                 </a:r>
                 <a:r>
-                  <a:rPr lang="zh-TW" altLang="en-US" sz="5000" b="1" dirty="0" smtClean="0">
-                    <a:solidFill>
-                      <a:srgbClr val="C0504D"/>
-                    </a:solidFill>
+                  <a:rPr lang="zh-TW" altLang="en-US" sz="5000" b="1" u="sng" dirty="0" smtClean="0">
                     <a:latin typeface="Arial" pitchFamily="34" charset="0"/>
                     <a:cs typeface="Arial" pitchFamily="34" charset="0"/>
                   </a:rPr>
                   <a:t> </a:t>
                 </a:r>
                 <a:r>
-                  <a:rPr lang="en-US" altLang="zh-TW" sz="5000" b="1" dirty="0" smtClean="0">
-                    <a:solidFill>
-                      <a:srgbClr val="C0504D"/>
-                    </a:solidFill>
+                  <a:rPr lang="en-US" altLang="zh-TW" sz="5000" b="1" u="sng" dirty="0" smtClean="0">
                     <a:latin typeface="Arial" pitchFamily="34" charset="0"/>
                     <a:cs typeface="Arial" pitchFamily="34" charset="0"/>
                   </a:rPr>
-                  <a:t>size?</a:t>
+                  <a:t>size? </a:t>
                 </a:r>
-                <a:r>
-                  <a:rPr lang="en-US" altLang="zh-TW" sz="5000" b="1" dirty="0" smtClean="0">
-                    <a:solidFill>
-                      <a:schemeClr val="accent2"/>
-                    </a:solidFill>
-                    <a:latin typeface="Arial" pitchFamily="34" charset="0"/>
-                    <a:cs typeface="Arial" pitchFamily="34" charset="0"/>
-                  </a:rPr>
-                  <a:t> </a:t>
-                </a:r>
-                <a:endParaRPr lang="zh-TW" altLang="en-US" sz="5000" baseline="-25000" dirty="0"/>
+                <a:endParaRPr lang="zh-TW" altLang="en-US" sz="5000" u="sng" baseline="-25000" dirty="0"/>
               </a:p>
             </p:txBody>
           </p:sp>
@@ -4498,7 +4759,7 @@
                 <a:avLst/>
               </a:prstGeom>
               <a:blipFill rotWithShape="0">
-                <a:blip r:embed="rId12"/>
+                <a:blip r:embed="rId20"/>
                 <a:stretch>
                   <a:fillRect l="-2042" t="-10112" b="-19850"/>
                 </a:stretch>
@@ -4618,8 +4879,8 @@
           </a:p>
         </p:txBody>
       </p:sp>
-      <mc:AlternateContent xmlns:mc="http://schemas.openxmlformats.org/markup-compatibility/2006" xmlns:a14="http://schemas.microsoft.com/office/drawing/2010/main">
-        <mc:Choice Requires="a14">
+      <mc:AlternateContent xmlns:mc="http://schemas.openxmlformats.org/markup-compatibility/2006">
+        <mc:Choice xmlns:a14="http://schemas.microsoft.com/office/drawing/2010/main" Requires="a14">
           <p:sp>
             <p:nvSpPr>
               <p:cNvPr id="84" name="矩形 83"/>
@@ -4639,7 +4900,7 @@
                 <a:solidFill>
                   <a:srgbClr val="00B0F0"/>
                 </a:solidFill>
-                <a:prstDash val="solid"/>
+                <a:prstDash val="sysDot"/>
               </a:ln>
             </p:spPr>
             <p:txBody>
@@ -4650,55 +4911,37 @@
               <a:p>
                 <a:pPr algn="ctr"/>
                 <a:r>
-                  <a:rPr lang="en-US" altLang="zh-TW" sz="5000" b="1" dirty="0" smtClean="0">
-                    <a:solidFill>
-                      <a:srgbClr val="C0504D"/>
-                    </a:solidFill>
+                  <a:rPr lang="en-US" altLang="zh-TW" sz="5000" b="1" u="sng" dirty="0" smtClean="0">
                     <a:latin typeface="Arial" pitchFamily="34" charset="0"/>
                     <a:cs typeface="Arial" pitchFamily="34" charset="0"/>
                   </a:rPr>
                   <a:t>Basic Jet </a:t>
                 </a:r>
                 <a:r>
-                  <a:rPr lang="en-US" altLang="zh-TW" sz="5000" b="1" dirty="0">
-                    <a:solidFill>
-                      <a:srgbClr val="C0504D"/>
-                    </a:solidFill>
+                  <a:rPr lang="en-US" altLang="zh-TW" sz="5000" b="1" u="sng" dirty="0">
                     <a:latin typeface="Arial" pitchFamily="34" charset="0"/>
                     <a:cs typeface="Arial" pitchFamily="34" charset="0"/>
                   </a:rPr>
                   <a:t>R</a:t>
                 </a:r>
                 <a:r>
-                  <a:rPr lang="en-US" altLang="zh-TW" sz="5000" b="1" dirty="0" smtClean="0">
-                    <a:solidFill>
-                      <a:srgbClr val="C0504D"/>
-                    </a:solidFill>
+                  <a:rPr lang="en-US" altLang="zh-TW" sz="5000" b="1" u="sng" dirty="0" smtClean="0">
                     <a:latin typeface="Arial" pitchFamily="34" charset="0"/>
                     <a:cs typeface="Arial" pitchFamily="34" charset="0"/>
                   </a:rPr>
                   <a:t>econstruction </a:t>
                 </a:r>
                 <a:r>
-                  <a:rPr lang="en-US" altLang="zh-TW" sz="5000" b="1" dirty="0">
-                    <a:solidFill>
-                      <a:srgbClr val="C0504D"/>
-                    </a:solidFill>
+                  <a:rPr lang="en-US" altLang="zh-TW" sz="5000" b="1" u="sng" dirty="0" smtClean="0">
                     <a:latin typeface="Arial" pitchFamily="34" charset="0"/>
                     <a:cs typeface="Arial" pitchFamily="34" charset="0"/>
                   </a:rPr>
-                  <a:t>A</a:t>
+                  <a:t>Algorithm</a:t>
                 </a:r>
-                <a:r>
-                  <a:rPr lang="en-US" altLang="zh-TW" sz="5000" b="1" dirty="0" smtClean="0">
-                    <a:solidFill>
-                      <a:srgbClr val="C0504D"/>
-                    </a:solidFill>
-                    <a:latin typeface="Arial" pitchFamily="34" charset="0"/>
-                    <a:cs typeface="Arial" pitchFamily="34" charset="0"/>
-                  </a:rPr>
-                  <a:t>lgorithm:</a:t>
-                </a:r>
+                <a:endParaRPr lang="en-US" altLang="zh-TW" sz="5000" b="1" u="sng" dirty="0" smtClean="0">
+                  <a:latin typeface="Arial" pitchFamily="34" charset="0"/>
+                  <a:cs typeface="Arial" pitchFamily="34" charset="0"/>
+                </a:endParaRPr>
               </a:p>
               <a:p>
                 <a14:m>
@@ -5278,7 +5521,7 @@
                     <a:ea typeface="Arial" charset="0"/>
                     <a:cs typeface="Arial" charset="0"/>
                   </a:rPr>
-                  <a:t>,j particle will be merged in I particle**</a:t>
+                  <a:t>,j particle will be merged into one particle**</a:t>
                 </a:r>
               </a:p>
               <a:p>
@@ -5391,7 +5634,7 @@
             </p:txBody>
           </p:sp>
         </mc:Choice>
-        <mc:Fallback xmlns="">
+        <mc:Fallback>
           <p:sp>
             <p:nvSpPr>
               <p:cNvPr id="84" name="矩形 83"/>
@@ -5409,7 +5652,7 @@
                 <a:avLst/>
               </a:prstGeom>
               <a:blipFill rotWithShape="0">
-                <a:blip r:embed="rId13"/>
+                <a:blip r:embed="rId21"/>
                 <a:stretch>
                   <a:fillRect l="-1113" t="-1581" b="-2372"/>
                 </a:stretch>
@@ -5418,7 +5661,7 @@
                 <a:solidFill>
                   <a:srgbClr val="00B0F0"/>
                 </a:solidFill>
-                <a:prstDash val="solid"/>
+                <a:prstDash val="sysDot"/>
               </a:ln>
             </p:spPr>
             <p:txBody>
@@ -5459,36 +5702,20 @@
           <a:p>
             <a:pPr algn="ctr"/>
             <a:r>
-              <a:rPr lang="en-US" altLang="zh-TW" sz="5000" b="1" dirty="0" smtClean="0">
-                <a:solidFill>
-                  <a:srgbClr val="C0504D"/>
-                </a:solidFill>
+              <a:rPr lang="en-US" altLang="zh-TW" sz="5000" b="1" u="sng" dirty="0" smtClean="0">
                 <a:latin typeface="Arial" pitchFamily="34" charset="0"/>
                 <a:cs typeface="Arial" pitchFamily="34" charset="0"/>
               </a:rPr>
               <a:t>Jet Substructure </a:t>
             </a:r>
             <a:r>
-              <a:rPr lang="en-US" altLang="zh-TW" sz="5000" b="1" dirty="0">
-                <a:solidFill>
-                  <a:srgbClr val="C0504D"/>
-                </a:solidFill>
+              <a:rPr lang="en-US" altLang="zh-TW" sz="5000" b="1" u="sng" dirty="0" smtClean="0">
                 <a:latin typeface="Arial" pitchFamily="34" charset="0"/>
                 <a:cs typeface="Arial" pitchFamily="34" charset="0"/>
               </a:rPr>
-              <a:t>V</a:t>
+              <a:t>Variables</a:t>
             </a:r>
-            <a:r>
-              <a:rPr lang="en-US" altLang="zh-TW" sz="5000" b="1" dirty="0" smtClean="0">
-                <a:solidFill>
-                  <a:srgbClr val="C0504D"/>
-                </a:solidFill>
-                <a:latin typeface="Arial" pitchFamily="34" charset="0"/>
-                <a:cs typeface="Arial" pitchFamily="34" charset="0"/>
-              </a:rPr>
-              <a:t>ariables:</a:t>
-            </a:r>
-            <a:endParaRPr lang="zh-TW" altLang="en-US" sz="5000" baseline="-25000" dirty="0"/>
+            <a:endParaRPr lang="zh-TW" altLang="en-US" sz="5000" u="sng" baseline="-25000" dirty="0"/>
           </a:p>
         </p:txBody>
       </p:sp>
@@ -5502,8 +5729,8 @@
             </p:nvSpPr>
             <p:spPr>
               <a:xfrm>
-                <a:off x="15695243" y="17356942"/>
-                <a:ext cx="14170566" cy="878702"/>
+                <a:off x="15558958" y="16908929"/>
+                <a:ext cx="14170566" cy="2140586"/>
               </a:xfrm>
               <a:prstGeom prst="rect">
                 <a:avLst/>
@@ -5515,10 +5742,11 @@
               </a:bodyPr>
               <a:lstStyle/>
               <a:p>
+                <a:pPr algn="ctr"/>
                 <a:r>
-                  <a:rPr lang="en-US" altLang="zh-TW" sz="4800" b="1" dirty="0" smtClean="0">
+                  <a:rPr lang="en-US" altLang="zh-TW" sz="4800" b="1" u="sng" dirty="0" smtClean="0">
                     <a:solidFill>
-                      <a:srgbClr val="C0504D"/>
+                      <a:schemeClr val="tx1"/>
                     </a:solidFill>
                     <a:latin typeface="Arial" pitchFamily="34" charset="0"/>
                     <a:cs typeface="Arial" pitchFamily="34" charset="0"/>
@@ -5530,14 +5758,20 @@
                     <m:sSubSup>
                       <m:sSubSupPr>
                         <m:ctrlPr>
-                          <a:rPr kumimoji="1" lang="en-US" altLang="zh-TW" sz="4800" b="1" i="1">
+                          <a:rPr kumimoji="1" lang="en-US" altLang="zh-TW" sz="4800" b="1" i="1" u="sng">
+                            <a:solidFill>
+                              <a:schemeClr val="tx1"/>
+                            </a:solidFill>
                             <a:latin typeface="Cambria Math" charset="0"/>
                           </a:rPr>
                         </m:ctrlPr>
                       </m:sSubSupPr>
                       <m:e>
                         <m:r>
-                          <a:rPr kumimoji="1" lang="en-US" altLang="zh-TW" sz="4800" b="1" i="1">
+                          <a:rPr kumimoji="1" lang="en-US" altLang="zh-TW" sz="4800" b="1" i="1" u="sng">
+                            <a:solidFill>
+                              <a:schemeClr val="tx1"/>
+                            </a:solidFill>
                             <a:latin typeface="Cambria Math" charset="0"/>
                           </a:rPr>
                           <m:t>𝑪</m:t>
@@ -5545,7 +5779,10 @@
                       </m:e>
                       <m:sub>
                         <m:r>
-                          <a:rPr kumimoji="1" lang="en-US" altLang="zh-TW" sz="4800" b="1" i="1">
+                          <a:rPr kumimoji="1" lang="en-US" altLang="zh-TW" sz="4800" b="1" i="1" u="sng">
+                            <a:solidFill>
+                              <a:schemeClr val="tx1"/>
+                            </a:solidFill>
                             <a:latin typeface="Cambria Math" charset="0"/>
                           </a:rPr>
                           <m:t>𝟐</m:t>
@@ -5553,7 +5790,10 @@
                       </m:sub>
                       <m:sup>
                         <m:r>
-                          <a:rPr kumimoji="1" lang="en-US" altLang="zh-TW" sz="4800" b="1" i="1">
+                          <a:rPr kumimoji="1" lang="en-US" altLang="zh-TW" sz="4800" b="1" i="1" u="sng">
+                            <a:solidFill>
+                              <a:schemeClr val="tx1"/>
+                            </a:solidFill>
                             <a:latin typeface="Cambria Math" charset="0"/>
                           </a:rPr>
                           <m:t>𝟏</m:t>
@@ -5563,9 +5803,9 @@
                   </m:oMath>
                 </a14:m>
                 <a:r>
-                  <a:rPr lang="en-US" altLang="zh-TW" sz="4800" b="1" dirty="0">
+                  <a:rPr lang="en-US" altLang="zh-TW" sz="4800" b="1" u="sng" dirty="0">
                     <a:solidFill>
-                      <a:srgbClr val="C0504D"/>
+                      <a:schemeClr val="tx1"/>
                     </a:solidFill>
                     <a:latin typeface="Arial" pitchFamily="34" charset="0"/>
                     <a:cs typeface="Arial" pitchFamily="34" charset="0"/>
@@ -5577,14 +5817,20 @@
                     <m:sSub>
                       <m:sSubPr>
                         <m:ctrlPr>
-                          <a:rPr kumimoji="1" lang="en-US" altLang="zh-TW" sz="4800" b="1" i="1">
+                          <a:rPr kumimoji="1" lang="en-US" altLang="zh-TW" sz="4800" b="1" i="1" u="sng">
+                            <a:solidFill>
+                              <a:schemeClr val="tx1"/>
+                            </a:solidFill>
                             <a:latin typeface="Cambria Math" charset="0"/>
                           </a:rPr>
                         </m:ctrlPr>
                       </m:sSubPr>
                       <m:e>
                         <m:r>
-                          <a:rPr kumimoji="1" lang="en-US" altLang="zh-TW" sz="4800" b="1" i="1">
+                          <a:rPr kumimoji="1" lang="en-US" altLang="zh-TW" sz="4800" b="1" i="1" u="sng">
+                            <a:solidFill>
+                              <a:schemeClr val="tx1"/>
+                            </a:solidFill>
                             <a:latin typeface="Cambria Math" charset="0"/>
                             <a:ea typeface="Cambria Math" charset="0"/>
                             <a:cs typeface="Cambria Math" charset="0"/>
@@ -5594,7 +5840,10 @@
                       </m:e>
                       <m:sub>
                         <m:r>
-                          <a:rPr kumimoji="1" lang="en-US" altLang="zh-TW" sz="4800" b="1" i="1">
+                          <a:rPr kumimoji="1" lang="en-US" altLang="zh-TW" sz="4800" b="1" i="1" u="sng">
+                            <a:solidFill>
+                              <a:schemeClr val="tx1"/>
+                            </a:solidFill>
                             <a:latin typeface="Cambria Math" charset="0"/>
                           </a:rPr>
                           <m:t>𝟐𝟏</m:t>
@@ -5604,9 +5853,9 @@
                   </m:oMath>
                 </a14:m>
                 <a:r>
-                  <a:rPr lang="en-US" altLang="zh-TW" sz="4800" b="1" dirty="0">
+                  <a:rPr lang="en-US" altLang="zh-TW" sz="4800" b="1" u="sng" dirty="0">
                     <a:solidFill>
-                      <a:srgbClr val="C0504D"/>
+                      <a:schemeClr val="tx1"/>
                     </a:solidFill>
                     <a:latin typeface="Arial" pitchFamily="34" charset="0"/>
                     <a:cs typeface="Arial" pitchFamily="34" charset="0"/>
@@ -5614,7 +5863,11 @@
                   <a:t>,</a:t>
                 </a:r>
                 <a:r>
-                  <a:rPr kumimoji="1" lang="en-US" altLang="zh-TW" sz="4800" b="1" dirty="0"/>
+                  <a:rPr kumimoji="1" lang="en-US" altLang="zh-TW" sz="4800" b="1" u="sng" dirty="0">
+                    <a:solidFill>
+                      <a:schemeClr val="tx1"/>
+                    </a:solidFill>
+                  </a:rPr>
                   <a:t> </a:t>
                 </a:r>
                 <a14:m>
@@ -5622,14 +5875,20 @@
                     <m:sSub>
                       <m:sSubPr>
                         <m:ctrlPr>
-                          <a:rPr kumimoji="1" lang="en-US" altLang="zh-TW" sz="4800" b="1" i="1">
+                          <a:rPr kumimoji="1" lang="en-US" altLang="zh-TW" sz="4800" b="1" i="1" u="sng">
+                            <a:solidFill>
+                              <a:schemeClr val="tx1"/>
+                            </a:solidFill>
                             <a:latin typeface="Cambria Math" charset="0"/>
                           </a:rPr>
                         </m:ctrlPr>
                       </m:sSubPr>
                       <m:e>
                         <m:r>
-                          <a:rPr kumimoji="1" lang="en-US" altLang="zh-TW" sz="4800" b="1" i="1">
+                          <a:rPr kumimoji="1" lang="en-US" altLang="zh-TW" sz="4800" b="1" i="1" u="sng">
+                            <a:solidFill>
+                              <a:schemeClr val="tx1"/>
+                            </a:solidFill>
                             <a:latin typeface="Cambria Math" charset="0"/>
                             <a:ea typeface="Cambria Math" charset="0"/>
                             <a:cs typeface="Cambria Math" charset="0"/>
@@ -5639,7 +5898,10 @@
                       </m:e>
                       <m:sub>
                         <m:r>
-                          <a:rPr kumimoji="1" lang="en-US" altLang="zh-TW" sz="4800" b="1" i="1">
+                          <a:rPr kumimoji="1" lang="en-US" altLang="zh-TW" sz="4800" b="1" i="1" u="sng">
+                            <a:solidFill>
+                              <a:schemeClr val="tx1"/>
+                            </a:solidFill>
                             <a:latin typeface="Cambria Math" charset="0"/>
                             <a:ea typeface="Cambria Math" charset="0"/>
                             <a:cs typeface="Cambria Math" charset="0"/>
@@ -5651,25 +5913,118 @@
                   </m:oMath>
                 </a14:m>
                 <a:r>
-                  <a:rPr lang="en-US" altLang="zh-TW" sz="4800" b="1" dirty="0" smtClean="0">
+                  <a:rPr lang="en-US" altLang="zh-TW" sz="4800" b="1" u="sng" dirty="0" smtClean="0">
                     <a:solidFill>
-                      <a:srgbClr val="C0504D"/>
+                      <a:schemeClr val="tx1"/>
                     </a:solidFill>
                     <a:latin typeface="Arial" pitchFamily="34" charset="0"/>
                     <a:cs typeface="Arial" pitchFamily="34" charset="0"/>
                   </a:rPr>
-                  <a:t>:</a:t>
+                  <a:t>: </a:t>
+                </a:r>
+                <a:endParaRPr lang="en-US" altLang="zh-TW" sz="4800" b="1" u="sng" dirty="0" smtClean="0">
+                  <a:solidFill>
+                    <a:schemeClr val="tx1"/>
+                  </a:solidFill>
+                  <a:latin typeface="Arial" pitchFamily="34" charset="0"/>
+                  <a:cs typeface="Arial" pitchFamily="34" charset="0"/>
+                </a:endParaRPr>
+              </a:p>
+              <a:p>
+                <a:r>
+                  <a:rPr lang="en-US" altLang="zh-TW" sz="4800" b="1" dirty="0">
+                    <a:latin typeface="Arial" pitchFamily="34" charset="0"/>
+                    <a:cs typeface="Arial" pitchFamily="34" charset="0"/>
+                  </a:rPr>
+                  <a:t>Is</a:t>
                 </a:r>
                 <a:r>
-                  <a:rPr lang="en-US" altLang="zh-TW" sz="4800" b="1" dirty="0" smtClean="0">
-                    <a:solidFill>
-                      <a:schemeClr val="accent2"/>
-                    </a:solidFill>
+                  <a:rPr lang="zh-TW" altLang="en-US" sz="4800" b="1" dirty="0">
                     <a:latin typeface="Arial" pitchFamily="34" charset="0"/>
                     <a:cs typeface="Arial" pitchFamily="34" charset="0"/>
                   </a:rPr>
                   <a:t> </a:t>
                 </a:r>
+                <a:r>
+                  <a:rPr lang="en-US" altLang="zh-TW" sz="4800" b="1" dirty="0">
+                    <a:latin typeface="Arial" pitchFamily="34" charset="0"/>
+                    <a:cs typeface="Arial" pitchFamily="34" charset="0"/>
+                  </a:rPr>
+                  <a:t>it</a:t>
+                </a:r>
+                <a:r>
+                  <a:rPr lang="zh-TW" altLang="en-US" sz="4800" b="1" dirty="0">
+                    <a:latin typeface="Arial" pitchFamily="34" charset="0"/>
+                    <a:cs typeface="Arial" pitchFamily="34" charset="0"/>
+                  </a:rPr>
+                  <a:t> </a:t>
+                </a:r>
+                <a:r>
+                  <a:rPr lang="en-US" altLang="zh-TW" sz="4800" b="1" dirty="0">
+                    <a:latin typeface="Arial" pitchFamily="34" charset="0"/>
+                    <a:cs typeface="Arial" pitchFamily="34" charset="0"/>
+                  </a:rPr>
+                  <a:t>the best</a:t>
+                </a:r>
+                <a:r>
+                  <a:rPr lang="zh-TW" altLang="en-US" sz="4800" b="1" dirty="0">
+                    <a:latin typeface="Arial" pitchFamily="34" charset="0"/>
+                    <a:cs typeface="Arial" pitchFamily="34" charset="0"/>
+                  </a:rPr>
+                  <a:t> </a:t>
+                </a:r>
+                <a:r>
+                  <a:rPr lang="en-US" altLang="zh-TW" sz="4800" b="1" dirty="0">
+                    <a:latin typeface="Arial" pitchFamily="34" charset="0"/>
+                    <a:cs typeface="Arial" pitchFamily="34" charset="0"/>
+                  </a:rPr>
+                  <a:t>for</a:t>
+                </a:r>
+                <a:r>
+                  <a:rPr lang="zh-TW" altLang="en-US" sz="4800" b="1" dirty="0">
+                    <a:latin typeface="Arial" pitchFamily="34" charset="0"/>
+                    <a:cs typeface="Arial" pitchFamily="34" charset="0"/>
+                  </a:rPr>
+                  <a:t> </a:t>
+                </a:r>
+                <a:r>
+                  <a:rPr lang="en-US" altLang="zh-TW" sz="4800" b="1" dirty="0">
+                    <a:latin typeface="Arial" pitchFamily="34" charset="0"/>
+                    <a:cs typeface="Arial" pitchFamily="34" charset="0"/>
+                  </a:rPr>
+                  <a:t>smallest</a:t>
+                </a:r>
+                <a:r>
+                  <a:rPr lang="zh-TW" altLang="en-US" sz="4800" b="1" dirty="0">
+                    <a:latin typeface="Arial" pitchFamily="34" charset="0"/>
+                    <a:cs typeface="Arial" pitchFamily="34" charset="0"/>
+                  </a:rPr>
+                  <a:t> </a:t>
+                </a:r>
+                <a:r>
+                  <a:rPr lang="en-US" altLang="zh-TW" sz="4800" b="1" dirty="0">
+                    <a:latin typeface="Arial" pitchFamily="34" charset="0"/>
+                    <a:cs typeface="Arial" pitchFamily="34" charset="0"/>
+                  </a:rPr>
+                  <a:t>detector</a:t>
+                </a:r>
+                <a:r>
+                  <a:rPr lang="zh-TW" altLang="en-US" sz="4800" b="1" dirty="0">
+                    <a:latin typeface="Arial" pitchFamily="34" charset="0"/>
+                    <a:cs typeface="Arial" pitchFamily="34" charset="0"/>
+                  </a:rPr>
+                  <a:t> </a:t>
+                </a:r>
+                <a:r>
+                  <a:rPr lang="en-US" altLang="zh-TW" sz="4800" b="1" dirty="0">
+                    <a:latin typeface="Arial" pitchFamily="34" charset="0"/>
+                    <a:cs typeface="Arial" pitchFamily="34" charset="0"/>
+                  </a:rPr>
+                  <a:t>size? </a:t>
+                </a:r>
+                <a:endParaRPr lang="zh-TW" altLang="en-US" sz="4800" baseline="-25000" dirty="0"/>
+              </a:p>
+              <a:p>
                 <a:endParaRPr lang="zh-TW" altLang="en-US" sz="4800" baseline="-25000" dirty="0"/>
               </a:p>
             </p:txBody>
@@ -5686,16 +6041,16 @@
             </p:nvSpPr>
             <p:spPr>
               <a:xfrm>
-                <a:off x="15695243" y="17356942"/>
-                <a:ext cx="14170566" cy="878702"/>
+                <a:off x="15558958" y="16908929"/>
+                <a:ext cx="14170566" cy="2140586"/>
               </a:xfrm>
               <a:prstGeom prst="rect">
                 <a:avLst/>
               </a:prstGeom>
               <a:blipFill rotWithShape="0">
-                <a:blip r:embed="rId14"/>
+                <a:blip r:embed="rId22"/>
                 <a:stretch>
-                  <a:fillRect l="-1979" t="-13194" b="-33333"/>
+                  <a:fillRect l="-1935" t="-5413"/>
                 </a:stretch>
               </a:blipFill>
             </p:spPr>
@@ -5737,9 +6092,6 @@
           <a:p>
             <a:r>
               <a:rPr lang="en-US" altLang="zh-TW" sz="4800" b="1" dirty="0">
-                <a:solidFill>
-                  <a:srgbClr val="C0504D"/>
-                </a:solidFill>
                 <a:latin typeface="Arial" pitchFamily="34" charset="0"/>
                 <a:cs typeface="Arial" pitchFamily="34" charset="0"/>
               </a:rPr>
@@ -5747,23 +6099,17 @@
             </a:r>
             <a:r>
               <a:rPr lang="en-US" altLang="zh-TW" sz="4800" b="1" dirty="0" smtClean="0">
-                <a:solidFill>
-                  <a:srgbClr val="C0504D"/>
-                </a:solidFill>
                 <a:latin typeface="Arial" pitchFamily="34" charset="0"/>
                 <a:cs typeface="Arial" pitchFamily="34" charset="0"/>
               </a:rPr>
-              <a:t>omparison of different detector size:</a:t>
+              <a:t>omparison of different detector </a:t>
             </a:r>
             <a:r>
               <a:rPr lang="en-US" altLang="zh-TW" sz="4800" b="1" dirty="0" smtClean="0">
-                <a:solidFill>
-                  <a:schemeClr val="accent2"/>
-                </a:solidFill>
                 <a:latin typeface="Arial" pitchFamily="34" charset="0"/>
                 <a:cs typeface="Arial" pitchFamily="34" charset="0"/>
               </a:rPr>
-              <a:t> </a:t>
+              <a:t>sizes: </a:t>
             </a:r>
             <a:endParaRPr lang="zh-TW" altLang="en-US" sz="4800" baseline="-25000" dirty="0"/>
           </a:p>
@@ -5794,9 +6140,6 @@
               <a:p>
                 <a:r>
                   <a:rPr lang="en-US" altLang="zh-TW" sz="5000" b="1" dirty="0" smtClean="0">
-                    <a:solidFill>
-                      <a:srgbClr val="C0504D"/>
-                    </a:solidFill>
                     <a:latin typeface="Arial" pitchFamily="34" charset="0"/>
                     <a:cs typeface="Arial" pitchFamily="34" charset="0"/>
                   </a:rPr>
@@ -5804,9 +6147,6 @@
                 </a:r>
                 <a:r>
                   <a:rPr lang="en-US" altLang="zh-TW" sz="4800" b="1" dirty="0" smtClean="0">
-                    <a:solidFill>
-                      <a:srgbClr val="C0504D"/>
-                    </a:solidFill>
                     <a:latin typeface="Arial" pitchFamily="34" charset="0"/>
                     <a:cs typeface="Arial" pitchFamily="34" charset="0"/>
                   </a:rPr>
@@ -5814,9 +6154,6 @@
                 </a:r>
                 <a:r>
                   <a:rPr lang="en-US" altLang="zh-TW" sz="5000" b="1" dirty="0" smtClean="0">
-                    <a:solidFill>
-                      <a:srgbClr val="C0504D"/>
-                    </a:solidFill>
                     <a:latin typeface="Arial" pitchFamily="34" charset="0"/>
                     <a:cs typeface="Arial" pitchFamily="34" charset="0"/>
                   </a:rPr>
@@ -5841,7 +6178,7 @@
                         <m:ctrlPr>
                           <a:rPr lang="en-US" altLang="zh-TW" sz="4000" b="1" i="1" smtClean="0">
                             <a:solidFill>
-                              <a:schemeClr val="accent2"/>
+                              <a:schemeClr val="tx1"/>
                             </a:solidFill>
                             <a:latin typeface="Cambria Math" charset="0"/>
                             <a:cs typeface="Arial" pitchFamily="34" charset="0"/>
@@ -5852,7 +6189,7 @@
                         <m:r>
                           <a:rPr lang="en-US" altLang="zh-TW" sz="4000" b="1" i="1" smtClean="0">
                             <a:solidFill>
-                              <a:schemeClr val="accent2"/>
+                              <a:schemeClr val="tx1"/>
                             </a:solidFill>
                             <a:latin typeface="Cambria Math" charset="0"/>
                             <a:ea typeface="Cambria Math" charset="0"/>
@@ -5865,7 +6202,7 @@
                         <m:r>
                           <a:rPr lang="en-US" altLang="zh-TW" sz="4000" b="1" i="1" smtClean="0">
                             <a:solidFill>
-                              <a:schemeClr val="accent2"/>
+                              <a:schemeClr val="tx1"/>
                             </a:solidFill>
                             <a:latin typeface="Cambria Math" charset="0"/>
                             <a:cs typeface="Arial" pitchFamily="34" charset="0"/>
@@ -5877,7 +6214,7 @@
                     <m:r>
                       <a:rPr lang="en-US" altLang="zh-TW" sz="4000" b="1" i="1" smtClean="0">
                         <a:solidFill>
-                          <a:schemeClr val="accent2"/>
+                          <a:schemeClr val="tx1"/>
                         </a:solidFill>
                         <a:latin typeface="Cambria Math" charset="0"/>
                         <a:cs typeface="Arial" pitchFamily="34" charset="0"/>
@@ -5889,7 +6226,7 @@
                         <m:ctrlPr>
                           <a:rPr lang="mr-IN" altLang="zh-TW" sz="4000" b="1" i="1" smtClean="0">
                             <a:solidFill>
-                              <a:schemeClr val="accent2"/>
+                              <a:schemeClr val="tx1"/>
                             </a:solidFill>
                             <a:latin typeface="Cambria Math" charset="0"/>
                             <a:cs typeface="Arial" pitchFamily="34" charset="0"/>
@@ -5900,7 +6237,7 @@
                         <m:r>
                           <a:rPr lang="en-US" altLang="zh-TW" sz="4000" b="1" i="1" smtClean="0">
                             <a:solidFill>
-                              <a:schemeClr val="accent2"/>
+                              <a:schemeClr val="tx1"/>
                             </a:solidFill>
                             <a:latin typeface="Cambria Math" charset="0"/>
                             <a:cs typeface="Arial" pitchFamily="34" charset="0"/>
@@ -5914,7 +6251,7 @@
                             <m:ctrlPr>
                               <a:rPr lang="en-US" altLang="zh-TW" sz="4000" b="1" i="1" smtClean="0">
                                 <a:solidFill>
-                                  <a:schemeClr val="accent2"/>
+                                  <a:schemeClr val="tx1"/>
                                 </a:solidFill>
                                 <a:latin typeface="Cambria Math" charset="0"/>
                                 <a:cs typeface="Arial" pitchFamily="34" charset="0"/>
@@ -5925,7 +6262,7 @@
                             <m:r>
                               <a:rPr lang="en-US" altLang="zh-TW" sz="4000" b="1" i="1" smtClean="0">
                                 <a:solidFill>
-                                  <a:schemeClr val="accent2"/>
+                                  <a:schemeClr val="tx1"/>
                                 </a:solidFill>
                                 <a:latin typeface="Cambria Math" charset="0"/>
                                 <a:cs typeface="Arial" pitchFamily="34" charset="0"/>
@@ -5937,7 +6274,7 @@
                             <m:r>
                               <a:rPr lang="en-US" altLang="zh-TW" sz="4000" b="1" i="1" smtClean="0">
                                 <a:solidFill>
-                                  <a:schemeClr val="accent2"/>
+                                  <a:schemeClr val="tx1"/>
                                 </a:solidFill>
                                 <a:latin typeface="Cambria Math" charset="0"/>
                                 <a:cs typeface="Arial" pitchFamily="34" charset="0"/>
@@ -5956,7 +6293,7 @@
                         <m:ctrlPr>
                           <a:rPr lang="mr-IN" altLang="zh-TW" sz="4000" b="1" i="1" smtClean="0">
                             <a:solidFill>
-                              <a:schemeClr val="accent2"/>
+                              <a:schemeClr val="tx1"/>
                             </a:solidFill>
                             <a:latin typeface="Cambria Math" charset="0"/>
                             <a:cs typeface="Arial" pitchFamily="34" charset="0"/>
@@ -5970,7 +6307,7 @@
                           </m:rPr>
                           <a:rPr lang="en-US" altLang="zh-TW" sz="4000" b="1" i="1" smtClean="0">
                             <a:solidFill>
-                              <a:schemeClr val="accent2"/>
+                              <a:schemeClr val="tx1"/>
                             </a:solidFill>
                             <a:latin typeface="Cambria Math" charset="0"/>
                             <a:cs typeface="Arial" pitchFamily="34" charset="0"/>
@@ -5985,7 +6322,7 @@
                             <m:ctrlPr>
                               <a:rPr lang="en-US" altLang="zh-TW" sz="4000" b="1" i="1" smtClean="0">
                                 <a:solidFill>
-                                  <a:schemeClr val="accent2"/>
+                                  <a:schemeClr val="tx1"/>
                                 </a:solidFill>
                                 <a:latin typeface="Cambria Math" charset="0"/>
                                 <a:cs typeface="Arial" pitchFamily="34" charset="0"/>
@@ -5996,7 +6333,7 @@
                             <m:r>
                               <a:rPr lang="en-US" altLang="zh-TW" sz="4000" b="1" i="1" smtClean="0">
                                 <a:solidFill>
-                                  <a:schemeClr val="accent2"/>
+                                  <a:schemeClr val="tx1"/>
                                 </a:solidFill>
                                 <a:latin typeface="Cambria Math" charset="0"/>
                                 <a:cs typeface="Arial" pitchFamily="34" charset="0"/>
@@ -6008,7 +6345,7 @@
                             <m:r>
                               <a:rPr lang="en-US" altLang="zh-TW" sz="4000" b="1" i="1" smtClean="0">
                                 <a:solidFill>
-                                  <a:schemeClr val="accent2"/>
+                                  <a:schemeClr val="tx1"/>
                                 </a:solidFill>
                                 <a:latin typeface="Cambria Math" charset="0"/>
                                 <a:cs typeface="Arial" pitchFamily="34" charset="0"/>
@@ -6018,7 +6355,7 @@
                             <m:r>
                               <a:rPr lang="en-US" altLang="zh-TW" sz="4000" b="1" i="1" smtClean="0">
                                 <a:solidFill>
-                                  <a:schemeClr val="accent2"/>
+                                  <a:schemeClr val="tx1"/>
                                 </a:solidFill>
                                 <a:latin typeface="Cambria Math" charset="0"/>
                                 <a:cs typeface="Arial" pitchFamily="34" charset="0"/>
@@ -6028,7 +6365,7 @@
                             <m:r>
                               <a:rPr lang="en-US" altLang="zh-TW" sz="4000" b="1" i="1" smtClean="0">
                                 <a:solidFill>
-                                  <a:schemeClr val="accent2"/>
+                                  <a:schemeClr val="tx1"/>
                                 </a:solidFill>
                                 <a:latin typeface="Cambria Math" charset="0"/>
                                 <a:cs typeface="Arial" pitchFamily="34" charset="0"/>
@@ -6040,7 +6377,7 @@
                         <m:r>
                           <a:rPr lang="en-US" altLang="zh-TW" sz="4000" b="1" i="1" smtClean="0">
                             <a:solidFill>
-                              <a:schemeClr val="accent2"/>
+                              <a:schemeClr val="tx1"/>
                             </a:solidFill>
                             <a:latin typeface="Cambria Math" charset="0"/>
                             <a:cs typeface="Arial" pitchFamily="34" charset="0"/>
@@ -6050,7 +6387,7 @@
                         <m:r>
                           <a:rPr lang="en-US" altLang="zh-TW" sz="4000" b="1" i="1" smtClean="0">
                             <a:solidFill>
-                              <a:schemeClr val="accent2"/>
+                              <a:schemeClr val="tx1"/>
                             </a:solidFill>
                             <a:latin typeface="Cambria Math" charset="0"/>
                             <a:cs typeface="Arial" pitchFamily="34" charset="0"/>
@@ -6060,7 +6397,7 @@
                         <m:r>
                           <a:rPr lang="en-US" altLang="zh-TW" sz="4000" b="1" i="1" smtClean="0">
                             <a:solidFill>
-                              <a:schemeClr val="accent2"/>
+                              <a:schemeClr val="tx1"/>
                             </a:solidFill>
                             <a:latin typeface="Cambria Math" charset="0"/>
                             <a:cs typeface="Arial" pitchFamily="34" charset="0"/>
@@ -6072,7 +6409,7 @@
                             <m:ctrlPr>
                               <a:rPr lang="en-US" altLang="zh-TW" sz="4000" b="1" i="1" smtClean="0">
                                 <a:solidFill>
-                                  <a:schemeClr val="accent2"/>
+                                  <a:schemeClr val="tx1"/>
                                 </a:solidFill>
                                 <a:latin typeface="Cambria Math" charset="0"/>
                                 <a:ea typeface="Cambria Math" charset="0"/>
@@ -6084,7 +6421,7 @@
                             <m:r>
                               <a:rPr lang="en-US" altLang="zh-TW" sz="4000" b="1" i="1" smtClean="0">
                                 <a:solidFill>
-                                  <a:schemeClr val="accent2"/>
+                                  <a:schemeClr val="tx1"/>
                                 </a:solidFill>
                                 <a:latin typeface="Cambria Math" charset="0"/>
                                 <a:ea typeface="Cambria Math" charset="0"/>
@@ -6097,7 +6434,7 @@
                             <m:r>
                               <a:rPr lang="en-US" altLang="zh-TW" sz="4000" b="1" i="1" smtClean="0">
                                 <a:solidFill>
-                                  <a:schemeClr val="accent2"/>
+                                  <a:schemeClr val="tx1"/>
                                 </a:solidFill>
                                 <a:latin typeface="Cambria Math" charset="0"/>
                                 <a:ea typeface="Cambria Math" charset="0"/>
@@ -6108,7 +6445,7 @@
                             <m:r>
                               <a:rPr lang="en-US" altLang="zh-TW" sz="4000" b="1" i="1" smtClean="0">
                                 <a:solidFill>
-                                  <a:schemeClr val="accent2"/>
+                                  <a:schemeClr val="tx1"/>
                                 </a:solidFill>
                                 <a:latin typeface="Cambria Math" charset="0"/>
                                 <a:ea typeface="Cambria Math" charset="0"/>
@@ -6119,7 +6456,7 @@
                             <m:r>
                               <a:rPr lang="en-US" altLang="zh-TW" sz="4000" b="1" i="1" smtClean="0">
                                 <a:solidFill>
-                                  <a:schemeClr val="accent2"/>
+                                  <a:schemeClr val="tx1"/>
                                 </a:solidFill>
                                 <a:latin typeface="Cambria Math" charset="0"/>
                                 <a:ea typeface="Cambria Math" charset="0"/>
@@ -6132,7 +6469,7 @@
                         <m:r>
                           <a:rPr lang="en-US" altLang="zh-TW" sz="4000" b="1" i="1" smtClean="0">
                             <a:solidFill>
-                              <a:schemeClr val="accent2"/>
+                              <a:schemeClr val="tx1"/>
                             </a:solidFill>
                             <a:latin typeface="Cambria Math" charset="0"/>
                             <a:ea typeface="Cambria Math" charset="0"/>
@@ -6145,7 +6482,7 @@
                             <m:ctrlPr>
                               <a:rPr lang="en-US" altLang="zh-TW" sz="4000" b="1" i="1" smtClean="0">
                                 <a:solidFill>
-                                  <a:schemeClr val="accent2"/>
+                                  <a:schemeClr val="tx1"/>
                                 </a:solidFill>
                                 <a:latin typeface="Cambria Math" charset="0"/>
                                 <a:ea typeface="Cambria Math" charset="0"/>
@@ -6157,7 +6494,7 @@
                             <m:r>
                               <a:rPr lang="en-US" altLang="zh-TW" sz="4000" b="1" i="1" smtClean="0">
                                 <a:solidFill>
-                                  <a:schemeClr val="accent2"/>
+                                  <a:schemeClr val="tx1"/>
                                 </a:solidFill>
                                 <a:latin typeface="Cambria Math" charset="0"/>
                                 <a:ea typeface="Cambria Math" charset="0"/>
@@ -6170,7 +6507,7 @@
                             <m:r>
                               <a:rPr lang="en-US" altLang="zh-TW" sz="4000" b="1" i="1" smtClean="0">
                                 <a:solidFill>
-                                  <a:schemeClr val="accent2"/>
+                                  <a:schemeClr val="tx1"/>
                                 </a:solidFill>
                                 <a:latin typeface="Cambria Math" charset="0"/>
                                 <a:ea typeface="Cambria Math" charset="0"/>
@@ -6181,7 +6518,7 @@
                             <m:r>
                               <a:rPr lang="en-US" altLang="zh-TW" sz="4000" b="1" i="1" smtClean="0">
                                 <a:solidFill>
-                                  <a:schemeClr val="accent2"/>
+                                  <a:schemeClr val="tx1"/>
                                 </a:solidFill>
                                 <a:latin typeface="Cambria Math" charset="0"/>
                                 <a:ea typeface="Cambria Math" charset="0"/>
@@ -6192,7 +6529,7 @@
                             <m:r>
                               <a:rPr lang="en-US" altLang="zh-TW" sz="4000" b="1" i="1" smtClean="0">
                                 <a:solidFill>
-                                  <a:schemeClr val="accent2"/>
+                                  <a:schemeClr val="tx1"/>
                                 </a:solidFill>
                                 <a:latin typeface="Cambria Math" charset="0"/>
                                 <a:ea typeface="Cambria Math" charset="0"/>
@@ -6205,7 +6542,7 @@
                         <m:r>
                           <a:rPr lang="en-US" altLang="zh-TW" sz="4000" b="1" i="1" smtClean="0">
                             <a:solidFill>
-                              <a:schemeClr val="accent2"/>
+                              <a:schemeClr val="tx1"/>
                             </a:solidFill>
                             <a:latin typeface="Cambria Math" charset="0"/>
                             <a:ea typeface="Cambria Math" charset="0"/>
@@ -6218,7 +6555,7 @@
                             <m:ctrlPr>
                               <a:rPr lang="en-US" altLang="zh-TW" sz="4000" b="1" i="1" smtClean="0">
                                 <a:solidFill>
-                                  <a:schemeClr val="accent2"/>
+                                  <a:schemeClr val="tx1"/>
                                 </a:solidFill>
                                 <a:latin typeface="Cambria Math" charset="0"/>
                                 <a:ea typeface="Cambria Math" charset="0"/>
@@ -6230,7 +6567,7 @@
                             <m:r>
                               <a:rPr lang="en-US" altLang="zh-TW" sz="4000" b="1" i="1" smtClean="0">
                                 <a:solidFill>
-                                  <a:schemeClr val="accent2"/>
+                                  <a:schemeClr val="tx1"/>
                                 </a:solidFill>
                                 <a:latin typeface="Cambria Math" charset="0"/>
                                 <a:ea typeface="Cambria Math" charset="0"/>
@@ -6243,7 +6580,7 @@
                             <m:r>
                               <a:rPr lang="en-US" altLang="zh-TW" sz="4000" b="1" i="1" smtClean="0">
                                 <a:solidFill>
-                                  <a:schemeClr val="accent2"/>
+                                  <a:schemeClr val="tx1"/>
                                 </a:solidFill>
                                 <a:latin typeface="Cambria Math" charset="0"/>
                                 <a:ea typeface="Cambria Math" charset="0"/>
@@ -6254,7 +6591,7 @@
                             <m:r>
                               <a:rPr lang="en-US" altLang="zh-TW" sz="4000" b="1" i="1" smtClean="0">
                                 <a:solidFill>
-                                  <a:schemeClr val="accent2"/>
+                                  <a:schemeClr val="tx1"/>
                                 </a:solidFill>
                                 <a:latin typeface="Cambria Math" charset="0"/>
                                 <a:ea typeface="Cambria Math" charset="0"/>
@@ -6265,7 +6602,7 @@
                             <m:r>
                               <a:rPr lang="en-US" altLang="zh-TW" sz="4000" b="1" i="1" smtClean="0">
                                 <a:solidFill>
-                                  <a:schemeClr val="accent2"/>
+                                  <a:schemeClr val="tx1"/>
                                 </a:solidFill>
                                 <a:latin typeface="Cambria Math" charset="0"/>
                                 <a:ea typeface="Cambria Math" charset="0"/>
@@ -6278,7 +6615,7 @@
                         <m:r>
                           <a:rPr lang="en-US" altLang="zh-TW" sz="4000" b="1" i="1" smtClean="0">
                             <a:solidFill>
-                              <a:schemeClr val="accent2"/>
+                              <a:schemeClr val="tx1"/>
                             </a:solidFill>
                             <a:latin typeface="Cambria Math" charset="0"/>
                             <a:ea typeface="Cambria Math" charset="0"/>
@@ -6292,7 +6629,7 @@
                 </a14:m>
                 <a:endParaRPr lang="en-US" altLang="zh-TW" sz="4000" b="1" i="1" dirty="0" smtClean="0">
                   <a:solidFill>
-                    <a:schemeClr val="accent2"/>
+                    <a:schemeClr val="tx1"/>
                   </a:solidFill>
                   <a:latin typeface="Cambria Math" charset="0"/>
                   <a:cs typeface="Arial" pitchFamily="34" charset="0"/>
@@ -6307,7 +6644,7 @@
                         <m:ctrlPr>
                           <a:rPr lang="en-US" altLang="zh-TW" sz="4000" b="1" i="1" smtClean="0">
                             <a:solidFill>
-                              <a:schemeClr val="accent2"/>
+                              <a:schemeClr val="tx1"/>
                             </a:solidFill>
                             <a:latin typeface="Cambria Math" charset="0"/>
                             <a:cs typeface="Arial" pitchFamily="34" charset="0"/>
@@ -6318,7 +6655,7 @@
                         <m:r>
                           <a:rPr lang="en-US" altLang="zh-TW" sz="4000" b="1" i="1" smtClean="0">
                             <a:solidFill>
-                              <a:schemeClr val="accent2"/>
+                              <a:schemeClr val="tx1"/>
                             </a:solidFill>
                             <a:latin typeface="Cambria Math" charset="0"/>
                             <a:cs typeface="Arial" pitchFamily="34" charset="0"/>
@@ -6328,7 +6665,7 @@
                         <m:r>
                           <a:rPr lang="en-US" altLang="zh-TW" sz="4000" b="1" i="1" smtClean="0">
                             <a:solidFill>
-                              <a:schemeClr val="accent2"/>
+                              <a:schemeClr val="tx1"/>
                             </a:solidFill>
                             <a:latin typeface="Cambria Math" charset="0"/>
                             <a:cs typeface="Arial" pitchFamily="34" charset="0"/>
@@ -6340,7 +6677,7 @@
                         <m:r>
                           <a:rPr lang="en-US" altLang="zh-TW" sz="4000" b="1" i="1" smtClean="0">
                             <a:solidFill>
-                              <a:schemeClr val="accent2"/>
+                              <a:schemeClr val="tx1"/>
                             </a:solidFill>
                             <a:latin typeface="Cambria Math" charset="0"/>
                             <a:cs typeface="Arial" pitchFamily="34" charset="0"/>
@@ -6352,7 +6689,7 @@
                     <m:r>
                       <a:rPr lang="en-US" altLang="zh-TW" sz="4000" b="1" i="1" smtClean="0">
                         <a:solidFill>
-                          <a:schemeClr val="accent2"/>
+                          <a:schemeClr val="tx1"/>
                         </a:solidFill>
                         <a:latin typeface="Cambria Math" charset="0"/>
                         <a:cs typeface="Arial" pitchFamily="34" charset="0"/>
@@ -6367,7 +6704,7 @@
                         <m:ctrlPr>
                           <a:rPr lang="en-US" altLang="zh-TW" sz="4000" b="1" i="1" smtClean="0">
                             <a:solidFill>
-                              <a:schemeClr val="accent2"/>
+                              <a:schemeClr val="tx1"/>
                             </a:solidFill>
                             <a:latin typeface="Cambria Math" charset="0"/>
                             <a:cs typeface="Arial" pitchFamily="34" charset="0"/>
@@ -6381,7 +6718,7 @@
                           </m:rPr>
                           <a:rPr lang="en-US" altLang="zh-TW" sz="4000" b="1" i="1" smtClean="0">
                             <a:solidFill>
-                              <a:schemeClr val="accent2"/>
+                              <a:schemeClr val="tx1"/>
                             </a:solidFill>
                             <a:latin typeface="Cambria Math" charset="0"/>
                             <a:cs typeface="Arial" pitchFamily="34" charset="0"/>
@@ -6396,7 +6733,7 @@
                             <m:ctrlPr>
                               <a:rPr lang="en-US" altLang="zh-TW" sz="4000" b="1" i="1" smtClean="0">
                                 <a:solidFill>
-                                  <a:schemeClr val="accent2"/>
+                                  <a:schemeClr val="tx1"/>
                                 </a:solidFill>
                                 <a:latin typeface="Cambria Math" charset="0"/>
                                 <a:cs typeface="Arial" pitchFamily="34" charset="0"/>
@@ -6407,7 +6744,7 @@
                             <m:r>
                               <a:rPr lang="en-US" altLang="zh-TW" sz="4000" b="1" i="1" smtClean="0">
                                 <a:solidFill>
-                                  <a:schemeClr val="accent2"/>
+                                  <a:schemeClr val="tx1"/>
                                 </a:solidFill>
                                 <a:latin typeface="Cambria Math" charset="0"/>
                                 <a:cs typeface="Arial" pitchFamily="34" charset="0"/>
@@ -6419,7 +6756,7 @@
                             <m:r>
                               <a:rPr lang="en-US" altLang="zh-TW" sz="4000" b="1" i="1" smtClean="0">
                                 <a:solidFill>
-                                  <a:schemeClr val="accent2"/>
+                                  <a:schemeClr val="tx1"/>
                                 </a:solidFill>
                                 <a:latin typeface="Cambria Math" charset="0"/>
                                 <a:cs typeface="Arial" pitchFamily="34" charset="0"/>
@@ -6429,7 +6766,7 @@
                             <m:r>
                               <a:rPr lang="en-US" altLang="zh-TW" sz="4000" b="1" i="1" smtClean="0">
                                 <a:solidFill>
-                                  <a:schemeClr val="accent2"/>
+                                  <a:schemeClr val="tx1"/>
                                 </a:solidFill>
                                 <a:latin typeface="Cambria Math" charset="0"/>
                                 <a:cs typeface="Arial" pitchFamily="34" charset="0"/>
@@ -6439,7 +6776,7 @@
                             <m:r>
                               <a:rPr lang="en-US" altLang="zh-TW" sz="4000" b="1" i="1" smtClean="0">
                                 <a:solidFill>
-                                  <a:schemeClr val="accent2"/>
+                                  <a:schemeClr val="tx1"/>
                                 </a:solidFill>
                                 <a:latin typeface="Cambria Math" charset="0"/>
                                 <a:cs typeface="Arial" pitchFamily="34" charset="0"/>
@@ -6453,7 +6790,7 @@
                             <m:ctrlPr>
                               <a:rPr lang="en-US" altLang="zh-TW" sz="4000" b="1" i="1" smtClean="0">
                                 <a:solidFill>
-                                  <a:schemeClr val="accent2"/>
+                                  <a:schemeClr val="tx1"/>
                                 </a:solidFill>
                                 <a:latin typeface="Cambria Math" charset="0"/>
                                 <a:cs typeface="Arial" pitchFamily="34" charset="0"/>
@@ -6464,7 +6801,7 @@
                             <m:r>
                               <a:rPr lang="en-US" altLang="zh-TW" sz="4000" b="1" i="1" smtClean="0">
                                 <a:solidFill>
-                                  <a:schemeClr val="accent2"/>
+                                  <a:schemeClr val="tx1"/>
                                 </a:solidFill>
                                 <a:latin typeface="Cambria Math" charset="0"/>
                                 <a:cs typeface="Arial" pitchFamily="34" charset="0"/>
@@ -6476,7 +6813,7 @@
                             <m:r>
                               <a:rPr lang="en-US" altLang="zh-TW" sz="4000" b="1" i="1" smtClean="0">
                                 <a:solidFill>
-                                  <a:schemeClr val="accent2"/>
+                                  <a:schemeClr val="tx1"/>
                                 </a:solidFill>
                                 <a:latin typeface="Cambria Math" charset="0"/>
                                 <a:cs typeface="Arial" pitchFamily="34" charset="0"/>
@@ -6490,7 +6827,7 @@
                     <m:r>
                       <a:rPr lang="en-US" altLang="zh-TW" sz="4000" b="1" i="1" smtClean="0">
                         <a:solidFill>
-                          <a:schemeClr val="accent2"/>
+                          <a:schemeClr val="tx1"/>
                         </a:solidFill>
                         <a:latin typeface="Cambria Math" charset="0"/>
                         <a:cs typeface="Arial" pitchFamily="34" charset="0"/>
@@ -6502,7 +6839,7 @@
                 <a:r>
                   <a:rPr lang="en-US" altLang="zh-TW" sz="4000" b="1" dirty="0" smtClean="0">
                     <a:solidFill>
-                      <a:schemeClr val="accent2"/>
+                      <a:schemeClr val="tx1"/>
                     </a:solidFill>
                     <a:latin typeface="Arial" pitchFamily="34" charset="0"/>
                     <a:cs typeface="Arial" pitchFamily="34" charset="0"/>
@@ -6515,7 +6852,7 @@
                 <a:r>
                   <a:rPr lang="en-US" altLang="zh-TW" sz="5000" dirty="0" smtClean="0">
                     <a:solidFill>
-                      <a:schemeClr val="accent2"/>
+                      <a:schemeClr val="tx1"/>
                     </a:solidFill>
                     <a:latin typeface="Arial" pitchFamily="34" charset="0"/>
                     <a:cs typeface="Arial" pitchFamily="34" charset="0"/>
@@ -6527,10 +6864,7 @@
                     <m:r>
                       <a:rPr lang="en-US" altLang="zh-TW" sz="3600" b="0" i="1" smtClean="0">
                         <a:solidFill>
-                          <a:schemeClr val="tx1">
-                            <a:lumMod val="95000"/>
-                            <a:lumOff val="5000"/>
-                          </a:schemeClr>
+                          <a:schemeClr val="tx1"/>
                         </a:solidFill>
                         <a:latin typeface="Cambria Math" charset="0"/>
                         <a:ea typeface="Cambria Math" charset="0"/>
@@ -6543,10 +6877,7 @@
                         <m:ctrlPr>
                           <a:rPr lang="en-US" altLang="zh-TW" sz="3600" i="1">
                             <a:solidFill>
-                              <a:schemeClr val="tx1">
-                                <a:lumMod val="95000"/>
-                                <a:lumOff val="5000"/>
-                              </a:schemeClr>
+                              <a:schemeClr val="tx1"/>
                             </a:solidFill>
                             <a:latin typeface="Cambria Math" charset="0"/>
                             <a:ea typeface="Cambria Math" charset="0"/>
@@ -6558,10 +6889,7 @@
                         <m:r>
                           <a:rPr lang="en-US" altLang="zh-TW" sz="3600" b="0" i="1">
                             <a:solidFill>
-                              <a:schemeClr val="tx1">
-                                <a:lumMod val="95000"/>
-                                <a:lumOff val="5000"/>
-                              </a:schemeClr>
+                              <a:schemeClr val="tx1"/>
                             </a:solidFill>
                             <a:latin typeface="Cambria Math" charset="0"/>
                             <a:ea typeface="Cambria Math" charset="0"/>
@@ -6574,10 +6902,7 @@
                         <m:r>
                           <a:rPr lang="en-US" altLang="zh-TW" sz="3600" b="0" i="1" smtClean="0">
                             <a:solidFill>
-                              <a:schemeClr val="tx1">
-                                <a:lumMod val="95000"/>
-                                <a:lumOff val="5000"/>
-                              </a:schemeClr>
+                              <a:schemeClr val="tx1"/>
                             </a:solidFill>
                             <a:latin typeface="Cambria Math" charset="0"/>
                             <a:ea typeface="Cambria Math" charset="0"/>
@@ -6588,10 +6913,7 @@
                         <m:r>
                           <a:rPr lang="en-US" altLang="zh-TW" sz="3600" b="0" i="1">
                             <a:solidFill>
-                              <a:schemeClr val="tx1">
-                                <a:lumMod val="95000"/>
-                                <a:lumOff val="5000"/>
-                              </a:schemeClr>
+                              <a:schemeClr val="tx1"/>
                             </a:solidFill>
                             <a:latin typeface="Cambria Math" charset="0"/>
                             <a:ea typeface="Cambria Math" charset="0"/>
@@ -6602,10 +6924,7 @@
                         <m:r>
                           <a:rPr lang="en-US" altLang="zh-TW" sz="3600" b="0" i="1">
                             <a:solidFill>
-                              <a:schemeClr val="tx1">
-                                <a:lumMod val="95000"/>
-                                <a:lumOff val="5000"/>
-                              </a:schemeClr>
+                              <a:schemeClr val="tx1"/>
                             </a:solidFill>
                             <a:latin typeface="Cambria Math" charset="0"/>
                             <a:ea typeface="Cambria Math" charset="0"/>
@@ -6618,10 +6937,7 @@
                     <m:r>
                       <a:rPr lang="en-US" altLang="zh-TW" sz="3600" b="0" i="1" smtClean="0">
                         <a:solidFill>
-                          <a:schemeClr val="tx1">
-                            <a:lumMod val="95000"/>
-                            <a:lumOff val="5000"/>
-                          </a:schemeClr>
+                          <a:schemeClr val="tx1"/>
                         </a:solidFill>
                         <a:latin typeface="Cambria Math" charset="0"/>
                         <a:ea typeface="Cambria Math" charset="0"/>
@@ -6632,10 +6948,7 @@
                     <m:r>
                       <a:rPr lang="en-US" altLang="zh-TW" sz="3600" b="0" i="1" smtClean="0">
                         <a:solidFill>
-                          <a:schemeClr val="tx1">
-                            <a:lumMod val="95000"/>
-                            <a:lumOff val="5000"/>
-                          </a:schemeClr>
+                          <a:schemeClr val="tx1"/>
                         </a:solidFill>
                         <a:latin typeface="Cambria Math" charset="0"/>
                         <a:ea typeface="Cambria Math" charset="0"/>
@@ -6646,10 +6959,7 @@
                     <m:r>
                       <a:rPr lang="en-US" altLang="zh-TW" sz="3600" b="0" i="1" smtClean="0">
                         <a:solidFill>
-                          <a:schemeClr val="tx1">
-                            <a:lumMod val="95000"/>
-                            <a:lumOff val="5000"/>
-                          </a:schemeClr>
+                          <a:schemeClr val="tx1"/>
                         </a:solidFill>
                         <a:latin typeface="Cambria Math" charset="0"/>
                         <a:ea typeface="Cambria Math" charset="0"/>
@@ -6660,10 +6970,7 @@
                     <m:r>
                       <a:rPr lang="en-US" altLang="zh-TW" sz="3600" b="0" i="1" smtClean="0">
                         <a:solidFill>
-                          <a:schemeClr val="tx1">
-                            <a:lumMod val="95000"/>
-                            <a:lumOff val="5000"/>
-                          </a:schemeClr>
+                          <a:schemeClr val="tx1"/>
                         </a:solidFill>
                         <a:latin typeface="Cambria Math" charset="0"/>
                         <a:ea typeface="Cambria Math" charset="0"/>
@@ -6674,10 +6981,7 @@
                     <m:r>
                       <a:rPr lang="en-US" altLang="zh-TW" sz="3600" b="0" i="1" smtClean="0">
                         <a:solidFill>
-                          <a:schemeClr val="tx1">
-                            <a:lumMod val="95000"/>
-                            <a:lumOff val="5000"/>
-                          </a:schemeClr>
+                          <a:schemeClr val="tx1"/>
                         </a:solidFill>
                         <a:latin typeface="Cambria Math" charset="0"/>
                         <a:ea typeface="Cambria Math" charset="0"/>
@@ -6688,10 +6992,7 @@
                     <m:r>
                       <a:rPr lang="en-US" altLang="zh-TW" sz="3600" b="0" i="1" smtClean="0">
                         <a:solidFill>
-                          <a:schemeClr val="tx1">
-                            <a:lumMod val="95000"/>
-                            <a:lumOff val="5000"/>
-                          </a:schemeClr>
+                          <a:schemeClr val="tx1"/>
                         </a:solidFill>
                         <a:latin typeface="Cambria Math" charset="0"/>
                         <a:ea typeface="Cambria Math" charset="0"/>
@@ -6702,10 +7003,7 @@
                     <m:r>
                       <a:rPr lang="en-US" altLang="zh-TW" sz="3600" b="0" i="1" smtClean="0">
                         <a:solidFill>
-                          <a:schemeClr val="tx1">
-                            <a:lumMod val="95000"/>
-                            <a:lumOff val="5000"/>
-                          </a:schemeClr>
+                          <a:schemeClr val="tx1"/>
                         </a:solidFill>
                         <a:latin typeface="Cambria Math" charset="0"/>
                         <a:ea typeface="Cambria Math" charset="0"/>
@@ -6716,10 +7014,7 @@
                     <m:r>
                       <a:rPr lang="en-US" altLang="zh-TW" sz="3600" b="0" i="1" smtClean="0">
                         <a:solidFill>
-                          <a:schemeClr val="tx1">
-                            <a:lumMod val="95000"/>
-                            <a:lumOff val="5000"/>
-                          </a:schemeClr>
+                          <a:schemeClr val="tx1"/>
                         </a:solidFill>
                         <a:latin typeface="Cambria Math" charset="0"/>
                         <a:ea typeface="Cambria Math" charset="0"/>
@@ -6730,10 +7025,7 @@
                     <m:r>
                       <a:rPr lang="en-US" altLang="zh-TW" sz="3600" b="0" i="1" smtClean="0">
                         <a:solidFill>
-                          <a:schemeClr val="tx1">
-                            <a:lumMod val="95000"/>
-                            <a:lumOff val="5000"/>
-                          </a:schemeClr>
+                          <a:schemeClr val="tx1"/>
                         </a:solidFill>
                         <a:latin typeface="Cambria Math" charset="0"/>
                         <a:ea typeface="Cambria Math" charset="0"/>
@@ -6744,10 +7036,7 @@
                     <m:r>
                       <a:rPr lang="en-US" altLang="zh-TW" sz="3600" b="0" i="1" smtClean="0">
                         <a:solidFill>
-                          <a:schemeClr val="tx1">
-                            <a:lumMod val="95000"/>
-                            <a:lumOff val="5000"/>
-                          </a:schemeClr>
+                          <a:schemeClr val="tx1"/>
                         </a:solidFill>
                         <a:latin typeface="Cambria Math" charset="0"/>
                         <a:ea typeface="Cambria Math" charset="0"/>
@@ -6758,10 +7047,7 @@
                     <m:r>
                       <a:rPr lang="en-US" altLang="zh-TW" sz="3600" b="0" i="1" smtClean="0">
                         <a:solidFill>
-                          <a:schemeClr val="tx1">
-                            <a:lumMod val="95000"/>
-                            <a:lumOff val="5000"/>
-                          </a:schemeClr>
+                          <a:schemeClr val="tx1"/>
                         </a:solidFill>
                         <a:latin typeface="Cambria Math" charset="0"/>
                         <a:ea typeface="Cambria Math" charset="0"/>
@@ -6772,10 +7058,7 @@
                     <m:r>
                       <a:rPr lang="en-US" altLang="zh-TW" sz="3600" b="0" i="1" smtClean="0">
                         <a:solidFill>
-                          <a:schemeClr val="tx1">
-                            <a:lumMod val="95000"/>
-                            <a:lumOff val="5000"/>
-                          </a:schemeClr>
+                          <a:schemeClr val="tx1"/>
                         </a:solidFill>
                         <a:latin typeface="Cambria Math" charset="0"/>
                         <a:ea typeface="Cambria Math" charset="0"/>
@@ -6786,10 +7069,7 @@
                     <m:r>
                       <a:rPr lang="en-US" altLang="zh-TW" sz="3600" b="0" i="1" smtClean="0">
                         <a:solidFill>
-                          <a:schemeClr val="tx1">
-                            <a:lumMod val="95000"/>
-                            <a:lumOff val="5000"/>
-                          </a:schemeClr>
+                          <a:schemeClr val="tx1"/>
                         </a:solidFill>
                         <a:latin typeface="Cambria Math" charset="0"/>
                         <a:ea typeface="Cambria Math" charset="0"/>
@@ -6800,10 +7080,7 @@
                     <m:r>
                       <a:rPr lang="en-US" altLang="zh-TW" sz="3600" b="0" i="1" smtClean="0">
                         <a:solidFill>
-                          <a:schemeClr val="tx1">
-                            <a:lumMod val="95000"/>
-                            <a:lumOff val="5000"/>
-                          </a:schemeClr>
+                          <a:schemeClr val="tx1"/>
                         </a:solidFill>
                         <a:latin typeface="Cambria Math" charset="0"/>
                         <a:ea typeface="Cambria Math" charset="0"/>
@@ -6814,10 +7091,7 @@
                     <m:r>
                       <a:rPr lang="en-US" altLang="zh-TW" sz="3600" b="0" i="1" smtClean="0">
                         <a:solidFill>
-                          <a:schemeClr val="tx1">
-                            <a:lumMod val="95000"/>
-                            <a:lumOff val="5000"/>
-                          </a:schemeClr>
+                          <a:schemeClr val="tx1"/>
                         </a:solidFill>
                         <a:latin typeface="Cambria Math" charset="0"/>
                         <a:ea typeface="Cambria Math" charset="0"/>
@@ -6828,10 +7102,7 @@
                     <m:r>
                       <a:rPr lang="en-US" altLang="zh-TW" sz="3600" b="0" i="1" smtClean="0">
                         <a:solidFill>
-                          <a:schemeClr val="tx1">
-                            <a:lumMod val="95000"/>
-                            <a:lumOff val="5000"/>
-                          </a:schemeClr>
+                          <a:schemeClr val="tx1"/>
                         </a:solidFill>
                         <a:latin typeface="Cambria Math" charset="0"/>
                         <a:ea typeface="Cambria Math" charset="0"/>
@@ -6842,10 +7113,7 @@
                     <m:r>
                       <a:rPr lang="en-US" altLang="zh-TW" sz="3600" b="0" i="1" smtClean="0">
                         <a:solidFill>
-                          <a:schemeClr val="tx1">
-                            <a:lumMod val="95000"/>
-                            <a:lumOff val="5000"/>
-                          </a:schemeClr>
+                          <a:schemeClr val="tx1"/>
                         </a:solidFill>
                         <a:latin typeface="Cambria Math" charset="0"/>
                         <a:ea typeface="Cambria Math" charset="0"/>
@@ -6856,10 +7124,7 @@
                     <m:r>
                       <a:rPr lang="en-US" altLang="zh-TW" sz="3600" b="0" i="1" smtClean="0">
                         <a:solidFill>
-                          <a:schemeClr val="tx1">
-                            <a:lumMod val="95000"/>
-                            <a:lumOff val="5000"/>
-                          </a:schemeClr>
+                          <a:schemeClr val="tx1"/>
                         </a:solidFill>
                         <a:latin typeface="Cambria Math" charset="0"/>
                         <a:ea typeface="Cambria Math" charset="0"/>
@@ -6871,10 +7136,7 @@
                 </a14:m>
                 <a:endParaRPr lang="en-US" altLang="zh-TW" sz="3600" dirty="0" smtClean="0">
                   <a:solidFill>
-                    <a:schemeClr val="tx1">
-                      <a:lumMod val="95000"/>
-                      <a:lumOff val="5000"/>
-                    </a:schemeClr>
+                    <a:schemeClr val="tx1"/>
                   </a:solidFill>
                   <a:latin typeface="Arial" pitchFamily="34" charset="0"/>
                   <a:cs typeface="Arial" pitchFamily="34" charset="0"/>
@@ -6885,10 +7147,7 @@
                 <a:r>
                   <a:rPr lang="en-US" altLang="zh-TW" sz="3600" dirty="0">
                     <a:solidFill>
-                      <a:schemeClr val="tx1">
-                        <a:lumMod val="95000"/>
-                        <a:lumOff val="5000"/>
-                      </a:schemeClr>
+                      <a:schemeClr val="tx1"/>
                     </a:solidFill>
                     <a:latin typeface="Arial" pitchFamily="34" charset="0"/>
                     <a:cs typeface="Arial" pitchFamily="34" charset="0"/>
@@ -6898,10 +7157,7 @@
                 <a:r>
                   <a:rPr lang="en-US" altLang="zh-TW" sz="3600" dirty="0" smtClean="0">
                     <a:solidFill>
-                      <a:schemeClr val="tx1">
-                        <a:lumMod val="95000"/>
-                        <a:lumOff val="5000"/>
-                      </a:schemeClr>
+                      <a:schemeClr val="tx1"/>
                     </a:solidFill>
                     <a:latin typeface="Arial" pitchFamily="34" charset="0"/>
                     <a:cs typeface="Arial" pitchFamily="34" charset="0"/>
@@ -6915,10 +7171,7 @@
                         <m:ctrlPr>
                           <a:rPr lang="en-US" altLang="zh-TW" sz="3600" i="1" smtClean="0">
                             <a:solidFill>
-                              <a:schemeClr val="tx1">
-                                <a:lumMod val="95000"/>
-                                <a:lumOff val="5000"/>
-                              </a:schemeClr>
+                              <a:schemeClr val="tx1"/>
                             </a:solidFill>
                             <a:latin typeface="Cambria Math" charset="0"/>
                             <a:ea typeface="Arial" charset="0"/>
@@ -6930,10 +7183,7 @@
                         <m:r>
                           <a:rPr lang="en-US" altLang="zh-TW" sz="3600" b="0" i="1">
                             <a:solidFill>
-                              <a:schemeClr val="tx1">
-                                <a:lumMod val="95000"/>
-                                <a:lumOff val="5000"/>
-                              </a:schemeClr>
+                              <a:schemeClr val="tx1"/>
                             </a:solidFill>
                             <a:latin typeface="Cambria Math" charset="0"/>
                             <a:ea typeface="Arial" charset="0"/>
@@ -6946,10 +7196,7 @@
                         <m:r>
                           <a:rPr lang="en-US" altLang="zh-TW" sz="3600" b="0" i="1">
                             <a:solidFill>
-                              <a:schemeClr val="tx1">
-                                <a:lumMod val="95000"/>
-                                <a:lumOff val="5000"/>
-                              </a:schemeClr>
+                              <a:schemeClr val="tx1"/>
                             </a:solidFill>
                             <a:latin typeface="Cambria Math" charset="0"/>
                             <a:ea typeface="Arial" charset="0"/>
@@ -6962,10 +7209,7 @@
                     <m:r>
                       <a:rPr lang="en-US" altLang="zh-TW" sz="3600" b="0" i="1" smtClean="0">
                         <a:solidFill>
-                          <a:schemeClr val="tx1">
-                            <a:lumMod val="95000"/>
-                            <a:lumOff val="5000"/>
-                          </a:schemeClr>
+                          <a:schemeClr val="tx1"/>
                         </a:solidFill>
                         <a:latin typeface="Cambria Math" charset="0"/>
                         <a:ea typeface="Arial" charset="0"/>
@@ -6976,10 +7220,7 @@
                     <m:r>
                       <a:rPr lang="en-US" altLang="zh-TW" sz="3600" b="0" i="1" smtClean="0">
                         <a:solidFill>
-                          <a:schemeClr val="tx1">
-                            <a:lumMod val="95000"/>
-                            <a:lumOff val="5000"/>
-                          </a:schemeClr>
+                          <a:schemeClr val="tx1"/>
                         </a:solidFill>
                         <a:latin typeface="Cambria Math" charset="0"/>
                         <a:ea typeface="Arial" charset="0"/>
@@ -6990,10 +7231,7 @@
                     <m:r>
                       <a:rPr lang="en-US" altLang="zh-TW" sz="3600" b="0" i="1" smtClean="0">
                         <a:solidFill>
-                          <a:schemeClr val="tx1">
-                            <a:lumMod val="95000"/>
-                            <a:lumOff val="5000"/>
-                          </a:schemeClr>
+                          <a:schemeClr val="tx1"/>
                         </a:solidFill>
                         <a:latin typeface="Cambria Math" charset="0"/>
                         <a:ea typeface="Arial" charset="0"/>
@@ -7004,10 +7242,7 @@
                     <m:r>
                       <a:rPr lang="en-US" altLang="zh-TW" sz="3600" b="0" i="1" smtClean="0">
                         <a:solidFill>
-                          <a:schemeClr val="tx1">
-                            <a:lumMod val="95000"/>
-                            <a:lumOff val="5000"/>
-                          </a:schemeClr>
+                          <a:schemeClr val="tx1"/>
                         </a:solidFill>
                         <a:latin typeface="Cambria Math" charset="0"/>
                         <a:ea typeface="Arial" charset="0"/>
@@ -7018,10 +7253,7 @@
                     <m:r>
                       <a:rPr lang="en-US" altLang="zh-TW" sz="3600" b="0" i="1" smtClean="0">
                         <a:solidFill>
-                          <a:schemeClr val="tx1">
-                            <a:lumMod val="95000"/>
-                            <a:lumOff val="5000"/>
-                          </a:schemeClr>
+                          <a:schemeClr val="tx1"/>
                         </a:solidFill>
                         <a:latin typeface="Cambria Math" charset="0"/>
                         <a:ea typeface="Arial" charset="0"/>
@@ -7032,10 +7264,7 @@
                     <m:r>
                       <a:rPr lang="en-US" altLang="zh-TW" sz="3600" b="0" i="1" smtClean="0">
                         <a:solidFill>
-                          <a:schemeClr val="tx1">
-                            <a:lumMod val="95000"/>
-                            <a:lumOff val="5000"/>
-                          </a:schemeClr>
+                          <a:schemeClr val="tx1"/>
                         </a:solidFill>
                         <a:latin typeface="Cambria Math" charset="0"/>
                         <a:ea typeface="Arial" charset="0"/>
@@ -7046,10 +7275,7 @@
                     <m:r>
                       <a:rPr lang="en-US" altLang="zh-TW" sz="3600" b="0" i="1" smtClean="0">
                         <a:solidFill>
-                          <a:schemeClr val="tx1">
-                            <a:lumMod val="95000"/>
-                            <a:lumOff val="5000"/>
-                          </a:schemeClr>
+                          <a:schemeClr val="tx1"/>
                         </a:solidFill>
                         <a:latin typeface="Cambria Math" charset="0"/>
                         <a:ea typeface="Arial" charset="0"/>
@@ -7060,10 +7286,7 @@
                     <m:r>
                       <a:rPr lang="en-US" altLang="zh-TW" sz="3600" b="0" i="1" smtClean="0">
                         <a:solidFill>
-                          <a:schemeClr val="tx1">
-                            <a:lumMod val="95000"/>
-                            <a:lumOff val="5000"/>
-                          </a:schemeClr>
+                          <a:schemeClr val="tx1"/>
                         </a:solidFill>
                         <a:latin typeface="Cambria Math" charset="0"/>
                         <a:ea typeface="Arial" charset="0"/>
@@ -7074,10 +7297,7 @@
                     <m:r>
                       <a:rPr lang="en-US" altLang="zh-TW" sz="3600" b="0" i="1" smtClean="0">
                         <a:solidFill>
-                          <a:schemeClr val="tx1">
-                            <a:lumMod val="95000"/>
-                            <a:lumOff val="5000"/>
-                          </a:schemeClr>
+                          <a:schemeClr val="tx1"/>
                         </a:solidFill>
                         <a:latin typeface="Cambria Math" charset="0"/>
                         <a:ea typeface="Arial" charset="0"/>
@@ -7088,10 +7308,7 @@
                     <m:r>
                       <a:rPr lang="en-US" altLang="zh-TW" sz="3600" b="0" i="1" smtClean="0">
                         <a:solidFill>
-                          <a:schemeClr val="tx1">
-                            <a:lumMod val="95000"/>
-                            <a:lumOff val="5000"/>
-                          </a:schemeClr>
+                          <a:schemeClr val="tx1"/>
                         </a:solidFill>
                         <a:latin typeface="Cambria Math" charset="0"/>
                         <a:ea typeface="Arial" charset="0"/>
@@ -7102,10 +7319,7 @@
                     <m:r>
                       <a:rPr lang="en-US" altLang="zh-TW" sz="3600" b="0" i="1" smtClean="0">
                         <a:solidFill>
-                          <a:schemeClr val="tx1">
-                            <a:lumMod val="95000"/>
-                            <a:lumOff val="5000"/>
-                          </a:schemeClr>
+                          <a:schemeClr val="tx1"/>
                         </a:solidFill>
                         <a:latin typeface="Cambria Math" charset="0"/>
                         <a:ea typeface="Arial" charset="0"/>
@@ -7116,10 +7330,7 @@
                     <m:r>
                       <a:rPr lang="en-US" altLang="zh-TW" sz="3600" b="0" i="1" smtClean="0">
                         <a:solidFill>
-                          <a:schemeClr val="tx1">
-                            <a:lumMod val="95000"/>
-                            <a:lumOff val="5000"/>
-                          </a:schemeClr>
+                          <a:schemeClr val="tx1"/>
                         </a:solidFill>
                         <a:latin typeface="Cambria Math" charset="0"/>
                         <a:ea typeface="Arial" charset="0"/>
@@ -7130,10 +7341,7 @@
                     <m:r>
                       <a:rPr lang="en-US" altLang="zh-TW" sz="3600" b="0" i="1" smtClean="0">
                         <a:solidFill>
-                          <a:schemeClr val="tx1">
-                            <a:lumMod val="95000"/>
-                            <a:lumOff val="5000"/>
-                          </a:schemeClr>
+                          <a:schemeClr val="tx1"/>
                         </a:solidFill>
                         <a:latin typeface="Cambria Math" charset="0"/>
                         <a:ea typeface="Arial" charset="0"/>
@@ -7144,10 +7352,7 @@
                     <m:r>
                       <a:rPr lang="en-US" altLang="zh-TW" sz="3600" b="0" i="1" smtClean="0">
                         <a:solidFill>
-                          <a:schemeClr val="tx1">
-                            <a:lumMod val="95000"/>
-                            <a:lumOff val="5000"/>
-                          </a:schemeClr>
+                          <a:schemeClr val="tx1"/>
                         </a:solidFill>
                         <a:latin typeface="Cambria Math" charset="0"/>
                         <a:ea typeface="Arial" charset="0"/>
@@ -7159,10 +7364,7 @@
                 </a14:m>
                 <a:endParaRPr lang="en-US" altLang="zh-TW" sz="3600" dirty="0" smtClean="0">
                   <a:solidFill>
-                    <a:schemeClr val="tx1">
-                      <a:lumMod val="95000"/>
-                      <a:lumOff val="5000"/>
-                    </a:schemeClr>
+                    <a:schemeClr val="tx1"/>
                   </a:solidFill>
                   <a:latin typeface="Arial" charset="0"/>
                   <a:ea typeface="Arial" charset="0"/>
@@ -7178,7 +7380,7 @@
                         <m:ctrlPr>
                           <a:rPr lang="en-US" altLang="zh-TW" sz="4000" b="1" i="1" smtClean="0">
                             <a:solidFill>
-                              <a:schemeClr val="accent2"/>
+                              <a:schemeClr val="tx1"/>
                             </a:solidFill>
                             <a:latin typeface="Cambria Math" charset="0"/>
                             <a:cs typeface="Arial" pitchFamily="34" charset="0"/>
@@ -7189,7 +7391,7 @@
                         <m:r>
                           <a:rPr lang="en-US" altLang="zh-TW" sz="4000" b="1" i="1" smtClean="0">
                             <a:solidFill>
-                              <a:schemeClr val="accent2"/>
+                              <a:schemeClr val="tx1"/>
                             </a:solidFill>
                             <a:latin typeface="Cambria Math" charset="0"/>
                             <a:ea typeface="Cambria Math" charset="0"/>
@@ -7202,7 +7404,7 @@
                         <m:r>
                           <a:rPr lang="en-US" altLang="zh-TW" sz="4000" b="1" i="1" smtClean="0">
                             <a:solidFill>
-                              <a:schemeClr val="accent2"/>
+                              <a:schemeClr val="tx1"/>
                             </a:solidFill>
                             <a:latin typeface="Cambria Math" charset="0"/>
                             <a:cs typeface="Arial" pitchFamily="34" charset="0"/>
@@ -7214,7 +7416,7 @@
                     <m:r>
                       <a:rPr lang="en-US" altLang="zh-TW" sz="4000" b="1" i="1" smtClean="0">
                         <a:solidFill>
-                          <a:schemeClr val="accent2"/>
+                          <a:schemeClr val="tx1"/>
                         </a:solidFill>
                         <a:latin typeface="Cambria Math" charset="0"/>
                         <a:cs typeface="Arial" pitchFamily="34" charset="0"/>
@@ -7226,7 +7428,7 @@
                         <m:ctrlPr>
                           <a:rPr lang="mr-IN" altLang="zh-TW" sz="4000" b="1" i="1" smtClean="0">
                             <a:solidFill>
-                              <a:schemeClr val="accent2"/>
+                              <a:schemeClr val="tx1"/>
                             </a:solidFill>
                             <a:latin typeface="Cambria Math" charset="0"/>
                             <a:cs typeface="Arial" pitchFamily="34" charset="0"/>
@@ -7239,7 +7441,7 @@
                             <m:ctrlPr>
                               <a:rPr lang="en-US" altLang="zh-TW" sz="4000" b="1" i="1" smtClean="0">
                                 <a:solidFill>
-                                  <a:schemeClr val="accent2"/>
+                                  <a:schemeClr val="tx1"/>
                                 </a:solidFill>
                                 <a:latin typeface="Cambria Math" charset="0"/>
                                 <a:cs typeface="Arial" pitchFamily="34" charset="0"/>
@@ -7250,7 +7452,7 @@
                             <m:r>
                               <a:rPr lang="en-US" altLang="zh-TW" sz="4000" b="1" i="1" smtClean="0">
                                 <a:solidFill>
-                                  <a:schemeClr val="accent2"/>
+                                  <a:schemeClr val="tx1"/>
                                 </a:solidFill>
                                 <a:latin typeface="Cambria Math" charset="0"/>
                                 <a:ea typeface="Cambria Math" charset="0"/>
@@ -7263,7 +7465,7 @@
                             <m:r>
                               <a:rPr lang="en-US" altLang="zh-TW" sz="4000" b="1" i="1" smtClean="0">
                                 <a:solidFill>
-                                  <a:schemeClr val="accent2"/>
+                                  <a:schemeClr val="tx1"/>
                                 </a:solidFill>
                                 <a:latin typeface="Cambria Math" charset="0"/>
                                 <a:cs typeface="Arial" pitchFamily="34" charset="0"/>
@@ -7279,7 +7481,7 @@
                             <m:ctrlPr>
                               <a:rPr lang="en-US" altLang="zh-TW" sz="4000" b="1" i="1" smtClean="0">
                                 <a:solidFill>
-                                  <a:schemeClr val="accent2"/>
+                                  <a:schemeClr val="tx1"/>
                                 </a:solidFill>
                                 <a:latin typeface="Cambria Math" charset="0"/>
                                 <a:cs typeface="Arial" pitchFamily="34" charset="0"/>
@@ -7290,7 +7492,7 @@
                             <m:r>
                               <a:rPr lang="en-US" altLang="zh-TW" sz="4000" b="1" i="1" smtClean="0">
                                 <a:solidFill>
-                                  <a:schemeClr val="accent2"/>
+                                  <a:schemeClr val="tx1"/>
                                 </a:solidFill>
                                 <a:latin typeface="Cambria Math" charset="0"/>
                                 <a:ea typeface="Cambria Math" charset="0"/>
@@ -7303,7 +7505,7 @@
                             <m:r>
                               <a:rPr lang="en-US" altLang="zh-TW" sz="4000" b="1" i="1" smtClean="0">
                                 <a:solidFill>
-                                  <a:schemeClr val="accent2"/>
+                                  <a:schemeClr val="tx1"/>
                                 </a:solidFill>
                                 <a:latin typeface="Cambria Math" charset="0"/>
                                 <a:cs typeface="Arial" pitchFamily="34" charset="0"/>
@@ -7317,7 +7519,7 @@
                     <m:r>
                       <a:rPr lang="en-US" altLang="zh-TW" sz="4000" b="1" i="1" smtClean="0">
                         <a:solidFill>
-                          <a:schemeClr val="accent2"/>
+                          <a:schemeClr val="tx1"/>
                         </a:solidFill>
                         <a:latin typeface="Cambria Math" charset="0"/>
                         <a:cs typeface="Arial" pitchFamily="34" charset="0"/>
@@ -7329,7 +7531,7 @@
                 <a:r>
                   <a:rPr lang="en-US" altLang="zh-TW" sz="4000" b="1" dirty="0">
                     <a:solidFill>
-                      <a:schemeClr val="accent2"/>
+                      <a:schemeClr val="tx1"/>
                     </a:solidFill>
                     <a:cs typeface="Arial" pitchFamily="34" charset="0"/>
                   </a:rPr>
@@ -7342,7 +7544,7 @@
                         <m:ctrlPr>
                           <a:rPr lang="en-US" altLang="zh-TW" sz="4000" b="1" i="1">
                             <a:solidFill>
-                              <a:schemeClr val="accent2"/>
+                              <a:schemeClr val="tx1"/>
                             </a:solidFill>
                             <a:latin typeface="Cambria Math" charset="0"/>
                             <a:cs typeface="Arial" pitchFamily="34" charset="0"/>
@@ -7353,7 +7555,7 @@
                         <m:r>
                           <a:rPr lang="en-US" altLang="zh-TW" sz="4000" b="1" i="1">
                             <a:solidFill>
-                              <a:schemeClr val="accent2"/>
+                              <a:schemeClr val="tx1"/>
                             </a:solidFill>
                             <a:latin typeface="Cambria Math" charset="0"/>
                             <a:ea typeface="Cambria Math" charset="0"/>
@@ -7366,7 +7568,7 @@
                         <m:r>
                           <a:rPr lang="en-US" altLang="zh-TW" sz="4000" b="1" i="1" smtClean="0">
                             <a:solidFill>
-                              <a:schemeClr val="accent2"/>
+                              <a:schemeClr val="tx1"/>
                             </a:solidFill>
                             <a:latin typeface="Cambria Math" charset="0"/>
                             <a:ea typeface="Cambria Math" charset="0"/>
@@ -7379,7 +7581,7 @@
                     <m:r>
                       <a:rPr lang="en-US" altLang="zh-TW" sz="4000" b="1" i="1">
                         <a:solidFill>
-                          <a:schemeClr val="accent2"/>
+                          <a:schemeClr val="tx1"/>
                         </a:solidFill>
                         <a:latin typeface="Cambria Math" charset="0"/>
                         <a:cs typeface="Arial" pitchFamily="34" charset="0"/>
@@ -7391,7 +7593,7 @@
                         <m:ctrlPr>
                           <a:rPr lang="mr-IN" altLang="zh-TW" sz="4000" b="1" i="1">
                             <a:solidFill>
-                              <a:schemeClr val="accent2"/>
+                              <a:schemeClr val="tx1"/>
                             </a:solidFill>
                             <a:latin typeface="Cambria Math" charset="0"/>
                             <a:cs typeface="Arial" pitchFamily="34" charset="0"/>
@@ -7404,7 +7606,7 @@
                             <m:ctrlPr>
                               <a:rPr lang="en-US" altLang="zh-TW" sz="4000" b="1" i="1">
                                 <a:solidFill>
-                                  <a:schemeClr val="accent2"/>
+                                  <a:schemeClr val="tx1"/>
                                 </a:solidFill>
                                 <a:latin typeface="Cambria Math" charset="0"/>
                                 <a:cs typeface="Arial" pitchFamily="34" charset="0"/>
@@ -7415,7 +7617,7 @@
                             <m:r>
                               <a:rPr lang="en-US" altLang="zh-TW" sz="4000" b="1" i="1">
                                 <a:solidFill>
-                                  <a:schemeClr val="accent2"/>
+                                  <a:schemeClr val="tx1"/>
                                 </a:solidFill>
                                 <a:latin typeface="Cambria Math" charset="0"/>
                                 <a:ea typeface="Cambria Math" charset="0"/>
@@ -7428,7 +7630,7 @@
                             <m:r>
                               <a:rPr lang="en-US" altLang="zh-TW" sz="4000" b="1" i="1" smtClean="0">
                                 <a:solidFill>
-                                  <a:schemeClr val="accent2"/>
+                                  <a:schemeClr val="tx1"/>
                                 </a:solidFill>
                                 <a:latin typeface="Cambria Math" charset="0"/>
                                 <a:ea typeface="Cambria Math" charset="0"/>
@@ -7445,7 +7647,7 @@
                             <m:ctrlPr>
                               <a:rPr lang="en-US" altLang="zh-TW" sz="4000" b="1" i="1">
                                 <a:solidFill>
-                                  <a:schemeClr val="accent2"/>
+                                  <a:schemeClr val="tx1"/>
                                 </a:solidFill>
                                 <a:latin typeface="Cambria Math" charset="0"/>
                                 <a:cs typeface="Arial" pitchFamily="34" charset="0"/>
@@ -7456,7 +7658,7 @@
                             <m:r>
                               <a:rPr lang="en-US" altLang="zh-TW" sz="4000" b="1" i="1">
                                 <a:solidFill>
-                                  <a:schemeClr val="accent2"/>
+                                  <a:schemeClr val="tx1"/>
                                 </a:solidFill>
                                 <a:latin typeface="Cambria Math" charset="0"/>
                                 <a:ea typeface="Cambria Math" charset="0"/>
@@ -7469,7 +7671,7 @@
                             <m:r>
                               <a:rPr lang="en-US" altLang="zh-TW" sz="4000" b="1" i="1" smtClean="0">
                                 <a:solidFill>
-                                  <a:schemeClr val="accent2"/>
+                                  <a:schemeClr val="tx1"/>
                                 </a:solidFill>
                                 <a:latin typeface="Cambria Math" charset="0"/>
                                 <a:ea typeface="Cambria Math" charset="0"/>
@@ -7485,7 +7687,7 @@
                 </a14:m>
                 <a:endParaRPr lang="en-US" altLang="zh-TW" sz="4000" b="1" dirty="0" smtClean="0">
                   <a:solidFill>
-                    <a:schemeClr val="accent2"/>
+                    <a:schemeClr val="tx1"/>
                   </a:solidFill>
                   <a:latin typeface="Arial" pitchFamily="34" charset="0"/>
                   <a:cs typeface="Arial" pitchFamily="34" charset="0"/>
@@ -7495,7 +7697,7 @@
                 <a:r>
                   <a:rPr lang="en-US" altLang="zh-TW" sz="4800" b="1" dirty="0" smtClean="0">
                     <a:solidFill>
-                      <a:schemeClr val="accent2"/>
+                      <a:schemeClr val="tx1"/>
                     </a:solidFill>
                     <a:latin typeface="Arial" pitchFamily="34" charset="0"/>
                     <a:cs typeface="Arial" pitchFamily="34" charset="0"/>
@@ -7513,18 +7715,27 @@
                     <m:oMath xmlns:m="http://schemas.openxmlformats.org/officeDocument/2006/math">
                       <m:r>
                         <a:rPr lang="en-US" altLang="zh-TW" sz="4000" b="0" i="1" smtClean="0">
+                          <a:solidFill>
+                            <a:schemeClr val="tx1"/>
+                          </a:solidFill>
                           <a:latin typeface="Cambria Math" charset="0"/>
                         </a:rPr>
                         <m:t>      </m:t>
                       </m:r>
                       <m:r>
                         <a:rPr lang="zh-TW" altLang="en-US" sz="4000" b="0" i="1" smtClean="0">
+                          <a:solidFill>
+                            <a:schemeClr val="tx1"/>
+                          </a:solidFill>
                           <a:latin typeface="Cambria Math" charset="0"/>
                         </a:rPr>
                         <m:t>            </m:t>
                       </m:r>
                       <m:r>
                         <a:rPr lang="en-US" altLang="zh-TW" sz="4000" b="0" i="1" smtClean="0">
+                          <a:solidFill>
+                            <a:schemeClr val="tx1"/>
+                          </a:solidFill>
                           <a:latin typeface="Cambria Math" charset="0"/>
                         </a:rPr>
                         <m:t>𝐸𝐶𝐹</m:t>
@@ -7533,6 +7744,9 @@
                         <m:dPr>
                           <m:ctrlPr>
                             <a:rPr lang="en-US" altLang="zh-TW" sz="4000" b="0" i="1" smtClean="0">
+                              <a:solidFill>
+                                <a:schemeClr val="tx1"/>
+                              </a:solidFill>
                               <a:latin typeface="Cambria Math" charset="0"/>
                             </a:rPr>
                           </m:ctrlPr>
@@ -7540,18 +7754,27 @@
                         <m:e>
                           <m:r>
                             <a:rPr lang="en-US" altLang="zh-TW" sz="4000" b="0" i="1" smtClean="0">
+                              <a:solidFill>
+                                <a:schemeClr val="tx1"/>
+                              </a:solidFill>
                               <a:latin typeface="Cambria Math" charset="0"/>
                             </a:rPr>
                             <m:t>𝑁</m:t>
                           </m:r>
                           <m:r>
                             <a:rPr lang="en-US" altLang="zh-TW" sz="4000" b="0" i="1" smtClean="0">
+                              <a:solidFill>
+                                <a:schemeClr val="tx1"/>
+                              </a:solidFill>
                               <a:latin typeface="Cambria Math" charset="0"/>
                             </a:rPr>
                             <m:t>,</m:t>
                           </m:r>
                           <m:r>
                             <a:rPr lang="en-US" altLang="zh-TW" sz="4000" b="0" i="1" smtClean="0">
+                              <a:solidFill>
+                                <a:schemeClr val="tx1"/>
+                              </a:solidFill>
                               <a:latin typeface="Cambria Math" charset="0"/>
                               <a:ea typeface="Cambria Math" charset="0"/>
                               <a:cs typeface="Cambria Math" charset="0"/>
@@ -7562,6 +7785,9 @@
                       </m:d>
                       <m:r>
                         <a:rPr lang="en-US" altLang="zh-TW" sz="4000" b="0" i="1" smtClean="0">
+                          <a:solidFill>
+                            <a:schemeClr val="tx1"/>
+                          </a:solidFill>
                           <a:latin typeface="Cambria Math" charset="0"/>
                           <a:ea typeface="Cambria Math" charset="0"/>
                           <a:cs typeface="Cambria Math" charset="0"/>
@@ -7574,6 +7800,9 @@
                           <m:supHide m:val="on"/>
                           <m:ctrlPr>
                             <a:rPr lang="en-US" altLang="zh-TW" sz="4000" b="0" i="1" smtClean="0">
+                              <a:solidFill>
+                                <a:schemeClr val="tx1"/>
+                              </a:solidFill>
                               <a:latin typeface="Cambria Math" charset="0"/>
                               <a:ea typeface="Cambria Math" charset="0"/>
                               <a:cs typeface="Cambria Math" charset="0"/>
@@ -7585,6 +7814,9 @@
                             <m:sSubPr>
                               <m:ctrlPr>
                                 <a:rPr lang="en-US" altLang="zh-TW" sz="4000" b="0" i="1" smtClean="0">
+                                  <a:solidFill>
+                                    <a:schemeClr val="tx1"/>
+                                  </a:solidFill>
                                   <a:latin typeface="Cambria Math" charset="0"/>
                                   <a:ea typeface="Cambria Math" charset="0"/>
                                   <a:cs typeface="Cambria Math" charset="0"/>
@@ -7594,6 +7826,9 @@
                             <m:e>
                               <m:r>
                                 <a:rPr lang="en-US" altLang="zh-TW" sz="4000" b="0" i="1" smtClean="0">
+                                  <a:solidFill>
+                                    <a:schemeClr val="tx1"/>
+                                  </a:solidFill>
                                   <a:latin typeface="Cambria Math" charset="0"/>
                                   <a:ea typeface="Cambria Math" charset="0"/>
                                   <a:cs typeface="Cambria Math" charset="0"/>
@@ -7604,6 +7839,9 @@
                             <m:sub>
                               <m:r>
                                 <a:rPr lang="en-US" altLang="zh-TW" sz="4000" b="0" i="1" smtClean="0">
+                                  <a:solidFill>
+                                    <a:schemeClr val="tx1"/>
+                                  </a:solidFill>
                                   <a:latin typeface="Cambria Math" charset="0"/>
                                   <a:ea typeface="Cambria Math" charset="0"/>
                                   <a:cs typeface="Cambria Math" charset="0"/>
@@ -7617,6 +7855,9 @@
                               <m:brk m:alnAt="7"/>
                             </m:rPr>
                             <a:rPr lang="en-US" altLang="zh-TW" sz="4000" b="0" i="1" smtClean="0">
+                              <a:solidFill>
+                                <a:schemeClr val="tx1"/>
+                              </a:solidFill>
                               <a:latin typeface="Cambria Math" charset="0"/>
                               <a:ea typeface="Cambria Math" charset="0"/>
                               <a:cs typeface="Cambria Math" charset="0"/>
@@ -7627,6 +7868,9 @@
                             <m:sSubPr>
                               <m:ctrlPr>
                                 <a:rPr lang="en-US" altLang="zh-TW" sz="4000" b="0" i="1" smtClean="0">
+                                  <a:solidFill>
+                                    <a:schemeClr val="tx1"/>
+                                  </a:solidFill>
                                   <a:latin typeface="Cambria Math" charset="0"/>
                                   <a:ea typeface="Cambria Math" charset="0"/>
                                   <a:cs typeface="Cambria Math" charset="0"/>
@@ -7636,6 +7880,9 @@
                             <m:e>
                               <m:r>
                                 <a:rPr lang="en-US" altLang="zh-TW" sz="4000" b="0" i="1" smtClean="0">
+                                  <a:solidFill>
+                                    <a:schemeClr val="tx1"/>
+                                  </a:solidFill>
                                   <a:latin typeface="Cambria Math" charset="0"/>
                                   <a:ea typeface="Cambria Math" charset="0"/>
                                   <a:cs typeface="Cambria Math" charset="0"/>
@@ -7646,6 +7893,9 @@
                             <m:sub>
                               <m:r>
                                 <a:rPr lang="en-US" altLang="zh-TW" sz="4000" b="0" i="1" smtClean="0">
+                                  <a:solidFill>
+                                    <a:schemeClr val="tx1"/>
+                                  </a:solidFill>
                                   <a:latin typeface="Cambria Math" charset="0"/>
                                   <a:ea typeface="Cambria Math" charset="0"/>
                                   <a:cs typeface="Cambria Math" charset="0"/>
@@ -7659,6 +7909,9 @@
                               <m:brk m:alnAt="7"/>
                             </m:rPr>
                             <a:rPr lang="en-US" altLang="zh-TW" sz="4000" b="0" i="1" smtClean="0">
+                              <a:solidFill>
+                                <a:schemeClr val="tx1"/>
+                              </a:solidFill>
                               <a:latin typeface="Cambria Math" charset="0"/>
                               <a:ea typeface="Cambria Math" charset="0"/>
                               <a:cs typeface="Cambria Math" charset="0"/>
@@ -7667,6 +7920,9 @@
                           </m:r>
                           <m:r>
                             <a:rPr lang="en-US" altLang="zh-TW" sz="4000" b="0" i="1" smtClean="0">
+                              <a:solidFill>
+                                <a:schemeClr val="tx1"/>
+                              </a:solidFill>
                               <a:latin typeface="Cambria Math" charset="0"/>
                               <a:ea typeface="Cambria Math" charset="0"/>
                               <a:cs typeface="Cambria Math" charset="0"/>
@@ -7677,6 +7933,9 @@
                             <m:sSubPr>
                               <m:ctrlPr>
                                 <a:rPr lang="en-US" altLang="zh-TW" sz="4000" b="0" i="1" smtClean="0">
+                                  <a:solidFill>
+                                    <a:schemeClr val="tx1"/>
+                                  </a:solidFill>
                                   <a:latin typeface="Cambria Math" charset="0"/>
                                   <a:ea typeface="Cambria Math" charset="0"/>
                                   <a:cs typeface="Cambria Math" charset="0"/>
@@ -7686,6 +7945,9 @@
                             <m:e>
                               <m:r>
                                 <a:rPr lang="en-US" altLang="zh-TW" sz="4000" b="0" i="1" smtClean="0">
+                                  <a:solidFill>
+                                    <a:schemeClr val="tx1"/>
+                                  </a:solidFill>
                                   <a:latin typeface="Cambria Math" charset="0"/>
                                   <a:ea typeface="Cambria Math" charset="0"/>
                                   <a:cs typeface="Cambria Math" charset="0"/>
@@ -7696,6 +7958,9 @@
                             <m:sub>
                               <m:r>
                                 <a:rPr lang="en-US" altLang="zh-TW" sz="4000" b="0" i="1" smtClean="0">
+                                  <a:solidFill>
+                                    <a:schemeClr val="tx1"/>
+                                  </a:solidFill>
                                   <a:latin typeface="Cambria Math" charset="0"/>
                                   <a:ea typeface="Cambria Math" charset="0"/>
                                   <a:cs typeface="Cambria Math" charset="0"/>
@@ -7709,6 +7974,9 @@
                               <m:brk m:alnAt="7"/>
                             </m:rPr>
                             <a:rPr lang="en-US" altLang="zh-TW" sz="4000" b="0" i="1" smtClean="0">
+                              <a:solidFill>
+                                <a:schemeClr val="tx1"/>
+                              </a:solidFill>
                               <a:latin typeface="Cambria Math" charset="0"/>
                               <a:ea typeface="Cambria Math" charset="0"/>
                               <a:cs typeface="Cambria Math" charset="0"/>
@@ -7717,6 +7985,9 @@
                           </m:r>
                           <m:r>
                             <a:rPr lang="en-US" altLang="zh-TW" sz="4000" b="0" i="1" smtClean="0">
+                              <a:solidFill>
+                                <a:schemeClr val="tx1"/>
+                              </a:solidFill>
                               <a:latin typeface="Cambria Math" charset="0"/>
                               <a:ea typeface="Cambria Math" charset="0"/>
                               <a:cs typeface="Cambria Math" charset="0"/>
@@ -7728,6 +7999,9 @@
                         <m:e>
                           <m:r>
                             <a:rPr lang="en-US" altLang="zh-TW" sz="4000" b="0" i="1" smtClean="0">
+                              <a:solidFill>
+                                <a:schemeClr val="tx1"/>
+                              </a:solidFill>
                               <a:latin typeface="Cambria Math" charset="0"/>
                               <a:ea typeface="Cambria Math" charset="0"/>
                               <a:cs typeface="Cambria Math" charset="0"/>
@@ -7739,6 +8013,9 @@
                               <m:chr m:val="∏"/>
                               <m:ctrlPr>
                                 <a:rPr lang="is-IS" altLang="zh-TW" sz="4000" b="0" i="1" smtClean="0">
+                                  <a:solidFill>
+                                    <a:schemeClr val="tx1"/>
+                                  </a:solidFill>
                                   <a:latin typeface="Cambria Math" charset="0"/>
                                   <a:ea typeface="Cambria Math" charset="0"/>
                                   <a:cs typeface="Cambria Math" charset="0"/>
@@ -7751,6 +8028,9 @@
                                   <m:brk m:alnAt="23"/>
                                 </m:rPr>
                                 <a:rPr lang="en-US" altLang="zh-TW" sz="4000" b="0" i="1" smtClean="0">
+                                  <a:solidFill>
+                                    <a:schemeClr val="tx1"/>
+                                  </a:solidFill>
                                   <a:latin typeface="Cambria Math" charset="0"/>
                                   <a:ea typeface="Cambria Math" charset="0"/>
                                   <a:cs typeface="Cambria Math" charset="0"/>
@@ -7759,6 +8039,9 @@
                               </m:r>
                               <m:r>
                                 <a:rPr lang="en-US" altLang="zh-TW" sz="4000" b="0" i="1" smtClean="0">
+                                  <a:solidFill>
+                                    <a:schemeClr val="tx1"/>
+                                  </a:solidFill>
                                   <a:latin typeface="Cambria Math" charset="0"/>
                                   <a:ea typeface="Cambria Math" charset="0"/>
                                   <a:cs typeface="Cambria Math" charset="0"/>
@@ -7769,6 +8052,9 @@
                             <m:sup>
                               <m:r>
                                 <a:rPr lang="en-US" altLang="zh-TW" sz="4000" b="0" i="1" smtClean="0">
+                                  <a:solidFill>
+                                    <a:schemeClr val="tx1"/>
+                                  </a:solidFill>
                                   <a:latin typeface="Cambria Math" charset="0"/>
                                   <a:ea typeface="Cambria Math" charset="0"/>
                                   <a:cs typeface="Cambria Math" charset="0"/>
@@ -7779,6 +8065,9 @@
                             <m:e>
                               <m:r>
                                 <a:rPr lang="en-US" altLang="zh-TW" sz="4000" b="0" i="1" smtClean="0">
+                                  <a:solidFill>
+                                    <a:schemeClr val="tx1"/>
+                                  </a:solidFill>
                                   <a:latin typeface="Cambria Math" charset="0"/>
                                   <a:ea typeface="Cambria Math" charset="0"/>
                                   <a:cs typeface="Cambria Math" charset="0"/>
@@ -7789,6 +8078,9 @@
                                 <m:sSubPr>
                                   <m:ctrlPr>
                                     <a:rPr lang="en-US" altLang="zh-TW" sz="4000" b="0" i="1" smtClean="0">
+                                      <a:solidFill>
+                                        <a:schemeClr val="tx1"/>
+                                      </a:solidFill>
                                       <a:latin typeface="Cambria Math" charset="0"/>
                                       <a:ea typeface="Cambria Math" charset="0"/>
                                       <a:cs typeface="Cambria Math" charset="0"/>
@@ -7798,6 +8090,9 @@
                                 <m:e>
                                   <m:r>
                                     <a:rPr lang="en-US" altLang="zh-TW" sz="4000" b="0" i="1" smtClean="0">
+                                      <a:solidFill>
+                                        <a:schemeClr val="tx1"/>
+                                      </a:solidFill>
                                       <a:latin typeface="Cambria Math" charset="0"/>
                                       <a:ea typeface="Cambria Math" charset="0"/>
                                       <a:cs typeface="Cambria Math" charset="0"/>
@@ -7808,6 +8103,9 @@
                                 <m:sub>
                                   <m:r>
                                     <a:rPr lang="en-US" altLang="zh-TW" sz="4000" b="0" i="1" smtClean="0">
+                                      <a:solidFill>
+                                        <a:schemeClr val="tx1"/>
+                                      </a:solidFill>
                                       <a:latin typeface="Cambria Math" charset="0"/>
                                       <a:ea typeface="Cambria Math" charset="0"/>
                                       <a:cs typeface="Cambria Math" charset="0"/>
@@ -7818,6 +8116,9 @@
                               </m:sSub>
                               <m:r>
                                 <a:rPr lang="en-US" altLang="zh-TW" sz="4000" b="0" i="1" smtClean="0">
+                                  <a:solidFill>
+                                    <a:schemeClr val="tx1"/>
+                                  </a:solidFill>
                                   <a:latin typeface="Cambria Math" charset="0"/>
                                   <a:ea typeface="Cambria Math" charset="0"/>
                                   <a:cs typeface="Cambria Math" charset="0"/>
@@ -7828,6 +8129,9 @@
                                 <m:sSupPr>
                                   <m:ctrlPr>
                                     <a:rPr lang="en-US" altLang="zh-TW" sz="4000" b="0" i="1" smtClean="0">
+                                      <a:solidFill>
+                                        <a:schemeClr val="tx1"/>
+                                      </a:solidFill>
                                       <a:latin typeface="Cambria Math" charset="0"/>
                                       <a:ea typeface="Cambria Math" charset="0"/>
                                       <a:cs typeface="Cambria Math" charset="0"/>
@@ -7837,6 +8141,9 @@
                                 <m:e>
                                   <m:r>
                                     <a:rPr lang="en-US" altLang="zh-TW" sz="4000" b="0" i="1" smtClean="0">
+                                      <a:solidFill>
+                                        <a:schemeClr val="tx1"/>
+                                      </a:solidFill>
                                       <a:latin typeface="Cambria Math" charset="0"/>
                                       <a:ea typeface="Cambria Math" charset="0"/>
                                       <a:cs typeface="Cambria Math" charset="0"/>
@@ -7848,6 +8155,9 @@
                                       <m:chr m:val="∏"/>
                                       <m:ctrlPr>
                                         <a:rPr lang="is-IS" altLang="zh-TW" sz="4000" b="0" i="1" smtClean="0">
+                                          <a:solidFill>
+                                            <a:schemeClr val="tx1"/>
+                                          </a:solidFill>
                                           <a:latin typeface="Cambria Math" charset="0"/>
                                           <a:ea typeface="Cambria Math" charset="0"/>
                                           <a:cs typeface="Cambria Math" charset="0"/>
@@ -7860,6 +8170,9 @@
                                           <m:brk m:alnAt="23"/>
                                         </m:rPr>
                                         <a:rPr lang="en-US" altLang="zh-TW" sz="4000" b="0" i="1" smtClean="0">
+                                          <a:solidFill>
+                                            <a:schemeClr val="tx1"/>
+                                          </a:solidFill>
                                           <a:latin typeface="Cambria Math" charset="0"/>
                                           <a:ea typeface="Cambria Math" charset="0"/>
                                           <a:cs typeface="Cambria Math" charset="0"/>
@@ -7868,6 +8181,9 @@
                                       </m:r>
                                       <m:r>
                                         <a:rPr lang="en-US" altLang="zh-TW" sz="4000" b="0" i="1" smtClean="0">
+                                          <a:solidFill>
+                                            <a:schemeClr val="tx1"/>
+                                          </a:solidFill>
                                           <a:latin typeface="Cambria Math" charset="0"/>
                                           <a:ea typeface="Cambria Math" charset="0"/>
                                           <a:cs typeface="Cambria Math" charset="0"/>
@@ -7878,6 +8194,9 @@
                                     <m:sup>
                                       <m:r>
                                         <a:rPr lang="en-US" altLang="zh-TW" sz="4000" b="0" i="1" smtClean="0">
+                                          <a:solidFill>
+                                            <a:schemeClr val="tx1"/>
+                                          </a:solidFill>
                                           <a:latin typeface="Cambria Math" charset="0"/>
                                           <a:ea typeface="Cambria Math" charset="0"/>
                                           <a:cs typeface="Cambria Math" charset="0"/>
@@ -7886,6 +8205,9 @@
                                       </m:r>
                                       <m:r>
                                         <a:rPr lang="en-US" altLang="zh-TW" sz="4000" b="0" i="1" smtClean="0">
+                                          <a:solidFill>
+                                            <a:schemeClr val="tx1"/>
+                                          </a:solidFill>
                                           <a:latin typeface="Cambria Math" charset="0"/>
                                           <a:ea typeface="Cambria Math" charset="0"/>
                                           <a:cs typeface="Cambria Math" charset="0"/>
@@ -7900,6 +8222,9 @@
                                           <m:limLoc m:val="subSup"/>
                                           <m:ctrlPr>
                                             <a:rPr lang="is-IS" altLang="zh-TW" sz="4000" b="0" i="1" smtClean="0">
+                                              <a:solidFill>
+                                                <a:schemeClr val="tx1"/>
+                                              </a:solidFill>
                                               <a:latin typeface="Cambria Math" charset="0"/>
                                               <a:ea typeface="Cambria Math" charset="0"/>
                                               <a:cs typeface="Cambria Math" charset="0"/>
@@ -7912,6 +8237,9 @@
                                               <m:brk m:alnAt="23"/>
                                             </m:rPr>
                                             <a:rPr lang="en-US" altLang="zh-TW" sz="4000" b="0" i="1" smtClean="0">
+                                              <a:solidFill>
+                                                <a:schemeClr val="tx1"/>
+                                              </a:solidFill>
                                               <a:latin typeface="Cambria Math" charset="0"/>
                                               <a:ea typeface="Cambria Math" charset="0"/>
                                               <a:cs typeface="Cambria Math" charset="0"/>
@@ -7920,6 +8248,9 @@
                                           </m:r>
                                           <m:r>
                                             <a:rPr lang="en-US" altLang="zh-TW" sz="4000" b="0" i="1" smtClean="0">
+                                              <a:solidFill>
+                                                <a:schemeClr val="tx1"/>
+                                              </a:solidFill>
                                               <a:latin typeface="Cambria Math" charset="0"/>
                                               <a:ea typeface="Cambria Math" charset="0"/>
                                               <a:cs typeface="Cambria Math" charset="0"/>
@@ -7928,6 +8259,9 @@
                                           </m:r>
                                           <m:r>
                                             <a:rPr lang="en-US" altLang="zh-TW" sz="4000" b="0" i="1" smtClean="0">
+                                              <a:solidFill>
+                                                <a:schemeClr val="tx1"/>
+                                              </a:solidFill>
                                               <a:latin typeface="Cambria Math" charset="0"/>
                                               <a:ea typeface="Cambria Math" charset="0"/>
                                               <a:cs typeface="Cambria Math" charset="0"/>
@@ -7936,6 +8270,9 @@
                                           </m:r>
                                           <m:r>
                                             <a:rPr lang="en-US" altLang="zh-TW" sz="4000" b="0" i="1" smtClean="0">
+                                              <a:solidFill>
+                                                <a:schemeClr val="tx1"/>
+                                              </a:solidFill>
                                               <a:latin typeface="Cambria Math" charset="0"/>
                                               <a:ea typeface="Cambria Math" charset="0"/>
                                               <a:cs typeface="Cambria Math" charset="0"/>
@@ -7946,6 +8283,9 @@
                                         <m:sup>
                                           <m:r>
                                             <a:rPr lang="en-US" altLang="zh-TW" sz="4000" b="0" i="1" smtClean="0">
+                                              <a:solidFill>
+                                                <a:schemeClr val="tx1"/>
+                                              </a:solidFill>
                                               <a:latin typeface="Cambria Math" charset="0"/>
                                               <a:ea typeface="Cambria Math" charset="0"/>
                                               <a:cs typeface="Cambria Math" charset="0"/>
@@ -7956,6 +8296,9 @@
                                         <m:e>
                                           <m:r>
                                             <a:rPr lang="en-US" altLang="zh-TW" sz="4000" b="0" i="1" smtClean="0">
+                                              <a:solidFill>
+                                                <a:schemeClr val="tx1"/>
+                                              </a:solidFill>
                                               <a:latin typeface="Cambria Math" charset="0"/>
                                               <a:ea typeface="Cambria Math" charset="0"/>
                                               <a:cs typeface="Cambria Math" charset="0"/>
@@ -7966,6 +8309,9 @@
                                             <m:sSubPr>
                                               <m:ctrlPr>
                                                 <a:rPr lang="en-US" altLang="zh-TW" sz="4000" b="0" i="1" smtClean="0">
+                                                  <a:solidFill>
+                                                    <a:schemeClr val="tx1"/>
+                                                  </a:solidFill>
                                                   <a:latin typeface="Cambria Math" charset="0"/>
                                                   <a:ea typeface="Cambria Math" charset="0"/>
                                                   <a:cs typeface="Cambria Math" charset="0"/>
@@ -7975,6 +8321,9 @@
                                             <m:e>
                                               <m:r>
                                                 <a:rPr lang="en-US" altLang="zh-TW" sz="4000" b="0" i="1" smtClean="0">
+                                                  <a:solidFill>
+                                                    <a:schemeClr val="tx1"/>
+                                                  </a:solidFill>
                                                   <a:latin typeface="Cambria Math" charset="0"/>
                                                   <a:ea typeface="Cambria Math" charset="0"/>
                                                   <a:cs typeface="Cambria Math" charset="0"/>
@@ -7985,6 +8334,9 @@
                                             <m:sub>
                                               <m:r>
                                                 <a:rPr lang="en-US" altLang="zh-TW" sz="4000" b="0" i="1" smtClean="0">
+                                                  <a:solidFill>
+                                                    <a:schemeClr val="tx1"/>
+                                                  </a:solidFill>
                                                   <a:latin typeface="Cambria Math" charset="0"/>
                                                   <a:ea typeface="Cambria Math" charset="0"/>
                                                   <a:cs typeface="Cambria Math" charset="0"/>
@@ -7999,6 +8351,9 @@
                                   </m:nary>
                                   <m:r>
                                     <a:rPr lang="en-US" altLang="zh-TW" sz="4000" b="0" i="1" smtClean="0">
+                                      <a:solidFill>
+                                        <a:schemeClr val="tx1"/>
+                                      </a:solidFill>
                                       <a:latin typeface="Cambria Math" charset="0"/>
                                       <a:ea typeface="Cambria Math" charset="0"/>
                                       <a:cs typeface="Cambria Math" charset="0"/>
@@ -8009,6 +8364,9 @@
                                 <m:sup>
                                   <m:r>
                                     <a:rPr lang="en-US" altLang="zh-TW" sz="4000" b="0" i="1" smtClean="0">
+                                      <a:solidFill>
+                                        <a:schemeClr val="tx1"/>
+                                      </a:solidFill>
                                       <a:latin typeface="Cambria Math" charset="0"/>
                                       <a:ea typeface="Cambria Math" charset="0"/>
                                       <a:cs typeface="Cambria Math" charset="0"/>
@@ -8025,6 +8383,9 @@
                   </m:oMathPara>
                 </a14:m>
                 <a:endParaRPr lang="en-US" altLang="zh-TW" sz="4000" b="0" dirty="0" smtClean="0">
+                  <a:solidFill>
+                    <a:schemeClr val="tx1"/>
+                  </a:solidFill>
                   <a:ea typeface="Cambria Math" charset="0"/>
                   <a:cs typeface="Cambria Math" charset="0"/>
                 </a:endParaRPr>
@@ -8037,6 +8398,9 @@
                       <m:sSubSupPr>
                         <m:ctrlPr>
                           <a:rPr lang="en-US" altLang="zh-TW" sz="4800" b="0" i="1" smtClean="0">
+                            <a:solidFill>
+                              <a:schemeClr val="tx1"/>
+                            </a:solidFill>
                             <a:latin typeface="Cambria Math" charset="0"/>
                             <a:ea typeface="Cambria Math" charset="0"/>
                             <a:cs typeface="Cambria Math" charset="0"/>
@@ -8046,6 +8410,9 @@
                       <m:e>
                         <m:r>
                           <a:rPr lang="en-US" altLang="zh-TW" sz="4800" b="0" i="1" smtClean="0">
+                            <a:solidFill>
+                              <a:schemeClr val="tx1"/>
+                            </a:solidFill>
                             <a:latin typeface="Cambria Math" charset="0"/>
                             <a:ea typeface="Cambria Math" charset="0"/>
                             <a:cs typeface="Cambria Math" charset="0"/>
@@ -8056,6 +8423,9 @@
                       <m:sub>
                         <m:r>
                           <a:rPr lang="en-US" altLang="zh-TW" sz="4800" b="0" i="1" smtClean="0">
+                            <a:solidFill>
+                              <a:schemeClr val="tx1"/>
+                            </a:solidFill>
                             <a:latin typeface="Cambria Math" charset="0"/>
                             <a:ea typeface="Cambria Math" charset="0"/>
                             <a:cs typeface="Cambria Math" charset="0"/>
@@ -8066,6 +8436,9 @@
                       <m:sup>
                         <m:r>
                           <a:rPr lang="en-US" altLang="zh-TW" sz="4800" b="0" i="1" smtClean="0">
+                            <a:solidFill>
+                              <a:schemeClr val="tx1"/>
+                            </a:solidFill>
                             <a:latin typeface="Cambria Math" charset="0"/>
                             <a:ea typeface="Cambria Math" charset="0"/>
                             <a:cs typeface="Cambria Math" charset="0"/>
@@ -8074,6 +8447,9 @@
                         </m:r>
                         <m:r>
                           <a:rPr lang="en-US" altLang="zh-TW" sz="4800" b="0" i="1" smtClean="0">
+                            <a:solidFill>
+                              <a:schemeClr val="tx1"/>
+                            </a:solidFill>
                             <a:latin typeface="Cambria Math" charset="0"/>
                             <a:ea typeface="Cambria Math" charset="0"/>
                             <a:cs typeface="Cambria Math" charset="0"/>
@@ -8082,6 +8458,9 @@
                         </m:r>
                         <m:r>
                           <a:rPr lang="en-US" altLang="zh-TW" sz="4800" b="0" i="1" smtClean="0">
+                            <a:solidFill>
+                              <a:schemeClr val="tx1"/>
+                            </a:solidFill>
                             <a:latin typeface="Cambria Math" charset="0"/>
                             <a:ea typeface="Cambria Math" charset="0"/>
                             <a:cs typeface="Cambria Math" charset="0"/>
@@ -8092,6 +8471,9 @@
                     </m:sSubSup>
                     <m:r>
                       <a:rPr lang="en-US" altLang="zh-TW" sz="4800" i="1">
+                        <a:solidFill>
+                          <a:schemeClr val="tx1"/>
+                        </a:solidFill>
                         <a:latin typeface="Cambria Math" charset="0"/>
                         <a:ea typeface="Cambria Math" charset="0"/>
                         <a:cs typeface="Cambria Math" charset="0"/>
@@ -8102,6 +8484,9 @@
                 </a14:m>
                 <a:r>
                   <a:rPr lang="en-US" altLang="zh-TW" sz="4800" b="0" dirty="0" smtClean="0">
+                    <a:solidFill>
+                      <a:schemeClr val="tx1"/>
+                    </a:solidFill>
                     <a:ea typeface="Cambria Math" charset="0"/>
                     <a:cs typeface="Cambria Math" charset="0"/>
                   </a:rPr>
@@ -8113,6 +8498,9 @@
                       <m:fPr>
                         <m:ctrlPr>
                           <a:rPr lang="mr-IN" altLang="zh-TW" sz="4800" b="0" i="1" dirty="0" smtClean="0">
+                            <a:solidFill>
+                              <a:schemeClr val="tx1"/>
+                            </a:solidFill>
                             <a:latin typeface="Cambria Math" charset="0"/>
                             <a:ea typeface="Cambria Math" charset="0"/>
                             <a:cs typeface="Cambria Math" charset="0"/>
@@ -8122,6 +8510,9 @@
                       <m:num>
                         <m:r>
                           <a:rPr lang="en-US" altLang="zh-TW" sz="4800" b="0" i="1" dirty="0" smtClean="0">
+                            <a:solidFill>
+                              <a:schemeClr val="tx1"/>
+                            </a:solidFill>
                             <a:latin typeface="Cambria Math" charset="0"/>
                             <a:ea typeface="Cambria Math" charset="0"/>
                             <a:cs typeface="Cambria Math" charset="0"/>
@@ -8132,6 +8523,9 @@
                           <m:dPr>
                             <m:ctrlPr>
                               <a:rPr lang="en-US" altLang="zh-TW" sz="4800" b="0" i="1" dirty="0" smtClean="0">
+                                <a:solidFill>
+                                  <a:schemeClr val="tx1"/>
+                                </a:solidFill>
                                 <a:latin typeface="Cambria Math" charset="0"/>
                                 <a:ea typeface="Cambria Math" charset="0"/>
                                 <a:cs typeface="Cambria Math" charset="0"/>
@@ -8141,6 +8535,9 @@
                           <m:e>
                             <m:r>
                               <a:rPr lang="en-US" altLang="zh-TW" sz="4800" b="0" i="1" dirty="0" smtClean="0">
+                                <a:solidFill>
+                                  <a:schemeClr val="tx1"/>
+                                </a:solidFill>
                                 <a:latin typeface="Cambria Math" charset="0"/>
                                 <a:ea typeface="Cambria Math" charset="0"/>
                                 <a:cs typeface="Cambria Math" charset="0"/>
@@ -8149,6 +8546,9 @@
                             </m:r>
                             <m:r>
                               <a:rPr lang="en-US" altLang="zh-TW" sz="4800" b="0" i="1" dirty="0" smtClean="0">
+                                <a:solidFill>
+                                  <a:schemeClr val="tx1"/>
+                                </a:solidFill>
                                 <a:latin typeface="Cambria Math" charset="0"/>
                                 <a:ea typeface="Cambria Math" charset="0"/>
                                 <a:cs typeface="Cambria Math" charset="0"/>
@@ -8157,6 +8557,9 @@
                             </m:r>
                             <m:r>
                               <a:rPr lang="en-US" altLang="zh-TW" sz="4800" b="0" i="1" dirty="0" smtClean="0">
+                                <a:solidFill>
+                                  <a:schemeClr val="tx1"/>
+                                </a:solidFill>
                                 <a:latin typeface="Cambria Math" charset="0"/>
                                 <a:ea typeface="Cambria Math" charset="0"/>
                                 <a:cs typeface="Cambria Math" charset="0"/>
@@ -8167,6 +8570,9 @@
                         </m:d>
                         <m:r>
                           <a:rPr lang="en-US" altLang="zh-TW" sz="4800" b="0" i="1" dirty="0" smtClean="0">
+                            <a:solidFill>
+                              <a:schemeClr val="tx1"/>
+                            </a:solidFill>
                             <a:latin typeface="Cambria Math" charset="0"/>
                             <a:ea typeface="Cambria Math" charset="0"/>
                             <a:cs typeface="Cambria Math" charset="0"/>
@@ -8175,6 +8581,9 @@
                         </m:r>
                         <m:r>
                           <a:rPr lang="en-US" altLang="zh-TW" sz="4800" b="0" i="1" dirty="0" smtClean="0">
+                            <a:solidFill>
+                              <a:schemeClr val="tx1"/>
+                            </a:solidFill>
                             <a:latin typeface="Cambria Math" charset="0"/>
                             <a:ea typeface="Cambria Math" charset="0"/>
                             <a:cs typeface="Cambria Math" charset="0"/>
@@ -8183,6 +8592,9 @@
                         </m:r>
                         <m:r>
                           <a:rPr lang="en-US" altLang="zh-TW" sz="4800" b="0" i="1" dirty="0" smtClean="0">
+                            <a:solidFill>
+                              <a:schemeClr val="tx1"/>
+                            </a:solidFill>
                             <a:latin typeface="Cambria Math" charset="0"/>
                             <a:ea typeface="Cambria Math" charset="0"/>
                             <a:cs typeface="Cambria Math" charset="0"/>
@@ -8191,6 +8603,9 @@
                         </m:r>
                         <m:r>
                           <a:rPr lang="en-US" altLang="zh-TW" sz="4800" b="0" i="1" dirty="0" smtClean="0">
+                            <a:solidFill>
+                              <a:schemeClr val="tx1"/>
+                            </a:solidFill>
                             <a:latin typeface="Cambria Math" charset="0"/>
                             <a:ea typeface="Cambria Math" charset="0"/>
                             <a:cs typeface="Cambria Math" charset="0"/>
@@ -8199,6 +8614,9 @@
                         </m:r>
                         <m:r>
                           <a:rPr lang="en-US" altLang="zh-TW" sz="4800" b="0" i="1" dirty="0" smtClean="0">
+                            <a:solidFill>
+                              <a:schemeClr val="tx1"/>
+                            </a:solidFill>
                             <a:latin typeface="Cambria Math" charset="0"/>
                             <a:ea typeface="Cambria Math" charset="0"/>
                             <a:cs typeface="Cambria Math" charset="0"/>
@@ -8207,6 +8625,9 @@
                         </m:r>
                         <m:r>
                           <a:rPr lang="en-US" altLang="zh-TW" sz="4800" b="0" i="1" dirty="0" smtClean="0">
+                            <a:solidFill>
+                              <a:schemeClr val="tx1"/>
+                            </a:solidFill>
                             <a:latin typeface="Cambria Math" charset="0"/>
                             <a:ea typeface="Cambria Math" charset="0"/>
                             <a:cs typeface="Cambria Math" charset="0"/>
@@ -8219,6 +8640,9 @@
                           <m:sSupPr>
                             <m:ctrlPr>
                               <a:rPr lang="mr-IN" altLang="zh-TW" sz="4800" b="0" i="1" dirty="0" smtClean="0">
+                                <a:solidFill>
+                                  <a:schemeClr val="tx1"/>
+                                </a:solidFill>
                                 <a:latin typeface="Cambria Math" charset="0"/>
                                 <a:ea typeface="Cambria Math" charset="0"/>
                                 <a:cs typeface="Cambria Math" charset="0"/>
@@ -8228,6 +8652,9 @@
                           <m:e>
                             <m:r>
                               <a:rPr lang="en-US" altLang="zh-TW" sz="4800" b="0" i="1" dirty="0" smtClean="0">
+                                <a:solidFill>
+                                  <a:schemeClr val="tx1"/>
+                                </a:solidFill>
                                 <a:latin typeface="Cambria Math" charset="0"/>
                                 <a:ea typeface="Cambria Math" charset="0"/>
                                 <a:cs typeface="Cambria Math" charset="0"/>
@@ -8236,6 +8663,9 @@
                             </m:r>
                             <m:r>
                               <a:rPr lang="en-US" altLang="zh-TW" sz="4800" b="0" i="1" dirty="0" smtClean="0">
+                                <a:solidFill>
+                                  <a:schemeClr val="tx1"/>
+                                </a:solidFill>
                                 <a:latin typeface="Cambria Math" charset="0"/>
                                 <a:ea typeface="Cambria Math" charset="0"/>
                                 <a:cs typeface="Cambria Math" charset="0"/>
@@ -8244,6 +8674,9 @@
                             </m:r>
                             <m:r>
                               <a:rPr lang="en-US" altLang="zh-TW" sz="4800" b="0" i="1" dirty="0" smtClean="0">
+                                <a:solidFill>
+                                  <a:schemeClr val="tx1"/>
+                                </a:solidFill>
                                 <a:latin typeface="Cambria Math" charset="0"/>
                                 <a:ea typeface="Cambria Math" charset="0"/>
                                 <a:cs typeface="Cambria Math" charset="0"/>
@@ -8252,6 +8685,9 @@
                             </m:r>
                             <m:r>
                               <a:rPr lang="en-US" altLang="zh-TW" sz="4800" b="0" i="1" dirty="0" smtClean="0">
+                                <a:solidFill>
+                                  <a:schemeClr val="tx1"/>
+                                </a:solidFill>
                                 <a:latin typeface="Cambria Math" charset="0"/>
                                 <a:ea typeface="Cambria Math" charset="0"/>
                                 <a:cs typeface="Cambria Math" charset="0"/>
@@ -8260,6 +8696,9 @@
                             </m:r>
                             <m:r>
                               <a:rPr lang="en-US" altLang="zh-TW" sz="4800" b="0" i="1" dirty="0" smtClean="0">
+                                <a:solidFill>
+                                  <a:schemeClr val="tx1"/>
+                                </a:solidFill>
                                 <a:latin typeface="Cambria Math" charset="0"/>
                                 <a:ea typeface="Cambria Math" charset="0"/>
                                 <a:cs typeface="Cambria Math" charset="0"/>
@@ -8268,6 +8707,9 @@
                             </m:r>
                             <m:r>
                               <a:rPr lang="en-US" altLang="zh-TW" sz="4800" b="0" i="1" dirty="0" smtClean="0">
+                                <a:solidFill>
+                                  <a:schemeClr val="tx1"/>
+                                </a:solidFill>
                                 <a:latin typeface="Cambria Math" charset="0"/>
                                 <a:ea typeface="Cambria Math" charset="0"/>
                                 <a:cs typeface="Cambria Math" charset="0"/>
@@ -8278,6 +8720,9 @@
                           <m:sup>
                             <m:r>
                               <a:rPr lang="en-US" altLang="zh-TW" sz="4800" b="0" i="1" dirty="0" smtClean="0">
+                                <a:solidFill>
+                                  <a:schemeClr val="tx1"/>
+                                </a:solidFill>
                                 <a:latin typeface="Cambria Math" charset="0"/>
                                 <a:ea typeface="Cambria Math" charset="0"/>
                                 <a:cs typeface="Cambria Math" charset="0"/>
@@ -8291,6 +8736,9 @@
                   </m:oMath>
                 </a14:m>
                 <a:endParaRPr lang="en-US" altLang="zh-TW" sz="4800" b="0" dirty="0" smtClean="0">
+                  <a:solidFill>
+                    <a:schemeClr val="tx1"/>
+                  </a:solidFill>
                   <a:ea typeface="Cambria Math" charset="0"/>
                   <a:cs typeface="Cambria Math" charset="0"/>
                 </a:endParaRPr>
@@ -8299,22 +8747,12 @@
                 <a:r>
                   <a:rPr lang="en-US" altLang="zh-TW" sz="4800" b="1" dirty="0" smtClean="0">
                     <a:solidFill>
-                      <a:schemeClr val="accent2"/>
+                      <a:schemeClr val="tx1"/>
                     </a:solidFill>
                     <a:latin typeface="Arial" pitchFamily="34" charset="0"/>
                     <a:cs typeface="Arial" pitchFamily="34" charset="0"/>
                   </a:rPr>
-                  <a:t>3.Soft </a:t>
-                </a:r>
-                <a:r>
-                  <a:rPr lang="en-US" altLang="zh-TW" sz="4800" b="1" dirty="0" smtClean="0">
-                    <a:solidFill>
-                      <a:schemeClr val="accent2"/>
-                    </a:solidFill>
-                    <a:latin typeface="Arial" pitchFamily="34" charset="0"/>
-                    <a:cs typeface="Arial" pitchFamily="34" charset="0"/>
-                  </a:rPr>
-                  <a:t>drop:</a:t>
+                  <a:t>3.Soft drop:</a:t>
                 </a:r>
               </a:p>
               <a:p>
@@ -8330,7 +8768,7 @@
                           <m:ctrlPr>
                             <a:rPr lang="mr-IN" altLang="zh-TW" sz="4000" b="1" i="1" smtClean="0">
                               <a:solidFill>
-                                <a:schemeClr val="accent2"/>
+                                <a:schemeClr val="tx1"/>
                               </a:solidFill>
                               <a:latin typeface="Cambria Math" charset="0"/>
                               <a:cs typeface="Arial" pitchFamily="34" charset="0"/>
@@ -8341,7 +8779,7 @@
                           <m:r>
                             <a:rPr lang="en-US" altLang="zh-TW" sz="4000" b="1" i="1" smtClean="0">
                               <a:solidFill>
-                                <a:schemeClr val="accent2"/>
+                                <a:schemeClr val="tx1"/>
                               </a:solidFill>
                               <a:latin typeface="Cambria Math" charset="0"/>
                               <a:cs typeface="Arial" pitchFamily="34" charset="0"/>
@@ -8351,7 +8789,7 @@
                           <m:r>
                             <a:rPr lang="en-US" altLang="zh-TW" sz="4000" b="1" i="1" smtClean="0">
                               <a:solidFill>
-                                <a:schemeClr val="accent2"/>
+                                <a:schemeClr val="tx1"/>
                               </a:solidFill>
                               <a:latin typeface="Cambria Math" charset="0"/>
                               <a:cs typeface="Arial" pitchFamily="34" charset="0"/>
@@ -8363,7 +8801,7 @@
                               <m:ctrlPr>
                                 <a:rPr lang="en-US" altLang="zh-TW" sz="4000" b="1" i="1" smtClean="0">
                                   <a:solidFill>
-                                    <a:schemeClr val="accent2"/>
+                                    <a:schemeClr val="tx1"/>
                                   </a:solidFill>
                                   <a:latin typeface="Cambria Math" charset="0"/>
                                   <a:cs typeface="Arial" pitchFamily="34" charset="0"/>
@@ -8374,7 +8812,7 @@
                               <m:r>
                                 <a:rPr lang="en-US" altLang="zh-TW" sz="4000" b="1" i="1" smtClean="0">
                                   <a:solidFill>
-                                    <a:schemeClr val="accent2"/>
+                                    <a:schemeClr val="tx1"/>
                                   </a:solidFill>
                                   <a:latin typeface="Cambria Math" charset="0"/>
                                   <a:cs typeface="Arial" pitchFamily="34" charset="0"/>
@@ -8386,7 +8824,7 @@
                               <m:r>
                                 <a:rPr lang="en-US" altLang="zh-TW" sz="4000" b="1" i="1" smtClean="0">
                                   <a:solidFill>
-                                    <a:schemeClr val="accent2"/>
+                                    <a:schemeClr val="tx1"/>
                                   </a:solidFill>
                                   <a:latin typeface="Cambria Math" charset="0"/>
                                   <a:cs typeface="Arial" pitchFamily="34" charset="0"/>
@@ -8396,7 +8834,7 @@
                               <m:r>
                                 <a:rPr lang="en-US" altLang="zh-TW" sz="4000" b="1" i="1" smtClean="0">
                                   <a:solidFill>
-                                    <a:schemeClr val="accent2"/>
+                                    <a:schemeClr val="tx1"/>
                                   </a:solidFill>
                                   <a:latin typeface="Cambria Math" charset="0"/>
                                   <a:cs typeface="Arial" pitchFamily="34" charset="0"/>
@@ -8406,7 +8844,7 @@
                               <m:r>
                                 <a:rPr lang="en-US" altLang="zh-TW" sz="4000" b="1" i="1" smtClean="0">
                                   <a:solidFill>
-                                    <a:schemeClr val="accent2"/>
+                                    <a:schemeClr val="tx1"/>
                                   </a:solidFill>
                                   <a:latin typeface="Cambria Math" charset="0"/>
                                   <a:cs typeface="Arial" pitchFamily="34" charset="0"/>
@@ -8420,7 +8858,7 @@
                               <m:ctrlPr>
                                 <a:rPr lang="en-US" altLang="zh-TW" sz="4000" b="1" i="1" smtClean="0">
                                   <a:solidFill>
-                                    <a:schemeClr val="accent2"/>
+                                    <a:schemeClr val="tx1"/>
                                   </a:solidFill>
                                   <a:latin typeface="Cambria Math" charset="0"/>
                                   <a:cs typeface="Arial" pitchFamily="34" charset="0"/>
@@ -8431,7 +8869,7 @@
                               <m:r>
                                 <a:rPr lang="en-US" altLang="zh-TW" sz="4000" b="1" i="1" smtClean="0">
                                   <a:solidFill>
-                                    <a:schemeClr val="accent2"/>
+                                    <a:schemeClr val="tx1"/>
                                   </a:solidFill>
                                   <a:latin typeface="Cambria Math" charset="0"/>
                                   <a:cs typeface="Arial" pitchFamily="34" charset="0"/>
@@ -8443,7 +8881,7 @@
                               <m:r>
                                 <a:rPr lang="en-US" altLang="zh-TW" sz="4000" b="1" i="1" smtClean="0">
                                   <a:solidFill>
-                                    <a:schemeClr val="accent2"/>
+                                    <a:schemeClr val="tx1"/>
                                   </a:solidFill>
                                   <a:latin typeface="Cambria Math" charset="0"/>
                                   <a:cs typeface="Arial" pitchFamily="34" charset="0"/>
@@ -8453,7 +8891,7 @@
                               <m:r>
                                 <a:rPr lang="en-US" altLang="zh-TW" sz="4000" b="1" i="1" smtClean="0">
                                   <a:solidFill>
-                                    <a:schemeClr val="accent2"/>
+                                    <a:schemeClr val="tx1"/>
                                   </a:solidFill>
                                   <a:latin typeface="Cambria Math" charset="0"/>
                                   <a:cs typeface="Arial" pitchFamily="34" charset="0"/>
@@ -8465,7 +8903,7 @@
                           <m:r>
                             <a:rPr lang="en-US" altLang="zh-TW" sz="4000" b="1" i="1" smtClean="0">
                               <a:solidFill>
-                                <a:schemeClr val="accent2"/>
+                                <a:schemeClr val="tx1"/>
                               </a:solidFill>
                               <a:latin typeface="Cambria Math" charset="0"/>
                               <a:cs typeface="Arial" pitchFamily="34" charset="0"/>
@@ -8479,7 +8917,7 @@
                               <m:ctrlPr>
                                 <a:rPr lang="en-US" altLang="zh-TW" sz="4000" b="1" i="1" smtClean="0">
                                   <a:solidFill>
-                                    <a:schemeClr val="accent2"/>
+                                    <a:schemeClr val="tx1"/>
                                   </a:solidFill>
                                   <a:latin typeface="Cambria Math" charset="0"/>
                                   <a:cs typeface="Arial" pitchFamily="34" charset="0"/>
@@ -8490,7 +8928,7 @@
                               <m:r>
                                 <a:rPr lang="en-US" altLang="zh-TW" sz="4000" b="1" i="1" smtClean="0">
                                   <a:solidFill>
-                                    <a:schemeClr val="accent2"/>
+                                    <a:schemeClr val="tx1"/>
                                   </a:solidFill>
                                   <a:latin typeface="Cambria Math" charset="0"/>
                                   <a:cs typeface="Arial" pitchFamily="34" charset="0"/>
@@ -8502,7 +8940,7 @@
                               <m:r>
                                 <a:rPr lang="en-US" altLang="zh-TW" sz="4000" b="1" i="1" smtClean="0">
                                   <a:solidFill>
-                                    <a:schemeClr val="accent2"/>
+                                    <a:schemeClr val="tx1"/>
                                   </a:solidFill>
                                   <a:latin typeface="Cambria Math" charset="0"/>
                                   <a:cs typeface="Arial" pitchFamily="34" charset="0"/>
@@ -8512,7 +8950,7 @@
                               <m:r>
                                 <a:rPr lang="en-US" altLang="zh-TW" sz="4000" b="1" i="1" smtClean="0">
                                   <a:solidFill>
-                                    <a:schemeClr val="accent2"/>
+                                    <a:schemeClr val="tx1"/>
                                   </a:solidFill>
                                   <a:latin typeface="Cambria Math" charset="0"/>
                                   <a:cs typeface="Arial" pitchFamily="34" charset="0"/>
@@ -8524,7 +8962,7 @@
                           <m:r>
                             <a:rPr lang="en-US" altLang="zh-TW" sz="4000" b="1" i="1" smtClean="0">
                               <a:solidFill>
-                                <a:schemeClr val="accent2"/>
+                                <a:schemeClr val="tx1"/>
                               </a:solidFill>
                               <a:latin typeface="Cambria Math" charset="0"/>
                               <a:cs typeface="Arial" pitchFamily="34" charset="0"/>
@@ -8536,7 +8974,7 @@
                               <m:ctrlPr>
                                 <a:rPr lang="en-US" altLang="zh-TW" sz="4000" b="1" i="1" smtClean="0">
                                   <a:solidFill>
-                                    <a:schemeClr val="accent2"/>
+                                    <a:schemeClr val="tx1"/>
                                   </a:solidFill>
                                   <a:latin typeface="Cambria Math" charset="0"/>
                                   <a:cs typeface="Arial" pitchFamily="34" charset="0"/>
@@ -8547,7 +8985,7 @@
                               <m:r>
                                 <a:rPr lang="en-US" altLang="zh-TW" sz="4000" b="1" i="1" smtClean="0">
                                   <a:solidFill>
-                                    <a:schemeClr val="accent2"/>
+                                    <a:schemeClr val="tx1"/>
                                   </a:solidFill>
                                   <a:latin typeface="Cambria Math" charset="0"/>
                                   <a:cs typeface="Arial" pitchFamily="34" charset="0"/>
@@ -8559,7 +8997,7 @@
                               <m:r>
                                 <a:rPr lang="en-US" altLang="zh-TW" sz="4000" b="1" i="1" smtClean="0">
                                   <a:solidFill>
-                                    <a:schemeClr val="accent2"/>
+                                    <a:schemeClr val="tx1"/>
                                   </a:solidFill>
                                   <a:latin typeface="Cambria Math" charset="0"/>
                                   <a:cs typeface="Arial" pitchFamily="34" charset="0"/>
@@ -8569,7 +9007,7 @@
                               <m:r>
                                 <a:rPr lang="en-US" altLang="zh-TW" sz="4000" b="1" i="1" smtClean="0">
                                   <a:solidFill>
-                                    <a:schemeClr val="accent2"/>
+                                    <a:schemeClr val="tx1"/>
                                   </a:solidFill>
                                   <a:latin typeface="Cambria Math" charset="0"/>
                                   <a:cs typeface="Arial" pitchFamily="34" charset="0"/>
@@ -8583,7 +9021,7 @@
                       <m:r>
                         <a:rPr lang="en-US" altLang="zh-TW" sz="4000" b="1" i="1" smtClean="0">
                           <a:solidFill>
-                            <a:schemeClr val="accent2"/>
+                            <a:schemeClr val="tx1"/>
                           </a:solidFill>
                           <a:latin typeface="Cambria Math" charset="0"/>
                           <a:cs typeface="Arial" pitchFamily="34" charset="0"/>
@@ -8595,7 +9033,7 @@
                           <m:ctrlPr>
                             <a:rPr lang="en-US" altLang="zh-TW" sz="4000" b="1" i="1" smtClean="0">
                               <a:solidFill>
-                                <a:schemeClr val="accent2"/>
+                                <a:schemeClr val="tx1"/>
                               </a:solidFill>
                               <a:latin typeface="Cambria Math" charset="0"/>
                               <a:cs typeface="Arial" pitchFamily="34" charset="0"/>
@@ -8606,7 +9044,7 @@
                           <m:r>
                             <a:rPr lang="en-US" altLang="zh-TW" sz="4000" b="1" i="1" smtClean="0">
                               <a:solidFill>
-                                <a:schemeClr val="accent2"/>
+                                <a:schemeClr val="tx1"/>
                               </a:solidFill>
                               <a:latin typeface="Cambria Math" charset="0"/>
                               <a:cs typeface="Arial" pitchFamily="34" charset="0"/>
@@ -8618,7 +9056,7 @@
                           <m:r>
                             <a:rPr lang="en-US" altLang="zh-TW" sz="4000" b="1" i="1" smtClean="0">
                               <a:solidFill>
-                                <a:schemeClr val="accent2"/>
+                                <a:schemeClr val="tx1"/>
                               </a:solidFill>
                               <a:latin typeface="Cambria Math" charset="0"/>
                               <a:cs typeface="Arial" pitchFamily="34" charset="0"/>
@@ -8632,7 +9070,7 @@
                           <m:ctrlPr>
                             <a:rPr lang="en-US" altLang="zh-TW" sz="4000" b="1" i="1" smtClean="0">
                               <a:solidFill>
-                                <a:schemeClr val="accent2"/>
+                                <a:schemeClr val="tx1"/>
                               </a:solidFill>
                               <a:latin typeface="Cambria Math" charset="0"/>
                               <a:cs typeface="Arial" pitchFamily="34" charset="0"/>
@@ -8643,7 +9081,7 @@
                           <m:r>
                             <a:rPr lang="en-US" altLang="zh-TW" sz="4000" b="1" i="1" smtClean="0">
                               <a:solidFill>
-                                <a:schemeClr val="accent2"/>
+                                <a:schemeClr val="tx1"/>
                               </a:solidFill>
                               <a:latin typeface="Cambria Math" charset="0"/>
                               <a:cs typeface="Arial" pitchFamily="34" charset="0"/>
@@ -8655,7 +9093,7 @@
                               <m:ctrlPr>
                                 <a:rPr lang="mr-IN" altLang="zh-TW" sz="4000" b="1" i="1" smtClean="0">
                                   <a:solidFill>
-                                    <a:schemeClr val="accent2"/>
+                                    <a:schemeClr val="tx1"/>
                                   </a:solidFill>
                                   <a:latin typeface="Cambria Math" charset="0"/>
                                   <a:cs typeface="Arial" pitchFamily="34" charset="0"/>
@@ -8666,7 +9104,7 @@
                               <m:r>
                                 <a:rPr lang="mr-IN" altLang="zh-TW" sz="4000" b="1" i="1" smtClean="0">
                                   <a:solidFill>
-                                    <a:schemeClr val="accent2"/>
+                                    <a:schemeClr val="tx1"/>
                                   </a:solidFill>
                                   <a:latin typeface="Cambria Math" charset="0"/>
                                   <a:ea typeface="Cambria Math" charset="0"/>
@@ -8679,7 +9117,7 @@
                                   <m:ctrlPr>
                                     <a:rPr lang="en-US" altLang="zh-TW" sz="4000" b="1" i="1" smtClean="0">
                                       <a:solidFill>
-                                        <a:schemeClr val="accent2"/>
+                                        <a:schemeClr val="tx1"/>
                                       </a:solidFill>
                                       <a:latin typeface="Cambria Math" charset="0"/>
                                       <a:ea typeface="Cambria Math" charset="0"/>
@@ -8691,7 +9129,7 @@
                                   <m:r>
                                     <a:rPr lang="en-US" altLang="zh-TW" sz="4000" b="1" i="1" smtClean="0">
                                       <a:solidFill>
-                                        <a:schemeClr val="accent2"/>
+                                        <a:schemeClr val="tx1"/>
                                       </a:solidFill>
                                       <a:latin typeface="Cambria Math" charset="0"/>
                                       <a:ea typeface="Cambria Math" charset="0"/>
@@ -8704,7 +9142,7 @@
                                   <m:r>
                                     <a:rPr lang="en-US" altLang="zh-TW" sz="4000" b="1" i="1" smtClean="0">
                                       <a:solidFill>
-                                        <a:schemeClr val="accent2"/>
+                                        <a:schemeClr val="tx1"/>
                                       </a:solidFill>
                                       <a:latin typeface="Cambria Math" charset="0"/>
                                       <a:ea typeface="Cambria Math" charset="0"/>
@@ -8721,7 +9159,7 @@
                                   <m:ctrlPr>
                                     <a:rPr lang="en-US" altLang="zh-TW" sz="4000" b="1" i="1" smtClean="0">
                                       <a:solidFill>
-                                        <a:schemeClr val="accent2"/>
+                                        <a:schemeClr val="tx1"/>
                                       </a:solidFill>
                                       <a:latin typeface="Cambria Math" charset="0"/>
                                       <a:cs typeface="Arial" pitchFamily="34" charset="0"/>
@@ -8732,7 +9170,7 @@
                                   <m:r>
                                     <a:rPr lang="en-US" altLang="zh-TW" sz="4000" b="1" i="1" smtClean="0">
                                       <a:solidFill>
-                                        <a:schemeClr val="accent2"/>
+                                        <a:schemeClr val="tx1"/>
                                       </a:solidFill>
                                       <a:latin typeface="Cambria Math" charset="0"/>
                                       <a:cs typeface="Arial" pitchFamily="34" charset="0"/>
@@ -8744,7 +9182,7 @@
                                   <m:r>
                                     <a:rPr lang="en-US" altLang="zh-TW" sz="4000" b="1" i="1" smtClean="0">
                                       <a:solidFill>
-                                        <a:schemeClr val="accent2"/>
+                                        <a:schemeClr val="tx1"/>
                                       </a:solidFill>
                                       <a:latin typeface="Cambria Math" charset="0"/>
                                       <a:cs typeface="Arial" pitchFamily="34" charset="0"/>
@@ -8758,7 +9196,7 @@
                           <m:r>
                             <a:rPr lang="en-US" altLang="zh-TW" sz="4000" b="1" i="1" smtClean="0">
                               <a:solidFill>
-                                <a:schemeClr val="accent2"/>
+                                <a:schemeClr val="tx1"/>
                               </a:solidFill>
                               <a:latin typeface="Cambria Math" charset="0"/>
                               <a:cs typeface="Arial" pitchFamily="34" charset="0"/>
@@ -8770,7 +9208,7 @@
                           <m:r>
                             <a:rPr lang="en-US" altLang="zh-TW" sz="4000" b="1" i="1" smtClean="0">
                               <a:solidFill>
-                                <a:schemeClr val="accent2"/>
+                                <a:schemeClr val="tx1"/>
                               </a:solidFill>
                               <a:latin typeface="Cambria Math" charset="0"/>
                               <a:ea typeface="Cambria Math" charset="0"/>
@@ -8785,17 +9223,16 @@
                 </a14:m>
                 <a:endParaRPr lang="en-US" altLang="zh-TW" sz="4000" b="1" dirty="0" smtClean="0">
                   <a:solidFill>
-                    <a:schemeClr val="accent2"/>
+                    <a:schemeClr val="tx1"/>
                   </a:solidFill>
                   <a:latin typeface="Arial" pitchFamily="34" charset="0"/>
                   <a:cs typeface="Arial" pitchFamily="34" charset="0"/>
                 </a:endParaRPr>
               </a:p>
               <a:p>
-                <a:pPr/>
                 <a:endParaRPr lang="en-US" altLang="zh-TW" sz="4800" b="1" i="1" dirty="0">
                   <a:solidFill>
-                    <a:schemeClr val="accent2"/>
+                    <a:schemeClr val="tx1"/>
                   </a:solidFill>
                   <a:latin typeface="Cambria Math" charset="0"/>
                   <a:ea typeface="Cambria Math" charset="0"/>
@@ -8813,7 +9250,7 @@
                       <m:r>
                         <a:rPr lang="en-US" altLang="zh-TW" sz="4000" b="1" i="1" smtClean="0">
                           <a:solidFill>
-                            <a:schemeClr val="accent2"/>
+                            <a:schemeClr val="tx1"/>
                           </a:solidFill>
                           <a:latin typeface="Cambria Math" charset="0"/>
                           <a:ea typeface="Cambria Math" charset="0"/>
@@ -8824,7 +9261,7 @@
                       <m:r>
                         <a:rPr lang="en-US" altLang="zh-TW" sz="4000" b="1" i="1" smtClean="0">
                           <a:solidFill>
-                            <a:schemeClr val="accent2"/>
+                            <a:schemeClr val="tx1"/>
                           </a:solidFill>
                           <a:latin typeface="Cambria Math" charset="0"/>
                           <a:ea typeface="Cambria Math" charset="0"/>
@@ -8835,7 +9272,7 @@
                       <m:r>
                         <a:rPr lang="en-US" altLang="zh-TW" sz="4000" b="1" i="1" smtClean="0">
                           <a:solidFill>
-                            <a:schemeClr val="accent2"/>
+                            <a:schemeClr val="tx1"/>
                           </a:solidFill>
                           <a:latin typeface="Cambria Math" charset="0"/>
                           <a:ea typeface="Cambria Math" charset="0"/>
@@ -8846,7 +9283,7 @@
                       <m:r>
                         <a:rPr lang="en-US" altLang="zh-TW" sz="4000" b="1" i="1" smtClean="0">
                           <a:solidFill>
-                            <a:schemeClr val="accent2"/>
+                            <a:schemeClr val="tx1"/>
                           </a:solidFill>
                           <a:latin typeface="Cambria Math" charset="0"/>
                           <a:ea typeface="Cambria Math" charset="0"/>
@@ -8857,7 +9294,7 @@
                       <m:r>
                         <a:rPr lang="en-US" altLang="zh-TW" sz="4000" b="1" i="1" smtClean="0">
                           <a:solidFill>
-                            <a:schemeClr val="accent2"/>
+                            <a:schemeClr val="tx1"/>
                           </a:solidFill>
                           <a:latin typeface="Cambria Math" charset="0"/>
                           <a:ea typeface="Cambria Math" charset="0"/>
@@ -8868,7 +9305,7 @@
                       <m:r>
                         <a:rPr lang="zh-TW" altLang="en-US" sz="4000" b="1" i="1" smtClean="0">
                           <a:solidFill>
-                            <a:schemeClr val="accent2"/>
+                            <a:schemeClr val="tx1"/>
                           </a:solidFill>
                           <a:latin typeface="Cambria Math" charset="0"/>
                           <a:ea typeface="Cambria Math" charset="0"/>
@@ -8881,7 +9318,7 @@
                           <m:ctrlPr>
                             <a:rPr lang="en-US" altLang="zh-TW" sz="4000" b="1" i="1" smtClean="0">
                               <a:solidFill>
-                                <a:schemeClr val="accent2"/>
+                                <a:schemeClr val="tx1"/>
                               </a:solidFill>
                               <a:latin typeface="Cambria Math" charset="0"/>
                               <a:ea typeface="Cambria Math" charset="0"/>
@@ -8893,7 +9330,7 @@
                           <m:r>
                             <a:rPr lang="en-US" altLang="zh-TW" sz="4000" b="1" i="1" smtClean="0">
                               <a:solidFill>
-                                <a:schemeClr val="accent2"/>
+                                <a:schemeClr val="tx1"/>
                               </a:solidFill>
                               <a:latin typeface="Cambria Math" charset="0"/>
                               <a:ea typeface="Cambria Math" charset="0"/>
@@ -8906,7 +9343,7 @@
                       <m:r>
                         <a:rPr lang="en-US" altLang="zh-TW" sz="4000" b="1" i="1" smtClean="0">
                           <a:solidFill>
-                            <a:schemeClr val="accent2"/>
+                            <a:schemeClr val="tx1"/>
                           </a:solidFill>
                           <a:latin typeface="Cambria Math" charset="0"/>
                           <a:ea typeface="Cambria Math" charset="0"/>
@@ -8917,7 +9354,7 @@
                       <m:r>
                         <a:rPr lang="zh-TW" altLang="en-US" sz="4000" b="1" i="1" smtClean="0">
                           <a:solidFill>
-                            <a:schemeClr val="accent2"/>
+                            <a:schemeClr val="tx1"/>
                           </a:solidFill>
                           <a:latin typeface="Cambria Math" charset="0"/>
                           <a:ea typeface="Cambria Math" charset="0"/>
@@ -8928,7 +9365,7 @@
                       <m:r>
                         <a:rPr lang="en-US" altLang="zh-TW" sz="4000" b="1" i="1" smtClean="0">
                           <a:solidFill>
-                            <a:schemeClr val="accent2"/>
+                            <a:schemeClr val="tx1"/>
                           </a:solidFill>
                           <a:latin typeface="Cambria Math" charset="0"/>
                           <a:ea typeface="Cambria Math" charset="0"/>
@@ -8941,7 +9378,7 @@
                           <m:ctrlPr>
                             <a:rPr lang="en-US" altLang="zh-TW" sz="4000" b="1" i="1" smtClean="0">
                               <a:solidFill>
-                                <a:schemeClr val="accent2"/>
+                                <a:schemeClr val="tx1"/>
                               </a:solidFill>
                               <a:latin typeface="Cambria Math" charset="0"/>
                               <a:ea typeface="Cambria Math" charset="0"/>
@@ -8953,7 +9390,7 @@
                           <m:r>
                             <a:rPr lang="en-US" altLang="zh-TW" sz="4000" b="1" i="1" smtClean="0">
                               <a:solidFill>
-                                <a:schemeClr val="accent2"/>
+                                <a:schemeClr val="tx1"/>
                               </a:solidFill>
                               <a:latin typeface="Cambria Math" charset="0"/>
                               <a:ea typeface="Cambria Math" charset="0"/>
@@ -8964,7 +9401,7 @@
                           <m:r>
                             <a:rPr lang="en-US" altLang="zh-TW" sz="4000" b="1" i="1" smtClean="0">
                               <a:solidFill>
-                                <a:schemeClr val="accent2"/>
+                                <a:schemeClr val="tx1"/>
                               </a:solidFill>
                               <a:latin typeface="Cambria Math" charset="0"/>
                               <a:ea typeface="Cambria Math" charset="0"/>
@@ -8975,7 +9412,7 @@
                           <m:r>
                             <a:rPr lang="en-US" altLang="zh-TW" sz="4000" b="1" i="1" smtClean="0">
                               <a:solidFill>
-                                <a:schemeClr val="accent2"/>
+                                <a:schemeClr val="tx1"/>
                               </a:solidFill>
                               <a:latin typeface="Cambria Math" charset="0"/>
                               <a:ea typeface="Cambria Math" charset="0"/>
@@ -8990,7 +9427,7 @@
                 </a14:m>
                 <a:endParaRPr lang="en-US" altLang="zh-TW" sz="4000" b="1" dirty="0" smtClean="0">
                   <a:solidFill>
-                    <a:schemeClr val="accent2"/>
+                    <a:schemeClr val="tx1"/>
                   </a:solidFill>
                   <a:latin typeface="Arial" pitchFamily="34" charset="0"/>
                   <a:ea typeface="Cambria Math" charset="0"/>
@@ -9008,7 +9445,7 @@
                       <m:r>
                         <a:rPr lang="en-US" altLang="zh-TW" sz="4000" b="1" i="1" smtClean="0">
                           <a:solidFill>
-                            <a:schemeClr val="accent2"/>
+                            <a:schemeClr val="tx1"/>
                           </a:solidFill>
                           <a:latin typeface="Cambria Math" charset="0"/>
                           <a:ea typeface="Cambria Math" charset="0"/>
@@ -9019,7 +9456,7 @@
                       <m:r>
                         <a:rPr lang="en-US" altLang="zh-TW" sz="4000" b="1" i="1" smtClean="0">
                           <a:solidFill>
-                            <a:schemeClr val="accent2"/>
+                            <a:schemeClr val="tx1"/>
                           </a:solidFill>
                           <a:latin typeface="Cambria Math" charset="0"/>
                           <a:ea typeface="Cambria Math" charset="0"/>
@@ -9030,7 +9467,7 @@
                       <m:r>
                         <a:rPr lang="en-US" altLang="zh-TW" sz="4000" b="1" i="1" smtClean="0">
                           <a:solidFill>
-                            <a:schemeClr val="accent2"/>
+                            <a:schemeClr val="tx1"/>
                           </a:solidFill>
                           <a:latin typeface="Cambria Math" charset="0"/>
                           <a:ea typeface="Cambria Math" charset="0"/>
@@ -9041,7 +9478,7 @@
                       <m:r>
                         <a:rPr lang="en-US" altLang="zh-TW" sz="4000" b="1" i="1" smtClean="0">
                           <a:solidFill>
-                            <a:schemeClr val="accent2"/>
+                            <a:schemeClr val="tx1"/>
                           </a:solidFill>
                           <a:latin typeface="Cambria Math" charset="0"/>
                           <a:ea typeface="Cambria Math" charset="0"/>
@@ -9052,7 +9489,7 @@
                       <m:r>
                         <a:rPr lang="en-US" altLang="zh-TW" sz="4000" b="1" i="1" smtClean="0">
                           <a:solidFill>
-                            <a:schemeClr val="accent2"/>
+                            <a:schemeClr val="tx1"/>
                           </a:solidFill>
                           <a:latin typeface="Cambria Math" charset="0"/>
                           <a:ea typeface="Cambria Math" charset="0"/>
@@ -9063,7 +9500,7 @@
                       <m:r>
                         <a:rPr lang="zh-TW" altLang="en-US" sz="4000" b="1" i="1" smtClean="0">
                           <a:solidFill>
-                            <a:schemeClr val="accent2"/>
+                            <a:schemeClr val="tx1"/>
                           </a:solidFill>
                           <a:latin typeface="Cambria Math" charset="0"/>
                           <a:ea typeface="Cambria Math" charset="0"/>
@@ -9074,7 +9511,7 @@
                       <m:r>
                         <a:rPr lang="en-US" altLang="zh-TW" sz="4000" b="1" i="1" smtClean="0">
                           <a:solidFill>
-                            <a:schemeClr val="accent2"/>
+                            <a:schemeClr val="tx1"/>
                           </a:solidFill>
                           <a:latin typeface="Cambria Math" charset="0"/>
                           <a:ea typeface="Cambria Math" charset="0"/>
@@ -9085,7 +9522,7 @@
                       <m:r>
                         <a:rPr lang="zh-TW" altLang="en-US" sz="4000" b="1" i="1" smtClean="0">
                           <a:solidFill>
-                            <a:schemeClr val="accent2"/>
+                            <a:schemeClr val="tx1"/>
                           </a:solidFill>
                           <a:latin typeface="Cambria Math" charset="0"/>
                           <a:ea typeface="Cambria Math" charset="0"/>
@@ -9096,7 +9533,7 @@
                       <m:r>
                         <a:rPr lang="en-US" altLang="zh-TW" sz="4000" b="1" i="1" smtClean="0">
                           <a:solidFill>
-                            <a:schemeClr val="accent2"/>
+                            <a:schemeClr val="tx1"/>
                           </a:solidFill>
                           <a:latin typeface="Cambria Math" charset="0"/>
                           <a:ea typeface="Cambria Math" charset="0"/>
@@ -9107,7 +9544,7 @@
                       <m:r>
                         <a:rPr lang="zh-TW" altLang="en-US" sz="4000" b="1" i="1" smtClean="0">
                           <a:solidFill>
-                            <a:schemeClr val="accent2"/>
+                            <a:schemeClr val="tx1"/>
                           </a:solidFill>
                           <a:latin typeface="Cambria Math" charset="0"/>
                           <a:ea typeface="Cambria Math" charset="0"/>
@@ -9118,7 +9555,7 @@
                       <m:r>
                         <a:rPr lang="en-US" altLang="zh-TW" sz="4000" b="1" i="1" smtClean="0">
                           <a:solidFill>
-                            <a:schemeClr val="accent2"/>
+                            <a:schemeClr val="tx1"/>
                           </a:solidFill>
                           <a:latin typeface="Cambria Math" charset="0"/>
                           <a:ea typeface="Cambria Math" charset="0"/>
@@ -9129,7 +9566,7 @@
                       <m:r>
                         <a:rPr lang="en-US" altLang="zh-TW" sz="4000" b="1" i="0" smtClean="0">
                           <a:solidFill>
-                            <a:schemeClr val="accent2"/>
+                            <a:schemeClr val="tx1"/>
                           </a:solidFill>
                           <a:latin typeface="Cambria Math" charset="0"/>
                           <a:ea typeface="Cambria Math" charset="0"/>
@@ -9140,7 +9577,7 @@
                       <m:r>
                         <a:rPr lang="en-US" altLang="zh-TW" sz="4000" b="1" i="0" smtClean="0">
                           <a:solidFill>
-                            <a:schemeClr val="accent2"/>
+                            <a:schemeClr val="tx1"/>
                           </a:solidFill>
                           <a:latin typeface="Cambria Math" charset="0"/>
                           <a:ea typeface="Cambria Math" charset="0"/>
@@ -9151,7 +9588,7 @@
                       <m:r>
                         <a:rPr lang="en-US" altLang="zh-TW" sz="4000" b="1" i="0" smtClean="0">
                           <a:solidFill>
-                            <a:schemeClr val="accent2"/>
+                            <a:schemeClr val="tx1"/>
                           </a:solidFill>
                           <a:latin typeface="Cambria Math" charset="0"/>
                           <a:ea typeface="Cambria Math" charset="0"/>
@@ -9162,7 +9599,7 @@
                       <m:r>
                         <a:rPr lang="en-US" altLang="zh-TW" sz="4000" b="1" i="0" smtClean="0">
                           <a:solidFill>
-                            <a:schemeClr val="accent2"/>
+                            <a:schemeClr val="tx1"/>
                           </a:solidFill>
                           <a:latin typeface="Cambria Math" charset="0"/>
                           <a:ea typeface="Cambria Math" charset="0"/>
@@ -9173,7 +9610,7 @@
                       <m:r>
                         <a:rPr lang="en-US" altLang="zh-TW" sz="4000" b="1" i="0" smtClean="0">
                           <a:solidFill>
-                            <a:schemeClr val="accent2"/>
+                            <a:schemeClr val="tx1"/>
                           </a:solidFill>
                           <a:latin typeface="Cambria Math" charset="0"/>
                           <a:ea typeface="Cambria Math" charset="0"/>
@@ -9184,7 +9621,7 @@
                       <m:r>
                         <a:rPr lang="en-US" altLang="zh-TW" sz="4000" b="1" i="0" smtClean="0">
                           <a:solidFill>
-                            <a:schemeClr val="accent2"/>
+                            <a:schemeClr val="tx1"/>
                           </a:solidFill>
                           <a:latin typeface="Cambria Math" charset="0"/>
                           <a:ea typeface="Cambria Math" charset="0"/>
@@ -9195,7 +9632,7 @@
                       <m:r>
                         <a:rPr lang="en-US" altLang="zh-TW" sz="4000" b="1" i="0" smtClean="0">
                           <a:solidFill>
-                            <a:schemeClr val="accent2"/>
+                            <a:schemeClr val="tx1"/>
                           </a:solidFill>
                           <a:latin typeface="Cambria Math" charset="0"/>
                           <a:ea typeface="Cambria Math" charset="0"/>
@@ -9206,7 +9643,7 @@
                       <m:r>
                         <a:rPr lang="en-US" altLang="zh-TW" sz="4000" b="1" i="0" smtClean="0">
                           <a:solidFill>
-                            <a:schemeClr val="accent2"/>
+                            <a:schemeClr val="tx1"/>
                           </a:solidFill>
                           <a:latin typeface="Cambria Math" charset="0"/>
                           <a:ea typeface="Cambria Math" charset="0"/>
@@ -9219,7 +9656,7 @@
                 </a14:m>
                 <a:endParaRPr lang="en-US" altLang="zh-TW" sz="4000" b="1" dirty="0" smtClean="0">
                   <a:solidFill>
-                    <a:schemeClr val="accent2"/>
+                    <a:schemeClr val="tx1"/>
                   </a:solidFill>
                   <a:latin typeface="Arial" pitchFamily="34" charset="0"/>
                   <a:cs typeface="Arial" pitchFamily="34" charset="0"/>
@@ -9236,7 +9673,7 @@
                       <m:r>
                         <a:rPr lang="en-US" altLang="zh-TW" sz="4000" b="1" i="1" smtClean="0">
                           <a:solidFill>
-                            <a:schemeClr val="accent2"/>
+                            <a:schemeClr val="tx1"/>
                           </a:solidFill>
                           <a:latin typeface="Cambria Math" charset="0"/>
                           <a:ea typeface="Cambria Math" charset="0"/>
@@ -9247,7 +9684,7 @@
                       <m:r>
                         <a:rPr lang="en-US" altLang="zh-TW" sz="4000" b="1" i="1" smtClean="0">
                           <a:solidFill>
-                            <a:schemeClr val="accent2"/>
+                            <a:schemeClr val="tx1"/>
                           </a:solidFill>
                           <a:latin typeface="Cambria Math" charset="0"/>
                           <a:ea typeface="Cambria Math" charset="0"/>
@@ -9258,7 +9695,7 @@
                       <m:r>
                         <a:rPr lang="en-US" altLang="zh-TW" sz="4000" b="1" i="1" smtClean="0">
                           <a:solidFill>
-                            <a:schemeClr val="accent2"/>
+                            <a:schemeClr val="tx1"/>
                           </a:solidFill>
                           <a:latin typeface="Cambria Math" charset="0"/>
                           <a:ea typeface="Cambria Math" charset="0"/>
@@ -9269,7 +9706,7 @@
                       <m:r>
                         <a:rPr lang="en-US" altLang="zh-TW" sz="4000" b="1" i="1" smtClean="0">
                           <a:solidFill>
-                            <a:schemeClr val="accent2"/>
+                            <a:schemeClr val="tx1"/>
                           </a:solidFill>
                           <a:latin typeface="Cambria Math" charset="0"/>
                           <a:ea typeface="Cambria Math" charset="0"/>
@@ -9280,7 +9717,7 @@
                       <m:r>
                         <a:rPr lang="en-US" altLang="zh-TW" sz="4000" b="1" i="1" smtClean="0">
                           <a:solidFill>
-                            <a:schemeClr val="accent2"/>
+                            <a:schemeClr val="tx1"/>
                           </a:solidFill>
                           <a:latin typeface="Cambria Math" charset="0"/>
                           <a:ea typeface="Cambria Math" charset="0"/>
@@ -9291,7 +9728,7 @@
                       <m:r>
                         <a:rPr lang="en-US" altLang="zh-TW" sz="4000" b="1" i="1" smtClean="0">
                           <a:solidFill>
-                            <a:schemeClr val="accent2"/>
+                            <a:schemeClr val="tx1"/>
                           </a:solidFill>
                           <a:latin typeface="Cambria Math" charset="0"/>
                           <a:ea typeface="Cambria Math" charset="0"/>
@@ -9302,7 +9739,7 @@
                       <m:r>
                         <a:rPr lang="en-US" altLang="zh-TW" sz="4000" b="1" i="1" smtClean="0">
                           <a:solidFill>
-                            <a:schemeClr val="accent2"/>
+                            <a:schemeClr val="tx1"/>
                           </a:solidFill>
                           <a:latin typeface="Cambria Math" charset="0"/>
                           <a:ea typeface="Cambria Math" charset="0"/>
@@ -9313,7 +9750,7 @@
                       <m:r>
                         <a:rPr lang="en-US" altLang="zh-TW" sz="4000" b="1" i="1" smtClean="0">
                           <a:solidFill>
-                            <a:schemeClr val="accent2"/>
+                            <a:schemeClr val="tx1"/>
                           </a:solidFill>
                           <a:latin typeface="Cambria Math" charset="0"/>
                           <a:ea typeface="Cambria Math" charset="0"/>
@@ -9326,7 +9763,7 @@
                           <m:ctrlPr>
                             <a:rPr lang="en-US" altLang="zh-TW" sz="4000" b="1" i="1" smtClean="0">
                               <a:solidFill>
-                                <a:schemeClr val="accent2"/>
+                                <a:schemeClr val="tx1"/>
                               </a:solidFill>
                               <a:latin typeface="Cambria Math" charset="0"/>
                               <a:ea typeface="Cambria Math" charset="0"/>
@@ -9338,7 +9775,7 @@
                           <m:r>
                             <a:rPr lang="en-US" altLang="zh-TW" sz="4000" b="1" i="1" smtClean="0">
                               <a:solidFill>
-                                <a:schemeClr val="accent2"/>
+                                <a:schemeClr val="tx1"/>
                               </a:solidFill>
                               <a:latin typeface="Cambria Math" charset="0"/>
                               <a:ea typeface="Cambria Math" charset="0"/>
@@ -9351,7 +9788,7 @@
                       <m:r>
                         <a:rPr lang="en-US" altLang="zh-TW" sz="4000" b="1" i="1" smtClean="0">
                           <a:solidFill>
-                            <a:schemeClr val="accent2"/>
+                            <a:schemeClr val="tx1"/>
                           </a:solidFill>
                           <a:latin typeface="Cambria Math" charset="0"/>
                           <a:ea typeface="Cambria Math" charset="0"/>
@@ -9362,7 +9799,7 @@
                       <m:r>
                         <a:rPr lang="en-US" altLang="zh-TW" sz="4000" b="1" i="1" smtClean="0">
                           <a:solidFill>
-                            <a:schemeClr val="accent2"/>
+                            <a:schemeClr val="tx1"/>
                           </a:solidFill>
                           <a:latin typeface="Cambria Math" charset="0"/>
                           <a:ea typeface="Cambria Math" charset="0"/>
@@ -9373,7 +9810,7 @@
                       <m:r>
                         <a:rPr lang="en-US" altLang="zh-TW" sz="4000" b="1" i="1" smtClean="0">
                           <a:solidFill>
-                            <a:schemeClr val="accent2"/>
+                            <a:schemeClr val="tx1"/>
                           </a:solidFill>
                           <a:latin typeface="Cambria Math" charset="0"/>
                           <a:ea typeface="Cambria Math" charset="0"/>
@@ -9384,7 +9821,7 @@
                       <m:r>
                         <a:rPr lang="en-US" altLang="zh-TW" sz="4000" b="1" i="1" smtClean="0">
                           <a:solidFill>
-                            <a:schemeClr val="accent2"/>
+                            <a:schemeClr val="tx1"/>
                           </a:solidFill>
                           <a:latin typeface="Cambria Math" charset="0"/>
                           <a:ea typeface="Cambria Math" charset="0"/>
@@ -9397,7 +9834,7 @@
                 </a14:m>
                 <a:endParaRPr lang="en-US" altLang="zh-TW" sz="4000" b="1" dirty="0">
                   <a:solidFill>
-                    <a:schemeClr val="accent2"/>
+                    <a:schemeClr val="tx1"/>
                   </a:solidFill>
                   <a:latin typeface="Arial" pitchFamily="34" charset="0"/>
                   <a:cs typeface="Arial" pitchFamily="34" charset="0"/>
@@ -9405,7 +9842,11 @@
               </a:p>
               <a:p>
                 <a:pPr algn="ctr"/>
-                <a:endParaRPr lang="zh-TW" altLang="en-US" sz="4800" baseline="-25000" dirty="0"/>
+                <a:endParaRPr lang="zh-TW" altLang="en-US" sz="4800" baseline="-25000" dirty="0">
+                  <a:solidFill>
+                    <a:schemeClr val="tx1"/>
+                  </a:solidFill>
+                </a:endParaRPr>
               </a:p>
             </p:txBody>
           </p:sp>
@@ -9428,7 +9869,7 @@
                 <a:avLst/>
               </a:prstGeom>
               <a:blipFill rotWithShape="0">
-                <a:blip r:embed="rId15"/>
+                <a:blip r:embed="rId23"/>
                 <a:stretch>
                   <a:fillRect l="-1970" t="-1136"/>
                 </a:stretch>
@@ -9459,7 +9900,7 @@
             </p:nvSpPr>
             <p:spPr>
               <a:xfrm>
-                <a:off x="15646236" y="23112753"/>
+                <a:off x="15593340" y="23167468"/>
                 <a:ext cx="14354517" cy="923330"/>
               </a:xfrm>
               <a:prstGeom prst="rect">
@@ -9472,11 +9913,9 @@
               </a:bodyPr>
               <a:lstStyle/>
               <a:p>
+                <a:pPr algn="ctr"/>
                 <a:r>
-                  <a:rPr lang="en-US" altLang="zh-TW" sz="5000" b="1" dirty="0" smtClean="0">
-                    <a:solidFill>
-                      <a:srgbClr val="C0504D"/>
-                    </a:solidFill>
+                  <a:rPr lang="en-US" altLang="zh-TW" sz="5000" b="1" u="sng" dirty="0" smtClean="0">
                     <a:latin typeface="Arial" pitchFamily="34" charset="0"/>
                     <a:cs typeface="Arial" pitchFamily="34" charset="0"/>
                   </a:rPr>
@@ -9485,7 +9924,7 @@
                 <a14:m>
                   <m:oMath xmlns:m="http://schemas.openxmlformats.org/officeDocument/2006/math">
                     <m:r>
-                      <a:rPr lang="en-US" altLang="zh-TW" sz="5400" b="1" i="1" dirty="0">
+                      <a:rPr lang="en-US" altLang="zh-TW" sz="5400" b="1" i="1" u="sng" dirty="0">
                         <a:latin typeface="Cambria Math" charset="0"/>
                         <a:ea typeface="Cambria Math" charset="0"/>
                         <a:cs typeface="Cambria Math" charset="0"/>
@@ -9493,7 +9932,7 @@
                       <m:t>𝜷</m:t>
                     </m:r>
                     <m:r>
-                      <a:rPr lang="en-US" altLang="zh-TW" sz="5400" b="1" i="1" dirty="0">
+                      <a:rPr lang="en-US" altLang="zh-TW" sz="5400" b="1" i="1" u="sng" dirty="0">
                         <a:latin typeface="Cambria Math" charset="0"/>
                         <a:ea typeface="Cambria Math" charset="0"/>
                         <a:cs typeface="Cambria Math" charset="0"/>
@@ -9501,7 +9940,7 @@
                       <m:t>=</m:t>
                     </m:r>
                     <m:r>
-                      <a:rPr lang="en-US" altLang="zh-TW" sz="5400" b="1" i="1" dirty="0">
+                      <a:rPr lang="en-US" altLang="zh-TW" sz="5400" b="1" i="1" u="sng" dirty="0">
                         <a:latin typeface="Cambria Math" charset="0"/>
                         <a:ea typeface="Cambria Math" charset="0"/>
                         <a:cs typeface="Cambria Math" charset="0"/>
@@ -9509,7 +9948,7 @@
                       <m:t>𝟎</m:t>
                     </m:r>
                     <m:r>
-                      <a:rPr lang="en-US" altLang="zh-TW" sz="5400" b="1" i="0" dirty="0" smtClean="0">
+                      <a:rPr lang="en-US" altLang="zh-TW" sz="5400" b="1" i="0" u="sng" dirty="0" smtClean="0">
                         <a:latin typeface="Cambria Math" charset="0"/>
                         <a:ea typeface="Cambria Math" charset="0"/>
                         <a:cs typeface="Cambria Math" charset="0"/>
@@ -9519,11 +9958,11 @@
                   </m:oMath>
                 </a14:m>
                 <a:r>
-                  <a:rPr lang="en-US" altLang="zh-TW" sz="5400" b="1" dirty="0" smtClean="0"/>
+                  <a:rPr lang="en-US" altLang="zh-TW" sz="5400" b="1" u="sng" dirty="0" smtClean="0"/>
                   <a:t>CMS),</a:t>
                 </a:r>
                 <a:r>
-                  <a:rPr lang="en-US" altLang="zh-TW" sz="5400" b="1" dirty="0" smtClean="0">
+                  <a:rPr lang="en-US" altLang="zh-TW" sz="5400" b="1" u="sng" dirty="0" smtClean="0">
                     <a:ea typeface="Cambria Math" charset="0"/>
                     <a:cs typeface="Cambria Math" charset="0"/>
                   </a:rPr>
@@ -9532,7 +9971,7 @@
                 <a14:m>
                   <m:oMath xmlns:m="http://schemas.openxmlformats.org/officeDocument/2006/math">
                     <m:r>
-                      <a:rPr lang="en-US" altLang="zh-TW" sz="5400" b="1" i="1" dirty="0">
+                      <a:rPr lang="en-US" altLang="zh-TW" sz="5400" b="1" i="1" u="sng" dirty="0">
                         <a:latin typeface="Cambria Math" charset="0"/>
                         <a:ea typeface="Cambria Math" charset="0"/>
                         <a:cs typeface="Cambria Math" charset="0"/>
@@ -9540,7 +9979,7 @@
                       <m:t>𝜷</m:t>
                     </m:r>
                     <m:r>
-                      <a:rPr lang="en-US" altLang="zh-TW" sz="5400" b="1" i="1" dirty="0">
+                      <a:rPr lang="en-US" altLang="zh-TW" sz="5400" b="1" i="1" u="sng" dirty="0">
                         <a:latin typeface="Cambria Math" charset="0"/>
                         <a:ea typeface="Cambria Math" charset="0"/>
                         <a:cs typeface="Cambria Math" charset="0"/>
@@ -9548,7 +9987,7 @@
                       <m:t>=</m:t>
                     </m:r>
                     <m:r>
-                      <a:rPr lang="en-US" altLang="zh-TW" sz="5400" b="1" i="1" dirty="0">
+                      <a:rPr lang="en-US" altLang="zh-TW" sz="5400" b="1" i="1" u="sng" dirty="0">
                         <a:latin typeface="Cambria Math" charset="0"/>
                         <a:ea typeface="Cambria Math" charset="0"/>
                         <a:cs typeface="Cambria Math" charset="0"/>
@@ -9558,7 +9997,7 @@
                   </m:oMath>
                 </a14:m>
                 <a:r>
-                  <a:rPr lang="en-US" altLang="zh-TW" sz="5000" b="1" dirty="0" smtClean="0">
+                  <a:rPr lang="en-US" altLang="zh-TW" sz="5000" b="1" u="sng" dirty="0" smtClean="0">
                     <a:solidFill>
                       <a:srgbClr val="C0504D"/>
                     </a:solidFill>
@@ -9567,7 +10006,7 @@
                   </a:rPr>
                   <a:t>:</a:t>
                 </a:r>
-                <a:endParaRPr lang="zh-TW" altLang="en-US" sz="5000" baseline="-25000" dirty="0"/>
+                <a:endParaRPr lang="zh-TW" altLang="en-US" sz="5000" u="sng" baseline="-25000" dirty="0"/>
               </a:p>
             </p:txBody>
           </p:sp>
@@ -9583,16 +10022,16 @@
             </p:nvSpPr>
             <p:spPr>
               <a:xfrm>
-                <a:off x="15646236" y="23112753"/>
+                <a:off x="15593340" y="23167468"/>
                 <a:ext cx="14354517" cy="923330"/>
               </a:xfrm>
               <a:prstGeom prst="rect">
                 <a:avLst/>
               </a:prstGeom>
               <a:blipFill rotWithShape="0">
-                <a:blip r:embed="rId16"/>
+                <a:blip r:embed="rId24"/>
                 <a:stretch>
-                  <a:fillRect l="-2039" t="-17763" b="-39474"/>
+                  <a:fillRect t="-17763" b="-39474"/>
                 </a:stretch>
               </a:blipFill>
             </p:spPr>
@@ -9621,8 +10060,8 @@
             </p:nvSpPr>
             <p:spPr>
               <a:xfrm>
-                <a:off x="15732702" y="8112014"/>
-                <a:ext cx="14170566" cy="976934"/>
+                <a:off x="15521651" y="8013686"/>
+                <a:ext cx="14581802" cy="976934"/>
               </a:xfrm>
               <a:prstGeom prst="rect">
                 <a:avLst/>
@@ -9634,10 +10073,11 @@
               </a:bodyPr>
               <a:lstStyle/>
               <a:p>
+                <a:pPr algn="ctr"/>
                 <a:r>
-                  <a:rPr lang="en-US" altLang="zh-TW" sz="5000" b="1" dirty="0" smtClean="0">
+                  <a:rPr lang="en-US" altLang="zh-TW" sz="5000" b="1" u="sng" dirty="0" smtClean="0">
                     <a:solidFill>
-                      <a:srgbClr val="C0504D"/>
+                      <a:schemeClr val="tx1"/>
                     </a:solidFill>
                     <a:latin typeface="Arial" pitchFamily="34" charset="0"/>
                     <a:cs typeface="Arial" pitchFamily="34" charset="0"/>
@@ -9649,14 +10089,20 @@
                     <m:sSubSup>
                       <m:sSubSupPr>
                         <m:ctrlPr>
-                          <a:rPr kumimoji="1" lang="en-US" altLang="zh-TW" sz="5400" b="1" i="1">
+                          <a:rPr kumimoji="1" lang="en-US" altLang="zh-TW" sz="5400" b="1" i="1" u="sng">
+                            <a:solidFill>
+                              <a:schemeClr val="tx1"/>
+                            </a:solidFill>
                             <a:latin typeface="Cambria Math" charset="0"/>
                           </a:rPr>
                         </m:ctrlPr>
                       </m:sSubSupPr>
                       <m:e>
                         <m:r>
-                          <a:rPr kumimoji="1" lang="en-US" altLang="zh-TW" sz="5400" b="1" i="1">
+                          <a:rPr kumimoji="1" lang="en-US" altLang="zh-TW" sz="5400" b="1" i="1" u="sng" smtClean="0">
+                            <a:solidFill>
+                              <a:schemeClr val="tx1"/>
+                            </a:solidFill>
                             <a:latin typeface="Cambria Math" charset="0"/>
                           </a:rPr>
                           <m:t>𝑪</m:t>
@@ -9664,7 +10110,10 @@
                       </m:e>
                       <m:sub>
                         <m:r>
-                          <a:rPr kumimoji="1" lang="en-US" altLang="zh-TW" sz="5400" b="1" i="1">
+                          <a:rPr kumimoji="1" lang="en-US" altLang="zh-TW" sz="5400" b="1" i="1" u="sng">
+                            <a:solidFill>
+                              <a:schemeClr val="tx1"/>
+                            </a:solidFill>
                             <a:latin typeface="Cambria Math" charset="0"/>
                           </a:rPr>
                           <m:t>𝟐</m:t>
@@ -9672,7 +10121,10 @@
                       </m:sub>
                       <m:sup>
                         <m:r>
-                          <a:rPr kumimoji="1" lang="en-US" altLang="zh-TW" sz="5400" b="1" i="1">
+                          <a:rPr kumimoji="1" lang="en-US" altLang="zh-TW" sz="5400" b="1" i="1" u="sng">
+                            <a:solidFill>
+                              <a:schemeClr val="tx1"/>
+                            </a:solidFill>
                             <a:latin typeface="Cambria Math" charset="0"/>
                           </a:rPr>
                           <m:t>𝟏</m:t>
@@ -9682,28 +10134,34 @@
                   </m:oMath>
                 </a14:m>
                 <a:r>
-                  <a:rPr lang="en-US" altLang="zh-TW" sz="5000" b="1" dirty="0" smtClean="0">
+                  <a:rPr lang="en-US" altLang="zh-TW" sz="5000" b="1" u="sng" dirty="0" smtClean="0">
                     <a:solidFill>
-                      <a:srgbClr val="C0504D"/>
+                      <a:schemeClr val="tx1"/>
                     </a:solidFill>
                     <a:latin typeface="Arial" pitchFamily="34" charset="0"/>
                     <a:cs typeface="Arial" pitchFamily="34" charset="0"/>
                   </a:rPr>
-                  <a:t>, </a:t>
+                  <a:t>,</a:t>
                 </a:r>
                 <a14:m>
                   <m:oMath xmlns:m="http://schemas.openxmlformats.org/officeDocument/2006/math">
                     <m:sSub>
                       <m:sSubPr>
                         <m:ctrlPr>
-                          <a:rPr kumimoji="1" lang="en-US" altLang="zh-TW" sz="5400" b="1" i="1">
+                          <a:rPr kumimoji="1" lang="en-US" altLang="zh-TW" sz="4800" b="1" i="1" u="sng">
+                            <a:solidFill>
+                              <a:schemeClr val="tx1"/>
+                            </a:solidFill>
                             <a:latin typeface="Cambria Math" charset="0"/>
                           </a:rPr>
                         </m:ctrlPr>
                       </m:sSubPr>
                       <m:e>
                         <m:r>
-                          <a:rPr kumimoji="1" lang="en-US" altLang="zh-TW" sz="5400" b="1" i="1">
+                          <a:rPr kumimoji="1" lang="en-US" altLang="zh-TW" sz="4800" b="1" i="1" u="sng">
+                            <a:solidFill>
+                              <a:schemeClr val="tx1"/>
+                            </a:solidFill>
                             <a:latin typeface="Cambria Math" charset="0"/>
                             <a:ea typeface="Cambria Math" charset="0"/>
                             <a:cs typeface="Cambria Math" charset="0"/>
@@ -9713,7 +10171,10 @@
                       </m:e>
                       <m:sub>
                         <m:r>
-                          <a:rPr kumimoji="1" lang="en-US" altLang="zh-TW" sz="5400" b="1" i="1">
+                          <a:rPr kumimoji="1" lang="en-US" altLang="zh-TW" sz="4800" b="1" i="1" u="sng">
+                            <a:solidFill>
+                              <a:schemeClr val="tx1"/>
+                            </a:solidFill>
                             <a:latin typeface="Cambria Math" charset="0"/>
                           </a:rPr>
                           <m:t>𝟐𝟏</m:t>
@@ -9723,32 +10184,34 @@
                   </m:oMath>
                 </a14:m>
                 <a:r>
-                  <a:rPr lang="en-US" altLang="zh-TW" sz="5000" b="1" dirty="0" smtClean="0">
+                  <a:rPr lang="en-US" altLang="zh-TW" sz="5000" b="1" u="sng" dirty="0" smtClean="0">
                     <a:solidFill>
-                      <a:srgbClr val="C0504D"/>
+                      <a:schemeClr val="tx1"/>
                     </a:solidFill>
                     <a:latin typeface="Arial" pitchFamily="34" charset="0"/>
                     <a:cs typeface="Arial" pitchFamily="34" charset="0"/>
                   </a:rPr>
                   <a:t>,</a:t>
                 </a:r>
-                <a:r>
-                  <a:rPr kumimoji="1" lang="en-US" altLang="zh-TW" sz="5400" b="1" dirty="0"/>
-                  <a:t> </a:t>
-                </a:r>
                 <a14:m>
                   <m:oMath xmlns:m="http://schemas.openxmlformats.org/officeDocument/2006/math">
                     <m:sSub>
                       <m:sSubPr>
                         <m:ctrlPr>
-                          <a:rPr kumimoji="1" lang="en-US" altLang="zh-TW" sz="5400" b="1" i="1">
+                          <a:rPr kumimoji="1" lang="en-US" altLang="zh-TW" sz="5400" b="1" i="1" u="sng">
+                            <a:solidFill>
+                              <a:schemeClr val="tx1"/>
+                            </a:solidFill>
                             <a:latin typeface="Cambria Math" charset="0"/>
                           </a:rPr>
                         </m:ctrlPr>
                       </m:sSubPr>
                       <m:e>
                         <m:r>
-                          <a:rPr kumimoji="1" lang="en-US" altLang="zh-TW" sz="5400" b="1" i="1">
+                          <a:rPr kumimoji="1" lang="en-US" altLang="zh-TW" sz="5400" b="1" i="1" u="sng">
+                            <a:solidFill>
+                              <a:schemeClr val="tx1"/>
+                            </a:solidFill>
                             <a:latin typeface="Cambria Math" charset="0"/>
                             <a:ea typeface="Cambria Math" charset="0"/>
                             <a:cs typeface="Cambria Math" charset="0"/>
@@ -9758,7 +10221,10 @@
                       </m:e>
                       <m:sub>
                         <m:r>
-                          <a:rPr kumimoji="1" lang="en-US" altLang="zh-TW" sz="5400" b="1" i="1">
+                          <a:rPr kumimoji="1" lang="en-US" altLang="zh-TW" sz="5400" b="1" i="1" u="sng">
+                            <a:solidFill>
+                              <a:schemeClr val="tx1"/>
+                            </a:solidFill>
                             <a:latin typeface="Cambria Math" charset="0"/>
                             <a:ea typeface="Cambria Math" charset="0"/>
                             <a:cs typeface="Cambria Math" charset="0"/>
@@ -9770,26 +10236,20 @@
                   </m:oMath>
                 </a14:m>
                 <a:r>
-                  <a:rPr lang="en-US" altLang="zh-TW" sz="5000" b="1" dirty="0" smtClean="0">
+                  <a:rPr lang="en-US" altLang="zh-TW" sz="5000" b="1" u="sng" dirty="0" smtClean="0">
                     <a:solidFill>
-                      <a:srgbClr val="C0504D"/>
+                      <a:schemeClr val="tx1"/>
                     </a:solidFill>
                     <a:latin typeface="Arial" pitchFamily="34" charset="0"/>
                     <a:cs typeface="Arial" pitchFamily="34" charset="0"/>
                   </a:rPr>
-                  <a:t>:</a:t>
+                  <a:t>: </a:t>
                 </a:r>
-                <a:r>
-                  <a:rPr lang="en-US" altLang="zh-TW" sz="5000" b="1" dirty="0" smtClean="0">
-                    <a:solidFill>
-                      <a:schemeClr val="accent2"/>
-                    </a:solidFill>
-                    <a:latin typeface="Arial" pitchFamily="34" charset="0"/>
-                    <a:cs typeface="Arial" pitchFamily="34" charset="0"/>
-                  </a:rPr>
-                  <a:t> </a:t>
-                </a:r>
-                <a:endParaRPr lang="zh-TW" altLang="en-US" sz="5000" baseline="-25000" dirty="0"/>
+                <a:endParaRPr lang="zh-TW" altLang="en-US" sz="5000" u="sng" baseline="-25000" dirty="0">
+                  <a:solidFill>
+                    <a:schemeClr val="tx1"/>
+                  </a:solidFill>
+                </a:endParaRPr>
               </a:p>
             </p:txBody>
           </p:sp>
@@ -9805,16 +10265,16 @@
             </p:nvSpPr>
             <p:spPr>
               <a:xfrm>
-                <a:off x="15732702" y="8112014"/>
-                <a:ext cx="14170566" cy="976934"/>
+                <a:off x="15521651" y="8013686"/>
+                <a:ext cx="14581802" cy="976934"/>
               </a:xfrm>
               <a:prstGeom prst="rect">
                 <a:avLst/>
               </a:prstGeom>
               <a:blipFill rotWithShape="0">
-                <a:blip r:embed="rId17"/>
+                <a:blip r:embed="rId25"/>
                 <a:stretch>
-                  <a:fillRect l="-2065" t="-6875" b="-30625"/>
+                  <a:fillRect t="-5625" b="-31875"/>
                 </a:stretch>
               </a:blipFill>
             </p:spPr>
@@ -9873,7 +10333,7 @@
         </p:nvSpPr>
         <p:spPr>
           <a:xfrm>
-            <a:off x="245866" y="38460512"/>
+            <a:off x="3061052" y="38460617"/>
             <a:ext cx="15275490" cy="1631216"/>
           </a:xfrm>
           <a:prstGeom prst="rect">
@@ -9896,37 +10356,42 @@
           </a:p>
           <a:p>
             <a:r>
-              <a:rPr lang="en-US" altLang="zh-TW" sz="4800" b="1" dirty="0" smtClean="0">
-                <a:solidFill>
-                  <a:srgbClr val="C0504D"/>
-                </a:solidFill>
+              <a:rPr lang="en-US" altLang="zh-TW" sz="4800" b="1" u="sng" dirty="0" smtClean="0">
                 <a:latin typeface="Arial" pitchFamily="34" charset="0"/>
                 <a:cs typeface="Arial" pitchFamily="34" charset="0"/>
               </a:rPr>
               <a:t>Signal </a:t>
             </a:r>
             <a:r>
-              <a:rPr lang="en-US" altLang="zh-TW" sz="4800" b="1" dirty="0">
-                <a:solidFill>
-                  <a:srgbClr val="C0504D"/>
-                </a:solidFill>
+              <a:rPr lang="en-US" altLang="zh-TW" sz="4800" b="1" u="sng" dirty="0">
                 <a:latin typeface="Arial" pitchFamily="34" charset="0"/>
                 <a:cs typeface="Arial" pitchFamily="34" charset="0"/>
               </a:rPr>
               <a:t>and </a:t>
             </a:r>
             <a:r>
-              <a:rPr lang="en-US" altLang="zh-TW" sz="4800" b="1" dirty="0" smtClean="0">
-                <a:solidFill>
-                  <a:srgbClr val="C0504D"/>
-                </a:solidFill>
+              <a:rPr lang="en-US" altLang="zh-TW" sz="4800" b="1" u="sng" dirty="0" smtClean="0">
                 <a:latin typeface="Arial" pitchFamily="34" charset="0"/>
                 <a:cs typeface="Arial" pitchFamily="34" charset="0"/>
               </a:rPr>
-              <a:t>Background Process:</a:t>
+              <a:t>Background </a:t>
             </a:r>
             <a:r>
-              <a:rPr lang="en-US" altLang="zh-TW" sz="4800" b="1" dirty="0" smtClean="0">
+              <a:rPr lang="en-US" altLang="zh-TW" sz="4800" b="1" u="sng" dirty="0" smtClean="0">
+                <a:latin typeface="Arial" pitchFamily="34" charset="0"/>
+                <a:cs typeface="Arial" pitchFamily="34" charset="0"/>
+              </a:rPr>
+              <a:t>Process</a:t>
+            </a:r>
+            <a:r>
+              <a:rPr lang="en-US" altLang="zh-TW" sz="4800" b="1" u="sng" dirty="0">
+                <a:latin typeface="Arial" pitchFamily="34" charset="0"/>
+                <a:cs typeface="Arial" pitchFamily="34" charset="0"/>
+              </a:rPr>
+              <a:t>:</a:t>
+            </a:r>
+            <a:r>
+              <a:rPr lang="en-US" altLang="zh-TW" sz="4800" b="1" u="sng" dirty="0" smtClean="0">
                 <a:solidFill>
                   <a:schemeClr val="accent2"/>
                 </a:solidFill>
@@ -9935,7 +10400,7 @@
               </a:rPr>
               <a:t> </a:t>
             </a:r>
-            <a:endParaRPr lang="zh-TW" altLang="en-US" sz="4800" baseline="-25000" dirty="0"/>
+            <a:endParaRPr lang="zh-TW" altLang="en-US" sz="4800" u="sng" baseline="-25000" dirty="0"/>
           </a:p>
         </p:txBody>
       </p:sp>
@@ -9962,50 +10427,34 @@
           <a:p>
             <a:pPr algn="ctr"/>
             <a:r>
-              <a:rPr lang="en-US" altLang="zh-TW" sz="5000" b="1" dirty="0" err="1" smtClean="0">
-                <a:solidFill>
-                  <a:srgbClr val="C0504D"/>
-                </a:solidFill>
+              <a:rPr lang="en-US" altLang="zh-TW" sz="5000" b="1" u="sng" dirty="0" err="1" smtClean="0">
                 <a:latin typeface="Arial" pitchFamily="34" charset="0"/>
                 <a:cs typeface="Arial" pitchFamily="34" charset="0"/>
               </a:rPr>
               <a:t>Geant</a:t>
             </a:r>
             <a:r>
-              <a:rPr lang="en-US" altLang="zh-TW" sz="5000" b="1" dirty="0" smtClean="0">
-                <a:solidFill>
-                  <a:srgbClr val="C0504D"/>
-                </a:solidFill>
+              <a:rPr lang="en-US" altLang="zh-TW" sz="5000" b="1" u="sng" dirty="0" smtClean="0">
                 <a:latin typeface="Arial" pitchFamily="34" charset="0"/>
                 <a:cs typeface="Arial" pitchFamily="34" charset="0"/>
               </a:rPr>
               <a:t> 4 Simulation of Future Detector </a:t>
             </a:r>
             <a:r>
-              <a:rPr lang="en-US" altLang="zh-TW" sz="5000" b="1" dirty="0" err="1" smtClean="0">
-                <a:solidFill>
-                  <a:srgbClr val="C0504D"/>
-                </a:solidFill>
+              <a:rPr lang="en-US" altLang="zh-TW" sz="5000" b="1" u="sng" dirty="0" err="1" smtClean="0">
                 <a:latin typeface="Arial" pitchFamily="34" charset="0"/>
                 <a:cs typeface="Arial" pitchFamily="34" charset="0"/>
               </a:rPr>
               <a:t>SiFCC</a:t>
             </a:r>
             <a:r>
-              <a:rPr lang="en-US" altLang="zh-TW" sz="5000" b="1" dirty="0" smtClean="0">
-                <a:solidFill>
-                  <a:srgbClr val="C0504D"/>
-                </a:solidFill>
+              <a:rPr lang="en-US" altLang="zh-TW" sz="5000" b="1" u="sng" dirty="0" smtClean="0">
                 <a:latin typeface="Arial" pitchFamily="34" charset="0"/>
                 <a:cs typeface="Arial" pitchFamily="34" charset="0"/>
               </a:rPr>
               <a:t> </a:t>
             </a:r>
-            <a:endParaRPr lang="zh-TW" altLang="en-US" sz="5000" baseline="-25000" dirty="0">
-              <a:solidFill>
-                <a:srgbClr val="C0504D"/>
-              </a:solidFill>
-            </a:endParaRPr>
+            <a:endParaRPr lang="zh-TW" altLang="en-US" sz="5000" u="sng" baseline="-25000" dirty="0"/>
           </a:p>
         </p:txBody>
       </p:sp>
@@ -10017,8 +10466,8 @@
         </p:nvSpPr>
         <p:spPr>
           <a:xfrm>
-            <a:off x="15809699" y="8876649"/>
-            <a:ext cx="14170566" cy="861774"/>
+            <a:off x="15593340" y="8876649"/>
+            <a:ext cx="14386925" cy="830997"/>
           </a:xfrm>
           <a:prstGeom prst="rect">
             <a:avLst/>
@@ -10032,39 +10481,20 @@
           <a:p>
             <a:r>
               <a:rPr lang="en-US" altLang="zh-TW" sz="4800" b="1" dirty="0" smtClean="0">
-                <a:solidFill>
-                  <a:srgbClr val="C0504D"/>
-                </a:solidFill>
                 <a:latin typeface="Arial" pitchFamily="34" charset="0"/>
                 <a:cs typeface="Arial" pitchFamily="34" charset="0"/>
               </a:rPr>
-              <a:t>Distribution of z’-&gt;</a:t>
+              <a:t>Distribution of </a:t>
+            </a:r>
+            <a:r>
+              <a:rPr lang="en-US" altLang="zh-TW" sz="4800" b="1" dirty="0" smtClean="0">
+                <a:latin typeface="Arial" pitchFamily="34" charset="0"/>
+                <a:cs typeface="Arial" pitchFamily="34" charset="0"/>
+              </a:rPr>
+              <a:t>Z’-&gt;WW, Z’-&gt;</a:t>
             </a:r>
             <a:r>
               <a:rPr lang="en-US" altLang="zh-TW" sz="4800" b="1" dirty="0" err="1" smtClean="0">
-                <a:solidFill>
-                  <a:srgbClr val="C0504D"/>
-                </a:solidFill>
-                <a:latin typeface="Arial" pitchFamily="34" charset="0"/>
-                <a:cs typeface="Arial" pitchFamily="34" charset="0"/>
-              </a:rPr>
-              <a:t>ww,z</a:t>
-            </a:r>
-            <a:r>
-              <a:rPr lang="en-US" altLang="zh-TW" sz="4800" b="1" dirty="0" smtClean="0">
-                <a:solidFill>
-                  <a:srgbClr val="C0504D"/>
-                </a:solidFill>
-                <a:latin typeface="Arial" pitchFamily="34" charset="0"/>
-                <a:cs typeface="Arial" pitchFamily="34" charset="0"/>
-              </a:rPr>
-              <a:t>’-&gt;</a:t>
-            </a:r>
-            <a:r>
-              <a:rPr lang="en-US" altLang="zh-TW" sz="4800" b="1" dirty="0" err="1" smtClean="0">
-                <a:solidFill>
-                  <a:srgbClr val="C0504D"/>
-                </a:solidFill>
                 <a:latin typeface="Arial" pitchFamily="34" charset="0"/>
                 <a:cs typeface="Arial" pitchFamily="34" charset="0"/>
               </a:rPr>
@@ -10072,39 +10502,34 @@
             </a:r>
             <a:r>
               <a:rPr lang="en-US" altLang="zh-TW" sz="4800" b="1" dirty="0" smtClean="0">
-                <a:solidFill>
-                  <a:srgbClr val="C0504D"/>
-                </a:solidFill>
                 <a:latin typeface="Arial" pitchFamily="34" charset="0"/>
                 <a:cs typeface="Arial" pitchFamily="34" charset="0"/>
               </a:rPr>
-              <a:t> and z’-&gt;</a:t>
+              <a:t> and </a:t>
+            </a:r>
+            <a:r>
+              <a:rPr lang="en-US" altLang="zh-TW" sz="4800" b="1" dirty="0" smtClean="0">
+                <a:latin typeface="Arial" pitchFamily="34" charset="0"/>
+                <a:cs typeface="Arial" pitchFamily="34" charset="0"/>
+              </a:rPr>
+              <a:t>Z’-&gt;</a:t>
             </a:r>
             <a:r>
               <a:rPr lang="en-US" altLang="zh-TW" sz="4800" b="1" dirty="0" err="1" smtClean="0">
-                <a:solidFill>
-                  <a:srgbClr val="C0504D"/>
-                </a:solidFill>
                 <a:latin typeface="Arial" pitchFamily="34" charset="0"/>
                 <a:cs typeface="Arial" pitchFamily="34" charset="0"/>
               </a:rPr>
-              <a:t>tt,z</a:t>
+              <a:t>tt</a:t>
             </a:r>
             <a:r>
               <a:rPr lang="en-US" altLang="zh-TW" sz="4800" b="1" dirty="0" smtClean="0">
-                <a:solidFill>
-                  <a:srgbClr val="C0504D"/>
-                </a:solidFill>
                 <a:latin typeface="Arial" pitchFamily="34" charset="0"/>
                 <a:cs typeface="Arial" pitchFamily="34" charset="0"/>
               </a:rPr>
-              <a:t>’-&gt;</a:t>
+              <a:t>, Z’-&gt;</a:t>
             </a:r>
             <a:r>
               <a:rPr lang="en-US" altLang="zh-TW" sz="4800" b="1" dirty="0" err="1" smtClean="0">
-                <a:solidFill>
-                  <a:srgbClr val="C0504D"/>
-                </a:solidFill>
                 <a:latin typeface="Arial" pitchFamily="34" charset="0"/>
                 <a:cs typeface="Arial" pitchFamily="34" charset="0"/>
               </a:rPr>
@@ -10112,23 +10537,10 @@
             </a:r>
             <a:r>
               <a:rPr lang="en-US" altLang="zh-TW" sz="4800" b="1" dirty="0" smtClean="0">
-                <a:solidFill>
-                  <a:srgbClr val="C0504D"/>
-                </a:solidFill>
                 <a:latin typeface="Arial" pitchFamily="34" charset="0"/>
                 <a:cs typeface="Arial" pitchFamily="34" charset="0"/>
               </a:rPr>
-              <a:t> :</a:t>
-            </a:r>
-            <a:r>
-              <a:rPr lang="en-US" altLang="zh-TW" sz="4800" b="1" dirty="0" smtClean="0">
-                <a:solidFill>
-                  <a:schemeClr val="accent2"/>
-                </a:solidFill>
-                <a:latin typeface="Arial" pitchFamily="34" charset="0"/>
-                <a:cs typeface="Arial" pitchFamily="34" charset="0"/>
-              </a:rPr>
-              <a:t> </a:t>
+              <a:t> : </a:t>
             </a:r>
             <a:endParaRPr lang="zh-TW" altLang="en-US" sz="4800" baseline="-25000" dirty="0"/>
           </a:p>
@@ -10142,7 +10554,7 @@
         </p:nvSpPr>
         <p:spPr>
           <a:xfrm>
-            <a:off x="16275961" y="40797141"/>
+            <a:off x="20787517" y="40829157"/>
             <a:ext cx="4414172" cy="861774"/>
           </a:xfrm>
           <a:prstGeom prst="rect">
@@ -10156,26 +10568,13 @@
           <a:lstStyle/>
           <a:p>
             <a:r>
-              <a:rPr lang="en-US" altLang="zh-TW" sz="5000" b="1" dirty="0" smtClean="0">
-                <a:solidFill>
-                  <a:srgbClr val="C0504D"/>
-                </a:solidFill>
+              <a:rPr lang="en-US" altLang="zh-TW" sz="5000" b="1" u="sng" dirty="0" smtClean="0">
                 <a:latin typeface="Arial" pitchFamily="34" charset="0"/>
                 <a:cs typeface="Arial" pitchFamily="34" charset="0"/>
               </a:rPr>
-              <a:t>Reference :</a:t>
+              <a:t>Reference </a:t>
             </a:r>
-            <a:r>
-              <a:rPr lang="en-US" altLang="zh-TW" sz="5000" b="1" dirty="0" smtClean="0">
-                <a:solidFill>
-                  <a:schemeClr val="accent2"/>
-                </a:solidFill>
-                <a:latin typeface="Arial" pitchFamily="34" charset="0"/>
-                <a:cs typeface="Arial" pitchFamily="34" charset="0"/>
-              </a:rPr>
-              <a:t> </a:t>
-            </a:r>
-            <a:endParaRPr lang="zh-TW" altLang="en-US" sz="5000" baseline="-25000" dirty="0"/>
+            <a:endParaRPr lang="zh-TW" altLang="en-US" sz="5000" u="sng" baseline="-25000" dirty="0"/>
           </a:p>
         </p:txBody>
       </p:sp>
@@ -10229,15 +10628,19 @@
             </a:r>
             <a:r>
               <a:rPr lang="en-US" altLang="zh-TW" sz="4000" dirty="0" smtClean="0"/>
-              <a:t>collider(</a:t>
+              <a:t>collider </a:t>
+            </a:r>
+            <a:r>
+              <a:rPr lang="is-IS" altLang="zh-TW" sz="4000" dirty="0" smtClean="0"/>
+              <a:t>JINST </a:t>
             </a:r>
             <a:r>
               <a:rPr lang="is-IS" altLang="zh-TW" sz="4000" dirty="0"/>
-              <a:t>JINST 12 (2017) P06009</a:t>
+              <a:t>12 (2017) </a:t>
             </a:r>
             <a:r>
-              <a:rPr lang="hr-HR" altLang="zh-TW" sz="4000" dirty="0" smtClean="0"/>
-              <a:t>)</a:t>
+              <a:rPr lang="is-IS" altLang="zh-TW" sz="4000" dirty="0" smtClean="0"/>
+              <a:t>P06009</a:t>
             </a:r>
             <a:endParaRPr lang="en-US" altLang="zh-TW" sz="4000" dirty="0" smtClean="0"/>
           </a:p>
@@ -10313,7 +10716,7 @@
           <p:nvPr/>
         </p:nvPicPr>
         <p:blipFill>
-          <a:blip r:embed="rId18">
+          <a:blip r:embed="rId26">
             <a:extLst>
               <a:ext uri="{28A0092B-C50C-407E-A947-70E740481C1C}">
                 <a14:useLocalDpi xmlns:a14="http://schemas.microsoft.com/office/drawing/2010/main" val="0"/>
@@ -10343,7 +10746,7 @@
           <p:nvPr/>
         </p:nvPicPr>
         <p:blipFill>
-          <a:blip r:embed="rId19">
+          <a:blip r:embed="rId27">
             <a:extLst>
               <a:ext uri="{28A0092B-C50C-407E-A947-70E740481C1C}">
                 <a14:useLocalDpi xmlns:a14="http://schemas.microsoft.com/office/drawing/2010/main" val="0"/>
@@ -10356,8 +10759,8 @@
         </p:blipFill>
         <p:spPr>
           <a:xfrm>
-            <a:off x="273378" y="15643724"/>
-            <a:ext cx="15094290" cy="3462187"/>
+            <a:off x="336409" y="15578456"/>
+            <a:ext cx="14911652" cy="3462187"/>
           </a:xfrm>
           <a:prstGeom prst="rect">
             <a:avLst/>
@@ -10373,7 +10776,7 @@
           <p:nvPr/>
         </p:nvPicPr>
         <p:blipFill>
-          <a:blip r:embed="rId20">
+          <a:blip r:embed="rId28">
             <a:extLst>
               <a:ext uri="{28A0092B-C50C-407E-A947-70E740481C1C}">
                 <a14:useLocalDpi xmlns:a14="http://schemas.microsoft.com/office/drawing/2010/main" val="0"/>
@@ -10402,8 +10805,8 @@
         </p:nvSpPr>
         <p:spPr>
           <a:xfrm>
-            <a:off x="583398" y="39730727"/>
-            <a:ext cx="4036682" cy="1015663"/>
+            <a:off x="497478" y="39793453"/>
+            <a:ext cx="4455066" cy="923330"/>
           </a:xfrm>
           <a:prstGeom prst="rect">
             <a:avLst/>
@@ -10417,26 +10820,13 @@
           <a:lstStyle/>
           <a:p>
             <a:r>
-              <a:rPr lang="en-US" altLang="zh-TW" sz="4800" b="1" dirty="0" smtClean="0">
-                <a:solidFill>
-                  <a:srgbClr val="C0504D"/>
-                </a:solidFill>
+              <a:rPr lang="en-US" altLang="zh-TW" sz="5400" b="1" dirty="0" smtClean="0">
                 <a:latin typeface="Arial" pitchFamily="34" charset="0"/>
                 <a:cs typeface="Arial" pitchFamily="34" charset="0"/>
               </a:rPr>
-              <a:t>Background</a:t>
+              <a:t>Background:</a:t>
             </a:r>
-            <a:r>
-              <a:rPr lang="en-US" altLang="zh-TW" sz="6000" b="1" dirty="0" smtClean="0">
-                <a:solidFill>
-                  <a:srgbClr val="C0504D"/>
-                </a:solidFill>
-                <a:latin typeface="Arial" pitchFamily="34" charset="0"/>
-                <a:cs typeface="Arial" pitchFamily="34" charset="0"/>
-              </a:rPr>
-              <a:t>:</a:t>
-            </a:r>
-            <a:endParaRPr kumimoji="1" lang="zh-TW" altLang="en-US" sz="6000" dirty="0"/>
+            <a:endParaRPr kumimoji="1" lang="zh-TW" altLang="en-US" sz="5400" dirty="0"/>
           </a:p>
         </p:txBody>
       </p:sp>
@@ -10448,7 +10838,7 @@
         </p:nvSpPr>
         <p:spPr>
           <a:xfrm>
-            <a:off x="9845275" y="39769282"/>
+            <a:off x="9636650" y="39818469"/>
             <a:ext cx="2492990" cy="923330"/>
           </a:xfrm>
           <a:prstGeom prst="rect">
@@ -10464,9 +10854,6 @@
           <a:p>
             <a:r>
               <a:rPr lang="en-US" altLang="zh-TW" sz="5400" b="1" dirty="0" smtClean="0">
-                <a:solidFill>
-                  <a:srgbClr val="C0504D"/>
-                </a:solidFill>
                 <a:latin typeface="Arial" pitchFamily="34" charset="0"/>
                 <a:cs typeface="Arial" pitchFamily="34" charset="0"/>
               </a:rPr>
@@ -10797,7 +11184,7 @@
                 <a:avLst/>
               </a:prstGeom>
               <a:blipFill rotWithShape="0">
-                <a:blip r:embed="rId21"/>
+                <a:blip r:embed="rId29"/>
                 <a:stretch>
                   <a:fillRect/>
                 </a:stretch>
@@ -11089,7 +11476,7 @@
                 <a:avLst/>
               </a:prstGeom>
               <a:blipFill rotWithShape="0">
-                <a:blip r:embed="rId22"/>
+                <a:blip r:embed="rId30"/>
                 <a:stretch>
                   <a:fillRect l="-2789" t="-5521" b="-12270"/>
                 </a:stretch>
@@ -11145,7 +11532,7 @@
           <p:nvPr/>
         </p:nvPicPr>
         <p:blipFill>
-          <a:blip r:embed="rId23">
+          <a:blip r:embed="rId31">
             <a:extLst>
               <a:ext uri="{28A0092B-C50C-407E-A947-70E740481C1C}">
                 <a14:useLocalDpi xmlns:a14="http://schemas.microsoft.com/office/drawing/2010/main" val="0"/>
@@ -11166,8 +11553,8 @@
           </a:prstGeom>
         </p:spPr>
       </p:pic>
-      <mc:AlternateContent xmlns:mc="http://schemas.openxmlformats.org/markup-compatibility/2006" xmlns:a14="http://schemas.microsoft.com/office/drawing/2010/main">
-        <mc:Choice Requires="a14">
+      <mc:AlternateContent xmlns:mc="http://schemas.openxmlformats.org/markup-compatibility/2006">
+        <mc:Choice xmlns:a14="http://schemas.microsoft.com/office/drawing/2010/main" Requires="a14">
           <p:sp>
             <p:nvSpPr>
               <p:cNvPr id="16" name="文字方塊 15"/>
@@ -11176,7 +11563,7 @@
             </p:nvSpPr>
             <p:spPr>
               <a:xfrm>
-                <a:off x="15809699" y="18228565"/>
+                <a:off x="15685176" y="18303977"/>
                 <a:ext cx="13809689" cy="4530664"/>
               </a:xfrm>
               <a:prstGeom prst="rect">
@@ -11376,7 +11763,7 @@
             </p:txBody>
           </p:sp>
         </mc:Choice>
-        <mc:Fallback xmlns="">
+        <mc:Fallback>
           <p:sp>
             <p:nvSpPr>
               <p:cNvPr id="16" name="文字方塊 15"/>
@@ -11387,16 +11774,16 @@
             </p:nvSpPr>
             <p:spPr>
               <a:xfrm>
-                <a:off x="15809699" y="18228565"/>
+                <a:off x="15685176" y="18303977"/>
                 <a:ext cx="13809689" cy="4530664"/>
               </a:xfrm>
               <a:prstGeom prst="rect">
                 <a:avLst/>
               </a:prstGeom>
               <a:blipFill rotWithShape="0">
-                <a:blip r:embed="rId24"/>
+                <a:blip r:embed="rId32"/>
                 <a:stretch>
-                  <a:fillRect l="-1324" t="-1750" r="-1986" b="-4172"/>
+                  <a:fillRect l="-1325" t="-1884" r="-2031" b="-4172"/>
                 </a:stretch>
               </a:blipFill>
             </p:spPr>
@@ -11423,7 +11810,7 @@
         </p:nvSpPr>
         <p:spPr>
           <a:xfrm>
-            <a:off x="15695243" y="28304741"/>
+            <a:off x="14421994" y="28209144"/>
             <a:ext cx="14790543" cy="923330"/>
           </a:xfrm>
           <a:prstGeom prst="rect">
@@ -11436,25 +11823,13 @@
           </a:bodyPr>
           <a:lstStyle/>
           <a:p>
+            <a:pPr algn="ctr"/>
             <a:r>
               <a:rPr lang="en-US" altLang="zh-TW" sz="5400" b="1" dirty="0">
-                <a:solidFill>
-                  <a:srgbClr val="C0504D"/>
-                </a:solidFill>
                 <a:latin typeface="Arial" pitchFamily="34" charset="0"/>
                 <a:cs typeface="Arial" pitchFamily="34" charset="0"/>
               </a:rPr>
-              <a:t>Comparison of different detector size:</a:t>
-            </a:r>
-            <a:r>
-              <a:rPr lang="en-US" altLang="zh-TW" sz="5400" b="1" dirty="0">
-                <a:solidFill>
-                  <a:schemeClr val="accent2"/>
-                </a:solidFill>
-                <a:latin typeface="Arial" pitchFamily="34" charset="0"/>
-                <a:cs typeface="Arial" pitchFamily="34" charset="0"/>
-              </a:rPr>
-              <a:t> </a:t>
+              <a:t>Comparison of different detector size: </a:t>
             </a:r>
             <a:endParaRPr lang="zh-TW" altLang="en-US" sz="5400" baseline="-25000" dirty="0"/>
           </a:p>
@@ -11468,8 +11843,8 @@
         </p:nvSpPr>
         <p:spPr>
           <a:xfrm>
-            <a:off x="15551353" y="8050337"/>
-            <a:ext cx="14626855" cy="14934150"/>
+            <a:off x="15551353" y="7891489"/>
+            <a:ext cx="14626855" cy="15092998"/>
           </a:xfrm>
           <a:prstGeom prst="rect">
             <a:avLst/>
@@ -11479,6 +11854,7 @@
             <a:solidFill>
               <a:srgbClr val="22FF13"/>
             </a:solidFill>
+            <a:prstDash val="sysDot"/>
           </a:ln>
         </p:spPr>
         <p:style>
@@ -11525,6 +11901,7 @@
                 <a:lumMod val="75000"/>
               </a:schemeClr>
             </a:solidFill>
+            <a:prstDash val="sysDot"/>
           </a:ln>
         </p:spPr>
         <p:style>
@@ -11559,7 +11936,7 @@
           <p:nvPr/>
         </p:nvPicPr>
         <p:blipFill>
-          <a:blip r:embed="rId25">
+          <a:blip r:embed="rId33">
             <a:extLst>
               <a:ext uri="{28A0092B-C50C-407E-A947-70E740481C1C}">
                 <a14:useLocalDpi xmlns:a14="http://schemas.microsoft.com/office/drawing/2010/main" val="0"/>
@@ -11599,6 +11976,7 @@
             <a:solidFill>
               <a:srgbClr val="7030A0"/>
             </a:solidFill>
+            <a:prstDash val="sysDot"/>
           </a:ln>
         </p:spPr>
         <p:style>
@@ -11643,6 +12021,7 @@
             <a:solidFill>
               <a:srgbClr val="FFC000"/>
             </a:solidFill>
+            <a:prstDash val="sysDot"/>
           </a:ln>
         </p:spPr>
         <p:style>
@@ -11689,6 +12068,7 @@
                 <a:lumMod val="50000"/>
               </a:schemeClr>
             </a:solidFill>
+            <a:prstDash val="sysDot"/>
           </a:ln>
         </p:spPr>
         <p:style>
@@ -11714,276 +12094,6 @@
           </a:p>
         </p:txBody>
       </p:sp>
-      <p:pic>
-        <p:nvPicPr>
-          <p:cNvPr id="39" name="圖片 38"/>
-          <p:cNvPicPr>
-            <a:picLocks noChangeAspect="1"/>
-          </p:cNvPicPr>
-          <p:nvPr/>
-        </p:nvPicPr>
-        <p:blipFill>
-          <a:blip r:embed="rId26">
-            <a:extLst>
-              <a:ext uri="{28A0092B-C50C-407E-A947-70E740481C1C}">
-                <a14:useLocalDpi xmlns:a14="http://schemas.microsoft.com/office/drawing/2010/main" val="0"/>
-              </a:ext>
-            </a:extLst>
-          </a:blip>
-          <a:stretch>
-            <a:fillRect/>
-          </a:stretch>
-        </p:blipFill>
-        <p:spPr>
-          <a:xfrm>
-            <a:off x="20323286" y="13947779"/>
-            <a:ext cx="4720673" cy="3213721"/>
-          </a:xfrm>
-          <a:prstGeom prst="rect">
-            <a:avLst/>
-          </a:prstGeom>
-        </p:spPr>
-      </p:pic>
-      <p:pic>
-        <p:nvPicPr>
-          <p:cNvPr id="40" name="圖片 39"/>
-          <p:cNvPicPr>
-            <a:picLocks noChangeAspect="1"/>
-          </p:cNvPicPr>
-          <p:nvPr/>
-        </p:nvPicPr>
-        <p:blipFill>
-          <a:blip r:embed="rId27">
-            <a:extLst>
-              <a:ext uri="{28A0092B-C50C-407E-A947-70E740481C1C}">
-                <a14:useLocalDpi xmlns:a14="http://schemas.microsoft.com/office/drawing/2010/main" val="0"/>
-              </a:ext>
-            </a:extLst>
-          </a:blip>
-          <a:stretch>
-            <a:fillRect/>
-          </a:stretch>
-        </p:blipFill>
-        <p:spPr>
-          <a:xfrm>
-            <a:off x="25043959" y="13859627"/>
-            <a:ext cx="4956794" cy="3374466"/>
-          </a:xfrm>
-          <a:prstGeom prst="rect">
-            <a:avLst/>
-          </a:prstGeom>
-        </p:spPr>
-      </p:pic>
-      <p:pic>
-        <p:nvPicPr>
-          <p:cNvPr id="41" name="圖片 40"/>
-          <p:cNvPicPr>
-            <a:picLocks noChangeAspect="1"/>
-          </p:cNvPicPr>
-          <p:nvPr/>
-        </p:nvPicPr>
-        <p:blipFill>
-          <a:blip r:embed="rId28">
-            <a:extLst>
-              <a:ext uri="{28A0092B-C50C-407E-A947-70E740481C1C}">
-                <a14:useLocalDpi xmlns:a14="http://schemas.microsoft.com/office/drawing/2010/main" val="0"/>
-              </a:ext>
-            </a:extLst>
-          </a:blip>
-          <a:stretch>
-            <a:fillRect/>
-          </a:stretch>
-        </p:blipFill>
-        <p:spPr>
-          <a:xfrm>
-            <a:off x="15694910" y="13859724"/>
-            <a:ext cx="4693592" cy="3195285"/>
-          </a:xfrm>
-          <a:prstGeom prst="rect">
-            <a:avLst/>
-          </a:prstGeom>
-        </p:spPr>
-      </p:pic>
-      <p:pic>
-        <p:nvPicPr>
-          <p:cNvPr id="57" name="圖片 56"/>
-          <p:cNvPicPr>
-            <a:picLocks noChangeAspect="1"/>
-          </p:cNvPicPr>
-          <p:nvPr/>
-        </p:nvPicPr>
-        <p:blipFill>
-          <a:blip r:embed="rId29">
-            <a:extLst>
-              <a:ext uri="{28A0092B-C50C-407E-A947-70E740481C1C}">
-                <a14:useLocalDpi xmlns:a14="http://schemas.microsoft.com/office/drawing/2010/main" val="0"/>
-              </a:ext>
-            </a:extLst>
-          </a:blip>
-          <a:stretch>
-            <a:fillRect/>
-          </a:stretch>
-        </p:blipFill>
-        <p:spPr>
-          <a:xfrm>
-            <a:off x="20319411" y="9626130"/>
-            <a:ext cx="4840722" cy="3295448"/>
-          </a:xfrm>
-          <a:prstGeom prst="rect">
-            <a:avLst/>
-          </a:prstGeom>
-        </p:spPr>
-      </p:pic>
-      <p:pic>
-        <p:nvPicPr>
-          <p:cNvPr id="58" name="圖片 57"/>
-          <p:cNvPicPr>
-            <a:picLocks noChangeAspect="1"/>
-          </p:cNvPicPr>
-          <p:nvPr/>
-        </p:nvPicPr>
-        <p:blipFill>
-          <a:blip r:embed="rId30">
-            <a:extLst>
-              <a:ext uri="{28A0092B-C50C-407E-A947-70E740481C1C}">
-                <a14:useLocalDpi xmlns:a14="http://schemas.microsoft.com/office/drawing/2010/main" val="0"/>
-              </a:ext>
-            </a:extLst>
-          </a:blip>
-          <a:stretch>
-            <a:fillRect/>
-          </a:stretch>
-        </p:blipFill>
-        <p:spPr>
-          <a:xfrm>
-            <a:off x="15707755" y="9709497"/>
-            <a:ext cx="4573275" cy="3113376"/>
-          </a:xfrm>
-          <a:prstGeom prst="rect">
-            <a:avLst/>
-          </a:prstGeom>
-        </p:spPr>
-      </p:pic>
-      <p:pic>
-        <p:nvPicPr>
-          <p:cNvPr id="59" name="圖片 58"/>
-          <p:cNvPicPr>
-            <a:picLocks noChangeAspect="1"/>
-          </p:cNvPicPr>
-          <p:nvPr/>
-        </p:nvPicPr>
-        <p:blipFill>
-          <a:blip r:embed="rId31">
-            <a:extLst>
-              <a:ext uri="{28A0092B-C50C-407E-A947-70E740481C1C}">
-                <a14:useLocalDpi xmlns:a14="http://schemas.microsoft.com/office/drawing/2010/main" val="0"/>
-              </a:ext>
-            </a:extLst>
-          </a:blip>
-          <a:stretch>
-            <a:fillRect/>
-          </a:stretch>
-        </p:blipFill>
-        <p:spPr>
-          <a:xfrm>
-            <a:off x="24997327" y="9690156"/>
-            <a:ext cx="4693163" cy="3194993"/>
-          </a:xfrm>
-          <a:prstGeom prst="rect">
-            <a:avLst/>
-          </a:prstGeom>
-        </p:spPr>
-      </p:pic>
-      <p:pic>
-        <p:nvPicPr>
-          <p:cNvPr id="60" name="圖片 59"/>
-          <p:cNvPicPr>
-            <a:picLocks noChangeAspect="1"/>
-          </p:cNvPicPr>
-          <p:nvPr/>
-        </p:nvPicPr>
-        <p:blipFill>
-          <a:blip r:embed="rId32">
-            <a:extLst>
-              <a:ext uri="{28A0092B-C50C-407E-A947-70E740481C1C}">
-                <a14:useLocalDpi xmlns:a14="http://schemas.microsoft.com/office/drawing/2010/main" val="0"/>
-              </a:ext>
-            </a:extLst>
-          </a:blip>
-          <a:stretch>
-            <a:fillRect/>
-          </a:stretch>
-        </p:blipFill>
-        <p:spPr>
-          <a:xfrm>
-            <a:off x="16312847" y="24067846"/>
-            <a:ext cx="6204431" cy="4234770"/>
-          </a:xfrm>
-          <a:prstGeom prst="rect">
-            <a:avLst/>
-          </a:prstGeom>
-        </p:spPr>
-      </p:pic>
-      <p:pic>
-        <p:nvPicPr>
-          <p:cNvPr id="61" name="圖片 60"/>
-          <p:cNvPicPr>
-            <a:picLocks noChangeAspect="1"/>
-          </p:cNvPicPr>
-          <p:nvPr/>
-        </p:nvPicPr>
-        <p:blipFill>
-          <a:blip r:embed="rId33">
-            <a:extLst>
-              <a:ext uri="{28A0092B-C50C-407E-A947-70E740481C1C}">
-                <a14:useLocalDpi xmlns:a14="http://schemas.microsoft.com/office/drawing/2010/main" val="0"/>
-              </a:ext>
-            </a:extLst>
-          </a:blip>
-          <a:stretch>
-            <a:fillRect/>
-          </a:stretch>
-        </p:blipFill>
-        <p:spPr>
-          <a:xfrm>
-            <a:off x="22917580" y="24051937"/>
-            <a:ext cx="6178428" cy="4206126"/>
-          </a:xfrm>
-          <a:prstGeom prst="rect">
-            <a:avLst/>
-          </a:prstGeom>
-        </p:spPr>
-      </p:pic>
-      <p:pic>
-        <p:nvPicPr>
-          <p:cNvPr id="63" name="圖片 62"/>
-          <p:cNvPicPr>
-            <a:picLocks noChangeAspect="1"/>
-          </p:cNvPicPr>
-          <p:nvPr/>
-        </p:nvPicPr>
-        <p:blipFill>
-          <a:blip r:embed="rId34">
-            <a:extLst>
-              <a:ext uri="{28A0092B-C50C-407E-A947-70E740481C1C}">
-                <a14:useLocalDpi xmlns:a14="http://schemas.microsoft.com/office/drawing/2010/main" val="0"/>
-              </a:ext>
-            </a:extLst>
-          </a:blip>
-          <a:stretch>
-            <a:fillRect/>
-          </a:stretch>
-        </p:blipFill>
-        <p:spPr>
-          <a:xfrm>
-            <a:off x="16359212" y="29166515"/>
-            <a:ext cx="6111700" cy="4160699"/>
-          </a:xfrm>
-          <a:prstGeom prst="rect">
-            <a:avLst/>
-          </a:prstGeom>
-        </p:spPr>
-      </p:pic>
       <mc:AlternateContent xmlns:mc="http://schemas.openxmlformats.org/markup-compatibility/2006">
         <mc:Choice xmlns:a14="http://schemas.microsoft.com/office/drawing/2010/main" Requires="a14">
           <p:graphicFrame>
@@ -11995,14 +12105,14 @@
               <p:nvPr>
                 <p:extLst>
                   <p:ext uri="{D42A27DB-BD31-4B8C-83A1-F6EECF244321}">
-                    <p14:modId xmlns:p14="http://schemas.microsoft.com/office/powerpoint/2010/main" val="983824921"/>
+                    <p14:modId xmlns:p14="http://schemas.microsoft.com/office/powerpoint/2010/main" val="1321491817"/>
                   </p:ext>
                 </p:extLst>
               </p:nvPr>
             </p:nvGraphicFramePr>
             <p:xfrm>
-              <a:off x="15551353" y="34681188"/>
-              <a:ext cx="14385678" cy="6162631"/>
+              <a:off x="15685175" y="34625330"/>
+              <a:ext cx="14251856" cy="6218489"/>
             </p:xfrm>
             <a:graphic>
               <a:graphicData uri="http://schemas.openxmlformats.org/drawingml/2006/table">
@@ -12011,13 +12121,13 @@
                     <a:tableStyleId>{5C22544A-7EE6-4342-B048-85BDC9FD1C3A}</a:tableStyleId>
                   </a:tblPr>
                   <a:tblGrid>
-                    <a:gridCol w="3103980"/>
-                    <a:gridCol w="2712942"/>
-                    <a:gridCol w="2817126"/>
-                    <a:gridCol w="2817126"/>
-                    <a:gridCol w="2934504"/>
+                    <a:gridCol w="3075105"/>
+                    <a:gridCol w="2687705"/>
+                    <a:gridCol w="2790920"/>
+                    <a:gridCol w="2790920"/>
+                    <a:gridCol w="2907206"/>
                   </a:tblGrid>
-                  <a:tr h="1603051">
+                  <a:tr h="1617581">
                     <a:tc>
                       <a:txBody>
                         <a:bodyPr/>
@@ -12388,7 +12498,7 @@
                       <a:tcPr/>
                     </a:tc>
                   </a:tr>
-                  <a:tr h="1139895">
+                  <a:tr h="1150227">
                     <a:tc>
                       <a:txBody>
                         <a:bodyPr/>
@@ -12510,7 +12620,7 @@
                       <a:tcPr/>
                     </a:tc>
                   </a:tr>
-                  <a:tr h="1139895">
+                  <a:tr h="1150227">
                     <a:tc>
                       <a:txBody>
                         <a:bodyPr/>
@@ -12616,7 +12726,7 @@
                       <a:tcPr/>
                     </a:tc>
                   </a:tr>
-                  <a:tr h="1139895">
+                  <a:tr h="1150227">
                     <a:tc>
                       <a:txBody>
                         <a:bodyPr/>
@@ -12742,7 +12852,7 @@
                       <a:tcPr/>
                     </a:tc>
                   </a:tr>
-                  <a:tr h="1139895">
+                  <a:tr h="1150227">
                     <a:tc>
                       <a:txBody>
                         <a:bodyPr/>
@@ -12867,14 +12977,14 @@
               <p:nvPr>
                 <p:extLst>
                   <p:ext uri="{D42A27DB-BD31-4B8C-83A1-F6EECF244321}">
-                    <p14:modId xmlns:p14="http://schemas.microsoft.com/office/powerpoint/2010/main" val="983824921"/>
+                    <p14:modId xmlns:p14="http://schemas.microsoft.com/office/powerpoint/2010/main" val="1321491817"/>
                   </p:ext>
                 </p:extLst>
               </p:nvPr>
             </p:nvGraphicFramePr>
             <p:xfrm>
-              <a:off x="15551353" y="34681188"/>
-              <a:ext cx="14385678" cy="6162631"/>
+              <a:off x="15685175" y="34625330"/>
+              <a:ext cx="14251856" cy="6218489"/>
             </p:xfrm>
             <a:graphic>
               <a:graphicData uri="http://schemas.openxmlformats.org/drawingml/2006/table">
@@ -12883,13 +12993,13 @@
                     <a:tableStyleId>{5C22544A-7EE6-4342-B048-85BDC9FD1C3A}</a:tableStyleId>
                   </a:tblPr>
                   <a:tblGrid>
-                    <a:gridCol w="3103980"/>
-                    <a:gridCol w="2712942"/>
-                    <a:gridCol w="2817126"/>
-                    <a:gridCol w="2817126"/>
-                    <a:gridCol w="2934504"/>
+                    <a:gridCol w="3075105"/>
+                    <a:gridCol w="2687705"/>
+                    <a:gridCol w="2790920"/>
+                    <a:gridCol w="2790920"/>
+                    <a:gridCol w="2907206"/>
                   </a:tblGrid>
-                  <a:tr h="1603051">
+                  <a:tr h="1617581">
                     <a:tc>
                       <a:txBody>
                         <a:bodyPr/>
@@ -12922,9 +13032,9 @@
                       </a:txBody>
                       <a:tcPr>
                         <a:blipFill rotWithShape="0">
-                          <a:blip r:embed="rId35"/>
+                          <a:blip r:embed="rId34"/>
                           <a:stretch>
-                            <a:fillRect l="-114607" t="-4563" r="-317079" b="-301901"/>
+                            <a:fillRect l="-114739" t="-4511" r="-317007" b="-300000"/>
                           </a:stretch>
                         </a:blipFill>
                       </a:tcPr>
@@ -12939,9 +13049,9 @@
                       </a:txBody>
                       <a:tcPr>
                         <a:blipFill rotWithShape="0">
-                          <a:blip r:embed="rId35"/>
+                          <a:blip r:embed="rId34"/>
                           <a:stretch>
-                            <a:fillRect l="-206710" t="-4563" r="-205411" b="-301901"/>
+                            <a:fillRect l="-206769" t="-4511" r="-205240" b="-300000"/>
                           </a:stretch>
                         </a:blipFill>
                       </a:tcPr>
@@ -12956,9 +13066,9 @@
                       </a:txBody>
                       <a:tcPr>
                         <a:blipFill rotWithShape="0">
-                          <a:blip r:embed="rId35"/>
+                          <a:blip r:embed="rId34"/>
                           <a:stretch>
-                            <a:fillRect l="-306048" t="-4563" r="-104968" b="-301901"/>
+                            <a:fillRect l="-306769" t="-4511" r="-105240" b="-300000"/>
                           </a:stretch>
                         </a:blipFill>
                       </a:tcPr>
@@ -12973,15 +13083,15 @@
                       </a:txBody>
                       <a:tcPr>
                         <a:blipFill rotWithShape="0">
-                          <a:blip r:embed="rId35"/>
+                          <a:blip r:embed="rId34"/>
                           <a:stretch>
-                            <a:fillRect l="-390852" t="-4563" r="-1040" b="-301901"/>
+                            <a:fillRect l="-390566" t="-4511" r="-1048" b="-300000"/>
                           </a:stretch>
                         </a:blipFill>
                       </a:tcPr>
                     </a:tc>
                   </a:tr>
-                  <a:tr h="1139895">
+                  <a:tr h="1150227">
                     <a:tc>
                       <a:txBody>
                         <a:bodyPr/>
@@ -12992,9 +13102,9 @@
                       </a:txBody>
                       <a:tcPr>
                         <a:blipFill rotWithShape="0">
-                          <a:blip r:embed="rId35"/>
+                          <a:blip r:embed="rId34"/>
                           <a:stretch>
-                            <a:fillRect l="-196" t="-147059" r="-364637" b="-324599"/>
+                            <a:fillRect l="-397" t="-147872" r="-364881" b="-324468"/>
                           </a:stretch>
                         </a:blipFill>
                       </a:tcPr>
@@ -13076,7 +13186,7 @@
                       <a:tcPr/>
                     </a:tc>
                   </a:tr>
-                  <a:tr h="1139895">
+                  <a:tr h="1150227">
                     <a:tc>
                       <a:txBody>
                         <a:bodyPr/>
@@ -13087,9 +13197,9 @@
                       </a:txBody>
                       <a:tcPr>
                         <a:blipFill rotWithShape="0">
-                          <a:blip r:embed="rId35"/>
+                          <a:blip r:embed="rId34"/>
                           <a:stretch>
-                            <a:fillRect l="-196" t="-245745" r="-364637" b="-222872"/>
+                            <a:fillRect l="-397" t="-246561" r="-364881" b="-222751"/>
                           </a:stretch>
                         </a:blipFill>
                       </a:tcPr>
@@ -13155,7 +13265,7 @@
                       <a:tcPr/>
                     </a:tc>
                   </a:tr>
-                  <a:tr h="1139895">
+                  <a:tr h="1150227">
                     <a:tc>
                       <a:txBody>
                         <a:bodyPr/>
@@ -13166,9 +13276,9 @@
                       </a:txBody>
                       <a:tcPr>
                         <a:blipFill rotWithShape="0">
-                          <a:blip r:embed="rId35"/>
+                          <a:blip r:embed="rId34"/>
                           <a:stretch>
-                            <a:fillRect l="-196" t="-347594" r="-364637" b="-124064"/>
+                            <a:fillRect l="-397" t="-346561" r="-364881" b="-122751"/>
                           </a:stretch>
                         </a:blipFill>
                       </a:tcPr>
@@ -13250,7 +13360,7 @@
                       <a:tcPr/>
                     </a:tc>
                   </a:tr>
-                  <a:tr h="1139895">
+                  <a:tr h="1150227">
                     <a:tc>
                       <a:txBody>
                         <a:bodyPr/>
@@ -13261,9 +13371,9 @@
                       </a:txBody>
                       <a:tcPr>
                         <a:blipFill rotWithShape="0">
-                          <a:blip r:embed="rId35"/>
+                          <a:blip r:embed="rId34"/>
                           <a:stretch>
-                            <a:fillRect l="-196" t="-447594" r="-364637" b="-24064"/>
+                            <a:fillRect l="-397" t="-446561" r="-364881" b="-22751"/>
                           </a:stretch>
                         </a:blipFill>
                       </a:tcPr>
@@ -13335,16 +13445,345 @@
           </p:graphicFrame>
         </mc:Fallback>
       </mc:AlternateContent>
+      <mc:AlternateContent xmlns:mc="http://schemas.openxmlformats.org/markup-compatibility/2006">
+        <mc:Choice xmlns:a14="http://schemas.microsoft.com/office/drawing/2010/main" Requires="a14">
+          <p:sp>
+            <p:nvSpPr>
+              <p:cNvPr id="12" name="矩形 11"/>
+              <p:cNvSpPr/>
+              <p:nvPr/>
+            </p:nvSpPr>
+            <p:spPr>
+              <a:xfrm flipH="1">
+                <a:off x="19722472" y="9435336"/>
+                <a:ext cx="5735098" cy="707886"/>
+              </a:xfrm>
+              <a:prstGeom prst="rect">
+                <a:avLst/>
+              </a:prstGeom>
+            </p:spPr>
+            <p:txBody>
+              <a:bodyPr wrap="square">
+                <a:spAutoFit/>
+              </a:bodyPr>
+              <a:lstStyle/>
+              <a:p>
+                <a14:m>
+                  <m:oMathPara xmlns:m="http://schemas.openxmlformats.org/officeDocument/2006/math">
+                    <m:oMathParaPr>
+                      <m:jc m:val="centerGroup"/>
+                    </m:oMathParaPr>
+                    <m:oMath xmlns:m="http://schemas.openxmlformats.org/officeDocument/2006/math">
+                      <m:sSub>
+                        <m:sSubPr>
+                          <m:ctrlPr>
+                            <a:rPr kumimoji="1" lang="en-US" altLang="zh-TW" sz="4000" b="1" i="1">
+                              <a:latin typeface="Cambria Math" charset="0"/>
+                            </a:rPr>
+                          </m:ctrlPr>
+                        </m:sSubPr>
+                        <m:e>
+                          <m:r>
+                            <a:rPr kumimoji="1" lang="en-US" altLang="zh-TW" sz="4000" b="1" i="1">
+                              <a:latin typeface="Cambria Math" charset="0"/>
+                              <a:ea typeface="Cambria Math" charset="0"/>
+                              <a:cs typeface="Cambria Math" charset="0"/>
+                            </a:rPr>
+                            <m:t>𝝉</m:t>
+                          </m:r>
+                        </m:e>
+                        <m:sub>
+                          <m:r>
+                            <a:rPr kumimoji="1" lang="en-US" altLang="zh-TW" sz="4000" b="1" i="1">
+                              <a:latin typeface="Cambria Math" charset="0"/>
+                            </a:rPr>
+                            <m:t>𝟐𝟏</m:t>
+                          </m:r>
+                        </m:sub>
+                      </m:sSub>
+                    </m:oMath>
+                  </m:oMathPara>
+                </a14:m>
+                <a:endParaRPr lang="zh-TW" altLang="en-US" sz="4000" dirty="0"/>
+              </a:p>
+            </p:txBody>
+          </p:sp>
+        </mc:Choice>
+        <mc:Fallback>
+          <p:sp>
+            <p:nvSpPr>
+              <p:cNvPr id="12" name="矩形 11"/>
+              <p:cNvSpPr>
+                <a:spLocks noRot="1" noChangeAspect="1" noMove="1" noResize="1" noEditPoints="1" noAdjustHandles="1" noChangeArrowheads="1" noChangeShapeType="1" noTextEdit="1"/>
+              </p:cNvSpPr>
+              <p:nvPr/>
+            </p:nvSpPr>
+            <p:spPr>
+              <a:xfrm flipH="1">
+                <a:off x="19722472" y="9435336"/>
+                <a:ext cx="5735098" cy="707886"/>
+              </a:xfrm>
+              <a:prstGeom prst="rect">
+                <a:avLst/>
+              </a:prstGeom>
+              <a:blipFill rotWithShape="0">
+                <a:blip r:embed="rId35"/>
+                <a:stretch>
+                  <a:fillRect/>
+                </a:stretch>
+              </a:blipFill>
+            </p:spPr>
+            <p:txBody>
+              <a:bodyPr/>
+              <a:lstStyle/>
+              <a:p>
+                <a:r>
+                  <a:rPr lang="zh-TW" altLang="en-US">
+                    <a:noFill/>
+                  </a:rPr>
+                  <a:t> </a:t>
+                </a:r>
+              </a:p>
+            </p:txBody>
+          </p:sp>
+        </mc:Fallback>
+      </mc:AlternateContent>
+      <mc:AlternateContent xmlns:mc="http://schemas.openxmlformats.org/markup-compatibility/2006">
+        <mc:Choice xmlns:a14="http://schemas.microsoft.com/office/drawing/2010/main" Requires="a14">
+          <p:sp>
+            <p:nvSpPr>
+              <p:cNvPr id="24" name="矩形 23"/>
+              <p:cNvSpPr/>
+              <p:nvPr/>
+            </p:nvSpPr>
+            <p:spPr>
+              <a:xfrm>
+                <a:off x="26924100" y="9399977"/>
+                <a:ext cx="1031500" cy="707886"/>
+              </a:xfrm>
+              <a:prstGeom prst="rect">
+                <a:avLst/>
+              </a:prstGeom>
+            </p:spPr>
+            <p:txBody>
+              <a:bodyPr wrap="none">
+                <a:spAutoFit/>
+              </a:bodyPr>
+              <a:lstStyle/>
+              <a:p>
+                <a14:m>
+                  <m:oMathPara xmlns:m="http://schemas.openxmlformats.org/officeDocument/2006/math">
+                    <m:oMathParaPr>
+                      <m:jc m:val="centerGroup"/>
+                    </m:oMathParaPr>
+                    <m:oMath xmlns:m="http://schemas.openxmlformats.org/officeDocument/2006/math">
+                      <m:sSub>
+                        <m:sSubPr>
+                          <m:ctrlPr>
+                            <a:rPr kumimoji="1" lang="en-US" altLang="zh-TW" sz="4000" b="1" i="1">
+                              <a:latin typeface="Cambria Math" charset="0"/>
+                            </a:rPr>
+                          </m:ctrlPr>
+                        </m:sSubPr>
+                        <m:e>
+                          <m:r>
+                            <a:rPr kumimoji="1" lang="en-US" altLang="zh-TW" sz="4000" b="1" i="1">
+                              <a:latin typeface="Cambria Math" charset="0"/>
+                              <a:ea typeface="Cambria Math" charset="0"/>
+                              <a:cs typeface="Cambria Math" charset="0"/>
+                            </a:rPr>
+                            <m:t>𝝉</m:t>
+                          </m:r>
+                        </m:e>
+                        <m:sub>
+                          <m:r>
+                            <a:rPr kumimoji="1" lang="en-US" altLang="zh-TW" sz="4000" b="1" i="1">
+                              <a:latin typeface="Cambria Math" charset="0"/>
+                              <a:ea typeface="Cambria Math" charset="0"/>
+                              <a:cs typeface="Cambria Math" charset="0"/>
+                            </a:rPr>
+                            <m:t>𝟑𝟐</m:t>
+                          </m:r>
+                        </m:sub>
+                      </m:sSub>
+                    </m:oMath>
+                  </m:oMathPara>
+                </a14:m>
+                <a:endParaRPr lang="zh-TW" altLang="en-US" sz="4000" dirty="0"/>
+              </a:p>
+            </p:txBody>
+          </p:sp>
+        </mc:Choice>
+        <mc:Fallback>
+          <p:sp>
+            <p:nvSpPr>
+              <p:cNvPr id="24" name="矩形 23"/>
+              <p:cNvSpPr>
+                <a:spLocks noRot="1" noChangeAspect="1" noMove="1" noResize="1" noEditPoints="1" noAdjustHandles="1" noChangeArrowheads="1" noChangeShapeType="1" noTextEdit="1"/>
+              </p:cNvSpPr>
+              <p:nvPr/>
+            </p:nvSpPr>
+            <p:spPr>
+              <a:xfrm>
+                <a:off x="26924100" y="9399977"/>
+                <a:ext cx="1031500" cy="707886"/>
+              </a:xfrm>
+              <a:prstGeom prst="rect">
+                <a:avLst/>
+              </a:prstGeom>
+              <a:blipFill rotWithShape="0">
+                <a:blip r:embed="rId36"/>
+                <a:stretch>
+                  <a:fillRect/>
+                </a:stretch>
+              </a:blipFill>
+            </p:spPr>
+            <p:txBody>
+              <a:bodyPr/>
+              <a:lstStyle/>
+              <a:p>
+                <a:r>
+                  <a:rPr lang="zh-TW" altLang="en-US">
+                    <a:noFill/>
+                  </a:rPr>
+                  <a:t> </a:t>
+                </a:r>
+              </a:p>
+            </p:txBody>
+          </p:sp>
+        </mc:Fallback>
+      </mc:AlternateContent>
+      <mc:AlternateContent xmlns:mc="http://schemas.openxmlformats.org/markup-compatibility/2006">
+        <mc:Choice xmlns:a14="http://schemas.microsoft.com/office/drawing/2010/main" Requires="a14">
+          <p:sp>
+            <p:nvSpPr>
+              <p:cNvPr id="30" name="矩形 29"/>
+              <p:cNvSpPr/>
+              <p:nvPr/>
+            </p:nvSpPr>
+            <p:spPr>
+              <a:xfrm>
+                <a:off x="17666453" y="9387857"/>
+                <a:ext cx="1178977" cy="869469"/>
+              </a:xfrm>
+              <a:prstGeom prst="rect">
+                <a:avLst/>
+              </a:prstGeom>
+            </p:spPr>
+            <p:txBody>
+              <a:bodyPr wrap="none">
+                <a:spAutoFit/>
+              </a:bodyPr>
+              <a:lstStyle/>
+              <a:p>
+                <a14:m>
+                  <m:oMathPara xmlns:m="http://schemas.openxmlformats.org/officeDocument/2006/math">
+                    <m:oMathParaPr>
+                      <m:jc m:val="centerGroup"/>
+                    </m:oMathParaPr>
+                    <m:oMath xmlns:m="http://schemas.openxmlformats.org/officeDocument/2006/math">
+                      <m:sSubSup>
+                        <m:sSubSupPr>
+                          <m:ctrlPr>
+                            <a:rPr kumimoji="1" lang="en-US" altLang="zh-TW" sz="4000" b="1" i="1" smtClean="0">
+                              <a:latin typeface="Cambria Math" charset="0"/>
+                            </a:rPr>
+                          </m:ctrlPr>
+                        </m:sSubSupPr>
+                        <m:e>
+                          <m:r>
+                            <a:rPr kumimoji="1" lang="en-US" altLang="zh-TW" sz="4000" b="1" i="1">
+                              <a:latin typeface="Cambria Math" charset="0"/>
+                            </a:rPr>
+                            <m:t>𝑪</m:t>
+                          </m:r>
+                        </m:e>
+                        <m:sub>
+                          <m:r>
+                            <a:rPr kumimoji="1" lang="en-US" altLang="zh-TW" sz="4000" b="1" i="1">
+                              <a:latin typeface="Cambria Math" charset="0"/>
+                            </a:rPr>
+                            <m:t>𝟐</m:t>
+                          </m:r>
+                        </m:sub>
+                        <m:sup>
+                          <m:r>
+                            <a:rPr kumimoji="1" lang="en-US" altLang="zh-TW" sz="4000" b="1" i="1" smtClean="0">
+                              <a:latin typeface="Cambria Math" charset="0"/>
+                            </a:rPr>
+                            <m:t>(</m:t>
+                          </m:r>
+                          <m:r>
+                            <a:rPr kumimoji="1" lang="en-US" altLang="zh-TW" sz="4000" b="1" i="1">
+                              <a:latin typeface="Cambria Math" charset="0"/>
+                            </a:rPr>
+                            <m:t>𝟏</m:t>
+                          </m:r>
+                          <m:r>
+                            <a:rPr kumimoji="1" lang="en-US" altLang="zh-TW" sz="4000" b="1" i="1" smtClean="0">
+                              <a:latin typeface="Cambria Math" charset="0"/>
+                            </a:rPr>
+                            <m:t>)</m:t>
+                          </m:r>
+                        </m:sup>
+                      </m:sSubSup>
+                    </m:oMath>
+                  </m:oMathPara>
+                </a14:m>
+                <a:endParaRPr lang="zh-TW" altLang="en-US" sz="4000" dirty="0"/>
+              </a:p>
+            </p:txBody>
+          </p:sp>
+        </mc:Choice>
+        <mc:Fallback>
+          <p:sp>
+            <p:nvSpPr>
+              <p:cNvPr id="30" name="矩形 29"/>
+              <p:cNvSpPr>
+                <a:spLocks noRot="1" noChangeAspect="1" noMove="1" noResize="1" noEditPoints="1" noAdjustHandles="1" noChangeArrowheads="1" noChangeShapeType="1" noTextEdit="1"/>
+              </p:cNvSpPr>
+              <p:nvPr/>
+            </p:nvSpPr>
+            <p:spPr>
+              <a:xfrm>
+                <a:off x="17666453" y="9387857"/>
+                <a:ext cx="1178977" cy="869469"/>
+              </a:xfrm>
+              <a:prstGeom prst="rect">
+                <a:avLst/>
+              </a:prstGeom>
+              <a:blipFill rotWithShape="0">
+                <a:blip r:embed="rId37"/>
+                <a:stretch>
+                  <a:fillRect/>
+                </a:stretch>
+              </a:blipFill>
+            </p:spPr>
+            <p:txBody>
+              <a:bodyPr/>
+              <a:lstStyle/>
+              <a:p>
+                <a:r>
+                  <a:rPr lang="zh-TW" altLang="en-US">
+                    <a:noFill/>
+                  </a:rPr>
+                  <a:t> </a:t>
+                </a:r>
+              </a:p>
+            </p:txBody>
+          </p:sp>
+        </mc:Fallback>
+      </mc:AlternateContent>
       <p:pic>
         <p:nvPicPr>
-          <p:cNvPr id="67" name="圖片 66"/>
+          <p:cNvPr id="50" name="圖片 49"/>
           <p:cNvPicPr>
             <a:picLocks noChangeAspect="1"/>
           </p:cNvPicPr>
           <p:nvPr/>
         </p:nvPicPr>
         <p:blipFill>
-          <a:blip r:embed="rId36">
+          <a:blip r:embed="rId38">
             <a:extLst>
               <a:ext uri="{28A0092B-C50C-407E-A947-70E740481C1C}">
                 <a14:useLocalDpi xmlns:a14="http://schemas.microsoft.com/office/drawing/2010/main" val="0"/>
@@ -13357,14 +13796,1400 @@
         </p:blipFill>
         <p:spPr>
           <a:xfrm>
-            <a:off x="23034057" y="29223610"/>
-            <a:ext cx="5943963" cy="4046507"/>
+            <a:off x="16359212" y="24186412"/>
+            <a:ext cx="6130693" cy="4216879"/>
           </a:xfrm>
           <a:prstGeom prst="rect">
             <a:avLst/>
           </a:prstGeom>
         </p:spPr>
       </p:pic>
+      <p:pic>
+        <p:nvPicPr>
+          <p:cNvPr id="51" name="圖片 50"/>
+          <p:cNvPicPr>
+            <a:picLocks noChangeAspect="1"/>
+          </p:cNvPicPr>
+          <p:nvPr/>
+        </p:nvPicPr>
+        <p:blipFill>
+          <a:blip r:embed="rId39">
+            <a:extLst>
+              <a:ext uri="{28A0092B-C50C-407E-A947-70E740481C1C}">
+                <a14:useLocalDpi xmlns:a14="http://schemas.microsoft.com/office/drawing/2010/main" val="0"/>
+              </a:ext>
+            </a:extLst>
+          </a:blip>
+          <a:stretch>
+            <a:fillRect/>
+          </a:stretch>
+        </p:blipFill>
+        <p:spPr>
+          <a:xfrm>
+            <a:off x="23034057" y="24134385"/>
+            <a:ext cx="6178480" cy="4249748"/>
+          </a:xfrm>
+          <a:prstGeom prst="rect">
+            <a:avLst/>
+          </a:prstGeom>
+        </p:spPr>
+      </p:pic>
+      <mc:AlternateContent xmlns:mc="http://schemas.openxmlformats.org/markup-compatibility/2006">
+        <mc:Choice xmlns:a14="http://schemas.microsoft.com/office/drawing/2010/main" Requires="a14">
+          <p:sp>
+            <p:nvSpPr>
+              <p:cNvPr id="54" name="文字方塊 53"/>
+              <p:cNvSpPr txBox="1"/>
+              <p:nvPr/>
+            </p:nvSpPr>
+            <p:spPr>
+              <a:xfrm>
+                <a:off x="17176342" y="23967405"/>
+                <a:ext cx="4778808" cy="1446550"/>
+              </a:xfrm>
+              <a:prstGeom prst="rect">
+                <a:avLst/>
+              </a:prstGeom>
+              <a:noFill/>
+            </p:spPr>
+            <p:txBody>
+              <a:bodyPr wrap="square" rtlCol="0">
+                <a:spAutoFit/>
+              </a:bodyPr>
+              <a:lstStyle/>
+              <a:p>
+                <a:r>
+                  <a:rPr kumimoji="1" lang="en-US" altLang="zh-TW" sz="4400" dirty="0" smtClean="0"/>
+                  <a:t>Soft drop </a:t>
+                </a:r>
+                <a14:m>
+                  <m:oMath xmlns:m="http://schemas.openxmlformats.org/officeDocument/2006/math">
+                    <m:r>
+                      <a:rPr lang="en-US" altLang="zh-TW" sz="4400" b="1" i="1" dirty="0">
+                        <a:latin typeface="Cambria Math" charset="0"/>
+                        <a:ea typeface="Cambria Math" charset="0"/>
+                        <a:cs typeface="Cambria Math" charset="0"/>
+                      </a:rPr>
+                      <m:t>𝜷</m:t>
+                    </m:r>
+                    <m:r>
+                      <a:rPr lang="en-US" altLang="zh-TW" sz="4400" b="1" i="1" dirty="0">
+                        <a:latin typeface="Cambria Math" charset="0"/>
+                        <a:ea typeface="Cambria Math" charset="0"/>
+                        <a:cs typeface="Cambria Math" charset="0"/>
+                      </a:rPr>
+                      <m:t>=</m:t>
+                    </m:r>
+                    <m:r>
+                      <a:rPr lang="en-US" altLang="zh-TW" sz="4400" b="1" i="1" dirty="0" smtClean="0">
+                        <a:latin typeface="Cambria Math" charset="0"/>
+                        <a:ea typeface="Cambria Math" charset="0"/>
+                        <a:cs typeface="Cambria Math" charset="0"/>
+                      </a:rPr>
+                      <m:t>𝟎</m:t>
+                    </m:r>
+                  </m:oMath>
+                </a14:m>
+                <a:endParaRPr kumimoji="1" lang="zh-TW" altLang="en-US" sz="4400" dirty="0"/>
+              </a:p>
+              <a:p>
+                <a:endParaRPr kumimoji="1" lang="zh-TW" altLang="en-US" sz="4400" dirty="0"/>
+              </a:p>
+            </p:txBody>
+          </p:sp>
+        </mc:Choice>
+        <mc:Fallback>
+          <p:sp>
+            <p:nvSpPr>
+              <p:cNvPr id="54" name="文字方塊 53"/>
+              <p:cNvSpPr txBox="1">
+                <a:spLocks noRot="1" noChangeAspect="1" noMove="1" noResize="1" noEditPoints="1" noAdjustHandles="1" noChangeArrowheads="1" noChangeShapeType="1" noTextEdit="1"/>
+              </p:cNvSpPr>
+              <p:nvPr/>
+            </p:nvSpPr>
+            <p:spPr>
+              <a:xfrm>
+                <a:off x="17176342" y="23967405"/>
+                <a:ext cx="4778808" cy="1446550"/>
+              </a:xfrm>
+              <a:prstGeom prst="rect">
+                <a:avLst/>
+              </a:prstGeom>
+              <a:blipFill rotWithShape="0">
+                <a:blip r:embed="rId40"/>
+                <a:stretch>
+                  <a:fillRect l="-5230" t="-8861"/>
+                </a:stretch>
+              </a:blipFill>
+            </p:spPr>
+            <p:txBody>
+              <a:bodyPr/>
+              <a:lstStyle/>
+              <a:p>
+                <a:r>
+                  <a:rPr lang="zh-TW" altLang="en-US">
+                    <a:noFill/>
+                  </a:rPr>
+                  <a:t> </a:t>
+                </a:r>
+              </a:p>
+            </p:txBody>
+          </p:sp>
+        </mc:Fallback>
+      </mc:AlternateContent>
+      <mc:AlternateContent xmlns:mc="http://schemas.openxmlformats.org/markup-compatibility/2006">
+        <mc:Choice xmlns:a14="http://schemas.microsoft.com/office/drawing/2010/main" Requires="a14">
+          <p:sp>
+            <p:nvSpPr>
+              <p:cNvPr id="56" name="矩形 55"/>
+              <p:cNvSpPr/>
+              <p:nvPr/>
+            </p:nvSpPr>
+            <p:spPr>
+              <a:xfrm>
+                <a:off x="24046495" y="23976968"/>
+                <a:ext cx="3669018" cy="707886"/>
+              </a:xfrm>
+              <a:prstGeom prst="rect">
+                <a:avLst/>
+              </a:prstGeom>
+            </p:spPr>
+            <p:txBody>
+              <a:bodyPr wrap="none">
+                <a:spAutoFit/>
+              </a:bodyPr>
+              <a:lstStyle/>
+              <a:p>
+                <a:r>
+                  <a:rPr kumimoji="1" lang="en-US" altLang="zh-TW" sz="4000" dirty="0" smtClean="0"/>
+                  <a:t>Soft drop </a:t>
+                </a:r>
+                <a14:m>
+                  <m:oMath xmlns:m="http://schemas.openxmlformats.org/officeDocument/2006/math">
+                    <m:r>
+                      <a:rPr lang="en-US" altLang="zh-TW" sz="4000" b="1" i="1" dirty="0">
+                        <a:latin typeface="Cambria Math" charset="0"/>
+                        <a:ea typeface="Cambria Math" charset="0"/>
+                        <a:cs typeface="Cambria Math" charset="0"/>
+                      </a:rPr>
+                      <m:t>𝜷</m:t>
+                    </m:r>
+                    <m:r>
+                      <a:rPr lang="en-US" altLang="zh-TW" sz="4000" b="1" i="1" dirty="0">
+                        <a:latin typeface="Cambria Math" charset="0"/>
+                        <a:ea typeface="Cambria Math" charset="0"/>
+                        <a:cs typeface="Cambria Math" charset="0"/>
+                      </a:rPr>
+                      <m:t>=</m:t>
+                    </m:r>
+                    <m:r>
+                      <a:rPr lang="en-US" altLang="zh-TW" sz="4000" b="1" i="1" dirty="0" smtClean="0">
+                        <a:latin typeface="Cambria Math" charset="0"/>
+                        <a:ea typeface="Cambria Math" charset="0"/>
+                        <a:cs typeface="Cambria Math" charset="0"/>
+                      </a:rPr>
+                      <m:t>𝟐</m:t>
+                    </m:r>
+                  </m:oMath>
+                </a14:m>
+                <a:r>
+                  <a:rPr kumimoji="1" lang="en-US" altLang="zh-TW" sz="4000" dirty="0"/>
+                  <a:t> </a:t>
+                </a:r>
+                <a:endParaRPr lang="zh-TW" altLang="en-US" sz="4000" dirty="0"/>
+              </a:p>
+            </p:txBody>
+          </p:sp>
+        </mc:Choice>
+        <mc:Fallback>
+          <p:sp>
+            <p:nvSpPr>
+              <p:cNvPr id="56" name="矩形 55"/>
+              <p:cNvSpPr>
+                <a:spLocks noRot="1" noChangeAspect="1" noMove="1" noResize="1" noEditPoints="1" noAdjustHandles="1" noChangeArrowheads="1" noChangeShapeType="1" noTextEdit="1"/>
+              </p:cNvSpPr>
+              <p:nvPr/>
+            </p:nvSpPr>
+            <p:spPr>
+              <a:xfrm>
+                <a:off x="24046495" y="23976968"/>
+                <a:ext cx="3669018" cy="707886"/>
+              </a:xfrm>
+              <a:prstGeom prst="rect">
+                <a:avLst/>
+              </a:prstGeom>
+              <a:blipFill rotWithShape="0">
+                <a:blip r:embed="rId41"/>
+                <a:stretch>
+                  <a:fillRect l="-5980" t="-15517" b="-36207"/>
+                </a:stretch>
+              </a:blipFill>
+            </p:spPr>
+            <p:txBody>
+              <a:bodyPr/>
+              <a:lstStyle/>
+              <a:p>
+                <a:r>
+                  <a:rPr lang="zh-TW" altLang="en-US">
+                    <a:noFill/>
+                  </a:rPr>
+                  <a:t> </a:t>
+                </a:r>
+              </a:p>
+            </p:txBody>
+          </p:sp>
+        </mc:Fallback>
+      </mc:AlternateContent>
+      <mc:AlternateContent xmlns:mc="http://schemas.openxmlformats.org/markup-compatibility/2006">
+        <mc:Choice xmlns:a14="http://schemas.microsoft.com/office/drawing/2010/main" Requires="a14">
+          <p:graphicFrame>
+            <p:nvGraphicFramePr>
+              <p:cNvPr id="70" name="表格 69"/>
+              <p:cNvGraphicFramePr>
+                <a:graphicFrameLocks noGrp="1"/>
+              </p:cNvGraphicFramePr>
+              <p:nvPr>
+                <p:extLst>
+                  <p:ext uri="{D42A27DB-BD31-4B8C-83A1-F6EECF244321}">
+                    <p14:modId xmlns:p14="http://schemas.microsoft.com/office/powerpoint/2010/main" val="1504973333"/>
+                  </p:ext>
+                </p:extLst>
+              </p:nvPr>
+            </p:nvGraphicFramePr>
+            <p:xfrm>
+              <a:off x="15673772" y="18418598"/>
+              <a:ext cx="14429680" cy="4547686"/>
+            </p:xfrm>
+            <a:graphic>
+              <a:graphicData uri="http://schemas.openxmlformats.org/drawingml/2006/table">
+                <a:tbl>
+                  <a:tblPr firstRow="1" bandRow="1">
+                    <a:tableStyleId>{93296810-A885-4BE3-A3E7-6D5BEEA58F35}</a:tableStyleId>
+                  </a:tblPr>
+                  <a:tblGrid>
+                    <a:gridCol w="2885936"/>
+                    <a:gridCol w="2885936"/>
+                    <a:gridCol w="2885936"/>
+                    <a:gridCol w="2885936"/>
+                    <a:gridCol w="2885936"/>
+                  </a:tblGrid>
+                  <a:tr h="1426660">
+                    <a:tc>
+                      <a:txBody>
+                        <a:bodyPr/>
+                        <a:lstStyle/>
+                        <a:p>
+                          <a:endParaRPr lang="zh-TW" altLang="en-US" dirty="0"/>
+                        </a:p>
+                      </a:txBody>
+                      <a:tcPr/>
+                    </a:tc>
+                    <a:tc>
+                      <a:txBody>
+                        <a:bodyPr/>
+                        <a:lstStyle/>
+                        <a:p>
+                          <a:pPr marL="0" marR="0" indent="0" algn="ctr" defTabSz="2088078" rtl="0" eaLnBrk="1" fontAlgn="auto" latinLnBrk="0" hangingPunct="1">
+                            <a:lnSpc>
+                              <a:spcPct val="100000"/>
+                            </a:lnSpc>
+                            <a:spcBef>
+                              <a:spcPts val="0"/>
+                            </a:spcBef>
+                            <a:spcAft>
+                              <a:spcPts val="0"/>
+                            </a:spcAft>
+                            <a:buClrTx/>
+                            <a:buSzTx/>
+                            <a:buFontTx/>
+                            <a:buNone/>
+                            <a:tabLst/>
+                            <a:defRPr/>
+                          </a:pPr>
+                          <a:endParaRPr lang="en-US" altLang="zh-TW" sz="2800" dirty="0" smtClean="0"/>
+                        </a:p>
+                        <a:p>
+                          <a:pPr marL="0" marR="0" indent="0" algn="ctr" defTabSz="2088078" rtl="0" eaLnBrk="1" fontAlgn="auto" latinLnBrk="0" hangingPunct="1">
+                            <a:lnSpc>
+                              <a:spcPct val="100000"/>
+                            </a:lnSpc>
+                            <a:spcBef>
+                              <a:spcPts val="0"/>
+                            </a:spcBef>
+                            <a:spcAft>
+                              <a:spcPts val="0"/>
+                            </a:spcAft>
+                            <a:buClrTx/>
+                            <a:buSzTx/>
+                            <a:buFontTx/>
+                            <a:buNone/>
+                            <a:tabLst/>
+                            <a:defRPr/>
+                          </a:pPr>
+                          <a14:m>
+                            <m:oMathPara xmlns:m="http://schemas.openxmlformats.org/officeDocument/2006/math">
+                              <m:oMathParaPr>
+                                <m:jc m:val="centerGroup"/>
+                              </m:oMathParaPr>
+                              <m:oMath xmlns:m="http://schemas.openxmlformats.org/officeDocument/2006/math">
+                                <m:rad>
+                                  <m:radPr>
+                                    <m:degHide m:val="on"/>
+                                    <m:ctrlPr>
+                                      <a:rPr lang="zh-TW" altLang="en-US" sz="2800" smtClean="0"/>
+                                    </m:ctrlPr>
+                                  </m:radPr>
+                                  <m:deg/>
+                                  <m:e>
+                                    <m:r>
+                                      <a:rPr lang="en-US" altLang="zh-TW" sz="2800" smtClean="0"/>
+                                      <m:t>𝒔</m:t>
+                                    </m:r>
+                                  </m:e>
+                                </m:rad>
+                                <m:r>
+                                  <a:rPr lang="en-US" altLang="zh-TW" sz="2800" smtClean="0"/>
+                                  <m:t>=</m:t>
+                                </m:r>
+                                <m:r>
+                                  <a:rPr lang="en-US" altLang="zh-TW" sz="2800" smtClean="0"/>
+                                  <m:t>𝟓</m:t>
+                                </m:r>
+                                <m:r>
+                                  <a:rPr lang="en-US" altLang="zh-TW" sz="2800" smtClean="0"/>
+                                  <m:t>𝑻𝒆𝑽</m:t>
+                                </m:r>
+                              </m:oMath>
+                            </m:oMathPara>
+                          </a14:m>
+                          <a:endParaRPr lang="zh-TW" altLang="en-US" sz="2800" dirty="0"/>
+                        </a:p>
+                        <a:p>
+                          <a:pPr algn="ctr"/>
+                          <a:endParaRPr lang="zh-TW" altLang="en-US" sz="2800" dirty="0"/>
+                        </a:p>
+                      </a:txBody>
+                      <a:tcPr/>
+                    </a:tc>
+                    <a:tc>
+                      <a:txBody>
+                        <a:bodyPr/>
+                        <a:lstStyle/>
+                        <a:p>
+                          <a:pPr marL="0" marR="0" indent="0" algn="ctr" defTabSz="2088078" rtl="0" eaLnBrk="1" fontAlgn="auto" latinLnBrk="0" hangingPunct="1">
+                            <a:lnSpc>
+                              <a:spcPct val="100000"/>
+                            </a:lnSpc>
+                            <a:spcBef>
+                              <a:spcPts val="0"/>
+                            </a:spcBef>
+                            <a:spcAft>
+                              <a:spcPts val="0"/>
+                            </a:spcAft>
+                            <a:buClrTx/>
+                            <a:buSzTx/>
+                            <a:buFontTx/>
+                            <a:buNone/>
+                            <a:tabLst/>
+                            <a:defRPr/>
+                          </a:pPr>
+                          <a:endParaRPr lang="en-US" altLang="zh-TW" sz="2800" dirty="0" smtClean="0"/>
+                        </a:p>
+                        <a:p>
+                          <a:pPr marL="0" marR="0" indent="0" algn="ctr" defTabSz="2088078" rtl="0" eaLnBrk="1" fontAlgn="auto" latinLnBrk="0" hangingPunct="1">
+                            <a:lnSpc>
+                              <a:spcPct val="100000"/>
+                            </a:lnSpc>
+                            <a:spcBef>
+                              <a:spcPts val="0"/>
+                            </a:spcBef>
+                            <a:spcAft>
+                              <a:spcPts val="0"/>
+                            </a:spcAft>
+                            <a:buClrTx/>
+                            <a:buSzTx/>
+                            <a:buFontTx/>
+                            <a:buNone/>
+                            <a:tabLst/>
+                            <a:defRPr/>
+                          </a:pPr>
+                          <a14:m>
+                            <m:oMathPara xmlns:m="http://schemas.openxmlformats.org/officeDocument/2006/math">
+                              <m:oMathParaPr>
+                                <m:jc m:val="centerGroup"/>
+                              </m:oMathParaPr>
+                              <m:oMath xmlns:m="http://schemas.openxmlformats.org/officeDocument/2006/math">
+                                <m:rad>
+                                  <m:radPr>
+                                    <m:degHide m:val="on"/>
+                                    <m:ctrlPr>
+                                      <a:rPr lang="zh-TW" altLang="en-US" sz="2800" smtClean="0"/>
+                                    </m:ctrlPr>
+                                  </m:radPr>
+                                  <m:deg/>
+                                  <m:e>
+                                    <m:r>
+                                      <a:rPr lang="en-US" altLang="zh-TW" sz="2800" smtClean="0"/>
+                                      <m:t>𝒔</m:t>
+                                    </m:r>
+                                  </m:e>
+                                </m:rad>
+                                <m:r>
+                                  <a:rPr lang="en-US" altLang="zh-TW" sz="2800" smtClean="0"/>
+                                  <m:t>=</m:t>
+                                </m:r>
+                                <m:r>
+                                  <a:rPr lang="en-US" altLang="zh-TW" sz="2800" smtClean="0"/>
+                                  <m:t>𝟏𝟎</m:t>
+                                </m:r>
+                                <m:r>
+                                  <a:rPr lang="en-US" altLang="zh-TW" sz="2800" smtClean="0"/>
+                                  <m:t>𝑻𝒆𝑽</m:t>
+                                </m:r>
+                              </m:oMath>
+                            </m:oMathPara>
+                          </a14:m>
+                          <a:endParaRPr lang="zh-TW" altLang="en-US" sz="2800" dirty="0"/>
+                        </a:p>
+                        <a:p>
+                          <a:pPr algn="ctr"/>
+                          <a:endParaRPr lang="zh-TW" altLang="en-US" sz="2800" dirty="0"/>
+                        </a:p>
+                      </a:txBody>
+                      <a:tcPr/>
+                    </a:tc>
+                    <a:tc>
+                      <a:txBody>
+                        <a:bodyPr/>
+                        <a:lstStyle/>
+                        <a:p>
+                          <a:pPr marL="0" marR="0" indent="0" algn="ctr" defTabSz="2088078" rtl="0" eaLnBrk="1" fontAlgn="auto" latinLnBrk="0" hangingPunct="1">
+                            <a:lnSpc>
+                              <a:spcPct val="100000"/>
+                            </a:lnSpc>
+                            <a:spcBef>
+                              <a:spcPts val="0"/>
+                            </a:spcBef>
+                            <a:spcAft>
+                              <a:spcPts val="0"/>
+                            </a:spcAft>
+                            <a:buClrTx/>
+                            <a:buSzTx/>
+                            <a:buFontTx/>
+                            <a:buNone/>
+                            <a:tabLst/>
+                            <a:defRPr/>
+                          </a:pPr>
+                          <a:endParaRPr lang="en-US" altLang="zh-TW" sz="2800" dirty="0" smtClean="0"/>
+                        </a:p>
+                        <a:p>
+                          <a:pPr marL="0" marR="0" indent="0" algn="ctr" defTabSz="2088078" rtl="0" eaLnBrk="1" fontAlgn="auto" latinLnBrk="0" hangingPunct="1">
+                            <a:lnSpc>
+                              <a:spcPct val="100000"/>
+                            </a:lnSpc>
+                            <a:spcBef>
+                              <a:spcPts val="0"/>
+                            </a:spcBef>
+                            <a:spcAft>
+                              <a:spcPts val="0"/>
+                            </a:spcAft>
+                            <a:buClrTx/>
+                            <a:buSzTx/>
+                            <a:buFontTx/>
+                            <a:buNone/>
+                            <a:tabLst/>
+                            <a:defRPr/>
+                          </a:pPr>
+                          <a14:m>
+                            <m:oMathPara xmlns:m="http://schemas.openxmlformats.org/officeDocument/2006/math">
+                              <m:oMathParaPr>
+                                <m:jc m:val="centerGroup"/>
+                              </m:oMathParaPr>
+                              <m:oMath xmlns:m="http://schemas.openxmlformats.org/officeDocument/2006/math">
+                                <m:rad>
+                                  <m:radPr>
+                                    <m:degHide m:val="on"/>
+                                    <m:ctrlPr>
+                                      <a:rPr lang="zh-TW" altLang="en-US" sz="2800" smtClean="0"/>
+                                    </m:ctrlPr>
+                                  </m:radPr>
+                                  <m:deg/>
+                                  <m:e>
+                                    <m:r>
+                                      <a:rPr lang="en-US" altLang="zh-TW" sz="2800" smtClean="0"/>
+                                      <m:t>𝒔</m:t>
+                                    </m:r>
+                                  </m:e>
+                                </m:rad>
+                                <m:r>
+                                  <a:rPr lang="en-US" altLang="zh-TW" sz="2800" smtClean="0"/>
+                                  <m:t>=</m:t>
+                                </m:r>
+                                <m:r>
+                                  <a:rPr lang="en-US" altLang="zh-TW" sz="2800" smtClean="0"/>
+                                  <m:t>𝟐𝟎</m:t>
+                                </m:r>
+                                <m:r>
+                                  <a:rPr lang="en-US" altLang="zh-TW" sz="2800" smtClean="0"/>
+                                  <m:t>𝑻𝒆𝑽</m:t>
+                                </m:r>
+                              </m:oMath>
+                            </m:oMathPara>
+                          </a14:m>
+                          <a:endParaRPr lang="zh-TW" altLang="en-US" sz="2800" dirty="0"/>
+                        </a:p>
+                        <a:p>
+                          <a:pPr algn="ctr"/>
+                          <a:endParaRPr lang="zh-TW" altLang="en-US" sz="2800" dirty="0"/>
+                        </a:p>
+                      </a:txBody>
+                      <a:tcPr/>
+                    </a:tc>
+                    <a:tc>
+                      <a:txBody>
+                        <a:bodyPr/>
+                        <a:lstStyle/>
+                        <a:p>
+                          <a:pPr marL="0" marR="0" indent="0" algn="ctr" defTabSz="2088078" rtl="0" eaLnBrk="1" fontAlgn="auto" latinLnBrk="0" hangingPunct="1">
+                            <a:lnSpc>
+                              <a:spcPct val="100000"/>
+                            </a:lnSpc>
+                            <a:spcBef>
+                              <a:spcPts val="0"/>
+                            </a:spcBef>
+                            <a:spcAft>
+                              <a:spcPts val="0"/>
+                            </a:spcAft>
+                            <a:buClrTx/>
+                            <a:buSzTx/>
+                            <a:buFontTx/>
+                            <a:buNone/>
+                            <a:tabLst/>
+                            <a:defRPr/>
+                          </a:pPr>
+                          <a:endParaRPr lang="en-US" altLang="zh-TW" sz="2800" dirty="0" smtClean="0"/>
+                        </a:p>
+                        <a:p>
+                          <a:pPr marL="0" marR="0" indent="0" algn="ctr" defTabSz="2088078" rtl="0" eaLnBrk="1" fontAlgn="auto" latinLnBrk="0" hangingPunct="1">
+                            <a:lnSpc>
+                              <a:spcPct val="100000"/>
+                            </a:lnSpc>
+                            <a:spcBef>
+                              <a:spcPts val="0"/>
+                            </a:spcBef>
+                            <a:spcAft>
+                              <a:spcPts val="0"/>
+                            </a:spcAft>
+                            <a:buClrTx/>
+                            <a:buSzTx/>
+                            <a:buFontTx/>
+                            <a:buNone/>
+                            <a:tabLst/>
+                            <a:defRPr/>
+                          </a:pPr>
+                          <a14:m>
+                            <m:oMathPara xmlns:m="http://schemas.openxmlformats.org/officeDocument/2006/math">
+                              <m:oMathParaPr>
+                                <m:jc m:val="centerGroup"/>
+                              </m:oMathParaPr>
+                              <m:oMath xmlns:m="http://schemas.openxmlformats.org/officeDocument/2006/math">
+                                <m:rad>
+                                  <m:radPr>
+                                    <m:degHide m:val="on"/>
+                                    <m:ctrlPr>
+                                      <a:rPr lang="zh-TW" altLang="en-US" sz="2800" smtClean="0"/>
+                                    </m:ctrlPr>
+                                  </m:radPr>
+                                  <m:deg/>
+                                  <m:e>
+                                    <m:r>
+                                      <a:rPr lang="en-US" altLang="zh-TW" sz="2800" smtClean="0"/>
+                                      <m:t>𝒔</m:t>
+                                    </m:r>
+                                  </m:e>
+                                </m:rad>
+                                <m:r>
+                                  <a:rPr lang="en-US" altLang="zh-TW" sz="2800" smtClean="0"/>
+                                  <m:t>=</m:t>
+                                </m:r>
+                                <m:r>
+                                  <a:rPr lang="en-US" altLang="zh-TW" sz="2800" smtClean="0"/>
+                                  <m:t>𝟒𝟎</m:t>
+                                </m:r>
+                                <m:r>
+                                  <a:rPr lang="en-US" altLang="zh-TW" sz="2800" smtClean="0"/>
+                                  <m:t>𝑻𝒆𝑽</m:t>
+                                </m:r>
+                              </m:oMath>
+                            </m:oMathPara>
+                          </a14:m>
+                          <a:endParaRPr lang="zh-TW" altLang="en-US" sz="2800" dirty="0"/>
+                        </a:p>
+                        <a:p>
+                          <a:pPr algn="ctr"/>
+                          <a:endParaRPr lang="zh-TW" altLang="en-US" sz="2800" dirty="0"/>
+                        </a:p>
+                      </a:txBody>
+                      <a:tcPr/>
+                    </a:tc>
+                  </a:tr>
+                  <a:tr h="1040342">
+                    <a:tc>
+                      <a:txBody>
+                        <a:bodyPr/>
+                        <a:lstStyle/>
+                        <a:p>
+                          <a:pPr algn="l"/>
+                          <a14:m>
+                            <m:oMathPara xmlns:m="http://schemas.openxmlformats.org/officeDocument/2006/math">
+                              <m:oMathParaPr>
+                                <m:jc m:val="centerGroup"/>
+                              </m:oMathParaPr>
+                              <m:oMath xmlns:m="http://schemas.openxmlformats.org/officeDocument/2006/math">
+                                <m:sSubSup>
+                                  <m:sSubSupPr>
+                                    <m:ctrlPr>
+                                      <a:rPr kumimoji="1" lang="en-US" altLang="zh-TW" sz="3200" smtClean="0"/>
+                                    </m:ctrlPr>
+                                  </m:sSubSupPr>
+                                  <m:e>
+                                    <m:r>
+                                      <a:rPr kumimoji="1" lang="en-US" altLang="zh-TW" sz="3200"/>
+                                      <m:t>𝑪</m:t>
+                                    </m:r>
+                                  </m:e>
+                                  <m:sub>
+                                    <m:r>
+                                      <a:rPr kumimoji="1" lang="en-US" altLang="zh-TW" sz="3200"/>
+                                      <m:t>𝟐</m:t>
+                                    </m:r>
+                                  </m:sub>
+                                  <m:sup>
+                                    <m:r>
+                                      <a:rPr kumimoji="1" lang="en-US" altLang="zh-TW" sz="3200"/>
+                                      <m:t>𝟏</m:t>
+                                    </m:r>
+                                  </m:sup>
+                                </m:sSubSup>
+                              </m:oMath>
+                            </m:oMathPara>
+                          </a14:m>
+                          <a:endParaRPr lang="zh-TW" altLang="en-US" sz="3200" dirty="0"/>
+                        </a:p>
+                      </a:txBody>
+                      <a:tcPr/>
+                    </a:tc>
+                    <a:tc>
+                      <a:txBody>
+                        <a:bodyPr/>
+                        <a:lstStyle/>
+                        <a:p>
+                          <a:pPr algn="ctr"/>
+                          <a:r>
+                            <a:rPr lang="en-US" altLang="zh-TW" sz="6000" dirty="0" smtClean="0"/>
+                            <a:t>x</a:t>
+                          </a:r>
+                          <a:endParaRPr lang="zh-TW" altLang="en-US" sz="6000" dirty="0">
+                            <a:solidFill>
+                              <a:schemeClr val="tx1"/>
+                            </a:solidFill>
+                          </a:endParaRPr>
+                        </a:p>
+                      </a:txBody>
+                      <a:tcPr/>
+                    </a:tc>
+                    <a:tc>
+                      <a:txBody>
+                        <a:bodyPr/>
+                        <a:lstStyle/>
+                        <a:p>
+                          <a:pPr algn="ctr"/>
+                          <a:r>
+                            <a:rPr lang="en-US" altLang="zh-TW" sz="6000" dirty="0" smtClean="0"/>
+                            <a:t>x</a:t>
+                          </a:r>
+                          <a:endParaRPr lang="zh-TW" altLang="en-US" sz="6000" dirty="0"/>
+                        </a:p>
+                      </a:txBody>
+                      <a:tcPr/>
+                    </a:tc>
+                    <a:tc>
+                      <a:txBody>
+                        <a:bodyPr/>
+                        <a:lstStyle/>
+                        <a:p>
+                          <a:pPr algn="ctr"/>
+                          <a:r>
+                            <a:rPr lang="en-US" altLang="zh-TW" sz="6000" dirty="0" smtClean="0"/>
+                            <a:t>x</a:t>
+                          </a:r>
+                          <a:endParaRPr lang="zh-TW" altLang="en-US" sz="6000" dirty="0"/>
+                        </a:p>
+                      </a:txBody>
+                      <a:tcPr/>
+                    </a:tc>
+                    <a:tc>
+                      <a:txBody>
+                        <a:bodyPr/>
+                        <a:lstStyle/>
+                        <a:p>
+                          <a:pPr algn="ctr"/>
+                          <a:r>
+                            <a:rPr lang="en-US" altLang="zh-TW" sz="6000" dirty="0" smtClean="0"/>
+                            <a:t>x</a:t>
+                          </a:r>
+                          <a:endParaRPr lang="zh-TW" altLang="en-US" sz="6000" dirty="0"/>
+                        </a:p>
+                      </a:txBody>
+                      <a:tcPr/>
+                    </a:tc>
+                  </a:tr>
+                  <a:tr h="1040342">
+                    <a:tc>
+                      <a:txBody>
+                        <a:bodyPr/>
+                        <a:lstStyle/>
+                        <a:p>
+                          <a:pPr algn="l"/>
+                          <a14:m>
+                            <m:oMathPara xmlns:m="http://schemas.openxmlformats.org/officeDocument/2006/math">
+                              <m:oMathParaPr>
+                                <m:jc m:val="centerGroup"/>
+                              </m:oMathParaPr>
+                              <m:oMath xmlns:m="http://schemas.openxmlformats.org/officeDocument/2006/math">
+                                <m:sSub>
+                                  <m:sSubPr>
+                                    <m:ctrlPr>
+                                      <a:rPr kumimoji="1" lang="en-US" altLang="zh-TW" sz="3200" smtClean="0"/>
+                                    </m:ctrlPr>
+                                  </m:sSubPr>
+                                  <m:e>
+                                    <m:r>
+                                      <a:rPr kumimoji="1" lang="en-US" altLang="zh-TW" sz="3200"/>
+                                      <m:t>𝝉</m:t>
+                                    </m:r>
+                                  </m:e>
+                                  <m:sub>
+                                    <m:r>
+                                      <a:rPr kumimoji="1" lang="en-US" altLang="zh-TW" sz="3200"/>
+                                      <m:t>𝟐𝟏</m:t>
+                                    </m:r>
+                                  </m:sub>
+                                </m:sSub>
+                              </m:oMath>
+                            </m:oMathPara>
+                          </a14:m>
+                          <a:endParaRPr lang="zh-TW" altLang="en-US" sz="3200" dirty="0"/>
+                        </a:p>
+                      </a:txBody>
+                      <a:tcPr/>
+                    </a:tc>
+                    <a:tc>
+                      <a:txBody>
+                        <a:bodyPr/>
+                        <a:lstStyle/>
+                        <a:p>
+                          <a:pPr algn="ctr"/>
+                          <a:r>
+                            <a:rPr lang="en-US" altLang="zh-TW" sz="6000" dirty="0" smtClean="0">
+                              <a:solidFill>
+                                <a:srgbClr val="FF0000"/>
+                              </a:solidFill>
+                            </a:rPr>
+                            <a:t>o</a:t>
+                          </a:r>
+                          <a:endParaRPr lang="zh-TW" altLang="en-US" sz="6000" dirty="0">
+                            <a:solidFill>
+                              <a:srgbClr val="FF0000"/>
+                            </a:solidFill>
+                          </a:endParaRPr>
+                        </a:p>
+                      </a:txBody>
+                      <a:tcPr/>
+                    </a:tc>
+                    <a:tc>
+                      <a:txBody>
+                        <a:bodyPr/>
+                        <a:lstStyle/>
+                        <a:p>
+                          <a:pPr algn="ctr"/>
+                          <a:r>
+                            <a:rPr lang="en-US" altLang="zh-TW" sz="6000" dirty="0" smtClean="0"/>
+                            <a:t>x</a:t>
+                          </a:r>
+                          <a:endParaRPr lang="zh-TW" altLang="en-US" sz="6000" dirty="0"/>
+                        </a:p>
+                      </a:txBody>
+                      <a:tcPr/>
+                    </a:tc>
+                    <a:tc>
+                      <a:txBody>
+                        <a:bodyPr/>
+                        <a:lstStyle/>
+                        <a:p>
+                          <a:pPr algn="ctr"/>
+                          <a:r>
+                            <a:rPr lang="en-US" altLang="zh-TW" sz="6000" dirty="0" smtClean="0"/>
+                            <a:t>x</a:t>
+                          </a:r>
+                          <a:endParaRPr lang="zh-TW" altLang="en-US" sz="6000" dirty="0"/>
+                        </a:p>
+                      </a:txBody>
+                      <a:tcPr/>
+                    </a:tc>
+                    <a:tc>
+                      <a:txBody>
+                        <a:bodyPr/>
+                        <a:lstStyle/>
+                        <a:p>
+                          <a:pPr algn="ctr"/>
+                          <a:r>
+                            <a:rPr lang="en-US" altLang="zh-TW" sz="6000" dirty="0" smtClean="0"/>
+                            <a:t>x</a:t>
+                          </a:r>
+                          <a:endParaRPr lang="zh-TW" altLang="en-US" sz="6000" dirty="0"/>
+                        </a:p>
+                      </a:txBody>
+                      <a:tcPr/>
+                    </a:tc>
+                  </a:tr>
+                  <a:tr h="1040342">
+                    <a:tc>
+                      <a:txBody>
+                        <a:bodyPr/>
+                        <a:lstStyle/>
+                        <a:p>
+                          <a:pPr algn="l"/>
+                          <a14:m>
+                            <m:oMathPara xmlns:m="http://schemas.openxmlformats.org/officeDocument/2006/math">
+                              <m:oMathParaPr>
+                                <m:jc m:val="centerGroup"/>
+                              </m:oMathParaPr>
+                              <m:oMath xmlns:m="http://schemas.openxmlformats.org/officeDocument/2006/math">
+                                <m:sSub>
+                                  <m:sSubPr>
+                                    <m:ctrlPr>
+                                      <a:rPr kumimoji="1" lang="en-US" altLang="zh-TW" sz="3200" smtClean="0"/>
+                                    </m:ctrlPr>
+                                  </m:sSubPr>
+                                  <m:e>
+                                    <m:r>
+                                      <a:rPr kumimoji="1" lang="en-US" altLang="zh-TW" sz="3200"/>
+                                      <m:t>𝝉</m:t>
+                                    </m:r>
+                                  </m:e>
+                                  <m:sub>
+                                    <m:r>
+                                      <a:rPr kumimoji="1" lang="en-US" altLang="zh-TW" sz="3200" smtClean="0"/>
+                                      <m:t>𝟑𝟐</m:t>
+                                    </m:r>
+                                  </m:sub>
+                                </m:sSub>
+                              </m:oMath>
+                            </m:oMathPara>
+                          </a14:m>
+                          <a:endParaRPr lang="zh-TW" altLang="en-US" sz="3200" dirty="0"/>
+                        </a:p>
+                      </a:txBody>
+                      <a:tcPr/>
+                    </a:tc>
+                    <a:tc>
+                      <a:txBody>
+                        <a:bodyPr/>
+                        <a:lstStyle/>
+                        <a:p>
+                          <a:pPr algn="ctr"/>
+                          <a:r>
+                            <a:rPr lang="en-US" altLang="zh-TW" sz="6000" dirty="0" smtClean="0">
+                              <a:solidFill>
+                                <a:srgbClr val="FF0000"/>
+                              </a:solidFill>
+                            </a:rPr>
+                            <a:t>o</a:t>
+                          </a:r>
+                          <a:endParaRPr lang="zh-TW" altLang="en-US" sz="6000" dirty="0">
+                            <a:solidFill>
+                              <a:srgbClr val="FF0000"/>
+                            </a:solidFill>
+                          </a:endParaRPr>
+                        </a:p>
+                      </a:txBody>
+                      <a:tcPr/>
+                    </a:tc>
+                    <a:tc>
+                      <a:txBody>
+                        <a:bodyPr/>
+                        <a:lstStyle/>
+                        <a:p>
+                          <a:pPr algn="ctr"/>
+                          <a:r>
+                            <a:rPr lang="en-US" altLang="zh-TW" sz="6000" dirty="0" smtClean="0">
+                              <a:solidFill>
+                                <a:srgbClr val="FF0000"/>
+                              </a:solidFill>
+                            </a:rPr>
+                            <a:t>o</a:t>
+                          </a:r>
+                          <a:endParaRPr lang="zh-TW" altLang="en-US" sz="6000" dirty="0">
+                            <a:solidFill>
+                              <a:srgbClr val="FF0000"/>
+                            </a:solidFill>
+                          </a:endParaRPr>
+                        </a:p>
+                      </a:txBody>
+                      <a:tcPr/>
+                    </a:tc>
+                    <a:tc>
+                      <a:txBody>
+                        <a:bodyPr/>
+                        <a:lstStyle/>
+                        <a:p>
+                          <a:pPr algn="ctr"/>
+                          <a:r>
+                            <a:rPr lang="en-US" altLang="zh-TW" sz="6000" dirty="0" smtClean="0">
+                              <a:solidFill>
+                                <a:srgbClr val="FF0000"/>
+                              </a:solidFill>
+                            </a:rPr>
+                            <a:t>o</a:t>
+                          </a:r>
+                          <a:endParaRPr lang="zh-TW" altLang="en-US" sz="6000" dirty="0">
+                            <a:solidFill>
+                              <a:srgbClr val="FF0000"/>
+                            </a:solidFill>
+                          </a:endParaRPr>
+                        </a:p>
+                      </a:txBody>
+                      <a:tcPr/>
+                    </a:tc>
+                    <a:tc>
+                      <a:txBody>
+                        <a:bodyPr/>
+                        <a:lstStyle/>
+                        <a:p>
+                          <a:pPr algn="ctr"/>
+                          <a:r>
+                            <a:rPr lang="en-US" altLang="zh-TW" sz="6000" dirty="0" smtClean="0">
+                              <a:solidFill>
+                                <a:srgbClr val="FF0000"/>
+                              </a:solidFill>
+                            </a:rPr>
+                            <a:t>o</a:t>
+                          </a:r>
+                          <a:endParaRPr lang="zh-TW" altLang="en-US" sz="6000" dirty="0">
+                            <a:solidFill>
+                              <a:srgbClr val="FF0000"/>
+                            </a:solidFill>
+                          </a:endParaRPr>
+                        </a:p>
+                      </a:txBody>
+                      <a:tcPr/>
+                    </a:tc>
+                  </a:tr>
+                </a:tbl>
+              </a:graphicData>
+            </a:graphic>
+          </p:graphicFrame>
+        </mc:Choice>
+        <mc:Fallback>
+          <p:graphicFrame>
+            <p:nvGraphicFramePr>
+              <p:cNvPr id="70" name="表格 69"/>
+              <p:cNvGraphicFramePr>
+                <a:graphicFrameLocks noGrp="1"/>
+              </p:cNvGraphicFramePr>
+              <p:nvPr>
+                <p:extLst>
+                  <p:ext uri="{D42A27DB-BD31-4B8C-83A1-F6EECF244321}">
+                    <p14:modId xmlns:p14="http://schemas.microsoft.com/office/powerpoint/2010/main" val="1504973333"/>
+                  </p:ext>
+                </p:extLst>
+              </p:nvPr>
+            </p:nvGraphicFramePr>
+            <p:xfrm>
+              <a:off x="15673772" y="18418598"/>
+              <a:ext cx="14429680" cy="4547686"/>
+            </p:xfrm>
+            <a:graphic>
+              <a:graphicData uri="http://schemas.openxmlformats.org/drawingml/2006/table">
+                <a:tbl>
+                  <a:tblPr firstRow="1" bandRow="1">
+                    <a:tableStyleId>{93296810-A885-4BE3-A3E7-6D5BEEA58F35}</a:tableStyleId>
+                  </a:tblPr>
+                  <a:tblGrid>
+                    <a:gridCol w="2885936"/>
+                    <a:gridCol w="2885936"/>
+                    <a:gridCol w="2885936"/>
+                    <a:gridCol w="2885936"/>
+                    <a:gridCol w="2885936"/>
+                  </a:tblGrid>
+                  <a:tr h="1426660">
+                    <a:tc>
+                      <a:txBody>
+                        <a:bodyPr/>
+                        <a:lstStyle/>
+                        <a:p>
+                          <a:endParaRPr lang="zh-TW" altLang="en-US" dirty="0"/>
+                        </a:p>
+                      </a:txBody>
+                      <a:tcPr/>
+                    </a:tc>
+                    <a:tc>
+                      <a:txBody>
+                        <a:bodyPr/>
+                        <a:lstStyle/>
+                        <a:p>
+                          <a:endParaRPr lang="zh-TW"/>
+                        </a:p>
+                      </a:txBody>
+                      <a:tcPr>
+                        <a:blipFill rotWithShape="0">
+                          <a:blip r:embed="rId42"/>
+                          <a:stretch>
+                            <a:fillRect l="-100423" t="-427" r="-301268" b="-245726"/>
+                          </a:stretch>
+                        </a:blipFill>
+                      </a:tcPr>
+                    </a:tc>
+                    <a:tc>
+                      <a:txBody>
+                        <a:bodyPr/>
+                        <a:lstStyle/>
+                        <a:p>
+                          <a:endParaRPr lang="zh-TW"/>
+                        </a:p>
+                      </a:txBody>
+                      <a:tcPr>
+                        <a:blipFill rotWithShape="0">
+                          <a:blip r:embed="rId42"/>
+                          <a:stretch>
+                            <a:fillRect l="-200000" t="-427" r="-200633" b="-245726"/>
+                          </a:stretch>
+                        </a:blipFill>
+                      </a:tcPr>
+                    </a:tc>
+                    <a:tc>
+                      <a:txBody>
+                        <a:bodyPr/>
+                        <a:lstStyle/>
+                        <a:p>
+                          <a:endParaRPr lang="zh-TW"/>
+                        </a:p>
+                      </a:txBody>
+                      <a:tcPr>
+                        <a:blipFill rotWithShape="0">
+                          <a:blip r:embed="rId42"/>
+                          <a:stretch>
+                            <a:fillRect l="-300634" t="-427" r="-101057" b="-245726"/>
+                          </a:stretch>
+                        </a:blipFill>
+                      </a:tcPr>
+                    </a:tc>
+                    <a:tc>
+                      <a:txBody>
+                        <a:bodyPr/>
+                        <a:lstStyle/>
+                        <a:p>
+                          <a:endParaRPr lang="zh-TW"/>
+                        </a:p>
+                      </a:txBody>
+                      <a:tcPr>
+                        <a:blipFill rotWithShape="0">
+                          <a:blip r:embed="rId42"/>
+                          <a:stretch>
+                            <a:fillRect l="-399789" t="-427" r="-844" b="-245726"/>
+                          </a:stretch>
+                        </a:blipFill>
+                      </a:tcPr>
+                    </a:tc>
+                  </a:tr>
+                  <a:tr h="1040342">
+                    <a:tc>
+                      <a:txBody>
+                        <a:bodyPr/>
+                        <a:lstStyle/>
+                        <a:p>
+                          <a:endParaRPr lang="zh-TW"/>
+                        </a:p>
+                      </a:txBody>
+                      <a:tcPr>
+                        <a:blipFill rotWithShape="0">
+                          <a:blip r:embed="rId42"/>
+                          <a:stretch>
+                            <a:fillRect l="-211" t="-137427" r="-400422" b="-236257"/>
+                          </a:stretch>
+                        </a:blipFill>
+                      </a:tcPr>
+                    </a:tc>
+                    <a:tc>
+                      <a:txBody>
+                        <a:bodyPr/>
+                        <a:lstStyle/>
+                        <a:p>
+                          <a:pPr algn="ctr"/>
+                          <a:r>
+                            <a:rPr lang="en-US" altLang="zh-TW" sz="6000" dirty="0" smtClean="0"/>
+                            <a:t>x</a:t>
+                          </a:r>
+                          <a:endParaRPr lang="zh-TW" altLang="en-US" sz="6000" dirty="0">
+                            <a:solidFill>
+                              <a:schemeClr val="tx1"/>
+                            </a:solidFill>
+                          </a:endParaRPr>
+                        </a:p>
+                      </a:txBody>
+                      <a:tcPr/>
+                    </a:tc>
+                    <a:tc>
+                      <a:txBody>
+                        <a:bodyPr/>
+                        <a:lstStyle/>
+                        <a:p>
+                          <a:pPr algn="ctr"/>
+                          <a:r>
+                            <a:rPr lang="en-US" altLang="zh-TW" sz="6000" dirty="0" smtClean="0"/>
+                            <a:t>x</a:t>
+                          </a:r>
+                          <a:endParaRPr lang="zh-TW" altLang="en-US" sz="6000" dirty="0"/>
+                        </a:p>
+                      </a:txBody>
+                      <a:tcPr/>
+                    </a:tc>
+                    <a:tc>
+                      <a:txBody>
+                        <a:bodyPr/>
+                        <a:lstStyle/>
+                        <a:p>
+                          <a:pPr algn="ctr"/>
+                          <a:r>
+                            <a:rPr lang="en-US" altLang="zh-TW" sz="6000" dirty="0" smtClean="0"/>
+                            <a:t>x</a:t>
+                          </a:r>
+                          <a:endParaRPr lang="zh-TW" altLang="en-US" sz="6000" dirty="0"/>
+                        </a:p>
+                      </a:txBody>
+                      <a:tcPr/>
+                    </a:tc>
+                    <a:tc>
+                      <a:txBody>
+                        <a:bodyPr/>
+                        <a:lstStyle/>
+                        <a:p>
+                          <a:pPr algn="ctr"/>
+                          <a:r>
+                            <a:rPr lang="en-US" altLang="zh-TW" sz="6000" dirty="0" smtClean="0"/>
+                            <a:t>x</a:t>
+                          </a:r>
+                          <a:endParaRPr lang="zh-TW" altLang="en-US" sz="6000" dirty="0"/>
+                        </a:p>
+                      </a:txBody>
+                      <a:tcPr/>
+                    </a:tc>
+                  </a:tr>
+                  <a:tr h="1040342">
+                    <a:tc>
+                      <a:txBody>
+                        <a:bodyPr/>
+                        <a:lstStyle/>
+                        <a:p>
+                          <a:endParaRPr lang="zh-TW"/>
+                        </a:p>
+                      </a:txBody>
+                      <a:tcPr>
+                        <a:blipFill rotWithShape="0">
+                          <a:blip r:embed="rId42"/>
+                          <a:stretch>
+                            <a:fillRect l="-211" t="-237427" r="-400422" b="-136257"/>
+                          </a:stretch>
+                        </a:blipFill>
+                      </a:tcPr>
+                    </a:tc>
+                    <a:tc>
+                      <a:txBody>
+                        <a:bodyPr/>
+                        <a:lstStyle/>
+                        <a:p>
+                          <a:pPr algn="ctr"/>
+                          <a:r>
+                            <a:rPr lang="en-US" altLang="zh-TW" sz="6000" dirty="0" smtClean="0">
+                              <a:solidFill>
+                                <a:srgbClr val="FF0000"/>
+                              </a:solidFill>
+                            </a:rPr>
+                            <a:t>o</a:t>
+                          </a:r>
+                          <a:endParaRPr lang="zh-TW" altLang="en-US" sz="6000" dirty="0">
+                            <a:solidFill>
+                              <a:srgbClr val="FF0000"/>
+                            </a:solidFill>
+                          </a:endParaRPr>
+                        </a:p>
+                      </a:txBody>
+                      <a:tcPr/>
+                    </a:tc>
+                    <a:tc>
+                      <a:txBody>
+                        <a:bodyPr/>
+                        <a:lstStyle/>
+                        <a:p>
+                          <a:pPr algn="ctr"/>
+                          <a:r>
+                            <a:rPr lang="en-US" altLang="zh-TW" sz="6000" dirty="0" smtClean="0"/>
+                            <a:t>x</a:t>
+                          </a:r>
+                          <a:endParaRPr lang="zh-TW" altLang="en-US" sz="6000" dirty="0"/>
+                        </a:p>
+                      </a:txBody>
+                      <a:tcPr/>
+                    </a:tc>
+                    <a:tc>
+                      <a:txBody>
+                        <a:bodyPr/>
+                        <a:lstStyle/>
+                        <a:p>
+                          <a:pPr algn="ctr"/>
+                          <a:r>
+                            <a:rPr lang="en-US" altLang="zh-TW" sz="6000" dirty="0" smtClean="0"/>
+                            <a:t>x</a:t>
+                          </a:r>
+                          <a:endParaRPr lang="zh-TW" altLang="en-US" sz="6000" dirty="0"/>
+                        </a:p>
+                      </a:txBody>
+                      <a:tcPr/>
+                    </a:tc>
+                    <a:tc>
+                      <a:txBody>
+                        <a:bodyPr/>
+                        <a:lstStyle/>
+                        <a:p>
+                          <a:pPr algn="ctr"/>
+                          <a:r>
+                            <a:rPr lang="en-US" altLang="zh-TW" sz="6000" dirty="0" smtClean="0"/>
+                            <a:t>x</a:t>
+                          </a:r>
+                          <a:endParaRPr lang="zh-TW" altLang="en-US" sz="6000" dirty="0"/>
+                        </a:p>
+                      </a:txBody>
+                      <a:tcPr/>
+                    </a:tc>
+                  </a:tr>
+                  <a:tr h="1040342">
+                    <a:tc>
+                      <a:txBody>
+                        <a:bodyPr/>
+                        <a:lstStyle/>
+                        <a:p>
+                          <a:endParaRPr lang="zh-TW"/>
+                        </a:p>
+                      </a:txBody>
+                      <a:tcPr>
+                        <a:blipFill rotWithShape="0">
+                          <a:blip r:embed="rId42"/>
+                          <a:stretch>
+                            <a:fillRect l="-211" t="-337427" r="-400422" b="-36257"/>
+                          </a:stretch>
+                        </a:blipFill>
+                      </a:tcPr>
+                    </a:tc>
+                    <a:tc>
+                      <a:txBody>
+                        <a:bodyPr/>
+                        <a:lstStyle/>
+                        <a:p>
+                          <a:pPr algn="ctr"/>
+                          <a:r>
+                            <a:rPr lang="en-US" altLang="zh-TW" sz="6000" dirty="0" smtClean="0">
+                              <a:solidFill>
+                                <a:srgbClr val="FF0000"/>
+                              </a:solidFill>
+                            </a:rPr>
+                            <a:t>o</a:t>
+                          </a:r>
+                          <a:endParaRPr lang="zh-TW" altLang="en-US" sz="6000" dirty="0">
+                            <a:solidFill>
+                              <a:srgbClr val="FF0000"/>
+                            </a:solidFill>
+                          </a:endParaRPr>
+                        </a:p>
+                      </a:txBody>
+                      <a:tcPr/>
+                    </a:tc>
+                    <a:tc>
+                      <a:txBody>
+                        <a:bodyPr/>
+                        <a:lstStyle/>
+                        <a:p>
+                          <a:pPr algn="ctr"/>
+                          <a:r>
+                            <a:rPr lang="en-US" altLang="zh-TW" sz="6000" dirty="0" smtClean="0">
+                              <a:solidFill>
+                                <a:srgbClr val="FF0000"/>
+                              </a:solidFill>
+                            </a:rPr>
+                            <a:t>o</a:t>
+                          </a:r>
+                          <a:endParaRPr lang="zh-TW" altLang="en-US" sz="6000" dirty="0">
+                            <a:solidFill>
+                              <a:srgbClr val="FF0000"/>
+                            </a:solidFill>
+                          </a:endParaRPr>
+                        </a:p>
+                      </a:txBody>
+                      <a:tcPr/>
+                    </a:tc>
+                    <a:tc>
+                      <a:txBody>
+                        <a:bodyPr/>
+                        <a:lstStyle/>
+                        <a:p>
+                          <a:pPr algn="ctr"/>
+                          <a:r>
+                            <a:rPr lang="en-US" altLang="zh-TW" sz="6000" dirty="0" smtClean="0">
+                              <a:solidFill>
+                                <a:srgbClr val="FF0000"/>
+                              </a:solidFill>
+                            </a:rPr>
+                            <a:t>o</a:t>
+                          </a:r>
+                          <a:endParaRPr lang="zh-TW" altLang="en-US" sz="6000" dirty="0">
+                            <a:solidFill>
+                              <a:srgbClr val="FF0000"/>
+                            </a:solidFill>
+                          </a:endParaRPr>
+                        </a:p>
+                      </a:txBody>
+                      <a:tcPr/>
+                    </a:tc>
+                    <a:tc>
+                      <a:txBody>
+                        <a:bodyPr/>
+                        <a:lstStyle/>
+                        <a:p>
+                          <a:pPr algn="ctr"/>
+                          <a:r>
+                            <a:rPr lang="en-US" altLang="zh-TW" sz="6000" dirty="0" smtClean="0">
+                              <a:solidFill>
+                                <a:srgbClr val="FF0000"/>
+                              </a:solidFill>
+                            </a:rPr>
+                            <a:t>o</a:t>
+                          </a:r>
+                          <a:endParaRPr lang="zh-TW" altLang="en-US" sz="6000" dirty="0">
+                            <a:solidFill>
+                              <a:srgbClr val="FF0000"/>
+                            </a:solidFill>
+                          </a:endParaRPr>
+                        </a:p>
+                      </a:txBody>
+                      <a:tcPr/>
+                    </a:tc>
+                  </a:tr>
+                </a:tbl>
+              </a:graphicData>
+            </a:graphic>
+          </p:graphicFrame>
+        </mc:Fallback>
+      </mc:AlternateContent>
     </p:spTree>
     <p:extLst>
       <p:ext uri="{BB962C8B-B14F-4D97-AF65-F5344CB8AC3E}">

--- a/2017_PSROC_poster_Jet substructure.pptx
+++ b/2017_PSROC_poster_Jet substructure.pptx
@@ -304,7 +304,7 @@
           <a:p>
             <a:fld id="{6AE2C996-D988-194F-8F02-BEBA5B6C0990}" type="datetimeFigureOut">
               <a:rPr kumimoji="1" lang="zh-TW" altLang="en-US" smtClean="0"/>
-              <a:t>2018/1/15</a:t>
+              <a:t>2018/1/17</a:t>
             </a:fld>
             <a:endParaRPr kumimoji="1" lang="zh-TW" altLang="en-US"/>
           </a:p>
@@ -474,7 +474,7 @@
           <a:p>
             <a:fld id="{6AE2C996-D988-194F-8F02-BEBA5B6C0990}" type="datetimeFigureOut">
               <a:rPr kumimoji="1" lang="zh-TW" altLang="en-US" smtClean="0"/>
-              <a:t>2018/1/15</a:t>
+              <a:t>2018/1/17</a:t>
             </a:fld>
             <a:endParaRPr kumimoji="1" lang="zh-TW" altLang="en-US"/>
           </a:p>
@@ -654,7 +654,7 @@
           <a:p>
             <a:fld id="{6AE2C996-D988-194F-8F02-BEBA5B6C0990}" type="datetimeFigureOut">
               <a:rPr kumimoji="1" lang="zh-TW" altLang="en-US" smtClean="0"/>
-              <a:t>2018/1/15</a:t>
+              <a:t>2018/1/17</a:t>
             </a:fld>
             <a:endParaRPr kumimoji="1" lang="zh-TW" altLang="en-US"/>
           </a:p>
@@ -824,7 +824,7 @@
           <a:p>
             <a:fld id="{6AE2C996-D988-194F-8F02-BEBA5B6C0990}" type="datetimeFigureOut">
               <a:rPr kumimoji="1" lang="zh-TW" altLang="en-US" smtClean="0"/>
-              <a:t>2018/1/15</a:t>
+              <a:t>2018/1/17</a:t>
             </a:fld>
             <a:endParaRPr kumimoji="1" lang="zh-TW" altLang="en-US"/>
           </a:p>
@@ -1070,7 +1070,7 @@
           <a:p>
             <a:fld id="{6AE2C996-D988-194F-8F02-BEBA5B6C0990}" type="datetimeFigureOut">
               <a:rPr kumimoji="1" lang="zh-TW" altLang="en-US" smtClean="0"/>
-              <a:t>2018/1/15</a:t>
+              <a:t>2018/1/17</a:t>
             </a:fld>
             <a:endParaRPr kumimoji="1" lang="zh-TW" altLang="en-US"/>
           </a:p>
@@ -1358,7 +1358,7 @@
           <a:p>
             <a:fld id="{6AE2C996-D988-194F-8F02-BEBA5B6C0990}" type="datetimeFigureOut">
               <a:rPr kumimoji="1" lang="zh-TW" altLang="en-US" smtClean="0"/>
-              <a:t>2018/1/15</a:t>
+              <a:t>2018/1/17</a:t>
             </a:fld>
             <a:endParaRPr kumimoji="1" lang="zh-TW" altLang="en-US"/>
           </a:p>
@@ -1780,7 +1780,7 @@
           <a:p>
             <a:fld id="{6AE2C996-D988-194F-8F02-BEBA5B6C0990}" type="datetimeFigureOut">
               <a:rPr kumimoji="1" lang="zh-TW" altLang="en-US" smtClean="0"/>
-              <a:t>2018/1/15</a:t>
+              <a:t>2018/1/17</a:t>
             </a:fld>
             <a:endParaRPr kumimoji="1" lang="zh-TW" altLang="en-US"/>
           </a:p>
@@ -1898,7 +1898,7 @@
           <a:p>
             <a:fld id="{6AE2C996-D988-194F-8F02-BEBA5B6C0990}" type="datetimeFigureOut">
               <a:rPr kumimoji="1" lang="zh-TW" altLang="en-US" smtClean="0"/>
-              <a:t>2018/1/15</a:t>
+              <a:t>2018/1/17</a:t>
             </a:fld>
             <a:endParaRPr kumimoji="1" lang="zh-TW" altLang="en-US"/>
           </a:p>
@@ -1993,7 +1993,7 @@
           <a:p>
             <a:fld id="{6AE2C996-D988-194F-8F02-BEBA5B6C0990}" type="datetimeFigureOut">
               <a:rPr kumimoji="1" lang="zh-TW" altLang="en-US" smtClean="0"/>
-              <a:t>2018/1/15</a:t>
+              <a:t>2018/1/17</a:t>
             </a:fld>
             <a:endParaRPr kumimoji="1" lang="zh-TW" altLang="en-US"/>
           </a:p>
@@ -2270,7 +2270,7 @@
           <a:p>
             <a:fld id="{6AE2C996-D988-194F-8F02-BEBA5B6C0990}" type="datetimeFigureOut">
               <a:rPr kumimoji="1" lang="zh-TW" altLang="en-US" smtClean="0"/>
-              <a:t>2018/1/15</a:t>
+              <a:t>2018/1/17</a:t>
             </a:fld>
             <a:endParaRPr kumimoji="1" lang="zh-TW" altLang="en-US"/>
           </a:p>
@@ -2523,7 +2523,7 @@
           <a:p>
             <a:fld id="{6AE2C996-D988-194F-8F02-BEBA5B6C0990}" type="datetimeFigureOut">
               <a:rPr kumimoji="1" lang="zh-TW" altLang="en-US" smtClean="0"/>
-              <a:t>2018/1/15</a:t>
+              <a:t>2018/1/17</a:t>
             </a:fld>
             <a:endParaRPr kumimoji="1" lang="zh-TW" altLang="en-US"/>
           </a:p>
@@ -2736,7 +2736,7 @@
           <a:p>
             <a:fld id="{6AE2C996-D988-194F-8F02-BEBA5B6C0990}" type="datetimeFigureOut">
               <a:rPr kumimoji="1" lang="zh-TW" altLang="en-US" smtClean="0"/>
-              <a:t>2018/1/15</a:t>
+              <a:t>2018/1/17</a:t>
             </a:fld>
             <a:endParaRPr kumimoji="1" lang="zh-TW" altLang="en-US"/>
           </a:p>
@@ -3127,8 +3127,8 @@
         </p:nvSpPr>
         <p:spPr>
           <a:xfrm>
-            <a:off x="159922" y="-1"/>
-            <a:ext cx="30018286" cy="42848214"/>
+            <a:off x="2212" y="-1"/>
+            <a:ext cx="30175996" cy="42848214"/>
           </a:xfrm>
           <a:prstGeom prst="rect">
             <a:avLst/>
@@ -3528,8 +3528,8 @@
         </p:nvSpPr>
         <p:spPr>
           <a:xfrm>
-            <a:off x="236630" y="7947786"/>
-            <a:ext cx="15097106" cy="11326650"/>
+            <a:off x="1" y="7947786"/>
+            <a:ext cx="15371154" cy="11326650"/>
           </a:xfrm>
           <a:prstGeom prst="rect">
             <a:avLst/>
@@ -3573,8 +3573,8 @@
           </a:p>
         </p:txBody>
       </p:sp>
-      <mc:AlternateContent xmlns:mc="http://schemas.openxmlformats.org/markup-compatibility/2006">
-        <mc:Choice xmlns:a14="http://schemas.microsoft.com/office/drawing/2010/main" Requires="a14">
+      <mc:AlternateContent xmlns:mc="http://schemas.openxmlformats.org/markup-compatibility/2006" xmlns:a14="http://schemas.microsoft.com/office/drawing/2010/main">
+        <mc:Choice Requires="a14">
           <p:sp>
             <p:nvSpPr>
               <p:cNvPr id="4" name="標題 1"/>
@@ -4171,7 +4171,7 @@
             </p:txBody>
           </p:sp>
         </mc:Choice>
-        <mc:Fallback>
+        <mc:Fallback xmlns="">
           <p:sp>
             <p:nvSpPr>
               <p:cNvPr id="4" name="標題 1"/>
@@ -4454,7 +4454,7 @@
           <a:graphicData uri="http://schemas.openxmlformats.org/presentationml/2006/ole">
             <mc:AlternateContent xmlns:mc="http://schemas.openxmlformats.org/markup-compatibility/2006">
               <mc:Choice xmlns:v="urn:schemas-microsoft-com:vml" Requires="v">
-                <p:oleObj spid="_x0000_s1658" name="方程式" r:id="rId18" imgW="190500" imgH="152400" progId="Equation.3">
+                <p:oleObj spid="_x0000_s1663" name="方程式" r:id="rId18" imgW="190500" imgH="152400" progId="Equation.3">
                   <p:embed/>
                 </p:oleObj>
               </mc:Choice>
@@ -4734,7 +4734,14 @@
                     <a:latin typeface="Arial" pitchFamily="34" charset="0"/>
                     <a:cs typeface="Arial" pitchFamily="34" charset="0"/>
                   </a:rPr>
-                  <a:t>size? </a:t>
+                  <a:t>cell size</a:t>
+                </a:r>
+                <a:r>
+                  <a:rPr lang="en-US" altLang="zh-TW" sz="5000" b="1" u="sng" dirty="0" smtClean="0">
+                    <a:latin typeface="Arial" pitchFamily="34" charset="0"/>
+                    <a:cs typeface="Arial" pitchFamily="34" charset="0"/>
+                  </a:rPr>
+                  <a:t>? </a:t>
                 </a:r>
                 <a:endParaRPr lang="zh-TW" altLang="en-US" sz="5000" u="sng" baseline="-25000" dirty="0"/>
               </a:p>
@@ -4889,8 +4896,8 @@
             </p:nvSpPr>
             <p:spPr>
               <a:xfrm>
-                <a:off x="168278" y="19403627"/>
-                <a:ext cx="15232092" cy="6065187"/>
+                <a:off x="1" y="19403627"/>
+                <a:ext cx="15400369" cy="6065187"/>
               </a:xfrm>
               <a:prstGeom prst="rect">
                 <a:avLst/>
@@ -4929,19 +4936,8 @@
                     <a:latin typeface="Arial" pitchFamily="34" charset="0"/>
                     <a:cs typeface="Arial" pitchFamily="34" charset="0"/>
                   </a:rPr>
-                  <a:t>econstruction </a:t>
+                  <a:t>econstruction Algorithm</a:t>
                 </a:r>
-                <a:r>
-                  <a:rPr lang="en-US" altLang="zh-TW" sz="5000" b="1" u="sng" dirty="0" smtClean="0">
-                    <a:latin typeface="Arial" pitchFamily="34" charset="0"/>
-                    <a:cs typeface="Arial" pitchFamily="34" charset="0"/>
-                  </a:rPr>
-                  <a:t>Algorithm</a:t>
-                </a:r>
-                <a:endParaRPr lang="en-US" altLang="zh-TW" sz="5000" b="1" u="sng" dirty="0" smtClean="0">
-                  <a:latin typeface="Arial" pitchFamily="34" charset="0"/>
-                  <a:cs typeface="Arial" pitchFamily="34" charset="0"/>
-                </a:endParaRPr>
               </a:p>
               <a:p>
                 <a14:m>
@@ -4949,7 +4945,7 @@
                     <m:sSub>
                       <m:sSubPr>
                         <m:ctrlPr>
-                          <a:rPr lang="en-US" altLang="zh-TW" sz="4400" b="1" i="1" smtClean="0">
+                          <a:rPr lang="en-US" altLang="zh-TW" sz="4400" b="1" smtClean="0">
                             <a:solidFill>
                               <a:schemeClr val="tx1"/>
                             </a:solidFill>
@@ -4960,31 +4956,31 @@
                       </m:sSubPr>
                       <m:e>
                         <m:r>
-                          <a:rPr lang="en-US" altLang="zh-TW" sz="4400" b="1" i="1" smtClean="0">
+                          <a:rPr lang="en-US" altLang="zh-TW" sz="4400" b="1" i="0" smtClean="0">
                             <a:solidFill>
                               <a:schemeClr val="tx1"/>
                             </a:solidFill>
                             <a:latin typeface="Cambria Math" charset="0"/>
                             <a:cs typeface="Arial" pitchFamily="34" charset="0"/>
                           </a:rPr>
-                          <m:t>𝒅</m:t>
+                          <m:t>𝐝</m:t>
                         </m:r>
                       </m:e>
                       <m:sub>
                         <m:r>
-                          <a:rPr lang="en-US" altLang="zh-TW" sz="4400" b="1" i="1" smtClean="0">
+                          <a:rPr lang="en-US" altLang="zh-TW" sz="4400" b="1" i="0" smtClean="0">
                             <a:solidFill>
                               <a:schemeClr val="tx1"/>
                             </a:solidFill>
                             <a:latin typeface="Cambria Math" charset="0"/>
                             <a:cs typeface="Arial" pitchFamily="34" charset="0"/>
                           </a:rPr>
-                          <m:t>𝒊𝒋</m:t>
+                          <m:t>𝐢𝐣</m:t>
                         </m:r>
                       </m:sub>
                     </m:sSub>
                     <m:r>
-                      <a:rPr lang="en-US" altLang="zh-TW" sz="4400" b="1" i="1" smtClean="0">
+                      <a:rPr lang="en-US" altLang="zh-TW" sz="4400" b="1" i="0" smtClean="0">
                         <a:solidFill>
                           <a:schemeClr val="tx1"/>
                         </a:solidFill>
@@ -4994,17 +4990,17 @@
                       <m:t>=</m:t>
                     </m:r>
                     <m:r>
-                      <a:rPr lang="en-US" altLang="zh-TW" sz="4400" b="1" i="1" smtClean="0">
+                      <a:rPr lang="en-US" altLang="zh-TW" sz="4400" b="1" i="0" smtClean="0">
                         <a:solidFill>
                           <a:schemeClr val="tx1"/>
                         </a:solidFill>
                         <a:latin typeface="Cambria Math" charset="0"/>
                         <a:cs typeface="Arial" pitchFamily="34" charset="0"/>
                       </a:rPr>
-                      <m:t>𝒎𝒊𝒏</m:t>
+                      <m:t>𝐦𝐢𝐧</m:t>
                     </m:r>
                     <m:r>
-                      <a:rPr lang="en-US" altLang="zh-TW" sz="4400" b="1" i="1" smtClean="0">
+                      <a:rPr lang="en-US" altLang="zh-TW" sz="4400" b="1" i="0" smtClean="0">
                         <a:solidFill>
                           <a:schemeClr val="tx1"/>
                         </a:solidFill>
@@ -5016,7 +5012,7 @@
                     <m:sSubSup>
                       <m:sSubSupPr>
                         <m:ctrlPr>
-                          <a:rPr lang="en-US" altLang="zh-TW" sz="4400" b="1" i="1" smtClean="0">
+                          <a:rPr lang="en-US" altLang="zh-TW" sz="4400" b="1" smtClean="0">
                             <a:solidFill>
                               <a:schemeClr val="tx1"/>
                             </a:solidFill>
@@ -5027,53 +5023,43 @@
                       </m:sSubSupPr>
                       <m:e>
                         <m:r>
-                          <a:rPr lang="en-US" altLang="zh-TW" sz="4400" b="1" i="1" smtClean="0">
+                          <a:rPr lang="en-US" altLang="zh-TW" sz="4400" b="1" i="0" smtClean="0">
                             <a:solidFill>
                               <a:schemeClr val="tx1"/>
                             </a:solidFill>
                             <a:latin typeface="Cambria Math" charset="0"/>
                             <a:cs typeface="Arial" pitchFamily="34" charset="0"/>
                           </a:rPr>
-                          <m:t>𝒌</m:t>
+                          <m:t>𝐤</m:t>
                         </m:r>
                       </m:e>
                       <m:sub>
                         <m:r>
-                          <a:rPr lang="en-US" altLang="zh-TW" sz="4400" b="1" i="1" smtClean="0">
+                          <a:rPr lang="en-US" altLang="zh-TW" sz="4400" b="1" i="0" smtClean="0">
                             <a:solidFill>
                               <a:schemeClr val="tx1"/>
                             </a:solidFill>
                             <a:latin typeface="Cambria Math" charset="0"/>
                             <a:cs typeface="Arial" pitchFamily="34" charset="0"/>
                           </a:rPr>
-                          <m:t>𝒕𝒊</m:t>
+                          <m:t>𝐭𝐢</m:t>
                         </m:r>
                       </m:sub>
                       <m:sup>
                         <m:r>
-                          <a:rPr lang="en-US" altLang="zh-TW" sz="4400" b="1" i="1" smtClean="0">
+                          <a:rPr lang="en-US" altLang="zh-TW" sz="4400" b="1" i="0" smtClean="0">
                             <a:solidFill>
                               <a:schemeClr val="tx1"/>
                             </a:solidFill>
                             <a:latin typeface="Cambria Math" charset="0"/>
                             <a:cs typeface="Arial" pitchFamily="34" charset="0"/>
                           </a:rPr>
-                          <m:t>𝟐</m:t>
-                        </m:r>
-                        <m:r>
-                          <a:rPr lang="en-US" altLang="zh-TW" sz="4400" b="1" i="1" smtClean="0">
-                            <a:solidFill>
-                              <a:schemeClr val="tx1"/>
-                            </a:solidFill>
-                            <a:latin typeface="Cambria Math" charset="0"/>
-                            <a:cs typeface="Arial" pitchFamily="34" charset="0"/>
-                          </a:rPr>
-                          <m:t>𝒑</m:t>
+                          <m:t>𝟐𝐩</m:t>
                         </m:r>
                       </m:sup>
                     </m:sSubSup>
                     <m:r>
-                      <a:rPr lang="en-US" altLang="zh-TW" sz="4400" b="1" i="1" smtClean="0">
+                      <a:rPr lang="en-US" altLang="zh-TW" sz="4400" b="1" i="0" smtClean="0">
                         <a:solidFill>
                           <a:schemeClr val="tx1"/>
                         </a:solidFill>
@@ -5098,7 +5084,7 @@
                     <m:sSubSup>
                       <m:sSubSupPr>
                         <m:ctrlPr>
-                          <a:rPr lang="en-US" altLang="zh-TW" sz="4400" b="1" i="1">
+                          <a:rPr lang="en-US" altLang="zh-TW" sz="4400" b="1">
                             <a:solidFill>
                               <a:schemeClr val="tx1"/>
                             </a:solidFill>
@@ -5109,63 +5095,53 @@
                       </m:sSubSupPr>
                       <m:e>
                         <m:r>
-                          <a:rPr lang="en-US" altLang="zh-TW" sz="4400" b="1" i="1">
+                          <a:rPr lang="en-US" altLang="zh-TW" sz="4400" b="1" i="0">
                             <a:solidFill>
                               <a:schemeClr val="tx1"/>
                             </a:solidFill>
                             <a:latin typeface="Cambria Math" charset="0"/>
                             <a:cs typeface="Arial" pitchFamily="34" charset="0"/>
                           </a:rPr>
-                          <m:t>𝒌</m:t>
+                          <m:t>𝐤</m:t>
                         </m:r>
                       </m:e>
                       <m:sub>
                         <m:r>
-                          <a:rPr lang="en-US" altLang="zh-TW" sz="4400" b="1" i="1">
+                          <a:rPr lang="en-US" altLang="zh-TW" sz="4400" b="1" i="0">
                             <a:solidFill>
                               <a:schemeClr val="tx1"/>
                             </a:solidFill>
                             <a:latin typeface="Cambria Math" charset="0"/>
                             <a:cs typeface="Arial" pitchFamily="34" charset="0"/>
                           </a:rPr>
-                          <m:t>𝒕</m:t>
+                          <m:t>𝐭</m:t>
                         </m:r>
                         <m:r>
-                          <a:rPr lang="en-US" altLang="zh-TW" sz="4400" b="1" i="1" smtClean="0">
+                          <a:rPr lang="en-US" altLang="zh-TW" sz="4400" b="1" i="0" smtClean="0">
                             <a:solidFill>
                               <a:schemeClr val="tx1"/>
                             </a:solidFill>
                             <a:latin typeface="Cambria Math" charset="0"/>
                             <a:cs typeface="Arial" pitchFamily="34" charset="0"/>
                           </a:rPr>
-                          <m:t>𝒋</m:t>
+                          <m:t>𝐣</m:t>
                         </m:r>
                       </m:sub>
                       <m:sup>
                         <m:r>
-                          <a:rPr lang="en-US" altLang="zh-TW" sz="4400" b="1" i="1">
+                          <a:rPr lang="en-US" altLang="zh-TW" sz="4400" b="1" i="0">
                             <a:solidFill>
                               <a:schemeClr val="tx1"/>
                             </a:solidFill>
                             <a:latin typeface="Cambria Math" charset="0"/>
                             <a:cs typeface="Arial" pitchFamily="34" charset="0"/>
                           </a:rPr>
-                          <m:t>𝟐</m:t>
-                        </m:r>
-                        <m:r>
-                          <a:rPr lang="en-US" altLang="zh-TW" sz="4400" b="1" i="1">
-                            <a:solidFill>
-                              <a:schemeClr val="tx1"/>
-                            </a:solidFill>
-                            <a:latin typeface="Cambria Math" charset="0"/>
-                            <a:cs typeface="Arial" pitchFamily="34" charset="0"/>
-                          </a:rPr>
-                          <m:t>𝒑</m:t>
+                          <m:t>𝟐𝐩</m:t>
                         </m:r>
                       </m:sup>
                     </m:sSubSup>
                     <m:r>
-                      <a:rPr lang="en-US" altLang="zh-TW" sz="4400" b="1" i="1" smtClean="0">
+                      <a:rPr lang="en-US" altLang="zh-TW" sz="4400" b="1" i="0" smtClean="0">
                         <a:solidFill>
                           <a:schemeClr val="tx1"/>
                         </a:solidFill>
@@ -5177,7 +5153,7 @@
                     <m:f>
                       <m:fPr>
                         <m:ctrlPr>
-                          <a:rPr lang="mr-IN" altLang="zh-TW" sz="4400" b="1" i="1" smtClean="0">
+                          <a:rPr lang="mr-IN" altLang="zh-TW" sz="4400" b="1" smtClean="0">
                             <a:solidFill>
                               <a:schemeClr val="tx1"/>
                             </a:solidFill>
@@ -5190,7 +5166,7 @@
                         <m:sSubSup>
                           <m:sSubSupPr>
                             <m:ctrlPr>
-                              <a:rPr lang="en-US" altLang="zh-TW" sz="4400" b="1" i="1" smtClean="0">
+                              <a:rPr lang="en-US" altLang="zh-TW" sz="4400" b="1" smtClean="0">
                                 <a:solidFill>
                                   <a:schemeClr val="tx1"/>
                                 </a:solidFill>
@@ -5201,7 +5177,7 @@
                           </m:sSubSupPr>
                           <m:e>
                             <m:r>
-                              <a:rPr lang="en-US" altLang="zh-TW" sz="4400" b="1" i="1" smtClean="0">
+                              <a:rPr lang="en-US" altLang="zh-TW" sz="4400" b="1" i="0" smtClean="0">
                                 <a:solidFill>
                                   <a:schemeClr val="tx1"/>
                                 </a:solidFill>
@@ -5214,19 +5190,19 @@
                           </m:e>
                           <m:sub>
                             <m:r>
-                              <a:rPr lang="en-US" altLang="zh-TW" sz="4400" b="1" i="1" smtClean="0">
+                              <a:rPr lang="en-US" altLang="zh-TW" sz="4400" b="1" i="0" smtClean="0">
                                 <a:solidFill>
                                   <a:schemeClr val="tx1"/>
                                 </a:solidFill>
                                 <a:latin typeface="Cambria Math" charset="0"/>
                                 <a:cs typeface="Arial" pitchFamily="34" charset="0"/>
                               </a:rPr>
-                              <m:t>𝒊𝒋</m:t>
+                              <m:t>𝐢𝐣</m:t>
                             </m:r>
                           </m:sub>
                           <m:sup>
                             <m:r>
-                              <a:rPr lang="en-US" altLang="zh-TW" sz="4400" b="1" i="1" smtClean="0">
+                              <a:rPr lang="en-US" altLang="zh-TW" sz="4400" b="1" i="0" smtClean="0">
                                 <a:solidFill>
                                   <a:schemeClr val="tx1"/>
                                 </a:solidFill>
@@ -5242,7 +5218,7 @@
                         <m:sSup>
                           <m:sSupPr>
                             <m:ctrlPr>
-                              <a:rPr lang="mr-IN" altLang="zh-TW" sz="4400" b="1" i="1" smtClean="0">
+                              <a:rPr lang="mr-IN" altLang="zh-TW" sz="4400" b="1" smtClean="0">
                                 <a:solidFill>
                                   <a:schemeClr val="tx1"/>
                                 </a:solidFill>
@@ -5253,19 +5229,19 @@
                           </m:sSupPr>
                           <m:e>
                             <m:r>
-                              <a:rPr lang="en-US" altLang="zh-TW" sz="4400" b="1" i="1" smtClean="0">
+                              <a:rPr lang="en-US" altLang="zh-TW" sz="4400" b="1" i="0" smtClean="0">
                                 <a:solidFill>
                                   <a:schemeClr val="tx1"/>
                                 </a:solidFill>
                                 <a:latin typeface="Cambria Math" charset="0"/>
                                 <a:cs typeface="Arial" pitchFamily="34" charset="0"/>
                               </a:rPr>
-                              <m:t>𝑹</m:t>
+                              <m:t>𝐑</m:t>
                             </m:r>
                           </m:e>
                           <m:sup>
                             <m:r>
-                              <a:rPr lang="en-US" altLang="zh-TW" sz="4400" b="1" i="1" smtClean="0">
+                              <a:rPr lang="en-US" altLang="zh-TW" sz="4400" b="1" i="0" smtClean="0">
                                 <a:solidFill>
                                   <a:schemeClr val="tx1"/>
                                 </a:solidFill>
@@ -5280,7 +5256,7 @@
                     </m:f>
                   </m:oMath>
                 </a14:m>
-                <a:endParaRPr lang="en-US" altLang="zh-TW" sz="4400" b="1" i="1" dirty="0" smtClean="0">
+                <a:endParaRPr lang="en-US" altLang="zh-TW" sz="4400" b="1" dirty="0" smtClean="0">
                   <a:solidFill>
                     <a:schemeClr val="tx1"/>
                   </a:solidFill>
@@ -5299,7 +5275,7 @@
                       <m:sSub>
                         <m:sSubPr>
                           <m:ctrlPr>
-                            <a:rPr lang="en-US" altLang="zh-TW" sz="4400" b="1" i="1" smtClean="0">
+                            <a:rPr lang="en-US" altLang="zh-TW" sz="4400" b="1" smtClean="0">
                               <a:solidFill>
                                 <a:schemeClr val="tx1"/>
                               </a:solidFill>
@@ -5310,31 +5286,31 @@
                         </m:sSubPr>
                         <m:e>
                           <m:r>
-                            <a:rPr lang="en-US" altLang="zh-TW" sz="4400" b="1" i="1" smtClean="0">
+                            <a:rPr lang="en-US" altLang="zh-TW" sz="4400" b="1" i="0" smtClean="0">
                               <a:solidFill>
                                 <a:schemeClr val="tx1"/>
                               </a:solidFill>
                               <a:latin typeface="Cambria Math" charset="0"/>
                               <a:cs typeface="Arial" pitchFamily="34" charset="0"/>
                             </a:rPr>
-                            <m:t>𝒅</m:t>
+                            <m:t>𝐝</m:t>
                           </m:r>
                         </m:e>
                         <m:sub>
                           <m:r>
-                            <a:rPr lang="en-US" altLang="zh-TW" sz="4400" b="1" i="1" smtClean="0">
+                            <a:rPr lang="en-US" altLang="zh-TW" sz="4400" b="1" i="0" smtClean="0">
                               <a:solidFill>
                                 <a:schemeClr val="tx1"/>
                               </a:solidFill>
                               <a:latin typeface="Cambria Math" charset="0"/>
                               <a:cs typeface="Arial" pitchFamily="34" charset="0"/>
                             </a:rPr>
-                            <m:t>𝒊𝒃</m:t>
+                            <m:t>𝐢𝐛</m:t>
                           </m:r>
                         </m:sub>
                       </m:sSub>
                       <m:r>
-                        <a:rPr lang="en-US" altLang="zh-TW" sz="4400" b="1" i="1" smtClean="0">
+                        <a:rPr lang="en-US" altLang="zh-TW" sz="4400" b="1" i="0" smtClean="0">
                           <a:solidFill>
                             <a:schemeClr val="tx1"/>
                           </a:solidFill>
@@ -5346,7 +5322,7 @@
                       <m:sSubSup>
                         <m:sSubSupPr>
                           <m:ctrlPr>
-                            <a:rPr lang="en-US" altLang="zh-TW" sz="4400" b="1" i="1">
+                            <a:rPr lang="en-US" altLang="zh-TW" sz="4400" b="1">
                               <a:solidFill>
                                 <a:schemeClr val="tx1"/>
                               </a:solidFill>
@@ -5357,48 +5333,38 @@
                         </m:sSubSupPr>
                         <m:e>
                           <m:r>
-                            <a:rPr lang="en-US" altLang="zh-TW" sz="4400" b="1" i="1">
+                            <a:rPr lang="en-US" altLang="zh-TW" sz="4400" b="1" i="0">
                               <a:solidFill>
                                 <a:schemeClr val="tx1"/>
                               </a:solidFill>
                               <a:latin typeface="Cambria Math" charset="0"/>
                               <a:cs typeface="Arial" pitchFamily="34" charset="0"/>
                             </a:rPr>
-                            <m:t>𝒌</m:t>
+                            <m:t>𝐤</m:t>
                           </m:r>
                         </m:e>
                         <m:sub>
                           <m:r>
-                            <a:rPr lang="en-US" altLang="zh-TW" sz="4400" b="1" i="1">
+                            <a:rPr lang="en-US" altLang="zh-TW" sz="4400" b="1" i="0">
                               <a:solidFill>
                                 <a:schemeClr val="tx1"/>
                               </a:solidFill>
                               <a:latin typeface="Cambria Math" charset="0"/>
                               <a:cs typeface="Arial" pitchFamily="34" charset="0"/>
                             </a:rPr>
-                            <m:t>𝒕𝒊</m:t>
+                            <m:t>𝐭𝐢</m:t>
                           </m:r>
                         </m:sub>
                         <m:sup>
                           <m:r>
-                            <a:rPr lang="en-US" altLang="zh-TW" sz="4400" b="1" i="1">
+                            <a:rPr lang="en-US" altLang="zh-TW" sz="4400" b="1" i="0">
                               <a:solidFill>
                                 <a:schemeClr val="tx1"/>
                               </a:solidFill>
                               <a:latin typeface="Cambria Math" charset="0"/>
                               <a:cs typeface="Arial" pitchFamily="34" charset="0"/>
                             </a:rPr>
-                            <m:t>𝟐</m:t>
-                          </m:r>
-                          <m:r>
-                            <a:rPr lang="en-US" altLang="zh-TW" sz="4400" b="1" i="1">
-                              <a:solidFill>
-                                <a:schemeClr val="tx1"/>
-                              </a:solidFill>
-                              <a:latin typeface="Cambria Math" charset="0"/>
-                              <a:cs typeface="Arial" pitchFamily="34" charset="0"/>
-                            </a:rPr>
-                            <m:t>𝒑</m:t>
+                            <m:t>𝟐𝐩</m:t>
                           </m:r>
                         </m:sup>
                       </m:sSubSup>
@@ -5414,7 +5380,7 @@
                 </a:endParaRPr>
               </a:p>
               <a:p>
-                <a:endParaRPr lang="en-US" altLang="zh-TW" sz="4400" b="1" dirty="0" smtClean="0">
+                <a:endParaRPr lang="en-US" altLang="zh-TW" sz="4400" b="1" i="1" dirty="0" smtClean="0">
                   <a:latin typeface="+mj-lt"/>
                   <a:cs typeface="Arial" pitchFamily="34" charset="0"/>
                 </a:endParaRPr>
@@ -5436,7 +5402,7 @@
                     <m:sSub>
                       <m:sSubPr>
                         <m:ctrlPr>
-                          <a:rPr lang="en-US" altLang="zh-TW" sz="4000" i="1">
+                          <a:rPr lang="en-US" altLang="zh-TW" sz="4000">
                             <a:latin typeface="Cambria Math" charset="0"/>
                             <a:ea typeface="Arial" charset="0"/>
                             <a:cs typeface="Arial" charset="0"/>
@@ -5445,22 +5411,28 @@
                       </m:sSubPr>
                       <m:e>
                         <m:r>
-                          <a:rPr lang="en-US" altLang="zh-TW" sz="4000" b="0" i="1">
+                          <m:rPr>
+                            <m:sty m:val="p"/>
+                          </m:rPr>
+                          <a:rPr lang="en-US" altLang="zh-TW" sz="4000" b="0" i="0">
                             <a:latin typeface="Cambria Math" charset="0"/>
                             <a:ea typeface="Arial" charset="0"/>
                             <a:cs typeface="Arial" charset="0"/>
                           </a:rPr>
-                          <m:t>𝑑</m:t>
+                          <m:t>d</m:t>
                         </m:r>
                       </m:e>
                       <m:sub>
                         <m:r>
-                          <a:rPr lang="en-US" altLang="zh-TW" sz="4000" b="0" i="1">
+                          <m:rPr>
+                            <m:sty m:val="p"/>
+                          </m:rPr>
+                          <a:rPr lang="en-US" altLang="zh-TW" sz="4000" b="0" i="0">
                             <a:latin typeface="Cambria Math" charset="0"/>
                             <a:ea typeface="Arial" charset="0"/>
                             <a:cs typeface="Arial" charset="0"/>
                           </a:rPr>
-                          <m:t>𝑖𝑗</m:t>
+                          <m:t>ij</m:t>
                         </m:r>
                       </m:sub>
                     </m:sSub>
@@ -5482,7 +5454,7 @@
                     <m:sSub>
                       <m:sSubPr>
                         <m:ctrlPr>
-                          <a:rPr lang="en-US" altLang="zh-TW" sz="4000" i="1">
+                          <a:rPr lang="en-US" altLang="zh-TW" sz="4000">
                             <a:latin typeface="Cambria Math" charset="0"/>
                             <a:ea typeface="Arial" charset="0"/>
                             <a:cs typeface="Arial" charset="0"/>
@@ -5491,22 +5463,28 @@
                       </m:sSubPr>
                       <m:e>
                         <m:r>
-                          <a:rPr lang="en-US" altLang="zh-TW" sz="4000" b="0" i="1">
+                          <m:rPr>
+                            <m:sty m:val="p"/>
+                          </m:rPr>
+                          <a:rPr lang="en-US" altLang="zh-TW" sz="4000" b="0" i="0">
                             <a:latin typeface="Cambria Math" charset="0"/>
                             <a:ea typeface="Arial" charset="0"/>
                             <a:cs typeface="Arial" charset="0"/>
                           </a:rPr>
-                          <m:t>𝑑</m:t>
+                          <m:t>d</m:t>
                         </m:r>
                       </m:e>
                       <m:sub>
                         <m:r>
-                          <a:rPr lang="en-US" altLang="zh-TW" sz="4000" b="0" i="1">
+                          <m:rPr>
+                            <m:sty m:val="p"/>
+                          </m:rPr>
+                          <a:rPr lang="en-US" altLang="zh-TW" sz="4000" b="0" i="0">
                             <a:latin typeface="Cambria Math" charset="0"/>
                             <a:ea typeface="Arial" charset="0"/>
                             <a:cs typeface="Arial" charset="0"/>
                           </a:rPr>
-                          <m:t>𝑖𝑏</m:t>
+                          <m:t>ib</m:t>
                         </m:r>
                       </m:sub>
                     </m:sSub>
@@ -5521,7 +5499,37 @@
                     <a:ea typeface="Arial" charset="0"/>
                     <a:cs typeface="Arial" charset="0"/>
                   </a:rPr>
-                  <a:t>,j particle will be merged into one particle**</a:t>
+                  <a:t>,</a:t>
+                </a:r>
+                <a:r>
+                  <a:rPr lang="en-US" altLang="zh-TW" sz="4000" dirty="0" err="1" smtClean="0">
+                    <a:latin typeface="Arial" charset="0"/>
+                    <a:ea typeface="Arial" charset="0"/>
+                    <a:cs typeface="Arial" charset="0"/>
+                  </a:rPr>
+                  <a:t>i</a:t>
+                </a:r>
+                <a:r>
+                  <a:rPr lang="en-US" altLang="zh-TW" sz="4000" dirty="0" smtClean="0">
+                    <a:solidFill>
+                      <a:schemeClr val="tx1"/>
+                    </a:solidFill>
+                    <a:latin typeface="Arial" charset="0"/>
+                    <a:ea typeface="Arial" charset="0"/>
+                    <a:cs typeface="Arial" charset="0"/>
+                  </a:rPr>
+                  <a:t> and j particle </a:t>
+                </a:r>
+                <a:r>
+                  <a:rPr lang="en-US" altLang="zh-TW" sz="4000" dirty="0" smtClean="0">
+                    <a:solidFill>
+                      <a:schemeClr val="tx1"/>
+                    </a:solidFill>
+                    <a:latin typeface="Arial" charset="0"/>
+                    <a:ea typeface="Arial" charset="0"/>
+                    <a:cs typeface="Arial" charset="0"/>
+                  </a:rPr>
+                  <a:t>will be merged into one particle**</a:t>
                 </a:r>
               </a:p>
               <a:p>
@@ -5645,8 +5653,8 @@
             </p:nvSpPr>
             <p:spPr>
               <a:xfrm>
-                <a:off x="168278" y="19403627"/>
-                <a:ext cx="15232092" cy="6065187"/>
+                <a:off x="1" y="19403627"/>
+                <a:ext cx="15400369" cy="6065187"/>
               </a:xfrm>
               <a:prstGeom prst="rect">
                 <a:avLst/>
@@ -5654,7 +5662,7 @@
               <a:blipFill rotWithShape="0">
                 <a:blip r:embed="rId21"/>
                 <a:stretch>
-                  <a:fillRect l="-1113" t="-1581" b="-2372"/>
+                  <a:fillRect l="-1062" t="-1581" b="-2470"/>
                 </a:stretch>
               </a:blipFill>
               <a:ln w="101600" cmpd="sng">
@@ -5706,14 +5714,7 @@
                 <a:latin typeface="Arial" pitchFamily="34" charset="0"/>
                 <a:cs typeface="Arial" pitchFamily="34" charset="0"/>
               </a:rPr>
-              <a:t>Jet Substructure </a:t>
-            </a:r>
-            <a:r>
-              <a:rPr lang="en-US" altLang="zh-TW" sz="5000" b="1" u="sng" dirty="0" smtClean="0">
-                <a:latin typeface="Arial" pitchFamily="34" charset="0"/>
-                <a:cs typeface="Arial" pitchFamily="34" charset="0"/>
-              </a:rPr>
-              <a:t>Variables</a:t>
+              <a:t>Jet Substructure Variables</a:t>
             </a:r>
             <a:endParaRPr lang="zh-TW" altLang="en-US" sz="5000" u="sng" baseline="-25000" dirty="0"/>
           </a:p>
@@ -5922,13 +5923,6 @@
                   </a:rPr>
                   <a:t>: </a:t>
                 </a:r>
-                <a:endParaRPr lang="en-US" altLang="zh-TW" sz="4800" b="1" u="sng" dirty="0" smtClean="0">
-                  <a:solidFill>
-                    <a:schemeClr val="tx1"/>
-                  </a:solidFill>
-                  <a:latin typeface="Arial" pitchFamily="34" charset="0"/>
-                  <a:cs typeface="Arial" pitchFamily="34" charset="0"/>
-                </a:endParaRPr>
               </a:p>
               <a:p>
                 <a:r>
@@ -6016,11 +6010,18 @@
                   <a:t> </a:t>
                 </a:r>
                 <a:r>
+                  <a:rPr lang="en-US" altLang="zh-TW" sz="4800" b="1" dirty="0" smtClean="0">
+                    <a:latin typeface="Arial" pitchFamily="34" charset="0"/>
+                    <a:cs typeface="Arial" pitchFamily="34" charset="0"/>
+                  </a:rPr>
+                  <a:t>cell size</a:t>
+                </a:r>
+                <a:r>
                   <a:rPr lang="en-US" altLang="zh-TW" sz="4800" b="1" dirty="0">
                     <a:latin typeface="Arial" pitchFamily="34" charset="0"/>
                     <a:cs typeface="Arial" pitchFamily="34" charset="0"/>
                   </a:rPr>
-                  <a:t>size? </a:t>
+                  <a:t>? </a:t>
                 </a:r>
                 <a:endParaRPr lang="zh-TW" altLang="en-US" sz="4800" baseline="-25000" dirty="0"/>
               </a:p>
@@ -6102,14 +6103,7 @@
                 <a:latin typeface="Arial" pitchFamily="34" charset="0"/>
                 <a:cs typeface="Arial" pitchFamily="34" charset="0"/>
               </a:rPr>
-              <a:t>omparison of different detector </a:t>
-            </a:r>
-            <a:r>
-              <a:rPr lang="en-US" altLang="zh-TW" sz="4800" b="1" dirty="0" smtClean="0">
-                <a:latin typeface="Arial" pitchFamily="34" charset="0"/>
-                <a:cs typeface="Arial" pitchFamily="34" charset="0"/>
-              </a:rPr>
-              <a:t>sizes: </a:t>
+              <a:t>omparison of different detector sizes: </a:t>
             </a:r>
             <a:endParaRPr lang="zh-TW" altLang="en-US" sz="4800" baseline="-25000" dirty="0"/>
           </a:p>
@@ -6862,11 +6856,10 @@
                 <a14:m>
                   <m:oMath xmlns:m="http://schemas.openxmlformats.org/officeDocument/2006/math">
                     <m:r>
-                      <a:rPr lang="en-US" altLang="zh-TW" sz="3600" b="0" i="1" smtClean="0">
+                      <a:rPr lang="en-US" altLang="zh-TW" sz="3600" b="0" i="0" smtClean="0">
                         <a:solidFill>
                           <a:schemeClr val="tx1"/>
                         </a:solidFill>
-                        <a:latin typeface="Cambria Math" charset="0"/>
                         <a:ea typeface="Cambria Math" charset="0"/>
                         <a:cs typeface="Cambria Math" charset="0"/>
                       </a:rPr>
@@ -6875,11 +6868,10 @@
                     <m:sSub>
                       <m:sSubPr>
                         <m:ctrlPr>
-                          <a:rPr lang="en-US" altLang="zh-TW" sz="3600" i="1">
+                          <a:rPr lang="en-US" altLang="zh-TW" sz="3600">
                             <a:solidFill>
                               <a:schemeClr val="tx1"/>
                             </a:solidFill>
-                            <a:latin typeface="Cambria Math" charset="0"/>
                             <a:ea typeface="Cambria Math" charset="0"/>
                             <a:cs typeface="Cambria Math" charset="0"/>
                           </a:rPr>
@@ -6887,250 +6879,264 @@
                       </m:sSubPr>
                       <m:e>
                         <m:r>
-                          <a:rPr lang="en-US" altLang="zh-TW" sz="3600" b="0" i="1">
+                          <m:rPr>
+                            <m:sty m:val="p"/>
+                          </m:rPr>
+                          <a:rPr lang="en-US" altLang="zh-TW" sz="3600" b="0" i="0">
                             <a:solidFill>
                               <a:schemeClr val="tx1"/>
                             </a:solidFill>
-                            <a:latin typeface="Cambria Math" charset="0"/>
                             <a:ea typeface="Cambria Math" charset="0"/>
                             <a:cs typeface="Cambria Math" charset="0"/>
                           </a:rPr>
-                          <m:t>𝑅</m:t>
+                          <m:t>R</m:t>
                         </m:r>
                       </m:e>
                       <m:sub>
                         <m:r>
-                          <a:rPr lang="en-US" altLang="zh-TW" sz="3600" b="0" i="1" smtClean="0">
+                          <m:rPr>
+                            <m:sty m:val="p"/>
+                          </m:rPr>
+                          <a:rPr lang="en-US" altLang="zh-TW" sz="3600" b="0" i="0" smtClean="0">
                             <a:solidFill>
                               <a:schemeClr val="tx1"/>
                             </a:solidFill>
-                            <a:latin typeface="Cambria Math" charset="0"/>
                             <a:ea typeface="Cambria Math" charset="0"/>
                             <a:cs typeface="Cambria Math" charset="0"/>
                           </a:rPr>
-                          <m:t>𝑖</m:t>
+                          <m:t>i</m:t>
                         </m:r>
                         <m:r>
-                          <a:rPr lang="en-US" altLang="zh-TW" sz="3600" b="0" i="1">
+                          <a:rPr lang="en-US" altLang="zh-TW" sz="3600" b="0" i="0">
                             <a:solidFill>
                               <a:schemeClr val="tx1"/>
                             </a:solidFill>
-                            <a:latin typeface="Cambria Math" charset="0"/>
                             <a:ea typeface="Cambria Math" charset="0"/>
                             <a:cs typeface="Cambria Math" charset="0"/>
                           </a:rPr>
                           <m:t>,</m:t>
                         </m:r>
                         <m:r>
-                          <a:rPr lang="en-US" altLang="zh-TW" sz="3600" b="0" i="1">
+                          <m:rPr>
+                            <m:sty m:val="p"/>
+                          </m:rPr>
+                          <a:rPr lang="en-US" altLang="zh-TW" sz="3600" b="0" i="0">
                             <a:solidFill>
                               <a:schemeClr val="tx1"/>
                             </a:solidFill>
-                            <a:latin typeface="Cambria Math" charset="0"/>
                             <a:ea typeface="Cambria Math" charset="0"/>
                             <a:cs typeface="Cambria Math" charset="0"/>
                           </a:rPr>
-                          <m:t>𝑘</m:t>
+                          <m:t>k</m:t>
                         </m:r>
                       </m:sub>
                     </m:sSub>
                     <m:r>
-                      <a:rPr lang="en-US" altLang="zh-TW" sz="3600" b="0" i="1" smtClean="0">
+                      <a:rPr lang="en-US" altLang="zh-TW" sz="3600" b="0" i="0" smtClean="0">
                         <a:solidFill>
                           <a:schemeClr val="tx1"/>
                         </a:solidFill>
-                        <a:latin typeface="Cambria Math" charset="0"/>
                         <a:ea typeface="Cambria Math" charset="0"/>
                         <a:cs typeface="Cambria Math" charset="0"/>
                       </a:rPr>
                       <m:t>:</m:t>
                     </m:r>
                     <m:r>
-                      <a:rPr lang="en-US" altLang="zh-TW" sz="3600" b="0" i="1" smtClean="0">
+                      <m:rPr>
+                        <m:sty m:val="p"/>
+                      </m:rPr>
+                      <a:rPr lang="en-US" altLang="zh-TW" sz="3600" b="0" i="0" smtClean="0">
                         <a:solidFill>
                           <a:schemeClr val="tx1"/>
                         </a:solidFill>
-                        <a:latin typeface="Cambria Math" charset="0"/>
                         <a:ea typeface="Cambria Math" charset="0"/>
                         <a:cs typeface="Cambria Math" charset="0"/>
                       </a:rPr>
-                      <m:t>𝑇h𝑒</m:t>
+                      <m:t>The</m:t>
                     </m:r>
                     <m:r>
-                      <a:rPr lang="en-US" altLang="zh-TW" sz="3600" b="0" i="1" smtClean="0">
+                      <a:rPr lang="en-US" altLang="zh-TW" sz="3600" b="0" i="0" smtClean="0">
                         <a:solidFill>
                           <a:schemeClr val="tx1"/>
                         </a:solidFill>
-                        <a:latin typeface="Cambria Math" charset="0"/>
                         <a:ea typeface="Cambria Math" charset="0"/>
                         <a:cs typeface="Cambria Math" charset="0"/>
                       </a:rPr>
                       <m:t> </m:t>
                     </m:r>
                     <m:r>
-                      <a:rPr lang="en-US" altLang="zh-TW" sz="3600" b="0" i="1" smtClean="0">
+                      <m:rPr>
+                        <m:sty m:val="p"/>
+                      </m:rPr>
+                      <a:rPr lang="en-US" altLang="zh-TW" sz="3600" b="0" i="0" smtClean="0">
                         <a:solidFill>
                           <a:schemeClr val="tx1"/>
                         </a:solidFill>
-                        <a:latin typeface="Cambria Math" charset="0"/>
                         <a:ea typeface="Cambria Math" charset="0"/>
                         <a:cs typeface="Cambria Math" charset="0"/>
                       </a:rPr>
-                      <m:t>𝑑𝑖𝑠𝑡𝑎𝑛𝑐𝑒</m:t>
+                      <m:t>distance</m:t>
                     </m:r>
                     <m:r>
-                      <a:rPr lang="en-US" altLang="zh-TW" sz="3600" b="0" i="1" smtClean="0">
+                      <a:rPr lang="en-US" altLang="zh-TW" sz="3600" b="0" i="0" smtClean="0">
                         <a:solidFill>
                           <a:schemeClr val="tx1"/>
                         </a:solidFill>
-                        <a:latin typeface="Cambria Math" charset="0"/>
                         <a:ea typeface="Cambria Math" charset="0"/>
                         <a:cs typeface="Cambria Math" charset="0"/>
                       </a:rPr>
                       <m:t> </m:t>
                     </m:r>
                     <m:r>
-                      <a:rPr lang="en-US" altLang="zh-TW" sz="3600" b="0" i="1" smtClean="0">
+                      <m:rPr>
+                        <m:sty m:val="p"/>
+                      </m:rPr>
+                      <a:rPr lang="en-US" altLang="zh-TW" sz="3600" b="0" i="0" smtClean="0">
                         <a:solidFill>
                           <a:schemeClr val="tx1"/>
                         </a:solidFill>
-                        <a:latin typeface="Cambria Math" charset="0"/>
                         <a:ea typeface="Cambria Math" charset="0"/>
                         <a:cs typeface="Cambria Math" charset="0"/>
                       </a:rPr>
-                      <m:t>𝑏𝑒𝑡𝑤𝑒𝑒𝑛</m:t>
+                      <m:t>between</m:t>
                     </m:r>
                     <m:r>
-                      <a:rPr lang="en-US" altLang="zh-TW" sz="3600" b="0" i="1" smtClean="0">
+                      <a:rPr lang="en-US" altLang="zh-TW" sz="3600" b="0" i="0" smtClean="0">
                         <a:solidFill>
                           <a:schemeClr val="tx1"/>
                         </a:solidFill>
-                        <a:latin typeface="Cambria Math" charset="0"/>
                         <a:ea typeface="Cambria Math" charset="0"/>
                         <a:cs typeface="Cambria Math" charset="0"/>
                       </a:rPr>
                       <m:t> </m:t>
                     </m:r>
                     <m:r>
-                      <a:rPr lang="en-US" altLang="zh-TW" sz="3600" b="0" i="1" smtClean="0">
+                      <m:rPr>
+                        <m:sty m:val="p"/>
+                      </m:rPr>
+                      <a:rPr lang="en-US" altLang="zh-TW" sz="3600" b="0" i="0" smtClean="0">
                         <a:solidFill>
                           <a:schemeClr val="tx1"/>
                         </a:solidFill>
-                        <a:latin typeface="Cambria Math" charset="0"/>
                         <a:ea typeface="Cambria Math" charset="0"/>
                         <a:cs typeface="Cambria Math" charset="0"/>
                       </a:rPr>
-                      <m:t>𝑐𝑜𝑛𝑠𝑡𝑢𝑖𝑒𝑛𝑡</m:t>
+                      <m:t>constuient</m:t>
                     </m:r>
                     <m:r>
-                      <a:rPr lang="en-US" altLang="zh-TW" sz="3600" b="0" i="1" smtClean="0">
+                      <a:rPr lang="en-US" altLang="zh-TW" sz="3600" b="0" i="0" smtClean="0">
                         <a:solidFill>
                           <a:schemeClr val="tx1"/>
                         </a:solidFill>
-                        <a:latin typeface="Cambria Math" charset="0"/>
                         <a:ea typeface="Cambria Math" charset="0"/>
                         <a:cs typeface="Cambria Math" charset="0"/>
                       </a:rPr>
                       <m:t> </m:t>
                     </m:r>
                     <m:r>
-                      <a:rPr lang="en-US" altLang="zh-TW" sz="3600" b="0" i="1" smtClean="0">
+                      <m:rPr>
+                        <m:sty m:val="p"/>
+                      </m:rPr>
+                      <a:rPr lang="en-US" altLang="zh-TW" sz="3600" b="0" i="0" smtClean="0">
                         <a:solidFill>
                           <a:schemeClr val="tx1"/>
                         </a:solidFill>
-                        <a:latin typeface="Cambria Math" charset="0"/>
                         <a:ea typeface="Cambria Math" charset="0"/>
                         <a:cs typeface="Cambria Math" charset="0"/>
                       </a:rPr>
-                      <m:t>𝑖𝑛</m:t>
+                      <m:t>in</m:t>
                     </m:r>
                     <m:r>
-                      <a:rPr lang="en-US" altLang="zh-TW" sz="3600" b="0" i="1" smtClean="0">
+                      <a:rPr lang="en-US" altLang="zh-TW" sz="3600" b="0" i="0" smtClean="0">
                         <a:solidFill>
                           <a:schemeClr val="tx1"/>
                         </a:solidFill>
-                        <a:latin typeface="Cambria Math" charset="0"/>
                         <a:ea typeface="Cambria Math" charset="0"/>
                         <a:cs typeface="Cambria Math" charset="0"/>
                       </a:rPr>
                       <m:t> </m:t>
                     </m:r>
                     <m:r>
-                      <a:rPr lang="en-US" altLang="zh-TW" sz="3600" b="0" i="1" smtClean="0">
+                      <m:rPr>
+                        <m:sty m:val="p"/>
+                      </m:rPr>
+                      <a:rPr lang="en-US" altLang="zh-TW" sz="3600" b="0" i="0" smtClean="0">
                         <a:solidFill>
                           <a:schemeClr val="tx1"/>
                         </a:solidFill>
-                        <a:latin typeface="Cambria Math" charset="0"/>
                         <a:ea typeface="Cambria Math" charset="0"/>
                         <a:cs typeface="Cambria Math" charset="0"/>
                       </a:rPr>
-                      <m:t>𝑡h𝑒</m:t>
+                      <m:t>the</m:t>
                     </m:r>
                     <m:r>
-                      <a:rPr lang="en-US" altLang="zh-TW" sz="3600" b="0" i="1" smtClean="0">
+                      <a:rPr lang="en-US" altLang="zh-TW" sz="3600" b="0" i="0" smtClean="0">
                         <a:solidFill>
                           <a:schemeClr val="tx1"/>
                         </a:solidFill>
-                        <a:latin typeface="Cambria Math" charset="0"/>
                         <a:ea typeface="Cambria Math" charset="0"/>
                         <a:cs typeface="Cambria Math" charset="0"/>
                       </a:rPr>
                       <m:t> </m:t>
                     </m:r>
                     <m:r>
-                      <a:rPr lang="en-US" altLang="zh-TW" sz="3600" b="0" i="1" smtClean="0">
+                      <m:rPr>
+                        <m:sty m:val="p"/>
+                      </m:rPr>
+                      <a:rPr lang="en-US" altLang="zh-TW" sz="3600" b="0" i="0" smtClean="0">
                         <a:solidFill>
                           <a:schemeClr val="tx1"/>
                         </a:solidFill>
-                        <a:latin typeface="Cambria Math" charset="0"/>
                         <a:ea typeface="Cambria Math" charset="0"/>
                         <a:cs typeface="Cambria Math" charset="0"/>
                       </a:rPr>
-                      <m:t>𝑒𝑡𝑎</m:t>
+                      <m:t>eta</m:t>
                     </m:r>
                     <m:r>
-                      <a:rPr lang="en-US" altLang="zh-TW" sz="3600" b="0" i="1" smtClean="0">
+                      <a:rPr lang="en-US" altLang="zh-TW" sz="3600" b="0" i="0" smtClean="0">
                         <a:solidFill>
                           <a:schemeClr val="tx1"/>
                         </a:solidFill>
-                        <a:latin typeface="Cambria Math" charset="0"/>
                         <a:ea typeface="Cambria Math" charset="0"/>
                         <a:cs typeface="Cambria Math" charset="0"/>
                       </a:rPr>
                       <m:t>−</m:t>
                     </m:r>
                     <m:r>
-                      <a:rPr lang="en-US" altLang="zh-TW" sz="3600" b="0" i="1" smtClean="0">
+                      <m:rPr>
+                        <m:sty m:val="p"/>
+                      </m:rPr>
+                      <a:rPr lang="en-US" altLang="zh-TW" sz="3600" b="0" i="0" smtClean="0">
                         <a:solidFill>
                           <a:schemeClr val="tx1"/>
                         </a:solidFill>
-                        <a:latin typeface="Cambria Math" charset="0"/>
                         <a:ea typeface="Cambria Math" charset="0"/>
                         <a:cs typeface="Cambria Math" charset="0"/>
                       </a:rPr>
-                      <m:t>𝑝h𝑖</m:t>
+                      <m:t>phi</m:t>
                     </m:r>
                     <m:r>
-                      <a:rPr lang="en-US" altLang="zh-TW" sz="3600" b="0" i="1" smtClean="0">
+                      <a:rPr lang="en-US" altLang="zh-TW" sz="3600" b="0" i="0" smtClean="0">
                         <a:solidFill>
                           <a:schemeClr val="tx1"/>
                         </a:solidFill>
-                        <a:latin typeface="Cambria Math" charset="0"/>
                         <a:ea typeface="Cambria Math" charset="0"/>
                         <a:cs typeface="Cambria Math" charset="0"/>
                       </a:rPr>
                       <m:t> </m:t>
                     </m:r>
                     <m:r>
-                      <a:rPr lang="en-US" altLang="zh-TW" sz="3600" b="0" i="1" smtClean="0">
+                      <m:rPr>
+                        <m:sty m:val="p"/>
+                      </m:rPr>
+                      <a:rPr lang="en-US" altLang="zh-TW" sz="3600" b="0" i="0" smtClean="0">
                         <a:solidFill>
                           <a:schemeClr val="tx1"/>
                         </a:solidFill>
-                        <a:latin typeface="Cambria Math" charset="0"/>
                         <a:ea typeface="Cambria Math" charset="0"/>
                         <a:cs typeface="Cambria Math" charset="0"/>
                       </a:rPr>
-                      <m:t>𝑝𝑙𝑎𝑛𝑒</m:t>
+                      <m:t>plane</m:t>
                     </m:r>
                   </m:oMath>
                 </a14:m>
@@ -7138,7 +7144,6 @@
                   <a:solidFill>
                     <a:schemeClr val="tx1"/>
                   </a:solidFill>
-                  <a:latin typeface="Arial" pitchFamily="34" charset="0"/>
                   <a:cs typeface="Arial" pitchFamily="34" charset="0"/>
                 </a:endParaRPr>
               </a:p>
@@ -7149,7 +7154,6 @@
                     <a:solidFill>
                       <a:schemeClr val="tx1"/>
                     </a:solidFill>
-                    <a:latin typeface="Arial" pitchFamily="34" charset="0"/>
                     <a:cs typeface="Arial" pitchFamily="34" charset="0"/>
                   </a:rPr>
                   <a:t> </a:t>
@@ -7159,7 +7163,6 @@
                     <a:solidFill>
                       <a:schemeClr val="tx1"/>
                     </a:solidFill>
-                    <a:latin typeface="Arial" pitchFamily="34" charset="0"/>
                     <a:cs typeface="Arial" pitchFamily="34" charset="0"/>
                   </a:rPr>
                   <a:t>        </a:t>
@@ -7169,11 +7172,10 @@
                     <m:sSub>
                       <m:sSubPr>
                         <m:ctrlPr>
-                          <a:rPr lang="en-US" altLang="zh-TW" sz="3600" i="1" smtClean="0">
+                          <a:rPr lang="en-US" altLang="zh-TW" sz="3600" smtClean="0">
                             <a:solidFill>
                               <a:schemeClr val="tx1"/>
                             </a:solidFill>
-                            <a:latin typeface="Cambria Math" charset="0"/>
                             <a:ea typeface="Arial" charset="0"/>
                             <a:cs typeface="Arial" charset="0"/>
                           </a:rPr>
@@ -7181,24 +7183,25 @@
                       </m:sSubPr>
                       <m:e>
                         <m:r>
-                          <a:rPr lang="en-US" altLang="zh-TW" sz="3600" b="0" i="1">
+                          <m:rPr>
+                            <m:sty m:val="p"/>
+                          </m:rPr>
+                          <a:rPr lang="en-US" altLang="zh-TW" sz="3600" b="0" i="0">
                             <a:solidFill>
                               <a:schemeClr val="tx1"/>
                             </a:solidFill>
-                            <a:latin typeface="Cambria Math" charset="0"/>
                             <a:ea typeface="Arial" charset="0"/>
                             <a:cs typeface="Arial" charset="0"/>
                           </a:rPr>
-                          <m:t>𝑅</m:t>
+                          <m:t>R</m:t>
                         </m:r>
                       </m:e>
                       <m:sub>
                         <m:r>
-                          <a:rPr lang="en-US" altLang="zh-TW" sz="3600" b="0" i="1">
+                          <a:rPr lang="en-US" altLang="zh-TW" sz="3600" b="0" i="0">
                             <a:solidFill>
                               <a:schemeClr val="tx1"/>
                             </a:solidFill>
-                            <a:latin typeface="Cambria Math" charset="0"/>
                             <a:ea typeface="Arial" charset="0"/>
                             <a:cs typeface="Arial" charset="0"/>
                           </a:rPr>
@@ -7207,158 +7210,165 @@
                       </m:sub>
                     </m:sSub>
                     <m:r>
-                      <a:rPr lang="en-US" altLang="zh-TW" sz="3600" b="0" i="1" smtClean="0">
+                      <a:rPr lang="en-US" altLang="zh-TW" sz="3600" b="0" i="0" smtClean="0">
                         <a:solidFill>
                           <a:schemeClr val="tx1"/>
                         </a:solidFill>
-                        <a:latin typeface="Cambria Math" charset="0"/>
                         <a:ea typeface="Arial" charset="0"/>
                         <a:cs typeface="Arial" charset="0"/>
                       </a:rPr>
                       <m:t>:</m:t>
                     </m:r>
                     <m:r>
-                      <a:rPr lang="en-US" altLang="zh-TW" sz="3600" b="0" i="1" smtClean="0">
+                      <m:rPr>
+                        <m:sty m:val="p"/>
+                      </m:rPr>
+                      <a:rPr lang="en-US" altLang="zh-TW" sz="3600" b="0" i="0" smtClean="0">
                         <a:solidFill>
                           <a:schemeClr val="tx1"/>
                         </a:solidFill>
-                        <a:latin typeface="Cambria Math" charset="0"/>
                         <a:ea typeface="Arial" charset="0"/>
                         <a:cs typeface="Arial" charset="0"/>
                       </a:rPr>
-                      <m:t>𝑇h𝑒</m:t>
+                      <m:t>The</m:t>
                     </m:r>
                     <m:r>
-                      <a:rPr lang="en-US" altLang="zh-TW" sz="3600" b="0" i="1" smtClean="0">
+                      <a:rPr lang="en-US" altLang="zh-TW" sz="3600" b="0" i="0" smtClean="0">
                         <a:solidFill>
                           <a:schemeClr val="tx1"/>
                         </a:solidFill>
-                        <a:latin typeface="Cambria Math" charset="0"/>
                         <a:ea typeface="Arial" charset="0"/>
                         <a:cs typeface="Arial" charset="0"/>
                       </a:rPr>
                       <m:t> </m:t>
                     </m:r>
                     <m:r>
-                      <a:rPr lang="en-US" altLang="zh-TW" sz="3600" b="0" i="1" smtClean="0">
+                      <m:rPr>
+                        <m:sty m:val="p"/>
+                      </m:rPr>
+                      <a:rPr lang="en-US" altLang="zh-TW" sz="3600" b="0" i="0" smtClean="0">
                         <a:solidFill>
                           <a:schemeClr val="tx1"/>
                         </a:solidFill>
-                        <a:latin typeface="Cambria Math" charset="0"/>
                         <a:ea typeface="Arial" charset="0"/>
                         <a:cs typeface="Arial" charset="0"/>
                       </a:rPr>
-                      <m:t>𝑐𝑜𝑛𝑒</m:t>
+                      <m:t>cone</m:t>
                     </m:r>
                     <m:r>
-                      <a:rPr lang="en-US" altLang="zh-TW" sz="3600" b="0" i="1" smtClean="0">
+                      <a:rPr lang="en-US" altLang="zh-TW" sz="3600" b="0" i="0" smtClean="0">
                         <a:solidFill>
                           <a:schemeClr val="tx1"/>
                         </a:solidFill>
-                        <a:latin typeface="Cambria Math" charset="0"/>
                         <a:ea typeface="Arial" charset="0"/>
                         <a:cs typeface="Arial" charset="0"/>
                       </a:rPr>
                       <m:t> </m:t>
                     </m:r>
                     <m:r>
-                      <a:rPr lang="en-US" altLang="zh-TW" sz="3600" b="0" i="1" smtClean="0">
+                      <m:rPr>
+                        <m:sty m:val="p"/>
+                      </m:rPr>
+                      <a:rPr lang="en-US" altLang="zh-TW" sz="3600" b="0" i="0" smtClean="0">
                         <a:solidFill>
                           <a:schemeClr val="tx1"/>
                         </a:solidFill>
-                        <a:latin typeface="Cambria Math" charset="0"/>
                         <a:ea typeface="Arial" charset="0"/>
                         <a:cs typeface="Arial" charset="0"/>
                       </a:rPr>
-                      <m:t>𝑠𝑖𝑧𝑒</m:t>
+                      <m:t>size</m:t>
                     </m:r>
                     <m:r>
-                      <a:rPr lang="en-US" altLang="zh-TW" sz="3600" b="0" i="1" smtClean="0">
+                      <a:rPr lang="en-US" altLang="zh-TW" sz="3600" b="0" i="0" smtClean="0">
                         <a:solidFill>
                           <a:schemeClr val="tx1"/>
                         </a:solidFill>
-                        <a:latin typeface="Cambria Math" charset="0"/>
                         <a:ea typeface="Arial" charset="0"/>
                         <a:cs typeface="Arial" charset="0"/>
                       </a:rPr>
                       <m:t> </m:t>
                     </m:r>
                     <m:r>
-                      <a:rPr lang="en-US" altLang="zh-TW" sz="3600" b="0" i="1" smtClean="0">
+                      <m:rPr>
+                        <m:sty m:val="p"/>
+                      </m:rPr>
+                      <a:rPr lang="en-US" altLang="zh-TW" sz="3600" b="0" i="0" smtClean="0">
                         <a:solidFill>
                           <a:schemeClr val="tx1"/>
                         </a:solidFill>
-                        <a:latin typeface="Cambria Math" charset="0"/>
                         <a:ea typeface="Arial" charset="0"/>
                         <a:cs typeface="Arial" charset="0"/>
                       </a:rPr>
-                      <m:t>𝑤𝑒</m:t>
+                      <m:t>we</m:t>
                     </m:r>
                     <m:r>
-                      <a:rPr lang="en-US" altLang="zh-TW" sz="3600" b="0" i="1" smtClean="0">
+                      <a:rPr lang="en-US" altLang="zh-TW" sz="3600" b="0" i="0" smtClean="0">
                         <a:solidFill>
                           <a:schemeClr val="tx1"/>
                         </a:solidFill>
-                        <a:latin typeface="Cambria Math" charset="0"/>
                         <a:ea typeface="Arial" charset="0"/>
                         <a:cs typeface="Arial" charset="0"/>
                       </a:rPr>
                       <m:t> </m:t>
                     </m:r>
                     <m:r>
-                      <a:rPr lang="en-US" altLang="zh-TW" sz="3600" b="0" i="1" smtClean="0">
+                      <m:rPr>
+                        <m:sty m:val="p"/>
+                      </m:rPr>
+                      <a:rPr lang="en-US" altLang="zh-TW" sz="3600" b="0" i="0" smtClean="0">
                         <a:solidFill>
                           <a:schemeClr val="tx1"/>
                         </a:solidFill>
-                        <a:latin typeface="Cambria Math" charset="0"/>
                         <a:ea typeface="Arial" charset="0"/>
                         <a:cs typeface="Arial" charset="0"/>
                       </a:rPr>
-                      <m:t>𝑤𝑎𝑛𝑡</m:t>
+                      <m:t>want</m:t>
                     </m:r>
                     <m:r>
-                      <a:rPr lang="en-US" altLang="zh-TW" sz="3600" b="0" i="1" smtClean="0">
+                      <a:rPr lang="en-US" altLang="zh-TW" sz="3600" b="0" i="0" smtClean="0">
                         <a:solidFill>
                           <a:schemeClr val="tx1"/>
                         </a:solidFill>
-                        <a:latin typeface="Cambria Math" charset="0"/>
                         <a:ea typeface="Arial" charset="0"/>
                         <a:cs typeface="Arial" charset="0"/>
                       </a:rPr>
                       <m:t> </m:t>
                     </m:r>
                     <m:r>
-                      <a:rPr lang="en-US" altLang="zh-TW" sz="3600" b="0" i="1" smtClean="0">
+                      <m:rPr>
+                        <m:sty m:val="p"/>
+                      </m:rPr>
+                      <a:rPr lang="en-US" altLang="zh-TW" sz="3600" b="0" i="0" smtClean="0">
                         <a:solidFill>
                           <a:schemeClr val="tx1"/>
                         </a:solidFill>
-                        <a:latin typeface="Cambria Math" charset="0"/>
                         <a:ea typeface="Arial" charset="0"/>
                         <a:cs typeface="Arial" charset="0"/>
                       </a:rPr>
-                      <m:t>𝑡𝑜</m:t>
+                      <m:t>to</m:t>
                     </m:r>
                     <m:r>
-                      <a:rPr lang="en-US" altLang="zh-TW" sz="3600" b="0" i="1" smtClean="0">
+                      <a:rPr lang="en-US" altLang="zh-TW" sz="3600" b="0" i="0" smtClean="0">
                         <a:solidFill>
                           <a:schemeClr val="tx1"/>
                         </a:solidFill>
-                        <a:latin typeface="Cambria Math" charset="0"/>
                         <a:ea typeface="Arial" charset="0"/>
                         <a:cs typeface="Arial" charset="0"/>
                       </a:rPr>
                       <m:t> </m:t>
                     </m:r>
                     <m:r>
-                      <a:rPr lang="en-US" altLang="zh-TW" sz="3600" b="0" i="1" smtClean="0">
+                      <m:rPr>
+                        <m:sty m:val="p"/>
+                      </m:rPr>
+                      <a:rPr lang="en-US" altLang="zh-TW" sz="3600" b="0" i="0" smtClean="0">
                         <a:solidFill>
                           <a:schemeClr val="tx1"/>
                         </a:solidFill>
-                        <a:latin typeface="Cambria Math" charset="0"/>
                         <a:ea typeface="Arial" charset="0"/>
                         <a:cs typeface="Arial" charset="0"/>
                       </a:rPr>
-                      <m:t>𝑐𝑙𝑢𝑠𝑡𝑒𝑟</m:t>
+                      <m:t>cluster</m:t>
                     </m:r>
                   </m:oMath>
                 </a14:m>
@@ -7366,7 +7376,6 @@
                   <a:solidFill>
                     <a:schemeClr val="tx1"/>
                   </a:solidFill>
-                  <a:latin typeface="Arial" charset="0"/>
                   <a:ea typeface="Arial" charset="0"/>
                   <a:cs typeface="Arial" charset="0"/>
                 </a:endParaRPr>
@@ -9248,7 +9257,7 @@
                     </m:oMathParaPr>
                     <m:oMath xmlns:m="http://schemas.openxmlformats.org/officeDocument/2006/math">
                       <m:r>
-                        <a:rPr lang="en-US" altLang="zh-TW" sz="4000" b="1" i="1" smtClean="0">
+                        <a:rPr lang="en-US" altLang="zh-TW" sz="4000" b="1" i="0" smtClean="0">
                           <a:solidFill>
                             <a:schemeClr val="tx1"/>
                           </a:solidFill>
@@ -9256,10 +9265,10 @@
                           <a:ea typeface="Cambria Math" charset="0"/>
                           <a:cs typeface="Cambria Math" charset="0"/>
                         </a:rPr>
-                        <m:t>𝜷</m:t>
+                        <m:t>𝛃</m:t>
                       </m:r>
                       <m:r>
-                        <a:rPr lang="en-US" altLang="zh-TW" sz="4000" b="1" i="1" smtClean="0">
+                        <a:rPr lang="en-US" altLang="zh-TW" sz="4000" b="1" i="0" smtClean="0">
                           <a:solidFill>
                             <a:schemeClr val="tx1"/>
                           </a:solidFill>
@@ -9270,7 +9279,7 @@
                         <m:t>&gt;</m:t>
                       </m:r>
                       <m:r>
-                        <a:rPr lang="en-US" altLang="zh-TW" sz="4000" b="1" i="1" smtClean="0">
+                        <a:rPr lang="en-US" altLang="zh-TW" sz="4000" b="1" i="0" smtClean="0">
                           <a:solidFill>
                             <a:schemeClr val="tx1"/>
                           </a:solidFill>
@@ -9281,7 +9290,7 @@
                         <m:t>𝟎</m:t>
                       </m:r>
                       <m:r>
-                        <a:rPr lang="en-US" altLang="zh-TW" sz="4000" b="1" i="1" smtClean="0">
+                        <a:rPr lang="en-US" altLang="zh-TW" sz="4000" b="1" i="0" smtClean="0">
                           <a:solidFill>
                             <a:schemeClr val="tx1"/>
                           </a:solidFill>
@@ -9292,7 +9301,7 @@
                         <m:t>:</m:t>
                       </m:r>
                       <m:r>
-                        <a:rPr lang="en-US" altLang="zh-TW" sz="4000" b="1" i="1" smtClean="0">
+                        <a:rPr lang="en-US" altLang="zh-TW" sz="4000" b="1" i="0" smtClean="0">
                           <a:solidFill>
                             <a:schemeClr val="tx1"/>
                           </a:solidFill>
@@ -9300,10 +9309,32 @@
                           <a:ea typeface="Cambria Math" charset="0"/>
                           <a:cs typeface="Cambria Math" charset="0"/>
                         </a:rPr>
-                        <m:t>𝑹𝒆𝒎𝒐𝒗𝒆</m:t>
+                        <m:t>𝐑𝐞𝐦𝐨𝐯𝐞</m:t>
                       </m:r>
                       <m:r>
-                        <a:rPr lang="zh-TW" altLang="en-US" sz="4000" b="1" i="1" smtClean="0">
+                        <a:rPr lang="zh-TW" altLang="en-US" sz="4000" b="1" i="0" smtClean="0">
+                          <a:solidFill>
+                            <a:schemeClr val="tx1"/>
+                          </a:solidFill>
+                          <a:latin typeface="Cambria Math" charset="0"/>
+                          <a:ea typeface="Cambria Math" charset="0"/>
+                          <a:cs typeface="Cambria Math" charset="0"/>
+                        </a:rPr>
+                        <m:t> </m:t>
+                      </m:r>
+                      <m:r>
+                        <a:rPr lang="en-US" altLang="zh-TW" sz="4000" b="1" i="0" smtClean="0">
+                          <a:solidFill>
+                            <a:schemeClr val="tx1"/>
+                          </a:solidFill>
+                          <a:latin typeface="Cambria Math" charset="0"/>
+                          <a:ea typeface="Cambria Math" charset="0"/>
+                          <a:cs typeface="Cambria Math" charset="0"/>
+                        </a:rPr>
+                        <m:t>𝐛𝐨𝐭𝐡</m:t>
+                      </m:r>
+                      <m:r>
+                        <a:rPr lang="en-US" altLang="zh-TW" sz="4000" b="1" i="0" smtClean="0">
                           <a:solidFill>
                             <a:schemeClr val="tx1"/>
                           </a:solidFill>
@@ -9316,7 +9347,7 @@
                       <m:d>
                         <m:dPr>
                           <m:ctrlPr>
-                            <a:rPr lang="en-US" altLang="zh-TW" sz="4000" b="1" i="1" smtClean="0">
+                            <a:rPr lang="en-US" altLang="zh-TW" sz="4000" b="1" smtClean="0">
                               <a:solidFill>
                                 <a:schemeClr val="tx1"/>
                               </a:solidFill>
@@ -9328,7 +9359,7 @@
                         </m:dPr>
                         <m:e>
                           <m:r>
-                            <a:rPr lang="en-US" altLang="zh-TW" sz="4000" b="1" i="1" smtClean="0">
+                            <a:rPr lang="en-US" altLang="zh-TW" sz="4000" b="1" i="0" smtClean="0">
                               <a:solidFill>
                                 <a:schemeClr val="tx1"/>
                               </a:solidFill>
@@ -9336,47 +9367,10 @@
                               <a:ea typeface="Cambria Math" charset="0"/>
                               <a:cs typeface="Cambria Math" charset="0"/>
                             </a:rPr>
-                            <m:t>𝒔𝒐𝒇𝒕</m:t>
+                            <m:t>𝐬𝐨𝐟</m:t>
                           </m:r>
-                        </m:e>
-                      </m:d>
-                      <m:r>
-                        <a:rPr lang="en-US" altLang="zh-TW" sz="4000" b="1" i="1" smtClean="0">
-                          <a:solidFill>
-                            <a:schemeClr val="tx1"/>
-                          </a:solidFill>
-                          <a:latin typeface="Cambria Math" charset="0"/>
-                          <a:ea typeface="Cambria Math" charset="0"/>
-                          <a:cs typeface="Cambria Math" charset="0"/>
-                        </a:rPr>
-                        <m:t>,</m:t>
-                      </m:r>
-                      <m:r>
-                        <a:rPr lang="zh-TW" altLang="en-US" sz="4000" b="1" i="1" smtClean="0">
-                          <a:solidFill>
-                            <a:schemeClr val="tx1"/>
-                          </a:solidFill>
-                          <a:latin typeface="Cambria Math" charset="0"/>
-                          <a:ea typeface="Cambria Math" charset="0"/>
-                          <a:cs typeface="Cambria Math" charset="0"/>
-                        </a:rPr>
-                        <m:t> </m:t>
-                      </m:r>
-                      <m:r>
-                        <a:rPr lang="en-US" altLang="zh-TW" sz="4000" b="1" i="1" smtClean="0">
-                          <a:solidFill>
-                            <a:schemeClr val="tx1"/>
-                          </a:solidFill>
-                          <a:latin typeface="Cambria Math" charset="0"/>
-                          <a:ea typeface="Cambria Math" charset="0"/>
-                          <a:cs typeface="Cambria Math" charset="0"/>
-                        </a:rPr>
-                        <m:t>𝒎𝒂𝒊𝒏𝒕𝒂𝒊𝒏</m:t>
-                      </m:r>
-                      <m:d>
-                        <m:dPr>
-                          <m:ctrlPr>
-                            <a:rPr lang="en-US" altLang="zh-TW" sz="4000" b="1" i="1" smtClean="0">
+                          <m:r>
+                            <a:rPr lang="en-US" altLang="zh-TW" sz="4000" b="1" i="0" smtClean="0">
                               <a:solidFill>
                                 <a:schemeClr val="tx1"/>
                               </a:solidFill>
@@ -9384,11 +9378,10 @@
                               <a:ea typeface="Cambria Math" charset="0"/>
                               <a:cs typeface="Cambria Math" charset="0"/>
                             </a:rPr>
-                          </m:ctrlPr>
-                        </m:dPr>
-                        <m:e>
+                            <m:t>𝐭</m:t>
+                          </m:r>
                           <m:r>
-                            <a:rPr lang="en-US" altLang="zh-TW" sz="4000" b="1" i="1" smtClean="0">
+                            <a:rPr lang="en-US" altLang="zh-TW" sz="4000" b="1" i="0" smtClean="0">
                               <a:solidFill>
                                 <a:schemeClr val="tx1"/>
                               </a:solidFill>
@@ -9396,10 +9389,10 @@
                               <a:ea typeface="Cambria Math" charset="0"/>
                               <a:cs typeface="Cambria Math" charset="0"/>
                             </a:rPr>
-                            <m:t>𝒔𝒐𝒇𝒕</m:t>
+                            <m:t> )</m:t>
                           </m:r>
                           <m:r>
-                            <a:rPr lang="en-US" altLang="zh-TW" sz="4000" b="1" i="1" smtClean="0">
+                            <a:rPr lang="en-US" altLang="zh-TW" sz="4000" b="1" i="0" smtClean="0">
                               <a:solidFill>
                                 <a:schemeClr val="tx1"/>
                               </a:solidFill>
@@ -9407,10 +9400,10 @@
                               <a:ea typeface="Cambria Math" charset="0"/>
                               <a:cs typeface="Cambria Math" charset="0"/>
                             </a:rPr>
-                            <m:t>−</m:t>
+                            <m:t>𝐚𝐧𝐝</m:t>
                           </m:r>
                           <m:r>
-                            <a:rPr lang="en-US" altLang="zh-TW" sz="4000" b="1" i="1" smtClean="0">
+                            <a:rPr lang="en-US" altLang="zh-TW" sz="4000" b="1" i="0" smtClean="0">
                               <a:solidFill>
                                 <a:schemeClr val="tx1"/>
                               </a:solidFill>
@@ -9418,7 +9411,40 @@
                               <a:ea typeface="Cambria Math" charset="0"/>
                               <a:cs typeface="Cambria Math" charset="0"/>
                             </a:rPr>
-                            <m:t>𝒄𝒐𝒍𝒍𝒊𝒏𝒂𝒓</m:t>
+                            <m:t> (</m:t>
+                          </m:r>
+                          <m:r>
+                            <a:rPr lang="en-US" altLang="zh-TW" sz="4000" b="1" i="0" smtClean="0">
+                              <a:solidFill>
+                                <a:schemeClr val="tx1"/>
+                              </a:solidFill>
+                              <a:latin typeface="Cambria Math" charset="0"/>
+                              <a:ea typeface="Cambria Math" charset="0"/>
+                              <a:cs typeface="Cambria Math" charset="0"/>
+                            </a:rPr>
+                            <m:t>𝐰𝐢𝐝𝐞</m:t>
+                          </m:r>
+                          <m:r>
+                            <a:rPr lang="en-US" altLang="zh-TW" sz="4000" b="1" i="0" smtClean="0">
+                              <a:solidFill>
+                                <a:schemeClr val="tx1"/>
+                              </a:solidFill>
+                              <a:latin typeface="Cambria Math" charset="0"/>
+                              <a:ea typeface="Cambria Math" charset="0"/>
+                              <a:cs typeface="Cambria Math" charset="0"/>
+                            </a:rPr>
+                            <m:t> </m:t>
+                          </m:r>
+                          <m:r>
+                            <a:rPr lang="en-US" altLang="zh-TW" sz="4000" b="1" i="0" smtClean="0">
+                              <a:solidFill>
+                                <a:schemeClr val="tx1"/>
+                              </a:solidFill>
+                              <a:latin typeface="Cambria Math" charset="0"/>
+                              <a:ea typeface="Cambria Math" charset="0"/>
+                              <a:cs typeface="Cambria Math" charset="0"/>
+                            </a:rPr>
+                            <m:t>𝐚𝐧𝐠𝐥𝐞</m:t>
                           </m:r>
                         </m:e>
                       </m:d>
@@ -9429,7 +9455,7 @@
                   <a:solidFill>
                     <a:schemeClr val="tx1"/>
                   </a:solidFill>
-                  <a:latin typeface="Arial" pitchFamily="34" charset="0"/>
+                  <a:latin typeface="Cambria Math" charset="0"/>
                   <a:ea typeface="Cambria Math" charset="0"/>
                   <a:cs typeface="Cambria Math" charset="0"/>
                 </a:endParaRPr>
@@ -9443,7 +9469,7 @@
                     </m:oMathParaPr>
                     <m:oMath xmlns:m="http://schemas.openxmlformats.org/officeDocument/2006/math">
                       <m:r>
-                        <a:rPr lang="en-US" altLang="zh-TW" sz="4000" b="1" i="1" smtClean="0">
+                        <a:rPr lang="en-US" altLang="zh-TW" sz="4000" b="1" i="0" smtClean="0">
                           <a:solidFill>
                             <a:schemeClr val="tx1"/>
                           </a:solidFill>
@@ -9451,10 +9477,10 @@
                           <a:ea typeface="Cambria Math" charset="0"/>
                           <a:cs typeface="Cambria Math" charset="0"/>
                         </a:rPr>
-                        <m:t>𝜷</m:t>
+                        <m:t>𝛃</m:t>
                       </m:r>
                       <m:r>
-                        <a:rPr lang="en-US" altLang="zh-TW" sz="4000" b="1" i="1" smtClean="0">
+                        <a:rPr lang="en-US" altLang="zh-TW" sz="4000" b="1" i="0" smtClean="0">
                           <a:solidFill>
                             <a:schemeClr val="tx1"/>
                           </a:solidFill>
@@ -9465,7 +9491,7 @@
                         <m:t>=</m:t>
                       </m:r>
                       <m:r>
-                        <a:rPr lang="en-US" altLang="zh-TW" sz="4000" b="1" i="1" smtClean="0">
+                        <a:rPr lang="en-US" altLang="zh-TW" sz="4000" b="1" i="0" smtClean="0">
                           <a:solidFill>
                             <a:schemeClr val="tx1"/>
                           </a:solidFill>
@@ -9476,7 +9502,7 @@
                         <m:t>𝟎</m:t>
                       </m:r>
                       <m:r>
-                        <a:rPr lang="en-US" altLang="zh-TW" sz="4000" b="1" i="1" smtClean="0">
+                        <a:rPr lang="en-US" altLang="zh-TW" sz="4000" b="1" i="0" smtClean="0">
                           <a:solidFill>
                             <a:schemeClr val="tx1"/>
                           </a:solidFill>
@@ -9487,7 +9513,7 @@
                         <m:t>:</m:t>
                       </m:r>
                       <m:r>
-                        <a:rPr lang="en-US" altLang="zh-TW" sz="4000" b="1" i="1" smtClean="0">
+                        <a:rPr lang="en-US" altLang="zh-TW" sz="4000" b="1" i="0" smtClean="0">
                           <a:solidFill>
                             <a:schemeClr val="tx1"/>
                           </a:solidFill>
@@ -9495,10 +9521,10 @@
                           <a:ea typeface="Cambria Math" charset="0"/>
                           <a:cs typeface="Cambria Math" charset="0"/>
                         </a:rPr>
-                        <m:t>𝑫𝒆𝒑𝒆𝒏𝒅</m:t>
+                        <m:t>𝐃𝐞𝐩𝐞𝐧𝐝</m:t>
                       </m:r>
                       <m:r>
-                        <a:rPr lang="zh-TW" altLang="en-US" sz="4000" b="1" i="1" smtClean="0">
+                        <a:rPr lang="zh-TW" altLang="en-US" sz="4000" b="1" i="0" smtClean="0">
                           <a:solidFill>
                             <a:schemeClr val="tx1"/>
                           </a:solidFill>
@@ -9509,7 +9535,7 @@
                         <m:t> </m:t>
                       </m:r>
                       <m:r>
-                        <a:rPr lang="en-US" altLang="zh-TW" sz="4000" b="1" i="1" smtClean="0">
+                        <a:rPr lang="en-US" altLang="zh-TW" sz="4000" b="1" i="0" smtClean="0">
                           <a:solidFill>
                             <a:schemeClr val="tx1"/>
                           </a:solidFill>
@@ -9517,10 +9543,10 @@
                           <a:ea typeface="Cambria Math" charset="0"/>
                           <a:cs typeface="Cambria Math" charset="0"/>
                         </a:rPr>
-                        <m:t>𝒐𝒏</m:t>
+                        <m:t>𝐨𝐧</m:t>
                       </m:r>
                       <m:r>
-                        <a:rPr lang="zh-TW" altLang="en-US" sz="4000" b="1" i="1" smtClean="0">
+                        <a:rPr lang="zh-TW" altLang="en-US" sz="4000" b="1" i="0" smtClean="0">
                           <a:solidFill>
                             <a:schemeClr val="tx1"/>
                           </a:solidFill>
@@ -9531,7 +9557,7 @@
                         <m:t> </m:t>
                       </m:r>
                       <m:r>
-                        <a:rPr lang="en-US" altLang="zh-TW" sz="4000" b="1" i="1" smtClean="0">
+                        <a:rPr lang="en-US" altLang="zh-TW" sz="4000" b="1" i="0" smtClean="0">
                           <a:solidFill>
                             <a:schemeClr val="tx1"/>
                           </a:solidFill>
@@ -9539,10 +9565,10 @@
                           <a:ea typeface="Cambria Math" charset="0"/>
                           <a:cs typeface="Cambria Math" charset="0"/>
                         </a:rPr>
-                        <m:t>𝒕𝒉𝒆</m:t>
+                        <m:t>𝐭𝐡𝐞</m:t>
                       </m:r>
                       <m:r>
-                        <a:rPr lang="zh-TW" altLang="en-US" sz="4000" b="1" i="1" smtClean="0">
+                        <a:rPr lang="zh-TW" altLang="en-US" sz="4000" b="1" i="0" smtClean="0">
                           <a:solidFill>
                             <a:schemeClr val="tx1"/>
                           </a:solidFill>
@@ -9553,7 +9579,7 @@
                         <m:t> </m:t>
                       </m:r>
                       <m:r>
-                        <a:rPr lang="en-US" altLang="zh-TW" sz="4000" b="1" i="1" smtClean="0">
+                        <a:rPr lang="en-US" altLang="zh-TW" sz="4000" b="1" i="0" smtClean="0">
                           <a:solidFill>
                             <a:schemeClr val="tx1"/>
                           </a:solidFill>
@@ -9561,7 +9587,7 @@
                           <a:ea typeface="Cambria Math" charset="0"/>
                           <a:cs typeface="Cambria Math" charset="0"/>
                         </a:rPr>
-                        <m:t>𝒄𝒖𝒕</m:t>
+                        <m:t>𝐜𝐮𝐭</m:t>
                       </m:r>
                       <m:r>
                         <a:rPr lang="en-US" altLang="zh-TW" sz="4000" b="1" i="0" smtClean="0">
@@ -9658,8 +9684,9 @@
                   <a:solidFill>
                     <a:schemeClr val="tx1"/>
                   </a:solidFill>
-                  <a:latin typeface="Arial" pitchFamily="34" charset="0"/>
-                  <a:cs typeface="Arial" pitchFamily="34" charset="0"/>
+                  <a:latin typeface="Cambria Math" charset="0"/>
+                  <a:ea typeface="Cambria Math" charset="0"/>
+                  <a:cs typeface="Cambria Math" charset="0"/>
                 </a:endParaRPr>
               </a:p>
               <a:p>
@@ -9671,7 +9698,7 @@
                     </m:oMathParaPr>
                     <m:oMath xmlns:m="http://schemas.openxmlformats.org/officeDocument/2006/math">
                       <m:r>
-                        <a:rPr lang="en-US" altLang="zh-TW" sz="4000" b="1" i="1" smtClean="0">
+                        <a:rPr lang="en-US" altLang="zh-TW" sz="4000" b="1" i="0" smtClean="0">
                           <a:solidFill>
                             <a:schemeClr val="tx1"/>
                           </a:solidFill>
@@ -9679,10 +9706,10 @@
                           <a:ea typeface="Cambria Math" charset="0"/>
                           <a:cs typeface="Cambria Math" charset="0"/>
                         </a:rPr>
-                        <m:t>𝜷</m:t>
+                        <m:t>𝛃</m:t>
                       </m:r>
                       <m:r>
-                        <a:rPr lang="en-US" altLang="zh-TW" sz="4000" b="1" i="1" smtClean="0">
+                        <a:rPr lang="en-US" altLang="zh-TW" sz="4000" b="1" i="0" smtClean="0">
                           <a:solidFill>
                             <a:schemeClr val="tx1"/>
                           </a:solidFill>
@@ -9693,7 +9720,7 @@
                         <m:t>&lt;</m:t>
                       </m:r>
                       <m:r>
-                        <a:rPr lang="en-US" altLang="zh-TW" sz="4000" b="1" i="1" smtClean="0">
+                        <a:rPr lang="en-US" altLang="zh-TW" sz="4000" b="1" i="0" smtClean="0">
                           <a:solidFill>
                             <a:schemeClr val="tx1"/>
                           </a:solidFill>
@@ -9704,7 +9731,7 @@
                         <m:t>𝟎</m:t>
                       </m:r>
                       <m:r>
-                        <a:rPr lang="en-US" altLang="zh-TW" sz="4000" b="1" i="1" smtClean="0">
+                        <a:rPr lang="en-US" altLang="zh-TW" sz="4000" b="1" i="0" smtClean="0">
                           <a:solidFill>
                             <a:schemeClr val="tx1"/>
                           </a:solidFill>
@@ -9715,7 +9742,7 @@
                         <m:t>:</m:t>
                       </m:r>
                       <m:r>
-                        <a:rPr lang="en-US" altLang="zh-TW" sz="4000" b="1" i="1" smtClean="0">
+                        <a:rPr lang="en-US" altLang="zh-TW" sz="4000" b="1" i="0" smtClean="0">
                           <a:solidFill>
                             <a:schemeClr val="tx1"/>
                           </a:solidFill>
@@ -9723,10 +9750,10 @@
                           <a:ea typeface="Cambria Math" charset="0"/>
                           <a:cs typeface="Cambria Math" charset="0"/>
                         </a:rPr>
-                        <m:t>𝑹𝒆𝒎𝒐𝒗𝒆</m:t>
+                        <m:t>𝐑𝐞𝐦𝐨𝐯𝐞</m:t>
                       </m:r>
                       <m:r>
-                        <a:rPr lang="en-US" altLang="zh-TW" sz="4000" b="1" i="1" smtClean="0">
+                        <a:rPr lang="en-US" altLang="zh-TW" sz="4000" b="1" i="0" smtClean="0">
                           <a:solidFill>
                             <a:schemeClr val="tx1"/>
                           </a:solidFill>
@@ -9737,7 +9764,7 @@
                         <m:t> </m:t>
                       </m:r>
                       <m:r>
-                        <a:rPr lang="en-US" altLang="zh-TW" sz="4000" b="1" i="1" smtClean="0">
+                        <a:rPr lang="en-US" altLang="zh-TW" sz="4000" b="1" i="0" smtClean="0">
                           <a:solidFill>
                             <a:schemeClr val="tx1"/>
                           </a:solidFill>
@@ -9745,10 +9772,10 @@
                           <a:ea typeface="Cambria Math" charset="0"/>
                           <a:cs typeface="Cambria Math" charset="0"/>
                         </a:rPr>
-                        <m:t>𝒃𝒐𝒕𝒉</m:t>
+                        <m:t>𝐛𝐨𝐭𝐡</m:t>
                       </m:r>
                       <m:r>
-                        <a:rPr lang="en-US" altLang="zh-TW" sz="4000" b="1" i="1" smtClean="0">
+                        <a:rPr lang="en-US" altLang="zh-TW" sz="4000" b="1" i="0" smtClean="0">
                           <a:solidFill>
                             <a:schemeClr val="tx1"/>
                           </a:solidFill>
@@ -9761,7 +9788,7 @@
                       <m:d>
                         <m:dPr>
                           <m:ctrlPr>
-                            <a:rPr lang="en-US" altLang="zh-TW" sz="4000" b="1" i="1" smtClean="0">
+                            <a:rPr lang="en-US" altLang="zh-TW" sz="4000" b="1" smtClean="0">
                               <a:solidFill>
                                 <a:schemeClr val="tx1"/>
                               </a:solidFill>
@@ -9773,7 +9800,7 @@
                         </m:dPr>
                         <m:e>
                           <m:r>
-                            <a:rPr lang="en-US" altLang="zh-TW" sz="4000" b="1" i="1" smtClean="0">
+                            <a:rPr lang="en-US" altLang="zh-TW" sz="4000" b="1" i="0" smtClean="0">
                               <a:solidFill>
                                 <a:schemeClr val="tx1"/>
                               </a:solidFill>
@@ -9781,12 +9808,12 @@
                               <a:ea typeface="Cambria Math" charset="0"/>
                               <a:cs typeface="Cambria Math" charset="0"/>
                             </a:rPr>
-                            <m:t>𝒔𝒐𝒇𝒕</m:t>
+                            <m:t>𝐬𝐨𝐟𝐭</m:t>
                           </m:r>
                         </m:e>
                       </m:d>
                       <m:r>
-                        <a:rPr lang="en-US" altLang="zh-TW" sz="4000" b="1" i="1" smtClean="0">
+                        <a:rPr lang="en-US" altLang="zh-TW" sz="4000" b="1" i="0" smtClean="0">
                           <a:solidFill>
                             <a:schemeClr val="tx1"/>
                           </a:solidFill>
@@ -9794,10 +9821,10 @@
                           <a:ea typeface="Cambria Math" charset="0"/>
                           <a:cs typeface="Cambria Math" charset="0"/>
                         </a:rPr>
-                        <m:t>𝒂𝒏𝒅</m:t>
+                        <m:t>𝐚𝐧𝐝</m:t>
                       </m:r>
                       <m:r>
-                        <a:rPr lang="en-US" altLang="zh-TW" sz="4000" b="1" i="1" smtClean="0">
+                        <a:rPr lang="en-US" altLang="zh-TW" sz="4000" b="1" i="0" smtClean="0">
                           <a:solidFill>
                             <a:schemeClr val="tx1"/>
                           </a:solidFill>
@@ -9808,7 +9835,7 @@
                         <m:t> (</m:t>
                       </m:r>
                       <m:r>
-                        <a:rPr lang="en-US" altLang="zh-TW" sz="4000" b="1" i="1" smtClean="0">
+                        <a:rPr lang="en-US" altLang="zh-TW" sz="4000" b="1" i="0" smtClean="0">
                           <a:solidFill>
                             <a:schemeClr val="tx1"/>
                           </a:solidFill>
@@ -9816,10 +9843,10 @@
                           <a:ea typeface="Cambria Math" charset="0"/>
                           <a:cs typeface="Cambria Math" charset="0"/>
                         </a:rPr>
-                        <m:t>𝒄𝒐𝒍𝒍𝒊𝒏𝒆𝒂𝒓</m:t>
+                        <m:t>𝐜𝐨𝐥𝐥𝐢𝐧𝐞𝐚𝐫</m:t>
                       </m:r>
                       <m:r>
-                        <a:rPr lang="en-US" altLang="zh-TW" sz="4000" b="1" i="1" smtClean="0">
+                        <a:rPr lang="en-US" altLang="zh-TW" sz="4000" b="1" i="0" smtClean="0">
                           <a:solidFill>
                             <a:schemeClr val="tx1"/>
                           </a:solidFill>
@@ -9836,8 +9863,9 @@
                   <a:solidFill>
                     <a:schemeClr val="tx1"/>
                   </a:solidFill>
-                  <a:latin typeface="Arial" pitchFamily="34" charset="0"/>
-                  <a:cs typeface="Arial" pitchFamily="34" charset="0"/>
+                  <a:latin typeface="Cambria Math" charset="0"/>
+                  <a:ea typeface="Cambria Math" charset="0"/>
+                  <a:cs typeface="Cambria Math" charset="0"/>
                 </a:endParaRPr>
               </a:p>
               <a:p>
@@ -9846,6 +9874,9 @@
                   <a:solidFill>
                     <a:schemeClr val="tx1"/>
                   </a:solidFill>
+                  <a:latin typeface="Cambria Math" charset="0"/>
+                  <a:ea typeface="Cambria Math" charset="0"/>
+                  <a:cs typeface="Cambria Math" charset="0"/>
                 </a:endParaRPr>
               </a:p>
             </p:txBody>
@@ -9890,8 +9921,8 @@
           </p:sp>
         </mc:Fallback>
       </mc:AlternateContent>
-      <mc:AlternateContent xmlns:mc="http://schemas.openxmlformats.org/markup-compatibility/2006">
-        <mc:Choice xmlns:a14="http://schemas.microsoft.com/office/drawing/2010/main" Requires="a14">
+      <mc:AlternateContent xmlns:mc="http://schemas.openxmlformats.org/markup-compatibility/2006" xmlns:a14="http://schemas.microsoft.com/office/drawing/2010/main">
+        <mc:Choice Requires="a14">
           <p:sp>
             <p:nvSpPr>
               <p:cNvPr id="89" name="矩形 88"/>
@@ -10011,7 +10042,7 @@
             </p:txBody>
           </p:sp>
         </mc:Choice>
-        <mc:Fallback>
+        <mc:Fallback xmlns="">
           <p:sp>
             <p:nvSpPr>
               <p:cNvPr id="89" name="矩形 88"/>
@@ -10060,7 +10091,7 @@
             </p:nvSpPr>
             <p:spPr>
               <a:xfrm>
-                <a:off x="15521651" y="8013686"/>
+                <a:off x="15521650" y="7904163"/>
                 <a:ext cx="14581802" cy="976934"/>
               </a:xfrm>
               <a:prstGeom prst="rect">
@@ -10265,7 +10296,7 @@
             </p:nvSpPr>
             <p:spPr>
               <a:xfrm>
-                <a:off x="15521651" y="8013686"/>
+                <a:off x="15521650" y="7904163"/>
                 <a:ext cx="14581802" cy="976934"/>
               </a:xfrm>
               <a:prstGeom prst="rect">
@@ -10374,14 +10405,7 @@
                 <a:latin typeface="Arial" pitchFamily="34" charset="0"/>
                 <a:cs typeface="Arial" pitchFamily="34" charset="0"/>
               </a:rPr>
-              <a:t>Background </a:t>
-            </a:r>
-            <a:r>
-              <a:rPr lang="en-US" altLang="zh-TW" sz="4800" b="1" u="sng" dirty="0" smtClean="0">
-                <a:latin typeface="Arial" pitchFamily="34" charset="0"/>
-                <a:cs typeface="Arial" pitchFamily="34" charset="0"/>
-              </a:rPr>
-              <a:t>Process</a:t>
+              <a:t>Background Process</a:t>
             </a:r>
             <a:r>
               <a:rPr lang="en-US" altLang="zh-TW" sz="4800" b="1" u="sng" dirty="0">
@@ -10466,7 +10490,7 @@
         </p:nvSpPr>
         <p:spPr>
           <a:xfrm>
-            <a:off x="15593340" y="8876649"/>
+            <a:off x="15593340" y="8745951"/>
             <a:ext cx="14386925" cy="830997"/>
           </a:xfrm>
           <a:prstGeom prst="rect">
@@ -10484,14 +10508,7 @@
                 <a:latin typeface="Arial" pitchFamily="34" charset="0"/>
                 <a:cs typeface="Arial" pitchFamily="34" charset="0"/>
               </a:rPr>
-              <a:t>Distribution of </a:t>
-            </a:r>
-            <a:r>
-              <a:rPr lang="en-US" altLang="zh-TW" sz="4800" b="1" dirty="0" smtClean="0">
-                <a:latin typeface="Arial" pitchFamily="34" charset="0"/>
-                <a:cs typeface="Arial" pitchFamily="34" charset="0"/>
-              </a:rPr>
-              <a:t>Z’-&gt;WW, Z’-&gt;</a:t>
+              <a:t>Distribution of Z’-&gt;WW, Z’-&gt;</a:t>
             </a:r>
             <a:r>
               <a:rPr lang="en-US" altLang="zh-TW" sz="4800" b="1" dirty="0" err="1" smtClean="0">
@@ -10505,14 +10522,7 @@
                 <a:latin typeface="Arial" pitchFamily="34" charset="0"/>
                 <a:cs typeface="Arial" pitchFamily="34" charset="0"/>
               </a:rPr>
-              <a:t> and </a:t>
-            </a:r>
-            <a:r>
-              <a:rPr lang="en-US" altLang="zh-TW" sz="4800" b="1" dirty="0" smtClean="0">
-                <a:latin typeface="Arial" pitchFamily="34" charset="0"/>
-                <a:cs typeface="Arial" pitchFamily="34" charset="0"/>
-              </a:rPr>
-              <a:t>Z’-&gt;</a:t>
+              <a:t> and Z’-&gt;</a:t>
             </a:r>
             <a:r>
               <a:rPr lang="en-US" altLang="zh-TW" sz="4800" b="1" dirty="0" err="1" smtClean="0">
@@ -10554,7 +10564,7 @@
         </p:nvSpPr>
         <p:spPr>
           <a:xfrm>
-            <a:off x="20787517" y="40829157"/>
+            <a:off x="20826971" y="40804712"/>
             <a:ext cx="4414172" cy="861774"/>
           </a:xfrm>
           <a:prstGeom prst="rect">
@@ -10568,11 +10578,18 @@
           <a:lstStyle/>
           <a:p>
             <a:r>
+              <a:rPr lang="en-US" altLang="zh-TW" sz="4400" b="1" u="sng" dirty="0" smtClean="0">
+                <a:latin typeface="Arial" pitchFamily="34" charset="0"/>
+                <a:cs typeface="Arial" pitchFamily="34" charset="0"/>
+              </a:rPr>
+              <a:t>Reference</a:t>
+            </a:r>
+            <a:r>
               <a:rPr lang="en-US" altLang="zh-TW" sz="5000" b="1" u="sng" dirty="0" smtClean="0">
                 <a:latin typeface="Arial" pitchFamily="34" charset="0"/>
                 <a:cs typeface="Arial" pitchFamily="34" charset="0"/>
               </a:rPr>
-              <a:t>Reference </a:t>
+              <a:t> </a:t>
             </a:r>
             <a:endParaRPr lang="zh-TW" altLang="en-US" sz="5000" u="sng" baseline="-25000" dirty="0"/>
           </a:p>
@@ -10863,8 +10880,8 @@
           </a:p>
         </p:txBody>
       </p:sp>
-      <mc:AlternateContent xmlns:mc="http://schemas.openxmlformats.org/markup-compatibility/2006" xmlns:a14="http://schemas.microsoft.com/office/drawing/2010/main">
-        <mc:Choice Requires="a14">
+      <mc:AlternateContent xmlns:mc="http://schemas.openxmlformats.org/markup-compatibility/2006">
+        <mc:Choice xmlns:a14="http://schemas.microsoft.com/office/drawing/2010/main" Requires="a14">
           <p:sp>
             <p:nvSpPr>
               <p:cNvPr id="127" name="文字方塊 126"/>
@@ -10873,7 +10890,7 @@
             </p:nvSpPr>
             <p:spPr>
               <a:xfrm flipH="1">
-                <a:off x="7530388" y="20270302"/>
+                <a:off x="7321409" y="20298341"/>
                 <a:ext cx="7926652" cy="818429"/>
               </a:xfrm>
               <a:prstGeom prst="rect">
@@ -11166,7 +11183,7 @@
             </p:txBody>
           </p:sp>
         </mc:Choice>
-        <mc:Fallback xmlns="">
+        <mc:Fallback>
           <p:sp>
             <p:nvSpPr>
               <p:cNvPr id="127" name="文字方塊 126"/>
@@ -11177,7 +11194,7 @@
             </p:nvSpPr>
             <p:spPr>
               <a:xfrm flipH="1">
-                <a:off x="7530388" y="20270302"/>
+                <a:off x="7321409" y="20298341"/>
                 <a:ext cx="7926652" cy="818429"/>
               </a:xfrm>
               <a:prstGeom prst="rect">
@@ -11205,8 +11222,8 @@
           </p:sp>
         </mc:Fallback>
       </mc:AlternateContent>
-      <mc:AlternateContent xmlns:mc="http://schemas.openxmlformats.org/markup-compatibility/2006" xmlns:a14="http://schemas.microsoft.com/office/drawing/2010/main">
-        <mc:Choice Requires="a14">
+      <mc:AlternateContent xmlns:mc="http://schemas.openxmlformats.org/markup-compatibility/2006">
+        <mc:Choice xmlns:a14="http://schemas.microsoft.com/office/drawing/2010/main" Requires="a14">
           <p:sp>
             <p:nvSpPr>
               <p:cNvPr id="128" name="文字方塊 127"/>
@@ -11215,8 +11232,8 @@
             </p:nvSpPr>
             <p:spPr>
               <a:xfrm>
-                <a:off x="8542838" y="20995929"/>
-                <a:ext cx="7646223" cy="1988558"/>
+                <a:off x="6205248" y="21017205"/>
+                <a:ext cx="9352832" cy="1988558"/>
               </a:xfrm>
               <a:prstGeom prst="rect">
                 <a:avLst/>
@@ -11229,18 +11246,28 @@
               </a:bodyPr>
               <a:lstStyle/>
               <a:p>
+                <a:r>
+                  <a:rPr kumimoji="1" lang="en-US" altLang="zh-TW" sz="4000" b="0" dirty="0" smtClean="0">
+                    <a:ea typeface="Arial" charset="0"/>
+                    <a:cs typeface="Arial" charset="0"/>
+                  </a:rPr>
+                  <a:t>(1)</a:t>
+                </a:r>
                 <a14:m>
                   <m:oMath xmlns:m="http://schemas.openxmlformats.org/officeDocument/2006/math">
                     <m:r>
-                      <a:rPr kumimoji="1" lang="en-US" altLang="zh-TW" sz="4000" b="0" i="1" smtClean="0">
+                      <m:rPr>
+                        <m:sty m:val="p"/>
+                      </m:rPr>
+                      <a:rPr kumimoji="1" lang="en-US" altLang="zh-TW" sz="4000" b="0" i="0" smtClean="0">
                         <a:latin typeface="Cambria Math" charset="0"/>
                         <a:ea typeface="Arial" charset="0"/>
                         <a:cs typeface="Arial" charset="0"/>
                       </a:rPr>
-                      <m:t>𝑖</m:t>
+                      <m:t>i</m:t>
                     </m:r>
                     <m:r>
-                      <a:rPr kumimoji="1" lang="en-US" altLang="zh-TW" sz="4000" b="0" i="1" smtClean="0">
+                      <a:rPr kumimoji="1" lang="en-US" altLang="zh-TW" sz="4000" b="0" i="0" smtClean="0">
                         <a:latin typeface="Cambria Math" charset="0"/>
                         <a:ea typeface="Arial" charset="0"/>
                         <a:cs typeface="Arial" charset="0"/>
@@ -11248,12 +11275,15 @@
                       <m:t>,</m:t>
                     </m:r>
                     <m:r>
-                      <a:rPr kumimoji="1" lang="en-US" altLang="zh-TW" sz="4000" b="0" i="1" smtClean="0">
+                      <m:rPr>
+                        <m:sty m:val="p"/>
+                      </m:rPr>
+                      <a:rPr kumimoji="1" lang="en-US" altLang="zh-TW" sz="4000" b="0" i="0" smtClean="0">
                         <a:latin typeface="Cambria Math" charset="0"/>
                         <a:ea typeface="Arial" charset="0"/>
                         <a:cs typeface="Arial" charset="0"/>
                       </a:rPr>
-                      <m:t>𝑗</m:t>
+                      <m:t>j</m:t>
                     </m:r>
                   </m:oMath>
                 </a14:m>
@@ -11268,12 +11298,15 @@
                 <a14:m>
                   <m:oMath xmlns:m="http://schemas.openxmlformats.org/officeDocument/2006/math">
                     <m:r>
-                      <a:rPr kumimoji="1" lang="en-US" altLang="zh-TW" sz="4000" b="0" i="1" smtClean="0">
+                      <m:rPr>
+                        <m:sty m:val="p"/>
+                      </m:rPr>
+                      <a:rPr kumimoji="1" lang="en-US" altLang="zh-TW" sz="4000" b="0" i="0" smtClean="0">
                         <a:latin typeface="Cambria Math" charset="0"/>
                         <a:ea typeface="Arial" charset="0"/>
                         <a:cs typeface="Arial" charset="0"/>
                       </a:rPr>
-                      <m:t>𝑖</m:t>
+                      <m:t>i</m:t>
                     </m:r>
                   </m:oMath>
                 </a14:m>
@@ -11288,12 +11321,15 @@
                 <a14:m>
                   <m:oMath xmlns:m="http://schemas.openxmlformats.org/officeDocument/2006/math">
                     <m:r>
-                      <a:rPr kumimoji="1" lang="en-US" altLang="zh-TW" sz="4000" b="0" i="1" smtClean="0">
+                      <m:rPr>
+                        <m:sty m:val="p"/>
+                      </m:rPr>
+                      <a:rPr kumimoji="1" lang="en-US" altLang="zh-TW" sz="4000" b="0" i="0" smtClean="0">
                         <a:latin typeface="Cambria Math" charset="0"/>
                         <a:ea typeface="Arial" charset="0"/>
                         <a:cs typeface="Arial" charset="0"/>
                       </a:rPr>
-                      <m:t>𝑗</m:t>
+                      <m:t>j</m:t>
                     </m:r>
                   </m:oMath>
                 </a14:m>
@@ -11307,12 +11343,19 @@
                 </a:r>
               </a:p>
               <a:p>
+                <a:r>
+                  <a:rPr kumimoji="1" lang="en-US" altLang="zh-TW" sz="4000" dirty="0" smtClean="0">
+                    <a:ea typeface="Arial" charset="0"/>
+                    <a:cs typeface="Arial" charset="0"/>
+                  </a:rPr>
+                  <a:t>(2)</a:t>
+                </a:r>
                 <a14:m>
                   <m:oMath xmlns:m="http://schemas.openxmlformats.org/officeDocument/2006/math">
                     <m:sSub>
                       <m:sSubPr>
                         <m:ctrlPr>
-                          <a:rPr kumimoji="1" lang="en-US" altLang="zh-TW" sz="4000" i="1" smtClean="0">
+                          <a:rPr kumimoji="1" lang="en-US" altLang="zh-TW" sz="4000" smtClean="0">
                             <a:latin typeface="Cambria Math" charset="0"/>
                             <a:ea typeface="Arial" charset="0"/>
                             <a:cs typeface="Arial" charset="0"/>
@@ -11321,27 +11364,33 @@
                       </m:sSubPr>
                       <m:e>
                         <m:r>
-                          <a:rPr kumimoji="1" lang="en-US" altLang="zh-TW" sz="4000" b="0" i="1" smtClean="0">
+                          <m:rPr>
+                            <m:sty m:val="p"/>
+                          </m:rPr>
+                          <a:rPr kumimoji="1" lang="en-US" altLang="zh-TW" sz="4000" b="0" i="0" smtClean="0">
                             <a:latin typeface="Cambria Math" charset="0"/>
                             <a:ea typeface="Arial" charset="0"/>
                             <a:cs typeface="Arial" charset="0"/>
                           </a:rPr>
-                          <m:t>𝑘</m:t>
+                          <m:t>k</m:t>
                         </m:r>
                       </m:e>
                       <m:sub>
                         <m:r>
-                          <a:rPr kumimoji="1" lang="en-US" altLang="zh-TW" sz="4000" b="0" i="1" smtClean="0">
+                          <m:rPr>
+                            <m:sty m:val="p"/>
+                          </m:rPr>
+                          <a:rPr kumimoji="1" lang="en-US" altLang="zh-TW" sz="4000" b="0" i="0" smtClean="0">
                             <a:latin typeface="Cambria Math" charset="0"/>
                             <a:ea typeface="Arial" charset="0"/>
                             <a:cs typeface="Arial" charset="0"/>
                           </a:rPr>
-                          <m:t>𝑡𝑖</m:t>
+                          <m:t>ti</m:t>
                         </m:r>
                       </m:sub>
                     </m:sSub>
                     <m:r>
-                      <a:rPr kumimoji="1" lang="en-US" altLang="zh-TW" sz="4000" b="0" i="1" smtClean="0">
+                      <a:rPr kumimoji="1" lang="en-US" altLang="zh-TW" sz="4000" b="0" i="0" smtClean="0">
                         <a:latin typeface="Cambria Math" charset="0"/>
                         <a:ea typeface="Arial" charset="0"/>
                         <a:cs typeface="Arial" charset="0"/>
@@ -11363,7 +11412,7 @@
                     <m:sSub>
                       <m:sSubPr>
                         <m:ctrlPr>
-                          <a:rPr kumimoji="1" lang="en-US" altLang="zh-TW" sz="4000" i="1">
+                          <a:rPr kumimoji="1" lang="en-US" altLang="zh-TW" sz="4000">
                             <a:latin typeface="Cambria Math" charset="0"/>
                             <a:ea typeface="Arial" charset="0"/>
                             <a:cs typeface="Arial" charset="0"/>
@@ -11372,30 +11421,39 @@
                       </m:sSubPr>
                       <m:e>
                         <m:r>
-                          <a:rPr kumimoji="1" lang="en-US" altLang="zh-TW" sz="4000" b="0" i="1">
+                          <m:rPr>
+                            <m:sty m:val="p"/>
+                          </m:rPr>
+                          <a:rPr kumimoji="1" lang="en-US" altLang="zh-TW" sz="4000" b="0" i="0">
                             <a:latin typeface="Cambria Math" charset="0"/>
                             <a:ea typeface="Arial" charset="0"/>
                             <a:cs typeface="Arial" charset="0"/>
                           </a:rPr>
-                          <m:t>𝑘</m:t>
+                          <m:t>k</m:t>
                         </m:r>
                       </m:e>
                       <m:sub>
                         <m:r>
-                          <a:rPr kumimoji="1" lang="en-US" altLang="zh-TW" sz="4000" b="0" i="1">
+                          <m:rPr>
+                            <m:sty m:val="p"/>
+                          </m:rPr>
+                          <a:rPr kumimoji="1" lang="en-US" altLang="zh-TW" sz="4000" b="0" i="0">
                             <a:latin typeface="Cambria Math" charset="0"/>
                             <a:ea typeface="Arial" charset="0"/>
                             <a:cs typeface="Arial" charset="0"/>
                           </a:rPr>
-                          <m:t>𝑡</m:t>
+                          <m:t>t</m:t>
                         </m:r>
                         <m:r>
-                          <a:rPr kumimoji="1" lang="en-US" altLang="zh-TW" sz="4000" b="0" i="1" smtClean="0">
+                          <m:rPr>
+                            <m:sty m:val="p"/>
+                          </m:rPr>
+                          <a:rPr kumimoji="1" lang="en-US" altLang="zh-TW" sz="4000" b="0" i="0" smtClean="0">
                             <a:latin typeface="Cambria Math" charset="0"/>
                             <a:ea typeface="Arial" charset="0"/>
                             <a:cs typeface="Arial" charset="0"/>
                           </a:rPr>
-                          <m:t>𝑗</m:t>
+                          <m:t>j</m:t>
                         </m:r>
                       </m:sub>
                     </m:sSub>
@@ -11407,17 +11465,36 @@
                     <a:ea typeface="Arial" charset="0"/>
                     <a:cs typeface="Arial" charset="0"/>
                   </a:rPr>
-                  <a:t>: the particle </a:t>
+                  <a:t>: the </a:t>
+                </a:r>
+                <a:r>
+                  <a:rPr kumimoji="1" lang="en-US" altLang="zh-TW" sz="4000" dirty="0" smtClean="0">
+                    <a:latin typeface="Arial" charset="0"/>
+                    <a:ea typeface="Arial" charset="0"/>
+                    <a:cs typeface="Arial" charset="0"/>
+                  </a:rPr>
+                  <a:t>particle</a:t>
+                </a:r>
+                <a:r>
+                  <a:rPr kumimoji="1" lang="en-US" altLang="zh-TW" sz="4000" dirty="0" smtClean="0">
+                    <a:latin typeface="Arial" charset="0"/>
+                    <a:ea typeface="Arial" charset="0"/>
+                    <a:cs typeface="Arial" charset="0"/>
+                  </a:rPr>
+                  <a:t> </a:t>
                 </a:r>
                 <a14:m>
                   <m:oMath xmlns:m="http://schemas.openxmlformats.org/officeDocument/2006/math">
                     <m:r>
-                      <a:rPr kumimoji="1" lang="en-US" altLang="zh-TW" sz="4000" b="0" i="1" smtClean="0">
+                      <m:rPr>
+                        <m:sty m:val="p"/>
+                      </m:rPr>
+                      <a:rPr kumimoji="1" lang="en-US" altLang="zh-TW" sz="4000" b="0" i="0" smtClean="0">
                         <a:latin typeface="Cambria Math" charset="0"/>
                         <a:ea typeface="Arial" charset="0"/>
                         <a:cs typeface="Arial" charset="0"/>
                       </a:rPr>
-                      <m:t>𝑖</m:t>
+                      <m:t>i</m:t>
                     </m:r>
                   </m:oMath>
                 </a14:m>
@@ -11432,12 +11509,15 @@
                 <a14:m>
                   <m:oMath xmlns:m="http://schemas.openxmlformats.org/officeDocument/2006/math">
                     <m:r>
-                      <a:rPr kumimoji="1" lang="en-US" altLang="zh-TW" sz="4000" b="0" i="1" smtClean="0">
+                      <m:rPr>
+                        <m:sty m:val="p"/>
+                      </m:rPr>
+                      <a:rPr kumimoji="1" lang="en-US" altLang="zh-TW" sz="4000" b="0" i="0" smtClean="0">
                         <a:latin typeface="Cambria Math" charset="0"/>
                         <a:ea typeface="Arial" charset="0"/>
                         <a:cs typeface="Arial" charset="0"/>
                       </a:rPr>
-                      <m:t>𝑗</m:t>
+                      <m:t>j</m:t>
                     </m:r>
                   </m:oMath>
                 </a14:m>
@@ -11447,7 +11527,15 @@
                     <a:ea typeface="Arial" charset="0"/>
                     <a:cs typeface="Arial" charset="0"/>
                   </a:rPr>
-                  <a:t> transverse momentum</a:t>
+                  <a:t> transverse </a:t>
+                </a:r>
+                <a:r>
+                  <a:rPr kumimoji="1" lang="en-US" altLang="zh-TW" sz="4000" dirty="0">
+                    <a:latin typeface="Arial" charset="0"/>
+                    <a:ea typeface="Arial" charset="0"/>
+                    <a:cs typeface="Arial" charset="0"/>
+                  </a:rPr>
+                  <a:t>momenta</a:t>
                 </a:r>
                 <a:endParaRPr kumimoji="1" lang="en-US" altLang="zh-TW" sz="4000" dirty="0">
                   <a:latin typeface="Arial" charset="0"/>
@@ -11458,7 +11546,7 @@
             </p:txBody>
           </p:sp>
         </mc:Choice>
-        <mc:Fallback xmlns="">
+        <mc:Fallback>
           <p:sp>
             <p:nvSpPr>
               <p:cNvPr id="128" name="文字方塊 127"/>
@@ -11469,8 +11557,8 @@
             </p:nvSpPr>
             <p:spPr>
               <a:xfrm>
-                <a:off x="8542838" y="20995929"/>
-                <a:ext cx="7646223" cy="1988558"/>
+                <a:off x="6205248" y="21017205"/>
+                <a:ext cx="9352832" cy="1988558"/>
               </a:xfrm>
               <a:prstGeom prst="rect">
                 <a:avLst/>
@@ -11478,7 +11566,7 @@
               <a:blipFill rotWithShape="0">
                 <a:blip r:embed="rId30"/>
                 <a:stretch>
-                  <a:fillRect l="-2789" t="-5521" b="-12270"/>
+                  <a:fillRect l="-2347" t="-6135" b="-12577"/>
                 </a:stretch>
               </a:blipFill>
             </p:spPr>
@@ -11553,8 +11641,8 @@
           </a:prstGeom>
         </p:spPr>
       </p:pic>
-      <mc:AlternateContent xmlns:mc="http://schemas.openxmlformats.org/markup-compatibility/2006">
-        <mc:Choice xmlns:a14="http://schemas.microsoft.com/office/drawing/2010/main" Requires="a14">
+      <mc:AlternateContent xmlns:mc="http://schemas.openxmlformats.org/markup-compatibility/2006" xmlns:a14="http://schemas.microsoft.com/office/drawing/2010/main">
+        <mc:Choice Requires="a14">
           <p:sp>
             <p:nvSpPr>
               <p:cNvPr id="16" name="文字方塊 15"/>
@@ -11763,7 +11851,7 @@
             </p:txBody>
           </p:sp>
         </mc:Choice>
-        <mc:Fallback>
+        <mc:Fallback xmlns="">
           <p:sp>
             <p:nvSpPr>
               <p:cNvPr id="16" name="文字方塊 15"/>
@@ -11888,8 +11976,8 @@
         </p:nvSpPr>
         <p:spPr>
           <a:xfrm>
-            <a:off x="168278" y="25555683"/>
-            <a:ext cx="15232092" cy="13676990"/>
+            <a:off x="1" y="25555683"/>
+            <a:ext cx="15400369" cy="13676990"/>
           </a:xfrm>
           <a:prstGeom prst="rect">
             <a:avLst/>
@@ -11965,8 +12053,8 @@
         </p:nvSpPr>
         <p:spPr>
           <a:xfrm>
-            <a:off x="168278" y="39326907"/>
-            <a:ext cx="15247774" cy="3366394"/>
+            <a:off x="1" y="39326907"/>
+            <a:ext cx="15420513" cy="3430056"/>
           </a:xfrm>
           <a:prstGeom prst="rect">
             <a:avLst/>
@@ -12056,7 +12144,7 @@
         <p:spPr>
           <a:xfrm>
             <a:off x="15521650" y="40954558"/>
-            <a:ext cx="14595816" cy="1738743"/>
+            <a:ext cx="14595816" cy="1893655"/>
           </a:xfrm>
           <a:prstGeom prst="rect">
             <a:avLst/>
@@ -12094,8 +12182,8 @@
           </a:p>
         </p:txBody>
       </p:sp>
-      <mc:AlternateContent xmlns:mc="http://schemas.openxmlformats.org/markup-compatibility/2006">
-        <mc:Choice xmlns:a14="http://schemas.microsoft.com/office/drawing/2010/main" Requires="a14">
+      <mc:AlternateContent xmlns:mc="http://schemas.openxmlformats.org/markup-compatibility/2006" xmlns:a14="http://schemas.microsoft.com/office/drawing/2010/main">
+        <mc:Choice Requires="a14">
           <p:graphicFrame>
             <p:nvGraphicFramePr>
               <p:cNvPr id="66" name="表格 65"/>
@@ -12967,7 +13055,7 @@
             </a:graphic>
           </p:graphicFrame>
         </mc:Choice>
-        <mc:Fallback>
+        <mc:Fallback xmlns="">
           <p:graphicFrame>
             <p:nvGraphicFramePr>
               <p:cNvPr id="66" name="表格 65"/>
@@ -13445,8 +13533,8 @@
           </p:graphicFrame>
         </mc:Fallback>
       </mc:AlternateContent>
-      <mc:AlternateContent xmlns:mc="http://schemas.openxmlformats.org/markup-compatibility/2006">
-        <mc:Choice xmlns:a14="http://schemas.microsoft.com/office/drawing/2010/main" Requires="a14">
+      <mc:AlternateContent xmlns:mc="http://schemas.openxmlformats.org/markup-compatibility/2006" xmlns:a14="http://schemas.microsoft.com/office/drawing/2010/main">
+        <mc:Choice Requires="a14">
           <p:sp>
             <p:nvSpPr>
               <p:cNvPr id="12" name="矩形 11"/>
@@ -13468,6 +13556,7 @@
               </a:bodyPr>
               <a:lstStyle/>
               <a:p>
+                <a:pPr/>
                 <a14:m>
                   <m:oMathPara xmlns:m="http://schemas.openxmlformats.org/officeDocument/2006/math">
                     <m:oMathParaPr>
@@ -13509,7 +13598,7 @@
             </p:txBody>
           </p:sp>
         </mc:Choice>
-        <mc:Fallback>
+        <mc:Fallback xmlns="">
           <p:sp>
             <p:nvSpPr>
               <p:cNvPr id="12" name="矩形 11"/>
@@ -13548,8 +13637,8 @@
           </p:sp>
         </mc:Fallback>
       </mc:AlternateContent>
-      <mc:AlternateContent xmlns:mc="http://schemas.openxmlformats.org/markup-compatibility/2006">
-        <mc:Choice xmlns:a14="http://schemas.microsoft.com/office/drawing/2010/main" Requires="a14">
+      <mc:AlternateContent xmlns:mc="http://schemas.openxmlformats.org/markup-compatibility/2006" xmlns:a14="http://schemas.microsoft.com/office/drawing/2010/main">
+        <mc:Choice Requires="a14">
           <p:sp>
             <p:nvSpPr>
               <p:cNvPr id="24" name="矩形 23"/>
@@ -13571,6 +13660,7 @@
               </a:bodyPr>
               <a:lstStyle/>
               <a:p>
+                <a:pPr/>
                 <a14:m>
                   <m:oMathPara xmlns:m="http://schemas.openxmlformats.org/officeDocument/2006/math">
                     <m:oMathParaPr>
@@ -13614,7 +13704,7 @@
             </p:txBody>
           </p:sp>
         </mc:Choice>
-        <mc:Fallback>
+        <mc:Fallback xmlns="">
           <p:sp>
             <p:nvSpPr>
               <p:cNvPr id="24" name="矩形 23"/>
@@ -13653,8 +13743,8 @@
           </p:sp>
         </mc:Fallback>
       </mc:AlternateContent>
-      <mc:AlternateContent xmlns:mc="http://schemas.openxmlformats.org/markup-compatibility/2006">
-        <mc:Choice xmlns:a14="http://schemas.microsoft.com/office/drawing/2010/main" Requires="a14">
+      <mc:AlternateContent xmlns:mc="http://schemas.openxmlformats.org/markup-compatibility/2006" xmlns:a14="http://schemas.microsoft.com/office/drawing/2010/main">
+        <mc:Choice Requires="a14">
           <p:sp>
             <p:nvSpPr>
               <p:cNvPr id="30" name="矩形 29"/>
@@ -13676,6 +13766,7 @@
               </a:bodyPr>
               <a:lstStyle/>
               <a:p>
+                <a:pPr/>
                 <a14:m>
                   <m:oMathPara xmlns:m="http://schemas.openxmlformats.org/officeDocument/2006/math">
                     <m:oMathParaPr>
@@ -13735,7 +13826,7 @@
             </p:txBody>
           </p:sp>
         </mc:Choice>
-        <mc:Fallback>
+        <mc:Fallback xmlns="">
           <p:sp>
             <p:nvSpPr>
               <p:cNvPr id="30" name="矩形 29"/>
@@ -13834,8 +13925,8 @@
           </a:prstGeom>
         </p:spPr>
       </p:pic>
-      <mc:AlternateContent xmlns:mc="http://schemas.openxmlformats.org/markup-compatibility/2006">
-        <mc:Choice xmlns:a14="http://schemas.microsoft.com/office/drawing/2010/main" Requires="a14">
+      <mc:AlternateContent xmlns:mc="http://schemas.openxmlformats.org/markup-compatibility/2006" xmlns:a14="http://schemas.microsoft.com/office/drawing/2010/main">
+        <mc:Choice Requires="a14">
           <p:sp>
             <p:nvSpPr>
               <p:cNvPr id="54" name="文字方塊 53"/>
@@ -13898,7 +13989,7 @@
             </p:txBody>
           </p:sp>
         </mc:Choice>
-        <mc:Fallback>
+        <mc:Fallback xmlns="">
           <p:sp>
             <p:nvSpPr>
               <p:cNvPr id="54" name="文字方塊 53"/>
@@ -13937,8 +14028,8 @@
           </p:sp>
         </mc:Fallback>
       </mc:AlternateContent>
-      <mc:AlternateContent xmlns:mc="http://schemas.openxmlformats.org/markup-compatibility/2006">
-        <mc:Choice xmlns:a14="http://schemas.microsoft.com/office/drawing/2010/main" Requires="a14">
+      <mc:AlternateContent xmlns:mc="http://schemas.openxmlformats.org/markup-compatibility/2006" xmlns:a14="http://schemas.microsoft.com/office/drawing/2010/main">
+        <mc:Choice Requires="a14">
           <p:sp>
             <p:nvSpPr>
               <p:cNvPr id="56" name="矩形 55"/>
@@ -14001,7 +14092,7 @@
             </p:txBody>
           </p:sp>
         </mc:Choice>
-        <mc:Fallback>
+        <mc:Fallback xmlns="">
           <p:sp>
             <p:nvSpPr>
               <p:cNvPr id="56" name="矩形 55"/>
@@ -14040,8 +14131,8 @@
           </p:sp>
         </mc:Fallback>
       </mc:AlternateContent>
-      <mc:AlternateContent xmlns:mc="http://schemas.openxmlformats.org/markup-compatibility/2006">
-        <mc:Choice xmlns:a14="http://schemas.microsoft.com/office/drawing/2010/main" Requires="a14">
+      <mc:AlternateContent xmlns:mc="http://schemas.openxmlformats.org/markup-compatibility/2006" xmlns:a14="http://schemas.microsoft.com/office/drawing/2010/main">
+        <mc:Choice Requires="a14">
           <p:graphicFrame>
             <p:nvGraphicFramePr>
               <p:cNvPr id="70" name="表格 69"/>
@@ -14136,27 +14227,37 @@
                                   <m:radPr>
                                     <m:degHide m:val="on"/>
                                     <m:ctrlPr>
-                                      <a:rPr lang="zh-TW" altLang="en-US" sz="2800" smtClean="0"/>
+                                      <a:rPr lang="zh-TW" altLang="en-US" sz="2800" i="1" smtClean="0">
+                                        <a:latin typeface="Cambria Math" charset="0"/>
+                                      </a:rPr>
                                     </m:ctrlPr>
                                   </m:radPr>
                                   <m:deg/>
                                   <m:e>
                                     <m:r>
-                                      <a:rPr lang="en-US" altLang="zh-TW" sz="2800" smtClean="0"/>
+                                      <a:rPr lang="en-US" altLang="zh-TW" sz="2800" smtClean="0">
+                                        <a:latin typeface="Cambria Math" charset="0"/>
+                                      </a:rPr>
                                       <m:t>𝒔</m:t>
                                     </m:r>
                                   </m:e>
                                 </m:rad>
                                 <m:r>
-                                  <a:rPr lang="en-US" altLang="zh-TW" sz="2800" smtClean="0"/>
+                                  <a:rPr lang="en-US" altLang="zh-TW" sz="2800" smtClean="0">
+                                    <a:latin typeface="Cambria Math" charset="0"/>
+                                  </a:rPr>
                                   <m:t>=</m:t>
                                 </m:r>
                                 <m:r>
-                                  <a:rPr lang="en-US" altLang="zh-TW" sz="2800" smtClean="0"/>
+                                  <a:rPr lang="en-US" altLang="zh-TW" sz="2800" smtClean="0">
+                                    <a:latin typeface="Cambria Math" charset="0"/>
+                                  </a:rPr>
                                   <m:t>𝟓</m:t>
                                 </m:r>
                                 <m:r>
-                                  <a:rPr lang="en-US" altLang="zh-TW" sz="2800" smtClean="0"/>
+                                  <a:rPr lang="en-US" altLang="zh-TW" sz="2800" smtClean="0">
+                                    <a:latin typeface="Cambria Math" charset="0"/>
+                                  </a:rPr>
                                   <m:t>𝑻𝒆𝑽</m:t>
                                 </m:r>
                               </m:oMath>
@@ -14223,27 +14324,37 @@
                                   <m:radPr>
                                     <m:degHide m:val="on"/>
                                     <m:ctrlPr>
-                                      <a:rPr lang="zh-TW" altLang="en-US" sz="2800" smtClean="0"/>
+                                      <a:rPr lang="zh-TW" altLang="en-US" sz="2800" i="1" smtClean="0">
+                                        <a:latin typeface="Cambria Math" charset="0"/>
+                                      </a:rPr>
                                     </m:ctrlPr>
                                   </m:radPr>
                                   <m:deg/>
                                   <m:e>
                                     <m:r>
-                                      <a:rPr lang="en-US" altLang="zh-TW" sz="2800" smtClean="0"/>
+                                      <a:rPr lang="en-US" altLang="zh-TW" sz="2800" smtClean="0">
+                                        <a:latin typeface="Cambria Math" charset="0"/>
+                                      </a:rPr>
                                       <m:t>𝒔</m:t>
                                     </m:r>
                                   </m:e>
                                 </m:rad>
                                 <m:r>
-                                  <a:rPr lang="en-US" altLang="zh-TW" sz="2800" smtClean="0"/>
+                                  <a:rPr lang="en-US" altLang="zh-TW" sz="2800" smtClean="0">
+                                    <a:latin typeface="Cambria Math" charset="0"/>
+                                  </a:rPr>
                                   <m:t>=</m:t>
                                 </m:r>
                                 <m:r>
-                                  <a:rPr lang="en-US" altLang="zh-TW" sz="2800" smtClean="0"/>
+                                  <a:rPr lang="en-US" altLang="zh-TW" sz="2800" smtClean="0">
+                                    <a:latin typeface="Cambria Math" charset="0"/>
+                                  </a:rPr>
                                   <m:t>𝟏𝟎</m:t>
                                 </m:r>
                                 <m:r>
-                                  <a:rPr lang="en-US" altLang="zh-TW" sz="2800" smtClean="0"/>
+                                  <a:rPr lang="en-US" altLang="zh-TW" sz="2800" smtClean="0">
+                                    <a:latin typeface="Cambria Math" charset="0"/>
+                                  </a:rPr>
                                   <m:t>𝑻𝒆𝑽</m:t>
                                 </m:r>
                               </m:oMath>
@@ -14310,27 +14421,37 @@
                                   <m:radPr>
                                     <m:degHide m:val="on"/>
                                     <m:ctrlPr>
-                                      <a:rPr lang="zh-TW" altLang="en-US" sz="2800" smtClean="0"/>
+                                      <a:rPr lang="zh-TW" altLang="en-US" sz="2800" i="1" smtClean="0">
+                                        <a:latin typeface="Cambria Math" charset="0"/>
+                                      </a:rPr>
                                     </m:ctrlPr>
                                   </m:radPr>
                                   <m:deg/>
                                   <m:e>
                                     <m:r>
-                                      <a:rPr lang="en-US" altLang="zh-TW" sz="2800" smtClean="0"/>
+                                      <a:rPr lang="en-US" altLang="zh-TW" sz="2800" smtClean="0">
+                                        <a:latin typeface="Cambria Math" charset="0"/>
+                                      </a:rPr>
                                       <m:t>𝒔</m:t>
                                     </m:r>
                                   </m:e>
                                 </m:rad>
                                 <m:r>
-                                  <a:rPr lang="en-US" altLang="zh-TW" sz="2800" smtClean="0"/>
+                                  <a:rPr lang="en-US" altLang="zh-TW" sz="2800" smtClean="0">
+                                    <a:latin typeface="Cambria Math" charset="0"/>
+                                  </a:rPr>
                                   <m:t>=</m:t>
                                 </m:r>
                                 <m:r>
-                                  <a:rPr lang="en-US" altLang="zh-TW" sz="2800" smtClean="0"/>
+                                  <a:rPr lang="en-US" altLang="zh-TW" sz="2800" smtClean="0">
+                                    <a:latin typeface="Cambria Math" charset="0"/>
+                                  </a:rPr>
                                   <m:t>𝟐𝟎</m:t>
                                 </m:r>
                                 <m:r>
-                                  <a:rPr lang="en-US" altLang="zh-TW" sz="2800" smtClean="0"/>
+                                  <a:rPr lang="en-US" altLang="zh-TW" sz="2800" smtClean="0">
+                                    <a:latin typeface="Cambria Math" charset="0"/>
+                                  </a:rPr>
                                   <m:t>𝑻𝒆𝑽</m:t>
                                 </m:r>
                               </m:oMath>
@@ -14397,27 +14518,37 @@
                                   <m:radPr>
                                     <m:degHide m:val="on"/>
                                     <m:ctrlPr>
-                                      <a:rPr lang="zh-TW" altLang="en-US" sz="2800" smtClean="0"/>
+                                      <a:rPr lang="zh-TW" altLang="en-US" sz="2800" i="1" smtClean="0">
+                                        <a:latin typeface="Cambria Math" charset="0"/>
+                                      </a:rPr>
                                     </m:ctrlPr>
                                   </m:radPr>
                                   <m:deg/>
                                   <m:e>
                                     <m:r>
-                                      <a:rPr lang="en-US" altLang="zh-TW" sz="2800" smtClean="0"/>
+                                      <a:rPr lang="en-US" altLang="zh-TW" sz="2800" smtClean="0">
+                                        <a:latin typeface="Cambria Math" charset="0"/>
+                                      </a:rPr>
                                       <m:t>𝒔</m:t>
                                     </m:r>
                                   </m:e>
                                 </m:rad>
                                 <m:r>
-                                  <a:rPr lang="en-US" altLang="zh-TW" sz="2800" smtClean="0"/>
+                                  <a:rPr lang="en-US" altLang="zh-TW" sz="2800" smtClean="0">
+                                    <a:latin typeface="Cambria Math" charset="0"/>
+                                  </a:rPr>
                                   <m:t>=</m:t>
                                 </m:r>
                                 <m:r>
-                                  <a:rPr lang="en-US" altLang="zh-TW" sz="2800" smtClean="0"/>
+                                  <a:rPr lang="en-US" altLang="zh-TW" sz="2800" smtClean="0">
+                                    <a:latin typeface="Cambria Math" charset="0"/>
+                                  </a:rPr>
                                   <m:t>𝟒𝟎</m:t>
                                 </m:r>
                                 <m:r>
-                                  <a:rPr lang="en-US" altLang="zh-TW" sz="2800" smtClean="0"/>
+                                  <a:rPr lang="en-US" altLang="zh-TW" sz="2800" smtClean="0">
+                                    <a:latin typeface="Cambria Math" charset="0"/>
+                                  </a:rPr>
                                   <m:t>𝑻𝒆𝑽</m:t>
                                 </m:r>
                               </m:oMath>
@@ -14449,24 +14580,32 @@
                                 <m:sSubSup>
                                   <m:sSubSupPr>
                                     <m:ctrlPr>
-                                      <a:rPr kumimoji="1" lang="en-US" altLang="zh-TW" sz="3200" smtClean="0"/>
+                                      <a:rPr kumimoji="1" lang="en-US" altLang="zh-TW" sz="3200" i="1" smtClean="0">
+                                        <a:latin typeface="Cambria Math" charset="0"/>
+                                      </a:rPr>
                                     </m:ctrlPr>
                                   </m:sSubSupPr>
                                   <m:e>
                                     <m:r>
-                                      <a:rPr kumimoji="1" lang="en-US" altLang="zh-TW" sz="3200"/>
+                                      <a:rPr kumimoji="1" lang="en-US" altLang="zh-TW" sz="3200">
+                                        <a:latin typeface="Cambria Math" charset="0"/>
+                                      </a:rPr>
                                       <m:t>𝑪</m:t>
                                     </m:r>
                                   </m:e>
                                   <m:sub>
                                     <m:r>
-                                      <a:rPr kumimoji="1" lang="en-US" altLang="zh-TW" sz="3200"/>
+                                      <a:rPr kumimoji="1" lang="en-US" altLang="zh-TW" sz="3200">
+                                        <a:latin typeface="Cambria Math" charset="0"/>
+                                      </a:rPr>
                                       <m:t>𝟐</m:t>
                                     </m:r>
                                   </m:sub>
                                   <m:sup>
                                     <m:r>
-                                      <a:rPr kumimoji="1" lang="en-US" altLang="zh-TW" sz="3200"/>
+                                      <a:rPr kumimoji="1" lang="en-US" altLang="zh-TW" sz="3200">
+                                        <a:latin typeface="Cambria Math" charset="0"/>
+                                      </a:rPr>
                                       <m:t>𝟏</m:t>
                                     </m:r>
                                   </m:sup>
@@ -14560,18 +14699,24 @@
                                 <m:sSub>
                                   <m:sSubPr>
                                     <m:ctrlPr>
-                                      <a:rPr kumimoji="1" lang="en-US" altLang="zh-TW" sz="3200" smtClean="0"/>
+                                      <a:rPr kumimoji="1" lang="en-US" altLang="zh-TW" sz="3200" i="1" smtClean="0">
+                                        <a:latin typeface="Cambria Math" charset="0"/>
+                                      </a:rPr>
                                     </m:ctrlPr>
                                   </m:sSubPr>
                                   <m:e>
                                     <m:r>
-                                      <a:rPr kumimoji="1" lang="en-US" altLang="zh-TW" sz="3200"/>
+                                      <a:rPr kumimoji="1" lang="en-US" altLang="zh-TW" sz="3200">
+                                        <a:latin typeface="Cambria Math" charset="0"/>
+                                      </a:rPr>
                                       <m:t>𝝉</m:t>
                                     </m:r>
                                   </m:e>
                                   <m:sub>
                                     <m:r>
-                                      <a:rPr kumimoji="1" lang="en-US" altLang="zh-TW" sz="3200"/>
+                                      <a:rPr kumimoji="1" lang="en-US" altLang="zh-TW" sz="3200">
+                                        <a:latin typeface="Cambria Math" charset="0"/>
+                                      </a:rPr>
                                       <m:t>𝟐𝟏</m:t>
                                     </m:r>
                                   </m:sub>
@@ -14669,18 +14814,24 @@
                                 <m:sSub>
                                   <m:sSubPr>
                                     <m:ctrlPr>
-                                      <a:rPr kumimoji="1" lang="en-US" altLang="zh-TW" sz="3200" smtClean="0"/>
+                                      <a:rPr kumimoji="1" lang="en-US" altLang="zh-TW" sz="3200" i="1" smtClean="0">
+                                        <a:latin typeface="Cambria Math" charset="0"/>
+                                      </a:rPr>
                                     </m:ctrlPr>
                                   </m:sSubPr>
                                   <m:e>
                                     <m:r>
-                                      <a:rPr kumimoji="1" lang="en-US" altLang="zh-TW" sz="3200"/>
+                                      <a:rPr kumimoji="1" lang="en-US" altLang="zh-TW" sz="3200">
+                                        <a:latin typeface="Cambria Math" charset="0"/>
+                                      </a:rPr>
                                       <m:t>𝝉</m:t>
                                     </m:r>
                                   </m:e>
                                   <m:sub>
                                     <m:r>
-                                      <a:rPr kumimoji="1" lang="en-US" altLang="zh-TW" sz="3200" smtClean="0"/>
+                                      <a:rPr kumimoji="1" lang="en-US" altLang="zh-TW" sz="3200" smtClean="0">
+                                        <a:latin typeface="Cambria Math" charset="0"/>
+                                      </a:rPr>
                                       <m:t>𝟑𝟐</m:t>
                                     </m:r>
                                   </m:sub>
@@ -14791,7 +14942,7 @@
             </a:graphic>
           </p:graphicFrame>
         </mc:Choice>
-        <mc:Fallback>
+        <mc:Fallback xmlns="">
           <p:graphicFrame>
             <p:nvGraphicFramePr>
               <p:cNvPr id="70" name="表格 69"/>
@@ -15190,6 +15341,31 @@
           </p:graphicFrame>
         </mc:Fallback>
       </mc:AlternateContent>
+      <p:sp>
+        <p:nvSpPr>
+          <p:cNvPr id="67" name="矩形 66"/>
+          <p:cNvSpPr/>
+          <p:nvPr/>
+        </p:nvSpPr>
+        <p:spPr>
+          <a:xfrm>
+            <a:off x="17323085" y="40891240"/>
+            <a:ext cx="4414172" cy="605294"/>
+          </a:xfrm>
+          <a:prstGeom prst="rect">
+            <a:avLst/>
+          </a:prstGeom>
+        </p:spPr>
+        <p:txBody>
+          <a:bodyPr wrap="square">
+            <a:spAutoFit/>
+          </a:bodyPr>
+          <a:lstStyle/>
+          <a:p>
+            <a:endParaRPr lang="zh-TW" altLang="en-US" sz="5000" u="sng" baseline="-25000" dirty="0"/>
+          </a:p>
+        </p:txBody>
+      </p:sp>
     </p:spTree>
     <p:extLst>
       <p:ext uri="{BB962C8B-B14F-4D97-AF65-F5344CB8AC3E}">
